--- a/ssh/ssh.pptx
+++ b/ssh/ssh.pptx
@@ -5,17 +5,21 @@
     <p:sldMasterId id="2147483663" r:id="rId1"/>
   </p:sldMasterIdLst>
   <p:notesMasterIdLst>
-    <p:notesMasterId r:id="rId10"/>
+    <p:notesMasterId r:id="rId14"/>
   </p:notesMasterIdLst>
   <p:sldIdLst>
     <p:sldId id="256" r:id="rId2"/>
-    <p:sldId id="323" r:id="rId3"/>
-    <p:sldId id="325" r:id="rId4"/>
-    <p:sldId id="324" r:id="rId5"/>
-    <p:sldId id="326" r:id="rId6"/>
-    <p:sldId id="327" r:id="rId7"/>
-    <p:sldId id="328" r:id="rId8"/>
-    <p:sldId id="329" r:id="rId9"/>
+    <p:sldId id="330" r:id="rId3"/>
+    <p:sldId id="331" r:id="rId4"/>
+    <p:sldId id="332" r:id="rId5"/>
+    <p:sldId id="333" r:id="rId6"/>
+    <p:sldId id="323" r:id="rId7"/>
+    <p:sldId id="325" r:id="rId8"/>
+    <p:sldId id="324" r:id="rId9"/>
+    <p:sldId id="326" r:id="rId10"/>
+    <p:sldId id="327" r:id="rId11"/>
+    <p:sldId id="328" r:id="rId12"/>
+    <p:sldId id="329" r:id="rId13"/>
   </p:sldIdLst>
   <p:sldSz cx="9144000" cy="6858000" type="screen4x3"/>
   <p:notesSz cx="6858000" cy="9144000"/>
@@ -214,7 +218,7 @@
           </a:lstStyle>
           <a:p>
             <a:fld id="{6B8D1B20-A248-FB47-8240-73C0C5F47C9D}" type="datetimeFigureOut">
-              <a:t>2024/3/18</a:t>
+              <a:t>2025/3/24</a:t>
             </a:fld>
             <a:endParaRPr kumimoji="1" lang="ja-JP" altLang="en-US"/>
           </a:p>
@@ -1179,7 +1183,3566 @@
 </p:sld>
 </file>
 
+<file path=ppt/slides/slide10.xml><?xml version="1.0" encoding="utf-8"?>
+<p:sld xmlns:a="http://schemas.openxmlformats.org/drawingml/2006/main" xmlns:r="http://schemas.openxmlformats.org/officeDocument/2006/relationships" xmlns:p="http://schemas.openxmlformats.org/presentationml/2006/main">
+  <p:cSld>
+    <p:spTree>
+      <p:nvGrpSpPr>
+        <p:cNvPr id="1" name=""/>
+        <p:cNvGrpSpPr/>
+        <p:nvPr/>
+      </p:nvGrpSpPr>
+      <p:grpSpPr>
+        <a:xfrm>
+          <a:off x="0" y="0"/>
+          <a:ext cx="0" cy="0"/>
+          <a:chOff x="0" y="0"/>
+          <a:chExt cx="0" cy="0"/>
+        </a:xfrm>
+      </p:grpSpPr>
+      <p:sp>
+        <p:nvSpPr>
+          <p:cNvPr id="2" name="テキスト プレースホルダー 1">
+            <a:extLst>
+              <a:ext uri="{FF2B5EF4-FFF2-40B4-BE49-F238E27FC236}">
+                <a16:creationId xmlns:a16="http://schemas.microsoft.com/office/drawing/2014/main" id="{8DB92D8E-BC4B-E30E-1952-2DE4146C7A5A}"/>
+              </a:ext>
+            </a:extLst>
+          </p:cNvPr>
+          <p:cNvSpPr>
+            <a:spLocks noGrp="1"/>
+          </p:cNvSpPr>
+          <p:nvPr>
+            <p:ph type="body" sz="quarter" idx="10"/>
+          </p:nvPr>
+        </p:nvSpPr>
+        <p:spPr/>
+        <p:txBody>
+          <a:bodyPr/>
+          <a:lstStyle/>
+          <a:p>
+            <a:endParaRPr kumimoji="1" lang="ja-JP" altLang="en-US"/>
+          </a:p>
+        </p:txBody>
+      </p:sp>
+      <p:pic>
+        <p:nvPicPr>
+          <p:cNvPr id="3" name="Picture 2" descr="家の鍵のイラスト（ディスクシリンダー）">
+            <a:extLst>
+              <a:ext uri="{FF2B5EF4-FFF2-40B4-BE49-F238E27FC236}">
+                <a16:creationId xmlns:a16="http://schemas.microsoft.com/office/drawing/2014/main" id="{F89DA5A9-8E96-CB4E-C894-C5D871D802BD}"/>
+              </a:ext>
+            </a:extLst>
+          </p:cNvPr>
+          <p:cNvPicPr>
+            <a:picLocks noChangeAspect="1" noChangeArrowheads="1"/>
+          </p:cNvPicPr>
+          <p:nvPr/>
+        </p:nvPicPr>
+        <p:blipFill>
+          <a:blip r:embed="rId2">
+            <a:extLst>
+              <a:ext uri="{28A0092B-C50C-407E-A947-70E740481C1C}">
+                <a14:useLocalDpi xmlns:a14="http://schemas.microsoft.com/office/drawing/2010/main" val="0"/>
+              </a:ext>
+            </a:extLst>
+          </a:blip>
+          <a:srcRect/>
+          <a:stretch>
+            <a:fillRect/>
+          </a:stretch>
+        </p:blipFill>
+        <p:spPr bwMode="auto">
+          <a:xfrm>
+            <a:off x="1331640" y="2132856"/>
+            <a:ext cx="1080120" cy="1080120"/>
+          </a:xfrm>
+          <a:prstGeom prst="rect">
+            <a:avLst/>
+          </a:prstGeom>
+          <a:noFill/>
+          <a:extLst>
+            <a:ext uri="{909E8E84-426E-40DD-AFC4-6F175D3DCCD1}">
+              <a14:hiddenFill xmlns:a14="http://schemas.microsoft.com/office/drawing/2010/main">
+                <a:solidFill>
+                  <a:srgbClr val="FFFFFF"/>
+                </a:solidFill>
+              </a14:hiddenFill>
+            </a:ext>
+          </a:extLst>
+        </p:spPr>
+      </p:pic>
+      <p:pic>
+        <p:nvPicPr>
+          <p:cNvPr id="4" name="Picture 4" descr="シンプルな南京錠のイラスト">
+            <a:extLst>
+              <a:ext uri="{FF2B5EF4-FFF2-40B4-BE49-F238E27FC236}">
+                <a16:creationId xmlns:a16="http://schemas.microsoft.com/office/drawing/2014/main" id="{F55F8591-BA57-15AC-7268-4BC20242484D}"/>
+              </a:ext>
+            </a:extLst>
+          </p:cNvPr>
+          <p:cNvPicPr>
+            <a:picLocks noChangeAspect="1" noChangeArrowheads="1"/>
+          </p:cNvPicPr>
+          <p:nvPr/>
+        </p:nvPicPr>
+        <p:blipFill>
+          <a:blip r:embed="rId3">
+            <a:extLst>
+              <a:ext uri="{28A0092B-C50C-407E-A947-70E740481C1C}">
+                <a14:useLocalDpi xmlns:a14="http://schemas.microsoft.com/office/drawing/2010/main" val="0"/>
+              </a:ext>
+            </a:extLst>
+          </a:blip>
+          <a:srcRect/>
+          <a:stretch>
+            <a:fillRect/>
+          </a:stretch>
+        </p:blipFill>
+        <p:spPr bwMode="auto">
+          <a:xfrm>
+            <a:off x="6444208" y="2060848"/>
+            <a:ext cx="1296144" cy="1296144"/>
+          </a:xfrm>
+          <a:prstGeom prst="rect">
+            <a:avLst/>
+          </a:prstGeom>
+          <a:noFill/>
+          <a:extLst>
+            <a:ext uri="{909E8E84-426E-40DD-AFC4-6F175D3DCCD1}">
+              <a14:hiddenFill xmlns:a14="http://schemas.microsoft.com/office/drawing/2010/main">
+                <a:solidFill>
+                  <a:srgbClr val="FFFFFF"/>
+                </a:solidFill>
+              </a14:hiddenFill>
+            </a:ext>
+          </a:extLst>
+        </p:spPr>
+      </p:pic>
+      <p:pic>
+        <p:nvPicPr>
+          <p:cNvPr id="5" name="Picture 6" descr="サーバのイラスト（グレー）">
+            <a:extLst>
+              <a:ext uri="{FF2B5EF4-FFF2-40B4-BE49-F238E27FC236}">
+                <a16:creationId xmlns:a16="http://schemas.microsoft.com/office/drawing/2014/main" id="{6B231B74-43DA-5DA5-A1C8-1AF07AE8579B}"/>
+              </a:ext>
+            </a:extLst>
+          </p:cNvPr>
+          <p:cNvPicPr>
+            <a:picLocks noChangeAspect="1" noChangeArrowheads="1"/>
+          </p:cNvPicPr>
+          <p:nvPr/>
+        </p:nvPicPr>
+        <p:blipFill>
+          <a:blip r:embed="rId4">
+            <a:extLst>
+              <a:ext uri="{28A0092B-C50C-407E-A947-70E740481C1C}">
+                <a14:useLocalDpi xmlns:a14="http://schemas.microsoft.com/office/drawing/2010/main" val="0"/>
+              </a:ext>
+            </a:extLst>
+          </a:blip>
+          <a:srcRect/>
+          <a:stretch>
+            <a:fillRect/>
+          </a:stretch>
+        </p:blipFill>
+        <p:spPr bwMode="auto">
+          <a:xfrm>
+            <a:off x="6660232" y="4005064"/>
+            <a:ext cx="978005" cy="1489348"/>
+          </a:xfrm>
+          <a:prstGeom prst="rect">
+            <a:avLst/>
+          </a:prstGeom>
+          <a:noFill/>
+          <a:extLst>
+            <a:ext uri="{909E8E84-426E-40DD-AFC4-6F175D3DCCD1}">
+              <a14:hiddenFill xmlns:a14="http://schemas.microsoft.com/office/drawing/2010/main">
+                <a:solidFill>
+                  <a:srgbClr val="FFFFFF"/>
+                </a:solidFill>
+              </a14:hiddenFill>
+            </a:ext>
+          </a:extLst>
+        </p:spPr>
+      </p:pic>
+      <p:pic>
+        <p:nvPicPr>
+          <p:cNvPr id="6" name="Picture 8" descr="パソコンを使う女性のイラスト">
+            <a:extLst>
+              <a:ext uri="{FF2B5EF4-FFF2-40B4-BE49-F238E27FC236}">
+                <a16:creationId xmlns:a16="http://schemas.microsoft.com/office/drawing/2014/main" id="{61C1BB46-14E5-5237-52CB-D77CF7BA2073}"/>
+              </a:ext>
+            </a:extLst>
+          </p:cNvPr>
+          <p:cNvPicPr>
+            <a:picLocks noChangeAspect="1" noChangeArrowheads="1"/>
+          </p:cNvPicPr>
+          <p:nvPr/>
+        </p:nvPicPr>
+        <p:blipFill>
+          <a:blip r:embed="rId5">
+            <a:extLst>
+              <a:ext uri="{28A0092B-C50C-407E-A947-70E740481C1C}">
+                <a14:useLocalDpi xmlns:a14="http://schemas.microsoft.com/office/drawing/2010/main" val="0"/>
+              </a:ext>
+            </a:extLst>
+          </a:blip>
+          <a:srcRect/>
+          <a:stretch>
+            <a:fillRect/>
+          </a:stretch>
+        </p:blipFill>
+        <p:spPr bwMode="auto">
+          <a:xfrm>
+            <a:off x="1331640" y="3933056"/>
+            <a:ext cx="1656184" cy="1664507"/>
+          </a:xfrm>
+          <a:prstGeom prst="rect">
+            <a:avLst/>
+          </a:prstGeom>
+          <a:noFill/>
+          <a:extLst>
+            <a:ext uri="{909E8E84-426E-40DD-AFC4-6F175D3DCCD1}">
+              <a14:hiddenFill xmlns:a14="http://schemas.microsoft.com/office/drawing/2010/main">
+                <a:solidFill>
+                  <a:srgbClr val="FFFFFF"/>
+                </a:solidFill>
+              </a14:hiddenFill>
+            </a:ext>
+          </a:extLst>
+        </p:spPr>
+      </p:pic>
+      <p:sp>
+        <p:nvSpPr>
+          <p:cNvPr id="7" name="テキスト ボックス 6">
+            <a:extLst>
+              <a:ext uri="{FF2B5EF4-FFF2-40B4-BE49-F238E27FC236}">
+                <a16:creationId xmlns:a16="http://schemas.microsoft.com/office/drawing/2014/main" id="{EBB5762A-AA8A-04FE-B9AF-C465304EC94E}"/>
+              </a:ext>
+            </a:extLst>
+          </p:cNvPr>
+          <p:cNvSpPr txBox="1"/>
+          <p:nvPr/>
+        </p:nvSpPr>
+        <p:spPr>
+          <a:xfrm>
+            <a:off x="6516216" y="5589240"/>
+            <a:ext cx="1096775" cy="461665"/>
+          </a:xfrm>
+          <a:prstGeom prst="rect">
+            <a:avLst/>
+          </a:prstGeom>
+          <a:noFill/>
+        </p:spPr>
+        <p:txBody>
+          <a:bodyPr wrap="none" rtlCol="0">
+            <a:spAutoFit/>
+          </a:bodyPr>
+          <a:lstStyle/>
+          <a:p>
+            <a:r>
+              <a:rPr kumimoji="1" lang="ja-JP" altLang="en-US" sz="2400" dirty="0"/>
+              <a:t>サーバ</a:t>
+            </a:r>
+          </a:p>
+        </p:txBody>
+      </p:sp>
+      <p:sp>
+        <p:nvSpPr>
+          <p:cNvPr id="8" name="テキスト ボックス 7">
+            <a:extLst>
+              <a:ext uri="{FF2B5EF4-FFF2-40B4-BE49-F238E27FC236}">
+                <a16:creationId xmlns:a16="http://schemas.microsoft.com/office/drawing/2014/main" id="{8B4428BD-1DF3-BAB9-929D-9C5E19286DFC}"/>
+              </a:ext>
+            </a:extLst>
+          </p:cNvPr>
+          <p:cNvSpPr txBox="1"/>
+          <p:nvPr/>
+        </p:nvSpPr>
+        <p:spPr>
+          <a:xfrm>
+            <a:off x="1475656" y="5589240"/>
+            <a:ext cx="1085554" cy="461665"/>
+          </a:xfrm>
+          <a:prstGeom prst="rect">
+            <a:avLst/>
+          </a:prstGeom>
+          <a:noFill/>
+        </p:spPr>
+        <p:txBody>
+          <a:bodyPr wrap="none" rtlCol="0">
+            <a:spAutoFit/>
+          </a:bodyPr>
+          <a:lstStyle/>
+          <a:p>
+            <a:r>
+              <a:rPr lang="ja-JP" altLang="en-US" sz="2400" dirty="0"/>
+              <a:t>ユーザ</a:t>
+            </a:r>
+            <a:endParaRPr kumimoji="1" lang="ja-JP" altLang="en-US" sz="2400" dirty="0"/>
+          </a:p>
+        </p:txBody>
+      </p:sp>
+      <p:sp>
+        <p:nvSpPr>
+          <p:cNvPr id="9" name="テキスト ボックス 8">
+            <a:extLst>
+              <a:ext uri="{FF2B5EF4-FFF2-40B4-BE49-F238E27FC236}">
+                <a16:creationId xmlns:a16="http://schemas.microsoft.com/office/drawing/2014/main" id="{7BFDFDF7-C28F-FDD2-50A1-FC4D96A3D118}"/>
+              </a:ext>
+            </a:extLst>
+          </p:cNvPr>
+          <p:cNvSpPr txBox="1"/>
+          <p:nvPr/>
+        </p:nvSpPr>
+        <p:spPr>
+          <a:xfrm>
+            <a:off x="1331640" y="1556792"/>
+            <a:ext cx="1107996" cy="461665"/>
+          </a:xfrm>
+          <a:prstGeom prst="rect">
+            <a:avLst/>
+          </a:prstGeom>
+          <a:noFill/>
+        </p:spPr>
+        <p:txBody>
+          <a:bodyPr wrap="none" rtlCol="0">
+            <a:spAutoFit/>
+          </a:bodyPr>
+          <a:lstStyle/>
+          <a:p>
+            <a:r>
+              <a:rPr lang="ja-JP" altLang="en-US" sz="2400" dirty="0"/>
+              <a:t>秘密鍵</a:t>
+            </a:r>
+            <a:endParaRPr kumimoji="1" lang="ja-JP" altLang="en-US" sz="2400" dirty="0"/>
+          </a:p>
+        </p:txBody>
+      </p:sp>
+      <p:sp>
+        <p:nvSpPr>
+          <p:cNvPr id="10" name="テキスト ボックス 9">
+            <a:extLst>
+              <a:ext uri="{FF2B5EF4-FFF2-40B4-BE49-F238E27FC236}">
+                <a16:creationId xmlns:a16="http://schemas.microsoft.com/office/drawing/2014/main" id="{B1FB6F6B-25C4-EE2C-D9C8-8F3661737457}"/>
+              </a:ext>
+            </a:extLst>
+          </p:cNvPr>
+          <p:cNvSpPr txBox="1"/>
+          <p:nvPr/>
+        </p:nvSpPr>
+        <p:spPr>
+          <a:xfrm>
+            <a:off x="6516216" y="1484784"/>
+            <a:ext cx="1107996" cy="461665"/>
+          </a:xfrm>
+          <a:prstGeom prst="rect">
+            <a:avLst/>
+          </a:prstGeom>
+          <a:noFill/>
+        </p:spPr>
+        <p:txBody>
+          <a:bodyPr wrap="none" rtlCol="0">
+            <a:spAutoFit/>
+          </a:bodyPr>
+          <a:lstStyle/>
+          <a:p>
+            <a:r>
+              <a:rPr lang="ja-JP" altLang="en-US" sz="2400" dirty="0"/>
+              <a:t>公開鍵</a:t>
+            </a:r>
+            <a:endParaRPr kumimoji="1" lang="ja-JP" altLang="en-US" sz="2400" dirty="0"/>
+          </a:p>
+        </p:txBody>
+      </p:sp>
+      <p:sp>
+        <p:nvSpPr>
+          <p:cNvPr id="11" name="左右矢印 3">
+            <a:extLst>
+              <a:ext uri="{FF2B5EF4-FFF2-40B4-BE49-F238E27FC236}">
+                <a16:creationId xmlns:a16="http://schemas.microsoft.com/office/drawing/2014/main" id="{0A5ED977-F9C7-1D45-339F-E9F1636CC4FC}"/>
+              </a:ext>
+            </a:extLst>
+          </p:cNvPr>
+          <p:cNvSpPr/>
+          <p:nvPr/>
+        </p:nvSpPr>
+        <p:spPr>
+          <a:xfrm>
+            <a:off x="3131840" y="2420888"/>
+            <a:ext cx="2736304" cy="576064"/>
+          </a:xfrm>
+          <a:prstGeom prst="leftRightArrow">
+            <a:avLst/>
+          </a:prstGeom>
+          <a:ln>
+            <a:solidFill>
+              <a:schemeClr val="tx1"/>
+            </a:solidFill>
+          </a:ln>
+        </p:spPr>
+        <p:txBody>
+          <a:bodyPr wrap="square" rtlCol="0" anchor="ctr">
+            <a:spAutoFit/>
+          </a:bodyPr>
+          <a:lstStyle/>
+          <a:p>
+            <a:pPr algn="ctr"/>
+            <a:endParaRPr kumimoji="1" lang="ja-JP" altLang="en-US" sz="2400" dirty="0"/>
+          </a:p>
+        </p:txBody>
+      </p:sp>
+    </p:spTree>
+    <p:extLst>
+      <p:ext uri="{BB962C8B-B14F-4D97-AF65-F5344CB8AC3E}">
+        <p14:creationId xmlns:p14="http://schemas.microsoft.com/office/powerpoint/2010/main" val="3526724538"/>
+      </p:ext>
+    </p:extLst>
+  </p:cSld>
+  <p:clrMapOvr>
+    <a:masterClrMapping/>
+  </p:clrMapOvr>
+</p:sld>
+</file>
+
+<file path=ppt/slides/slide11.xml><?xml version="1.0" encoding="utf-8"?>
+<p:sld xmlns:a="http://schemas.openxmlformats.org/drawingml/2006/main" xmlns:r="http://schemas.openxmlformats.org/officeDocument/2006/relationships" xmlns:p="http://schemas.openxmlformats.org/presentationml/2006/main">
+  <p:cSld>
+    <p:spTree>
+      <p:nvGrpSpPr>
+        <p:cNvPr id="1" name=""/>
+        <p:cNvGrpSpPr/>
+        <p:nvPr/>
+      </p:nvGrpSpPr>
+      <p:grpSpPr>
+        <a:xfrm>
+          <a:off x="0" y="0"/>
+          <a:ext cx="0" cy="0"/>
+          <a:chOff x="0" y="0"/>
+          <a:chExt cx="0" cy="0"/>
+        </a:xfrm>
+      </p:grpSpPr>
+      <p:sp>
+        <p:nvSpPr>
+          <p:cNvPr id="2" name="テキスト プレースホルダー 1">
+            <a:extLst>
+              <a:ext uri="{FF2B5EF4-FFF2-40B4-BE49-F238E27FC236}">
+                <a16:creationId xmlns:a16="http://schemas.microsoft.com/office/drawing/2014/main" id="{84AAC8EA-1926-5A20-574D-498E6EC78D0B}"/>
+              </a:ext>
+            </a:extLst>
+          </p:cNvPr>
+          <p:cNvSpPr>
+            <a:spLocks noGrp="1"/>
+          </p:cNvSpPr>
+          <p:nvPr>
+            <p:ph type="body" sz="quarter" idx="10"/>
+          </p:nvPr>
+        </p:nvSpPr>
+        <p:spPr/>
+        <p:txBody>
+          <a:bodyPr/>
+          <a:lstStyle/>
+          <a:p>
+            <a:endParaRPr kumimoji="1" lang="ja-JP" altLang="en-US"/>
+          </a:p>
+        </p:txBody>
+      </p:sp>
+      <p:pic>
+        <p:nvPicPr>
+          <p:cNvPr id="3" name="Picture 8" descr="パソコンを使う女性のイラスト">
+            <a:extLst>
+              <a:ext uri="{FF2B5EF4-FFF2-40B4-BE49-F238E27FC236}">
+                <a16:creationId xmlns:a16="http://schemas.microsoft.com/office/drawing/2014/main" id="{AFE40E93-8357-DBAF-AA59-951168657B32}"/>
+              </a:ext>
+            </a:extLst>
+          </p:cNvPr>
+          <p:cNvPicPr>
+            <a:picLocks noChangeAspect="1" noChangeArrowheads="1"/>
+          </p:cNvPicPr>
+          <p:nvPr/>
+        </p:nvPicPr>
+        <p:blipFill>
+          <a:blip r:embed="rId2" cstate="print">
+            <a:extLst>
+              <a:ext uri="{28A0092B-C50C-407E-A947-70E740481C1C}">
+                <a14:useLocalDpi xmlns:a14="http://schemas.microsoft.com/office/drawing/2010/main" val="0"/>
+              </a:ext>
+            </a:extLst>
+          </a:blip>
+          <a:srcRect/>
+          <a:stretch>
+            <a:fillRect/>
+          </a:stretch>
+        </p:blipFill>
+        <p:spPr bwMode="auto">
+          <a:xfrm>
+            <a:off x="3851920" y="1340768"/>
+            <a:ext cx="1242927" cy="1249173"/>
+          </a:xfrm>
+          <a:prstGeom prst="rect">
+            <a:avLst/>
+          </a:prstGeom>
+          <a:noFill/>
+          <a:extLst>
+            <a:ext uri="{909E8E84-426E-40DD-AFC4-6F175D3DCCD1}">
+              <a14:hiddenFill xmlns:a14="http://schemas.microsoft.com/office/drawing/2010/main">
+                <a:solidFill>
+                  <a:srgbClr val="FFFFFF"/>
+                </a:solidFill>
+              </a14:hiddenFill>
+            </a:ext>
+          </a:extLst>
+        </p:spPr>
+      </p:pic>
+      <p:pic>
+        <p:nvPicPr>
+          <p:cNvPr id="4" name="Picture 2" descr="サーバのイラスト（青）">
+            <a:extLst>
+              <a:ext uri="{FF2B5EF4-FFF2-40B4-BE49-F238E27FC236}">
+                <a16:creationId xmlns:a16="http://schemas.microsoft.com/office/drawing/2014/main" id="{635F3ABB-2339-B98B-7482-70BDE5EC616E}"/>
+              </a:ext>
+            </a:extLst>
+          </p:cNvPr>
+          <p:cNvPicPr>
+            <a:picLocks noChangeAspect="1" noChangeArrowheads="1"/>
+          </p:cNvPicPr>
+          <p:nvPr/>
+        </p:nvPicPr>
+        <p:blipFill>
+          <a:blip r:embed="rId3" cstate="print">
+            <a:extLst>
+              <a:ext uri="{28A0092B-C50C-407E-A947-70E740481C1C}">
+                <a14:useLocalDpi xmlns:a14="http://schemas.microsoft.com/office/drawing/2010/main" val="0"/>
+              </a:ext>
+            </a:extLst>
+          </a:blip>
+          <a:srcRect/>
+          <a:stretch>
+            <a:fillRect/>
+          </a:stretch>
+        </p:blipFill>
+        <p:spPr bwMode="auto">
+          <a:xfrm>
+            <a:off x="5652120" y="3933056"/>
+            <a:ext cx="756564" cy="1152128"/>
+          </a:xfrm>
+          <a:prstGeom prst="rect">
+            <a:avLst/>
+          </a:prstGeom>
+          <a:noFill/>
+          <a:extLst>
+            <a:ext uri="{909E8E84-426E-40DD-AFC4-6F175D3DCCD1}">
+              <a14:hiddenFill xmlns:a14="http://schemas.microsoft.com/office/drawing/2010/main">
+                <a:solidFill>
+                  <a:srgbClr val="FFFFFF"/>
+                </a:solidFill>
+              </a14:hiddenFill>
+            </a:ext>
+          </a:extLst>
+        </p:spPr>
+      </p:pic>
+      <p:pic>
+        <p:nvPicPr>
+          <p:cNvPr id="5" name="Picture 6" descr="サーバのイラスト（グレー）">
+            <a:extLst>
+              <a:ext uri="{FF2B5EF4-FFF2-40B4-BE49-F238E27FC236}">
+                <a16:creationId xmlns:a16="http://schemas.microsoft.com/office/drawing/2014/main" id="{A85FD5A8-6FDD-41A1-EED5-A9AAB8D88DEB}"/>
+              </a:ext>
+            </a:extLst>
+          </p:cNvPr>
+          <p:cNvPicPr>
+            <a:picLocks noChangeAspect="1" noChangeArrowheads="1"/>
+          </p:cNvPicPr>
+          <p:nvPr/>
+        </p:nvPicPr>
+        <p:blipFill>
+          <a:blip r:embed="rId4" cstate="print">
+            <a:extLst>
+              <a:ext uri="{28A0092B-C50C-407E-A947-70E740481C1C}">
+                <a14:useLocalDpi xmlns:a14="http://schemas.microsoft.com/office/drawing/2010/main" val="0"/>
+              </a:ext>
+            </a:extLst>
+          </a:blip>
+          <a:srcRect/>
+          <a:stretch>
+            <a:fillRect/>
+          </a:stretch>
+        </p:blipFill>
+        <p:spPr bwMode="auto">
+          <a:xfrm>
+            <a:off x="2483768" y="3895456"/>
+            <a:ext cx="733969" cy="1117720"/>
+          </a:xfrm>
+          <a:prstGeom prst="rect">
+            <a:avLst/>
+          </a:prstGeom>
+          <a:noFill/>
+          <a:extLst>
+            <a:ext uri="{909E8E84-426E-40DD-AFC4-6F175D3DCCD1}">
+              <a14:hiddenFill xmlns:a14="http://schemas.microsoft.com/office/drawing/2010/main">
+                <a:solidFill>
+                  <a:srgbClr val="FFFFFF"/>
+                </a:solidFill>
+              </a14:hiddenFill>
+            </a:ext>
+          </a:extLst>
+        </p:spPr>
+      </p:pic>
+      <p:sp>
+        <p:nvSpPr>
+          <p:cNvPr id="6" name="右矢印 4">
+            <a:extLst>
+              <a:ext uri="{FF2B5EF4-FFF2-40B4-BE49-F238E27FC236}">
+                <a16:creationId xmlns:a16="http://schemas.microsoft.com/office/drawing/2014/main" id="{2C1935C5-C991-0277-3D51-D71E38CCB88D}"/>
+              </a:ext>
+            </a:extLst>
+          </p:cNvPr>
+          <p:cNvSpPr/>
+          <p:nvPr/>
+        </p:nvSpPr>
+        <p:spPr>
+          <a:xfrm rot="2700000">
+            <a:off x="5032107" y="2767842"/>
+            <a:ext cx="978408" cy="484632"/>
+          </a:xfrm>
+          <a:prstGeom prst="rightArrow">
+            <a:avLst/>
+          </a:prstGeom>
+          <a:ln>
+            <a:solidFill>
+              <a:schemeClr val="tx1"/>
+            </a:solidFill>
+          </a:ln>
+        </p:spPr>
+        <p:txBody>
+          <a:bodyPr wrap="square" rtlCol="0" anchor="ctr">
+            <a:spAutoFit/>
+          </a:bodyPr>
+          <a:lstStyle/>
+          <a:p>
+            <a:pPr algn="ctr"/>
+            <a:endParaRPr kumimoji="1" lang="ja-JP" altLang="en-US" sz="2400" dirty="0"/>
+          </a:p>
+        </p:txBody>
+      </p:sp>
+      <p:sp>
+        <p:nvSpPr>
+          <p:cNvPr id="7" name="右矢印 5">
+            <a:extLst>
+              <a:ext uri="{FF2B5EF4-FFF2-40B4-BE49-F238E27FC236}">
+                <a16:creationId xmlns:a16="http://schemas.microsoft.com/office/drawing/2014/main" id="{FFB10DA8-601F-E629-1CE2-512350B7A6DB}"/>
+              </a:ext>
+            </a:extLst>
+          </p:cNvPr>
+          <p:cNvSpPr/>
+          <p:nvPr/>
+        </p:nvSpPr>
+        <p:spPr>
+          <a:xfrm rot="8100000">
+            <a:off x="3015883" y="2839850"/>
+            <a:ext cx="978408" cy="484632"/>
+          </a:xfrm>
+          <a:prstGeom prst="rightArrow">
+            <a:avLst/>
+          </a:prstGeom>
+          <a:ln>
+            <a:solidFill>
+              <a:schemeClr val="tx1"/>
+            </a:solidFill>
+          </a:ln>
+        </p:spPr>
+        <p:txBody>
+          <a:bodyPr wrap="square" rtlCol="0" anchor="ctr">
+            <a:spAutoFit/>
+          </a:bodyPr>
+          <a:lstStyle/>
+          <a:p>
+            <a:pPr algn="ctr"/>
+            <a:endParaRPr kumimoji="1" lang="ja-JP" altLang="en-US" sz="2400" dirty="0"/>
+          </a:p>
+        </p:txBody>
+      </p:sp>
+      <p:sp>
+        <p:nvSpPr>
+          <p:cNvPr id="8" name="右矢印 6">
+            <a:extLst>
+              <a:ext uri="{FF2B5EF4-FFF2-40B4-BE49-F238E27FC236}">
+                <a16:creationId xmlns:a16="http://schemas.microsoft.com/office/drawing/2014/main" id="{9404D890-5CF9-FE2E-1411-7C9A7EFF780B}"/>
+              </a:ext>
+            </a:extLst>
+          </p:cNvPr>
+          <p:cNvSpPr/>
+          <p:nvPr/>
+        </p:nvSpPr>
+        <p:spPr>
+          <a:xfrm>
+            <a:off x="4067944" y="4005064"/>
+            <a:ext cx="978408" cy="484632"/>
+          </a:xfrm>
+          <a:prstGeom prst="rightArrow">
+            <a:avLst/>
+          </a:prstGeom>
+          <a:ln>
+            <a:solidFill>
+              <a:schemeClr val="tx1"/>
+            </a:solidFill>
+          </a:ln>
+        </p:spPr>
+        <p:txBody>
+          <a:bodyPr wrap="square" rtlCol="0" anchor="ctr">
+            <a:spAutoFit/>
+          </a:bodyPr>
+          <a:lstStyle/>
+          <a:p>
+            <a:pPr algn="ctr"/>
+            <a:endParaRPr kumimoji="1" lang="ja-JP" altLang="en-US" sz="2400" dirty="0"/>
+          </a:p>
+        </p:txBody>
+      </p:sp>
+      <p:sp>
+        <p:nvSpPr>
+          <p:cNvPr id="9" name="テキスト ボックス 8">
+            <a:extLst>
+              <a:ext uri="{FF2B5EF4-FFF2-40B4-BE49-F238E27FC236}">
+                <a16:creationId xmlns:a16="http://schemas.microsoft.com/office/drawing/2014/main" id="{8D983058-1F7F-52CE-A5C8-3B883AF546AE}"/>
+              </a:ext>
+            </a:extLst>
+          </p:cNvPr>
+          <p:cNvSpPr txBox="1"/>
+          <p:nvPr/>
+        </p:nvSpPr>
+        <p:spPr>
+          <a:xfrm>
+            <a:off x="2267744" y="3429000"/>
+            <a:ext cx="1096775" cy="461665"/>
+          </a:xfrm>
+          <a:prstGeom prst="rect">
+            <a:avLst/>
+          </a:prstGeom>
+          <a:noFill/>
+        </p:spPr>
+        <p:txBody>
+          <a:bodyPr wrap="none" rtlCol="0">
+            <a:spAutoFit/>
+          </a:bodyPr>
+          <a:lstStyle/>
+          <a:p>
+            <a:r>
+              <a:rPr kumimoji="1" lang="ja-JP" altLang="en-US" sz="2400" dirty="0"/>
+              <a:t>サーバ</a:t>
+            </a:r>
+          </a:p>
+        </p:txBody>
+      </p:sp>
+      <p:sp>
+        <p:nvSpPr>
+          <p:cNvPr id="10" name="テキスト ボックス 9">
+            <a:extLst>
+              <a:ext uri="{FF2B5EF4-FFF2-40B4-BE49-F238E27FC236}">
+                <a16:creationId xmlns:a16="http://schemas.microsoft.com/office/drawing/2014/main" id="{547B1327-34AF-55C3-3066-D2FB3AEE6650}"/>
+              </a:ext>
+            </a:extLst>
+          </p:cNvPr>
+          <p:cNvSpPr txBox="1"/>
+          <p:nvPr/>
+        </p:nvSpPr>
+        <p:spPr>
+          <a:xfrm>
+            <a:off x="5436096" y="3399383"/>
+            <a:ext cx="1067921" cy="461665"/>
+          </a:xfrm>
+          <a:prstGeom prst="rect">
+            <a:avLst/>
+          </a:prstGeom>
+          <a:noFill/>
+        </p:spPr>
+        <p:txBody>
+          <a:bodyPr wrap="none" rtlCol="0">
+            <a:spAutoFit/>
+          </a:bodyPr>
+          <a:lstStyle/>
+          <a:p>
+            <a:r>
+              <a:rPr kumimoji="1" lang="en-US" altLang="ja-JP" sz="2400" dirty="0"/>
+              <a:t>GitHub</a:t>
+            </a:r>
+            <a:endParaRPr kumimoji="1" lang="ja-JP" altLang="en-US" sz="2400" dirty="0"/>
+          </a:p>
+        </p:txBody>
+      </p:sp>
+      <p:sp>
+        <p:nvSpPr>
+          <p:cNvPr id="11" name="テキスト ボックス 10">
+            <a:extLst>
+              <a:ext uri="{FF2B5EF4-FFF2-40B4-BE49-F238E27FC236}">
+                <a16:creationId xmlns:a16="http://schemas.microsoft.com/office/drawing/2014/main" id="{DC1F9EBF-AC92-B3CF-511C-07369C31EDE9}"/>
+              </a:ext>
+            </a:extLst>
+          </p:cNvPr>
+          <p:cNvSpPr txBox="1"/>
+          <p:nvPr/>
+        </p:nvSpPr>
+        <p:spPr>
+          <a:xfrm>
+            <a:off x="1327256" y="5085184"/>
+            <a:ext cx="6845144" cy="830997"/>
+          </a:xfrm>
+          <a:prstGeom prst="rect">
+            <a:avLst/>
+          </a:prstGeom>
+          <a:noFill/>
+        </p:spPr>
+        <p:txBody>
+          <a:bodyPr wrap="none" rtlCol="0">
+            <a:spAutoFit/>
+          </a:bodyPr>
+          <a:lstStyle/>
+          <a:p>
+            <a:r>
+              <a:rPr lang="ja-JP" altLang="en-US" sz="2400" dirty="0"/>
+              <a:t>ローカルマシンから</a:t>
+            </a:r>
+            <a:r>
+              <a:rPr lang="en-US" altLang="ja-JP" sz="2400" dirty="0"/>
+              <a:t>GitHub</a:t>
+            </a:r>
+            <a:r>
+              <a:rPr lang="ja-JP" altLang="en-US" sz="2400" dirty="0"/>
+              <a:t>にアクセスできる状態で、</a:t>
+            </a:r>
+            <a:endParaRPr lang="en-US" altLang="ja-JP" sz="2400" dirty="0"/>
+          </a:p>
+          <a:p>
+            <a:r>
+              <a:rPr kumimoji="1" lang="ja-JP" altLang="en-US" sz="2400" dirty="0"/>
+              <a:t>サーバ経由で</a:t>
+            </a:r>
+            <a:r>
+              <a:rPr kumimoji="1" lang="en-US" altLang="ja-JP" sz="2400" dirty="0"/>
+              <a:t>GitHub</a:t>
+            </a:r>
+            <a:r>
+              <a:rPr kumimoji="1" lang="ja-JP" altLang="en-US" sz="2400" dirty="0"/>
+              <a:t>にアクセスしたい</a:t>
+            </a:r>
+          </a:p>
+        </p:txBody>
+      </p:sp>
+    </p:spTree>
+    <p:extLst>
+      <p:ext uri="{BB962C8B-B14F-4D97-AF65-F5344CB8AC3E}">
+        <p14:creationId xmlns:p14="http://schemas.microsoft.com/office/powerpoint/2010/main" val="662500876"/>
+      </p:ext>
+    </p:extLst>
+  </p:cSld>
+  <p:clrMapOvr>
+    <a:masterClrMapping/>
+  </p:clrMapOvr>
+</p:sld>
+</file>
+
+<file path=ppt/slides/slide12.xml><?xml version="1.0" encoding="utf-8"?>
+<p:sld xmlns:a="http://schemas.openxmlformats.org/drawingml/2006/main" xmlns:r="http://schemas.openxmlformats.org/officeDocument/2006/relationships" xmlns:p="http://schemas.openxmlformats.org/presentationml/2006/main">
+  <p:cSld>
+    <p:spTree>
+      <p:nvGrpSpPr>
+        <p:cNvPr id="1" name=""/>
+        <p:cNvGrpSpPr/>
+        <p:nvPr/>
+      </p:nvGrpSpPr>
+      <p:grpSpPr>
+        <a:xfrm>
+          <a:off x="0" y="0"/>
+          <a:ext cx="0" cy="0"/>
+          <a:chOff x="0" y="0"/>
+          <a:chExt cx="0" cy="0"/>
+        </a:xfrm>
+      </p:grpSpPr>
+      <p:sp>
+        <p:nvSpPr>
+          <p:cNvPr id="2" name="テキスト プレースホルダー 1">
+            <a:extLst>
+              <a:ext uri="{FF2B5EF4-FFF2-40B4-BE49-F238E27FC236}">
+                <a16:creationId xmlns:a16="http://schemas.microsoft.com/office/drawing/2014/main" id="{FB04D606-3DB0-BE39-821F-86B3CBDC1779}"/>
+              </a:ext>
+            </a:extLst>
+          </p:cNvPr>
+          <p:cNvSpPr>
+            <a:spLocks noGrp="1"/>
+          </p:cNvSpPr>
+          <p:nvPr>
+            <p:ph type="body" sz="quarter" idx="10"/>
+          </p:nvPr>
+        </p:nvSpPr>
+        <p:spPr/>
+        <p:txBody>
+          <a:bodyPr/>
+          <a:lstStyle/>
+          <a:p>
+            <a:endParaRPr kumimoji="1" lang="ja-JP" altLang="en-US"/>
+          </a:p>
+        </p:txBody>
+      </p:sp>
+      <p:sp>
+        <p:nvSpPr>
+          <p:cNvPr id="3" name="テキスト ボックス 2">
+            <a:extLst>
+              <a:ext uri="{FF2B5EF4-FFF2-40B4-BE49-F238E27FC236}">
+                <a16:creationId xmlns:a16="http://schemas.microsoft.com/office/drawing/2014/main" id="{01BD69B5-CFB8-600C-523D-EFBDDF56ED45}"/>
+              </a:ext>
+            </a:extLst>
+          </p:cNvPr>
+          <p:cNvSpPr txBox="1"/>
+          <p:nvPr/>
+        </p:nvSpPr>
+        <p:spPr>
+          <a:xfrm>
+            <a:off x="3635896" y="118373"/>
+            <a:ext cx="1818126" cy="646331"/>
+          </a:xfrm>
+          <a:prstGeom prst="rect">
+            <a:avLst/>
+          </a:prstGeom>
+          <a:noFill/>
+        </p:spPr>
+        <p:txBody>
+          <a:bodyPr wrap="none" rtlCol="0">
+            <a:spAutoFit/>
+          </a:bodyPr>
+          <a:lstStyle/>
+          <a:p>
+            <a:r>
+              <a:rPr lang="ja-JP" altLang="en-US" sz="3600" dirty="0"/>
+              <a:t>多段</a:t>
+            </a:r>
+            <a:r>
+              <a:rPr lang="en-US" altLang="ja-JP" sz="3600" dirty="0"/>
+              <a:t>SSH</a:t>
+            </a:r>
+          </a:p>
+        </p:txBody>
+      </p:sp>
+      <p:pic>
+        <p:nvPicPr>
+          <p:cNvPr id="4" name="Picture 6" descr="サーバのイラスト（グレー）">
+            <a:extLst>
+              <a:ext uri="{FF2B5EF4-FFF2-40B4-BE49-F238E27FC236}">
+                <a16:creationId xmlns:a16="http://schemas.microsoft.com/office/drawing/2014/main" id="{742A3C4D-A240-8618-4B96-A8083D242F79}"/>
+              </a:ext>
+            </a:extLst>
+          </p:cNvPr>
+          <p:cNvPicPr>
+            <a:picLocks noChangeAspect="1" noChangeArrowheads="1"/>
+          </p:cNvPicPr>
+          <p:nvPr/>
+        </p:nvPicPr>
+        <p:blipFill>
+          <a:blip r:embed="rId2">
+            <a:extLst>
+              <a:ext uri="{28A0092B-C50C-407E-A947-70E740481C1C}">
+                <a14:useLocalDpi xmlns:a14="http://schemas.microsoft.com/office/drawing/2010/main" val="0"/>
+              </a:ext>
+            </a:extLst>
+          </a:blip>
+          <a:srcRect/>
+          <a:stretch>
+            <a:fillRect/>
+          </a:stretch>
+        </p:blipFill>
+        <p:spPr bwMode="auto">
+          <a:xfrm>
+            <a:off x="5220072" y="4221088"/>
+            <a:ext cx="978005" cy="1489348"/>
+          </a:xfrm>
+          <a:prstGeom prst="rect">
+            <a:avLst/>
+          </a:prstGeom>
+          <a:noFill/>
+          <a:extLst>
+            <a:ext uri="{909E8E84-426E-40DD-AFC4-6F175D3DCCD1}">
+              <a14:hiddenFill xmlns:a14="http://schemas.microsoft.com/office/drawing/2010/main">
+                <a:solidFill>
+                  <a:srgbClr val="FFFFFF"/>
+                </a:solidFill>
+              </a14:hiddenFill>
+            </a:ext>
+          </a:extLst>
+        </p:spPr>
+      </p:pic>
+      <p:pic>
+        <p:nvPicPr>
+          <p:cNvPr id="5" name="Picture 8" descr="パソコンを使う女性のイラスト">
+            <a:extLst>
+              <a:ext uri="{FF2B5EF4-FFF2-40B4-BE49-F238E27FC236}">
+                <a16:creationId xmlns:a16="http://schemas.microsoft.com/office/drawing/2014/main" id="{2E95CA4B-58B2-E6CC-7FD6-C5C3B940C3D1}"/>
+              </a:ext>
+            </a:extLst>
+          </p:cNvPr>
+          <p:cNvPicPr>
+            <a:picLocks noChangeAspect="1" noChangeArrowheads="1"/>
+          </p:cNvPicPr>
+          <p:nvPr/>
+        </p:nvPicPr>
+        <p:blipFill>
+          <a:blip r:embed="rId3">
+            <a:extLst>
+              <a:ext uri="{28A0092B-C50C-407E-A947-70E740481C1C}">
+                <a14:useLocalDpi xmlns:a14="http://schemas.microsoft.com/office/drawing/2010/main" val="0"/>
+              </a:ext>
+            </a:extLst>
+          </a:blip>
+          <a:srcRect/>
+          <a:stretch>
+            <a:fillRect/>
+          </a:stretch>
+        </p:blipFill>
+        <p:spPr bwMode="auto">
+          <a:xfrm>
+            <a:off x="1979712" y="2564904"/>
+            <a:ext cx="1656184" cy="1664507"/>
+          </a:xfrm>
+          <a:prstGeom prst="rect">
+            <a:avLst/>
+          </a:prstGeom>
+          <a:noFill/>
+          <a:extLst>
+            <a:ext uri="{909E8E84-426E-40DD-AFC4-6F175D3DCCD1}">
+              <a14:hiddenFill xmlns:a14="http://schemas.microsoft.com/office/drawing/2010/main">
+                <a:solidFill>
+                  <a:srgbClr val="FFFFFF"/>
+                </a:solidFill>
+              </a14:hiddenFill>
+            </a:ext>
+          </a:extLst>
+        </p:spPr>
+      </p:pic>
+      <p:sp>
+        <p:nvSpPr>
+          <p:cNvPr id="6" name="テキスト ボックス 5">
+            <a:extLst>
+              <a:ext uri="{FF2B5EF4-FFF2-40B4-BE49-F238E27FC236}">
+                <a16:creationId xmlns:a16="http://schemas.microsoft.com/office/drawing/2014/main" id="{63214901-C7F4-D801-7280-DEF3AFD7DFB3}"/>
+              </a:ext>
+            </a:extLst>
+          </p:cNvPr>
+          <p:cNvSpPr txBox="1"/>
+          <p:nvPr/>
+        </p:nvSpPr>
+        <p:spPr>
+          <a:xfrm>
+            <a:off x="5076056" y="5805264"/>
+            <a:ext cx="1096775" cy="461665"/>
+          </a:xfrm>
+          <a:prstGeom prst="rect">
+            <a:avLst/>
+          </a:prstGeom>
+          <a:noFill/>
+        </p:spPr>
+        <p:txBody>
+          <a:bodyPr wrap="none" rtlCol="0">
+            <a:spAutoFit/>
+          </a:bodyPr>
+          <a:lstStyle/>
+          <a:p>
+            <a:r>
+              <a:rPr kumimoji="1" lang="ja-JP" altLang="en-US" sz="2400" dirty="0"/>
+              <a:t>サーバ</a:t>
+            </a:r>
+          </a:p>
+        </p:txBody>
+      </p:sp>
+      <p:sp>
+        <p:nvSpPr>
+          <p:cNvPr id="7" name="テキスト ボックス 6">
+            <a:extLst>
+              <a:ext uri="{FF2B5EF4-FFF2-40B4-BE49-F238E27FC236}">
+                <a16:creationId xmlns:a16="http://schemas.microsoft.com/office/drawing/2014/main" id="{3AF877C6-72F9-AA3A-4921-5DD8605C3B1F}"/>
+              </a:ext>
+            </a:extLst>
+          </p:cNvPr>
+          <p:cNvSpPr txBox="1"/>
+          <p:nvPr/>
+        </p:nvSpPr>
+        <p:spPr>
+          <a:xfrm>
+            <a:off x="2123728" y="4221088"/>
+            <a:ext cx="1085554" cy="461665"/>
+          </a:xfrm>
+          <a:prstGeom prst="rect">
+            <a:avLst/>
+          </a:prstGeom>
+          <a:noFill/>
+        </p:spPr>
+        <p:txBody>
+          <a:bodyPr wrap="none" rtlCol="0">
+            <a:spAutoFit/>
+          </a:bodyPr>
+          <a:lstStyle/>
+          <a:p>
+            <a:r>
+              <a:rPr lang="ja-JP" altLang="en-US" sz="2400" dirty="0"/>
+              <a:t>ユーザ</a:t>
+            </a:r>
+            <a:endParaRPr kumimoji="1" lang="ja-JP" altLang="en-US" sz="2400" dirty="0"/>
+          </a:p>
+        </p:txBody>
+      </p:sp>
+      <p:sp>
+        <p:nvSpPr>
+          <p:cNvPr id="8" name="テキスト ボックス 7">
+            <a:extLst>
+              <a:ext uri="{FF2B5EF4-FFF2-40B4-BE49-F238E27FC236}">
+                <a16:creationId xmlns:a16="http://schemas.microsoft.com/office/drawing/2014/main" id="{81C48AC7-9ECC-E75D-912E-AE1E0244C085}"/>
+              </a:ext>
+            </a:extLst>
+          </p:cNvPr>
+          <p:cNvSpPr txBox="1"/>
+          <p:nvPr/>
+        </p:nvSpPr>
+        <p:spPr>
+          <a:xfrm>
+            <a:off x="5148064" y="2607295"/>
+            <a:ext cx="1067921" cy="461665"/>
+          </a:xfrm>
+          <a:prstGeom prst="rect">
+            <a:avLst/>
+          </a:prstGeom>
+          <a:noFill/>
+        </p:spPr>
+        <p:txBody>
+          <a:bodyPr wrap="none" rtlCol="0">
+            <a:spAutoFit/>
+          </a:bodyPr>
+          <a:lstStyle/>
+          <a:p>
+            <a:r>
+              <a:rPr kumimoji="1" lang="en-US" altLang="ja-JP" sz="2400" dirty="0"/>
+              <a:t>GitHub</a:t>
+            </a:r>
+            <a:endParaRPr kumimoji="1" lang="ja-JP" altLang="en-US" sz="2400" dirty="0"/>
+          </a:p>
+        </p:txBody>
+      </p:sp>
+      <p:sp>
+        <p:nvSpPr>
+          <p:cNvPr id="9" name="右矢印 8">
+            <a:extLst>
+              <a:ext uri="{FF2B5EF4-FFF2-40B4-BE49-F238E27FC236}">
+                <a16:creationId xmlns:a16="http://schemas.microsoft.com/office/drawing/2014/main" id="{C5E1D265-FAF5-0816-245D-02BD2D77542E}"/>
+              </a:ext>
+            </a:extLst>
+          </p:cNvPr>
+          <p:cNvSpPr/>
+          <p:nvPr/>
+        </p:nvSpPr>
+        <p:spPr>
+          <a:xfrm rot="1800000">
+            <a:off x="3691514" y="4289210"/>
+            <a:ext cx="978408" cy="484632"/>
+          </a:xfrm>
+          <a:prstGeom prst="rightArrow">
+            <a:avLst/>
+          </a:prstGeom>
+          <a:ln>
+            <a:solidFill>
+              <a:schemeClr val="tx1"/>
+            </a:solidFill>
+          </a:ln>
+        </p:spPr>
+        <p:txBody>
+          <a:bodyPr wrap="square" rtlCol="0" anchor="ctr">
+            <a:spAutoFit/>
+          </a:bodyPr>
+          <a:lstStyle/>
+          <a:p>
+            <a:pPr algn="ctr"/>
+            <a:endParaRPr kumimoji="1" lang="ja-JP" altLang="en-US" sz="2400" dirty="0"/>
+          </a:p>
+        </p:txBody>
+      </p:sp>
+      <p:sp>
+        <p:nvSpPr>
+          <p:cNvPr id="10" name="右矢印 9">
+            <a:extLst>
+              <a:ext uri="{FF2B5EF4-FFF2-40B4-BE49-F238E27FC236}">
+                <a16:creationId xmlns:a16="http://schemas.microsoft.com/office/drawing/2014/main" id="{CF9BC5EE-42D6-01BB-EB51-72BBBABBD3B8}"/>
+              </a:ext>
+            </a:extLst>
+          </p:cNvPr>
+          <p:cNvSpPr/>
+          <p:nvPr/>
+        </p:nvSpPr>
+        <p:spPr>
+          <a:xfrm rot="19347134">
+            <a:off x="3663954" y="2551819"/>
+            <a:ext cx="978408" cy="484632"/>
+          </a:xfrm>
+          <a:prstGeom prst="rightArrow">
+            <a:avLst/>
+          </a:prstGeom>
+          <a:ln>
+            <a:solidFill>
+              <a:schemeClr val="tx1"/>
+            </a:solidFill>
+          </a:ln>
+        </p:spPr>
+        <p:txBody>
+          <a:bodyPr wrap="square" rtlCol="0" anchor="ctr">
+            <a:spAutoFit/>
+          </a:bodyPr>
+          <a:lstStyle/>
+          <a:p>
+            <a:pPr algn="ctr"/>
+            <a:endParaRPr kumimoji="1" lang="ja-JP" altLang="en-US" sz="2400" dirty="0"/>
+          </a:p>
+        </p:txBody>
+      </p:sp>
+      <p:sp>
+        <p:nvSpPr>
+          <p:cNvPr id="11" name="上矢印 13">
+            <a:extLst>
+              <a:ext uri="{FF2B5EF4-FFF2-40B4-BE49-F238E27FC236}">
+                <a16:creationId xmlns:a16="http://schemas.microsoft.com/office/drawing/2014/main" id="{44F4A5EC-88CC-A010-2BD8-50845B0A2468}"/>
+              </a:ext>
+            </a:extLst>
+          </p:cNvPr>
+          <p:cNvSpPr/>
+          <p:nvPr/>
+        </p:nvSpPr>
+        <p:spPr>
+          <a:xfrm>
+            <a:off x="5436096" y="3356992"/>
+            <a:ext cx="504056" cy="834392"/>
+          </a:xfrm>
+          <a:prstGeom prst="upArrow">
+            <a:avLst/>
+          </a:prstGeom>
+          <a:ln>
+            <a:solidFill>
+              <a:schemeClr val="tx1"/>
+            </a:solidFill>
+          </a:ln>
+        </p:spPr>
+        <p:txBody>
+          <a:bodyPr wrap="square" rtlCol="0" anchor="ctr">
+            <a:spAutoFit/>
+          </a:bodyPr>
+          <a:lstStyle/>
+          <a:p>
+            <a:pPr algn="ctr"/>
+            <a:endParaRPr kumimoji="1" lang="ja-JP" altLang="en-US" sz="2400" dirty="0"/>
+          </a:p>
+        </p:txBody>
+      </p:sp>
+      <p:pic>
+        <p:nvPicPr>
+          <p:cNvPr id="12" name="Picture 2" descr="サーバのイラスト（青）">
+            <a:extLst>
+              <a:ext uri="{FF2B5EF4-FFF2-40B4-BE49-F238E27FC236}">
+                <a16:creationId xmlns:a16="http://schemas.microsoft.com/office/drawing/2014/main" id="{2094A0E2-353A-9576-1802-A0BD6FFBF18A}"/>
+              </a:ext>
+            </a:extLst>
+          </p:cNvPr>
+          <p:cNvPicPr>
+            <a:picLocks noChangeAspect="1" noChangeArrowheads="1"/>
+          </p:cNvPicPr>
+          <p:nvPr/>
+        </p:nvPicPr>
+        <p:blipFill>
+          <a:blip r:embed="rId4">
+            <a:extLst>
+              <a:ext uri="{28A0092B-C50C-407E-A947-70E740481C1C}">
+                <a14:useLocalDpi xmlns:a14="http://schemas.microsoft.com/office/drawing/2010/main" val="0"/>
+              </a:ext>
+            </a:extLst>
+          </a:blip>
+          <a:srcRect/>
+          <a:stretch>
+            <a:fillRect/>
+          </a:stretch>
+        </p:blipFill>
+        <p:spPr bwMode="auto">
+          <a:xfrm>
+            <a:off x="5220072" y="908720"/>
+            <a:ext cx="1008112" cy="1535196"/>
+          </a:xfrm>
+          <a:prstGeom prst="rect">
+            <a:avLst/>
+          </a:prstGeom>
+          <a:noFill/>
+          <a:extLst>
+            <a:ext uri="{909E8E84-426E-40DD-AFC4-6F175D3DCCD1}">
+              <a14:hiddenFill xmlns:a14="http://schemas.microsoft.com/office/drawing/2010/main">
+                <a:solidFill>
+                  <a:srgbClr val="FFFFFF"/>
+                </a:solidFill>
+              </a14:hiddenFill>
+            </a:ext>
+          </a:extLst>
+        </p:spPr>
+      </p:pic>
+    </p:spTree>
+    <p:extLst>
+      <p:ext uri="{BB962C8B-B14F-4D97-AF65-F5344CB8AC3E}">
+        <p14:creationId xmlns:p14="http://schemas.microsoft.com/office/powerpoint/2010/main" val="2813429246"/>
+      </p:ext>
+    </p:extLst>
+  </p:cSld>
+  <p:clrMapOvr>
+    <a:masterClrMapping/>
+  </p:clrMapOvr>
+</p:sld>
+</file>
+
 <file path=ppt/slides/slide2.xml><?xml version="1.0" encoding="utf-8"?>
+<p:sld xmlns:a="http://schemas.openxmlformats.org/drawingml/2006/main" xmlns:r="http://schemas.openxmlformats.org/officeDocument/2006/relationships" xmlns:p="http://schemas.openxmlformats.org/presentationml/2006/main">
+  <p:cSld>
+    <p:spTree>
+      <p:nvGrpSpPr>
+        <p:cNvPr id="1" name=""/>
+        <p:cNvGrpSpPr/>
+        <p:nvPr/>
+      </p:nvGrpSpPr>
+      <p:grpSpPr>
+        <a:xfrm>
+          <a:off x="0" y="0"/>
+          <a:ext cx="0" cy="0"/>
+          <a:chOff x="0" y="0"/>
+          <a:chExt cx="0" cy="0"/>
+        </a:xfrm>
+      </p:grpSpPr>
+      <p:sp>
+        <p:nvSpPr>
+          <p:cNvPr id="2" name="テキスト プレースホルダー 1">
+            <a:extLst>
+              <a:ext uri="{FF2B5EF4-FFF2-40B4-BE49-F238E27FC236}">
+                <a16:creationId xmlns:a16="http://schemas.microsoft.com/office/drawing/2014/main" id="{431EB989-AE26-453E-1295-A5B195407E06}"/>
+              </a:ext>
+            </a:extLst>
+          </p:cNvPr>
+          <p:cNvSpPr>
+            <a:spLocks noGrp="1"/>
+          </p:cNvSpPr>
+          <p:nvPr>
+            <p:ph type="body" sz="quarter" idx="10"/>
+          </p:nvPr>
+        </p:nvSpPr>
+        <p:spPr/>
+        <p:txBody>
+          <a:bodyPr/>
+          <a:lstStyle/>
+          <a:p>
+            <a:r>
+              <a:rPr kumimoji="1" lang="ja-JP" altLang="en-US"/>
+              <a:t>端末とは</a:t>
+            </a:r>
+          </a:p>
+        </p:txBody>
+      </p:sp>
+      <p:sp>
+        <p:nvSpPr>
+          <p:cNvPr id="5" name="テキスト ボックス 4">
+            <a:extLst>
+              <a:ext uri="{FF2B5EF4-FFF2-40B4-BE49-F238E27FC236}">
+                <a16:creationId xmlns:a16="http://schemas.microsoft.com/office/drawing/2014/main" id="{B42D6352-F7F0-6DE5-DBB3-8D948F4413AF}"/>
+              </a:ext>
+            </a:extLst>
+          </p:cNvPr>
+          <p:cNvSpPr txBox="1"/>
+          <p:nvPr/>
+        </p:nvSpPr>
+        <p:spPr>
+          <a:xfrm>
+            <a:off x="251520" y="1052736"/>
+            <a:ext cx="8109592" cy="646331"/>
+          </a:xfrm>
+          <a:prstGeom prst="rect">
+            <a:avLst/>
+          </a:prstGeom>
+          <a:noFill/>
+        </p:spPr>
+        <p:txBody>
+          <a:bodyPr wrap="square" rtlCol="0">
+            <a:spAutoFit/>
+          </a:bodyPr>
+          <a:lstStyle/>
+          <a:p>
+            <a:r>
+              <a:rPr kumimoji="1" lang="ja-JP" altLang="en-US"/>
+              <a:t>もともとは大型コンピュータ</a:t>
+            </a:r>
+            <a:r>
+              <a:rPr kumimoji="1" lang="en-US" altLang="ja-JP" dirty="0"/>
+              <a:t>(</a:t>
+            </a:r>
+            <a:r>
+              <a:rPr kumimoji="1" lang="ja-JP" altLang="en-US"/>
+              <a:t>ホスト</a:t>
+            </a:r>
+            <a:r>
+              <a:rPr kumimoji="1" lang="en-US" altLang="ja-JP" dirty="0"/>
+              <a:t>)</a:t>
+            </a:r>
+            <a:r>
+              <a:rPr kumimoji="1" lang="ja-JP" altLang="en-US"/>
+              <a:t>に接続され、利用者が命令を送るためのインタフェースのこと</a:t>
+            </a:r>
+          </a:p>
+        </p:txBody>
+      </p:sp>
+      <p:pic>
+        <p:nvPicPr>
+          <p:cNvPr id="1030" name="Picture 6" descr="サーバーのイラスト">
+            <a:extLst>
+              <a:ext uri="{FF2B5EF4-FFF2-40B4-BE49-F238E27FC236}">
+                <a16:creationId xmlns:a16="http://schemas.microsoft.com/office/drawing/2014/main" id="{827C6DD9-1126-6881-99E3-D06BD3042B57}"/>
+              </a:ext>
+            </a:extLst>
+          </p:cNvPr>
+          <p:cNvPicPr>
+            <a:picLocks noChangeAspect="1" noChangeArrowheads="1"/>
+          </p:cNvPicPr>
+          <p:nvPr/>
+        </p:nvPicPr>
+        <p:blipFill>
+          <a:blip r:embed="rId2">
+            <a:extLst>
+              <a:ext uri="{28A0092B-C50C-407E-A947-70E740481C1C}">
+                <a14:useLocalDpi xmlns:a14="http://schemas.microsoft.com/office/drawing/2010/main" val="0"/>
+              </a:ext>
+            </a:extLst>
+          </a:blip>
+          <a:srcRect/>
+          <a:stretch>
+            <a:fillRect/>
+          </a:stretch>
+        </p:blipFill>
+        <p:spPr bwMode="auto">
+          <a:xfrm>
+            <a:off x="3353578" y="1674649"/>
+            <a:ext cx="2107952" cy="1965665"/>
+          </a:xfrm>
+          <a:prstGeom prst="rect">
+            <a:avLst/>
+          </a:prstGeom>
+          <a:noFill/>
+          <a:extLst>
+            <a:ext uri="{909E8E84-426E-40DD-AFC4-6F175D3DCCD1}">
+              <a14:hiddenFill xmlns:a14="http://schemas.microsoft.com/office/drawing/2010/main">
+                <a:solidFill>
+                  <a:srgbClr val="FFFFFF"/>
+                </a:solidFill>
+              </a14:hiddenFill>
+            </a:ext>
+          </a:extLst>
+        </p:spPr>
+      </p:pic>
+      <p:pic>
+        <p:nvPicPr>
+          <p:cNvPr id="1032" name="Picture 8" descr="会社で働く人のイラスト（男性）">
+            <a:extLst>
+              <a:ext uri="{FF2B5EF4-FFF2-40B4-BE49-F238E27FC236}">
+                <a16:creationId xmlns:a16="http://schemas.microsoft.com/office/drawing/2014/main" id="{1173BDFD-98C2-620C-CCBD-34641B2E47C5}"/>
+              </a:ext>
+            </a:extLst>
+          </p:cNvPr>
+          <p:cNvPicPr>
+            <a:picLocks noChangeAspect="1" noChangeArrowheads="1"/>
+          </p:cNvPicPr>
+          <p:nvPr/>
+        </p:nvPicPr>
+        <p:blipFill>
+          <a:blip r:embed="rId3">
+            <a:extLst>
+              <a:ext uri="{28A0092B-C50C-407E-A947-70E740481C1C}">
+                <a14:useLocalDpi xmlns:a14="http://schemas.microsoft.com/office/drawing/2010/main" val="0"/>
+              </a:ext>
+            </a:extLst>
+          </a:blip>
+          <a:srcRect/>
+          <a:stretch>
+            <a:fillRect/>
+          </a:stretch>
+        </p:blipFill>
+        <p:spPr bwMode="auto">
+          <a:xfrm>
+            <a:off x="961080" y="4256090"/>
+            <a:ext cx="1225588" cy="1225588"/>
+          </a:xfrm>
+          <a:prstGeom prst="rect">
+            <a:avLst/>
+          </a:prstGeom>
+          <a:noFill/>
+          <a:extLst>
+            <a:ext uri="{909E8E84-426E-40DD-AFC4-6F175D3DCCD1}">
+              <a14:hiddenFill xmlns:a14="http://schemas.microsoft.com/office/drawing/2010/main">
+                <a:solidFill>
+                  <a:srgbClr val="FFFFFF"/>
+                </a:solidFill>
+              </a14:hiddenFill>
+            </a:ext>
+          </a:extLst>
+        </p:spPr>
+      </p:pic>
+      <p:pic>
+        <p:nvPicPr>
+          <p:cNvPr id="1034" name="Picture 10" descr="会社で働く人のイラスト（女性）">
+            <a:extLst>
+              <a:ext uri="{FF2B5EF4-FFF2-40B4-BE49-F238E27FC236}">
+                <a16:creationId xmlns:a16="http://schemas.microsoft.com/office/drawing/2014/main" id="{3257EB04-F786-B4F3-B10E-1A4CB60DC9D1}"/>
+              </a:ext>
+            </a:extLst>
+          </p:cNvPr>
+          <p:cNvPicPr>
+            <a:picLocks noChangeAspect="1" noChangeArrowheads="1"/>
+          </p:cNvPicPr>
+          <p:nvPr/>
+        </p:nvPicPr>
+        <p:blipFill>
+          <a:blip r:embed="rId4">
+            <a:extLst>
+              <a:ext uri="{28A0092B-C50C-407E-A947-70E740481C1C}">
+                <a14:useLocalDpi xmlns:a14="http://schemas.microsoft.com/office/drawing/2010/main" val="0"/>
+              </a:ext>
+            </a:extLst>
+          </a:blip>
+          <a:srcRect/>
+          <a:stretch>
+            <a:fillRect/>
+          </a:stretch>
+        </p:blipFill>
+        <p:spPr bwMode="auto">
+          <a:xfrm>
+            <a:off x="4520488" y="4256090"/>
+            <a:ext cx="1225588" cy="1225588"/>
+          </a:xfrm>
+          <a:prstGeom prst="rect">
+            <a:avLst/>
+          </a:prstGeom>
+          <a:noFill/>
+          <a:extLst>
+            <a:ext uri="{909E8E84-426E-40DD-AFC4-6F175D3DCCD1}">
+              <a14:hiddenFill xmlns:a14="http://schemas.microsoft.com/office/drawing/2010/main">
+                <a:solidFill>
+                  <a:srgbClr val="FFFFFF"/>
+                </a:solidFill>
+              </a14:hiddenFill>
+            </a:ext>
+          </a:extLst>
+        </p:spPr>
+      </p:pic>
+      <p:pic>
+        <p:nvPicPr>
+          <p:cNvPr id="1036" name="Picture 12" descr="働く人のイラスト（白人男性）">
+            <a:extLst>
+              <a:ext uri="{FF2B5EF4-FFF2-40B4-BE49-F238E27FC236}">
+                <a16:creationId xmlns:a16="http://schemas.microsoft.com/office/drawing/2014/main" id="{7ED35470-A979-AD1A-1063-98802C858040}"/>
+              </a:ext>
+            </a:extLst>
+          </p:cNvPr>
+          <p:cNvPicPr>
+            <a:picLocks noChangeAspect="1" noChangeArrowheads="1"/>
+          </p:cNvPicPr>
+          <p:nvPr/>
+        </p:nvPicPr>
+        <p:blipFill>
+          <a:blip r:embed="rId5">
+            <a:extLst>
+              <a:ext uri="{28A0092B-C50C-407E-A947-70E740481C1C}">
+                <a14:useLocalDpi xmlns:a14="http://schemas.microsoft.com/office/drawing/2010/main" val="0"/>
+              </a:ext>
+            </a:extLst>
+          </a:blip>
+          <a:srcRect/>
+          <a:stretch>
+            <a:fillRect/>
+          </a:stretch>
+        </p:blipFill>
+        <p:spPr bwMode="auto">
+          <a:xfrm>
+            <a:off x="2740784" y="4256090"/>
+            <a:ext cx="1225588" cy="1225588"/>
+          </a:xfrm>
+          <a:prstGeom prst="rect">
+            <a:avLst/>
+          </a:prstGeom>
+          <a:noFill/>
+          <a:extLst>
+            <a:ext uri="{909E8E84-426E-40DD-AFC4-6F175D3DCCD1}">
+              <a14:hiddenFill xmlns:a14="http://schemas.microsoft.com/office/drawing/2010/main">
+                <a:solidFill>
+                  <a:srgbClr val="FFFFFF"/>
+                </a:solidFill>
+              </a14:hiddenFill>
+            </a:ext>
+          </a:extLst>
+        </p:spPr>
+      </p:pic>
+      <p:pic>
+        <p:nvPicPr>
+          <p:cNvPr id="1038" name="Picture 14" descr="働く人のイラスト（白人女性）">
+            <a:extLst>
+              <a:ext uri="{FF2B5EF4-FFF2-40B4-BE49-F238E27FC236}">
+                <a16:creationId xmlns:a16="http://schemas.microsoft.com/office/drawing/2014/main" id="{203068A8-17A8-E17F-3A92-E6DFC00BAB1C}"/>
+              </a:ext>
+            </a:extLst>
+          </p:cNvPr>
+          <p:cNvPicPr>
+            <a:picLocks noChangeAspect="1" noChangeArrowheads="1"/>
+          </p:cNvPicPr>
+          <p:nvPr/>
+        </p:nvPicPr>
+        <p:blipFill>
+          <a:blip r:embed="rId6">
+            <a:extLst>
+              <a:ext uri="{28A0092B-C50C-407E-A947-70E740481C1C}">
+                <a14:useLocalDpi xmlns:a14="http://schemas.microsoft.com/office/drawing/2010/main" val="0"/>
+              </a:ext>
+            </a:extLst>
+          </a:blip>
+          <a:srcRect/>
+          <a:stretch>
+            <a:fillRect/>
+          </a:stretch>
+        </p:blipFill>
+        <p:spPr bwMode="auto">
+          <a:xfrm>
+            <a:off x="6300192" y="4256090"/>
+            <a:ext cx="1225588" cy="1225588"/>
+          </a:xfrm>
+          <a:prstGeom prst="rect">
+            <a:avLst/>
+          </a:prstGeom>
+          <a:noFill/>
+          <a:extLst>
+            <a:ext uri="{909E8E84-426E-40DD-AFC4-6F175D3DCCD1}">
+              <a14:hiddenFill xmlns:a14="http://schemas.microsoft.com/office/drawing/2010/main">
+                <a:solidFill>
+                  <a:srgbClr val="FFFFFF"/>
+                </a:solidFill>
+              </a14:hiddenFill>
+            </a:ext>
+          </a:extLst>
+        </p:spPr>
+      </p:pic>
+      <p:sp>
+        <p:nvSpPr>
+          <p:cNvPr id="24" name="テキスト ボックス 23">
+            <a:extLst>
+              <a:ext uri="{FF2B5EF4-FFF2-40B4-BE49-F238E27FC236}">
+                <a16:creationId xmlns:a16="http://schemas.microsoft.com/office/drawing/2014/main" id="{71FCA230-ACE0-21DF-C076-60CEF4057ECF}"/>
+              </a:ext>
+            </a:extLst>
+          </p:cNvPr>
+          <p:cNvSpPr txBox="1"/>
+          <p:nvPr/>
+        </p:nvSpPr>
+        <p:spPr>
+          <a:xfrm>
+            <a:off x="5714012" y="1884321"/>
+            <a:ext cx="2262158" cy="369332"/>
+          </a:xfrm>
+          <a:prstGeom prst="rect">
+            <a:avLst/>
+          </a:prstGeom>
+          <a:noFill/>
+        </p:spPr>
+        <p:txBody>
+          <a:bodyPr wrap="none" rtlCol="0">
+            <a:spAutoFit/>
+          </a:bodyPr>
+          <a:lstStyle/>
+          <a:p>
+            <a:r>
+              <a:rPr kumimoji="1" lang="ja-JP" altLang="en-US"/>
+              <a:t>ホストコンピュータ</a:t>
+            </a:r>
+            <a:endParaRPr lang="en-US" altLang="ja-JP" dirty="0"/>
+          </a:p>
+        </p:txBody>
+      </p:sp>
+      <p:cxnSp>
+        <p:nvCxnSpPr>
+          <p:cNvPr id="26" name="カギ線コネクタ 25">
+            <a:extLst>
+              <a:ext uri="{FF2B5EF4-FFF2-40B4-BE49-F238E27FC236}">
+                <a16:creationId xmlns:a16="http://schemas.microsoft.com/office/drawing/2014/main" id="{C69FC7ED-8495-24FB-B911-180E3EC7DF5B}"/>
+              </a:ext>
+            </a:extLst>
+          </p:cNvPr>
+          <p:cNvCxnSpPr>
+            <a:stCxn id="1030" idx="2"/>
+            <a:endCxn id="1032" idx="0"/>
+          </p:cNvCxnSpPr>
+          <p:nvPr/>
+        </p:nvCxnSpPr>
+        <p:spPr>
+          <a:xfrm rot="5400000">
+            <a:off x="2682826" y="2531362"/>
+            <a:ext cx="615776" cy="2833680"/>
+          </a:xfrm>
+          <a:prstGeom prst="bentConnector3">
+            <a:avLst/>
+          </a:prstGeom>
+          <a:ln>
+            <a:solidFill>
+              <a:schemeClr val="tx1"/>
+            </a:solidFill>
+            <a:headEnd type="none" w="med" len="med"/>
+            <a:tailEnd type="none" w="med" len="med"/>
+          </a:ln>
+        </p:spPr>
+        <p:style>
+          <a:lnRef idx="1">
+            <a:schemeClr val="accent1"/>
+          </a:lnRef>
+          <a:fillRef idx="0">
+            <a:schemeClr val="accent1"/>
+          </a:fillRef>
+          <a:effectRef idx="0">
+            <a:schemeClr val="accent1"/>
+          </a:effectRef>
+          <a:fontRef idx="minor">
+            <a:schemeClr val="tx1"/>
+          </a:fontRef>
+        </p:style>
+      </p:cxnSp>
+      <p:cxnSp>
+        <p:nvCxnSpPr>
+          <p:cNvPr id="28" name="カギ線コネクタ 27">
+            <a:extLst>
+              <a:ext uri="{FF2B5EF4-FFF2-40B4-BE49-F238E27FC236}">
+                <a16:creationId xmlns:a16="http://schemas.microsoft.com/office/drawing/2014/main" id="{A402A9FB-5691-7338-21E3-3394A6D05EE0}"/>
+              </a:ext>
+            </a:extLst>
+          </p:cNvPr>
+          <p:cNvCxnSpPr>
+            <a:stCxn id="1030" idx="2"/>
+            <a:endCxn id="1036" idx="0"/>
+          </p:cNvCxnSpPr>
+          <p:nvPr/>
+        </p:nvCxnSpPr>
+        <p:spPr>
+          <a:xfrm rot="5400000">
+            <a:off x="3572678" y="3421214"/>
+            <a:ext cx="615776" cy="1053976"/>
+          </a:xfrm>
+          <a:prstGeom prst="bentConnector3">
+            <a:avLst/>
+          </a:prstGeom>
+          <a:ln>
+            <a:solidFill>
+              <a:schemeClr val="tx1"/>
+            </a:solidFill>
+            <a:headEnd type="none" w="med" len="med"/>
+            <a:tailEnd type="none" w="med" len="med"/>
+          </a:ln>
+        </p:spPr>
+        <p:style>
+          <a:lnRef idx="1">
+            <a:schemeClr val="accent1"/>
+          </a:lnRef>
+          <a:fillRef idx="0">
+            <a:schemeClr val="accent1"/>
+          </a:fillRef>
+          <a:effectRef idx="0">
+            <a:schemeClr val="accent1"/>
+          </a:effectRef>
+          <a:fontRef idx="minor">
+            <a:schemeClr val="tx1"/>
+          </a:fontRef>
+        </p:style>
+      </p:cxnSp>
+      <p:cxnSp>
+        <p:nvCxnSpPr>
+          <p:cNvPr id="30" name="カギ線コネクタ 29">
+            <a:extLst>
+              <a:ext uri="{FF2B5EF4-FFF2-40B4-BE49-F238E27FC236}">
+                <a16:creationId xmlns:a16="http://schemas.microsoft.com/office/drawing/2014/main" id="{4C309BBF-ED99-13FC-561A-DE6460AF417B}"/>
+              </a:ext>
+            </a:extLst>
+          </p:cNvPr>
+          <p:cNvCxnSpPr>
+            <a:stCxn id="1030" idx="2"/>
+            <a:endCxn id="1034" idx="0"/>
+          </p:cNvCxnSpPr>
+          <p:nvPr/>
+        </p:nvCxnSpPr>
+        <p:spPr>
+          <a:xfrm rot="16200000" flipH="1">
+            <a:off x="4462530" y="3585338"/>
+            <a:ext cx="615776" cy="725728"/>
+          </a:xfrm>
+          <a:prstGeom prst="bentConnector3">
+            <a:avLst/>
+          </a:prstGeom>
+          <a:ln>
+            <a:solidFill>
+              <a:schemeClr val="tx1"/>
+            </a:solidFill>
+            <a:headEnd type="none" w="med" len="med"/>
+            <a:tailEnd type="none" w="med" len="med"/>
+          </a:ln>
+        </p:spPr>
+        <p:style>
+          <a:lnRef idx="1">
+            <a:schemeClr val="accent1"/>
+          </a:lnRef>
+          <a:fillRef idx="0">
+            <a:schemeClr val="accent1"/>
+          </a:fillRef>
+          <a:effectRef idx="0">
+            <a:schemeClr val="accent1"/>
+          </a:effectRef>
+          <a:fontRef idx="minor">
+            <a:schemeClr val="tx1"/>
+          </a:fontRef>
+        </p:style>
+      </p:cxnSp>
+      <p:cxnSp>
+        <p:nvCxnSpPr>
+          <p:cNvPr id="32" name="カギ線コネクタ 31">
+            <a:extLst>
+              <a:ext uri="{FF2B5EF4-FFF2-40B4-BE49-F238E27FC236}">
+                <a16:creationId xmlns:a16="http://schemas.microsoft.com/office/drawing/2014/main" id="{7062E9CF-37F4-4005-3478-0E80DADDBDAB}"/>
+              </a:ext>
+            </a:extLst>
+          </p:cNvPr>
+          <p:cNvCxnSpPr>
+            <a:stCxn id="1030" idx="2"/>
+            <a:endCxn id="1038" idx="0"/>
+          </p:cNvCxnSpPr>
+          <p:nvPr/>
+        </p:nvCxnSpPr>
+        <p:spPr>
+          <a:xfrm rot="16200000" flipH="1">
+            <a:off x="5352382" y="2695486"/>
+            <a:ext cx="615776" cy="2505432"/>
+          </a:xfrm>
+          <a:prstGeom prst="bentConnector3">
+            <a:avLst/>
+          </a:prstGeom>
+          <a:ln>
+            <a:solidFill>
+              <a:schemeClr val="tx1"/>
+            </a:solidFill>
+            <a:headEnd type="none" w="med" len="med"/>
+            <a:tailEnd type="none" w="med" len="med"/>
+          </a:ln>
+        </p:spPr>
+        <p:style>
+          <a:lnRef idx="1">
+            <a:schemeClr val="accent1"/>
+          </a:lnRef>
+          <a:fillRef idx="0">
+            <a:schemeClr val="accent1"/>
+          </a:fillRef>
+          <a:effectRef idx="0">
+            <a:schemeClr val="accent1"/>
+          </a:effectRef>
+          <a:fontRef idx="minor">
+            <a:schemeClr val="tx1"/>
+          </a:fontRef>
+        </p:style>
+      </p:cxnSp>
+      <p:sp>
+        <p:nvSpPr>
+          <p:cNvPr id="33" name="テキスト ボックス 32">
+            <a:extLst>
+              <a:ext uri="{FF2B5EF4-FFF2-40B4-BE49-F238E27FC236}">
+                <a16:creationId xmlns:a16="http://schemas.microsoft.com/office/drawing/2014/main" id="{AE3369DA-E9E7-7DAD-D7C3-911E4456D862}"/>
+              </a:ext>
+            </a:extLst>
+          </p:cNvPr>
+          <p:cNvSpPr txBox="1"/>
+          <p:nvPr/>
+        </p:nvSpPr>
+        <p:spPr>
+          <a:xfrm>
+            <a:off x="2737866" y="5481678"/>
+            <a:ext cx="3339376" cy="369332"/>
+          </a:xfrm>
+          <a:prstGeom prst="rect">
+            <a:avLst/>
+          </a:prstGeom>
+          <a:noFill/>
+        </p:spPr>
+        <p:txBody>
+          <a:bodyPr wrap="none" rtlCol="0">
+            <a:spAutoFit/>
+          </a:bodyPr>
+          <a:lstStyle/>
+          <a:p>
+            <a:r>
+              <a:rPr kumimoji="1" lang="ja-JP" altLang="en-US"/>
+              <a:t>端末</a:t>
+            </a:r>
+            <a:r>
+              <a:rPr kumimoji="1" lang="en-US" altLang="ja-JP" dirty="0"/>
+              <a:t>(</a:t>
+            </a:r>
+            <a:r>
+              <a:rPr kumimoji="1" lang="ja-JP" altLang="en-US"/>
+              <a:t>ユーザーインタフェース</a:t>
+            </a:r>
+            <a:r>
+              <a:rPr kumimoji="1" lang="en-US" altLang="ja-JP" dirty="0"/>
+              <a:t>)</a:t>
+            </a:r>
+            <a:endParaRPr lang="en-US" altLang="ja-JP" dirty="0"/>
+          </a:p>
+        </p:txBody>
+      </p:sp>
+      <p:sp>
+        <p:nvSpPr>
+          <p:cNvPr id="34" name="テキスト ボックス 33">
+            <a:extLst>
+              <a:ext uri="{FF2B5EF4-FFF2-40B4-BE49-F238E27FC236}">
+                <a16:creationId xmlns:a16="http://schemas.microsoft.com/office/drawing/2014/main" id="{19672534-9DF9-429A-D2E8-87BEE2455347}"/>
+              </a:ext>
+            </a:extLst>
+          </p:cNvPr>
+          <p:cNvSpPr txBox="1"/>
+          <p:nvPr/>
+        </p:nvSpPr>
+        <p:spPr>
+          <a:xfrm>
+            <a:off x="467544" y="6060935"/>
+            <a:ext cx="7274260" cy="646331"/>
+          </a:xfrm>
+          <a:prstGeom prst="rect">
+            <a:avLst/>
+          </a:prstGeom>
+          <a:noFill/>
+        </p:spPr>
+        <p:txBody>
+          <a:bodyPr wrap="square" rtlCol="0">
+            <a:spAutoFit/>
+          </a:bodyPr>
+          <a:lstStyle/>
+          <a:p>
+            <a:r>
+              <a:rPr kumimoji="1" lang="ja-JP" altLang="en-US"/>
+              <a:t>ホストコンピュータは高価であり、複数人で共有して利用するために端末が必要だった</a:t>
+            </a:r>
+            <a:endParaRPr kumimoji="1" lang="en-US" altLang="ja-JP" dirty="0"/>
+          </a:p>
+        </p:txBody>
+      </p:sp>
+    </p:spTree>
+    <p:extLst>
+      <p:ext uri="{BB962C8B-B14F-4D97-AF65-F5344CB8AC3E}">
+        <p14:creationId xmlns:p14="http://schemas.microsoft.com/office/powerpoint/2010/main" val="270480210"/>
+      </p:ext>
+    </p:extLst>
+  </p:cSld>
+  <p:clrMapOvr>
+    <a:masterClrMapping/>
+  </p:clrMapOvr>
+</p:sld>
+</file>
+
+<file path=ppt/slides/slide3.xml><?xml version="1.0" encoding="utf-8"?>
+<p:sld xmlns:a="http://schemas.openxmlformats.org/drawingml/2006/main" xmlns:r="http://schemas.openxmlformats.org/officeDocument/2006/relationships" xmlns:p="http://schemas.openxmlformats.org/presentationml/2006/main">
+  <p:cSld>
+    <p:spTree>
+      <p:nvGrpSpPr>
+        <p:cNvPr id="1" name=""/>
+        <p:cNvGrpSpPr/>
+        <p:nvPr/>
+      </p:nvGrpSpPr>
+      <p:grpSpPr>
+        <a:xfrm>
+          <a:off x="0" y="0"/>
+          <a:ext cx="0" cy="0"/>
+          <a:chOff x="0" y="0"/>
+          <a:chExt cx="0" cy="0"/>
+        </a:xfrm>
+      </p:grpSpPr>
+      <p:sp>
+        <p:nvSpPr>
+          <p:cNvPr id="2" name="テキスト プレースホルダー 1">
+            <a:extLst>
+              <a:ext uri="{FF2B5EF4-FFF2-40B4-BE49-F238E27FC236}">
+                <a16:creationId xmlns:a16="http://schemas.microsoft.com/office/drawing/2014/main" id="{92B803B1-E013-4E0B-1A0C-9D5C31099E62}"/>
+              </a:ext>
+            </a:extLst>
+          </p:cNvPr>
+          <p:cNvSpPr>
+            <a:spLocks noGrp="1"/>
+          </p:cNvSpPr>
+          <p:nvPr>
+            <p:ph type="body" sz="quarter" idx="10"/>
+          </p:nvPr>
+        </p:nvSpPr>
+        <p:spPr/>
+        <p:txBody>
+          <a:bodyPr/>
+          <a:lstStyle/>
+          <a:p>
+            <a:r>
+              <a:rPr kumimoji="1" lang="ja-JP" altLang="en-US"/>
+              <a:t>端末エミュレータ</a:t>
+            </a:r>
+          </a:p>
+        </p:txBody>
+      </p:sp>
+      <p:sp>
+        <p:nvSpPr>
+          <p:cNvPr id="3" name="テキスト ボックス 2">
+            <a:extLst>
+              <a:ext uri="{FF2B5EF4-FFF2-40B4-BE49-F238E27FC236}">
+                <a16:creationId xmlns:a16="http://schemas.microsoft.com/office/drawing/2014/main" id="{AA90B78B-8A15-8C9C-BC3B-A4E535B9B1A7}"/>
+              </a:ext>
+            </a:extLst>
+          </p:cNvPr>
+          <p:cNvSpPr txBox="1"/>
+          <p:nvPr/>
+        </p:nvSpPr>
+        <p:spPr>
+          <a:xfrm>
+            <a:off x="3131840" y="5336601"/>
+            <a:ext cx="5181951" cy="923330"/>
+          </a:xfrm>
+          <a:prstGeom prst="rect">
+            <a:avLst/>
+          </a:prstGeom>
+          <a:noFill/>
+        </p:spPr>
+        <p:txBody>
+          <a:bodyPr wrap="square" rtlCol="0">
+            <a:spAutoFit/>
+          </a:bodyPr>
+          <a:lstStyle/>
+          <a:p>
+            <a:r>
+              <a:rPr kumimoji="1" lang="en-US" altLang="ja-JP" dirty="0"/>
+              <a:t>Mac</a:t>
+            </a:r>
+            <a:r>
+              <a:rPr kumimoji="1" lang="ja-JP" altLang="en-US"/>
+              <a:t>の「ターミナル」や</a:t>
+            </a:r>
+            <a:r>
+              <a:rPr kumimoji="1" lang="en-US" altLang="ja-JP" dirty="0"/>
+              <a:t>WSL</a:t>
+            </a:r>
+            <a:r>
+              <a:rPr kumimoji="1" lang="ja-JP" altLang="en-US"/>
+              <a:t>の</a:t>
+            </a:r>
+            <a:r>
+              <a:rPr kumimoji="1" lang="en-US" altLang="ja-JP" dirty="0"/>
+              <a:t>Ubuntu</a:t>
+            </a:r>
+            <a:r>
+              <a:rPr lang="ja-JP" altLang="en-US"/>
+              <a:t>の画面は、「端末エミュレータ」と呼ばれ、</a:t>
+            </a:r>
+            <a:r>
+              <a:rPr kumimoji="1" lang="en-US" altLang="ja-JP" dirty="0"/>
+              <a:t>VT100</a:t>
+            </a:r>
+            <a:r>
+              <a:rPr kumimoji="1" lang="ja-JP" altLang="en-US"/>
+              <a:t>の動作をエミュレートするものがほとんど</a:t>
+            </a:r>
+          </a:p>
+        </p:txBody>
+      </p:sp>
+      <p:pic>
+        <p:nvPicPr>
+          <p:cNvPr id="4" name="図 3">
+            <a:extLst>
+              <a:ext uri="{FF2B5EF4-FFF2-40B4-BE49-F238E27FC236}">
+                <a16:creationId xmlns:a16="http://schemas.microsoft.com/office/drawing/2014/main" id="{7A7C1B7A-9A48-7172-799C-8CA0BD0A3208}"/>
+              </a:ext>
+            </a:extLst>
+          </p:cNvPr>
+          <p:cNvPicPr>
+            <a:picLocks noChangeAspect="1"/>
+          </p:cNvPicPr>
+          <p:nvPr/>
+        </p:nvPicPr>
+        <p:blipFill>
+          <a:blip r:embed="rId2"/>
+          <a:stretch>
+            <a:fillRect/>
+          </a:stretch>
+        </p:blipFill>
+        <p:spPr>
+          <a:xfrm>
+            <a:off x="522195" y="5047907"/>
+            <a:ext cx="2321902" cy="1635885"/>
+          </a:xfrm>
+          <a:prstGeom prst="rect">
+            <a:avLst/>
+          </a:prstGeom>
+        </p:spPr>
+      </p:pic>
+      <p:sp>
+        <p:nvSpPr>
+          <p:cNvPr id="5" name="テキスト ボックス 4">
+            <a:extLst>
+              <a:ext uri="{FF2B5EF4-FFF2-40B4-BE49-F238E27FC236}">
+                <a16:creationId xmlns:a16="http://schemas.microsoft.com/office/drawing/2014/main" id="{FD9299CD-8118-8D56-1190-73AD208042C9}"/>
+              </a:ext>
+            </a:extLst>
+          </p:cNvPr>
+          <p:cNvSpPr txBox="1"/>
+          <p:nvPr/>
+        </p:nvSpPr>
+        <p:spPr>
+          <a:xfrm>
+            <a:off x="5646986" y="4414827"/>
+            <a:ext cx="3320009" cy="369332"/>
+          </a:xfrm>
+          <a:prstGeom prst="rect">
+            <a:avLst/>
+          </a:prstGeom>
+          <a:noFill/>
+        </p:spPr>
+        <p:txBody>
+          <a:bodyPr wrap="square">
+            <a:spAutoFit/>
+          </a:bodyPr>
+          <a:lstStyle/>
+          <a:p>
+            <a:pPr algn="ctr"/>
+            <a:r>
+              <a:rPr lang="ja-JP" altLang="en-US" sz="900"/>
+              <a:t>ClickRick </a:t>
+            </a:r>
+            <a:r>
+              <a:rPr lang="en-US" altLang="ja-JP" sz="900" dirty="0"/>
+              <a:t>–</a:t>
+            </a:r>
+            <a:r>
+              <a:rPr lang="ja-JP" altLang="en-US" sz="900"/>
+              <a:t> </a:t>
+            </a:r>
+            <a:r>
+              <a:rPr lang="en-US" altLang="ja-JP" sz="900" dirty="0"/>
+              <a:t>CC-BY-SA 3.0</a:t>
+            </a:r>
+          </a:p>
+          <a:p>
+            <a:pPr algn="ctr"/>
+            <a:r>
+              <a:rPr lang="ja-JP" altLang="en-US" sz="900"/>
+              <a:t>https://commons.wikimedia.org/w/index.php?curid=6693684</a:t>
+            </a:r>
+          </a:p>
+        </p:txBody>
+      </p:sp>
+      <p:sp>
+        <p:nvSpPr>
+          <p:cNvPr id="7" name="テキスト ボックス 6">
+            <a:extLst>
+              <a:ext uri="{FF2B5EF4-FFF2-40B4-BE49-F238E27FC236}">
+                <a16:creationId xmlns:a16="http://schemas.microsoft.com/office/drawing/2014/main" id="{6F9ACE68-5E52-7DF0-2B7B-A94FEF0F2D9F}"/>
+              </a:ext>
+            </a:extLst>
+          </p:cNvPr>
+          <p:cNvSpPr txBox="1"/>
+          <p:nvPr/>
+        </p:nvSpPr>
+        <p:spPr>
+          <a:xfrm>
+            <a:off x="1776314" y="2592550"/>
+            <a:ext cx="1107996" cy="461665"/>
+          </a:xfrm>
+          <a:prstGeom prst="rect">
+            <a:avLst/>
+          </a:prstGeom>
+          <a:noFill/>
+        </p:spPr>
+        <p:txBody>
+          <a:bodyPr wrap="none" rtlCol="0">
+            <a:spAutoFit/>
+          </a:bodyPr>
+          <a:lstStyle/>
+          <a:p>
+            <a:r>
+              <a:rPr lang="ja-JP" altLang="en-US" sz="2400"/>
+              <a:t>ホスト</a:t>
+            </a:r>
+            <a:endParaRPr kumimoji="1" lang="ja-JP" altLang="en-US" sz="2400"/>
+          </a:p>
+        </p:txBody>
+      </p:sp>
+      <p:sp>
+        <p:nvSpPr>
+          <p:cNvPr id="8" name="テキスト ボックス 7">
+            <a:extLst>
+              <a:ext uri="{FF2B5EF4-FFF2-40B4-BE49-F238E27FC236}">
+                <a16:creationId xmlns:a16="http://schemas.microsoft.com/office/drawing/2014/main" id="{19D79562-F43B-60E5-FE27-43A56147C10F}"/>
+              </a:ext>
+            </a:extLst>
+          </p:cNvPr>
+          <p:cNvSpPr txBox="1"/>
+          <p:nvPr/>
+        </p:nvSpPr>
+        <p:spPr>
+          <a:xfrm>
+            <a:off x="1298619" y="3143066"/>
+            <a:ext cx="2063385" cy="400110"/>
+          </a:xfrm>
+          <a:prstGeom prst="rect">
+            <a:avLst/>
+          </a:prstGeom>
+          <a:noFill/>
+        </p:spPr>
+        <p:txBody>
+          <a:bodyPr wrap="none" rtlCol="0">
+            <a:spAutoFit/>
+          </a:bodyPr>
+          <a:lstStyle/>
+          <a:p>
+            <a:r>
+              <a:rPr kumimoji="1" lang="en-US" altLang="ja-JP" sz="2000" dirty="0"/>
+              <a:t>IBM System/360</a:t>
+            </a:r>
+            <a:endParaRPr kumimoji="1" lang="ja-JP" altLang="en-US" sz="2000"/>
+          </a:p>
+        </p:txBody>
+      </p:sp>
+      <p:sp>
+        <p:nvSpPr>
+          <p:cNvPr id="9" name="テキスト ボックス 8">
+            <a:extLst>
+              <a:ext uri="{FF2B5EF4-FFF2-40B4-BE49-F238E27FC236}">
+                <a16:creationId xmlns:a16="http://schemas.microsoft.com/office/drawing/2014/main" id="{E2AF261E-A987-4368-E248-BA1894100846}"/>
+              </a:ext>
+            </a:extLst>
+          </p:cNvPr>
+          <p:cNvSpPr txBox="1"/>
+          <p:nvPr/>
+        </p:nvSpPr>
+        <p:spPr>
+          <a:xfrm>
+            <a:off x="4389156" y="2567362"/>
+            <a:ext cx="800219" cy="461665"/>
+          </a:xfrm>
+          <a:prstGeom prst="rect">
+            <a:avLst/>
+          </a:prstGeom>
+          <a:noFill/>
+        </p:spPr>
+        <p:txBody>
+          <a:bodyPr wrap="none" rtlCol="0">
+            <a:spAutoFit/>
+          </a:bodyPr>
+          <a:lstStyle/>
+          <a:p>
+            <a:r>
+              <a:rPr lang="ja-JP" altLang="en-US" sz="2400"/>
+              <a:t>端末</a:t>
+            </a:r>
+            <a:endParaRPr kumimoji="1" lang="ja-JP" altLang="en-US" sz="2400"/>
+          </a:p>
+        </p:txBody>
+      </p:sp>
+      <p:sp>
+        <p:nvSpPr>
+          <p:cNvPr id="10" name="テキスト ボックス 9">
+            <a:extLst>
+              <a:ext uri="{FF2B5EF4-FFF2-40B4-BE49-F238E27FC236}">
+                <a16:creationId xmlns:a16="http://schemas.microsoft.com/office/drawing/2014/main" id="{AB41C64B-93D7-3F61-79A3-BF72EC2C87AF}"/>
+              </a:ext>
+            </a:extLst>
+          </p:cNvPr>
+          <p:cNvSpPr txBox="1"/>
+          <p:nvPr/>
+        </p:nvSpPr>
+        <p:spPr>
+          <a:xfrm>
+            <a:off x="4224586" y="3143066"/>
+            <a:ext cx="1281120" cy="400110"/>
+          </a:xfrm>
+          <a:prstGeom prst="rect">
+            <a:avLst/>
+          </a:prstGeom>
+          <a:noFill/>
+        </p:spPr>
+        <p:txBody>
+          <a:bodyPr wrap="none" rtlCol="0">
+            <a:spAutoFit/>
+          </a:bodyPr>
+          <a:lstStyle/>
+          <a:p>
+            <a:r>
+              <a:rPr kumimoji="1" lang="en-US" altLang="ja-JP" sz="2000" dirty="0"/>
+              <a:t>IBM 2260</a:t>
+            </a:r>
+            <a:endParaRPr kumimoji="1" lang="ja-JP" altLang="en-US" sz="2000"/>
+          </a:p>
+        </p:txBody>
+      </p:sp>
+      <p:cxnSp>
+        <p:nvCxnSpPr>
+          <p:cNvPr id="11" name="直線矢印コネクタ 10">
+            <a:extLst>
+              <a:ext uri="{FF2B5EF4-FFF2-40B4-BE49-F238E27FC236}">
+                <a16:creationId xmlns:a16="http://schemas.microsoft.com/office/drawing/2014/main" id="{35E0E813-B6FD-851C-4D8F-EDB2AD8D0996}"/>
+              </a:ext>
+            </a:extLst>
+          </p:cNvPr>
+          <p:cNvCxnSpPr>
+            <a:stCxn id="8" idx="3"/>
+            <a:endCxn id="10" idx="1"/>
+          </p:cNvCxnSpPr>
+          <p:nvPr/>
+        </p:nvCxnSpPr>
+        <p:spPr>
+          <a:xfrm>
+            <a:off x="3362004" y="3343121"/>
+            <a:ext cx="862582" cy="0"/>
+          </a:xfrm>
+          <a:prstGeom prst="straightConnector1">
+            <a:avLst/>
+          </a:prstGeom>
+          <a:ln>
+            <a:solidFill>
+              <a:schemeClr val="tx1"/>
+            </a:solidFill>
+            <a:headEnd type="triangle"/>
+            <a:tailEnd type="triangle"/>
+          </a:ln>
+        </p:spPr>
+        <p:style>
+          <a:lnRef idx="1">
+            <a:schemeClr val="accent1"/>
+          </a:lnRef>
+          <a:fillRef idx="0">
+            <a:schemeClr val="accent1"/>
+          </a:fillRef>
+          <a:effectRef idx="0">
+            <a:schemeClr val="accent1"/>
+          </a:effectRef>
+          <a:fontRef idx="minor">
+            <a:schemeClr val="tx1"/>
+          </a:fontRef>
+        </p:style>
+      </p:cxnSp>
+      <p:sp>
+        <p:nvSpPr>
+          <p:cNvPr id="12" name="テキスト ボックス 11">
+            <a:extLst>
+              <a:ext uri="{FF2B5EF4-FFF2-40B4-BE49-F238E27FC236}">
+                <a16:creationId xmlns:a16="http://schemas.microsoft.com/office/drawing/2014/main" id="{3BA2C2FC-6555-BC21-35D7-8B0BA6144932}"/>
+              </a:ext>
+            </a:extLst>
+          </p:cNvPr>
+          <p:cNvSpPr txBox="1"/>
+          <p:nvPr/>
+        </p:nvSpPr>
+        <p:spPr>
+          <a:xfrm>
+            <a:off x="1683146" y="3605972"/>
+            <a:ext cx="1678858" cy="400110"/>
+          </a:xfrm>
+          <a:prstGeom prst="rect">
+            <a:avLst/>
+          </a:prstGeom>
+          <a:noFill/>
+        </p:spPr>
+        <p:txBody>
+          <a:bodyPr wrap="none" rtlCol="0">
+            <a:spAutoFit/>
+          </a:bodyPr>
+          <a:lstStyle/>
+          <a:p>
+            <a:r>
+              <a:rPr kumimoji="1" lang="en-US" altLang="ja-JP" sz="2000" dirty="0"/>
+              <a:t>DEC PDP-11</a:t>
+            </a:r>
+            <a:endParaRPr kumimoji="1" lang="ja-JP" altLang="en-US" sz="2000"/>
+          </a:p>
+        </p:txBody>
+      </p:sp>
+      <p:sp>
+        <p:nvSpPr>
+          <p:cNvPr id="13" name="テキスト ボックス 12">
+            <a:extLst>
+              <a:ext uri="{FF2B5EF4-FFF2-40B4-BE49-F238E27FC236}">
+                <a16:creationId xmlns:a16="http://schemas.microsoft.com/office/drawing/2014/main" id="{A237390C-368B-8544-2373-E694B0D956AF}"/>
+              </a:ext>
+            </a:extLst>
+          </p:cNvPr>
+          <p:cNvSpPr txBox="1"/>
+          <p:nvPr/>
+        </p:nvSpPr>
+        <p:spPr>
+          <a:xfrm>
+            <a:off x="4224586" y="3605137"/>
+            <a:ext cx="941283" cy="400110"/>
+          </a:xfrm>
+          <a:prstGeom prst="rect">
+            <a:avLst/>
+          </a:prstGeom>
+          <a:noFill/>
+        </p:spPr>
+        <p:txBody>
+          <a:bodyPr wrap="none" rtlCol="0">
+            <a:spAutoFit/>
+          </a:bodyPr>
+          <a:lstStyle/>
+          <a:p>
+            <a:r>
+              <a:rPr kumimoji="1" lang="en-US" altLang="ja-JP" sz="2000" dirty="0">
+                <a:solidFill>
+                  <a:srgbClr val="FF0000"/>
+                </a:solidFill>
+              </a:rPr>
+              <a:t>VT100</a:t>
+            </a:r>
+            <a:endParaRPr kumimoji="1" lang="ja-JP" altLang="en-US" sz="2000">
+              <a:solidFill>
+                <a:srgbClr val="FF0000"/>
+              </a:solidFill>
+            </a:endParaRPr>
+          </a:p>
+        </p:txBody>
+      </p:sp>
+      <p:cxnSp>
+        <p:nvCxnSpPr>
+          <p:cNvPr id="14" name="直線矢印コネクタ 13">
+            <a:extLst>
+              <a:ext uri="{FF2B5EF4-FFF2-40B4-BE49-F238E27FC236}">
+                <a16:creationId xmlns:a16="http://schemas.microsoft.com/office/drawing/2014/main" id="{47750A88-46E7-77ED-2FDE-C6C808ED904E}"/>
+              </a:ext>
+            </a:extLst>
+          </p:cNvPr>
+          <p:cNvCxnSpPr>
+            <a:stCxn id="12" idx="3"/>
+            <a:endCxn id="13" idx="1"/>
+          </p:cNvCxnSpPr>
+          <p:nvPr/>
+        </p:nvCxnSpPr>
+        <p:spPr>
+          <a:xfrm flipV="1">
+            <a:off x="3362004" y="3805192"/>
+            <a:ext cx="862582" cy="835"/>
+          </a:xfrm>
+          <a:prstGeom prst="straightConnector1">
+            <a:avLst/>
+          </a:prstGeom>
+          <a:ln>
+            <a:solidFill>
+              <a:schemeClr val="tx1"/>
+            </a:solidFill>
+            <a:headEnd type="triangle"/>
+            <a:tailEnd type="triangle"/>
+          </a:ln>
+        </p:spPr>
+        <p:style>
+          <a:lnRef idx="1">
+            <a:schemeClr val="accent1"/>
+          </a:lnRef>
+          <a:fillRef idx="0">
+            <a:schemeClr val="accent1"/>
+          </a:fillRef>
+          <a:effectRef idx="0">
+            <a:schemeClr val="accent1"/>
+          </a:effectRef>
+          <a:fontRef idx="minor">
+            <a:schemeClr val="tx1"/>
+          </a:fontRef>
+        </p:style>
+      </p:cxnSp>
+      <p:pic>
+        <p:nvPicPr>
+          <p:cNvPr id="15" name="Picture 4" descr="undefined">
+            <a:extLst>
+              <a:ext uri="{FF2B5EF4-FFF2-40B4-BE49-F238E27FC236}">
+                <a16:creationId xmlns:a16="http://schemas.microsoft.com/office/drawing/2014/main" id="{6ABA94FE-F5ED-0BA7-5731-92971FF9BBD0}"/>
+              </a:ext>
+            </a:extLst>
+          </p:cNvPr>
+          <p:cNvPicPr>
+            <a:picLocks noChangeAspect="1" noChangeArrowheads="1"/>
+          </p:cNvPicPr>
+          <p:nvPr/>
+        </p:nvPicPr>
+        <p:blipFill>
+          <a:blip r:embed="rId3">
+            <a:extLst>
+              <a:ext uri="{28A0092B-C50C-407E-A947-70E740481C1C}">
+                <a14:useLocalDpi xmlns:a14="http://schemas.microsoft.com/office/drawing/2010/main" val="0"/>
+              </a:ext>
+            </a:extLst>
+          </a:blip>
+          <a:srcRect/>
+          <a:stretch>
+            <a:fillRect/>
+          </a:stretch>
+        </p:blipFill>
+        <p:spPr bwMode="auto">
+          <a:xfrm>
+            <a:off x="6156176" y="2640505"/>
+            <a:ext cx="2301631" cy="1805342"/>
+          </a:xfrm>
+          <a:prstGeom prst="rect">
+            <a:avLst/>
+          </a:prstGeom>
+          <a:noFill/>
+          <a:extLst>
+            <a:ext uri="{909E8E84-426E-40DD-AFC4-6F175D3DCCD1}">
+              <a14:hiddenFill xmlns:a14="http://schemas.microsoft.com/office/drawing/2010/main">
+                <a:solidFill>
+                  <a:srgbClr val="FFFFFF"/>
+                </a:solidFill>
+              </a14:hiddenFill>
+            </a:ext>
+          </a:extLst>
+        </p:spPr>
+      </p:pic>
+      <p:sp>
+        <p:nvSpPr>
+          <p:cNvPr id="16" name="テキスト ボックス 15">
+            <a:extLst>
+              <a:ext uri="{FF2B5EF4-FFF2-40B4-BE49-F238E27FC236}">
+                <a16:creationId xmlns:a16="http://schemas.microsoft.com/office/drawing/2014/main" id="{5B012FE4-53C8-E471-DFBC-83EB869973FD}"/>
+              </a:ext>
+            </a:extLst>
+          </p:cNvPr>
+          <p:cNvSpPr txBox="1"/>
+          <p:nvPr/>
+        </p:nvSpPr>
+        <p:spPr>
+          <a:xfrm>
+            <a:off x="6694221" y="2223218"/>
+            <a:ext cx="864339" cy="369332"/>
+          </a:xfrm>
+          <a:prstGeom prst="rect">
+            <a:avLst/>
+          </a:prstGeom>
+          <a:noFill/>
+        </p:spPr>
+        <p:txBody>
+          <a:bodyPr wrap="none" rtlCol="0">
+            <a:spAutoFit/>
+          </a:bodyPr>
+          <a:lstStyle/>
+          <a:p>
+            <a:r>
+              <a:rPr lang="en-US" altLang="ja-JP" dirty="0"/>
+              <a:t>VT100</a:t>
+            </a:r>
+            <a:endParaRPr kumimoji="1" lang="ja-JP" altLang="en-US"/>
+          </a:p>
+        </p:txBody>
+      </p:sp>
+      <p:sp>
+        <p:nvSpPr>
+          <p:cNvPr id="19" name="テキスト ボックス 18">
+            <a:extLst>
+              <a:ext uri="{FF2B5EF4-FFF2-40B4-BE49-F238E27FC236}">
+                <a16:creationId xmlns:a16="http://schemas.microsoft.com/office/drawing/2014/main" id="{F9ECE097-9278-3D6B-449C-945D783B818A}"/>
+              </a:ext>
+            </a:extLst>
+          </p:cNvPr>
+          <p:cNvSpPr txBox="1"/>
+          <p:nvPr/>
+        </p:nvSpPr>
+        <p:spPr>
+          <a:xfrm>
+            <a:off x="190998" y="992150"/>
+            <a:ext cx="8396316" cy="1200329"/>
+          </a:xfrm>
+          <a:prstGeom prst="rect">
+            <a:avLst/>
+          </a:prstGeom>
+          <a:noFill/>
+        </p:spPr>
+        <p:txBody>
+          <a:bodyPr wrap="square" rtlCol="0">
+            <a:spAutoFit/>
+          </a:bodyPr>
+          <a:lstStyle/>
+          <a:p>
+            <a:pPr marL="285750" indent="-285750">
+              <a:buFont typeface="Arial" panose="020B0604020202020204" pitchFamily="34" charset="0"/>
+              <a:buChar char="•"/>
+            </a:pPr>
+            <a:r>
+              <a:rPr kumimoji="1" lang="ja-JP" altLang="en-US"/>
+              <a:t>昔はタイプライターが端末であった</a:t>
+            </a:r>
+            <a:r>
+              <a:rPr kumimoji="1" lang="en-US" altLang="ja-JP" dirty="0"/>
+              <a:t>(</a:t>
+            </a:r>
+            <a:r>
+              <a:rPr kumimoji="1" lang="ja-JP" altLang="en-US"/>
+              <a:t>テレタイプ端末</a:t>
+            </a:r>
+            <a:r>
+              <a:rPr kumimoji="1" lang="en-US" altLang="ja-JP" dirty="0"/>
+              <a:t>, TTY</a:t>
+            </a:r>
+            <a:r>
+              <a:rPr lang="ja-JP" altLang="en-US"/>
+              <a:t>の語源</a:t>
+            </a:r>
+            <a:r>
+              <a:rPr kumimoji="1" lang="en-US" altLang="ja-JP" dirty="0"/>
+              <a:t>)</a:t>
+            </a:r>
+          </a:p>
+          <a:p>
+            <a:pPr marL="285750" indent="-285750">
+              <a:buFont typeface="Arial" panose="020B0604020202020204" pitchFamily="34" charset="0"/>
+              <a:buChar char="•"/>
+            </a:pPr>
+            <a:r>
+              <a:rPr lang="ja-JP" altLang="en-US"/>
+              <a:t>その後ディスプレイを使ったビデオ端末が出現</a:t>
+            </a:r>
+            <a:endParaRPr lang="en-US" altLang="ja-JP" dirty="0"/>
+          </a:p>
+          <a:p>
+            <a:pPr marL="285750" indent="-285750">
+              <a:buFont typeface="Arial" panose="020B0604020202020204" pitchFamily="34" charset="0"/>
+              <a:buChar char="•"/>
+            </a:pPr>
+            <a:r>
+              <a:rPr kumimoji="1" lang="ja-JP" altLang="en-US"/>
+              <a:t>ホストコンピュータにはビデオ端末が付属していたが、</a:t>
+            </a:r>
+            <a:r>
+              <a:rPr kumimoji="1" lang="en-US" altLang="ja-JP" dirty="0"/>
+              <a:t>DEC</a:t>
+            </a:r>
+            <a:r>
+              <a:rPr kumimoji="1" lang="ja-JP" altLang="en-US"/>
+              <a:t>の</a:t>
+            </a:r>
+            <a:r>
+              <a:rPr kumimoji="1" lang="en-US" altLang="ja-JP" dirty="0"/>
+              <a:t>VT100</a:t>
+            </a:r>
+            <a:r>
+              <a:rPr kumimoji="1" lang="ja-JP" altLang="en-US"/>
+              <a:t>が端末のスタンダードに</a:t>
+            </a:r>
+          </a:p>
+        </p:txBody>
+      </p:sp>
+    </p:spTree>
+    <p:extLst>
+      <p:ext uri="{BB962C8B-B14F-4D97-AF65-F5344CB8AC3E}">
+        <p14:creationId xmlns:p14="http://schemas.microsoft.com/office/powerpoint/2010/main" val="1131765576"/>
+      </p:ext>
+    </p:extLst>
+  </p:cSld>
+  <p:clrMapOvr>
+    <a:masterClrMapping/>
+  </p:clrMapOvr>
+</p:sld>
+</file>
+
+<file path=ppt/slides/slide4.xml><?xml version="1.0" encoding="utf-8"?>
+<p:sld xmlns:a="http://schemas.openxmlformats.org/drawingml/2006/main" xmlns:r="http://schemas.openxmlformats.org/officeDocument/2006/relationships" xmlns:p="http://schemas.openxmlformats.org/presentationml/2006/main">
+  <p:cSld>
+    <p:spTree>
+      <p:nvGrpSpPr>
+        <p:cNvPr id="1" name=""/>
+        <p:cNvGrpSpPr/>
+        <p:nvPr/>
+      </p:nvGrpSpPr>
+      <p:grpSpPr>
+        <a:xfrm>
+          <a:off x="0" y="0"/>
+          <a:ext cx="0" cy="0"/>
+          <a:chOff x="0" y="0"/>
+          <a:chExt cx="0" cy="0"/>
+        </a:xfrm>
+      </p:grpSpPr>
+      <p:sp>
+        <p:nvSpPr>
+          <p:cNvPr id="2" name="テキスト プレースホルダー 1">
+            <a:extLst>
+              <a:ext uri="{FF2B5EF4-FFF2-40B4-BE49-F238E27FC236}">
+                <a16:creationId xmlns:a16="http://schemas.microsoft.com/office/drawing/2014/main" id="{5F22D77A-7C9B-4509-AB65-EE2447454D86}"/>
+              </a:ext>
+            </a:extLst>
+          </p:cNvPr>
+          <p:cNvSpPr>
+            <a:spLocks noGrp="1"/>
+          </p:cNvSpPr>
+          <p:nvPr>
+            <p:ph type="body" sz="quarter" idx="10"/>
+          </p:nvPr>
+        </p:nvSpPr>
+        <p:spPr/>
+        <p:txBody>
+          <a:bodyPr/>
+          <a:lstStyle/>
+          <a:p>
+            <a:r>
+              <a:rPr kumimoji="1" lang="ja-JP" altLang="en-US"/>
+              <a:t>リモート接続</a:t>
+            </a:r>
+          </a:p>
+        </p:txBody>
+      </p:sp>
+      <p:pic>
+        <p:nvPicPr>
+          <p:cNvPr id="3" name="Picture 8" descr="会社で働く人のイラスト（男性）">
+            <a:extLst>
+              <a:ext uri="{FF2B5EF4-FFF2-40B4-BE49-F238E27FC236}">
+                <a16:creationId xmlns:a16="http://schemas.microsoft.com/office/drawing/2014/main" id="{8BCC0EDA-B8EA-A346-B4EF-D19718BCE353}"/>
+              </a:ext>
+            </a:extLst>
+          </p:cNvPr>
+          <p:cNvPicPr>
+            <a:picLocks noChangeAspect="1" noChangeArrowheads="1"/>
+          </p:cNvPicPr>
+          <p:nvPr/>
+        </p:nvPicPr>
+        <p:blipFill>
+          <a:blip r:embed="rId2">
+            <a:extLst>
+              <a:ext uri="{28A0092B-C50C-407E-A947-70E740481C1C}">
+                <a14:useLocalDpi xmlns:a14="http://schemas.microsoft.com/office/drawing/2010/main" val="0"/>
+              </a:ext>
+            </a:extLst>
+          </a:blip>
+          <a:srcRect/>
+          <a:stretch>
+            <a:fillRect/>
+          </a:stretch>
+        </p:blipFill>
+        <p:spPr bwMode="auto">
+          <a:xfrm>
+            <a:off x="1352980" y="2965342"/>
+            <a:ext cx="1225588" cy="1225588"/>
+          </a:xfrm>
+          <a:prstGeom prst="rect">
+            <a:avLst/>
+          </a:prstGeom>
+          <a:noFill/>
+          <a:extLst>
+            <a:ext uri="{909E8E84-426E-40DD-AFC4-6F175D3DCCD1}">
+              <a14:hiddenFill xmlns:a14="http://schemas.microsoft.com/office/drawing/2010/main">
+                <a:solidFill>
+                  <a:srgbClr val="FFFFFF"/>
+                </a:solidFill>
+              </a14:hiddenFill>
+            </a:ext>
+          </a:extLst>
+        </p:spPr>
+      </p:pic>
+      <p:sp>
+        <p:nvSpPr>
+          <p:cNvPr id="4" name="テキスト ボックス 3">
+            <a:extLst>
+              <a:ext uri="{FF2B5EF4-FFF2-40B4-BE49-F238E27FC236}">
+                <a16:creationId xmlns:a16="http://schemas.microsoft.com/office/drawing/2014/main" id="{57262126-5429-9590-03EE-1820CC07BEC9}"/>
+              </a:ext>
+            </a:extLst>
+          </p:cNvPr>
+          <p:cNvSpPr txBox="1"/>
+          <p:nvPr/>
+        </p:nvSpPr>
+        <p:spPr>
+          <a:xfrm>
+            <a:off x="179512" y="1196752"/>
+            <a:ext cx="8208912" cy="646331"/>
+          </a:xfrm>
+          <a:prstGeom prst="rect">
+            <a:avLst/>
+          </a:prstGeom>
+          <a:noFill/>
+        </p:spPr>
+        <p:txBody>
+          <a:bodyPr wrap="square" rtlCol="0">
+            <a:spAutoFit/>
+          </a:bodyPr>
+          <a:lstStyle/>
+          <a:p>
+            <a:r>
+              <a:rPr kumimoji="1" lang="ja-JP" altLang="en-US"/>
+              <a:t>パーソナルコンピュータの普及後も、強力な別のコンピュータに遠隔から接続するニーズがあった→リモート接続</a:t>
+            </a:r>
+          </a:p>
+        </p:txBody>
+      </p:sp>
+      <p:sp>
+        <p:nvSpPr>
+          <p:cNvPr id="5" name="テキスト ボックス 4">
+            <a:extLst>
+              <a:ext uri="{FF2B5EF4-FFF2-40B4-BE49-F238E27FC236}">
+                <a16:creationId xmlns:a16="http://schemas.microsoft.com/office/drawing/2014/main" id="{AD36F46E-D3E5-4873-0BAD-5F006405BD44}"/>
+              </a:ext>
+            </a:extLst>
+          </p:cNvPr>
+          <p:cNvSpPr txBox="1"/>
+          <p:nvPr/>
+        </p:nvSpPr>
+        <p:spPr>
+          <a:xfrm>
+            <a:off x="1174889" y="2381437"/>
+            <a:ext cx="1338828" cy="369332"/>
+          </a:xfrm>
+          <a:prstGeom prst="rect">
+            <a:avLst/>
+          </a:prstGeom>
+          <a:noFill/>
+        </p:spPr>
+        <p:txBody>
+          <a:bodyPr wrap="none" rtlCol="0">
+            <a:spAutoFit/>
+          </a:bodyPr>
+          <a:lstStyle/>
+          <a:p>
+            <a:r>
+              <a:rPr kumimoji="1" lang="ja-JP" altLang="en-US"/>
+              <a:t>自宅や居室</a:t>
+            </a:r>
+          </a:p>
+        </p:txBody>
+      </p:sp>
+      <p:sp>
+        <p:nvSpPr>
+          <p:cNvPr id="6" name="テキスト ボックス 5">
+            <a:extLst>
+              <a:ext uri="{FF2B5EF4-FFF2-40B4-BE49-F238E27FC236}">
+                <a16:creationId xmlns:a16="http://schemas.microsoft.com/office/drawing/2014/main" id="{9200FBF1-8FE0-2628-17B9-5099424BDFB1}"/>
+              </a:ext>
+            </a:extLst>
+          </p:cNvPr>
+          <p:cNvSpPr txBox="1"/>
+          <p:nvPr/>
+        </p:nvSpPr>
+        <p:spPr>
+          <a:xfrm>
+            <a:off x="5025053" y="2381437"/>
+            <a:ext cx="3185487" cy="369332"/>
+          </a:xfrm>
+          <a:prstGeom prst="rect">
+            <a:avLst/>
+          </a:prstGeom>
+          <a:noFill/>
+        </p:spPr>
+        <p:txBody>
+          <a:bodyPr wrap="none" rtlCol="0">
+            <a:spAutoFit/>
+          </a:bodyPr>
+          <a:lstStyle/>
+          <a:p>
+            <a:r>
+              <a:rPr kumimoji="1" lang="ja-JP" altLang="en-US"/>
+              <a:t>大学やサーバ室にあるサーバ</a:t>
+            </a:r>
+          </a:p>
+        </p:txBody>
+      </p:sp>
+      <p:pic>
+        <p:nvPicPr>
+          <p:cNvPr id="3074" name="Picture 2" descr="サーバーのイラスト（1台）">
+            <a:extLst>
+              <a:ext uri="{FF2B5EF4-FFF2-40B4-BE49-F238E27FC236}">
+                <a16:creationId xmlns:a16="http://schemas.microsoft.com/office/drawing/2014/main" id="{7FE47A05-1125-2DE5-6A6C-25FEAC595564}"/>
+              </a:ext>
+            </a:extLst>
+          </p:cNvPr>
+          <p:cNvPicPr>
+            <a:picLocks noChangeAspect="1" noChangeArrowheads="1"/>
+          </p:cNvPicPr>
+          <p:nvPr/>
+        </p:nvPicPr>
+        <p:blipFill>
+          <a:blip r:embed="rId3">
+            <a:extLst>
+              <a:ext uri="{28A0092B-C50C-407E-A947-70E740481C1C}">
+                <a14:useLocalDpi xmlns:a14="http://schemas.microsoft.com/office/drawing/2010/main" val="0"/>
+              </a:ext>
+            </a:extLst>
+          </a:blip>
+          <a:srcRect/>
+          <a:stretch>
+            <a:fillRect/>
+          </a:stretch>
+        </p:blipFill>
+        <p:spPr bwMode="auto">
+          <a:xfrm>
+            <a:off x="5940152" y="2852936"/>
+            <a:ext cx="1225588" cy="1450400"/>
+          </a:xfrm>
+          <a:prstGeom prst="rect">
+            <a:avLst/>
+          </a:prstGeom>
+          <a:noFill/>
+          <a:extLst>
+            <a:ext uri="{909E8E84-426E-40DD-AFC4-6F175D3DCCD1}">
+              <a14:hiddenFill xmlns:a14="http://schemas.microsoft.com/office/drawing/2010/main">
+                <a:solidFill>
+                  <a:srgbClr val="FFFFFF"/>
+                </a:solidFill>
+              </a14:hiddenFill>
+            </a:ext>
+          </a:extLst>
+        </p:spPr>
+      </p:pic>
+      <p:cxnSp>
+        <p:nvCxnSpPr>
+          <p:cNvPr id="8" name="直線矢印コネクタ 7">
+            <a:extLst>
+              <a:ext uri="{FF2B5EF4-FFF2-40B4-BE49-F238E27FC236}">
+                <a16:creationId xmlns:a16="http://schemas.microsoft.com/office/drawing/2014/main" id="{C17C7867-2EC2-B619-935A-D8D8A1F27902}"/>
+              </a:ext>
+            </a:extLst>
+          </p:cNvPr>
+          <p:cNvCxnSpPr>
+            <a:cxnSpLocks/>
+            <a:stCxn id="3" idx="3"/>
+            <a:endCxn id="3074" idx="1"/>
+          </p:cNvCxnSpPr>
+          <p:nvPr/>
+        </p:nvCxnSpPr>
+        <p:spPr>
+          <a:xfrm>
+            <a:off x="2578568" y="3578136"/>
+            <a:ext cx="3361584" cy="0"/>
+          </a:xfrm>
+          <a:prstGeom prst="straightConnector1">
+            <a:avLst/>
+          </a:prstGeom>
+          <a:ln>
+            <a:solidFill>
+              <a:schemeClr val="tx1"/>
+            </a:solidFill>
+            <a:headEnd type="triangle"/>
+            <a:tailEnd type="triangle"/>
+          </a:ln>
+        </p:spPr>
+        <p:style>
+          <a:lnRef idx="1">
+            <a:schemeClr val="accent1"/>
+          </a:lnRef>
+          <a:fillRef idx="0">
+            <a:schemeClr val="accent1"/>
+          </a:fillRef>
+          <a:effectRef idx="0">
+            <a:schemeClr val="accent1"/>
+          </a:effectRef>
+          <a:fontRef idx="minor">
+            <a:schemeClr val="tx1"/>
+          </a:fontRef>
+        </p:style>
+      </p:cxnSp>
+      <p:sp>
+        <p:nvSpPr>
+          <p:cNvPr id="12" name="テキスト ボックス 11">
+            <a:extLst>
+              <a:ext uri="{FF2B5EF4-FFF2-40B4-BE49-F238E27FC236}">
+                <a16:creationId xmlns:a16="http://schemas.microsoft.com/office/drawing/2014/main" id="{DD886B70-5DBD-9ECE-DA41-889CBA56D08D}"/>
+              </a:ext>
+            </a:extLst>
+          </p:cNvPr>
+          <p:cNvSpPr txBox="1"/>
+          <p:nvPr/>
+        </p:nvSpPr>
+        <p:spPr>
+          <a:xfrm>
+            <a:off x="611560" y="4567636"/>
+            <a:ext cx="7430239" cy="646331"/>
+          </a:xfrm>
+          <a:prstGeom prst="rect">
+            <a:avLst/>
+          </a:prstGeom>
+          <a:noFill/>
+        </p:spPr>
+        <p:txBody>
+          <a:bodyPr wrap="none" rtlCol="0">
+            <a:spAutoFit/>
+          </a:bodyPr>
+          <a:lstStyle/>
+          <a:p>
+            <a:r>
+              <a:rPr kumimoji="1" lang="ja-JP" altLang="en-US"/>
+              <a:t>手元の</a:t>
+            </a:r>
+            <a:r>
+              <a:rPr lang="en-US" altLang="ja-JP" dirty="0"/>
+              <a:t>PC</a:t>
+            </a:r>
+            <a:r>
+              <a:rPr lang="ja-JP" altLang="en-US"/>
+              <a:t>の端末から、遠隔にあるマシンにリモートログインして作業</a:t>
+            </a:r>
+            <a:endParaRPr lang="en-US" altLang="ja-JP" dirty="0"/>
+          </a:p>
+          <a:p>
+            <a:r>
+              <a:rPr lang="ja-JP" altLang="en-US"/>
+              <a:t>リモートにあるサーバに直接ログインしているかのよう作業できる</a:t>
+            </a:r>
+            <a:endParaRPr lang="en-US" altLang="ja-JP" dirty="0"/>
+          </a:p>
+        </p:txBody>
+      </p:sp>
+      <p:sp>
+        <p:nvSpPr>
+          <p:cNvPr id="13" name="テキスト ボックス 12">
+            <a:extLst>
+              <a:ext uri="{FF2B5EF4-FFF2-40B4-BE49-F238E27FC236}">
+                <a16:creationId xmlns:a16="http://schemas.microsoft.com/office/drawing/2014/main" id="{95BD159E-D7C0-2735-846D-BC6188D23EA3}"/>
+              </a:ext>
+            </a:extLst>
+          </p:cNvPr>
+          <p:cNvSpPr txBox="1"/>
+          <p:nvPr/>
+        </p:nvSpPr>
+        <p:spPr>
+          <a:xfrm>
+            <a:off x="611560" y="5406007"/>
+            <a:ext cx="5006499" cy="369332"/>
+          </a:xfrm>
+          <a:prstGeom prst="rect">
+            <a:avLst/>
+          </a:prstGeom>
+          <a:noFill/>
+        </p:spPr>
+        <p:txBody>
+          <a:bodyPr wrap="none" rtlCol="0">
+            <a:spAutoFit/>
+          </a:bodyPr>
+          <a:lstStyle/>
+          <a:p>
+            <a:r>
+              <a:rPr kumimoji="1" lang="ja-JP" altLang="en-US"/>
+              <a:t>リモートログインに使われたのが</a:t>
+            </a:r>
+            <a:r>
+              <a:rPr kumimoji="1" lang="en-US" altLang="ja-JP" dirty="0"/>
+              <a:t>telnet</a:t>
+            </a:r>
+            <a:r>
+              <a:rPr kumimoji="1" lang="ja-JP" altLang="en-US"/>
+              <a:t>や</a:t>
+            </a:r>
+            <a:r>
+              <a:rPr kumimoji="1" lang="en-US" altLang="ja-JP" dirty="0"/>
+              <a:t>rlogin</a:t>
+            </a:r>
+            <a:endParaRPr kumimoji="1" lang="ja-JP" altLang="en-US"/>
+          </a:p>
+        </p:txBody>
+      </p:sp>
+    </p:spTree>
+    <p:extLst>
+      <p:ext uri="{BB962C8B-B14F-4D97-AF65-F5344CB8AC3E}">
+        <p14:creationId xmlns:p14="http://schemas.microsoft.com/office/powerpoint/2010/main" val="2995322855"/>
+      </p:ext>
+    </p:extLst>
+  </p:cSld>
+  <p:clrMapOvr>
+    <a:masterClrMapping/>
+  </p:clrMapOvr>
+</p:sld>
+</file>
+
+<file path=ppt/slides/slide5.xml><?xml version="1.0" encoding="utf-8"?>
+<p:sld xmlns:a="http://schemas.openxmlformats.org/drawingml/2006/main" xmlns:r="http://schemas.openxmlformats.org/officeDocument/2006/relationships" xmlns:p="http://schemas.openxmlformats.org/presentationml/2006/main">
+  <p:cSld>
+    <p:spTree>
+      <p:nvGrpSpPr>
+        <p:cNvPr id="1" name=""/>
+        <p:cNvGrpSpPr/>
+        <p:nvPr/>
+      </p:nvGrpSpPr>
+      <p:grpSpPr>
+        <a:xfrm>
+          <a:off x="0" y="0"/>
+          <a:ext cx="0" cy="0"/>
+          <a:chOff x="0" y="0"/>
+          <a:chExt cx="0" cy="0"/>
+        </a:xfrm>
+      </p:grpSpPr>
+      <p:sp>
+        <p:nvSpPr>
+          <p:cNvPr id="2" name="テキスト プレースホルダー 1">
+            <a:extLst>
+              <a:ext uri="{FF2B5EF4-FFF2-40B4-BE49-F238E27FC236}">
+                <a16:creationId xmlns:a16="http://schemas.microsoft.com/office/drawing/2014/main" id="{144DBCD4-9EFB-38C8-31E9-6EE91659F879}"/>
+              </a:ext>
+            </a:extLst>
+          </p:cNvPr>
+          <p:cNvSpPr>
+            <a:spLocks noGrp="1"/>
+          </p:cNvSpPr>
+          <p:nvPr>
+            <p:ph type="body" sz="quarter" idx="10"/>
+          </p:nvPr>
+        </p:nvSpPr>
+        <p:spPr/>
+        <p:txBody>
+          <a:bodyPr/>
+          <a:lstStyle/>
+          <a:p>
+            <a:r>
+              <a:rPr kumimoji="1" lang="ja-JP" altLang="en-US"/>
+              <a:t>リモート接続とセキュリティ</a:t>
+            </a:r>
+          </a:p>
+        </p:txBody>
+      </p:sp>
+      <p:pic>
+        <p:nvPicPr>
+          <p:cNvPr id="3" name="Picture 8" descr="会社で働く人のイラスト（男性）">
+            <a:extLst>
+              <a:ext uri="{FF2B5EF4-FFF2-40B4-BE49-F238E27FC236}">
+                <a16:creationId xmlns:a16="http://schemas.microsoft.com/office/drawing/2014/main" id="{71FD5EE9-B510-EFC2-FC46-29237053DEDA}"/>
+              </a:ext>
+            </a:extLst>
+          </p:cNvPr>
+          <p:cNvPicPr>
+            <a:picLocks noChangeAspect="1" noChangeArrowheads="1"/>
+          </p:cNvPicPr>
+          <p:nvPr/>
+        </p:nvPicPr>
+        <p:blipFill>
+          <a:blip r:embed="rId2">
+            <a:extLst>
+              <a:ext uri="{28A0092B-C50C-407E-A947-70E740481C1C}">
+                <a14:useLocalDpi xmlns:a14="http://schemas.microsoft.com/office/drawing/2010/main" val="0"/>
+              </a:ext>
+            </a:extLst>
+          </a:blip>
+          <a:srcRect/>
+          <a:stretch>
+            <a:fillRect/>
+          </a:stretch>
+        </p:blipFill>
+        <p:spPr bwMode="auto">
+          <a:xfrm>
+            <a:off x="1208964" y="2533294"/>
+            <a:ext cx="1225588" cy="1225588"/>
+          </a:xfrm>
+          <a:prstGeom prst="rect">
+            <a:avLst/>
+          </a:prstGeom>
+          <a:noFill/>
+          <a:extLst>
+            <a:ext uri="{909E8E84-426E-40DD-AFC4-6F175D3DCCD1}">
+              <a14:hiddenFill xmlns:a14="http://schemas.microsoft.com/office/drawing/2010/main">
+                <a:solidFill>
+                  <a:srgbClr val="FFFFFF"/>
+                </a:solidFill>
+              </a14:hiddenFill>
+            </a:ext>
+          </a:extLst>
+        </p:spPr>
+      </p:pic>
+      <p:sp>
+        <p:nvSpPr>
+          <p:cNvPr id="4" name="テキスト ボックス 3">
+            <a:extLst>
+              <a:ext uri="{FF2B5EF4-FFF2-40B4-BE49-F238E27FC236}">
+                <a16:creationId xmlns:a16="http://schemas.microsoft.com/office/drawing/2014/main" id="{5947436A-3AF0-7101-5DDC-BA8ADA01F58F}"/>
+              </a:ext>
+            </a:extLst>
+          </p:cNvPr>
+          <p:cNvSpPr txBox="1"/>
+          <p:nvPr/>
+        </p:nvSpPr>
+        <p:spPr>
+          <a:xfrm>
+            <a:off x="1030873" y="1949389"/>
+            <a:ext cx="1338828" cy="369332"/>
+          </a:xfrm>
+          <a:prstGeom prst="rect">
+            <a:avLst/>
+          </a:prstGeom>
+          <a:noFill/>
+        </p:spPr>
+        <p:txBody>
+          <a:bodyPr wrap="none" rtlCol="0">
+            <a:spAutoFit/>
+          </a:bodyPr>
+          <a:lstStyle/>
+          <a:p>
+            <a:r>
+              <a:rPr kumimoji="1" lang="ja-JP" altLang="en-US"/>
+              <a:t>自宅や居室</a:t>
+            </a:r>
+          </a:p>
+        </p:txBody>
+      </p:sp>
+      <p:sp>
+        <p:nvSpPr>
+          <p:cNvPr id="5" name="テキスト ボックス 4">
+            <a:extLst>
+              <a:ext uri="{FF2B5EF4-FFF2-40B4-BE49-F238E27FC236}">
+                <a16:creationId xmlns:a16="http://schemas.microsoft.com/office/drawing/2014/main" id="{DA3E0524-0BF8-C309-3CF1-4515858C5E34}"/>
+              </a:ext>
+            </a:extLst>
+          </p:cNvPr>
+          <p:cNvSpPr txBox="1"/>
+          <p:nvPr/>
+        </p:nvSpPr>
+        <p:spPr>
+          <a:xfrm>
+            <a:off x="4881037" y="1949389"/>
+            <a:ext cx="3185487" cy="369332"/>
+          </a:xfrm>
+          <a:prstGeom prst="rect">
+            <a:avLst/>
+          </a:prstGeom>
+          <a:noFill/>
+        </p:spPr>
+        <p:txBody>
+          <a:bodyPr wrap="none" rtlCol="0">
+            <a:spAutoFit/>
+          </a:bodyPr>
+          <a:lstStyle/>
+          <a:p>
+            <a:r>
+              <a:rPr kumimoji="1" lang="ja-JP" altLang="en-US"/>
+              <a:t>大学やサーバ室にあるサーバ</a:t>
+            </a:r>
+          </a:p>
+        </p:txBody>
+      </p:sp>
+      <p:pic>
+        <p:nvPicPr>
+          <p:cNvPr id="6" name="Picture 2" descr="サーバーのイラスト（1台）">
+            <a:extLst>
+              <a:ext uri="{FF2B5EF4-FFF2-40B4-BE49-F238E27FC236}">
+                <a16:creationId xmlns:a16="http://schemas.microsoft.com/office/drawing/2014/main" id="{2D780F6E-2368-2995-C14F-4B4458F2C82C}"/>
+              </a:ext>
+            </a:extLst>
+          </p:cNvPr>
+          <p:cNvPicPr>
+            <a:picLocks noChangeAspect="1" noChangeArrowheads="1"/>
+          </p:cNvPicPr>
+          <p:nvPr/>
+        </p:nvPicPr>
+        <p:blipFill>
+          <a:blip r:embed="rId3">
+            <a:extLst>
+              <a:ext uri="{28A0092B-C50C-407E-A947-70E740481C1C}">
+                <a14:useLocalDpi xmlns:a14="http://schemas.microsoft.com/office/drawing/2010/main" val="0"/>
+              </a:ext>
+            </a:extLst>
+          </a:blip>
+          <a:srcRect/>
+          <a:stretch>
+            <a:fillRect/>
+          </a:stretch>
+        </p:blipFill>
+        <p:spPr bwMode="auto">
+          <a:xfrm>
+            <a:off x="5796136" y="2420888"/>
+            <a:ext cx="1225588" cy="1450400"/>
+          </a:xfrm>
+          <a:prstGeom prst="rect">
+            <a:avLst/>
+          </a:prstGeom>
+          <a:noFill/>
+          <a:extLst>
+            <a:ext uri="{909E8E84-426E-40DD-AFC4-6F175D3DCCD1}">
+              <a14:hiddenFill xmlns:a14="http://schemas.microsoft.com/office/drawing/2010/main">
+                <a:solidFill>
+                  <a:srgbClr val="FFFFFF"/>
+                </a:solidFill>
+              </a14:hiddenFill>
+            </a:ext>
+          </a:extLst>
+        </p:spPr>
+      </p:pic>
+      <p:cxnSp>
+        <p:nvCxnSpPr>
+          <p:cNvPr id="7" name="直線矢印コネクタ 6">
+            <a:extLst>
+              <a:ext uri="{FF2B5EF4-FFF2-40B4-BE49-F238E27FC236}">
+                <a16:creationId xmlns:a16="http://schemas.microsoft.com/office/drawing/2014/main" id="{CB197782-3770-E570-DC72-08A5F7D1943D}"/>
+              </a:ext>
+            </a:extLst>
+          </p:cNvPr>
+          <p:cNvCxnSpPr>
+            <a:cxnSpLocks/>
+            <a:stCxn id="3" idx="3"/>
+            <a:endCxn id="6" idx="1"/>
+          </p:cNvCxnSpPr>
+          <p:nvPr/>
+        </p:nvCxnSpPr>
+        <p:spPr>
+          <a:xfrm>
+            <a:off x="2434552" y="3146088"/>
+            <a:ext cx="3361584" cy="0"/>
+          </a:xfrm>
+          <a:prstGeom prst="straightConnector1">
+            <a:avLst/>
+          </a:prstGeom>
+          <a:ln>
+            <a:solidFill>
+              <a:schemeClr val="tx1"/>
+            </a:solidFill>
+            <a:headEnd type="triangle"/>
+            <a:tailEnd type="triangle"/>
+          </a:ln>
+        </p:spPr>
+        <p:style>
+          <a:lnRef idx="1">
+            <a:schemeClr val="accent1"/>
+          </a:lnRef>
+          <a:fillRef idx="0">
+            <a:schemeClr val="accent1"/>
+          </a:fillRef>
+          <a:effectRef idx="0">
+            <a:schemeClr val="accent1"/>
+          </a:effectRef>
+          <a:fontRef idx="minor">
+            <a:schemeClr val="tx1"/>
+          </a:fontRef>
+        </p:style>
+      </p:cxnSp>
+      <p:sp>
+        <p:nvSpPr>
+          <p:cNvPr id="8" name="テキスト ボックス 7">
+            <a:extLst>
+              <a:ext uri="{FF2B5EF4-FFF2-40B4-BE49-F238E27FC236}">
+                <a16:creationId xmlns:a16="http://schemas.microsoft.com/office/drawing/2014/main" id="{E4C1FA0A-9013-41FB-7B85-1AC60A32EAA0}"/>
+              </a:ext>
+            </a:extLst>
+          </p:cNvPr>
+          <p:cNvSpPr txBox="1"/>
+          <p:nvPr/>
+        </p:nvSpPr>
+        <p:spPr>
+          <a:xfrm>
+            <a:off x="539552" y="1106739"/>
+            <a:ext cx="4774064" cy="400110"/>
+          </a:xfrm>
+          <a:prstGeom prst="rect">
+            <a:avLst/>
+          </a:prstGeom>
+          <a:noFill/>
+        </p:spPr>
+        <p:txBody>
+          <a:bodyPr wrap="none" rtlCol="0">
+            <a:spAutoFit/>
+          </a:bodyPr>
+          <a:lstStyle/>
+          <a:p>
+            <a:r>
+              <a:rPr lang="en-US" altLang="ja-JP" sz="2000" dirty="0"/>
+              <a:t>telnet</a:t>
+            </a:r>
+            <a:r>
+              <a:rPr lang="ja-JP" altLang="en-US" sz="2000"/>
+              <a:t>や</a:t>
+            </a:r>
+            <a:r>
+              <a:rPr lang="en-US" altLang="ja-JP" sz="2000" dirty="0"/>
+              <a:t>rlogin</a:t>
+            </a:r>
+            <a:r>
+              <a:rPr lang="ja-JP" altLang="en-US" sz="2000"/>
+              <a:t>は</a:t>
+            </a:r>
+            <a:r>
+              <a:rPr lang="ja-JP" altLang="en-US" sz="2000">
+                <a:solidFill>
+                  <a:srgbClr val="FF0000"/>
+                </a:solidFill>
+              </a:rPr>
+              <a:t>通信を平文で送受信</a:t>
+            </a:r>
+            <a:r>
+              <a:rPr lang="ja-JP" altLang="en-US" sz="2000"/>
+              <a:t>する</a:t>
+            </a:r>
+            <a:endParaRPr kumimoji="1" lang="ja-JP" altLang="en-US" sz="2000"/>
+          </a:p>
+        </p:txBody>
+      </p:sp>
+      <p:pic>
+        <p:nvPicPr>
+          <p:cNvPr id="4098" name="Picture 2" descr="悪人のイラスト「黒いシルエット」">
+            <a:extLst>
+              <a:ext uri="{FF2B5EF4-FFF2-40B4-BE49-F238E27FC236}">
+                <a16:creationId xmlns:a16="http://schemas.microsoft.com/office/drawing/2014/main" id="{094235E5-A2E2-90E5-CE85-BB715FAAF2EC}"/>
+              </a:ext>
+            </a:extLst>
+          </p:cNvPr>
+          <p:cNvPicPr>
+            <a:picLocks noChangeAspect="1" noChangeArrowheads="1"/>
+          </p:cNvPicPr>
+          <p:nvPr/>
+        </p:nvPicPr>
+        <p:blipFill>
+          <a:blip r:embed="rId4">
+            <a:extLst>
+              <a:ext uri="{28A0092B-C50C-407E-A947-70E740481C1C}">
+                <a14:useLocalDpi xmlns:a14="http://schemas.microsoft.com/office/drawing/2010/main" val="0"/>
+              </a:ext>
+            </a:extLst>
+          </a:blip>
+          <a:srcRect/>
+          <a:stretch>
+            <a:fillRect/>
+          </a:stretch>
+        </p:blipFill>
+        <p:spPr bwMode="auto">
+          <a:xfrm flipH="1">
+            <a:off x="3537989" y="3121924"/>
+            <a:ext cx="1032559" cy="1225589"/>
+          </a:xfrm>
+          <a:prstGeom prst="rect">
+            <a:avLst/>
+          </a:prstGeom>
+          <a:noFill/>
+          <a:extLst>
+            <a:ext uri="{909E8E84-426E-40DD-AFC4-6F175D3DCCD1}">
+              <a14:hiddenFill xmlns:a14="http://schemas.microsoft.com/office/drawing/2010/main">
+                <a:solidFill>
+                  <a:srgbClr val="FFFFFF"/>
+                </a:solidFill>
+              </a14:hiddenFill>
+            </a:ext>
+          </a:extLst>
+        </p:spPr>
+      </p:pic>
+      <p:sp>
+        <p:nvSpPr>
+          <p:cNvPr id="9" name="テキスト ボックス 8">
+            <a:extLst>
+              <a:ext uri="{FF2B5EF4-FFF2-40B4-BE49-F238E27FC236}">
+                <a16:creationId xmlns:a16="http://schemas.microsoft.com/office/drawing/2014/main" id="{463298FC-6718-9A30-F13D-63A040B5E407}"/>
+              </a:ext>
+            </a:extLst>
+          </p:cNvPr>
+          <p:cNvSpPr txBox="1"/>
+          <p:nvPr/>
+        </p:nvSpPr>
+        <p:spPr>
+          <a:xfrm>
+            <a:off x="2987824" y="2559784"/>
+            <a:ext cx="1749197" cy="369332"/>
+          </a:xfrm>
+          <a:prstGeom prst="rect">
+            <a:avLst/>
+          </a:prstGeom>
+          <a:noFill/>
+          <a:ln>
+            <a:solidFill>
+              <a:schemeClr val="tx1"/>
+            </a:solidFill>
+          </a:ln>
+        </p:spPr>
+        <p:txBody>
+          <a:bodyPr wrap="none" rtlCol="0">
+            <a:spAutoFit/>
+          </a:bodyPr>
+          <a:lstStyle/>
+          <a:p>
+            <a:r>
+              <a:rPr lang="en-US" altLang="ja-JP" dirty="0"/>
+              <a:t>user: password</a:t>
+            </a:r>
+            <a:endParaRPr kumimoji="1" lang="ja-JP" altLang="en-US"/>
+          </a:p>
+        </p:txBody>
+      </p:sp>
+      <p:sp>
+        <p:nvSpPr>
+          <p:cNvPr id="10" name="テキスト ボックス 9">
+            <a:extLst>
+              <a:ext uri="{FF2B5EF4-FFF2-40B4-BE49-F238E27FC236}">
+                <a16:creationId xmlns:a16="http://schemas.microsoft.com/office/drawing/2014/main" id="{1AF3E030-1AF3-A338-3046-D6F1EA7DF578}"/>
+              </a:ext>
+            </a:extLst>
+          </p:cNvPr>
+          <p:cNvSpPr txBox="1"/>
+          <p:nvPr/>
+        </p:nvSpPr>
+        <p:spPr>
+          <a:xfrm>
+            <a:off x="611560" y="4761854"/>
+            <a:ext cx="4339650" cy="369332"/>
+          </a:xfrm>
+          <a:prstGeom prst="rect">
+            <a:avLst/>
+          </a:prstGeom>
+          <a:noFill/>
+        </p:spPr>
+        <p:txBody>
+          <a:bodyPr wrap="none" rtlCol="0">
+            <a:spAutoFit/>
+          </a:bodyPr>
+          <a:lstStyle/>
+          <a:p>
+            <a:r>
+              <a:rPr kumimoji="1" lang="ja-JP" altLang="en-US"/>
+              <a:t>インターネットの通信は容易に傍受可能</a:t>
+            </a:r>
+          </a:p>
+        </p:txBody>
+      </p:sp>
+      <p:sp>
+        <p:nvSpPr>
+          <p:cNvPr id="11" name="テキスト ボックス 10">
+            <a:extLst>
+              <a:ext uri="{FF2B5EF4-FFF2-40B4-BE49-F238E27FC236}">
+                <a16:creationId xmlns:a16="http://schemas.microsoft.com/office/drawing/2014/main" id="{28A31221-92EC-40E5-D0EA-1860218429ED}"/>
+              </a:ext>
+            </a:extLst>
+          </p:cNvPr>
+          <p:cNvSpPr txBox="1"/>
+          <p:nvPr/>
+        </p:nvSpPr>
+        <p:spPr>
+          <a:xfrm>
+            <a:off x="1300950" y="5404556"/>
+            <a:ext cx="7032694" cy="369332"/>
+          </a:xfrm>
+          <a:prstGeom prst="rect">
+            <a:avLst/>
+          </a:prstGeom>
+          <a:noFill/>
+        </p:spPr>
+        <p:txBody>
+          <a:bodyPr wrap="none" rtlCol="0">
+            <a:spAutoFit/>
+          </a:bodyPr>
+          <a:lstStyle/>
+          <a:p>
+            <a:r>
+              <a:rPr kumimoji="1" lang="ja-JP" altLang="en-US"/>
+              <a:t>セキュアに通信をする必要から</a:t>
+            </a:r>
+            <a:r>
+              <a:rPr kumimoji="1" lang="en-US" altLang="ja-JP" dirty="0"/>
+              <a:t>SSH (Secure Shell)</a:t>
+            </a:r>
+            <a:r>
+              <a:rPr kumimoji="1" lang="ja-JP" altLang="en-US"/>
+              <a:t>などが生まれた</a:t>
+            </a:r>
+          </a:p>
+        </p:txBody>
+      </p:sp>
+    </p:spTree>
+    <p:extLst>
+      <p:ext uri="{BB962C8B-B14F-4D97-AF65-F5344CB8AC3E}">
+        <p14:creationId xmlns:p14="http://schemas.microsoft.com/office/powerpoint/2010/main" val="3378800223"/>
+      </p:ext>
+    </p:extLst>
+  </p:cSld>
+  <p:clrMapOvr>
+    <a:masterClrMapping/>
+  </p:clrMapOvr>
+</p:sld>
+</file>
+
+<file path=ppt/slides/slide6.xml><?xml version="1.0" encoding="utf-8"?>
 <p:sld xmlns:a="http://schemas.openxmlformats.org/drawingml/2006/main" xmlns:r="http://schemas.openxmlformats.org/officeDocument/2006/relationships" xmlns:p="http://schemas.openxmlformats.org/presentationml/2006/main">
   <p:cSld>
     <p:spTree>
@@ -1503,7 +5066,7 @@
 </p:sld>
 </file>
 
-<file path=ppt/slides/slide3.xml><?xml version="1.0" encoding="utf-8"?>
+<file path=ppt/slides/slide7.xml><?xml version="1.0" encoding="utf-8"?>
 <p:sld xmlns:a="http://schemas.openxmlformats.org/drawingml/2006/main" xmlns:r="http://schemas.openxmlformats.org/officeDocument/2006/relationships" xmlns:p="http://schemas.openxmlformats.org/presentationml/2006/main">
   <p:cSld>
     <p:spTree>
@@ -2739,7 +6302,7 @@
 </p:sld>
 </file>
 
-<file path=ppt/slides/slide4.xml><?xml version="1.0" encoding="utf-8"?>
+<file path=ppt/slides/slide8.xml><?xml version="1.0" encoding="utf-8"?>
 <p:sld xmlns:a="http://schemas.openxmlformats.org/drawingml/2006/main" xmlns:r="http://schemas.openxmlformats.org/officeDocument/2006/relationships" xmlns:p="http://schemas.openxmlformats.org/presentationml/2006/main">
   <p:cSld>
     <p:spTree>
@@ -6724,7 +10287,7 @@
 </p:sld>
 </file>
 
-<file path=ppt/slides/slide5.xml><?xml version="1.0" encoding="utf-8"?>
+<file path=ppt/slides/slide9.xml><?xml version="1.0" encoding="utf-8"?>
 <p:sld xmlns:a="http://schemas.openxmlformats.org/drawingml/2006/main" xmlns:r="http://schemas.openxmlformats.org/officeDocument/2006/relationships" xmlns:p="http://schemas.openxmlformats.org/presentationml/2006/main">
   <p:cSld>
     <p:spTree>
@@ -8237,1318 +11800,6 @@
     <p:extLst>
       <p:ext uri="{BB962C8B-B14F-4D97-AF65-F5344CB8AC3E}">
         <p14:creationId xmlns:p14="http://schemas.microsoft.com/office/powerpoint/2010/main" val="3763695998"/>
-      </p:ext>
-    </p:extLst>
-  </p:cSld>
-  <p:clrMapOvr>
-    <a:masterClrMapping/>
-  </p:clrMapOvr>
-</p:sld>
-</file>
-
-<file path=ppt/slides/slide6.xml><?xml version="1.0" encoding="utf-8"?>
-<p:sld xmlns:a="http://schemas.openxmlformats.org/drawingml/2006/main" xmlns:r="http://schemas.openxmlformats.org/officeDocument/2006/relationships" xmlns:p="http://schemas.openxmlformats.org/presentationml/2006/main">
-  <p:cSld>
-    <p:spTree>
-      <p:nvGrpSpPr>
-        <p:cNvPr id="1" name=""/>
-        <p:cNvGrpSpPr/>
-        <p:nvPr/>
-      </p:nvGrpSpPr>
-      <p:grpSpPr>
-        <a:xfrm>
-          <a:off x="0" y="0"/>
-          <a:ext cx="0" cy="0"/>
-          <a:chOff x="0" y="0"/>
-          <a:chExt cx="0" cy="0"/>
-        </a:xfrm>
-      </p:grpSpPr>
-      <p:sp>
-        <p:nvSpPr>
-          <p:cNvPr id="2" name="テキスト プレースホルダー 1">
-            <a:extLst>
-              <a:ext uri="{FF2B5EF4-FFF2-40B4-BE49-F238E27FC236}">
-                <a16:creationId xmlns:a16="http://schemas.microsoft.com/office/drawing/2014/main" id="{8DB92D8E-BC4B-E30E-1952-2DE4146C7A5A}"/>
-              </a:ext>
-            </a:extLst>
-          </p:cNvPr>
-          <p:cNvSpPr>
-            <a:spLocks noGrp="1"/>
-          </p:cNvSpPr>
-          <p:nvPr>
-            <p:ph type="body" sz="quarter" idx="10"/>
-          </p:nvPr>
-        </p:nvSpPr>
-        <p:spPr/>
-        <p:txBody>
-          <a:bodyPr/>
-          <a:lstStyle/>
-          <a:p>
-            <a:endParaRPr kumimoji="1" lang="ja-JP" altLang="en-US"/>
-          </a:p>
-        </p:txBody>
-      </p:sp>
-      <p:pic>
-        <p:nvPicPr>
-          <p:cNvPr id="3" name="Picture 2" descr="家の鍵のイラスト（ディスクシリンダー）">
-            <a:extLst>
-              <a:ext uri="{FF2B5EF4-FFF2-40B4-BE49-F238E27FC236}">
-                <a16:creationId xmlns:a16="http://schemas.microsoft.com/office/drawing/2014/main" id="{F89DA5A9-8E96-CB4E-C894-C5D871D802BD}"/>
-              </a:ext>
-            </a:extLst>
-          </p:cNvPr>
-          <p:cNvPicPr>
-            <a:picLocks noChangeAspect="1" noChangeArrowheads="1"/>
-          </p:cNvPicPr>
-          <p:nvPr/>
-        </p:nvPicPr>
-        <p:blipFill>
-          <a:blip r:embed="rId2">
-            <a:extLst>
-              <a:ext uri="{28A0092B-C50C-407E-A947-70E740481C1C}">
-                <a14:useLocalDpi xmlns:a14="http://schemas.microsoft.com/office/drawing/2010/main" val="0"/>
-              </a:ext>
-            </a:extLst>
-          </a:blip>
-          <a:srcRect/>
-          <a:stretch>
-            <a:fillRect/>
-          </a:stretch>
-        </p:blipFill>
-        <p:spPr bwMode="auto">
-          <a:xfrm>
-            <a:off x="1331640" y="2132856"/>
-            <a:ext cx="1080120" cy="1080120"/>
-          </a:xfrm>
-          <a:prstGeom prst="rect">
-            <a:avLst/>
-          </a:prstGeom>
-          <a:noFill/>
-          <a:extLst>
-            <a:ext uri="{909E8E84-426E-40DD-AFC4-6F175D3DCCD1}">
-              <a14:hiddenFill xmlns:a14="http://schemas.microsoft.com/office/drawing/2010/main">
-                <a:solidFill>
-                  <a:srgbClr val="FFFFFF"/>
-                </a:solidFill>
-              </a14:hiddenFill>
-            </a:ext>
-          </a:extLst>
-        </p:spPr>
-      </p:pic>
-      <p:pic>
-        <p:nvPicPr>
-          <p:cNvPr id="4" name="Picture 4" descr="シンプルな南京錠のイラスト">
-            <a:extLst>
-              <a:ext uri="{FF2B5EF4-FFF2-40B4-BE49-F238E27FC236}">
-                <a16:creationId xmlns:a16="http://schemas.microsoft.com/office/drawing/2014/main" id="{F55F8591-BA57-15AC-7268-4BC20242484D}"/>
-              </a:ext>
-            </a:extLst>
-          </p:cNvPr>
-          <p:cNvPicPr>
-            <a:picLocks noChangeAspect="1" noChangeArrowheads="1"/>
-          </p:cNvPicPr>
-          <p:nvPr/>
-        </p:nvPicPr>
-        <p:blipFill>
-          <a:blip r:embed="rId3">
-            <a:extLst>
-              <a:ext uri="{28A0092B-C50C-407E-A947-70E740481C1C}">
-                <a14:useLocalDpi xmlns:a14="http://schemas.microsoft.com/office/drawing/2010/main" val="0"/>
-              </a:ext>
-            </a:extLst>
-          </a:blip>
-          <a:srcRect/>
-          <a:stretch>
-            <a:fillRect/>
-          </a:stretch>
-        </p:blipFill>
-        <p:spPr bwMode="auto">
-          <a:xfrm>
-            <a:off x="6444208" y="2060848"/>
-            <a:ext cx="1296144" cy="1296144"/>
-          </a:xfrm>
-          <a:prstGeom prst="rect">
-            <a:avLst/>
-          </a:prstGeom>
-          <a:noFill/>
-          <a:extLst>
-            <a:ext uri="{909E8E84-426E-40DD-AFC4-6F175D3DCCD1}">
-              <a14:hiddenFill xmlns:a14="http://schemas.microsoft.com/office/drawing/2010/main">
-                <a:solidFill>
-                  <a:srgbClr val="FFFFFF"/>
-                </a:solidFill>
-              </a14:hiddenFill>
-            </a:ext>
-          </a:extLst>
-        </p:spPr>
-      </p:pic>
-      <p:pic>
-        <p:nvPicPr>
-          <p:cNvPr id="5" name="Picture 6" descr="サーバのイラスト（グレー）">
-            <a:extLst>
-              <a:ext uri="{FF2B5EF4-FFF2-40B4-BE49-F238E27FC236}">
-                <a16:creationId xmlns:a16="http://schemas.microsoft.com/office/drawing/2014/main" id="{6B231B74-43DA-5DA5-A1C8-1AF07AE8579B}"/>
-              </a:ext>
-            </a:extLst>
-          </p:cNvPr>
-          <p:cNvPicPr>
-            <a:picLocks noChangeAspect="1" noChangeArrowheads="1"/>
-          </p:cNvPicPr>
-          <p:nvPr/>
-        </p:nvPicPr>
-        <p:blipFill>
-          <a:blip r:embed="rId4">
-            <a:extLst>
-              <a:ext uri="{28A0092B-C50C-407E-A947-70E740481C1C}">
-                <a14:useLocalDpi xmlns:a14="http://schemas.microsoft.com/office/drawing/2010/main" val="0"/>
-              </a:ext>
-            </a:extLst>
-          </a:blip>
-          <a:srcRect/>
-          <a:stretch>
-            <a:fillRect/>
-          </a:stretch>
-        </p:blipFill>
-        <p:spPr bwMode="auto">
-          <a:xfrm>
-            <a:off x="6660232" y="4005064"/>
-            <a:ext cx="978005" cy="1489348"/>
-          </a:xfrm>
-          <a:prstGeom prst="rect">
-            <a:avLst/>
-          </a:prstGeom>
-          <a:noFill/>
-          <a:extLst>
-            <a:ext uri="{909E8E84-426E-40DD-AFC4-6F175D3DCCD1}">
-              <a14:hiddenFill xmlns:a14="http://schemas.microsoft.com/office/drawing/2010/main">
-                <a:solidFill>
-                  <a:srgbClr val="FFFFFF"/>
-                </a:solidFill>
-              </a14:hiddenFill>
-            </a:ext>
-          </a:extLst>
-        </p:spPr>
-      </p:pic>
-      <p:pic>
-        <p:nvPicPr>
-          <p:cNvPr id="6" name="Picture 8" descr="パソコンを使う女性のイラスト">
-            <a:extLst>
-              <a:ext uri="{FF2B5EF4-FFF2-40B4-BE49-F238E27FC236}">
-                <a16:creationId xmlns:a16="http://schemas.microsoft.com/office/drawing/2014/main" id="{61C1BB46-14E5-5237-52CB-D77CF7BA2073}"/>
-              </a:ext>
-            </a:extLst>
-          </p:cNvPr>
-          <p:cNvPicPr>
-            <a:picLocks noChangeAspect="1" noChangeArrowheads="1"/>
-          </p:cNvPicPr>
-          <p:nvPr/>
-        </p:nvPicPr>
-        <p:blipFill>
-          <a:blip r:embed="rId5">
-            <a:extLst>
-              <a:ext uri="{28A0092B-C50C-407E-A947-70E740481C1C}">
-                <a14:useLocalDpi xmlns:a14="http://schemas.microsoft.com/office/drawing/2010/main" val="0"/>
-              </a:ext>
-            </a:extLst>
-          </a:blip>
-          <a:srcRect/>
-          <a:stretch>
-            <a:fillRect/>
-          </a:stretch>
-        </p:blipFill>
-        <p:spPr bwMode="auto">
-          <a:xfrm>
-            <a:off x="1331640" y="3933056"/>
-            <a:ext cx="1656184" cy="1664507"/>
-          </a:xfrm>
-          <a:prstGeom prst="rect">
-            <a:avLst/>
-          </a:prstGeom>
-          <a:noFill/>
-          <a:extLst>
-            <a:ext uri="{909E8E84-426E-40DD-AFC4-6F175D3DCCD1}">
-              <a14:hiddenFill xmlns:a14="http://schemas.microsoft.com/office/drawing/2010/main">
-                <a:solidFill>
-                  <a:srgbClr val="FFFFFF"/>
-                </a:solidFill>
-              </a14:hiddenFill>
-            </a:ext>
-          </a:extLst>
-        </p:spPr>
-      </p:pic>
-      <p:sp>
-        <p:nvSpPr>
-          <p:cNvPr id="7" name="テキスト ボックス 6">
-            <a:extLst>
-              <a:ext uri="{FF2B5EF4-FFF2-40B4-BE49-F238E27FC236}">
-                <a16:creationId xmlns:a16="http://schemas.microsoft.com/office/drawing/2014/main" id="{EBB5762A-AA8A-04FE-B9AF-C465304EC94E}"/>
-              </a:ext>
-            </a:extLst>
-          </p:cNvPr>
-          <p:cNvSpPr txBox="1"/>
-          <p:nvPr/>
-        </p:nvSpPr>
-        <p:spPr>
-          <a:xfrm>
-            <a:off x="6516216" y="5589240"/>
-            <a:ext cx="1096775" cy="461665"/>
-          </a:xfrm>
-          <a:prstGeom prst="rect">
-            <a:avLst/>
-          </a:prstGeom>
-          <a:noFill/>
-        </p:spPr>
-        <p:txBody>
-          <a:bodyPr wrap="none" rtlCol="0">
-            <a:spAutoFit/>
-          </a:bodyPr>
-          <a:lstStyle/>
-          <a:p>
-            <a:r>
-              <a:rPr kumimoji="1" lang="ja-JP" altLang="en-US" sz="2400" dirty="0"/>
-              <a:t>サーバ</a:t>
-            </a:r>
-          </a:p>
-        </p:txBody>
-      </p:sp>
-      <p:sp>
-        <p:nvSpPr>
-          <p:cNvPr id="8" name="テキスト ボックス 7">
-            <a:extLst>
-              <a:ext uri="{FF2B5EF4-FFF2-40B4-BE49-F238E27FC236}">
-                <a16:creationId xmlns:a16="http://schemas.microsoft.com/office/drawing/2014/main" id="{8B4428BD-1DF3-BAB9-929D-9C5E19286DFC}"/>
-              </a:ext>
-            </a:extLst>
-          </p:cNvPr>
-          <p:cNvSpPr txBox="1"/>
-          <p:nvPr/>
-        </p:nvSpPr>
-        <p:spPr>
-          <a:xfrm>
-            <a:off x="1475656" y="5589240"/>
-            <a:ext cx="1085554" cy="461665"/>
-          </a:xfrm>
-          <a:prstGeom prst="rect">
-            <a:avLst/>
-          </a:prstGeom>
-          <a:noFill/>
-        </p:spPr>
-        <p:txBody>
-          <a:bodyPr wrap="none" rtlCol="0">
-            <a:spAutoFit/>
-          </a:bodyPr>
-          <a:lstStyle/>
-          <a:p>
-            <a:r>
-              <a:rPr lang="ja-JP" altLang="en-US" sz="2400" dirty="0"/>
-              <a:t>ユーザ</a:t>
-            </a:r>
-            <a:endParaRPr kumimoji="1" lang="ja-JP" altLang="en-US" sz="2400" dirty="0"/>
-          </a:p>
-        </p:txBody>
-      </p:sp>
-      <p:sp>
-        <p:nvSpPr>
-          <p:cNvPr id="9" name="テキスト ボックス 8">
-            <a:extLst>
-              <a:ext uri="{FF2B5EF4-FFF2-40B4-BE49-F238E27FC236}">
-                <a16:creationId xmlns:a16="http://schemas.microsoft.com/office/drawing/2014/main" id="{7BFDFDF7-C28F-FDD2-50A1-FC4D96A3D118}"/>
-              </a:ext>
-            </a:extLst>
-          </p:cNvPr>
-          <p:cNvSpPr txBox="1"/>
-          <p:nvPr/>
-        </p:nvSpPr>
-        <p:spPr>
-          <a:xfrm>
-            <a:off x="1331640" y="1556792"/>
-            <a:ext cx="1107996" cy="461665"/>
-          </a:xfrm>
-          <a:prstGeom prst="rect">
-            <a:avLst/>
-          </a:prstGeom>
-          <a:noFill/>
-        </p:spPr>
-        <p:txBody>
-          <a:bodyPr wrap="none" rtlCol="0">
-            <a:spAutoFit/>
-          </a:bodyPr>
-          <a:lstStyle/>
-          <a:p>
-            <a:r>
-              <a:rPr lang="ja-JP" altLang="en-US" sz="2400" dirty="0"/>
-              <a:t>秘密鍵</a:t>
-            </a:r>
-            <a:endParaRPr kumimoji="1" lang="ja-JP" altLang="en-US" sz="2400" dirty="0"/>
-          </a:p>
-        </p:txBody>
-      </p:sp>
-      <p:sp>
-        <p:nvSpPr>
-          <p:cNvPr id="10" name="テキスト ボックス 9">
-            <a:extLst>
-              <a:ext uri="{FF2B5EF4-FFF2-40B4-BE49-F238E27FC236}">
-                <a16:creationId xmlns:a16="http://schemas.microsoft.com/office/drawing/2014/main" id="{B1FB6F6B-25C4-EE2C-D9C8-8F3661737457}"/>
-              </a:ext>
-            </a:extLst>
-          </p:cNvPr>
-          <p:cNvSpPr txBox="1"/>
-          <p:nvPr/>
-        </p:nvSpPr>
-        <p:spPr>
-          <a:xfrm>
-            <a:off x="6516216" y="1484784"/>
-            <a:ext cx="1107996" cy="461665"/>
-          </a:xfrm>
-          <a:prstGeom prst="rect">
-            <a:avLst/>
-          </a:prstGeom>
-          <a:noFill/>
-        </p:spPr>
-        <p:txBody>
-          <a:bodyPr wrap="none" rtlCol="0">
-            <a:spAutoFit/>
-          </a:bodyPr>
-          <a:lstStyle/>
-          <a:p>
-            <a:r>
-              <a:rPr lang="ja-JP" altLang="en-US" sz="2400" dirty="0"/>
-              <a:t>公開鍵</a:t>
-            </a:r>
-            <a:endParaRPr kumimoji="1" lang="ja-JP" altLang="en-US" sz="2400" dirty="0"/>
-          </a:p>
-        </p:txBody>
-      </p:sp>
-      <p:sp>
-        <p:nvSpPr>
-          <p:cNvPr id="11" name="左右矢印 3">
-            <a:extLst>
-              <a:ext uri="{FF2B5EF4-FFF2-40B4-BE49-F238E27FC236}">
-                <a16:creationId xmlns:a16="http://schemas.microsoft.com/office/drawing/2014/main" id="{0A5ED977-F9C7-1D45-339F-E9F1636CC4FC}"/>
-              </a:ext>
-            </a:extLst>
-          </p:cNvPr>
-          <p:cNvSpPr/>
-          <p:nvPr/>
-        </p:nvSpPr>
-        <p:spPr>
-          <a:xfrm>
-            <a:off x="3131840" y="2420888"/>
-            <a:ext cx="2736304" cy="576064"/>
-          </a:xfrm>
-          <a:prstGeom prst="leftRightArrow">
-            <a:avLst/>
-          </a:prstGeom>
-          <a:ln>
-            <a:solidFill>
-              <a:schemeClr val="tx1"/>
-            </a:solidFill>
-          </a:ln>
-        </p:spPr>
-        <p:txBody>
-          <a:bodyPr wrap="square" rtlCol="0" anchor="ctr">
-            <a:spAutoFit/>
-          </a:bodyPr>
-          <a:lstStyle/>
-          <a:p>
-            <a:pPr algn="ctr"/>
-            <a:endParaRPr kumimoji="1" lang="ja-JP" altLang="en-US" sz="2400" dirty="0"/>
-          </a:p>
-        </p:txBody>
-      </p:sp>
-    </p:spTree>
-    <p:extLst>
-      <p:ext uri="{BB962C8B-B14F-4D97-AF65-F5344CB8AC3E}">
-        <p14:creationId xmlns:p14="http://schemas.microsoft.com/office/powerpoint/2010/main" val="3526724538"/>
-      </p:ext>
-    </p:extLst>
-  </p:cSld>
-  <p:clrMapOvr>
-    <a:masterClrMapping/>
-  </p:clrMapOvr>
-</p:sld>
-</file>
-
-<file path=ppt/slides/slide7.xml><?xml version="1.0" encoding="utf-8"?>
-<p:sld xmlns:a="http://schemas.openxmlformats.org/drawingml/2006/main" xmlns:r="http://schemas.openxmlformats.org/officeDocument/2006/relationships" xmlns:p="http://schemas.openxmlformats.org/presentationml/2006/main">
-  <p:cSld>
-    <p:spTree>
-      <p:nvGrpSpPr>
-        <p:cNvPr id="1" name=""/>
-        <p:cNvGrpSpPr/>
-        <p:nvPr/>
-      </p:nvGrpSpPr>
-      <p:grpSpPr>
-        <a:xfrm>
-          <a:off x="0" y="0"/>
-          <a:ext cx="0" cy="0"/>
-          <a:chOff x="0" y="0"/>
-          <a:chExt cx="0" cy="0"/>
-        </a:xfrm>
-      </p:grpSpPr>
-      <p:sp>
-        <p:nvSpPr>
-          <p:cNvPr id="2" name="テキスト プレースホルダー 1">
-            <a:extLst>
-              <a:ext uri="{FF2B5EF4-FFF2-40B4-BE49-F238E27FC236}">
-                <a16:creationId xmlns:a16="http://schemas.microsoft.com/office/drawing/2014/main" id="{84AAC8EA-1926-5A20-574D-498E6EC78D0B}"/>
-              </a:ext>
-            </a:extLst>
-          </p:cNvPr>
-          <p:cNvSpPr>
-            <a:spLocks noGrp="1"/>
-          </p:cNvSpPr>
-          <p:nvPr>
-            <p:ph type="body" sz="quarter" idx="10"/>
-          </p:nvPr>
-        </p:nvSpPr>
-        <p:spPr/>
-        <p:txBody>
-          <a:bodyPr/>
-          <a:lstStyle/>
-          <a:p>
-            <a:endParaRPr kumimoji="1" lang="ja-JP" altLang="en-US"/>
-          </a:p>
-        </p:txBody>
-      </p:sp>
-      <p:pic>
-        <p:nvPicPr>
-          <p:cNvPr id="3" name="Picture 8" descr="パソコンを使う女性のイラスト">
-            <a:extLst>
-              <a:ext uri="{FF2B5EF4-FFF2-40B4-BE49-F238E27FC236}">
-                <a16:creationId xmlns:a16="http://schemas.microsoft.com/office/drawing/2014/main" id="{AFE40E93-8357-DBAF-AA59-951168657B32}"/>
-              </a:ext>
-            </a:extLst>
-          </p:cNvPr>
-          <p:cNvPicPr>
-            <a:picLocks noChangeAspect="1" noChangeArrowheads="1"/>
-          </p:cNvPicPr>
-          <p:nvPr/>
-        </p:nvPicPr>
-        <p:blipFill>
-          <a:blip r:embed="rId2" cstate="print">
-            <a:extLst>
-              <a:ext uri="{28A0092B-C50C-407E-A947-70E740481C1C}">
-                <a14:useLocalDpi xmlns:a14="http://schemas.microsoft.com/office/drawing/2010/main" val="0"/>
-              </a:ext>
-            </a:extLst>
-          </a:blip>
-          <a:srcRect/>
-          <a:stretch>
-            <a:fillRect/>
-          </a:stretch>
-        </p:blipFill>
-        <p:spPr bwMode="auto">
-          <a:xfrm>
-            <a:off x="3851920" y="1340768"/>
-            <a:ext cx="1242927" cy="1249173"/>
-          </a:xfrm>
-          <a:prstGeom prst="rect">
-            <a:avLst/>
-          </a:prstGeom>
-          <a:noFill/>
-          <a:extLst>
-            <a:ext uri="{909E8E84-426E-40DD-AFC4-6F175D3DCCD1}">
-              <a14:hiddenFill xmlns:a14="http://schemas.microsoft.com/office/drawing/2010/main">
-                <a:solidFill>
-                  <a:srgbClr val="FFFFFF"/>
-                </a:solidFill>
-              </a14:hiddenFill>
-            </a:ext>
-          </a:extLst>
-        </p:spPr>
-      </p:pic>
-      <p:pic>
-        <p:nvPicPr>
-          <p:cNvPr id="4" name="Picture 2" descr="サーバのイラスト（青）">
-            <a:extLst>
-              <a:ext uri="{FF2B5EF4-FFF2-40B4-BE49-F238E27FC236}">
-                <a16:creationId xmlns:a16="http://schemas.microsoft.com/office/drawing/2014/main" id="{635F3ABB-2339-B98B-7482-70BDE5EC616E}"/>
-              </a:ext>
-            </a:extLst>
-          </p:cNvPr>
-          <p:cNvPicPr>
-            <a:picLocks noChangeAspect="1" noChangeArrowheads="1"/>
-          </p:cNvPicPr>
-          <p:nvPr/>
-        </p:nvPicPr>
-        <p:blipFill>
-          <a:blip r:embed="rId3" cstate="print">
-            <a:extLst>
-              <a:ext uri="{28A0092B-C50C-407E-A947-70E740481C1C}">
-                <a14:useLocalDpi xmlns:a14="http://schemas.microsoft.com/office/drawing/2010/main" val="0"/>
-              </a:ext>
-            </a:extLst>
-          </a:blip>
-          <a:srcRect/>
-          <a:stretch>
-            <a:fillRect/>
-          </a:stretch>
-        </p:blipFill>
-        <p:spPr bwMode="auto">
-          <a:xfrm>
-            <a:off x="5652120" y="3933056"/>
-            <a:ext cx="756564" cy="1152128"/>
-          </a:xfrm>
-          <a:prstGeom prst="rect">
-            <a:avLst/>
-          </a:prstGeom>
-          <a:noFill/>
-          <a:extLst>
-            <a:ext uri="{909E8E84-426E-40DD-AFC4-6F175D3DCCD1}">
-              <a14:hiddenFill xmlns:a14="http://schemas.microsoft.com/office/drawing/2010/main">
-                <a:solidFill>
-                  <a:srgbClr val="FFFFFF"/>
-                </a:solidFill>
-              </a14:hiddenFill>
-            </a:ext>
-          </a:extLst>
-        </p:spPr>
-      </p:pic>
-      <p:pic>
-        <p:nvPicPr>
-          <p:cNvPr id="5" name="Picture 6" descr="サーバのイラスト（グレー）">
-            <a:extLst>
-              <a:ext uri="{FF2B5EF4-FFF2-40B4-BE49-F238E27FC236}">
-                <a16:creationId xmlns:a16="http://schemas.microsoft.com/office/drawing/2014/main" id="{A85FD5A8-6FDD-41A1-EED5-A9AAB8D88DEB}"/>
-              </a:ext>
-            </a:extLst>
-          </p:cNvPr>
-          <p:cNvPicPr>
-            <a:picLocks noChangeAspect="1" noChangeArrowheads="1"/>
-          </p:cNvPicPr>
-          <p:nvPr/>
-        </p:nvPicPr>
-        <p:blipFill>
-          <a:blip r:embed="rId4" cstate="print">
-            <a:extLst>
-              <a:ext uri="{28A0092B-C50C-407E-A947-70E740481C1C}">
-                <a14:useLocalDpi xmlns:a14="http://schemas.microsoft.com/office/drawing/2010/main" val="0"/>
-              </a:ext>
-            </a:extLst>
-          </a:blip>
-          <a:srcRect/>
-          <a:stretch>
-            <a:fillRect/>
-          </a:stretch>
-        </p:blipFill>
-        <p:spPr bwMode="auto">
-          <a:xfrm>
-            <a:off x="2483768" y="3895456"/>
-            <a:ext cx="733969" cy="1117720"/>
-          </a:xfrm>
-          <a:prstGeom prst="rect">
-            <a:avLst/>
-          </a:prstGeom>
-          <a:noFill/>
-          <a:extLst>
-            <a:ext uri="{909E8E84-426E-40DD-AFC4-6F175D3DCCD1}">
-              <a14:hiddenFill xmlns:a14="http://schemas.microsoft.com/office/drawing/2010/main">
-                <a:solidFill>
-                  <a:srgbClr val="FFFFFF"/>
-                </a:solidFill>
-              </a14:hiddenFill>
-            </a:ext>
-          </a:extLst>
-        </p:spPr>
-      </p:pic>
-      <p:sp>
-        <p:nvSpPr>
-          <p:cNvPr id="6" name="右矢印 4">
-            <a:extLst>
-              <a:ext uri="{FF2B5EF4-FFF2-40B4-BE49-F238E27FC236}">
-                <a16:creationId xmlns:a16="http://schemas.microsoft.com/office/drawing/2014/main" id="{2C1935C5-C991-0277-3D51-D71E38CCB88D}"/>
-              </a:ext>
-            </a:extLst>
-          </p:cNvPr>
-          <p:cNvSpPr/>
-          <p:nvPr/>
-        </p:nvSpPr>
-        <p:spPr>
-          <a:xfrm rot="2700000">
-            <a:off x="5032107" y="2767842"/>
-            <a:ext cx="978408" cy="484632"/>
-          </a:xfrm>
-          <a:prstGeom prst="rightArrow">
-            <a:avLst/>
-          </a:prstGeom>
-          <a:ln>
-            <a:solidFill>
-              <a:schemeClr val="tx1"/>
-            </a:solidFill>
-          </a:ln>
-        </p:spPr>
-        <p:txBody>
-          <a:bodyPr wrap="square" rtlCol="0" anchor="ctr">
-            <a:spAutoFit/>
-          </a:bodyPr>
-          <a:lstStyle/>
-          <a:p>
-            <a:pPr algn="ctr"/>
-            <a:endParaRPr kumimoji="1" lang="ja-JP" altLang="en-US" sz="2400" dirty="0"/>
-          </a:p>
-        </p:txBody>
-      </p:sp>
-      <p:sp>
-        <p:nvSpPr>
-          <p:cNvPr id="7" name="右矢印 5">
-            <a:extLst>
-              <a:ext uri="{FF2B5EF4-FFF2-40B4-BE49-F238E27FC236}">
-                <a16:creationId xmlns:a16="http://schemas.microsoft.com/office/drawing/2014/main" id="{FFB10DA8-601F-E629-1CE2-512350B7A6DB}"/>
-              </a:ext>
-            </a:extLst>
-          </p:cNvPr>
-          <p:cNvSpPr/>
-          <p:nvPr/>
-        </p:nvSpPr>
-        <p:spPr>
-          <a:xfrm rot="8100000">
-            <a:off x="3015883" y="2839850"/>
-            <a:ext cx="978408" cy="484632"/>
-          </a:xfrm>
-          <a:prstGeom prst="rightArrow">
-            <a:avLst/>
-          </a:prstGeom>
-          <a:ln>
-            <a:solidFill>
-              <a:schemeClr val="tx1"/>
-            </a:solidFill>
-          </a:ln>
-        </p:spPr>
-        <p:txBody>
-          <a:bodyPr wrap="square" rtlCol="0" anchor="ctr">
-            <a:spAutoFit/>
-          </a:bodyPr>
-          <a:lstStyle/>
-          <a:p>
-            <a:pPr algn="ctr"/>
-            <a:endParaRPr kumimoji="1" lang="ja-JP" altLang="en-US" sz="2400" dirty="0"/>
-          </a:p>
-        </p:txBody>
-      </p:sp>
-      <p:sp>
-        <p:nvSpPr>
-          <p:cNvPr id="8" name="右矢印 6">
-            <a:extLst>
-              <a:ext uri="{FF2B5EF4-FFF2-40B4-BE49-F238E27FC236}">
-                <a16:creationId xmlns:a16="http://schemas.microsoft.com/office/drawing/2014/main" id="{9404D890-5CF9-FE2E-1411-7C9A7EFF780B}"/>
-              </a:ext>
-            </a:extLst>
-          </p:cNvPr>
-          <p:cNvSpPr/>
-          <p:nvPr/>
-        </p:nvSpPr>
-        <p:spPr>
-          <a:xfrm>
-            <a:off x="4067944" y="4005064"/>
-            <a:ext cx="978408" cy="484632"/>
-          </a:xfrm>
-          <a:prstGeom prst="rightArrow">
-            <a:avLst/>
-          </a:prstGeom>
-          <a:ln>
-            <a:solidFill>
-              <a:schemeClr val="tx1"/>
-            </a:solidFill>
-          </a:ln>
-        </p:spPr>
-        <p:txBody>
-          <a:bodyPr wrap="square" rtlCol="0" anchor="ctr">
-            <a:spAutoFit/>
-          </a:bodyPr>
-          <a:lstStyle/>
-          <a:p>
-            <a:pPr algn="ctr"/>
-            <a:endParaRPr kumimoji="1" lang="ja-JP" altLang="en-US" sz="2400" dirty="0"/>
-          </a:p>
-        </p:txBody>
-      </p:sp>
-      <p:sp>
-        <p:nvSpPr>
-          <p:cNvPr id="9" name="テキスト ボックス 8">
-            <a:extLst>
-              <a:ext uri="{FF2B5EF4-FFF2-40B4-BE49-F238E27FC236}">
-                <a16:creationId xmlns:a16="http://schemas.microsoft.com/office/drawing/2014/main" id="{8D983058-1F7F-52CE-A5C8-3B883AF546AE}"/>
-              </a:ext>
-            </a:extLst>
-          </p:cNvPr>
-          <p:cNvSpPr txBox="1"/>
-          <p:nvPr/>
-        </p:nvSpPr>
-        <p:spPr>
-          <a:xfrm>
-            <a:off x="2267744" y="3429000"/>
-            <a:ext cx="1096775" cy="461665"/>
-          </a:xfrm>
-          <a:prstGeom prst="rect">
-            <a:avLst/>
-          </a:prstGeom>
-          <a:noFill/>
-        </p:spPr>
-        <p:txBody>
-          <a:bodyPr wrap="none" rtlCol="0">
-            <a:spAutoFit/>
-          </a:bodyPr>
-          <a:lstStyle/>
-          <a:p>
-            <a:r>
-              <a:rPr kumimoji="1" lang="ja-JP" altLang="en-US" sz="2400" dirty="0"/>
-              <a:t>サーバ</a:t>
-            </a:r>
-          </a:p>
-        </p:txBody>
-      </p:sp>
-      <p:sp>
-        <p:nvSpPr>
-          <p:cNvPr id="10" name="テキスト ボックス 9">
-            <a:extLst>
-              <a:ext uri="{FF2B5EF4-FFF2-40B4-BE49-F238E27FC236}">
-                <a16:creationId xmlns:a16="http://schemas.microsoft.com/office/drawing/2014/main" id="{547B1327-34AF-55C3-3066-D2FB3AEE6650}"/>
-              </a:ext>
-            </a:extLst>
-          </p:cNvPr>
-          <p:cNvSpPr txBox="1"/>
-          <p:nvPr/>
-        </p:nvSpPr>
-        <p:spPr>
-          <a:xfrm>
-            <a:off x="5436096" y="3399383"/>
-            <a:ext cx="1067921" cy="461665"/>
-          </a:xfrm>
-          <a:prstGeom prst="rect">
-            <a:avLst/>
-          </a:prstGeom>
-          <a:noFill/>
-        </p:spPr>
-        <p:txBody>
-          <a:bodyPr wrap="none" rtlCol="0">
-            <a:spAutoFit/>
-          </a:bodyPr>
-          <a:lstStyle/>
-          <a:p>
-            <a:r>
-              <a:rPr kumimoji="1" lang="en-US" altLang="ja-JP" sz="2400" dirty="0"/>
-              <a:t>GitHub</a:t>
-            </a:r>
-            <a:endParaRPr kumimoji="1" lang="ja-JP" altLang="en-US" sz="2400" dirty="0"/>
-          </a:p>
-        </p:txBody>
-      </p:sp>
-      <p:sp>
-        <p:nvSpPr>
-          <p:cNvPr id="11" name="テキスト ボックス 10">
-            <a:extLst>
-              <a:ext uri="{FF2B5EF4-FFF2-40B4-BE49-F238E27FC236}">
-                <a16:creationId xmlns:a16="http://schemas.microsoft.com/office/drawing/2014/main" id="{DC1F9EBF-AC92-B3CF-511C-07369C31EDE9}"/>
-              </a:ext>
-            </a:extLst>
-          </p:cNvPr>
-          <p:cNvSpPr txBox="1"/>
-          <p:nvPr/>
-        </p:nvSpPr>
-        <p:spPr>
-          <a:xfrm>
-            <a:off x="1327256" y="5085184"/>
-            <a:ext cx="6845144" cy="830997"/>
-          </a:xfrm>
-          <a:prstGeom prst="rect">
-            <a:avLst/>
-          </a:prstGeom>
-          <a:noFill/>
-        </p:spPr>
-        <p:txBody>
-          <a:bodyPr wrap="none" rtlCol="0">
-            <a:spAutoFit/>
-          </a:bodyPr>
-          <a:lstStyle/>
-          <a:p>
-            <a:r>
-              <a:rPr lang="ja-JP" altLang="en-US" sz="2400" dirty="0"/>
-              <a:t>ローカルマシンから</a:t>
-            </a:r>
-            <a:r>
-              <a:rPr lang="en-US" altLang="ja-JP" sz="2400" dirty="0"/>
-              <a:t>GitHub</a:t>
-            </a:r>
-            <a:r>
-              <a:rPr lang="ja-JP" altLang="en-US" sz="2400" dirty="0"/>
-              <a:t>にアクセスできる状態で、</a:t>
-            </a:r>
-            <a:endParaRPr lang="en-US" altLang="ja-JP" sz="2400" dirty="0"/>
-          </a:p>
-          <a:p>
-            <a:r>
-              <a:rPr kumimoji="1" lang="ja-JP" altLang="en-US" sz="2400" dirty="0"/>
-              <a:t>サーバ経由で</a:t>
-            </a:r>
-            <a:r>
-              <a:rPr kumimoji="1" lang="en-US" altLang="ja-JP" sz="2400" dirty="0"/>
-              <a:t>GitHub</a:t>
-            </a:r>
-            <a:r>
-              <a:rPr kumimoji="1" lang="ja-JP" altLang="en-US" sz="2400" dirty="0"/>
-              <a:t>にアクセスしたい</a:t>
-            </a:r>
-          </a:p>
-        </p:txBody>
-      </p:sp>
-    </p:spTree>
-    <p:extLst>
-      <p:ext uri="{BB962C8B-B14F-4D97-AF65-F5344CB8AC3E}">
-        <p14:creationId xmlns:p14="http://schemas.microsoft.com/office/powerpoint/2010/main" val="662500876"/>
-      </p:ext>
-    </p:extLst>
-  </p:cSld>
-  <p:clrMapOvr>
-    <a:masterClrMapping/>
-  </p:clrMapOvr>
-</p:sld>
-</file>
-
-<file path=ppt/slides/slide8.xml><?xml version="1.0" encoding="utf-8"?>
-<p:sld xmlns:a="http://schemas.openxmlformats.org/drawingml/2006/main" xmlns:r="http://schemas.openxmlformats.org/officeDocument/2006/relationships" xmlns:p="http://schemas.openxmlformats.org/presentationml/2006/main">
-  <p:cSld>
-    <p:spTree>
-      <p:nvGrpSpPr>
-        <p:cNvPr id="1" name=""/>
-        <p:cNvGrpSpPr/>
-        <p:nvPr/>
-      </p:nvGrpSpPr>
-      <p:grpSpPr>
-        <a:xfrm>
-          <a:off x="0" y="0"/>
-          <a:ext cx="0" cy="0"/>
-          <a:chOff x="0" y="0"/>
-          <a:chExt cx="0" cy="0"/>
-        </a:xfrm>
-      </p:grpSpPr>
-      <p:sp>
-        <p:nvSpPr>
-          <p:cNvPr id="2" name="テキスト プレースホルダー 1">
-            <a:extLst>
-              <a:ext uri="{FF2B5EF4-FFF2-40B4-BE49-F238E27FC236}">
-                <a16:creationId xmlns:a16="http://schemas.microsoft.com/office/drawing/2014/main" id="{FB04D606-3DB0-BE39-821F-86B3CBDC1779}"/>
-              </a:ext>
-            </a:extLst>
-          </p:cNvPr>
-          <p:cNvSpPr>
-            <a:spLocks noGrp="1"/>
-          </p:cNvSpPr>
-          <p:nvPr>
-            <p:ph type="body" sz="quarter" idx="10"/>
-          </p:nvPr>
-        </p:nvSpPr>
-        <p:spPr/>
-        <p:txBody>
-          <a:bodyPr/>
-          <a:lstStyle/>
-          <a:p>
-            <a:endParaRPr kumimoji="1" lang="ja-JP" altLang="en-US"/>
-          </a:p>
-        </p:txBody>
-      </p:sp>
-      <p:sp>
-        <p:nvSpPr>
-          <p:cNvPr id="3" name="テキスト ボックス 2">
-            <a:extLst>
-              <a:ext uri="{FF2B5EF4-FFF2-40B4-BE49-F238E27FC236}">
-                <a16:creationId xmlns:a16="http://schemas.microsoft.com/office/drawing/2014/main" id="{01BD69B5-CFB8-600C-523D-EFBDDF56ED45}"/>
-              </a:ext>
-            </a:extLst>
-          </p:cNvPr>
-          <p:cNvSpPr txBox="1"/>
-          <p:nvPr/>
-        </p:nvSpPr>
-        <p:spPr>
-          <a:xfrm>
-            <a:off x="3635896" y="118373"/>
-            <a:ext cx="1818126" cy="646331"/>
-          </a:xfrm>
-          <a:prstGeom prst="rect">
-            <a:avLst/>
-          </a:prstGeom>
-          <a:noFill/>
-        </p:spPr>
-        <p:txBody>
-          <a:bodyPr wrap="none" rtlCol="0">
-            <a:spAutoFit/>
-          </a:bodyPr>
-          <a:lstStyle/>
-          <a:p>
-            <a:r>
-              <a:rPr lang="ja-JP" altLang="en-US" sz="3600" dirty="0"/>
-              <a:t>多段</a:t>
-            </a:r>
-            <a:r>
-              <a:rPr lang="en-US" altLang="ja-JP" sz="3600" dirty="0"/>
-              <a:t>SSH</a:t>
-            </a:r>
-          </a:p>
-        </p:txBody>
-      </p:sp>
-      <p:pic>
-        <p:nvPicPr>
-          <p:cNvPr id="4" name="Picture 6" descr="サーバのイラスト（グレー）">
-            <a:extLst>
-              <a:ext uri="{FF2B5EF4-FFF2-40B4-BE49-F238E27FC236}">
-                <a16:creationId xmlns:a16="http://schemas.microsoft.com/office/drawing/2014/main" id="{742A3C4D-A240-8618-4B96-A8083D242F79}"/>
-              </a:ext>
-            </a:extLst>
-          </p:cNvPr>
-          <p:cNvPicPr>
-            <a:picLocks noChangeAspect="1" noChangeArrowheads="1"/>
-          </p:cNvPicPr>
-          <p:nvPr/>
-        </p:nvPicPr>
-        <p:blipFill>
-          <a:blip r:embed="rId2">
-            <a:extLst>
-              <a:ext uri="{28A0092B-C50C-407E-A947-70E740481C1C}">
-                <a14:useLocalDpi xmlns:a14="http://schemas.microsoft.com/office/drawing/2010/main" val="0"/>
-              </a:ext>
-            </a:extLst>
-          </a:blip>
-          <a:srcRect/>
-          <a:stretch>
-            <a:fillRect/>
-          </a:stretch>
-        </p:blipFill>
-        <p:spPr bwMode="auto">
-          <a:xfrm>
-            <a:off x="5220072" y="4221088"/>
-            <a:ext cx="978005" cy="1489348"/>
-          </a:xfrm>
-          <a:prstGeom prst="rect">
-            <a:avLst/>
-          </a:prstGeom>
-          <a:noFill/>
-          <a:extLst>
-            <a:ext uri="{909E8E84-426E-40DD-AFC4-6F175D3DCCD1}">
-              <a14:hiddenFill xmlns:a14="http://schemas.microsoft.com/office/drawing/2010/main">
-                <a:solidFill>
-                  <a:srgbClr val="FFFFFF"/>
-                </a:solidFill>
-              </a14:hiddenFill>
-            </a:ext>
-          </a:extLst>
-        </p:spPr>
-      </p:pic>
-      <p:pic>
-        <p:nvPicPr>
-          <p:cNvPr id="5" name="Picture 8" descr="パソコンを使う女性のイラスト">
-            <a:extLst>
-              <a:ext uri="{FF2B5EF4-FFF2-40B4-BE49-F238E27FC236}">
-                <a16:creationId xmlns:a16="http://schemas.microsoft.com/office/drawing/2014/main" id="{2E95CA4B-58B2-E6CC-7FD6-C5C3B940C3D1}"/>
-              </a:ext>
-            </a:extLst>
-          </p:cNvPr>
-          <p:cNvPicPr>
-            <a:picLocks noChangeAspect="1" noChangeArrowheads="1"/>
-          </p:cNvPicPr>
-          <p:nvPr/>
-        </p:nvPicPr>
-        <p:blipFill>
-          <a:blip r:embed="rId3">
-            <a:extLst>
-              <a:ext uri="{28A0092B-C50C-407E-A947-70E740481C1C}">
-                <a14:useLocalDpi xmlns:a14="http://schemas.microsoft.com/office/drawing/2010/main" val="0"/>
-              </a:ext>
-            </a:extLst>
-          </a:blip>
-          <a:srcRect/>
-          <a:stretch>
-            <a:fillRect/>
-          </a:stretch>
-        </p:blipFill>
-        <p:spPr bwMode="auto">
-          <a:xfrm>
-            <a:off x="1979712" y="2564904"/>
-            <a:ext cx="1656184" cy="1664507"/>
-          </a:xfrm>
-          <a:prstGeom prst="rect">
-            <a:avLst/>
-          </a:prstGeom>
-          <a:noFill/>
-          <a:extLst>
-            <a:ext uri="{909E8E84-426E-40DD-AFC4-6F175D3DCCD1}">
-              <a14:hiddenFill xmlns:a14="http://schemas.microsoft.com/office/drawing/2010/main">
-                <a:solidFill>
-                  <a:srgbClr val="FFFFFF"/>
-                </a:solidFill>
-              </a14:hiddenFill>
-            </a:ext>
-          </a:extLst>
-        </p:spPr>
-      </p:pic>
-      <p:sp>
-        <p:nvSpPr>
-          <p:cNvPr id="6" name="テキスト ボックス 5">
-            <a:extLst>
-              <a:ext uri="{FF2B5EF4-FFF2-40B4-BE49-F238E27FC236}">
-                <a16:creationId xmlns:a16="http://schemas.microsoft.com/office/drawing/2014/main" id="{63214901-C7F4-D801-7280-DEF3AFD7DFB3}"/>
-              </a:ext>
-            </a:extLst>
-          </p:cNvPr>
-          <p:cNvSpPr txBox="1"/>
-          <p:nvPr/>
-        </p:nvSpPr>
-        <p:spPr>
-          <a:xfrm>
-            <a:off x="5076056" y="5805264"/>
-            <a:ext cx="1096775" cy="461665"/>
-          </a:xfrm>
-          <a:prstGeom prst="rect">
-            <a:avLst/>
-          </a:prstGeom>
-          <a:noFill/>
-        </p:spPr>
-        <p:txBody>
-          <a:bodyPr wrap="none" rtlCol="0">
-            <a:spAutoFit/>
-          </a:bodyPr>
-          <a:lstStyle/>
-          <a:p>
-            <a:r>
-              <a:rPr kumimoji="1" lang="ja-JP" altLang="en-US" sz="2400" dirty="0"/>
-              <a:t>サーバ</a:t>
-            </a:r>
-          </a:p>
-        </p:txBody>
-      </p:sp>
-      <p:sp>
-        <p:nvSpPr>
-          <p:cNvPr id="7" name="テキスト ボックス 6">
-            <a:extLst>
-              <a:ext uri="{FF2B5EF4-FFF2-40B4-BE49-F238E27FC236}">
-                <a16:creationId xmlns:a16="http://schemas.microsoft.com/office/drawing/2014/main" id="{3AF877C6-72F9-AA3A-4921-5DD8605C3B1F}"/>
-              </a:ext>
-            </a:extLst>
-          </p:cNvPr>
-          <p:cNvSpPr txBox="1"/>
-          <p:nvPr/>
-        </p:nvSpPr>
-        <p:spPr>
-          <a:xfrm>
-            <a:off x="2123728" y="4221088"/>
-            <a:ext cx="1085554" cy="461665"/>
-          </a:xfrm>
-          <a:prstGeom prst="rect">
-            <a:avLst/>
-          </a:prstGeom>
-          <a:noFill/>
-        </p:spPr>
-        <p:txBody>
-          <a:bodyPr wrap="none" rtlCol="0">
-            <a:spAutoFit/>
-          </a:bodyPr>
-          <a:lstStyle/>
-          <a:p>
-            <a:r>
-              <a:rPr lang="ja-JP" altLang="en-US" sz="2400" dirty="0"/>
-              <a:t>ユーザ</a:t>
-            </a:r>
-            <a:endParaRPr kumimoji="1" lang="ja-JP" altLang="en-US" sz="2400" dirty="0"/>
-          </a:p>
-        </p:txBody>
-      </p:sp>
-      <p:sp>
-        <p:nvSpPr>
-          <p:cNvPr id="8" name="テキスト ボックス 7">
-            <a:extLst>
-              <a:ext uri="{FF2B5EF4-FFF2-40B4-BE49-F238E27FC236}">
-                <a16:creationId xmlns:a16="http://schemas.microsoft.com/office/drawing/2014/main" id="{81C48AC7-9ECC-E75D-912E-AE1E0244C085}"/>
-              </a:ext>
-            </a:extLst>
-          </p:cNvPr>
-          <p:cNvSpPr txBox="1"/>
-          <p:nvPr/>
-        </p:nvSpPr>
-        <p:spPr>
-          <a:xfrm>
-            <a:off x="5148064" y="2607295"/>
-            <a:ext cx="1067921" cy="461665"/>
-          </a:xfrm>
-          <a:prstGeom prst="rect">
-            <a:avLst/>
-          </a:prstGeom>
-          <a:noFill/>
-        </p:spPr>
-        <p:txBody>
-          <a:bodyPr wrap="none" rtlCol="0">
-            <a:spAutoFit/>
-          </a:bodyPr>
-          <a:lstStyle/>
-          <a:p>
-            <a:r>
-              <a:rPr kumimoji="1" lang="en-US" altLang="ja-JP" sz="2400" dirty="0"/>
-              <a:t>GitHub</a:t>
-            </a:r>
-            <a:endParaRPr kumimoji="1" lang="ja-JP" altLang="en-US" sz="2400" dirty="0"/>
-          </a:p>
-        </p:txBody>
-      </p:sp>
-      <p:sp>
-        <p:nvSpPr>
-          <p:cNvPr id="9" name="右矢印 8">
-            <a:extLst>
-              <a:ext uri="{FF2B5EF4-FFF2-40B4-BE49-F238E27FC236}">
-                <a16:creationId xmlns:a16="http://schemas.microsoft.com/office/drawing/2014/main" id="{C5E1D265-FAF5-0816-245D-02BD2D77542E}"/>
-              </a:ext>
-            </a:extLst>
-          </p:cNvPr>
-          <p:cNvSpPr/>
-          <p:nvPr/>
-        </p:nvSpPr>
-        <p:spPr>
-          <a:xfrm rot="1800000">
-            <a:off x="3691514" y="4289210"/>
-            <a:ext cx="978408" cy="484632"/>
-          </a:xfrm>
-          <a:prstGeom prst="rightArrow">
-            <a:avLst/>
-          </a:prstGeom>
-          <a:ln>
-            <a:solidFill>
-              <a:schemeClr val="tx1"/>
-            </a:solidFill>
-          </a:ln>
-        </p:spPr>
-        <p:txBody>
-          <a:bodyPr wrap="square" rtlCol="0" anchor="ctr">
-            <a:spAutoFit/>
-          </a:bodyPr>
-          <a:lstStyle/>
-          <a:p>
-            <a:pPr algn="ctr"/>
-            <a:endParaRPr kumimoji="1" lang="ja-JP" altLang="en-US" sz="2400" dirty="0"/>
-          </a:p>
-        </p:txBody>
-      </p:sp>
-      <p:sp>
-        <p:nvSpPr>
-          <p:cNvPr id="10" name="右矢印 9">
-            <a:extLst>
-              <a:ext uri="{FF2B5EF4-FFF2-40B4-BE49-F238E27FC236}">
-                <a16:creationId xmlns:a16="http://schemas.microsoft.com/office/drawing/2014/main" id="{CF9BC5EE-42D6-01BB-EB51-72BBBABBD3B8}"/>
-              </a:ext>
-            </a:extLst>
-          </p:cNvPr>
-          <p:cNvSpPr/>
-          <p:nvPr/>
-        </p:nvSpPr>
-        <p:spPr>
-          <a:xfrm rot="19347134">
-            <a:off x="3663954" y="2551819"/>
-            <a:ext cx="978408" cy="484632"/>
-          </a:xfrm>
-          <a:prstGeom prst="rightArrow">
-            <a:avLst/>
-          </a:prstGeom>
-          <a:ln>
-            <a:solidFill>
-              <a:schemeClr val="tx1"/>
-            </a:solidFill>
-          </a:ln>
-        </p:spPr>
-        <p:txBody>
-          <a:bodyPr wrap="square" rtlCol="0" anchor="ctr">
-            <a:spAutoFit/>
-          </a:bodyPr>
-          <a:lstStyle/>
-          <a:p>
-            <a:pPr algn="ctr"/>
-            <a:endParaRPr kumimoji="1" lang="ja-JP" altLang="en-US" sz="2400" dirty="0"/>
-          </a:p>
-        </p:txBody>
-      </p:sp>
-      <p:sp>
-        <p:nvSpPr>
-          <p:cNvPr id="11" name="上矢印 13">
-            <a:extLst>
-              <a:ext uri="{FF2B5EF4-FFF2-40B4-BE49-F238E27FC236}">
-                <a16:creationId xmlns:a16="http://schemas.microsoft.com/office/drawing/2014/main" id="{44F4A5EC-88CC-A010-2BD8-50845B0A2468}"/>
-              </a:ext>
-            </a:extLst>
-          </p:cNvPr>
-          <p:cNvSpPr/>
-          <p:nvPr/>
-        </p:nvSpPr>
-        <p:spPr>
-          <a:xfrm>
-            <a:off x="5436096" y="3356992"/>
-            <a:ext cx="504056" cy="834392"/>
-          </a:xfrm>
-          <a:prstGeom prst="upArrow">
-            <a:avLst/>
-          </a:prstGeom>
-          <a:ln>
-            <a:solidFill>
-              <a:schemeClr val="tx1"/>
-            </a:solidFill>
-          </a:ln>
-        </p:spPr>
-        <p:txBody>
-          <a:bodyPr wrap="square" rtlCol="0" anchor="ctr">
-            <a:spAutoFit/>
-          </a:bodyPr>
-          <a:lstStyle/>
-          <a:p>
-            <a:pPr algn="ctr"/>
-            <a:endParaRPr kumimoji="1" lang="ja-JP" altLang="en-US" sz="2400" dirty="0"/>
-          </a:p>
-        </p:txBody>
-      </p:sp>
-      <p:pic>
-        <p:nvPicPr>
-          <p:cNvPr id="12" name="Picture 2" descr="サーバのイラスト（青）">
-            <a:extLst>
-              <a:ext uri="{FF2B5EF4-FFF2-40B4-BE49-F238E27FC236}">
-                <a16:creationId xmlns:a16="http://schemas.microsoft.com/office/drawing/2014/main" id="{2094A0E2-353A-9576-1802-A0BD6FFBF18A}"/>
-              </a:ext>
-            </a:extLst>
-          </p:cNvPr>
-          <p:cNvPicPr>
-            <a:picLocks noChangeAspect="1" noChangeArrowheads="1"/>
-          </p:cNvPicPr>
-          <p:nvPr/>
-        </p:nvPicPr>
-        <p:blipFill>
-          <a:blip r:embed="rId4">
-            <a:extLst>
-              <a:ext uri="{28A0092B-C50C-407E-A947-70E740481C1C}">
-                <a14:useLocalDpi xmlns:a14="http://schemas.microsoft.com/office/drawing/2010/main" val="0"/>
-              </a:ext>
-            </a:extLst>
-          </a:blip>
-          <a:srcRect/>
-          <a:stretch>
-            <a:fillRect/>
-          </a:stretch>
-        </p:blipFill>
-        <p:spPr bwMode="auto">
-          <a:xfrm>
-            <a:off x="5220072" y="908720"/>
-            <a:ext cx="1008112" cy="1535196"/>
-          </a:xfrm>
-          <a:prstGeom prst="rect">
-            <a:avLst/>
-          </a:prstGeom>
-          <a:noFill/>
-          <a:extLst>
-            <a:ext uri="{909E8E84-426E-40DD-AFC4-6F175D3DCCD1}">
-              <a14:hiddenFill xmlns:a14="http://schemas.microsoft.com/office/drawing/2010/main">
-                <a:solidFill>
-                  <a:srgbClr val="FFFFFF"/>
-                </a:solidFill>
-              </a14:hiddenFill>
-            </a:ext>
-          </a:extLst>
-        </p:spPr>
-      </p:pic>
-    </p:spTree>
-    <p:extLst>
-      <p:ext uri="{BB962C8B-B14F-4D97-AF65-F5344CB8AC3E}">
-        <p14:creationId xmlns:p14="http://schemas.microsoft.com/office/powerpoint/2010/main" val="2813429246"/>
       </p:ext>
     </p:extLst>
   </p:cSld>

--- a/ssh/ssh.pptx
+++ b/ssh/ssh.pptx
@@ -4364,7 +4364,7 @@
         </p:nvSpPr>
         <p:spPr>
           <a:xfrm>
-            <a:off x="4384576" y="3347700"/>
+            <a:off x="4269802" y="3389346"/>
             <a:ext cx="3903633" cy="369332"/>
           </a:xfrm>
           <a:prstGeom prst="rect">
@@ -4448,7 +4448,7 @@
         </p:nvSpPr>
         <p:spPr>
           <a:xfrm>
-            <a:off x="4499992" y="4509120"/>
+            <a:off x="4269802" y="4305186"/>
             <a:ext cx="3672800" cy="369332"/>
           </a:xfrm>
           <a:prstGeom prst="rect">
@@ -4487,7 +4487,7 @@
         </p:nvSpPr>
         <p:spPr>
           <a:xfrm>
-            <a:off x="4499992" y="5450128"/>
+            <a:off x="4269802" y="5450128"/>
             <a:ext cx="4349080" cy="646331"/>
           </a:xfrm>
           <a:prstGeom prst="rect">
@@ -4507,7 +4507,15 @@
             </a:r>
             <a:r>
               <a:rPr kumimoji="1" lang="ja-JP" altLang="en-US"/>
-              <a:t>鍵を信じる場合、この鍵を「知っているホスト」に登録する</a:t>
+              <a:t>鍵を信じる場合</a:t>
+            </a:r>
+            <a:r>
+              <a:rPr lang="en-US" altLang="ja-JP" dirty="0"/>
+              <a:t>(yes)</a:t>
+            </a:r>
+            <a:r>
+              <a:rPr kumimoji="1" lang="ja-JP" altLang="en-US"/>
+              <a:t>、この鍵を「知っているホスト」に登録する</a:t>
             </a:r>
           </a:p>
         </p:txBody>
@@ -5279,6 +5287,57 @@
               <a:t>known_hosts</a:t>
             </a:r>
             <a:endParaRPr kumimoji="1" lang="ja-JP" altLang="en-US" sz="1600">
+              <a:latin typeface="Consolas" panose="020B0609020204030204" pitchFamily="49" charset="0"/>
+              <a:cs typeface="Consolas" panose="020B0609020204030204" pitchFamily="49" charset="0"/>
+            </a:endParaRPr>
+          </a:p>
+        </p:txBody>
+      </p:sp>
+      <p:sp>
+        <p:nvSpPr>
+          <p:cNvPr id="7" name="テキスト ボックス 6">
+            <a:extLst>
+              <a:ext uri="{FF2B5EF4-FFF2-40B4-BE49-F238E27FC236}">
+                <a16:creationId xmlns:a16="http://schemas.microsoft.com/office/drawing/2014/main" id="{B2270556-3EE4-7A46-B714-DAAC3CA167B0}"/>
+              </a:ext>
+            </a:extLst>
+          </p:cNvPr>
+          <p:cNvSpPr txBox="1"/>
+          <p:nvPr/>
+        </p:nvSpPr>
+        <p:spPr>
+          <a:xfrm>
+            <a:off x="4269802" y="4705047"/>
+            <a:ext cx="4669389" cy="238184"/>
+          </a:xfrm>
+          <a:prstGeom prst="rect">
+            <a:avLst/>
+          </a:prstGeom>
+          <a:solidFill>
+            <a:schemeClr val="tx1"/>
+          </a:solidFill>
+        </p:spPr>
+        <p:txBody>
+          <a:bodyPr wrap="square">
+            <a:spAutoFit/>
+          </a:bodyPr>
+          <a:lstStyle/>
+          <a:p>
+            <a:r>
+              <a:rPr lang="en" altLang="ja-JP" sz="900" dirty="0">
+                <a:solidFill>
+                  <a:schemeClr val="bg1"/>
+                </a:solidFill>
+                <a:effectLst/>
+                <a:latin typeface="Consolas" panose="020B0609020204030204" pitchFamily="49" charset="0"/>
+                <a:cs typeface="Consolas" panose="020B0609020204030204" pitchFamily="49" charset="0"/>
+              </a:rPr>
+              <a:t>Are you sure you want to continue connecting (yes/no/[fingerprint])?</a:t>
+            </a:r>
+            <a:endParaRPr lang="ja-JP" altLang="en-US" sz="900">
+              <a:solidFill>
+                <a:schemeClr val="bg1"/>
+              </a:solidFill>
               <a:latin typeface="Consolas" panose="020B0609020204030204" pitchFamily="49" charset="0"/>
               <a:cs typeface="Consolas" panose="020B0609020204030204" pitchFamily="49" charset="0"/>
             </a:endParaRPr>
@@ -7397,7 +7456,7 @@
         </p:nvSpPr>
         <p:spPr>
           <a:xfrm>
-            <a:off x="539552" y="4934234"/>
+            <a:off x="539552" y="4804609"/>
             <a:ext cx="8352928" cy="1569660"/>
           </a:xfrm>
           <a:prstGeom prst="rect">
@@ -7431,6 +7490,97 @@
               <a:t>しかし、初回接続時に公開鍵のフィンガープリントを確認し、問題なければ登録する、という運用が多い</a:t>
             </a:r>
             <a:endParaRPr kumimoji="1" lang="en-US" altLang="ja-JP" sz="2400" dirty="0"/>
+          </a:p>
+        </p:txBody>
+      </p:sp>
+      <p:sp>
+        <p:nvSpPr>
+          <p:cNvPr id="8" name="テキスト ボックス 7">
+            <a:hlinkClick r:id="rId2"/>
+            <a:extLst>
+              <a:ext uri="{FF2B5EF4-FFF2-40B4-BE49-F238E27FC236}">
+                <a16:creationId xmlns:a16="http://schemas.microsoft.com/office/drawing/2014/main" id="{B718233F-DF5B-4E48-3EC8-6D1ADE430D6C}"/>
+              </a:ext>
+            </a:extLst>
+          </p:cNvPr>
+          <p:cNvSpPr txBox="1"/>
+          <p:nvPr/>
+        </p:nvSpPr>
+        <p:spPr>
+          <a:xfrm>
+            <a:off x="3131840" y="6468913"/>
+            <a:ext cx="5184576" cy="215444"/>
+          </a:xfrm>
+          <a:prstGeom prst="rect">
+            <a:avLst/>
+          </a:prstGeom>
+          <a:noFill/>
+        </p:spPr>
+        <p:txBody>
+          <a:bodyPr wrap="square">
+            <a:spAutoFit/>
+          </a:bodyPr>
+          <a:lstStyle/>
+          <a:p>
+            <a:r>
+              <a:rPr lang="ja-JP" altLang="en-US" sz="800">
+                <a:hlinkClick r:id="rId2"/>
+              </a:rPr>
+              <a:t>https://docs.github.com/ja/authentication/keeping-your-account-and-data-secure/githubs-ssh-key-fingerprints</a:t>
+            </a:r>
+            <a:endParaRPr lang="ja-JP" altLang="en-US" sz="800"/>
+          </a:p>
+        </p:txBody>
+      </p:sp>
+      <p:sp>
+        <p:nvSpPr>
+          <p:cNvPr id="9" name="テキスト ボックス 8">
+            <a:extLst>
+              <a:ext uri="{FF2B5EF4-FFF2-40B4-BE49-F238E27FC236}">
+                <a16:creationId xmlns:a16="http://schemas.microsoft.com/office/drawing/2014/main" id="{8D25A923-F827-7A93-D706-3D08B8A07FAE}"/>
+              </a:ext>
+            </a:extLst>
+          </p:cNvPr>
+          <p:cNvSpPr txBox="1"/>
+          <p:nvPr/>
+        </p:nvSpPr>
+        <p:spPr>
+          <a:xfrm>
+            <a:off x="755576" y="6471116"/>
+            <a:ext cx="2383986" cy="246221"/>
+          </a:xfrm>
+          <a:prstGeom prst="rect">
+            <a:avLst/>
+          </a:prstGeom>
+          <a:noFill/>
+        </p:spPr>
+        <p:txBody>
+          <a:bodyPr wrap="none" rtlCol="0">
+            <a:spAutoFit/>
+          </a:bodyPr>
+          <a:lstStyle/>
+          <a:p>
+            <a:r>
+              <a:rPr kumimoji="1" lang="ja-JP" altLang="en-US" sz="1000"/>
+              <a:t>例：</a:t>
+            </a:r>
+            <a:r>
+              <a:rPr kumimoji="1" lang="en-US" altLang="ja-JP" sz="1000" dirty="0"/>
+              <a:t>GitHub</a:t>
+            </a:r>
+            <a:r>
+              <a:rPr kumimoji="1" lang="ja-JP" altLang="en-US" sz="1000"/>
+              <a:t>の</a:t>
+            </a:r>
+            <a:r>
+              <a:rPr lang="en-US" altLang="ja-JP" sz="1000" dirty="0"/>
+              <a:t>SSH</a:t>
+            </a:r>
+            <a:r>
+              <a:rPr lang="ja-JP" altLang="en-US" sz="1000"/>
+              <a:t>フィンガープリント</a:t>
+            </a:r>
+            <a:endParaRPr kumimoji="1" lang="ja-JP" altLang="en-US" sz="1000"/>
           </a:p>
         </p:txBody>
       </p:sp>
@@ -12396,7 +12546,7 @@
         </p:blipFill>
         <p:spPr bwMode="auto">
           <a:xfrm>
-            <a:off x="1341755" y="1456223"/>
+            <a:off x="877886" y="1464732"/>
             <a:ext cx="1154648" cy="1160451"/>
           </a:xfrm>
           <a:prstGeom prst="rect">
@@ -12428,7 +12578,7 @@
         </p:nvSpPr>
         <p:spPr>
           <a:xfrm>
-            <a:off x="1341755" y="2616674"/>
+            <a:off x="877886" y="2625183"/>
             <a:ext cx="1085554" cy="461665"/>
           </a:xfrm>
           <a:prstGeom prst="rect">
@@ -12464,7 +12614,7 @@
         </p:nvGrpSpPr>
         <p:grpSpPr>
           <a:xfrm>
-            <a:off x="2599952" y="3701275"/>
+            <a:off x="2377198" y="4431719"/>
             <a:ext cx="420991" cy="561322"/>
             <a:chOff x="971600" y="980729"/>
             <a:chExt cx="756083" cy="1008112"/>
@@ -12604,7 +12754,7 @@
         </p:blipFill>
         <p:spPr bwMode="auto">
           <a:xfrm>
-            <a:off x="1444361" y="3436520"/>
+            <a:off x="895587" y="3512118"/>
             <a:ext cx="949437" cy="949437"/>
           </a:xfrm>
           <a:prstGeom prst="rect">
@@ -12766,7 +12916,7 @@
         </p:nvSpPr>
         <p:spPr>
           <a:xfrm>
-            <a:off x="1202140" y="4385957"/>
+            <a:off x="640570" y="4572168"/>
             <a:ext cx="1569660" cy="646331"/>
           </a:xfrm>
           <a:prstGeom prst="rect">
@@ -13026,131 +13176,6 @@
           </a:p>
         </p:txBody>
       </p:sp>
-      <p:grpSp>
-        <p:nvGrpSpPr>
-          <p:cNvPr id="17" name="グループ化 16">
-            <a:extLst>
-              <a:ext uri="{FF2B5EF4-FFF2-40B4-BE49-F238E27FC236}">
-                <a16:creationId xmlns:a16="http://schemas.microsoft.com/office/drawing/2014/main" id="{0D1F3938-6E87-BCCB-E612-86095570EC3A}"/>
-              </a:ext>
-            </a:extLst>
-          </p:cNvPr>
-          <p:cNvGrpSpPr/>
-          <p:nvPr/>
-        </p:nvGrpSpPr>
-        <p:grpSpPr>
-          <a:xfrm>
-            <a:off x="3969659" y="3689430"/>
-            <a:ext cx="420991" cy="561322"/>
-            <a:chOff x="971600" y="980729"/>
-            <a:chExt cx="756083" cy="1008112"/>
-          </a:xfrm>
-        </p:grpSpPr>
-        <p:sp>
-          <p:nvSpPr>
-            <p:cNvPr id="18" name="正方形/長方形 17">
-              <a:extLst>
-                <a:ext uri="{FF2B5EF4-FFF2-40B4-BE49-F238E27FC236}">
-                  <a16:creationId xmlns:a16="http://schemas.microsoft.com/office/drawing/2014/main" id="{360EBBEA-8D40-034B-4480-FA8F7B637A84}"/>
-                </a:ext>
-              </a:extLst>
-            </p:cNvPr>
-            <p:cNvSpPr/>
-            <p:nvPr/>
-          </p:nvSpPr>
-          <p:spPr>
-            <a:xfrm>
-              <a:off x="971600" y="980729"/>
-              <a:ext cx="504056" cy="1008112"/>
-            </a:xfrm>
-            <a:prstGeom prst="rect">
-              <a:avLst/>
-            </a:prstGeom>
-            <a:solidFill>
-              <a:schemeClr val="accent2"/>
-            </a:solidFill>
-            <a:ln>
-              <a:noFill/>
-            </a:ln>
-          </p:spPr>
-          <p:style>
-            <a:lnRef idx="2">
-              <a:schemeClr val="accent1">
-                <a:shade val="50000"/>
-              </a:schemeClr>
-            </a:lnRef>
-            <a:fillRef idx="1">
-              <a:schemeClr val="accent1"/>
-            </a:fillRef>
-            <a:effectRef idx="0">
-              <a:schemeClr val="accent1"/>
-            </a:effectRef>
-            <a:fontRef idx="minor">
-              <a:schemeClr val="lt1"/>
-            </a:fontRef>
-          </p:style>
-          <p:txBody>
-            <a:bodyPr rtlCol="0" anchor="ctr"/>
-            <a:lstStyle/>
-            <a:p>
-              <a:pPr algn="ctr"/>
-              <a:endParaRPr kumimoji="1" lang="ja-JP" altLang="en-US"/>
-            </a:p>
-          </p:txBody>
-        </p:sp>
-        <p:sp>
-          <p:nvSpPr>
-            <p:cNvPr id="19" name="三角形 18">
-              <a:extLst>
-                <a:ext uri="{FF2B5EF4-FFF2-40B4-BE49-F238E27FC236}">
-                  <a16:creationId xmlns:a16="http://schemas.microsoft.com/office/drawing/2014/main" id="{F67FEE65-B2B4-7627-DBB0-DE5DB1AA27F6}"/>
-                </a:ext>
-              </a:extLst>
-            </p:cNvPr>
-            <p:cNvSpPr/>
-            <p:nvPr/>
-          </p:nvSpPr>
-          <p:spPr>
-            <a:xfrm rot="5400000">
-              <a:off x="1191348" y="1236483"/>
-              <a:ext cx="576063" cy="496606"/>
-            </a:xfrm>
-            <a:prstGeom prst="triangle">
-              <a:avLst/>
-            </a:prstGeom>
-            <a:solidFill>
-              <a:schemeClr val="accent2"/>
-            </a:solidFill>
-            <a:ln>
-              <a:noFill/>
-            </a:ln>
-          </p:spPr>
-          <p:style>
-            <a:lnRef idx="2">
-              <a:schemeClr val="accent1">
-                <a:shade val="50000"/>
-              </a:schemeClr>
-            </a:lnRef>
-            <a:fillRef idx="1">
-              <a:schemeClr val="accent1"/>
-            </a:fillRef>
-            <a:effectRef idx="0">
-              <a:schemeClr val="accent1"/>
-            </a:effectRef>
-            <a:fontRef idx="minor">
-              <a:schemeClr val="lt1"/>
-            </a:fontRef>
-          </p:style>
-          <p:txBody>
-            <a:bodyPr rtlCol="0" anchor="ctr"/>
-            <a:lstStyle/>
-            <a:p>
-              <a:pPr algn="ctr"/>
-              <a:endParaRPr kumimoji="1" lang="ja-JP" altLang="en-US"/>
-            </a:p>
-          </p:txBody>
-        </p:sp>
-      </p:grpSp>
       <p:sp>
         <p:nvSpPr>
           <p:cNvPr id="20" name="右矢印 19">
@@ -13165,187 +13190,8 @@
         </p:nvSpPr>
         <p:spPr>
           <a:xfrm>
-            <a:off x="3143717" y="3790973"/>
+            <a:off x="2920963" y="4521417"/>
             <a:ext cx="648072" cy="379724"/>
-          </a:xfrm>
-          <a:prstGeom prst="rightArrow">
-            <a:avLst/>
-          </a:prstGeom>
-          <a:solidFill>
-            <a:srgbClr val="FF0000"/>
-          </a:solidFill>
-          <a:ln>
-            <a:solidFill>
-              <a:schemeClr val="tx1"/>
-            </a:solidFill>
-          </a:ln>
-        </p:spPr>
-        <p:style>
-          <a:lnRef idx="2">
-            <a:schemeClr val="accent1">
-              <a:shade val="50000"/>
-            </a:schemeClr>
-          </a:lnRef>
-          <a:fillRef idx="1">
-            <a:schemeClr val="accent1"/>
-          </a:fillRef>
-          <a:effectRef idx="0">
-            <a:schemeClr val="accent1"/>
-          </a:effectRef>
-          <a:fontRef idx="minor">
-            <a:schemeClr val="lt1"/>
-          </a:fontRef>
-        </p:style>
-        <p:txBody>
-          <a:bodyPr rtlCol="0" anchor="ctr"/>
-          <a:lstStyle/>
-          <a:p>
-            <a:pPr algn="ctr"/>
-            <a:endParaRPr kumimoji="1" lang="ja-JP" altLang="en-US"/>
-          </a:p>
-        </p:txBody>
-      </p:sp>
-      <p:grpSp>
-        <p:nvGrpSpPr>
-          <p:cNvPr id="21" name="グループ化 20">
-            <a:extLst>
-              <a:ext uri="{FF2B5EF4-FFF2-40B4-BE49-F238E27FC236}">
-                <a16:creationId xmlns:a16="http://schemas.microsoft.com/office/drawing/2014/main" id="{A6DFBD19-5BF6-6689-A118-710A4F7EDDDC}"/>
-              </a:ext>
-            </a:extLst>
-          </p:cNvPr>
-          <p:cNvGrpSpPr/>
-          <p:nvPr/>
-        </p:nvGrpSpPr>
-        <p:grpSpPr>
-          <a:xfrm>
-            <a:off x="7270785" y="3639153"/>
-            <a:ext cx="420991" cy="561322"/>
-            <a:chOff x="971600" y="980729"/>
-            <a:chExt cx="756083" cy="1008112"/>
-          </a:xfrm>
-        </p:grpSpPr>
-        <p:sp>
-          <p:nvSpPr>
-            <p:cNvPr id="22" name="正方形/長方形 21">
-              <a:extLst>
-                <a:ext uri="{FF2B5EF4-FFF2-40B4-BE49-F238E27FC236}">
-                  <a16:creationId xmlns:a16="http://schemas.microsoft.com/office/drawing/2014/main" id="{9DC29149-F1A3-F9FB-81A4-F368771810AD}"/>
-                </a:ext>
-              </a:extLst>
-            </p:cNvPr>
-            <p:cNvSpPr/>
-            <p:nvPr/>
-          </p:nvSpPr>
-          <p:spPr>
-            <a:xfrm>
-              <a:off x="971600" y="980729"/>
-              <a:ext cx="504056" cy="1008112"/>
-            </a:xfrm>
-            <a:prstGeom prst="rect">
-              <a:avLst/>
-            </a:prstGeom>
-            <a:solidFill>
-              <a:schemeClr val="accent2"/>
-            </a:solidFill>
-            <a:ln>
-              <a:noFill/>
-            </a:ln>
-          </p:spPr>
-          <p:style>
-            <a:lnRef idx="2">
-              <a:schemeClr val="accent1">
-                <a:shade val="50000"/>
-              </a:schemeClr>
-            </a:lnRef>
-            <a:fillRef idx="1">
-              <a:schemeClr val="accent1"/>
-            </a:fillRef>
-            <a:effectRef idx="0">
-              <a:schemeClr val="accent1"/>
-            </a:effectRef>
-            <a:fontRef idx="minor">
-              <a:schemeClr val="lt1"/>
-            </a:fontRef>
-          </p:style>
-          <p:txBody>
-            <a:bodyPr rtlCol="0" anchor="ctr"/>
-            <a:lstStyle/>
-            <a:p>
-              <a:pPr algn="ctr"/>
-              <a:endParaRPr kumimoji="1" lang="ja-JP" altLang="en-US"/>
-            </a:p>
-          </p:txBody>
-        </p:sp>
-        <p:sp>
-          <p:nvSpPr>
-            <p:cNvPr id="23" name="三角形 22">
-              <a:extLst>
-                <a:ext uri="{FF2B5EF4-FFF2-40B4-BE49-F238E27FC236}">
-                  <a16:creationId xmlns:a16="http://schemas.microsoft.com/office/drawing/2014/main" id="{B2DC0E5F-9BAC-B107-1FD5-0DBFD1A70872}"/>
-                </a:ext>
-              </a:extLst>
-            </p:cNvPr>
-            <p:cNvSpPr/>
-            <p:nvPr/>
-          </p:nvSpPr>
-          <p:spPr>
-            <a:xfrm rot="5400000">
-              <a:off x="1191348" y="1236483"/>
-              <a:ext cx="576063" cy="496606"/>
-            </a:xfrm>
-            <a:prstGeom prst="triangle">
-              <a:avLst/>
-            </a:prstGeom>
-            <a:solidFill>
-              <a:schemeClr val="accent2"/>
-            </a:solidFill>
-            <a:ln>
-              <a:noFill/>
-            </a:ln>
-          </p:spPr>
-          <p:style>
-            <a:lnRef idx="2">
-              <a:schemeClr val="accent1">
-                <a:shade val="50000"/>
-              </a:schemeClr>
-            </a:lnRef>
-            <a:fillRef idx="1">
-              <a:schemeClr val="accent1"/>
-            </a:fillRef>
-            <a:effectRef idx="0">
-              <a:schemeClr val="accent1"/>
-            </a:effectRef>
-            <a:fontRef idx="minor">
-              <a:schemeClr val="lt1"/>
-            </a:fontRef>
-          </p:style>
-          <p:txBody>
-            <a:bodyPr rtlCol="0" anchor="ctr"/>
-            <a:lstStyle/>
-            <a:p>
-              <a:pPr algn="ctr"/>
-              <a:endParaRPr kumimoji="1" lang="ja-JP" altLang="en-US"/>
-            </a:p>
-          </p:txBody>
-        </p:sp>
-      </p:grpSp>
-      <p:sp>
-        <p:nvSpPr>
-          <p:cNvPr id="24" name="右矢印 23">
-            <a:extLst>
-              <a:ext uri="{FF2B5EF4-FFF2-40B4-BE49-F238E27FC236}">
-                <a16:creationId xmlns:a16="http://schemas.microsoft.com/office/drawing/2014/main" id="{EA9902B4-CDF7-2F30-AFBB-9F3A30FAAFD3}"/>
-              </a:ext>
-            </a:extLst>
-          </p:cNvPr>
-          <p:cNvSpPr/>
-          <p:nvPr/>
-        </p:nvSpPr>
-        <p:spPr>
-          <a:xfrm>
-            <a:off x="5892732" y="3750745"/>
-            <a:ext cx="936104" cy="379724"/>
           </a:xfrm>
           <a:prstGeom prst="rightArrow">
             <a:avLst/>
@@ -13398,7 +13244,7 @@
         </p:nvGrpSpPr>
         <p:grpSpPr>
           <a:xfrm>
-            <a:off x="7730379" y="3639153"/>
+            <a:off x="7890728" y="4426014"/>
             <a:ext cx="424166" cy="561322"/>
             <a:chOff x="3963655" y="1196752"/>
             <a:chExt cx="752361" cy="1008112"/>
@@ -13525,7 +13371,7 @@
         </p:nvSpPr>
         <p:spPr>
           <a:xfrm>
-            <a:off x="433896" y="5445946"/>
+            <a:off x="377508" y="5865622"/>
             <a:ext cx="7632848" cy="646331"/>
           </a:xfrm>
           <a:prstGeom prst="rect">
@@ -13545,7 +13391,7 @@
             </a:r>
             <a:r>
               <a:rPr kumimoji="1" lang="ja-JP" altLang="en-US"/>
-              <a:t>エージェントが秘密鍵の情報を転送することで、</a:t>
+              <a:t>エージェントが署名情報を転送することで、</a:t>
             </a:r>
             <a:r>
               <a:rPr kumimoji="1" lang="en-US" altLang="ja-JP" dirty="0"/>
@@ -13572,7 +13418,7 @@
         </p:nvSpPr>
         <p:spPr>
           <a:xfrm>
-            <a:off x="7164288" y="4571836"/>
+            <a:off x="7319340" y="5136867"/>
             <a:ext cx="1107996" cy="369332"/>
           </a:xfrm>
           <a:prstGeom prst="rect">
@@ -13591,6 +13437,790 @@
               <a:t>認証成功</a:t>
             </a:r>
             <a:endParaRPr kumimoji="1" lang="ja-JP" altLang="en-US" dirty="0"/>
+          </a:p>
+        </p:txBody>
+      </p:sp>
+      <p:grpSp>
+        <p:nvGrpSpPr>
+          <p:cNvPr id="25" name="グループ化 24">
+            <a:extLst>
+              <a:ext uri="{FF2B5EF4-FFF2-40B4-BE49-F238E27FC236}">
+                <a16:creationId xmlns:a16="http://schemas.microsoft.com/office/drawing/2014/main" id="{D406EFB2-31A7-90B8-3D37-1A3665EE8279}"/>
+              </a:ext>
+            </a:extLst>
+          </p:cNvPr>
+          <p:cNvGrpSpPr/>
+          <p:nvPr/>
+        </p:nvGrpSpPr>
+        <p:grpSpPr>
+          <a:xfrm>
+            <a:off x="3645473" y="4421019"/>
+            <a:ext cx="703773" cy="566537"/>
+            <a:chOff x="1193558" y="4261389"/>
+            <a:chExt cx="703773" cy="566537"/>
+          </a:xfrm>
+        </p:grpSpPr>
+        <p:pic>
+          <p:nvPicPr>
+            <p:cNvPr id="31" name="Picture 2" descr="掲示板に貼られた紙のイラスト（メモ）">
+              <a:extLst>
+                <a:ext uri="{FF2B5EF4-FFF2-40B4-BE49-F238E27FC236}">
+                  <a16:creationId xmlns:a16="http://schemas.microsoft.com/office/drawing/2014/main" id="{FD71D362-945A-C43C-52AE-25A887A1BDC3}"/>
+                </a:ext>
+              </a:extLst>
+            </p:cNvPr>
+            <p:cNvPicPr>
+              <a:picLocks noChangeAspect="1" noChangeArrowheads="1"/>
+            </p:cNvPicPr>
+            <p:nvPr/>
+          </p:nvPicPr>
+          <p:blipFill>
+            <a:blip r:embed="rId8">
+              <a:extLst>
+                <a:ext uri="{28A0092B-C50C-407E-A947-70E740481C1C}">
+                  <a14:useLocalDpi xmlns:a14="http://schemas.microsoft.com/office/drawing/2010/main" val="0"/>
+                </a:ext>
+              </a:extLst>
+            </a:blip>
+            <a:srcRect/>
+            <a:stretch>
+              <a:fillRect/>
+            </a:stretch>
+          </p:blipFill>
+          <p:spPr bwMode="auto">
+            <a:xfrm>
+              <a:off x="1193558" y="4261389"/>
+              <a:ext cx="703773" cy="566537"/>
+            </a:xfrm>
+            <a:prstGeom prst="rect">
+              <a:avLst/>
+            </a:prstGeom>
+            <a:noFill/>
+            <a:extLst>
+              <a:ext uri="{909E8E84-426E-40DD-AFC4-6F175D3DCCD1}">
+                <a14:hiddenFill xmlns:a14="http://schemas.microsoft.com/office/drawing/2010/main">
+                  <a:solidFill>
+                    <a:srgbClr val="FFFFFF"/>
+                  </a:solidFill>
+                </a14:hiddenFill>
+              </a:ext>
+            </a:extLst>
+          </p:spPr>
+        </p:pic>
+        <p:grpSp>
+          <p:nvGrpSpPr>
+            <p:cNvPr id="32" name="グループ化 31">
+              <a:extLst>
+                <a:ext uri="{FF2B5EF4-FFF2-40B4-BE49-F238E27FC236}">
+                  <a16:creationId xmlns:a16="http://schemas.microsoft.com/office/drawing/2014/main" id="{23E050D0-B5A4-C578-ED68-C4528A3720BA}"/>
+                </a:ext>
+              </a:extLst>
+            </p:cNvPr>
+            <p:cNvGrpSpPr/>
+            <p:nvPr/>
+          </p:nvGrpSpPr>
+          <p:grpSpPr>
+            <a:xfrm>
+              <a:off x="1468290" y="4442527"/>
+              <a:ext cx="236787" cy="267673"/>
+              <a:chOff x="2339752" y="3645024"/>
+              <a:chExt cx="828092" cy="936104"/>
+            </a:xfrm>
+            <a:solidFill>
+              <a:srgbClr val="FF0000"/>
+            </a:solidFill>
+          </p:grpSpPr>
+          <p:sp>
+            <p:nvSpPr>
+              <p:cNvPr id="33" name="正方形/長方形 32">
+                <a:extLst>
+                  <a:ext uri="{FF2B5EF4-FFF2-40B4-BE49-F238E27FC236}">
+                    <a16:creationId xmlns:a16="http://schemas.microsoft.com/office/drawing/2014/main" id="{81F11906-7D7C-C649-96D3-80FA7B28E9EC}"/>
+                  </a:ext>
+                </a:extLst>
+              </p:cNvPr>
+              <p:cNvSpPr/>
+              <p:nvPr/>
+            </p:nvSpPr>
+            <p:spPr>
+              <a:xfrm>
+                <a:off x="2339752" y="3645024"/>
+                <a:ext cx="576064" cy="936104"/>
+              </a:xfrm>
+              <a:prstGeom prst="rect">
+                <a:avLst/>
+              </a:prstGeom>
+              <a:grpFill/>
+              <a:ln>
+                <a:noFill/>
+              </a:ln>
+            </p:spPr>
+            <p:style>
+              <a:lnRef idx="2">
+                <a:schemeClr val="accent1">
+                  <a:shade val="50000"/>
+                </a:schemeClr>
+              </a:lnRef>
+              <a:fillRef idx="1">
+                <a:schemeClr val="accent1"/>
+              </a:fillRef>
+              <a:effectRef idx="0">
+                <a:schemeClr val="accent1"/>
+              </a:effectRef>
+              <a:fontRef idx="minor">
+                <a:schemeClr val="lt1"/>
+              </a:fontRef>
+            </p:style>
+            <p:txBody>
+              <a:bodyPr rtlCol="0" anchor="ctr"/>
+              <a:lstStyle/>
+              <a:p>
+                <a:pPr algn="ctr"/>
+                <a:endParaRPr kumimoji="1" lang="ja-JP" altLang="en-US"/>
+              </a:p>
+            </p:txBody>
+          </p:sp>
+          <p:sp>
+            <p:nvSpPr>
+              <p:cNvPr id="34" name="三角形 33">
+                <a:extLst>
+                  <a:ext uri="{FF2B5EF4-FFF2-40B4-BE49-F238E27FC236}">
+                    <a16:creationId xmlns:a16="http://schemas.microsoft.com/office/drawing/2014/main" id="{84CB244E-5939-F560-5865-2F62C069CD73}"/>
+                  </a:ext>
+                </a:extLst>
+              </p:cNvPr>
+              <p:cNvSpPr/>
+              <p:nvPr/>
+            </p:nvSpPr>
+            <p:spPr>
+              <a:xfrm rot="5400000">
+                <a:off x="2699792" y="3861048"/>
+                <a:ext cx="432048" cy="504056"/>
+              </a:xfrm>
+              <a:prstGeom prst="triangle">
+                <a:avLst/>
+              </a:prstGeom>
+              <a:grpFill/>
+              <a:ln>
+                <a:noFill/>
+              </a:ln>
+            </p:spPr>
+            <p:style>
+              <a:lnRef idx="2">
+                <a:schemeClr val="accent1">
+                  <a:shade val="50000"/>
+                </a:schemeClr>
+              </a:lnRef>
+              <a:fillRef idx="1">
+                <a:schemeClr val="accent1"/>
+              </a:fillRef>
+              <a:effectRef idx="0">
+                <a:schemeClr val="accent1"/>
+              </a:effectRef>
+              <a:fontRef idx="minor">
+                <a:schemeClr val="lt1"/>
+              </a:fontRef>
+            </p:style>
+            <p:txBody>
+              <a:bodyPr rtlCol="0" anchor="ctr"/>
+              <a:lstStyle/>
+              <a:p>
+                <a:pPr algn="ctr"/>
+                <a:endParaRPr kumimoji="1" lang="ja-JP" altLang="en-US"/>
+              </a:p>
+            </p:txBody>
+          </p:sp>
+        </p:grpSp>
+      </p:grpSp>
+      <p:grpSp>
+        <p:nvGrpSpPr>
+          <p:cNvPr id="35" name="グループ化 34">
+            <a:extLst>
+              <a:ext uri="{FF2B5EF4-FFF2-40B4-BE49-F238E27FC236}">
+                <a16:creationId xmlns:a16="http://schemas.microsoft.com/office/drawing/2014/main" id="{C9EB4E8F-B6A9-04F1-E5C4-B06E39A5D6AD}"/>
+              </a:ext>
+            </a:extLst>
+          </p:cNvPr>
+          <p:cNvGrpSpPr/>
+          <p:nvPr/>
+        </p:nvGrpSpPr>
+        <p:grpSpPr>
+          <a:xfrm>
+            <a:off x="7156215" y="4426014"/>
+            <a:ext cx="703773" cy="566537"/>
+            <a:chOff x="1193558" y="4261389"/>
+            <a:chExt cx="703773" cy="566537"/>
+          </a:xfrm>
+        </p:grpSpPr>
+        <p:pic>
+          <p:nvPicPr>
+            <p:cNvPr id="36" name="Picture 2" descr="掲示板に貼られた紙のイラスト（メモ）">
+              <a:extLst>
+                <a:ext uri="{FF2B5EF4-FFF2-40B4-BE49-F238E27FC236}">
+                  <a16:creationId xmlns:a16="http://schemas.microsoft.com/office/drawing/2014/main" id="{CCF56ADC-F98F-AD79-6E84-C7EC08C41BFC}"/>
+                </a:ext>
+              </a:extLst>
+            </p:cNvPr>
+            <p:cNvPicPr>
+              <a:picLocks noChangeAspect="1" noChangeArrowheads="1"/>
+            </p:cNvPicPr>
+            <p:nvPr/>
+          </p:nvPicPr>
+          <p:blipFill>
+            <a:blip r:embed="rId8">
+              <a:extLst>
+                <a:ext uri="{28A0092B-C50C-407E-A947-70E740481C1C}">
+                  <a14:useLocalDpi xmlns:a14="http://schemas.microsoft.com/office/drawing/2010/main" val="0"/>
+                </a:ext>
+              </a:extLst>
+            </a:blip>
+            <a:srcRect/>
+            <a:stretch>
+              <a:fillRect/>
+            </a:stretch>
+          </p:blipFill>
+          <p:spPr bwMode="auto">
+            <a:xfrm>
+              <a:off x="1193558" y="4261389"/>
+              <a:ext cx="703773" cy="566537"/>
+            </a:xfrm>
+            <a:prstGeom prst="rect">
+              <a:avLst/>
+            </a:prstGeom>
+            <a:noFill/>
+            <a:extLst>
+              <a:ext uri="{909E8E84-426E-40DD-AFC4-6F175D3DCCD1}">
+                <a14:hiddenFill xmlns:a14="http://schemas.microsoft.com/office/drawing/2010/main">
+                  <a:solidFill>
+                    <a:srgbClr val="FFFFFF"/>
+                  </a:solidFill>
+                </a14:hiddenFill>
+              </a:ext>
+            </a:extLst>
+          </p:spPr>
+        </p:pic>
+        <p:grpSp>
+          <p:nvGrpSpPr>
+            <p:cNvPr id="37" name="グループ化 36">
+              <a:extLst>
+                <a:ext uri="{FF2B5EF4-FFF2-40B4-BE49-F238E27FC236}">
+                  <a16:creationId xmlns:a16="http://schemas.microsoft.com/office/drawing/2014/main" id="{2CB6F662-E711-6792-C481-C3551888315A}"/>
+                </a:ext>
+              </a:extLst>
+            </p:cNvPr>
+            <p:cNvGrpSpPr/>
+            <p:nvPr/>
+          </p:nvGrpSpPr>
+          <p:grpSpPr>
+            <a:xfrm>
+              <a:off x="1468290" y="4442527"/>
+              <a:ext cx="236787" cy="267673"/>
+              <a:chOff x="2339752" y="3645024"/>
+              <a:chExt cx="828092" cy="936104"/>
+            </a:xfrm>
+            <a:solidFill>
+              <a:srgbClr val="FF0000"/>
+            </a:solidFill>
+          </p:grpSpPr>
+          <p:sp>
+            <p:nvSpPr>
+              <p:cNvPr id="38" name="正方形/長方形 37">
+                <a:extLst>
+                  <a:ext uri="{FF2B5EF4-FFF2-40B4-BE49-F238E27FC236}">
+                    <a16:creationId xmlns:a16="http://schemas.microsoft.com/office/drawing/2014/main" id="{357E318B-A48F-BF10-5573-A8BA6D8839D5}"/>
+                  </a:ext>
+                </a:extLst>
+              </p:cNvPr>
+              <p:cNvSpPr/>
+              <p:nvPr/>
+            </p:nvSpPr>
+            <p:spPr>
+              <a:xfrm>
+                <a:off x="2339752" y="3645024"/>
+                <a:ext cx="576064" cy="936104"/>
+              </a:xfrm>
+              <a:prstGeom prst="rect">
+                <a:avLst/>
+              </a:prstGeom>
+              <a:grpFill/>
+              <a:ln>
+                <a:noFill/>
+              </a:ln>
+            </p:spPr>
+            <p:style>
+              <a:lnRef idx="2">
+                <a:schemeClr val="accent1">
+                  <a:shade val="50000"/>
+                </a:schemeClr>
+              </a:lnRef>
+              <a:fillRef idx="1">
+                <a:schemeClr val="accent1"/>
+              </a:fillRef>
+              <a:effectRef idx="0">
+                <a:schemeClr val="accent1"/>
+              </a:effectRef>
+              <a:fontRef idx="minor">
+                <a:schemeClr val="lt1"/>
+              </a:fontRef>
+            </p:style>
+            <p:txBody>
+              <a:bodyPr rtlCol="0" anchor="ctr"/>
+              <a:lstStyle/>
+              <a:p>
+                <a:pPr algn="ctr"/>
+                <a:endParaRPr kumimoji="1" lang="ja-JP" altLang="en-US"/>
+              </a:p>
+            </p:txBody>
+          </p:sp>
+          <p:sp>
+            <p:nvSpPr>
+              <p:cNvPr id="39" name="三角形 38">
+                <a:extLst>
+                  <a:ext uri="{FF2B5EF4-FFF2-40B4-BE49-F238E27FC236}">
+                    <a16:creationId xmlns:a16="http://schemas.microsoft.com/office/drawing/2014/main" id="{82D35A56-AD34-1341-354E-7AE5CF8B739D}"/>
+                  </a:ext>
+                </a:extLst>
+              </p:cNvPr>
+              <p:cNvSpPr/>
+              <p:nvPr/>
+            </p:nvSpPr>
+            <p:spPr>
+              <a:xfrm rot="5400000">
+                <a:off x="2699792" y="3861048"/>
+                <a:ext cx="432048" cy="504056"/>
+              </a:xfrm>
+              <a:prstGeom prst="triangle">
+                <a:avLst/>
+              </a:prstGeom>
+              <a:grpFill/>
+              <a:ln>
+                <a:noFill/>
+              </a:ln>
+            </p:spPr>
+            <p:style>
+              <a:lnRef idx="2">
+                <a:schemeClr val="accent1">
+                  <a:shade val="50000"/>
+                </a:schemeClr>
+              </a:lnRef>
+              <a:fillRef idx="1">
+                <a:schemeClr val="accent1"/>
+              </a:fillRef>
+              <a:effectRef idx="0">
+                <a:schemeClr val="accent1"/>
+              </a:effectRef>
+              <a:fontRef idx="minor">
+                <a:schemeClr val="lt1"/>
+              </a:fontRef>
+            </p:style>
+            <p:txBody>
+              <a:bodyPr rtlCol="0" anchor="ctr"/>
+              <a:lstStyle/>
+              <a:p>
+                <a:pPr algn="ctr"/>
+                <a:endParaRPr kumimoji="1" lang="ja-JP" altLang="en-US"/>
+              </a:p>
+            </p:txBody>
+          </p:sp>
+        </p:grpSp>
+      </p:grpSp>
+      <p:pic>
+        <p:nvPicPr>
+          <p:cNvPr id="40" name="Picture 2" descr="掲示板に貼られた紙のイラスト（メモ）">
+            <a:extLst>
+              <a:ext uri="{FF2B5EF4-FFF2-40B4-BE49-F238E27FC236}">
+                <a16:creationId xmlns:a16="http://schemas.microsoft.com/office/drawing/2014/main" id="{BF0696F7-F40B-A333-6D03-A4EB719DEDAE}"/>
+              </a:ext>
+            </a:extLst>
+          </p:cNvPr>
+          <p:cNvPicPr>
+            <a:picLocks noChangeAspect="1" noChangeArrowheads="1"/>
+          </p:cNvPicPr>
+          <p:nvPr/>
+        </p:nvPicPr>
+        <p:blipFill>
+          <a:blip r:embed="rId8">
+            <a:extLst>
+              <a:ext uri="{28A0092B-C50C-407E-A947-70E740481C1C}">
+                <a14:useLocalDpi xmlns:a14="http://schemas.microsoft.com/office/drawing/2010/main" val="0"/>
+              </a:ext>
+            </a:extLst>
+          </a:blip>
+          <a:srcRect/>
+          <a:stretch>
+            <a:fillRect/>
+          </a:stretch>
+        </p:blipFill>
+        <p:spPr bwMode="auto">
+          <a:xfrm>
+            <a:off x="6891895" y="3446229"/>
+            <a:ext cx="703773" cy="566537"/>
+          </a:xfrm>
+          <a:prstGeom prst="rect">
+            <a:avLst/>
+          </a:prstGeom>
+          <a:noFill/>
+          <a:extLst>
+            <a:ext uri="{909E8E84-426E-40DD-AFC4-6F175D3DCCD1}">
+              <a14:hiddenFill xmlns:a14="http://schemas.microsoft.com/office/drawing/2010/main">
+                <a:solidFill>
+                  <a:srgbClr val="FFFFFF"/>
+                </a:solidFill>
+              </a14:hiddenFill>
+            </a:ext>
+          </a:extLst>
+        </p:spPr>
+      </p:pic>
+      <p:sp>
+        <p:nvSpPr>
+          <p:cNvPr id="41" name="右矢印 40">
+            <a:extLst>
+              <a:ext uri="{FF2B5EF4-FFF2-40B4-BE49-F238E27FC236}">
+                <a16:creationId xmlns:a16="http://schemas.microsoft.com/office/drawing/2014/main" id="{A5082390-AFC0-DBC5-6674-F7A62EAF3AE9}"/>
+              </a:ext>
+            </a:extLst>
+          </p:cNvPr>
+          <p:cNvSpPr/>
+          <p:nvPr/>
+        </p:nvSpPr>
+        <p:spPr>
+          <a:xfrm rot="10800000">
+            <a:off x="6044781" y="3619573"/>
+            <a:ext cx="648072" cy="379724"/>
+          </a:xfrm>
+          <a:prstGeom prst="rightArrow">
+            <a:avLst/>
+          </a:prstGeom>
+          <a:solidFill>
+            <a:srgbClr val="FF0000"/>
+          </a:solidFill>
+          <a:ln>
+            <a:solidFill>
+              <a:schemeClr val="tx1"/>
+            </a:solidFill>
+          </a:ln>
+        </p:spPr>
+        <p:style>
+          <a:lnRef idx="2">
+            <a:schemeClr val="accent1">
+              <a:shade val="50000"/>
+            </a:schemeClr>
+          </a:lnRef>
+          <a:fillRef idx="1">
+            <a:schemeClr val="accent1"/>
+          </a:fillRef>
+          <a:effectRef idx="0">
+            <a:schemeClr val="accent1"/>
+          </a:effectRef>
+          <a:fontRef idx="minor">
+            <a:schemeClr val="lt1"/>
+          </a:fontRef>
+        </p:style>
+        <p:txBody>
+          <a:bodyPr rtlCol="0" anchor="ctr"/>
+          <a:lstStyle/>
+          <a:p>
+            <a:pPr algn="ctr"/>
+            <a:endParaRPr kumimoji="1" lang="ja-JP" altLang="en-US"/>
+          </a:p>
+        </p:txBody>
+      </p:sp>
+      <p:sp>
+        <p:nvSpPr>
+          <p:cNvPr id="42" name="テキスト ボックス 41">
+            <a:extLst>
+              <a:ext uri="{FF2B5EF4-FFF2-40B4-BE49-F238E27FC236}">
+                <a16:creationId xmlns:a16="http://schemas.microsoft.com/office/drawing/2014/main" id="{51262C36-7D80-8859-1012-271D0F33DBAA}"/>
+              </a:ext>
+            </a:extLst>
+          </p:cNvPr>
+          <p:cNvSpPr txBox="1"/>
+          <p:nvPr/>
+        </p:nvSpPr>
+        <p:spPr>
+          <a:xfrm>
+            <a:off x="6044780" y="4031045"/>
+            <a:ext cx="1800493" cy="369332"/>
+          </a:xfrm>
+          <a:prstGeom prst="rect">
+            <a:avLst/>
+          </a:prstGeom>
+          <a:noFill/>
+        </p:spPr>
+        <p:txBody>
+          <a:bodyPr wrap="none" rtlCol="0">
+            <a:spAutoFit/>
+          </a:bodyPr>
+          <a:lstStyle/>
+          <a:p>
+            <a:r>
+              <a:rPr lang="ja-JP" altLang="en-US"/>
+              <a:t>署名リクエスト</a:t>
+            </a:r>
+            <a:endParaRPr kumimoji="1" lang="ja-JP" altLang="en-US"/>
+          </a:p>
+        </p:txBody>
+      </p:sp>
+      <p:pic>
+        <p:nvPicPr>
+          <p:cNvPr id="43" name="Picture 2" descr="掲示板に貼られた紙のイラスト（メモ）">
+            <a:extLst>
+              <a:ext uri="{FF2B5EF4-FFF2-40B4-BE49-F238E27FC236}">
+                <a16:creationId xmlns:a16="http://schemas.microsoft.com/office/drawing/2014/main" id="{7BB397F9-456E-7343-B2B9-F498EE5999D9}"/>
+              </a:ext>
+            </a:extLst>
+          </p:cNvPr>
+          <p:cNvPicPr>
+            <a:picLocks noChangeAspect="1" noChangeArrowheads="1"/>
+          </p:cNvPicPr>
+          <p:nvPr/>
+        </p:nvPicPr>
+        <p:blipFill>
+          <a:blip r:embed="rId8">
+            <a:extLst>
+              <a:ext uri="{28A0092B-C50C-407E-A947-70E740481C1C}">
+                <a14:useLocalDpi xmlns:a14="http://schemas.microsoft.com/office/drawing/2010/main" val="0"/>
+              </a:ext>
+            </a:extLst>
+          </a:blip>
+          <a:srcRect/>
+          <a:stretch>
+            <a:fillRect/>
+          </a:stretch>
+        </p:blipFill>
+        <p:spPr bwMode="auto">
+          <a:xfrm>
+            <a:off x="3410082" y="3428074"/>
+            <a:ext cx="703773" cy="566537"/>
+          </a:xfrm>
+          <a:prstGeom prst="rect">
+            <a:avLst/>
+          </a:prstGeom>
+          <a:noFill/>
+          <a:extLst>
+            <a:ext uri="{909E8E84-426E-40DD-AFC4-6F175D3DCCD1}">
+              <a14:hiddenFill xmlns:a14="http://schemas.microsoft.com/office/drawing/2010/main">
+                <a:solidFill>
+                  <a:srgbClr val="FFFFFF"/>
+                </a:solidFill>
+              </a14:hiddenFill>
+            </a:ext>
+          </a:extLst>
+        </p:spPr>
+      </p:pic>
+      <p:sp>
+        <p:nvSpPr>
+          <p:cNvPr id="44" name="右矢印 43">
+            <a:extLst>
+              <a:ext uri="{FF2B5EF4-FFF2-40B4-BE49-F238E27FC236}">
+                <a16:creationId xmlns:a16="http://schemas.microsoft.com/office/drawing/2014/main" id="{80F32F7F-5D90-DB0B-C5BE-72AA9F3EF0EA}"/>
+              </a:ext>
+            </a:extLst>
+          </p:cNvPr>
+          <p:cNvSpPr/>
+          <p:nvPr/>
+        </p:nvSpPr>
+        <p:spPr>
+          <a:xfrm rot="10800000">
+            <a:off x="2562968" y="3601418"/>
+            <a:ext cx="648072" cy="379724"/>
+          </a:xfrm>
+          <a:prstGeom prst="rightArrow">
+            <a:avLst/>
+          </a:prstGeom>
+          <a:solidFill>
+            <a:srgbClr val="FF0000"/>
+          </a:solidFill>
+          <a:ln>
+            <a:solidFill>
+              <a:schemeClr val="tx1"/>
+            </a:solidFill>
+          </a:ln>
+        </p:spPr>
+        <p:style>
+          <a:lnRef idx="2">
+            <a:schemeClr val="accent1">
+              <a:shade val="50000"/>
+            </a:schemeClr>
+          </a:lnRef>
+          <a:fillRef idx="1">
+            <a:schemeClr val="accent1"/>
+          </a:fillRef>
+          <a:effectRef idx="0">
+            <a:schemeClr val="accent1"/>
+          </a:effectRef>
+          <a:fontRef idx="minor">
+            <a:schemeClr val="lt1"/>
+          </a:fontRef>
+        </p:style>
+        <p:txBody>
+          <a:bodyPr rtlCol="0" anchor="ctr"/>
+          <a:lstStyle/>
+          <a:p>
+            <a:pPr algn="ctr"/>
+            <a:endParaRPr kumimoji="1" lang="ja-JP" altLang="en-US"/>
+          </a:p>
+        </p:txBody>
+      </p:sp>
+      <p:sp>
+        <p:nvSpPr>
+          <p:cNvPr id="45" name="テキスト ボックス 44">
+            <a:extLst>
+              <a:ext uri="{FF2B5EF4-FFF2-40B4-BE49-F238E27FC236}">
+                <a16:creationId xmlns:a16="http://schemas.microsoft.com/office/drawing/2014/main" id="{01E546F7-D95B-4B9F-3BB2-5038931137C3}"/>
+              </a:ext>
+            </a:extLst>
+          </p:cNvPr>
+          <p:cNvSpPr txBox="1"/>
+          <p:nvPr/>
+        </p:nvSpPr>
+        <p:spPr>
+          <a:xfrm>
+            <a:off x="2562967" y="4012890"/>
+            <a:ext cx="1800493" cy="369332"/>
+          </a:xfrm>
+          <a:prstGeom prst="rect">
+            <a:avLst/>
+          </a:prstGeom>
+          <a:noFill/>
+        </p:spPr>
+        <p:txBody>
+          <a:bodyPr wrap="none" rtlCol="0">
+            <a:spAutoFit/>
+          </a:bodyPr>
+          <a:lstStyle/>
+          <a:p>
+            <a:r>
+              <a:rPr lang="ja-JP" altLang="en-US"/>
+              <a:t>署名リクエスト</a:t>
+            </a:r>
+            <a:endParaRPr kumimoji="1" lang="ja-JP" altLang="en-US"/>
+          </a:p>
+        </p:txBody>
+      </p:sp>
+      <p:sp>
+        <p:nvSpPr>
+          <p:cNvPr id="46" name="テキスト ボックス 45">
+            <a:extLst>
+              <a:ext uri="{FF2B5EF4-FFF2-40B4-BE49-F238E27FC236}">
+                <a16:creationId xmlns:a16="http://schemas.microsoft.com/office/drawing/2014/main" id="{68CDA2E7-01FF-3046-D2EE-0EA5B6A07896}"/>
+              </a:ext>
+            </a:extLst>
+          </p:cNvPr>
+          <p:cNvSpPr txBox="1"/>
+          <p:nvPr/>
+        </p:nvSpPr>
+        <p:spPr>
+          <a:xfrm>
+            <a:off x="2675973" y="5108679"/>
+            <a:ext cx="1107996" cy="369332"/>
+          </a:xfrm>
+          <a:prstGeom prst="rect">
+            <a:avLst/>
+          </a:prstGeom>
+          <a:noFill/>
+        </p:spPr>
+        <p:txBody>
+          <a:bodyPr wrap="none" rtlCol="0">
+            <a:spAutoFit/>
+          </a:bodyPr>
+          <a:lstStyle/>
+          <a:p>
+            <a:r>
+              <a:rPr lang="ja-JP" altLang="en-US"/>
+              <a:t>署名応答</a:t>
+            </a:r>
+            <a:endParaRPr kumimoji="1" lang="ja-JP" altLang="en-US"/>
+          </a:p>
+        </p:txBody>
+      </p:sp>
+      <p:sp>
+        <p:nvSpPr>
+          <p:cNvPr id="47" name="右矢印 46">
+            <a:extLst>
+              <a:ext uri="{FF2B5EF4-FFF2-40B4-BE49-F238E27FC236}">
+                <a16:creationId xmlns:a16="http://schemas.microsoft.com/office/drawing/2014/main" id="{B083501F-BA55-4755-291D-D28FF3AB8F1F}"/>
+              </a:ext>
+            </a:extLst>
+          </p:cNvPr>
+          <p:cNvSpPr/>
+          <p:nvPr/>
+        </p:nvSpPr>
+        <p:spPr>
+          <a:xfrm>
+            <a:off x="6063218" y="4563413"/>
+            <a:ext cx="648072" cy="379724"/>
+          </a:xfrm>
+          <a:prstGeom prst="rightArrow">
+            <a:avLst/>
+          </a:prstGeom>
+          <a:solidFill>
+            <a:srgbClr val="FF0000"/>
+          </a:solidFill>
+          <a:ln>
+            <a:solidFill>
+              <a:schemeClr val="tx1"/>
+            </a:solidFill>
+          </a:ln>
+        </p:spPr>
+        <p:style>
+          <a:lnRef idx="2">
+            <a:schemeClr val="accent1">
+              <a:shade val="50000"/>
+            </a:schemeClr>
+          </a:lnRef>
+          <a:fillRef idx="1">
+            <a:schemeClr val="accent1"/>
+          </a:fillRef>
+          <a:effectRef idx="0">
+            <a:schemeClr val="accent1"/>
+          </a:effectRef>
+          <a:fontRef idx="minor">
+            <a:schemeClr val="lt1"/>
+          </a:fontRef>
+        </p:style>
+        <p:txBody>
+          <a:bodyPr rtlCol="0" anchor="ctr"/>
+          <a:lstStyle/>
+          <a:p>
+            <a:pPr algn="ctr"/>
+            <a:endParaRPr kumimoji="1" lang="ja-JP" altLang="en-US"/>
+          </a:p>
+        </p:txBody>
+      </p:sp>
+      <p:sp>
+        <p:nvSpPr>
+          <p:cNvPr id="49" name="テキスト ボックス 48">
+            <a:extLst>
+              <a:ext uri="{FF2B5EF4-FFF2-40B4-BE49-F238E27FC236}">
+                <a16:creationId xmlns:a16="http://schemas.microsoft.com/office/drawing/2014/main" id="{45271D18-E003-6ED2-0A9C-F8C81D977243}"/>
+              </a:ext>
+            </a:extLst>
+          </p:cNvPr>
+          <p:cNvSpPr txBox="1"/>
+          <p:nvPr/>
+        </p:nvSpPr>
+        <p:spPr>
+          <a:xfrm>
+            <a:off x="5833256" y="5126834"/>
+            <a:ext cx="1107996" cy="369332"/>
+          </a:xfrm>
+          <a:prstGeom prst="rect">
+            <a:avLst/>
+          </a:prstGeom>
+          <a:noFill/>
+        </p:spPr>
+        <p:txBody>
+          <a:bodyPr wrap="none" rtlCol="0">
+            <a:spAutoFit/>
+          </a:bodyPr>
+          <a:lstStyle/>
+          <a:p>
+            <a:r>
+              <a:rPr lang="ja-JP" altLang="en-US"/>
+              <a:t>署名応答</a:t>
+            </a:r>
+            <a:endParaRPr kumimoji="1" lang="ja-JP" altLang="en-US"/>
           </a:p>
         </p:txBody>
       </p:sp>
@@ -13718,7 +14348,7 @@
         <p:spPr>
           <a:xfrm>
             <a:off x="611560" y="1916832"/>
-            <a:ext cx="4955203" cy="830997"/>
+            <a:ext cx="4647426" cy="830997"/>
           </a:xfrm>
           <a:prstGeom prst="rect">
             <a:avLst/>
@@ -13746,7 +14376,7 @@
             </a:pPr>
             <a:r>
               <a:rPr kumimoji="1" lang="ja-JP" altLang="en-US" sz="2400"/>
-              <a:t>別の接続先に秘密鍵を転送する</a:t>
+              <a:t>別の接続先に署名を転送する</a:t>
             </a:r>
           </a:p>
         </p:txBody>
@@ -16298,8 +16928,8 @@
           </a:p>
         </p:txBody>
       </p:sp>
-      <mc:AlternateContent xmlns:mc="http://schemas.openxmlformats.org/markup-compatibility/2006">
-        <mc:Choice xmlns:a14="http://schemas.microsoft.com/office/drawing/2010/main" Requires="a14">
+      <mc:AlternateContent xmlns:mc="http://schemas.openxmlformats.org/markup-compatibility/2006" xmlns:a14="http://schemas.microsoft.com/office/drawing/2010/main">
+        <mc:Choice Requires="a14">
           <p:sp>
             <p:nvSpPr>
               <p:cNvPr id="10" name="テキスト ボックス 9">
@@ -16328,6 +16958,7 @@
               </a:bodyPr>
               <a:lstStyle/>
               <a:p>
+                <a:pPr/>
                 <a14:m>
                   <m:oMathPara xmlns:m="http://schemas.openxmlformats.org/officeDocument/2006/math">
                     <m:oMathParaPr>
@@ -16360,7 +16991,7 @@
             </p:txBody>
           </p:sp>
         </mc:Choice>
-        <mc:Fallback>
+        <mc:Fallback xmlns="">
           <p:sp>
             <p:nvSpPr>
               <p:cNvPr id="10" name="テキスト ボックス 9">
@@ -16405,8 +17036,8 @@
           </p:sp>
         </mc:Fallback>
       </mc:AlternateContent>
-      <mc:AlternateContent xmlns:mc="http://schemas.openxmlformats.org/markup-compatibility/2006">
-        <mc:Choice xmlns:a14="http://schemas.microsoft.com/office/drawing/2010/main" Requires="a14">
+      <mc:AlternateContent xmlns:mc="http://schemas.openxmlformats.org/markup-compatibility/2006" xmlns:a14="http://schemas.microsoft.com/office/drawing/2010/main">
+        <mc:Choice Requires="a14">
           <p:sp>
             <p:nvSpPr>
               <p:cNvPr id="11" name="テキスト ボックス 10">
@@ -16435,6 +17066,7 @@
               </a:bodyPr>
               <a:lstStyle/>
               <a:p>
+                <a:pPr/>
                 <a14:m>
                   <m:oMathPara xmlns:m="http://schemas.openxmlformats.org/officeDocument/2006/math">
                     <m:oMathParaPr>
@@ -16467,7 +17099,7 @@
             </p:txBody>
           </p:sp>
         </mc:Choice>
-        <mc:Fallback>
+        <mc:Fallback xmlns="">
           <p:sp>
             <p:nvSpPr>
               <p:cNvPr id="11" name="テキスト ボックス 10">
@@ -16512,8 +17144,8 @@
           </p:sp>
         </mc:Fallback>
       </mc:AlternateContent>
-      <mc:AlternateContent xmlns:mc="http://schemas.openxmlformats.org/markup-compatibility/2006">
-        <mc:Choice xmlns:a14="http://schemas.microsoft.com/office/drawing/2010/main" Requires="a14">
+      <mc:AlternateContent xmlns:mc="http://schemas.openxmlformats.org/markup-compatibility/2006" xmlns:a14="http://schemas.microsoft.com/office/drawing/2010/main">
+        <mc:Choice Requires="a14">
           <p:sp>
             <p:nvSpPr>
               <p:cNvPr id="12" name="テキスト ボックス 11">
@@ -16638,7 +17270,7 @@
             </p:txBody>
           </p:sp>
         </mc:Choice>
-        <mc:Fallback>
+        <mc:Fallback xmlns="">
           <p:sp>
             <p:nvSpPr>
               <p:cNvPr id="12" name="テキスト ボックス 11">
@@ -16683,8 +17315,8 @@
           </p:sp>
         </mc:Fallback>
       </mc:AlternateContent>
-      <mc:AlternateContent xmlns:mc="http://schemas.openxmlformats.org/markup-compatibility/2006">
-        <mc:Choice xmlns:a14="http://schemas.microsoft.com/office/drawing/2010/main" Requires="a14">
+      <mc:AlternateContent xmlns:mc="http://schemas.openxmlformats.org/markup-compatibility/2006" xmlns:a14="http://schemas.microsoft.com/office/drawing/2010/main">
+        <mc:Choice Requires="a14">
           <p:sp>
             <p:nvSpPr>
               <p:cNvPr id="13" name="テキスト ボックス 12">
@@ -16713,6 +17345,7 @@
               </a:bodyPr>
               <a:lstStyle/>
               <a:p>
+                <a:pPr/>
                 <a14:m>
                   <m:oMathPara xmlns:m="http://schemas.openxmlformats.org/officeDocument/2006/math">
                     <m:oMathParaPr>
@@ -16733,7 +17366,7 @@
             </p:txBody>
           </p:sp>
         </mc:Choice>
-        <mc:Fallback>
+        <mc:Fallback xmlns="">
           <p:sp>
             <p:nvSpPr>
               <p:cNvPr id="13" name="テキスト ボックス 12">
@@ -16778,8 +17411,8 @@
           </p:sp>
         </mc:Fallback>
       </mc:AlternateContent>
-      <mc:AlternateContent xmlns:mc="http://schemas.openxmlformats.org/markup-compatibility/2006">
-        <mc:Choice xmlns:a14="http://schemas.microsoft.com/office/drawing/2010/main" Requires="a14">
+      <mc:AlternateContent xmlns:mc="http://schemas.openxmlformats.org/markup-compatibility/2006" xmlns:a14="http://schemas.microsoft.com/office/drawing/2010/main">
+        <mc:Choice Requires="a14">
           <p:sp>
             <p:nvSpPr>
               <p:cNvPr id="14" name="テキスト ボックス 13">
@@ -16808,6 +17441,7 @@
               </a:bodyPr>
               <a:lstStyle/>
               <a:p>
+                <a:pPr/>
                 <a14:m>
                   <m:oMathPara xmlns:m="http://schemas.openxmlformats.org/officeDocument/2006/math">
                     <m:oMathParaPr>
@@ -16828,7 +17462,7 @@
             </p:txBody>
           </p:sp>
         </mc:Choice>
-        <mc:Fallback>
+        <mc:Fallback xmlns="">
           <p:sp>
             <p:nvSpPr>
               <p:cNvPr id="14" name="テキスト ボックス 13">
@@ -16873,8 +17507,8 @@
           </p:sp>
         </mc:Fallback>
       </mc:AlternateContent>
-      <mc:AlternateContent xmlns:mc="http://schemas.openxmlformats.org/markup-compatibility/2006">
-        <mc:Choice xmlns:a14="http://schemas.microsoft.com/office/drawing/2010/main" Requires="a14">
+      <mc:AlternateContent xmlns:mc="http://schemas.openxmlformats.org/markup-compatibility/2006" xmlns:a14="http://schemas.microsoft.com/office/drawing/2010/main">
+        <mc:Choice Requires="a14">
           <p:sp>
             <p:nvSpPr>
               <p:cNvPr id="15" name="テキスト ボックス 14">
@@ -16903,6 +17537,7 @@
               </a:bodyPr>
               <a:lstStyle/>
               <a:p>
+                <a:pPr/>
                 <a14:m>
                   <m:oMathPara xmlns:m="http://schemas.openxmlformats.org/officeDocument/2006/math">
                     <m:oMathParaPr>
@@ -16923,7 +17558,7 @@
             </p:txBody>
           </p:sp>
         </mc:Choice>
-        <mc:Fallback>
+        <mc:Fallback xmlns="">
           <p:sp>
             <p:nvSpPr>
               <p:cNvPr id="15" name="テキスト ボックス 14">
@@ -16968,8 +17603,8 @@
           </p:sp>
         </mc:Fallback>
       </mc:AlternateContent>
-      <mc:AlternateContent xmlns:mc="http://schemas.openxmlformats.org/markup-compatibility/2006">
-        <mc:Choice xmlns:a14="http://schemas.microsoft.com/office/drawing/2010/main" Requires="a14">
+      <mc:AlternateContent xmlns:mc="http://schemas.openxmlformats.org/markup-compatibility/2006" xmlns:a14="http://schemas.microsoft.com/office/drawing/2010/main">
+        <mc:Choice Requires="a14">
           <p:sp>
             <p:nvSpPr>
               <p:cNvPr id="16" name="テキスト ボックス 15">
@@ -16998,6 +17633,7 @@
               </a:bodyPr>
               <a:lstStyle/>
               <a:p>
+                <a:pPr/>
                 <a14:m>
                   <m:oMathPara xmlns:m="http://schemas.openxmlformats.org/officeDocument/2006/math">
                     <m:oMathParaPr>
@@ -17018,7 +17654,7 @@
             </p:txBody>
           </p:sp>
         </mc:Choice>
-        <mc:Fallback>
+        <mc:Fallback xmlns="">
           <p:sp>
             <p:nvSpPr>
               <p:cNvPr id="16" name="テキスト ボックス 15">
@@ -17155,8 +17791,8 @@
           </a:fontRef>
         </p:style>
       </p:cxnSp>
-      <mc:AlternateContent xmlns:mc="http://schemas.openxmlformats.org/markup-compatibility/2006">
-        <mc:Choice xmlns:a14="http://schemas.microsoft.com/office/drawing/2010/main" Requires="a14">
+      <mc:AlternateContent xmlns:mc="http://schemas.openxmlformats.org/markup-compatibility/2006" xmlns:a14="http://schemas.microsoft.com/office/drawing/2010/main">
+        <mc:Choice Requires="a14">
           <p:sp>
             <p:nvSpPr>
               <p:cNvPr id="21" name="テキスト ボックス 20">
@@ -17232,7 +17868,7 @@
             </p:txBody>
           </p:sp>
         </mc:Choice>
-        <mc:Fallback>
+        <mc:Fallback xmlns="">
           <p:sp>
             <p:nvSpPr>
               <p:cNvPr id="21" name="テキスト ボックス 20">
@@ -17277,8 +17913,8 @@
           </p:sp>
         </mc:Fallback>
       </mc:AlternateContent>
-      <mc:AlternateContent xmlns:mc="http://schemas.openxmlformats.org/markup-compatibility/2006">
-        <mc:Choice xmlns:a14="http://schemas.microsoft.com/office/drawing/2010/main" Requires="a14">
+      <mc:AlternateContent xmlns:mc="http://schemas.openxmlformats.org/markup-compatibility/2006" xmlns:a14="http://schemas.microsoft.com/office/drawing/2010/main">
+        <mc:Choice Requires="a14">
           <p:sp>
             <p:nvSpPr>
               <p:cNvPr id="22" name="テキスト ボックス 21">
@@ -17307,6 +17943,7 @@
               </a:bodyPr>
               <a:lstStyle/>
               <a:p>
+                <a:pPr/>
                 <a14:m>
                   <m:oMathPara xmlns:m="http://schemas.openxmlformats.org/officeDocument/2006/math">
                     <m:oMathParaPr>
@@ -17339,7 +17976,7 @@
             </p:txBody>
           </p:sp>
         </mc:Choice>
-        <mc:Fallback>
+        <mc:Fallback xmlns="">
           <p:sp>
             <p:nvSpPr>
               <p:cNvPr id="22" name="テキスト ボックス 21">
@@ -17384,8 +18021,8 @@
           </p:sp>
         </mc:Fallback>
       </mc:AlternateContent>
-      <mc:AlternateContent xmlns:mc="http://schemas.openxmlformats.org/markup-compatibility/2006">
-        <mc:Choice xmlns:a14="http://schemas.microsoft.com/office/drawing/2010/main" Requires="a14">
+      <mc:AlternateContent xmlns:mc="http://schemas.openxmlformats.org/markup-compatibility/2006" xmlns:a14="http://schemas.microsoft.com/office/drawing/2010/main">
+        <mc:Choice Requires="a14">
           <p:sp>
             <p:nvSpPr>
               <p:cNvPr id="23" name="テキスト ボックス 22">
@@ -17414,6 +18051,7 @@
               </a:bodyPr>
               <a:lstStyle/>
               <a:p>
+                <a:pPr/>
                 <a14:m>
                   <m:oMathPara xmlns:m="http://schemas.openxmlformats.org/officeDocument/2006/math">
                     <m:oMathParaPr>
@@ -17446,7 +18084,7 @@
             </p:txBody>
           </p:sp>
         </mc:Choice>
-        <mc:Fallback>
+        <mc:Fallback xmlns="">
           <p:sp>
             <p:nvSpPr>
               <p:cNvPr id="23" name="テキスト ボックス 22">
@@ -17491,8 +18129,8 @@
           </p:sp>
         </mc:Fallback>
       </mc:AlternateContent>
-      <mc:AlternateContent xmlns:mc="http://schemas.openxmlformats.org/markup-compatibility/2006">
-        <mc:Choice xmlns:a14="http://schemas.microsoft.com/office/drawing/2010/main" Requires="a14">
+      <mc:AlternateContent xmlns:mc="http://schemas.openxmlformats.org/markup-compatibility/2006" xmlns:a14="http://schemas.microsoft.com/office/drawing/2010/main">
+        <mc:Choice Requires="a14">
           <p:sp>
             <p:nvSpPr>
               <p:cNvPr id="24" name="テキスト ボックス 23">
@@ -17563,7 +18201,7 @@
             </p:txBody>
           </p:sp>
         </mc:Choice>
-        <mc:Fallback>
+        <mc:Fallback xmlns="">
           <p:sp>
             <p:nvSpPr>
               <p:cNvPr id="24" name="テキスト ボックス 23">
@@ -17655,8 +18293,8 @@
           </a:extLst>
         </p:spPr>
       </p:pic>
-      <mc:AlternateContent xmlns:mc="http://schemas.openxmlformats.org/markup-compatibility/2006">
-        <mc:Choice xmlns:a14="http://schemas.microsoft.com/office/drawing/2010/main" Requires="a14">
+      <mc:AlternateContent xmlns:mc="http://schemas.openxmlformats.org/markup-compatibility/2006" xmlns:a14="http://schemas.microsoft.com/office/drawing/2010/main">
+        <mc:Choice Requires="a14">
           <p:sp>
             <p:nvSpPr>
               <p:cNvPr id="27" name="テキスト ボックス 26">
@@ -17685,6 +18323,7 @@
               </a:bodyPr>
               <a:lstStyle/>
               <a:p>
+                <a:pPr/>
                 <a14:m>
                   <m:oMathPara xmlns:m="http://schemas.openxmlformats.org/officeDocument/2006/math">
                     <m:oMathParaPr>
@@ -17717,7 +18356,7 @@
             </p:txBody>
           </p:sp>
         </mc:Choice>
-        <mc:Fallback>
+        <mc:Fallback xmlns="">
           <p:sp>
             <p:nvSpPr>
               <p:cNvPr id="27" name="テキスト ボックス 26">
@@ -17762,8 +18401,8 @@
           </p:sp>
         </mc:Fallback>
       </mc:AlternateContent>
-      <mc:AlternateContent xmlns:mc="http://schemas.openxmlformats.org/markup-compatibility/2006">
-        <mc:Choice xmlns:a14="http://schemas.microsoft.com/office/drawing/2010/main" Requires="a14">
+      <mc:AlternateContent xmlns:mc="http://schemas.openxmlformats.org/markup-compatibility/2006" xmlns:a14="http://schemas.microsoft.com/office/drawing/2010/main">
+        <mc:Choice Requires="a14">
           <p:sp>
             <p:nvSpPr>
               <p:cNvPr id="28" name="テキスト ボックス 27">
@@ -17792,6 +18431,7 @@
               </a:bodyPr>
               <a:lstStyle/>
               <a:p>
+                <a:pPr/>
                 <a14:m>
                   <m:oMathPara xmlns:m="http://schemas.openxmlformats.org/officeDocument/2006/math">
                     <m:oMathParaPr>
@@ -17812,7 +18452,7 @@
             </p:txBody>
           </p:sp>
         </mc:Choice>
-        <mc:Fallback>
+        <mc:Fallback xmlns="">
           <p:sp>
             <p:nvSpPr>
               <p:cNvPr id="28" name="テキスト ボックス 27">
@@ -17960,8 +18600,8 @@
           </a:p>
         </p:txBody>
       </p:sp>
-      <mc:AlternateContent xmlns:mc="http://schemas.openxmlformats.org/markup-compatibility/2006">
-        <mc:Choice xmlns:a14="http://schemas.microsoft.com/office/drawing/2010/main" Requires="a14">
+      <mc:AlternateContent xmlns:mc="http://schemas.openxmlformats.org/markup-compatibility/2006" xmlns:a14="http://schemas.microsoft.com/office/drawing/2010/main">
+        <mc:Choice Requires="a14">
           <p:sp>
             <p:nvSpPr>
               <p:cNvPr id="33" name="テキスト ボックス 32">
@@ -18038,7 +18678,7 @@
             </p:txBody>
           </p:sp>
         </mc:Choice>
-        <mc:Fallback>
+        <mc:Fallback xmlns="">
           <p:sp>
             <p:nvSpPr>
               <p:cNvPr id="33" name="テキスト ボックス 32">
@@ -18236,8 +18876,8 @@
           </a:p>
         </p:txBody>
       </p:sp>
-      <mc:AlternateContent xmlns:mc="http://schemas.openxmlformats.org/markup-compatibility/2006">
-        <mc:Choice xmlns:a14="http://schemas.microsoft.com/office/drawing/2010/main" Requires="a14">
+      <mc:AlternateContent xmlns:mc="http://schemas.openxmlformats.org/markup-compatibility/2006" xmlns:a14="http://schemas.microsoft.com/office/drawing/2010/main">
+        <mc:Choice Requires="a14">
           <p:sp>
             <p:nvSpPr>
               <p:cNvPr id="4" name="テキスト ボックス 3">
@@ -18364,7 +19004,7 @@
             </p:txBody>
           </p:sp>
         </mc:Choice>
-        <mc:Fallback>
+        <mc:Fallback xmlns="">
           <p:sp>
             <p:nvSpPr>
               <p:cNvPr id="4" name="テキスト ボックス 3">
@@ -18409,8 +19049,8 @@
           </p:sp>
         </mc:Fallback>
       </mc:AlternateContent>
-      <mc:AlternateContent xmlns:mc="http://schemas.openxmlformats.org/markup-compatibility/2006">
-        <mc:Choice xmlns:a14="http://schemas.microsoft.com/office/drawing/2010/main" Requires="a14">
+      <mc:AlternateContent xmlns:mc="http://schemas.openxmlformats.org/markup-compatibility/2006" xmlns:a14="http://schemas.microsoft.com/office/drawing/2010/main">
+        <mc:Choice Requires="a14">
           <p:sp>
             <p:nvSpPr>
               <p:cNvPr id="5" name="テキスト ボックス 4">
@@ -18537,7 +19177,7 @@
             </p:txBody>
           </p:sp>
         </mc:Choice>
-        <mc:Fallback>
+        <mc:Fallback xmlns="">
           <p:sp>
             <p:nvSpPr>
               <p:cNvPr id="5" name="テキスト ボックス 4">
@@ -18582,8 +19222,8 @@
           </p:sp>
         </mc:Fallback>
       </mc:AlternateContent>
-      <mc:AlternateContent xmlns:mc="http://schemas.openxmlformats.org/markup-compatibility/2006">
-        <mc:Choice xmlns:a14="http://schemas.microsoft.com/office/drawing/2010/main" Requires="a14">
+      <mc:AlternateContent xmlns:mc="http://schemas.openxmlformats.org/markup-compatibility/2006" xmlns:a14="http://schemas.microsoft.com/office/drawing/2010/main">
+        <mc:Choice Requires="a14">
           <p:sp>
             <p:nvSpPr>
               <p:cNvPr id="6" name="テキスト ボックス 5">
@@ -18612,6 +19252,7 @@
               </a:bodyPr>
               <a:lstStyle/>
               <a:p>
+                <a:pPr/>
                 <a14:m>
                   <m:oMathPara xmlns:m="http://schemas.openxmlformats.org/officeDocument/2006/math">
                     <m:oMathParaPr>
@@ -18748,7 +19389,7 @@
             </p:txBody>
           </p:sp>
         </mc:Choice>
-        <mc:Fallback>
+        <mc:Fallback xmlns="">
           <p:sp>
             <p:nvSpPr>
               <p:cNvPr id="6" name="テキスト ボックス 5">
@@ -18793,8 +19434,8 @@
           </p:sp>
         </mc:Fallback>
       </mc:AlternateContent>
-      <mc:AlternateContent xmlns:mc="http://schemas.openxmlformats.org/markup-compatibility/2006">
-        <mc:Choice xmlns:a14="http://schemas.microsoft.com/office/drawing/2010/main" Requires="a14">
+      <mc:AlternateContent xmlns:mc="http://schemas.openxmlformats.org/markup-compatibility/2006" xmlns:a14="http://schemas.microsoft.com/office/drawing/2010/main">
+        <mc:Choice Requires="a14">
           <p:sp>
             <p:nvSpPr>
               <p:cNvPr id="7" name="テキスト ボックス 6">
@@ -18857,7 +19498,7 @@
             </p:txBody>
           </p:sp>
         </mc:Choice>
-        <mc:Fallback>
+        <mc:Fallback xmlns="">
           <p:sp>
             <p:nvSpPr>
               <p:cNvPr id="7" name="テキスト ボックス 6">
@@ -18902,8 +19543,8 @@
           </p:sp>
         </mc:Fallback>
       </mc:AlternateContent>
-      <mc:AlternateContent xmlns:mc="http://schemas.openxmlformats.org/markup-compatibility/2006">
-        <mc:Choice xmlns:a14="http://schemas.microsoft.com/office/drawing/2010/main" Requires="a14">
+      <mc:AlternateContent xmlns:mc="http://schemas.openxmlformats.org/markup-compatibility/2006" xmlns:a14="http://schemas.microsoft.com/office/drawing/2010/main">
+        <mc:Choice Requires="a14">
           <p:sp>
             <p:nvSpPr>
               <p:cNvPr id="8" name="テキスト ボックス 7">
@@ -18966,7 +19607,7 @@
             </p:txBody>
           </p:sp>
         </mc:Choice>
-        <mc:Fallback>
+        <mc:Fallback xmlns="">
           <p:sp>
             <p:nvSpPr>
               <p:cNvPr id="8" name="テキスト ボックス 7">
@@ -19011,8 +19652,8 @@
           </p:sp>
         </mc:Fallback>
       </mc:AlternateContent>
-      <mc:AlternateContent xmlns:mc="http://schemas.openxmlformats.org/markup-compatibility/2006">
-        <mc:Choice xmlns:a14="http://schemas.microsoft.com/office/drawing/2010/main" Requires="a14">
+      <mc:AlternateContent xmlns:mc="http://schemas.openxmlformats.org/markup-compatibility/2006" xmlns:a14="http://schemas.microsoft.com/office/drawing/2010/main">
+        <mc:Choice Requires="a14">
           <p:sp>
             <p:nvSpPr>
               <p:cNvPr id="9" name="テキスト ボックス 8">
@@ -19041,6 +19682,7 @@
               </a:bodyPr>
               <a:lstStyle/>
               <a:p>
+                <a:pPr/>
                 <a14:m>
                   <m:oMathPara xmlns:m="http://schemas.openxmlformats.org/officeDocument/2006/math">
                     <m:oMathParaPr>
@@ -19177,7 +19819,7 @@
             </p:txBody>
           </p:sp>
         </mc:Choice>
-        <mc:Fallback>
+        <mc:Fallback xmlns="">
           <p:sp>
             <p:nvSpPr>
               <p:cNvPr id="9" name="テキスト ボックス 8">
@@ -19222,8 +19864,8 @@
           </p:sp>
         </mc:Fallback>
       </mc:AlternateContent>
-      <mc:AlternateContent xmlns:mc="http://schemas.openxmlformats.org/markup-compatibility/2006">
-        <mc:Choice xmlns:a14="http://schemas.microsoft.com/office/drawing/2010/main" Requires="a14">
+      <mc:AlternateContent xmlns:mc="http://schemas.openxmlformats.org/markup-compatibility/2006" xmlns:a14="http://schemas.microsoft.com/office/drawing/2010/main">
+        <mc:Choice Requires="a14">
           <p:sp>
             <p:nvSpPr>
               <p:cNvPr id="10" name="テキスト ボックス 9">
@@ -19346,7 +19988,7 @@
             </p:txBody>
           </p:sp>
         </mc:Choice>
-        <mc:Fallback>
+        <mc:Fallback xmlns="">
           <p:sp>
             <p:nvSpPr>
               <p:cNvPr id="10" name="テキスト ボックス 9">

--- a/ssh/ssh.pptx
+++ b/ssh/ssh.pptx
@@ -5,7 +5,7 @@
     <p:sldMasterId id="2147483663" r:id="rId1"/>
   </p:sldMasterIdLst>
   <p:notesMasterIdLst>
-    <p:notesMasterId r:id="rId23"/>
+    <p:notesMasterId r:id="rId24"/>
   </p:notesMasterIdLst>
   <p:sldIdLst>
     <p:sldId id="256" r:id="rId2"/>
@@ -17,18 +17,19 @@
     <p:sldId id="347" r:id="rId8"/>
     <p:sldId id="348" r:id="rId9"/>
     <p:sldId id="349" r:id="rId10"/>
-    <p:sldId id="335" r:id="rId11"/>
-    <p:sldId id="336" r:id="rId12"/>
-    <p:sldId id="350" r:id="rId13"/>
-    <p:sldId id="337" r:id="rId14"/>
-    <p:sldId id="338" r:id="rId15"/>
-    <p:sldId id="339" r:id="rId16"/>
-    <p:sldId id="341" r:id="rId17"/>
-    <p:sldId id="342" r:id="rId18"/>
-    <p:sldId id="343" r:id="rId19"/>
-    <p:sldId id="344" r:id="rId20"/>
-    <p:sldId id="345" r:id="rId21"/>
-    <p:sldId id="346" r:id="rId22"/>
+    <p:sldId id="350" r:id="rId11"/>
+    <p:sldId id="337" r:id="rId12"/>
+    <p:sldId id="351" r:id="rId13"/>
+    <p:sldId id="338" r:id="rId14"/>
+    <p:sldId id="335" r:id="rId15"/>
+    <p:sldId id="336" r:id="rId16"/>
+    <p:sldId id="339" r:id="rId17"/>
+    <p:sldId id="341" r:id="rId18"/>
+    <p:sldId id="342" r:id="rId19"/>
+    <p:sldId id="343" r:id="rId20"/>
+    <p:sldId id="344" r:id="rId21"/>
+    <p:sldId id="345" r:id="rId22"/>
+    <p:sldId id="346" r:id="rId23"/>
   </p:sldIdLst>
   <p:sldSz cx="9144000" cy="6858000" type="screen4x3"/>
   <p:notesSz cx="6858000" cy="9144000"/>
@@ -227,7 +228,7 @@
           </a:lstStyle>
           <a:p>
             <a:fld id="{6B8D1B20-A248-FB47-8240-73C0C5F47C9D}" type="datetimeFigureOut">
-              <a:t>2025/3/28</a:t>
+              <a:t>2026/2/19</a:t>
             </a:fld>
             <a:endParaRPr kumimoji="1" lang="ja-JP" altLang="en-US"/>
           </a:p>
@@ -1209,6 +1210,4370 @@
           <a:chExt cx="0" cy="0"/>
         </a:xfrm>
       </p:grpSpPr>
+      <p:sp>
+        <p:nvSpPr>
+          <p:cNvPr id="2" name="テキスト プレースホルダー 1">
+            <a:extLst>
+              <a:ext uri="{FF2B5EF4-FFF2-40B4-BE49-F238E27FC236}">
+                <a16:creationId xmlns:a16="http://schemas.microsoft.com/office/drawing/2014/main" id="{37934764-EE7D-82EF-7324-AF8E50D8331E}"/>
+              </a:ext>
+            </a:extLst>
+          </p:cNvPr>
+          <p:cNvSpPr>
+            <a:spLocks noGrp="1"/>
+          </p:cNvSpPr>
+          <p:nvPr>
+            <p:ph type="body" sz="quarter" idx="10"/>
+          </p:nvPr>
+        </p:nvSpPr>
+        <p:spPr/>
+        <p:txBody>
+          <a:bodyPr/>
+          <a:lstStyle/>
+          <a:p>
+            <a:r>
+              <a:rPr kumimoji="1" lang="ja-JP" altLang="en-US"/>
+              <a:t>ホスト認証</a:t>
+            </a:r>
+          </a:p>
+        </p:txBody>
+      </p:sp>
+      <p:pic>
+        <p:nvPicPr>
+          <p:cNvPr id="3" name="Picture 8" descr="会社で働く人のイラスト（男性）">
+            <a:extLst>
+              <a:ext uri="{FF2B5EF4-FFF2-40B4-BE49-F238E27FC236}">
+                <a16:creationId xmlns:a16="http://schemas.microsoft.com/office/drawing/2014/main" id="{D3DC81BA-3853-BB20-CAC1-694C77D26FE2}"/>
+              </a:ext>
+            </a:extLst>
+          </p:cNvPr>
+          <p:cNvPicPr>
+            <a:picLocks noChangeAspect="1" noChangeArrowheads="1"/>
+          </p:cNvPicPr>
+          <p:nvPr/>
+        </p:nvPicPr>
+        <p:blipFill>
+          <a:blip r:embed="rId2">
+            <a:extLst>
+              <a:ext uri="{28A0092B-C50C-407E-A947-70E740481C1C}">
+                <a14:useLocalDpi xmlns:a14="http://schemas.microsoft.com/office/drawing/2010/main" val="0"/>
+              </a:ext>
+            </a:extLst>
+          </a:blip>
+          <a:srcRect/>
+          <a:stretch>
+            <a:fillRect/>
+          </a:stretch>
+        </p:blipFill>
+        <p:spPr bwMode="auto">
+          <a:xfrm>
+            <a:off x="1259632" y="2564904"/>
+            <a:ext cx="1004629" cy="1004629"/>
+          </a:xfrm>
+          <a:prstGeom prst="rect">
+            <a:avLst/>
+          </a:prstGeom>
+          <a:noFill/>
+          <a:extLst>
+            <a:ext uri="{909E8E84-426E-40DD-AFC4-6F175D3DCCD1}">
+              <a14:hiddenFill xmlns:a14="http://schemas.microsoft.com/office/drawing/2010/main">
+                <a:solidFill>
+                  <a:srgbClr val="FFFFFF"/>
+                </a:solidFill>
+              </a14:hiddenFill>
+            </a:ext>
+          </a:extLst>
+        </p:spPr>
+      </p:pic>
+      <p:sp>
+        <p:nvSpPr>
+          <p:cNvPr id="4" name="テキスト ボックス 3">
+            <a:extLst>
+              <a:ext uri="{FF2B5EF4-FFF2-40B4-BE49-F238E27FC236}">
+                <a16:creationId xmlns:a16="http://schemas.microsoft.com/office/drawing/2014/main" id="{4CC6A931-9E96-8FBD-2BA9-A2EBB5080011}"/>
+              </a:ext>
+            </a:extLst>
+          </p:cNvPr>
+          <p:cNvSpPr txBox="1"/>
+          <p:nvPr/>
+        </p:nvSpPr>
+        <p:spPr>
+          <a:xfrm>
+            <a:off x="555516" y="944194"/>
+            <a:ext cx="7976924" cy="646331"/>
+          </a:xfrm>
+          <a:prstGeom prst="rect">
+            <a:avLst/>
+          </a:prstGeom>
+          <a:noFill/>
+        </p:spPr>
+        <p:txBody>
+          <a:bodyPr wrap="square" rtlCol="0">
+            <a:spAutoFit/>
+          </a:bodyPr>
+          <a:lstStyle/>
+          <a:p>
+            <a:r>
+              <a:rPr kumimoji="1" lang="ja-JP" altLang="en-US"/>
+              <a:t>インターネットは情報がリレーされるので、途中に悪意ある中継点があると通信路が書き換えられるおそれがある</a:t>
+            </a:r>
+          </a:p>
+        </p:txBody>
+      </p:sp>
+      <p:pic>
+        <p:nvPicPr>
+          <p:cNvPr id="5" name="Picture 2" descr="悪人のイラスト「黒いシルエット」">
+            <a:extLst>
+              <a:ext uri="{FF2B5EF4-FFF2-40B4-BE49-F238E27FC236}">
+                <a16:creationId xmlns:a16="http://schemas.microsoft.com/office/drawing/2014/main" id="{30DE6CC0-B0A5-D6A4-C862-A76A67D4E384}"/>
+              </a:ext>
+            </a:extLst>
+          </p:cNvPr>
+          <p:cNvPicPr>
+            <a:picLocks noChangeAspect="1" noChangeArrowheads="1"/>
+          </p:cNvPicPr>
+          <p:nvPr/>
+        </p:nvPicPr>
+        <p:blipFill>
+          <a:blip r:embed="rId3">
+            <a:extLst>
+              <a:ext uri="{28A0092B-C50C-407E-A947-70E740481C1C}">
+                <a14:useLocalDpi xmlns:a14="http://schemas.microsoft.com/office/drawing/2010/main" val="0"/>
+              </a:ext>
+            </a:extLst>
+          </a:blip>
+          <a:srcRect/>
+          <a:stretch>
+            <a:fillRect/>
+          </a:stretch>
+        </p:blipFill>
+        <p:spPr bwMode="auto">
+          <a:xfrm flipH="1">
+            <a:off x="3799918" y="4348076"/>
+            <a:ext cx="983096" cy="1166880"/>
+          </a:xfrm>
+          <a:prstGeom prst="rect">
+            <a:avLst/>
+          </a:prstGeom>
+          <a:noFill/>
+          <a:extLst>
+            <a:ext uri="{909E8E84-426E-40DD-AFC4-6F175D3DCCD1}">
+              <a14:hiddenFill xmlns:a14="http://schemas.microsoft.com/office/drawing/2010/main">
+                <a:solidFill>
+                  <a:srgbClr val="FFFFFF"/>
+                </a:solidFill>
+              </a14:hiddenFill>
+            </a:ext>
+          </a:extLst>
+        </p:spPr>
+      </p:pic>
+      <p:pic>
+        <p:nvPicPr>
+          <p:cNvPr id="6" name="図 5">
+            <a:extLst>
+              <a:ext uri="{FF2B5EF4-FFF2-40B4-BE49-F238E27FC236}">
+                <a16:creationId xmlns:a16="http://schemas.microsoft.com/office/drawing/2014/main" id="{D91EFC8F-7D34-C3DC-7369-D3B70182488E}"/>
+              </a:ext>
+            </a:extLst>
+          </p:cNvPr>
+          <p:cNvPicPr>
+            <a:picLocks noChangeAspect="1"/>
+          </p:cNvPicPr>
+          <p:nvPr/>
+        </p:nvPicPr>
+        <p:blipFill>
+          <a:blip r:embed="rId4"/>
+          <a:stretch>
+            <a:fillRect/>
+          </a:stretch>
+        </p:blipFill>
+        <p:spPr>
+          <a:xfrm>
+            <a:off x="6516216" y="2716377"/>
+            <a:ext cx="716898" cy="716898"/>
+          </a:xfrm>
+          <a:prstGeom prst="rect">
+            <a:avLst/>
+          </a:prstGeom>
+        </p:spPr>
+      </p:pic>
+      <p:pic>
+        <p:nvPicPr>
+          <p:cNvPr id="2050" name="Picture 2" descr="Wi-Fi無線ルーターのイラスト">
+            <a:extLst>
+              <a:ext uri="{FF2B5EF4-FFF2-40B4-BE49-F238E27FC236}">
+                <a16:creationId xmlns:a16="http://schemas.microsoft.com/office/drawing/2014/main" id="{478356E9-F61B-D165-718B-939BFBA87DA7}"/>
+              </a:ext>
+            </a:extLst>
+          </p:cNvPr>
+          <p:cNvPicPr>
+            <a:picLocks noChangeAspect="1" noChangeArrowheads="1"/>
+          </p:cNvPicPr>
+          <p:nvPr/>
+        </p:nvPicPr>
+        <p:blipFill>
+          <a:blip r:embed="rId5">
+            <a:extLst>
+              <a:ext uri="{28A0092B-C50C-407E-A947-70E740481C1C}">
+                <a14:useLocalDpi xmlns:a14="http://schemas.microsoft.com/office/drawing/2010/main" val="0"/>
+              </a:ext>
+            </a:extLst>
+          </a:blip>
+          <a:srcRect/>
+          <a:stretch>
+            <a:fillRect/>
+          </a:stretch>
+        </p:blipFill>
+        <p:spPr bwMode="auto">
+          <a:xfrm flipH="1">
+            <a:off x="3822174" y="2367574"/>
+            <a:ext cx="942256" cy="1166880"/>
+          </a:xfrm>
+          <a:prstGeom prst="rect">
+            <a:avLst/>
+          </a:prstGeom>
+          <a:noFill/>
+          <a:extLst>
+            <a:ext uri="{909E8E84-426E-40DD-AFC4-6F175D3DCCD1}">
+              <a14:hiddenFill xmlns:a14="http://schemas.microsoft.com/office/drawing/2010/main">
+                <a:solidFill>
+                  <a:srgbClr val="FFFFFF"/>
+                </a:solidFill>
+              </a14:hiddenFill>
+            </a:ext>
+          </a:extLst>
+        </p:spPr>
+      </p:pic>
+      <p:pic>
+        <p:nvPicPr>
+          <p:cNvPr id="2052" name="Picture 4" descr="骸骨・海賊のマークのイラスト">
+            <a:extLst>
+              <a:ext uri="{FF2B5EF4-FFF2-40B4-BE49-F238E27FC236}">
+                <a16:creationId xmlns:a16="http://schemas.microsoft.com/office/drawing/2014/main" id="{CECEFED9-0CE3-0609-9E15-416701ED2006}"/>
+              </a:ext>
+            </a:extLst>
+          </p:cNvPr>
+          <p:cNvPicPr>
+            <a:picLocks noChangeAspect="1" noChangeArrowheads="1"/>
+          </p:cNvPicPr>
+          <p:nvPr/>
+        </p:nvPicPr>
+        <p:blipFill>
+          <a:blip r:embed="rId6">
+            <a:extLst>
+              <a:ext uri="{28A0092B-C50C-407E-A947-70E740481C1C}">
+                <a14:useLocalDpi xmlns:a14="http://schemas.microsoft.com/office/drawing/2010/main" val="0"/>
+              </a:ext>
+            </a:extLst>
+          </a:blip>
+          <a:srcRect/>
+          <a:stretch>
+            <a:fillRect/>
+          </a:stretch>
+        </p:blipFill>
+        <p:spPr bwMode="auto">
+          <a:xfrm>
+            <a:off x="4088166" y="2982357"/>
+            <a:ext cx="555842" cy="472465"/>
+          </a:xfrm>
+          <a:prstGeom prst="rect">
+            <a:avLst/>
+          </a:prstGeom>
+          <a:noFill/>
+          <a:extLst>
+            <a:ext uri="{909E8E84-426E-40DD-AFC4-6F175D3DCCD1}">
+              <a14:hiddenFill xmlns:a14="http://schemas.microsoft.com/office/drawing/2010/main">
+                <a:solidFill>
+                  <a:srgbClr val="FFFFFF"/>
+                </a:solidFill>
+              </a14:hiddenFill>
+            </a:ext>
+          </a:extLst>
+        </p:spPr>
+      </p:pic>
+      <p:cxnSp>
+        <p:nvCxnSpPr>
+          <p:cNvPr id="8" name="直線コネクタ 7">
+            <a:extLst>
+              <a:ext uri="{FF2B5EF4-FFF2-40B4-BE49-F238E27FC236}">
+                <a16:creationId xmlns:a16="http://schemas.microsoft.com/office/drawing/2014/main" id="{7FC6CA5A-0CED-E19F-8386-6CFDA824D4FE}"/>
+              </a:ext>
+            </a:extLst>
+          </p:cNvPr>
+          <p:cNvCxnSpPr>
+            <a:stCxn id="3" idx="3"/>
+          </p:cNvCxnSpPr>
+          <p:nvPr/>
+        </p:nvCxnSpPr>
+        <p:spPr>
+          <a:xfrm>
+            <a:off x="2264261" y="3067219"/>
+            <a:ext cx="1557913" cy="1741"/>
+          </a:xfrm>
+          <a:prstGeom prst="line">
+            <a:avLst/>
+          </a:prstGeom>
+          <a:ln>
+            <a:solidFill>
+              <a:schemeClr val="tx1"/>
+            </a:solidFill>
+            <a:headEnd type="none" w="med" len="med"/>
+            <a:tailEnd type="triangle" w="med" len="med"/>
+          </a:ln>
+        </p:spPr>
+        <p:style>
+          <a:lnRef idx="1">
+            <a:schemeClr val="accent1"/>
+          </a:lnRef>
+          <a:fillRef idx="0">
+            <a:schemeClr val="accent1"/>
+          </a:fillRef>
+          <a:effectRef idx="0">
+            <a:schemeClr val="accent1"/>
+          </a:effectRef>
+          <a:fontRef idx="minor">
+            <a:schemeClr val="tx1"/>
+          </a:fontRef>
+        </p:style>
+      </p:cxnSp>
+      <p:cxnSp>
+        <p:nvCxnSpPr>
+          <p:cNvPr id="10" name="直線矢印コネクタ 9">
+            <a:extLst>
+              <a:ext uri="{FF2B5EF4-FFF2-40B4-BE49-F238E27FC236}">
+                <a16:creationId xmlns:a16="http://schemas.microsoft.com/office/drawing/2014/main" id="{1DFABB1E-D8E9-E42A-0357-0A1E06444860}"/>
+              </a:ext>
+            </a:extLst>
+          </p:cNvPr>
+          <p:cNvCxnSpPr>
+            <a:stCxn id="2050" idx="2"/>
+            <a:endCxn id="5" idx="0"/>
+          </p:cNvCxnSpPr>
+          <p:nvPr/>
+        </p:nvCxnSpPr>
+        <p:spPr>
+          <a:xfrm flipH="1">
+            <a:off x="4291466" y="3534454"/>
+            <a:ext cx="1836" cy="813622"/>
+          </a:xfrm>
+          <a:prstGeom prst="straightConnector1">
+            <a:avLst/>
+          </a:prstGeom>
+          <a:ln>
+            <a:solidFill>
+              <a:schemeClr val="tx1"/>
+            </a:solidFill>
+            <a:headEnd type="none" w="med" len="med"/>
+            <a:tailEnd type="triangle"/>
+          </a:ln>
+        </p:spPr>
+        <p:style>
+          <a:lnRef idx="1">
+            <a:schemeClr val="accent1"/>
+          </a:lnRef>
+          <a:fillRef idx="0">
+            <a:schemeClr val="accent1"/>
+          </a:fillRef>
+          <a:effectRef idx="0">
+            <a:schemeClr val="accent1"/>
+          </a:effectRef>
+          <a:fontRef idx="minor">
+            <a:schemeClr val="tx1"/>
+          </a:fontRef>
+        </p:style>
+      </p:cxnSp>
+      <p:sp>
+        <p:nvSpPr>
+          <p:cNvPr id="12" name="テキスト ボックス 11">
+            <a:extLst>
+              <a:ext uri="{FF2B5EF4-FFF2-40B4-BE49-F238E27FC236}">
+                <a16:creationId xmlns:a16="http://schemas.microsoft.com/office/drawing/2014/main" id="{6B1DD7F9-CC7D-4EB5-63C6-F264C4CDEB49}"/>
+              </a:ext>
+            </a:extLst>
+          </p:cNvPr>
+          <p:cNvSpPr txBox="1"/>
+          <p:nvPr/>
+        </p:nvSpPr>
+        <p:spPr>
+          <a:xfrm>
+            <a:off x="827584" y="5805264"/>
+            <a:ext cx="5955476" cy="646331"/>
+          </a:xfrm>
+          <a:prstGeom prst="rect">
+            <a:avLst/>
+          </a:prstGeom>
+          <a:noFill/>
+        </p:spPr>
+        <p:txBody>
+          <a:bodyPr wrap="none" rtlCol="0">
+            <a:spAutoFit/>
+          </a:bodyPr>
+          <a:lstStyle/>
+          <a:p>
+            <a:r>
+              <a:rPr kumimoji="1" lang="ja-JP" altLang="en-US"/>
+              <a:t>通信相手が正しいホストであると確認する→ホスト認証</a:t>
+            </a:r>
+            <a:endParaRPr kumimoji="1" lang="en-US" altLang="ja-JP" dirty="0"/>
+          </a:p>
+          <a:p>
+            <a:r>
+              <a:rPr lang="ja-JP" altLang="en-US">
+                <a:solidFill>
+                  <a:srgbClr val="FF0000"/>
+                </a:solidFill>
+              </a:rPr>
+              <a:t>ユーザ認証の前</a:t>
+            </a:r>
+            <a:r>
+              <a:rPr lang="ja-JP" altLang="en-US"/>
+              <a:t>に行われる</a:t>
+            </a:r>
+            <a:endParaRPr kumimoji="1" lang="ja-JP" altLang="en-US"/>
+          </a:p>
+        </p:txBody>
+      </p:sp>
+    </p:spTree>
+    <p:extLst>
+      <p:ext uri="{BB962C8B-B14F-4D97-AF65-F5344CB8AC3E}">
+        <p14:creationId xmlns:p14="http://schemas.microsoft.com/office/powerpoint/2010/main" val="2158059382"/>
+      </p:ext>
+    </p:extLst>
+  </p:cSld>
+  <p:clrMapOvr>
+    <a:masterClrMapping/>
+  </p:clrMapOvr>
+</p:sld>
+</file>
+
+<file path=ppt/slides/slide11.xml><?xml version="1.0" encoding="utf-8"?>
+<p:sld xmlns:a="http://schemas.openxmlformats.org/drawingml/2006/main" xmlns:r="http://schemas.openxmlformats.org/officeDocument/2006/relationships" xmlns:p="http://schemas.openxmlformats.org/presentationml/2006/main">
+  <p:cSld>
+    <p:spTree>
+      <p:nvGrpSpPr>
+        <p:cNvPr id="1" name=""/>
+        <p:cNvGrpSpPr/>
+        <p:nvPr/>
+      </p:nvGrpSpPr>
+      <p:grpSpPr>
+        <a:xfrm>
+          <a:off x="0" y="0"/>
+          <a:ext cx="0" cy="0"/>
+          <a:chOff x="0" y="0"/>
+          <a:chExt cx="0" cy="0"/>
+        </a:xfrm>
+      </p:grpSpPr>
+      <p:sp>
+        <p:nvSpPr>
+          <p:cNvPr id="2" name="テキスト プレースホルダー 1">
+            <a:extLst>
+              <a:ext uri="{FF2B5EF4-FFF2-40B4-BE49-F238E27FC236}">
+                <a16:creationId xmlns:a16="http://schemas.microsoft.com/office/drawing/2014/main" id="{2856B158-0DF0-BE58-5923-FC575624C2FA}"/>
+              </a:ext>
+            </a:extLst>
+          </p:cNvPr>
+          <p:cNvSpPr>
+            <a:spLocks noGrp="1"/>
+          </p:cNvSpPr>
+          <p:nvPr>
+            <p:ph type="body" sz="quarter" idx="10"/>
+          </p:nvPr>
+        </p:nvSpPr>
+        <p:spPr/>
+        <p:txBody>
+          <a:bodyPr/>
+          <a:lstStyle/>
+          <a:p>
+            <a:r>
+              <a:rPr kumimoji="1" lang="ja-JP" altLang="en-US"/>
+              <a:t>ホスト認証</a:t>
+            </a:r>
+            <a:r>
+              <a:rPr kumimoji="1" lang="en-US" altLang="ja-JP" dirty="0"/>
+              <a:t>(</a:t>
+            </a:r>
+            <a:r>
+              <a:rPr kumimoji="1" lang="ja-JP" altLang="en-US"/>
+              <a:t>初回</a:t>
+            </a:r>
+            <a:r>
+              <a:rPr kumimoji="1" lang="en-US" altLang="ja-JP" dirty="0"/>
+              <a:t>)</a:t>
+            </a:r>
+            <a:endParaRPr kumimoji="1" lang="ja-JP" altLang="en-US"/>
+          </a:p>
+        </p:txBody>
+      </p:sp>
+      <p:pic>
+        <p:nvPicPr>
+          <p:cNvPr id="4" name="Picture 8" descr="会社で働く人のイラスト（男性）">
+            <a:extLst>
+              <a:ext uri="{FF2B5EF4-FFF2-40B4-BE49-F238E27FC236}">
+                <a16:creationId xmlns:a16="http://schemas.microsoft.com/office/drawing/2014/main" id="{5865CAD8-412C-FB6E-9879-3A315EB39768}"/>
+              </a:ext>
+            </a:extLst>
+          </p:cNvPr>
+          <p:cNvPicPr>
+            <a:picLocks noChangeAspect="1" noChangeArrowheads="1"/>
+          </p:cNvPicPr>
+          <p:nvPr/>
+        </p:nvPicPr>
+        <p:blipFill>
+          <a:blip r:embed="rId2">
+            <a:extLst>
+              <a:ext uri="{28A0092B-C50C-407E-A947-70E740481C1C}">
+                <a14:useLocalDpi xmlns:a14="http://schemas.microsoft.com/office/drawing/2010/main" val="0"/>
+              </a:ext>
+            </a:extLst>
+          </a:blip>
+          <a:srcRect/>
+          <a:stretch>
+            <a:fillRect/>
+          </a:stretch>
+        </p:blipFill>
+        <p:spPr bwMode="auto">
+          <a:xfrm flipH="1">
+            <a:off x="2991773" y="1711827"/>
+            <a:ext cx="777586" cy="777586"/>
+          </a:xfrm>
+          <a:prstGeom prst="rect">
+            <a:avLst/>
+          </a:prstGeom>
+          <a:noFill/>
+          <a:extLst>
+            <a:ext uri="{909E8E84-426E-40DD-AFC4-6F175D3DCCD1}">
+              <a14:hiddenFill xmlns:a14="http://schemas.microsoft.com/office/drawing/2010/main">
+                <a:solidFill>
+                  <a:srgbClr val="FFFFFF"/>
+                </a:solidFill>
+              </a14:hiddenFill>
+            </a:ext>
+          </a:extLst>
+        </p:spPr>
+      </p:pic>
+      <p:sp>
+        <p:nvSpPr>
+          <p:cNvPr id="5" name="テキスト ボックス 4">
+            <a:extLst>
+              <a:ext uri="{FF2B5EF4-FFF2-40B4-BE49-F238E27FC236}">
+                <a16:creationId xmlns:a16="http://schemas.microsoft.com/office/drawing/2014/main" id="{F1018928-47C5-F477-F7AF-E2A6FFA78943}"/>
+              </a:ext>
+            </a:extLst>
+          </p:cNvPr>
+          <p:cNvSpPr txBox="1"/>
+          <p:nvPr/>
+        </p:nvSpPr>
+        <p:spPr>
+          <a:xfrm>
+            <a:off x="903937" y="1155573"/>
+            <a:ext cx="7340471" cy="369332"/>
+          </a:xfrm>
+          <a:prstGeom prst="rect">
+            <a:avLst/>
+          </a:prstGeom>
+          <a:noFill/>
+        </p:spPr>
+        <p:txBody>
+          <a:bodyPr wrap="none" rtlCol="0">
+            <a:spAutoFit/>
+          </a:bodyPr>
+          <a:lstStyle/>
+          <a:p>
+            <a:r>
+              <a:rPr kumimoji="1" lang="ja-JP" altLang="en-US"/>
+              <a:t>初めて接続するホストで、クライアントが公開鍵を持っていない場合</a:t>
+            </a:r>
+          </a:p>
+        </p:txBody>
+      </p:sp>
+      <p:pic>
+        <p:nvPicPr>
+          <p:cNvPr id="6" name="図 5">
+            <a:extLst>
+              <a:ext uri="{FF2B5EF4-FFF2-40B4-BE49-F238E27FC236}">
+                <a16:creationId xmlns:a16="http://schemas.microsoft.com/office/drawing/2014/main" id="{E9B42F60-4D44-414B-6C38-098BF38BFD85}"/>
+              </a:ext>
+            </a:extLst>
+          </p:cNvPr>
+          <p:cNvPicPr>
+            <a:picLocks noChangeAspect="1"/>
+          </p:cNvPicPr>
+          <p:nvPr/>
+        </p:nvPicPr>
+        <p:blipFill>
+          <a:blip r:embed="rId3"/>
+          <a:stretch>
+            <a:fillRect/>
+          </a:stretch>
+        </p:blipFill>
+        <p:spPr>
+          <a:xfrm>
+            <a:off x="671277" y="1836886"/>
+            <a:ext cx="716898" cy="716898"/>
+          </a:xfrm>
+          <a:prstGeom prst="rect">
+            <a:avLst/>
+          </a:prstGeom>
+        </p:spPr>
+      </p:pic>
+      <p:sp>
+        <p:nvSpPr>
+          <p:cNvPr id="13" name="テキスト ボックス 12">
+            <a:extLst>
+              <a:ext uri="{FF2B5EF4-FFF2-40B4-BE49-F238E27FC236}">
+                <a16:creationId xmlns:a16="http://schemas.microsoft.com/office/drawing/2014/main" id="{2DE1A010-C164-C9C7-DAAA-E16DC0190283}"/>
+              </a:ext>
+            </a:extLst>
+          </p:cNvPr>
+          <p:cNvSpPr txBox="1"/>
+          <p:nvPr/>
+        </p:nvSpPr>
+        <p:spPr>
+          <a:xfrm>
+            <a:off x="4269802" y="3389346"/>
+            <a:ext cx="3903633" cy="369332"/>
+          </a:xfrm>
+          <a:prstGeom prst="rect">
+            <a:avLst/>
+          </a:prstGeom>
+          <a:noFill/>
+        </p:spPr>
+        <p:txBody>
+          <a:bodyPr wrap="none" rtlCol="0">
+            <a:spAutoFit/>
+          </a:bodyPr>
+          <a:lstStyle/>
+          <a:p>
+            <a:r>
+              <a:rPr kumimoji="1" lang="en-US" altLang="ja-JP" dirty="0"/>
+              <a:t>1. </a:t>
+            </a:r>
+            <a:r>
+              <a:rPr kumimoji="1" lang="ja-JP" altLang="en-US"/>
+              <a:t>ホストから公開鍵が送られてくる</a:t>
+            </a:r>
+          </a:p>
+        </p:txBody>
+      </p:sp>
+      <p:cxnSp>
+        <p:nvCxnSpPr>
+          <p:cNvPr id="15" name="直線矢印コネクタ 14">
+            <a:extLst>
+              <a:ext uri="{FF2B5EF4-FFF2-40B4-BE49-F238E27FC236}">
+                <a16:creationId xmlns:a16="http://schemas.microsoft.com/office/drawing/2014/main" id="{A6B8733E-A84D-DE8C-04ED-DFD3444C73EC}"/>
+              </a:ext>
+            </a:extLst>
+          </p:cNvPr>
+          <p:cNvCxnSpPr>
+            <a:cxnSpLocks/>
+          </p:cNvCxnSpPr>
+          <p:nvPr/>
+        </p:nvCxnSpPr>
+        <p:spPr>
+          <a:xfrm>
+            <a:off x="1647118" y="3566140"/>
+            <a:ext cx="948618" cy="0"/>
+          </a:xfrm>
+          <a:prstGeom prst="straightConnector1">
+            <a:avLst/>
+          </a:prstGeom>
+          <a:ln>
+            <a:solidFill>
+              <a:schemeClr val="tx1"/>
+            </a:solidFill>
+            <a:headEnd type="none" w="med" len="med"/>
+            <a:tailEnd type="triangle"/>
+          </a:ln>
+        </p:spPr>
+        <p:style>
+          <a:lnRef idx="1">
+            <a:schemeClr val="accent1"/>
+          </a:lnRef>
+          <a:fillRef idx="0">
+            <a:schemeClr val="accent1"/>
+          </a:fillRef>
+          <a:effectRef idx="0">
+            <a:schemeClr val="accent1"/>
+          </a:effectRef>
+          <a:fontRef idx="minor">
+            <a:schemeClr val="tx1"/>
+          </a:fontRef>
+        </p:style>
+      </p:cxnSp>
+      <p:sp>
+        <p:nvSpPr>
+          <p:cNvPr id="20" name="テキスト ボックス 19">
+            <a:extLst>
+              <a:ext uri="{FF2B5EF4-FFF2-40B4-BE49-F238E27FC236}">
+                <a16:creationId xmlns:a16="http://schemas.microsoft.com/office/drawing/2014/main" id="{39095693-46F9-F492-703D-509C492B5E87}"/>
+              </a:ext>
+            </a:extLst>
+          </p:cNvPr>
+          <p:cNvSpPr txBox="1"/>
+          <p:nvPr/>
+        </p:nvSpPr>
+        <p:spPr>
+          <a:xfrm>
+            <a:off x="4269802" y="4305186"/>
+            <a:ext cx="3672800" cy="369332"/>
+          </a:xfrm>
+          <a:prstGeom prst="rect">
+            <a:avLst/>
+          </a:prstGeom>
+          <a:noFill/>
+        </p:spPr>
+        <p:txBody>
+          <a:bodyPr wrap="none" rtlCol="0">
+            <a:spAutoFit/>
+          </a:bodyPr>
+          <a:lstStyle/>
+          <a:p>
+            <a:r>
+              <a:rPr kumimoji="1" lang="en-US" altLang="ja-JP" dirty="0"/>
+              <a:t>2. </a:t>
+            </a:r>
+            <a:r>
+              <a:rPr kumimoji="1" lang="ja-JP" altLang="en-US"/>
+              <a:t>この公開鍵を信じるか確認する</a:t>
+            </a:r>
+          </a:p>
+        </p:txBody>
+      </p:sp>
+      <p:sp>
+        <p:nvSpPr>
+          <p:cNvPr id="24" name="テキスト ボックス 23">
+            <a:extLst>
+              <a:ext uri="{FF2B5EF4-FFF2-40B4-BE49-F238E27FC236}">
+                <a16:creationId xmlns:a16="http://schemas.microsoft.com/office/drawing/2014/main" id="{67286F1D-A85E-4902-6BA6-55DD34456301}"/>
+              </a:ext>
+            </a:extLst>
+          </p:cNvPr>
+          <p:cNvSpPr txBox="1"/>
+          <p:nvPr/>
+        </p:nvSpPr>
+        <p:spPr>
+          <a:xfrm>
+            <a:off x="4269802" y="5450128"/>
+            <a:ext cx="4349080" cy="646331"/>
+          </a:xfrm>
+          <a:prstGeom prst="rect">
+            <a:avLst/>
+          </a:prstGeom>
+          <a:noFill/>
+        </p:spPr>
+        <p:txBody>
+          <a:bodyPr wrap="square" rtlCol="0">
+            <a:spAutoFit/>
+          </a:bodyPr>
+          <a:lstStyle/>
+          <a:p>
+            <a:r>
+              <a:rPr kumimoji="1" lang="en-US" altLang="ja-JP" dirty="0"/>
+              <a:t>3. </a:t>
+            </a:r>
+            <a:r>
+              <a:rPr kumimoji="1" lang="ja-JP" altLang="en-US"/>
+              <a:t>鍵を信じる場合</a:t>
+            </a:r>
+            <a:r>
+              <a:rPr lang="en-US" altLang="ja-JP" dirty="0"/>
+              <a:t>(yes)</a:t>
+            </a:r>
+            <a:r>
+              <a:rPr kumimoji="1" lang="ja-JP" altLang="en-US"/>
+              <a:t>、この鍵を「知っているホスト」に登録する</a:t>
+            </a:r>
+          </a:p>
+        </p:txBody>
+      </p:sp>
+      <p:sp>
+        <p:nvSpPr>
+          <p:cNvPr id="25" name="テキスト ボックス 24">
+            <a:extLst>
+              <a:ext uri="{FF2B5EF4-FFF2-40B4-BE49-F238E27FC236}">
+                <a16:creationId xmlns:a16="http://schemas.microsoft.com/office/drawing/2014/main" id="{814DB56F-25A7-6EB6-2C90-2B2BA8D4473C}"/>
+              </a:ext>
+            </a:extLst>
+          </p:cNvPr>
+          <p:cNvSpPr txBox="1"/>
+          <p:nvPr/>
+        </p:nvSpPr>
+        <p:spPr>
+          <a:xfrm>
+            <a:off x="2595736" y="2606846"/>
+            <a:ext cx="1569660" cy="369332"/>
+          </a:xfrm>
+          <a:prstGeom prst="rect">
+            <a:avLst/>
+          </a:prstGeom>
+          <a:noFill/>
+        </p:spPr>
+        <p:txBody>
+          <a:bodyPr wrap="none" rtlCol="0">
+            <a:spAutoFit/>
+          </a:bodyPr>
+          <a:lstStyle/>
+          <a:p>
+            <a:r>
+              <a:rPr kumimoji="1" lang="ja-JP" altLang="en-US"/>
+              <a:t>クライアント</a:t>
+            </a:r>
+          </a:p>
+        </p:txBody>
+      </p:sp>
+      <p:sp>
+        <p:nvSpPr>
+          <p:cNvPr id="26" name="テキスト ボックス 25">
+            <a:extLst>
+              <a:ext uri="{FF2B5EF4-FFF2-40B4-BE49-F238E27FC236}">
+                <a16:creationId xmlns:a16="http://schemas.microsoft.com/office/drawing/2014/main" id="{9000EECF-6FEE-425F-16E9-01B8B2CAD45B}"/>
+              </a:ext>
+            </a:extLst>
+          </p:cNvPr>
+          <p:cNvSpPr txBox="1"/>
+          <p:nvPr/>
+        </p:nvSpPr>
+        <p:spPr>
+          <a:xfrm>
+            <a:off x="671277" y="2616431"/>
+            <a:ext cx="877163" cy="369332"/>
+          </a:xfrm>
+          <a:prstGeom prst="rect">
+            <a:avLst/>
+          </a:prstGeom>
+          <a:noFill/>
+        </p:spPr>
+        <p:txBody>
+          <a:bodyPr wrap="none" rtlCol="0">
+            <a:spAutoFit/>
+          </a:bodyPr>
+          <a:lstStyle/>
+          <a:p>
+            <a:r>
+              <a:rPr kumimoji="1" lang="ja-JP" altLang="en-US"/>
+              <a:t>ホスト</a:t>
+            </a:r>
+          </a:p>
+        </p:txBody>
+      </p:sp>
+      <p:pic>
+        <p:nvPicPr>
+          <p:cNvPr id="5122" name="Picture 2" descr="ロッカーのイラスト（閉）">
+            <a:extLst>
+              <a:ext uri="{FF2B5EF4-FFF2-40B4-BE49-F238E27FC236}">
+                <a16:creationId xmlns:a16="http://schemas.microsoft.com/office/drawing/2014/main" id="{FC563572-0F26-A989-51E9-9DA3E950DAE0}"/>
+              </a:ext>
+            </a:extLst>
+          </p:cNvPr>
+          <p:cNvPicPr>
+            <a:picLocks noChangeAspect="1" noChangeArrowheads="1"/>
+          </p:cNvPicPr>
+          <p:nvPr/>
+        </p:nvPicPr>
+        <p:blipFill>
+          <a:blip r:embed="rId4">
+            <a:extLst>
+              <a:ext uri="{28A0092B-C50C-407E-A947-70E740481C1C}">
+                <a14:useLocalDpi xmlns:a14="http://schemas.microsoft.com/office/drawing/2010/main" val="0"/>
+              </a:ext>
+            </a:extLst>
+          </a:blip>
+          <a:srcRect/>
+          <a:stretch>
+            <a:fillRect/>
+          </a:stretch>
+        </p:blipFill>
+        <p:spPr bwMode="auto">
+          <a:xfrm>
+            <a:off x="3414112" y="5263442"/>
+            <a:ext cx="591769" cy="1047378"/>
+          </a:xfrm>
+          <a:prstGeom prst="rect">
+            <a:avLst/>
+          </a:prstGeom>
+          <a:noFill/>
+          <a:extLst>
+            <a:ext uri="{909E8E84-426E-40DD-AFC4-6F175D3DCCD1}">
+              <a14:hiddenFill xmlns:a14="http://schemas.microsoft.com/office/drawing/2010/main">
+                <a:solidFill>
+                  <a:srgbClr val="FFFFFF"/>
+                </a:solidFill>
+              </a14:hiddenFill>
+            </a:ext>
+          </a:extLst>
+        </p:spPr>
+      </p:pic>
+      <p:grpSp>
+        <p:nvGrpSpPr>
+          <p:cNvPr id="31" name="グループ化 30">
+            <a:extLst>
+              <a:ext uri="{FF2B5EF4-FFF2-40B4-BE49-F238E27FC236}">
+                <a16:creationId xmlns:a16="http://schemas.microsoft.com/office/drawing/2014/main" id="{79A992EA-006C-C5C7-195D-8B7CD7B57E27}"/>
+              </a:ext>
+            </a:extLst>
+          </p:cNvPr>
+          <p:cNvGrpSpPr/>
+          <p:nvPr/>
+        </p:nvGrpSpPr>
+        <p:grpSpPr>
+          <a:xfrm>
+            <a:off x="2976074" y="3227440"/>
+            <a:ext cx="599238" cy="677400"/>
+            <a:chOff x="3980964" y="3583025"/>
+            <a:chExt cx="828092" cy="936104"/>
+          </a:xfrm>
+        </p:grpSpPr>
+        <p:sp>
+          <p:nvSpPr>
+            <p:cNvPr id="32" name="正方形/長方形 31">
+              <a:extLst>
+                <a:ext uri="{FF2B5EF4-FFF2-40B4-BE49-F238E27FC236}">
+                  <a16:creationId xmlns:a16="http://schemas.microsoft.com/office/drawing/2014/main" id="{468AA0BD-DF29-7FBB-6209-C7D02BEC4510}"/>
+                </a:ext>
+              </a:extLst>
+            </p:cNvPr>
+            <p:cNvSpPr/>
+            <p:nvPr/>
+          </p:nvSpPr>
+          <p:spPr>
+            <a:xfrm>
+              <a:off x="4232992" y="3583025"/>
+              <a:ext cx="576064" cy="936104"/>
+            </a:xfrm>
+            <a:prstGeom prst="rect">
+              <a:avLst/>
+            </a:prstGeom>
+            <a:solidFill>
+              <a:srgbClr val="FFC000"/>
+            </a:solidFill>
+            <a:ln>
+              <a:noFill/>
+            </a:ln>
+          </p:spPr>
+          <p:style>
+            <a:lnRef idx="2">
+              <a:schemeClr val="accent1">
+                <a:shade val="50000"/>
+              </a:schemeClr>
+            </a:lnRef>
+            <a:fillRef idx="1">
+              <a:schemeClr val="accent1"/>
+            </a:fillRef>
+            <a:effectRef idx="0">
+              <a:schemeClr val="accent1"/>
+            </a:effectRef>
+            <a:fontRef idx="minor">
+              <a:schemeClr val="lt1"/>
+            </a:fontRef>
+          </p:style>
+          <p:txBody>
+            <a:bodyPr rtlCol="0" anchor="ctr"/>
+            <a:lstStyle/>
+            <a:p>
+              <a:pPr algn="ctr"/>
+              <a:endParaRPr kumimoji="1" lang="ja-JP" altLang="en-US"/>
+            </a:p>
+          </p:txBody>
+        </p:sp>
+        <p:sp>
+          <p:nvSpPr>
+            <p:cNvPr id="33" name="三角形 32">
+              <a:extLst>
+                <a:ext uri="{FF2B5EF4-FFF2-40B4-BE49-F238E27FC236}">
+                  <a16:creationId xmlns:a16="http://schemas.microsoft.com/office/drawing/2014/main" id="{4EDA9DCB-B6D0-0A33-2D69-592604627CEA}"/>
+                </a:ext>
+              </a:extLst>
+            </p:cNvPr>
+            <p:cNvSpPr/>
+            <p:nvPr/>
+          </p:nvSpPr>
+          <p:spPr>
+            <a:xfrm rot="5400000">
+              <a:off x="4016968" y="3799049"/>
+              <a:ext cx="432048" cy="504056"/>
+            </a:xfrm>
+            <a:prstGeom prst="triangle">
+              <a:avLst/>
+            </a:prstGeom>
+            <a:solidFill>
+              <a:schemeClr val="bg1">
+                <a:lumMod val="95000"/>
+              </a:schemeClr>
+            </a:solidFill>
+            <a:ln>
+              <a:noFill/>
+            </a:ln>
+          </p:spPr>
+          <p:style>
+            <a:lnRef idx="2">
+              <a:schemeClr val="accent1">
+                <a:shade val="50000"/>
+              </a:schemeClr>
+            </a:lnRef>
+            <a:fillRef idx="1">
+              <a:schemeClr val="accent1"/>
+            </a:fillRef>
+            <a:effectRef idx="0">
+              <a:schemeClr val="accent1"/>
+            </a:effectRef>
+            <a:fontRef idx="minor">
+              <a:schemeClr val="lt1"/>
+            </a:fontRef>
+          </p:style>
+          <p:txBody>
+            <a:bodyPr rtlCol="0" anchor="ctr"/>
+            <a:lstStyle/>
+            <a:p>
+              <a:pPr algn="ctr"/>
+              <a:endParaRPr kumimoji="1" lang="ja-JP" altLang="en-US"/>
+            </a:p>
+          </p:txBody>
+        </p:sp>
+      </p:grpSp>
+      <p:grpSp>
+        <p:nvGrpSpPr>
+          <p:cNvPr id="34" name="グループ化 33">
+            <a:extLst>
+              <a:ext uri="{FF2B5EF4-FFF2-40B4-BE49-F238E27FC236}">
+                <a16:creationId xmlns:a16="http://schemas.microsoft.com/office/drawing/2014/main" id="{9B54F918-BE57-7772-B573-DAD005DB2BDB}"/>
+              </a:ext>
+            </a:extLst>
+          </p:cNvPr>
+          <p:cNvGrpSpPr/>
+          <p:nvPr/>
+        </p:nvGrpSpPr>
+        <p:grpSpPr>
+          <a:xfrm>
+            <a:off x="788937" y="3227440"/>
+            <a:ext cx="599238" cy="677400"/>
+            <a:chOff x="2339752" y="3645024"/>
+            <a:chExt cx="828092" cy="936104"/>
+          </a:xfrm>
+        </p:grpSpPr>
+        <p:sp>
+          <p:nvSpPr>
+            <p:cNvPr id="35" name="正方形/長方形 34">
+              <a:extLst>
+                <a:ext uri="{FF2B5EF4-FFF2-40B4-BE49-F238E27FC236}">
+                  <a16:creationId xmlns:a16="http://schemas.microsoft.com/office/drawing/2014/main" id="{72522722-D060-0480-FDFC-2520AB436111}"/>
+                </a:ext>
+              </a:extLst>
+            </p:cNvPr>
+            <p:cNvSpPr/>
+            <p:nvPr/>
+          </p:nvSpPr>
+          <p:spPr>
+            <a:xfrm>
+              <a:off x="2339752" y="3645024"/>
+              <a:ext cx="576064" cy="936104"/>
+            </a:xfrm>
+            <a:prstGeom prst="rect">
+              <a:avLst/>
+            </a:prstGeom>
+            <a:solidFill>
+              <a:srgbClr val="FFC000"/>
+            </a:solidFill>
+            <a:ln>
+              <a:noFill/>
+            </a:ln>
+          </p:spPr>
+          <p:style>
+            <a:lnRef idx="2">
+              <a:schemeClr val="accent1">
+                <a:shade val="50000"/>
+              </a:schemeClr>
+            </a:lnRef>
+            <a:fillRef idx="1">
+              <a:schemeClr val="accent1"/>
+            </a:fillRef>
+            <a:effectRef idx="0">
+              <a:schemeClr val="accent1"/>
+            </a:effectRef>
+            <a:fontRef idx="minor">
+              <a:schemeClr val="lt1"/>
+            </a:fontRef>
+          </p:style>
+          <p:txBody>
+            <a:bodyPr rtlCol="0" anchor="ctr"/>
+            <a:lstStyle/>
+            <a:p>
+              <a:pPr algn="ctr"/>
+              <a:endParaRPr kumimoji="1" lang="ja-JP" altLang="en-US"/>
+            </a:p>
+          </p:txBody>
+        </p:sp>
+        <p:sp>
+          <p:nvSpPr>
+            <p:cNvPr id="36" name="三角形 35">
+              <a:extLst>
+                <a:ext uri="{FF2B5EF4-FFF2-40B4-BE49-F238E27FC236}">
+                  <a16:creationId xmlns:a16="http://schemas.microsoft.com/office/drawing/2014/main" id="{8A1B9060-166B-DAA4-E63D-4CBECEE12693}"/>
+                </a:ext>
+              </a:extLst>
+            </p:cNvPr>
+            <p:cNvSpPr/>
+            <p:nvPr/>
+          </p:nvSpPr>
+          <p:spPr>
+            <a:xfrm rot="5400000">
+              <a:off x="2699792" y="3861048"/>
+              <a:ext cx="432048" cy="504056"/>
+            </a:xfrm>
+            <a:prstGeom prst="triangle">
+              <a:avLst/>
+            </a:prstGeom>
+            <a:solidFill>
+              <a:srgbClr val="FFC000"/>
+            </a:solidFill>
+            <a:ln>
+              <a:noFill/>
+            </a:ln>
+          </p:spPr>
+          <p:style>
+            <a:lnRef idx="2">
+              <a:schemeClr val="accent1">
+                <a:shade val="50000"/>
+              </a:schemeClr>
+            </a:lnRef>
+            <a:fillRef idx="1">
+              <a:schemeClr val="accent1"/>
+            </a:fillRef>
+            <a:effectRef idx="0">
+              <a:schemeClr val="accent1"/>
+            </a:effectRef>
+            <a:fontRef idx="minor">
+              <a:schemeClr val="lt1"/>
+            </a:fontRef>
+          </p:style>
+          <p:txBody>
+            <a:bodyPr rtlCol="0" anchor="ctr"/>
+            <a:lstStyle/>
+            <a:p>
+              <a:pPr algn="ctr"/>
+              <a:endParaRPr kumimoji="1" lang="ja-JP" altLang="en-US"/>
+            </a:p>
+          </p:txBody>
+        </p:sp>
+      </p:grpSp>
+      <p:grpSp>
+        <p:nvGrpSpPr>
+          <p:cNvPr id="37" name="グループ化 36">
+            <a:extLst>
+              <a:ext uri="{FF2B5EF4-FFF2-40B4-BE49-F238E27FC236}">
+                <a16:creationId xmlns:a16="http://schemas.microsoft.com/office/drawing/2014/main" id="{2DF0EC30-91AF-AAFA-ADA3-1B475B543872}"/>
+              </a:ext>
+            </a:extLst>
+          </p:cNvPr>
+          <p:cNvGrpSpPr/>
+          <p:nvPr/>
+        </p:nvGrpSpPr>
+        <p:grpSpPr>
+          <a:xfrm>
+            <a:off x="3216840" y="4403685"/>
+            <a:ext cx="599238" cy="677400"/>
+            <a:chOff x="3980964" y="3583025"/>
+            <a:chExt cx="828092" cy="936104"/>
+          </a:xfrm>
+        </p:grpSpPr>
+        <p:sp>
+          <p:nvSpPr>
+            <p:cNvPr id="38" name="正方形/長方形 37">
+              <a:extLst>
+                <a:ext uri="{FF2B5EF4-FFF2-40B4-BE49-F238E27FC236}">
+                  <a16:creationId xmlns:a16="http://schemas.microsoft.com/office/drawing/2014/main" id="{DD7A39C0-534D-FED7-C942-42102D0EE60B}"/>
+                </a:ext>
+              </a:extLst>
+            </p:cNvPr>
+            <p:cNvSpPr/>
+            <p:nvPr/>
+          </p:nvSpPr>
+          <p:spPr>
+            <a:xfrm>
+              <a:off x="4232992" y="3583025"/>
+              <a:ext cx="576064" cy="936104"/>
+            </a:xfrm>
+            <a:prstGeom prst="rect">
+              <a:avLst/>
+            </a:prstGeom>
+            <a:solidFill>
+              <a:srgbClr val="FFC000"/>
+            </a:solidFill>
+            <a:ln>
+              <a:noFill/>
+            </a:ln>
+          </p:spPr>
+          <p:style>
+            <a:lnRef idx="2">
+              <a:schemeClr val="accent1">
+                <a:shade val="50000"/>
+              </a:schemeClr>
+            </a:lnRef>
+            <a:fillRef idx="1">
+              <a:schemeClr val="accent1"/>
+            </a:fillRef>
+            <a:effectRef idx="0">
+              <a:schemeClr val="accent1"/>
+            </a:effectRef>
+            <a:fontRef idx="minor">
+              <a:schemeClr val="lt1"/>
+            </a:fontRef>
+          </p:style>
+          <p:txBody>
+            <a:bodyPr rtlCol="0" anchor="ctr"/>
+            <a:lstStyle/>
+            <a:p>
+              <a:pPr algn="ctr"/>
+              <a:endParaRPr kumimoji="1" lang="ja-JP" altLang="en-US"/>
+            </a:p>
+          </p:txBody>
+        </p:sp>
+        <p:sp>
+          <p:nvSpPr>
+            <p:cNvPr id="39" name="三角形 38">
+              <a:extLst>
+                <a:ext uri="{FF2B5EF4-FFF2-40B4-BE49-F238E27FC236}">
+                  <a16:creationId xmlns:a16="http://schemas.microsoft.com/office/drawing/2014/main" id="{23764456-21BE-AE12-031B-EC762275025C}"/>
+                </a:ext>
+              </a:extLst>
+            </p:cNvPr>
+            <p:cNvSpPr/>
+            <p:nvPr/>
+          </p:nvSpPr>
+          <p:spPr>
+            <a:xfrm rot="5400000">
+              <a:off x="4016968" y="3799049"/>
+              <a:ext cx="432048" cy="504056"/>
+            </a:xfrm>
+            <a:prstGeom prst="triangle">
+              <a:avLst/>
+            </a:prstGeom>
+            <a:solidFill>
+              <a:schemeClr val="bg1">
+                <a:lumMod val="95000"/>
+              </a:schemeClr>
+            </a:solidFill>
+            <a:ln>
+              <a:noFill/>
+            </a:ln>
+          </p:spPr>
+          <p:style>
+            <a:lnRef idx="2">
+              <a:schemeClr val="accent1">
+                <a:shade val="50000"/>
+              </a:schemeClr>
+            </a:lnRef>
+            <a:fillRef idx="1">
+              <a:schemeClr val="accent1"/>
+            </a:fillRef>
+            <a:effectRef idx="0">
+              <a:schemeClr val="accent1"/>
+            </a:effectRef>
+            <a:fontRef idx="minor">
+              <a:schemeClr val="lt1"/>
+            </a:fontRef>
+          </p:style>
+          <p:txBody>
+            <a:bodyPr rtlCol="0" anchor="ctr"/>
+            <a:lstStyle/>
+            <a:p>
+              <a:pPr algn="ctr"/>
+              <a:endParaRPr kumimoji="1" lang="ja-JP" altLang="en-US"/>
+            </a:p>
+          </p:txBody>
+        </p:sp>
+      </p:grpSp>
+      <p:pic>
+        <p:nvPicPr>
+          <p:cNvPr id="5124" name="Picture 4" descr="虫眼鏡を持った男性会社員のイラスト">
+            <a:extLst>
+              <a:ext uri="{FF2B5EF4-FFF2-40B4-BE49-F238E27FC236}">
+                <a16:creationId xmlns:a16="http://schemas.microsoft.com/office/drawing/2014/main" id="{419B33F9-C953-1CC3-D6C6-376EE1FB795E}"/>
+              </a:ext>
+            </a:extLst>
+          </p:cNvPr>
+          <p:cNvPicPr>
+            <a:picLocks noChangeAspect="1" noChangeArrowheads="1"/>
+          </p:cNvPicPr>
+          <p:nvPr/>
+        </p:nvPicPr>
+        <p:blipFill>
+          <a:blip r:embed="rId5">
+            <a:extLst>
+              <a:ext uri="{28A0092B-C50C-407E-A947-70E740481C1C}">
+                <a14:useLocalDpi xmlns:a14="http://schemas.microsoft.com/office/drawing/2010/main" val="0"/>
+              </a:ext>
+            </a:extLst>
+          </a:blip>
+          <a:srcRect/>
+          <a:stretch>
+            <a:fillRect/>
+          </a:stretch>
+        </p:blipFill>
+        <p:spPr bwMode="auto">
+          <a:xfrm>
+            <a:off x="2631551" y="4272351"/>
+            <a:ext cx="689045" cy="842869"/>
+          </a:xfrm>
+          <a:prstGeom prst="rect">
+            <a:avLst/>
+          </a:prstGeom>
+          <a:noFill/>
+          <a:extLst>
+            <a:ext uri="{909E8E84-426E-40DD-AFC4-6F175D3DCCD1}">
+              <a14:hiddenFill xmlns:a14="http://schemas.microsoft.com/office/drawing/2010/main">
+                <a:solidFill>
+                  <a:srgbClr val="FFFFFF"/>
+                </a:solidFill>
+              </a14:hiddenFill>
+            </a:ext>
+          </a:extLst>
+        </p:spPr>
+      </p:pic>
+      <p:grpSp>
+        <p:nvGrpSpPr>
+          <p:cNvPr id="40" name="グループ化 39">
+            <a:extLst>
+              <a:ext uri="{FF2B5EF4-FFF2-40B4-BE49-F238E27FC236}">
+                <a16:creationId xmlns:a16="http://schemas.microsoft.com/office/drawing/2014/main" id="{EF2C2EDD-3B50-BF35-6F4D-E22A802BA515}"/>
+              </a:ext>
+            </a:extLst>
+          </p:cNvPr>
+          <p:cNvGrpSpPr/>
+          <p:nvPr/>
+        </p:nvGrpSpPr>
+        <p:grpSpPr>
+          <a:xfrm>
+            <a:off x="2273532" y="5396420"/>
+            <a:ext cx="599238" cy="677400"/>
+            <a:chOff x="3980964" y="3583025"/>
+            <a:chExt cx="828092" cy="936104"/>
+          </a:xfrm>
+        </p:grpSpPr>
+        <p:sp>
+          <p:nvSpPr>
+            <p:cNvPr id="41" name="正方形/長方形 40">
+              <a:extLst>
+                <a:ext uri="{FF2B5EF4-FFF2-40B4-BE49-F238E27FC236}">
+                  <a16:creationId xmlns:a16="http://schemas.microsoft.com/office/drawing/2014/main" id="{8EC0F707-EA8B-6C70-BBEB-9800BDD1C2AD}"/>
+                </a:ext>
+              </a:extLst>
+            </p:cNvPr>
+            <p:cNvSpPr/>
+            <p:nvPr/>
+          </p:nvSpPr>
+          <p:spPr>
+            <a:xfrm>
+              <a:off x="4232992" y="3583025"/>
+              <a:ext cx="576064" cy="936104"/>
+            </a:xfrm>
+            <a:prstGeom prst="rect">
+              <a:avLst/>
+            </a:prstGeom>
+            <a:solidFill>
+              <a:srgbClr val="FFC000"/>
+            </a:solidFill>
+            <a:ln>
+              <a:noFill/>
+            </a:ln>
+          </p:spPr>
+          <p:style>
+            <a:lnRef idx="2">
+              <a:schemeClr val="accent1">
+                <a:shade val="50000"/>
+              </a:schemeClr>
+            </a:lnRef>
+            <a:fillRef idx="1">
+              <a:schemeClr val="accent1"/>
+            </a:fillRef>
+            <a:effectRef idx="0">
+              <a:schemeClr val="accent1"/>
+            </a:effectRef>
+            <a:fontRef idx="minor">
+              <a:schemeClr val="lt1"/>
+            </a:fontRef>
+          </p:style>
+          <p:txBody>
+            <a:bodyPr rtlCol="0" anchor="ctr"/>
+            <a:lstStyle/>
+            <a:p>
+              <a:pPr algn="ctr"/>
+              <a:endParaRPr kumimoji="1" lang="ja-JP" altLang="en-US"/>
+            </a:p>
+          </p:txBody>
+        </p:sp>
+        <p:sp>
+          <p:nvSpPr>
+            <p:cNvPr id="42" name="三角形 41">
+              <a:extLst>
+                <a:ext uri="{FF2B5EF4-FFF2-40B4-BE49-F238E27FC236}">
+                  <a16:creationId xmlns:a16="http://schemas.microsoft.com/office/drawing/2014/main" id="{7B26660F-7659-67FE-DEB5-38303905B526}"/>
+                </a:ext>
+              </a:extLst>
+            </p:cNvPr>
+            <p:cNvSpPr/>
+            <p:nvPr/>
+          </p:nvSpPr>
+          <p:spPr>
+            <a:xfrm rot="5400000">
+              <a:off x="4016968" y="3799049"/>
+              <a:ext cx="432048" cy="504056"/>
+            </a:xfrm>
+            <a:prstGeom prst="triangle">
+              <a:avLst/>
+            </a:prstGeom>
+            <a:solidFill>
+              <a:schemeClr val="bg1">
+                <a:lumMod val="95000"/>
+              </a:schemeClr>
+            </a:solidFill>
+            <a:ln>
+              <a:noFill/>
+            </a:ln>
+          </p:spPr>
+          <p:style>
+            <a:lnRef idx="2">
+              <a:schemeClr val="accent1">
+                <a:shade val="50000"/>
+              </a:schemeClr>
+            </a:lnRef>
+            <a:fillRef idx="1">
+              <a:schemeClr val="accent1"/>
+            </a:fillRef>
+            <a:effectRef idx="0">
+              <a:schemeClr val="accent1"/>
+            </a:effectRef>
+            <a:fontRef idx="minor">
+              <a:schemeClr val="lt1"/>
+            </a:fontRef>
+          </p:style>
+          <p:txBody>
+            <a:bodyPr rtlCol="0" anchor="ctr"/>
+            <a:lstStyle/>
+            <a:p>
+              <a:pPr algn="ctr"/>
+              <a:endParaRPr kumimoji="1" lang="ja-JP" altLang="en-US"/>
+            </a:p>
+          </p:txBody>
+        </p:sp>
+      </p:grpSp>
+      <p:sp>
+        <p:nvSpPr>
+          <p:cNvPr id="43" name="右矢印 42">
+            <a:extLst>
+              <a:ext uri="{FF2B5EF4-FFF2-40B4-BE49-F238E27FC236}">
+                <a16:creationId xmlns:a16="http://schemas.microsoft.com/office/drawing/2014/main" id="{2CA43408-AD91-6BD5-9008-4E3108819369}"/>
+              </a:ext>
+            </a:extLst>
+          </p:cNvPr>
+          <p:cNvSpPr/>
+          <p:nvPr/>
+        </p:nvSpPr>
+        <p:spPr>
+          <a:xfrm>
+            <a:off x="3023304" y="5578797"/>
+            <a:ext cx="344523" cy="312646"/>
+          </a:xfrm>
+          <a:prstGeom prst="rightArrow">
+            <a:avLst/>
+          </a:prstGeom>
+          <a:solidFill>
+            <a:srgbClr val="FF0000"/>
+          </a:solidFill>
+          <a:ln>
+            <a:solidFill>
+              <a:schemeClr val="tx1"/>
+            </a:solidFill>
+          </a:ln>
+        </p:spPr>
+        <p:style>
+          <a:lnRef idx="2">
+            <a:schemeClr val="accent1">
+              <a:shade val="50000"/>
+            </a:schemeClr>
+          </a:lnRef>
+          <a:fillRef idx="1">
+            <a:schemeClr val="accent1"/>
+          </a:fillRef>
+          <a:effectRef idx="0">
+            <a:schemeClr val="accent1"/>
+          </a:effectRef>
+          <a:fontRef idx="minor">
+            <a:schemeClr val="lt1"/>
+          </a:fontRef>
+        </p:style>
+        <p:txBody>
+          <a:bodyPr rtlCol="0" anchor="ctr"/>
+          <a:lstStyle/>
+          <a:p>
+            <a:pPr algn="ctr"/>
+            <a:endParaRPr kumimoji="1" lang="ja-JP" altLang="en-US"/>
+          </a:p>
+        </p:txBody>
+      </p:sp>
+      <p:sp>
+        <p:nvSpPr>
+          <p:cNvPr id="44" name="テキスト ボックス 43">
+            <a:extLst>
+              <a:ext uri="{FF2B5EF4-FFF2-40B4-BE49-F238E27FC236}">
+                <a16:creationId xmlns:a16="http://schemas.microsoft.com/office/drawing/2014/main" id="{478FDE66-0CE7-FFBD-1935-53CB6E5EB1F7}"/>
+              </a:ext>
+            </a:extLst>
+          </p:cNvPr>
+          <p:cNvSpPr txBox="1"/>
+          <p:nvPr/>
+        </p:nvSpPr>
+        <p:spPr>
+          <a:xfrm>
+            <a:off x="2779344" y="6355020"/>
+            <a:ext cx="1980029" cy="338554"/>
+          </a:xfrm>
+          <a:prstGeom prst="rect">
+            <a:avLst/>
+          </a:prstGeom>
+          <a:noFill/>
+        </p:spPr>
+        <p:txBody>
+          <a:bodyPr wrap="none" rtlCol="0">
+            <a:spAutoFit/>
+          </a:bodyPr>
+          <a:lstStyle/>
+          <a:p>
+            <a:r>
+              <a:rPr lang="en-US" altLang="ja-JP" sz="1600" dirty="0">
+                <a:latin typeface="Consolas" panose="020B0609020204030204" pitchFamily="49" charset="0"/>
+                <a:cs typeface="Consolas" panose="020B0609020204030204" pitchFamily="49" charset="0"/>
+              </a:rPr>
+              <a:t>.ssh/</a:t>
+            </a:r>
+            <a:r>
+              <a:rPr lang="en-US" altLang="ja-JP" sz="1600" dirty="0" err="1">
+                <a:latin typeface="Consolas" panose="020B0609020204030204" pitchFamily="49" charset="0"/>
+                <a:cs typeface="Consolas" panose="020B0609020204030204" pitchFamily="49" charset="0"/>
+              </a:rPr>
+              <a:t>known_hosts</a:t>
+            </a:r>
+            <a:endParaRPr kumimoji="1" lang="ja-JP" altLang="en-US" sz="1600">
+              <a:latin typeface="Consolas" panose="020B0609020204030204" pitchFamily="49" charset="0"/>
+              <a:cs typeface="Consolas" panose="020B0609020204030204" pitchFamily="49" charset="0"/>
+            </a:endParaRPr>
+          </a:p>
+        </p:txBody>
+      </p:sp>
+      <p:sp>
+        <p:nvSpPr>
+          <p:cNvPr id="7" name="テキスト ボックス 6">
+            <a:extLst>
+              <a:ext uri="{FF2B5EF4-FFF2-40B4-BE49-F238E27FC236}">
+                <a16:creationId xmlns:a16="http://schemas.microsoft.com/office/drawing/2014/main" id="{B2270556-3EE4-7A46-B714-DAAC3CA167B0}"/>
+              </a:ext>
+            </a:extLst>
+          </p:cNvPr>
+          <p:cNvSpPr txBox="1"/>
+          <p:nvPr/>
+        </p:nvSpPr>
+        <p:spPr>
+          <a:xfrm>
+            <a:off x="4269802" y="4705047"/>
+            <a:ext cx="4669389" cy="238184"/>
+          </a:xfrm>
+          <a:prstGeom prst="rect">
+            <a:avLst/>
+          </a:prstGeom>
+          <a:solidFill>
+            <a:schemeClr val="tx1"/>
+          </a:solidFill>
+        </p:spPr>
+        <p:txBody>
+          <a:bodyPr wrap="square">
+            <a:spAutoFit/>
+          </a:bodyPr>
+          <a:lstStyle/>
+          <a:p>
+            <a:r>
+              <a:rPr lang="en" altLang="ja-JP" sz="900" dirty="0">
+                <a:solidFill>
+                  <a:schemeClr val="bg1"/>
+                </a:solidFill>
+                <a:effectLst/>
+                <a:latin typeface="Consolas" panose="020B0609020204030204" pitchFamily="49" charset="0"/>
+                <a:cs typeface="Consolas" panose="020B0609020204030204" pitchFamily="49" charset="0"/>
+              </a:rPr>
+              <a:t>Are you sure you want to continue connecting (yes/no/[fingerprint])?</a:t>
+            </a:r>
+            <a:endParaRPr lang="ja-JP" altLang="en-US" sz="900">
+              <a:solidFill>
+                <a:schemeClr val="bg1"/>
+              </a:solidFill>
+              <a:latin typeface="Consolas" panose="020B0609020204030204" pitchFamily="49" charset="0"/>
+              <a:cs typeface="Consolas" panose="020B0609020204030204" pitchFamily="49" charset="0"/>
+            </a:endParaRPr>
+          </a:p>
+        </p:txBody>
+      </p:sp>
+    </p:spTree>
+    <p:extLst>
+      <p:ext uri="{BB962C8B-B14F-4D97-AF65-F5344CB8AC3E}">
+        <p14:creationId xmlns:p14="http://schemas.microsoft.com/office/powerpoint/2010/main" val="1841972449"/>
+      </p:ext>
+    </p:extLst>
+  </p:cSld>
+  <p:clrMapOvr>
+    <a:masterClrMapping/>
+  </p:clrMapOvr>
+</p:sld>
+</file>
+
+<file path=ppt/slides/slide12.xml><?xml version="1.0" encoding="utf-8"?>
+<p:sld xmlns:a="http://schemas.openxmlformats.org/drawingml/2006/main" xmlns:r="http://schemas.openxmlformats.org/officeDocument/2006/relationships" xmlns:p="http://schemas.openxmlformats.org/presentationml/2006/main">
+  <p:cSld>
+    <p:spTree>
+      <p:nvGrpSpPr>
+        <p:cNvPr id="1" name=""/>
+        <p:cNvGrpSpPr/>
+        <p:nvPr/>
+      </p:nvGrpSpPr>
+      <p:grpSpPr>
+        <a:xfrm>
+          <a:off x="0" y="0"/>
+          <a:ext cx="0" cy="0"/>
+          <a:chOff x="0" y="0"/>
+          <a:chExt cx="0" cy="0"/>
+        </a:xfrm>
+      </p:grpSpPr>
+      <p:sp>
+        <p:nvSpPr>
+          <p:cNvPr id="2" name="テキスト プレースホルダー 1">
+            <a:extLst>
+              <a:ext uri="{FF2B5EF4-FFF2-40B4-BE49-F238E27FC236}">
+                <a16:creationId xmlns:a16="http://schemas.microsoft.com/office/drawing/2014/main" id="{75DF943A-6E15-5633-CBBA-F02A4C1A7101}"/>
+              </a:ext>
+            </a:extLst>
+          </p:cNvPr>
+          <p:cNvSpPr>
+            <a:spLocks noGrp="1"/>
+          </p:cNvSpPr>
+          <p:nvPr>
+            <p:ph type="body" sz="quarter" idx="10"/>
+          </p:nvPr>
+        </p:nvSpPr>
+        <p:spPr/>
+        <p:txBody>
+          <a:bodyPr/>
+          <a:lstStyle/>
+          <a:p>
+            <a:r>
+              <a:rPr lang="ja-JP" altLang="en-US"/>
+              <a:t>ホスト認証</a:t>
+            </a:r>
+            <a:r>
+              <a:rPr lang="en-US" altLang="ja-JP" dirty="0"/>
+              <a:t>(</a:t>
+            </a:r>
+            <a:r>
+              <a:rPr lang="ja-JP" altLang="en-US"/>
+              <a:t>初回</a:t>
+            </a:r>
+            <a:r>
+              <a:rPr lang="en-US" altLang="ja-JP" dirty="0"/>
+              <a:t>)</a:t>
+            </a:r>
+            <a:endParaRPr lang="ja-JP" altLang="en-US"/>
+          </a:p>
+        </p:txBody>
+      </p:sp>
+      <p:pic>
+        <p:nvPicPr>
+          <p:cNvPr id="3" name="Picture 8" descr="会社で働く人のイラスト（男性）">
+            <a:extLst>
+              <a:ext uri="{FF2B5EF4-FFF2-40B4-BE49-F238E27FC236}">
+                <a16:creationId xmlns:a16="http://schemas.microsoft.com/office/drawing/2014/main" id="{8F655F72-D8E2-B5F5-16BE-D1E99F05A9C3}"/>
+              </a:ext>
+            </a:extLst>
+          </p:cNvPr>
+          <p:cNvPicPr>
+            <a:picLocks noChangeAspect="1" noChangeArrowheads="1"/>
+          </p:cNvPicPr>
+          <p:nvPr/>
+        </p:nvPicPr>
+        <p:blipFill>
+          <a:blip r:embed="rId2">
+            <a:extLst>
+              <a:ext uri="{28A0092B-C50C-407E-A947-70E740481C1C}">
+                <a14:useLocalDpi xmlns:a14="http://schemas.microsoft.com/office/drawing/2010/main" val="0"/>
+              </a:ext>
+            </a:extLst>
+          </a:blip>
+          <a:srcRect/>
+          <a:stretch>
+            <a:fillRect/>
+          </a:stretch>
+        </p:blipFill>
+        <p:spPr bwMode="auto">
+          <a:xfrm flipH="1">
+            <a:off x="2861923" y="955055"/>
+            <a:ext cx="777586" cy="777586"/>
+          </a:xfrm>
+          <a:prstGeom prst="rect">
+            <a:avLst/>
+          </a:prstGeom>
+          <a:noFill/>
+          <a:extLst>
+            <a:ext uri="{909E8E84-426E-40DD-AFC4-6F175D3DCCD1}">
+              <a14:hiddenFill xmlns:a14="http://schemas.microsoft.com/office/drawing/2010/main">
+                <a:solidFill>
+                  <a:srgbClr val="FFFFFF"/>
+                </a:solidFill>
+              </a14:hiddenFill>
+            </a:ext>
+          </a:extLst>
+        </p:spPr>
+      </p:pic>
+      <p:pic>
+        <p:nvPicPr>
+          <p:cNvPr id="4" name="図 3">
+            <a:extLst>
+              <a:ext uri="{FF2B5EF4-FFF2-40B4-BE49-F238E27FC236}">
+                <a16:creationId xmlns:a16="http://schemas.microsoft.com/office/drawing/2014/main" id="{F9A529AC-7299-D6F4-0F5A-9A4CBB25789A}"/>
+              </a:ext>
+            </a:extLst>
+          </p:cNvPr>
+          <p:cNvPicPr>
+            <a:picLocks noChangeAspect="1"/>
+          </p:cNvPicPr>
+          <p:nvPr/>
+        </p:nvPicPr>
+        <p:blipFill>
+          <a:blip r:embed="rId3"/>
+          <a:stretch>
+            <a:fillRect/>
+          </a:stretch>
+        </p:blipFill>
+        <p:spPr>
+          <a:xfrm>
+            <a:off x="541427" y="1080114"/>
+            <a:ext cx="716898" cy="716898"/>
+          </a:xfrm>
+          <a:prstGeom prst="rect">
+            <a:avLst/>
+          </a:prstGeom>
+        </p:spPr>
+      </p:pic>
+      <p:sp>
+        <p:nvSpPr>
+          <p:cNvPr id="5" name="テキスト ボックス 4">
+            <a:extLst>
+              <a:ext uri="{FF2B5EF4-FFF2-40B4-BE49-F238E27FC236}">
+                <a16:creationId xmlns:a16="http://schemas.microsoft.com/office/drawing/2014/main" id="{22ADA965-1B6B-56B1-9923-FD2908B1FCD9}"/>
+              </a:ext>
+            </a:extLst>
+          </p:cNvPr>
+          <p:cNvSpPr txBox="1"/>
+          <p:nvPr/>
+        </p:nvSpPr>
+        <p:spPr>
+          <a:xfrm>
+            <a:off x="4139952" y="2632574"/>
+            <a:ext cx="3903633" cy="369332"/>
+          </a:xfrm>
+          <a:prstGeom prst="rect">
+            <a:avLst/>
+          </a:prstGeom>
+          <a:noFill/>
+        </p:spPr>
+        <p:txBody>
+          <a:bodyPr wrap="none" rtlCol="0">
+            <a:spAutoFit/>
+          </a:bodyPr>
+          <a:lstStyle/>
+          <a:p>
+            <a:r>
+              <a:rPr kumimoji="1" lang="en-US" altLang="ja-JP" dirty="0"/>
+              <a:t>1. </a:t>
+            </a:r>
+            <a:r>
+              <a:rPr kumimoji="1" lang="ja-JP" altLang="en-US"/>
+              <a:t>ホストから公開鍵が送られてくる</a:t>
+            </a:r>
+          </a:p>
+        </p:txBody>
+      </p:sp>
+      <p:cxnSp>
+        <p:nvCxnSpPr>
+          <p:cNvPr id="6" name="直線矢印コネクタ 5">
+            <a:extLst>
+              <a:ext uri="{FF2B5EF4-FFF2-40B4-BE49-F238E27FC236}">
+                <a16:creationId xmlns:a16="http://schemas.microsoft.com/office/drawing/2014/main" id="{FA43FA61-7339-BA9E-D5D8-94C4C7F5EBDC}"/>
+              </a:ext>
+            </a:extLst>
+          </p:cNvPr>
+          <p:cNvCxnSpPr>
+            <a:cxnSpLocks/>
+          </p:cNvCxnSpPr>
+          <p:nvPr/>
+        </p:nvCxnSpPr>
+        <p:spPr>
+          <a:xfrm>
+            <a:off x="1517268" y="2816921"/>
+            <a:ext cx="948618" cy="0"/>
+          </a:xfrm>
+          <a:prstGeom prst="straightConnector1">
+            <a:avLst/>
+          </a:prstGeom>
+          <a:ln>
+            <a:solidFill>
+              <a:schemeClr val="tx1"/>
+            </a:solidFill>
+            <a:headEnd type="none" w="med" len="med"/>
+            <a:tailEnd type="triangle"/>
+          </a:ln>
+        </p:spPr>
+        <p:style>
+          <a:lnRef idx="1">
+            <a:schemeClr val="accent1"/>
+          </a:lnRef>
+          <a:fillRef idx="0">
+            <a:schemeClr val="accent1"/>
+          </a:fillRef>
+          <a:effectRef idx="0">
+            <a:schemeClr val="accent1"/>
+          </a:effectRef>
+          <a:fontRef idx="minor">
+            <a:schemeClr val="tx1"/>
+          </a:fontRef>
+        </p:style>
+      </p:cxnSp>
+      <p:sp>
+        <p:nvSpPr>
+          <p:cNvPr id="7" name="テキスト ボックス 6">
+            <a:extLst>
+              <a:ext uri="{FF2B5EF4-FFF2-40B4-BE49-F238E27FC236}">
+                <a16:creationId xmlns:a16="http://schemas.microsoft.com/office/drawing/2014/main" id="{51D90FC1-2A25-E8E1-1A9A-E7D827F57188}"/>
+              </a:ext>
+            </a:extLst>
+          </p:cNvPr>
+          <p:cNvSpPr txBox="1"/>
+          <p:nvPr/>
+        </p:nvSpPr>
+        <p:spPr>
+          <a:xfrm>
+            <a:off x="2465886" y="1850074"/>
+            <a:ext cx="1569660" cy="369332"/>
+          </a:xfrm>
+          <a:prstGeom prst="rect">
+            <a:avLst/>
+          </a:prstGeom>
+          <a:noFill/>
+        </p:spPr>
+        <p:txBody>
+          <a:bodyPr wrap="none" rtlCol="0">
+            <a:spAutoFit/>
+          </a:bodyPr>
+          <a:lstStyle/>
+          <a:p>
+            <a:r>
+              <a:rPr kumimoji="1" lang="ja-JP" altLang="en-US"/>
+              <a:t>クライアント</a:t>
+            </a:r>
+          </a:p>
+        </p:txBody>
+      </p:sp>
+      <p:sp>
+        <p:nvSpPr>
+          <p:cNvPr id="8" name="テキスト ボックス 7">
+            <a:extLst>
+              <a:ext uri="{FF2B5EF4-FFF2-40B4-BE49-F238E27FC236}">
+                <a16:creationId xmlns:a16="http://schemas.microsoft.com/office/drawing/2014/main" id="{85B75EDB-0195-313B-1614-1DF0F3A73B15}"/>
+              </a:ext>
+            </a:extLst>
+          </p:cNvPr>
+          <p:cNvSpPr txBox="1"/>
+          <p:nvPr/>
+        </p:nvSpPr>
+        <p:spPr>
+          <a:xfrm>
+            <a:off x="541427" y="1859659"/>
+            <a:ext cx="877163" cy="369332"/>
+          </a:xfrm>
+          <a:prstGeom prst="rect">
+            <a:avLst/>
+          </a:prstGeom>
+          <a:noFill/>
+        </p:spPr>
+        <p:txBody>
+          <a:bodyPr wrap="none" rtlCol="0">
+            <a:spAutoFit/>
+          </a:bodyPr>
+          <a:lstStyle/>
+          <a:p>
+            <a:r>
+              <a:rPr kumimoji="1" lang="ja-JP" altLang="en-US"/>
+              <a:t>ホスト</a:t>
+            </a:r>
+          </a:p>
+        </p:txBody>
+      </p:sp>
+      <p:grpSp>
+        <p:nvGrpSpPr>
+          <p:cNvPr id="9" name="グループ化 8">
+            <a:extLst>
+              <a:ext uri="{FF2B5EF4-FFF2-40B4-BE49-F238E27FC236}">
+                <a16:creationId xmlns:a16="http://schemas.microsoft.com/office/drawing/2014/main" id="{EF128C34-1094-8BF9-A043-0E2831E6797F}"/>
+              </a:ext>
+            </a:extLst>
+          </p:cNvPr>
+          <p:cNvGrpSpPr/>
+          <p:nvPr/>
+        </p:nvGrpSpPr>
+        <p:grpSpPr>
+          <a:xfrm>
+            <a:off x="2846224" y="2478221"/>
+            <a:ext cx="599238" cy="677400"/>
+            <a:chOff x="3980964" y="3583025"/>
+            <a:chExt cx="828092" cy="936104"/>
+          </a:xfrm>
+        </p:grpSpPr>
+        <p:sp>
+          <p:nvSpPr>
+            <p:cNvPr id="10" name="正方形/長方形 9">
+              <a:extLst>
+                <a:ext uri="{FF2B5EF4-FFF2-40B4-BE49-F238E27FC236}">
+                  <a16:creationId xmlns:a16="http://schemas.microsoft.com/office/drawing/2014/main" id="{4FD02385-34F9-9F3F-10E2-A1262EA51692}"/>
+                </a:ext>
+              </a:extLst>
+            </p:cNvPr>
+            <p:cNvSpPr/>
+            <p:nvPr/>
+          </p:nvSpPr>
+          <p:spPr>
+            <a:xfrm>
+              <a:off x="4232992" y="3583025"/>
+              <a:ext cx="576064" cy="936104"/>
+            </a:xfrm>
+            <a:prstGeom prst="rect">
+              <a:avLst/>
+            </a:prstGeom>
+            <a:solidFill>
+              <a:srgbClr val="FFC000"/>
+            </a:solidFill>
+            <a:ln>
+              <a:noFill/>
+            </a:ln>
+          </p:spPr>
+          <p:style>
+            <a:lnRef idx="2">
+              <a:schemeClr val="accent1">
+                <a:shade val="50000"/>
+              </a:schemeClr>
+            </a:lnRef>
+            <a:fillRef idx="1">
+              <a:schemeClr val="accent1"/>
+            </a:fillRef>
+            <a:effectRef idx="0">
+              <a:schemeClr val="accent1"/>
+            </a:effectRef>
+            <a:fontRef idx="minor">
+              <a:schemeClr val="lt1"/>
+            </a:fontRef>
+          </p:style>
+          <p:txBody>
+            <a:bodyPr rtlCol="0" anchor="ctr"/>
+            <a:lstStyle/>
+            <a:p>
+              <a:pPr algn="ctr"/>
+              <a:endParaRPr kumimoji="1" lang="ja-JP" altLang="en-US"/>
+            </a:p>
+          </p:txBody>
+        </p:sp>
+        <p:sp>
+          <p:nvSpPr>
+            <p:cNvPr id="11" name="三角形 10">
+              <a:extLst>
+                <a:ext uri="{FF2B5EF4-FFF2-40B4-BE49-F238E27FC236}">
+                  <a16:creationId xmlns:a16="http://schemas.microsoft.com/office/drawing/2014/main" id="{A88C1497-4A5C-6AED-7816-AFB4A7B2D44D}"/>
+                </a:ext>
+              </a:extLst>
+            </p:cNvPr>
+            <p:cNvSpPr/>
+            <p:nvPr/>
+          </p:nvSpPr>
+          <p:spPr>
+            <a:xfrm rot="5400000">
+              <a:off x="4016968" y="3799049"/>
+              <a:ext cx="432048" cy="504056"/>
+            </a:xfrm>
+            <a:prstGeom prst="triangle">
+              <a:avLst/>
+            </a:prstGeom>
+            <a:solidFill>
+              <a:schemeClr val="bg1">
+                <a:lumMod val="95000"/>
+              </a:schemeClr>
+            </a:solidFill>
+            <a:ln>
+              <a:noFill/>
+            </a:ln>
+          </p:spPr>
+          <p:style>
+            <a:lnRef idx="2">
+              <a:schemeClr val="accent1">
+                <a:shade val="50000"/>
+              </a:schemeClr>
+            </a:lnRef>
+            <a:fillRef idx="1">
+              <a:schemeClr val="accent1"/>
+            </a:fillRef>
+            <a:effectRef idx="0">
+              <a:schemeClr val="accent1"/>
+            </a:effectRef>
+            <a:fontRef idx="minor">
+              <a:schemeClr val="lt1"/>
+            </a:fontRef>
+          </p:style>
+          <p:txBody>
+            <a:bodyPr rtlCol="0" anchor="ctr"/>
+            <a:lstStyle/>
+            <a:p>
+              <a:pPr algn="ctr"/>
+              <a:endParaRPr kumimoji="1" lang="ja-JP" altLang="en-US"/>
+            </a:p>
+          </p:txBody>
+        </p:sp>
+      </p:grpSp>
+      <p:grpSp>
+        <p:nvGrpSpPr>
+          <p:cNvPr id="12" name="グループ化 11">
+            <a:extLst>
+              <a:ext uri="{FF2B5EF4-FFF2-40B4-BE49-F238E27FC236}">
+                <a16:creationId xmlns:a16="http://schemas.microsoft.com/office/drawing/2014/main" id="{9DA2CD57-955D-6DA2-455C-119E3B37AA65}"/>
+              </a:ext>
+            </a:extLst>
+          </p:cNvPr>
+          <p:cNvGrpSpPr/>
+          <p:nvPr/>
+        </p:nvGrpSpPr>
+        <p:grpSpPr>
+          <a:xfrm>
+            <a:off x="659087" y="2478221"/>
+            <a:ext cx="599238" cy="677400"/>
+            <a:chOff x="2339752" y="3645024"/>
+            <a:chExt cx="828092" cy="936104"/>
+          </a:xfrm>
+        </p:grpSpPr>
+        <p:sp>
+          <p:nvSpPr>
+            <p:cNvPr id="13" name="正方形/長方形 12">
+              <a:extLst>
+                <a:ext uri="{FF2B5EF4-FFF2-40B4-BE49-F238E27FC236}">
+                  <a16:creationId xmlns:a16="http://schemas.microsoft.com/office/drawing/2014/main" id="{BE1A394D-FA95-99FD-FB76-691788950221}"/>
+                </a:ext>
+              </a:extLst>
+            </p:cNvPr>
+            <p:cNvSpPr/>
+            <p:nvPr/>
+          </p:nvSpPr>
+          <p:spPr>
+            <a:xfrm>
+              <a:off x="2339752" y="3645024"/>
+              <a:ext cx="576064" cy="936104"/>
+            </a:xfrm>
+            <a:prstGeom prst="rect">
+              <a:avLst/>
+            </a:prstGeom>
+            <a:solidFill>
+              <a:srgbClr val="FFC000"/>
+            </a:solidFill>
+            <a:ln>
+              <a:noFill/>
+            </a:ln>
+          </p:spPr>
+          <p:style>
+            <a:lnRef idx="2">
+              <a:schemeClr val="accent1">
+                <a:shade val="50000"/>
+              </a:schemeClr>
+            </a:lnRef>
+            <a:fillRef idx="1">
+              <a:schemeClr val="accent1"/>
+            </a:fillRef>
+            <a:effectRef idx="0">
+              <a:schemeClr val="accent1"/>
+            </a:effectRef>
+            <a:fontRef idx="minor">
+              <a:schemeClr val="lt1"/>
+            </a:fontRef>
+          </p:style>
+          <p:txBody>
+            <a:bodyPr rtlCol="0" anchor="ctr"/>
+            <a:lstStyle/>
+            <a:p>
+              <a:pPr algn="ctr"/>
+              <a:endParaRPr kumimoji="1" lang="ja-JP" altLang="en-US"/>
+            </a:p>
+          </p:txBody>
+        </p:sp>
+        <p:sp>
+          <p:nvSpPr>
+            <p:cNvPr id="14" name="三角形 13">
+              <a:extLst>
+                <a:ext uri="{FF2B5EF4-FFF2-40B4-BE49-F238E27FC236}">
+                  <a16:creationId xmlns:a16="http://schemas.microsoft.com/office/drawing/2014/main" id="{96333C82-49E9-FE00-9DA2-4B993B5233A2}"/>
+                </a:ext>
+              </a:extLst>
+            </p:cNvPr>
+            <p:cNvSpPr/>
+            <p:nvPr/>
+          </p:nvSpPr>
+          <p:spPr>
+            <a:xfrm rot="5400000">
+              <a:off x="2699792" y="3861048"/>
+              <a:ext cx="432048" cy="504056"/>
+            </a:xfrm>
+            <a:prstGeom prst="triangle">
+              <a:avLst/>
+            </a:prstGeom>
+            <a:solidFill>
+              <a:srgbClr val="FFC000"/>
+            </a:solidFill>
+            <a:ln>
+              <a:noFill/>
+            </a:ln>
+          </p:spPr>
+          <p:style>
+            <a:lnRef idx="2">
+              <a:schemeClr val="accent1">
+                <a:shade val="50000"/>
+              </a:schemeClr>
+            </a:lnRef>
+            <a:fillRef idx="1">
+              <a:schemeClr val="accent1"/>
+            </a:fillRef>
+            <a:effectRef idx="0">
+              <a:schemeClr val="accent1"/>
+            </a:effectRef>
+            <a:fontRef idx="minor">
+              <a:schemeClr val="lt1"/>
+            </a:fontRef>
+          </p:style>
+          <p:txBody>
+            <a:bodyPr rtlCol="0" anchor="ctr"/>
+            <a:lstStyle/>
+            <a:p>
+              <a:pPr algn="ctr"/>
+              <a:endParaRPr kumimoji="1" lang="ja-JP" altLang="en-US"/>
+            </a:p>
+          </p:txBody>
+        </p:sp>
+      </p:grpSp>
+      <p:sp>
+        <p:nvSpPr>
+          <p:cNvPr id="15" name="テキスト ボックス 14">
+            <a:extLst>
+              <a:ext uri="{FF2B5EF4-FFF2-40B4-BE49-F238E27FC236}">
+                <a16:creationId xmlns:a16="http://schemas.microsoft.com/office/drawing/2014/main" id="{F08D0056-EC92-40BE-9776-627341183760}"/>
+              </a:ext>
+            </a:extLst>
+          </p:cNvPr>
+          <p:cNvSpPr txBox="1"/>
+          <p:nvPr/>
+        </p:nvSpPr>
+        <p:spPr>
+          <a:xfrm>
+            <a:off x="4581955" y="3749248"/>
+            <a:ext cx="3416320" cy="369332"/>
+          </a:xfrm>
+          <a:prstGeom prst="rect">
+            <a:avLst/>
+          </a:prstGeom>
+          <a:noFill/>
+        </p:spPr>
+        <p:txBody>
+          <a:bodyPr wrap="none" rtlCol="0">
+            <a:spAutoFit/>
+          </a:bodyPr>
+          <a:lstStyle/>
+          <a:p>
+            <a:r>
+              <a:rPr kumimoji="1" lang="ja-JP" altLang="en-US"/>
+              <a:t>この鍵をどうやって信じるか？</a:t>
+            </a:r>
+          </a:p>
+        </p:txBody>
+      </p:sp>
+      <p:sp>
+        <p:nvSpPr>
+          <p:cNvPr id="16" name="角丸四角形 15">
+            <a:extLst>
+              <a:ext uri="{FF2B5EF4-FFF2-40B4-BE49-F238E27FC236}">
+                <a16:creationId xmlns:a16="http://schemas.microsoft.com/office/drawing/2014/main" id="{021D006B-A8EC-EB7F-B3F0-AAD7214ACA14}"/>
+              </a:ext>
+            </a:extLst>
+          </p:cNvPr>
+          <p:cNvSpPr/>
+          <p:nvPr/>
+        </p:nvSpPr>
+        <p:spPr>
+          <a:xfrm>
+            <a:off x="2771800" y="2348880"/>
+            <a:ext cx="948618" cy="936082"/>
+          </a:xfrm>
+          <a:prstGeom prst="roundRect">
+            <a:avLst/>
+          </a:prstGeom>
+          <a:noFill/>
+          <a:ln w="28575">
+            <a:solidFill>
+              <a:srgbClr val="FF0000"/>
+            </a:solidFill>
+            <a:prstDash val="dash"/>
+          </a:ln>
+        </p:spPr>
+        <p:style>
+          <a:lnRef idx="2">
+            <a:schemeClr val="accent1">
+              <a:shade val="50000"/>
+            </a:schemeClr>
+          </a:lnRef>
+          <a:fillRef idx="1">
+            <a:schemeClr val="accent1"/>
+          </a:fillRef>
+          <a:effectRef idx="0">
+            <a:schemeClr val="accent1"/>
+          </a:effectRef>
+          <a:fontRef idx="minor">
+            <a:schemeClr val="lt1"/>
+          </a:fontRef>
+        </p:style>
+        <p:txBody>
+          <a:bodyPr rtlCol="0" anchor="ctr"/>
+          <a:lstStyle/>
+          <a:p>
+            <a:pPr algn="ctr"/>
+            <a:endParaRPr kumimoji="1" lang="ja-JP" altLang="en-US"/>
+          </a:p>
+        </p:txBody>
+      </p:sp>
+      <p:cxnSp>
+        <p:nvCxnSpPr>
+          <p:cNvPr id="21" name="カギ線コネクタ 20">
+            <a:extLst>
+              <a:ext uri="{FF2B5EF4-FFF2-40B4-BE49-F238E27FC236}">
+                <a16:creationId xmlns:a16="http://schemas.microsoft.com/office/drawing/2014/main" id="{3479BC3A-D5A4-0CC8-F8A6-7C96EDE285F8}"/>
+              </a:ext>
+            </a:extLst>
+          </p:cNvPr>
+          <p:cNvCxnSpPr>
+            <a:stCxn id="15" idx="1"/>
+            <a:endCxn id="16" idx="2"/>
+          </p:cNvCxnSpPr>
+          <p:nvPr/>
+        </p:nvCxnSpPr>
+        <p:spPr>
+          <a:xfrm rot="10800000">
+            <a:off x="3246109" y="3284962"/>
+            <a:ext cx="1335846" cy="648952"/>
+          </a:xfrm>
+          <a:prstGeom prst="bentConnector2">
+            <a:avLst/>
+          </a:prstGeom>
+          <a:ln>
+            <a:solidFill>
+              <a:schemeClr val="tx1"/>
+            </a:solidFill>
+            <a:headEnd type="none" w="med" len="med"/>
+            <a:tailEnd type="triangle"/>
+          </a:ln>
+        </p:spPr>
+        <p:style>
+          <a:lnRef idx="1">
+            <a:schemeClr val="accent1"/>
+          </a:lnRef>
+          <a:fillRef idx="0">
+            <a:schemeClr val="accent1"/>
+          </a:fillRef>
+          <a:effectRef idx="0">
+            <a:schemeClr val="accent1"/>
+          </a:effectRef>
+          <a:fontRef idx="minor">
+            <a:schemeClr val="tx1"/>
+          </a:fontRef>
+        </p:style>
+      </p:cxnSp>
+      <p:sp>
+        <p:nvSpPr>
+          <p:cNvPr id="22" name="テキスト ボックス 21">
+            <a:extLst>
+              <a:ext uri="{FF2B5EF4-FFF2-40B4-BE49-F238E27FC236}">
+                <a16:creationId xmlns:a16="http://schemas.microsoft.com/office/drawing/2014/main" id="{28CE6CAB-D04B-D050-55FD-3A2154E25049}"/>
+              </a:ext>
+            </a:extLst>
+          </p:cNvPr>
+          <p:cNvSpPr txBox="1"/>
+          <p:nvPr/>
+        </p:nvSpPr>
+        <p:spPr>
+          <a:xfrm>
+            <a:off x="182633" y="4865922"/>
+            <a:ext cx="7648248" cy="369332"/>
+          </a:xfrm>
+          <a:prstGeom prst="rect">
+            <a:avLst/>
+          </a:prstGeom>
+          <a:noFill/>
+        </p:spPr>
+        <p:txBody>
+          <a:bodyPr wrap="none" rtlCol="0">
+            <a:spAutoFit/>
+          </a:bodyPr>
+          <a:lstStyle/>
+          <a:p>
+            <a:r>
+              <a:rPr kumimoji="1" lang="en-US" altLang="ja-JP" dirty="0"/>
+              <a:t>GitHub</a:t>
+            </a:r>
+            <a:r>
+              <a:rPr kumimoji="1" lang="ja-JP" altLang="en-US"/>
+              <a:t>の場合は</a:t>
+            </a:r>
+            <a:r>
+              <a:rPr kumimoji="1" lang="en-US" altLang="ja-JP" dirty="0"/>
+              <a:t>SSH</a:t>
+            </a:r>
+            <a:r>
+              <a:rPr kumimoji="1" lang="ja-JP" altLang="en-US"/>
+              <a:t>公開鍵</a:t>
+            </a:r>
+            <a:r>
+              <a:rPr lang="ja-JP" altLang="en-US"/>
+              <a:t>と、その</a:t>
+            </a:r>
+            <a:r>
+              <a:rPr lang="en-US" altLang="ja-JP" dirty="0"/>
+              <a:t>fingerprint</a:t>
+            </a:r>
+            <a:r>
+              <a:rPr kumimoji="1" lang="ja-JP" altLang="en-US"/>
+              <a:t>がウェブで公開されている</a:t>
+            </a:r>
+          </a:p>
+        </p:txBody>
+      </p:sp>
+      <p:sp>
+        <p:nvSpPr>
+          <p:cNvPr id="24" name="テキスト ボックス 23">
+            <a:extLst>
+              <a:ext uri="{FF2B5EF4-FFF2-40B4-BE49-F238E27FC236}">
+                <a16:creationId xmlns:a16="http://schemas.microsoft.com/office/drawing/2014/main" id="{F2A325BB-8B96-A124-9DF9-56E9794A0809}"/>
+              </a:ext>
+            </a:extLst>
+          </p:cNvPr>
+          <p:cNvSpPr txBox="1"/>
+          <p:nvPr/>
+        </p:nvSpPr>
+        <p:spPr>
+          <a:xfrm>
+            <a:off x="472615" y="5235254"/>
+            <a:ext cx="7720057" cy="276999"/>
+          </a:xfrm>
+          <a:prstGeom prst="rect">
+            <a:avLst/>
+          </a:prstGeom>
+          <a:noFill/>
+        </p:spPr>
+        <p:txBody>
+          <a:bodyPr wrap="square">
+            <a:spAutoFit/>
+          </a:bodyPr>
+          <a:lstStyle/>
+          <a:p>
+            <a:r>
+              <a:rPr lang="ja-JP" altLang="en-US" sz="1200">
+                <a:hlinkClick r:id="rId4"/>
+              </a:rPr>
+              <a:t>https://docs.github.com/en/authentication/keeping-your-account-and-data-secure/githubs-ssh-key-fingerprints</a:t>
+            </a:r>
+            <a:endParaRPr lang="ja-JP" altLang="en-US" sz="1200"/>
+          </a:p>
+        </p:txBody>
+      </p:sp>
+      <p:sp>
+        <p:nvSpPr>
+          <p:cNvPr id="25" name="テキスト ボックス 24">
+            <a:extLst>
+              <a:ext uri="{FF2B5EF4-FFF2-40B4-BE49-F238E27FC236}">
+                <a16:creationId xmlns:a16="http://schemas.microsoft.com/office/drawing/2014/main" id="{9354A711-31E8-224B-D975-D18BC2450DEA}"/>
+              </a:ext>
+            </a:extLst>
+          </p:cNvPr>
+          <p:cNvSpPr txBox="1"/>
+          <p:nvPr/>
+        </p:nvSpPr>
+        <p:spPr>
+          <a:xfrm>
+            <a:off x="179512" y="5744537"/>
+            <a:ext cx="8289449" cy="923330"/>
+          </a:xfrm>
+          <a:prstGeom prst="rect">
+            <a:avLst/>
+          </a:prstGeom>
+          <a:noFill/>
+        </p:spPr>
+        <p:txBody>
+          <a:bodyPr wrap="none" rtlCol="0">
+            <a:spAutoFit/>
+          </a:bodyPr>
+          <a:lstStyle/>
+          <a:p>
+            <a:r>
+              <a:rPr kumimoji="1" lang="ja-JP" altLang="en-US"/>
+              <a:t>公開鍵がない状態での初回接続時に表示された</a:t>
+            </a:r>
+            <a:r>
+              <a:rPr kumimoji="1" lang="en-US" altLang="ja-JP" dirty="0"/>
+              <a:t>fingerprint</a:t>
+            </a:r>
+            <a:r>
+              <a:rPr kumimoji="1" lang="ja-JP" altLang="en-US"/>
+              <a:t>を確認する</a:t>
+            </a:r>
+            <a:endParaRPr kumimoji="1" lang="en-US" altLang="ja-JP" dirty="0"/>
+          </a:p>
+          <a:p>
+            <a:r>
+              <a:rPr lang="en-US" altLang="ja-JP" dirty="0"/>
+              <a:t>or</a:t>
+            </a:r>
+          </a:p>
+          <a:p>
+            <a:r>
+              <a:rPr lang="en-US" altLang="ja-JP" dirty="0"/>
+              <a:t>GitHub</a:t>
+            </a:r>
+            <a:r>
+              <a:rPr lang="ja-JP" altLang="en-US"/>
+              <a:t>が公開している公開鍵を「知ってるホストリスト」に登録してから接続</a:t>
+            </a:r>
+            <a:endParaRPr kumimoji="1" lang="ja-JP" altLang="en-US"/>
+          </a:p>
+        </p:txBody>
+      </p:sp>
+    </p:spTree>
+    <p:extLst>
+      <p:ext uri="{BB962C8B-B14F-4D97-AF65-F5344CB8AC3E}">
+        <p14:creationId xmlns:p14="http://schemas.microsoft.com/office/powerpoint/2010/main" val="3475337166"/>
+      </p:ext>
+    </p:extLst>
+  </p:cSld>
+  <p:clrMapOvr>
+    <a:masterClrMapping/>
+  </p:clrMapOvr>
+</p:sld>
+</file>
+
+<file path=ppt/slides/slide13.xml><?xml version="1.0" encoding="utf-8"?>
+<p:sld xmlns:a="http://schemas.openxmlformats.org/drawingml/2006/main" xmlns:r="http://schemas.openxmlformats.org/officeDocument/2006/relationships" xmlns:p="http://schemas.openxmlformats.org/presentationml/2006/main">
+  <p:cSld>
+    <p:spTree>
+      <p:nvGrpSpPr>
+        <p:cNvPr id="1" name=""/>
+        <p:cNvGrpSpPr/>
+        <p:nvPr/>
+      </p:nvGrpSpPr>
+      <p:grpSpPr>
+        <a:xfrm>
+          <a:off x="0" y="0"/>
+          <a:ext cx="0" cy="0"/>
+          <a:chOff x="0" y="0"/>
+          <a:chExt cx="0" cy="0"/>
+        </a:xfrm>
+      </p:grpSpPr>
+      <p:sp>
+        <p:nvSpPr>
+          <p:cNvPr id="2" name="テキスト プレースホルダー 1">
+            <a:extLst>
+              <a:ext uri="{FF2B5EF4-FFF2-40B4-BE49-F238E27FC236}">
+                <a16:creationId xmlns:a16="http://schemas.microsoft.com/office/drawing/2014/main" id="{D2029CCD-7DA5-EF15-6879-EC1457B83FDA}"/>
+              </a:ext>
+            </a:extLst>
+          </p:cNvPr>
+          <p:cNvSpPr>
+            <a:spLocks noGrp="1"/>
+          </p:cNvSpPr>
+          <p:nvPr>
+            <p:ph type="body" sz="quarter" idx="10"/>
+          </p:nvPr>
+        </p:nvSpPr>
+        <p:spPr/>
+        <p:txBody>
+          <a:bodyPr/>
+          <a:lstStyle/>
+          <a:p>
+            <a:r>
+              <a:rPr kumimoji="1" lang="ja-JP" altLang="en-US"/>
+              <a:t>ホスト認証</a:t>
+            </a:r>
+            <a:r>
+              <a:rPr kumimoji="1" lang="en-US" altLang="ja-JP" dirty="0"/>
+              <a:t>(</a:t>
+            </a:r>
+            <a:r>
+              <a:rPr kumimoji="1" lang="ja-JP" altLang="en-US"/>
+              <a:t>二回目以降</a:t>
+            </a:r>
+            <a:r>
+              <a:rPr kumimoji="1" lang="en-US" altLang="ja-JP" dirty="0"/>
+              <a:t>)</a:t>
+            </a:r>
+            <a:endParaRPr kumimoji="1" lang="ja-JP" altLang="en-US"/>
+          </a:p>
+        </p:txBody>
+      </p:sp>
+      <p:pic>
+        <p:nvPicPr>
+          <p:cNvPr id="4" name="Picture 8" descr="会社で働く人のイラスト（男性）">
+            <a:extLst>
+              <a:ext uri="{FF2B5EF4-FFF2-40B4-BE49-F238E27FC236}">
+                <a16:creationId xmlns:a16="http://schemas.microsoft.com/office/drawing/2014/main" id="{05790EB3-B905-367D-DF19-1847FFDD031F}"/>
+              </a:ext>
+            </a:extLst>
+          </p:cNvPr>
+          <p:cNvPicPr>
+            <a:picLocks noChangeAspect="1" noChangeArrowheads="1"/>
+          </p:cNvPicPr>
+          <p:nvPr/>
+        </p:nvPicPr>
+        <p:blipFill>
+          <a:blip r:embed="rId2">
+            <a:extLst>
+              <a:ext uri="{28A0092B-C50C-407E-A947-70E740481C1C}">
+                <a14:useLocalDpi xmlns:a14="http://schemas.microsoft.com/office/drawing/2010/main" val="0"/>
+              </a:ext>
+            </a:extLst>
+          </a:blip>
+          <a:srcRect/>
+          <a:stretch>
+            <a:fillRect/>
+          </a:stretch>
+        </p:blipFill>
+        <p:spPr bwMode="auto">
+          <a:xfrm flipH="1">
+            <a:off x="2843808" y="1124744"/>
+            <a:ext cx="777586" cy="777586"/>
+          </a:xfrm>
+          <a:prstGeom prst="rect">
+            <a:avLst/>
+          </a:prstGeom>
+          <a:noFill/>
+          <a:extLst>
+            <a:ext uri="{909E8E84-426E-40DD-AFC4-6F175D3DCCD1}">
+              <a14:hiddenFill xmlns:a14="http://schemas.microsoft.com/office/drawing/2010/main">
+                <a:solidFill>
+                  <a:srgbClr val="FFFFFF"/>
+                </a:solidFill>
+              </a14:hiddenFill>
+            </a:ext>
+          </a:extLst>
+        </p:spPr>
+      </p:pic>
+      <p:pic>
+        <p:nvPicPr>
+          <p:cNvPr id="5" name="図 4">
+            <a:extLst>
+              <a:ext uri="{FF2B5EF4-FFF2-40B4-BE49-F238E27FC236}">
+                <a16:creationId xmlns:a16="http://schemas.microsoft.com/office/drawing/2014/main" id="{ABA577EE-1150-0ADB-B12F-061D004ADBE6}"/>
+              </a:ext>
+            </a:extLst>
+          </p:cNvPr>
+          <p:cNvPicPr>
+            <a:picLocks noChangeAspect="1"/>
+          </p:cNvPicPr>
+          <p:nvPr/>
+        </p:nvPicPr>
+        <p:blipFill>
+          <a:blip r:embed="rId3"/>
+          <a:stretch>
+            <a:fillRect/>
+          </a:stretch>
+        </p:blipFill>
+        <p:spPr>
+          <a:xfrm>
+            <a:off x="523312" y="1249803"/>
+            <a:ext cx="716898" cy="716898"/>
+          </a:xfrm>
+          <a:prstGeom prst="rect">
+            <a:avLst/>
+          </a:prstGeom>
+        </p:spPr>
+      </p:pic>
+      <p:sp>
+        <p:nvSpPr>
+          <p:cNvPr id="7" name="テキスト ボックス 6">
+            <a:extLst>
+              <a:ext uri="{FF2B5EF4-FFF2-40B4-BE49-F238E27FC236}">
+                <a16:creationId xmlns:a16="http://schemas.microsoft.com/office/drawing/2014/main" id="{CCD64365-DEA2-A469-B59B-7C8E5E34D679}"/>
+              </a:ext>
+            </a:extLst>
+          </p:cNvPr>
+          <p:cNvSpPr txBox="1"/>
+          <p:nvPr/>
+        </p:nvSpPr>
+        <p:spPr>
+          <a:xfrm>
+            <a:off x="2447771" y="2019763"/>
+            <a:ext cx="1569660" cy="369332"/>
+          </a:xfrm>
+          <a:prstGeom prst="rect">
+            <a:avLst/>
+          </a:prstGeom>
+          <a:noFill/>
+        </p:spPr>
+        <p:txBody>
+          <a:bodyPr wrap="none" rtlCol="0">
+            <a:spAutoFit/>
+          </a:bodyPr>
+          <a:lstStyle/>
+          <a:p>
+            <a:r>
+              <a:rPr kumimoji="1" lang="ja-JP" altLang="en-US"/>
+              <a:t>クライアント</a:t>
+            </a:r>
+          </a:p>
+        </p:txBody>
+      </p:sp>
+      <p:sp>
+        <p:nvSpPr>
+          <p:cNvPr id="8" name="テキスト ボックス 7">
+            <a:extLst>
+              <a:ext uri="{FF2B5EF4-FFF2-40B4-BE49-F238E27FC236}">
+                <a16:creationId xmlns:a16="http://schemas.microsoft.com/office/drawing/2014/main" id="{F8399EF8-8834-8AE3-F059-C287580ED403}"/>
+              </a:ext>
+            </a:extLst>
+          </p:cNvPr>
+          <p:cNvSpPr txBox="1"/>
+          <p:nvPr/>
+        </p:nvSpPr>
+        <p:spPr>
+          <a:xfrm>
+            <a:off x="523312" y="2029348"/>
+            <a:ext cx="877163" cy="369332"/>
+          </a:xfrm>
+          <a:prstGeom prst="rect">
+            <a:avLst/>
+          </a:prstGeom>
+          <a:noFill/>
+        </p:spPr>
+        <p:txBody>
+          <a:bodyPr wrap="none" rtlCol="0">
+            <a:spAutoFit/>
+          </a:bodyPr>
+          <a:lstStyle/>
+          <a:p>
+            <a:r>
+              <a:rPr kumimoji="1" lang="ja-JP" altLang="en-US"/>
+              <a:t>ホスト</a:t>
+            </a:r>
+          </a:p>
+        </p:txBody>
+      </p:sp>
+      <p:grpSp>
+        <p:nvGrpSpPr>
+          <p:cNvPr id="25" name="グループ化 24">
+            <a:extLst>
+              <a:ext uri="{FF2B5EF4-FFF2-40B4-BE49-F238E27FC236}">
+                <a16:creationId xmlns:a16="http://schemas.microsoft.com/office/drawing/2014/main" id="{1E4190AB-2E29-AD2F-A303-CAF56470D231}"/>
+              </a:ext>
+            </a:extLst>
+          </p:cNvPr>
+          <p:cNvGrpSpPr/>
+          <p:nvPr/>
+        </p:nvGrpSpPr>
+        <p:grpSpPr>
+          <a:xfrm>
+            <a:off x="662699" y="2740414"/>
+            <a:ext cx="438123" cy="495270"/>
+            <a:chOff x="2339752" y="3645024"/>
+            <a:chExt cx="828092" cy="936104"/>
+          </a:xfrm>
+        </p:grpSpPr>
+        <p:sp>
+          <p:nvSpPr>
+            <p:cNvPr id="26" name="正方形/長方形 25">
+              <a:extLst>
+                <a:ext uri="{FF2B5EF4-FFF2-40B4-BE49-F238E27FC236}">
+                  <a16:creationId xmlns:a16="http://schemas.microsoft.com/office/drawing/2014/main" id="{EDA11579-023A-3774-50F5-2D278360D4DA}"/>
+                </a:ext>
+              </a:extLst>
+            </p:cNvPr>
+            <p:cNvSpPr/>
+            <p:nvPr/>
+          </p:nvSpPr>
+          <p:spPr>
+            <a:xfrm>
+              <a:off x="2339752" y="3645024"/>
+              <a:ext cx="576064" cy="936104"/>
+            </a:xfrm>
+            <a:prstGeom prst="rect">
+              <a:avLst/>
+            </a:prstGeom>
+            <a:solidFill>
+              <a:srgbClr val="FFC000"/>
+            </a:solidFill>
+            <a:ln>
+              <a:noFill/>
+            </a:ln>
+          </p:spPr>
+          <p:style>
+            <a:lnRef idx="2">
+              <a:schemeClr val="accent1">
+                <a:shade val="50000"/>
+              </a:schemeClr>
+            </a:lnRef>
+            <a:fillRef idx="1">
+              <a:schemeClr val="accent1"/>
+            </a:fillRef>
+            <a:effectRef idx="0">
+              <a:schemeClr val="accent1"/>
+            </a:effectRef>
+            <a:fontRef idx="minor">
+              <a:schemeClr val="lt1"/>
+            </a:fontRef>
+          </p:style>
+          <p:txBody>
+            <a:bodyPr rtlCol="0" anchor="ctr"/>
+            <a:lstStyle/>
+            <a:p>
+              <a:pPr algn="ctr"/>
+              <a:endParaRPr kumimoji="1" lang="ja-JP" altLang="en-US"/>
+            </a:p>
+          </p:txBody>
+        </p:sp>
+        <p:sp>
+          <p:nvSpPr>
+            <p:cNvPr id="27" name="三角形 26">
+              <a:extLst>
+                <a:ext uri="{FF2B5EF4-FFF2-40B4-BE49-F238E27FC236}">
+                  <a16:creationId xmlns:a16="http://schemas.microsoft.com/office/drawing/2014/main" id="{57C7E320-8970-2E73-F536-DFF213BD0FA2}"/>
+                </a:ext>
+              </a:extLst>
+            </p:cNvPr>
+            <p:cNvSpPr/>
+            <p:nvPr/>
+          </p:nvSpPr>
+          <p:spPr>
+            <a:xfrm rot="5400000">
+              <a:off x="2699792" y="3861048"/>
+              <a:ext cx="432048" cy="504056"/>
+            </a:xfrm>
+            <a:prstGeom prst="triangle">
+              <a:avLst/>
+            </a:prstGeom>
+            <a:solidFill>
+              <a:srgbClr val="FFC000"/>
+            </a:solidFill>
+            <a:ln>
+              <a:noFill/>
+            </a:ln>
+          </p:spPr>
+          <p:style>
+            <a:lnRef idx="2">
+              <a:schemeClr val="accent1">
+                <a:shade val="50000"/>
+              </a:schemeClr>
+            </a:lnRef>
+            <a:fillRef idx="1">
+              <a:schemeClr val="accent1"/>
+            </a:fillRef>
+            <a:effectRef idx="0">
+              <a:schemeClr val="accent1"/>
+            </a:effectRef>
+            <a:fontRef idx="minor">
+              <a:schemeClr val="lt1"/>
+            </a:fontRef>
+          </p:style>
+          <p:txBody>
+            <a:bodyPr rtlCol="0" anchor="ctr"/>
+            <a:lstStyle/>
+            <a:p>
+              <a:pPr algn="ctr"/>
+              <a:endParaRPr kumimoji="1" lang="ja-JP" altLang="en-US"/>
+            </a:p>
+          </p:txBody>
+        </p:sp>
+      </p:grpSp>
+      <p:grpSp>
+        <p:nvGrpSpPr>
+          <p:cNvPr id="28" name="グループ化 27">
+            <a:extLst>
+              <a:ext uri="{FF2B5EF4-FFF2-40B4-BE49-F238E27FC236}">
+                <a16:creationId xmlns:a16="http://schemas.microsoft.com/office/drawing/2014/main" id="{48D9A151-D29E-1047-C533-E6274F54B53E}"/>
+              </a:ext>
+            </a:extLst>
+          </p:cNvPr>
+          <p:cNvGrpSpPr/>
+          <p:nvPr/>
+        </p:nvGrpSpPr>
+        <p:grpSpPr>
+          <a:xfrm>
+            <a:off x="2473728" y="2704780"/>
+            <a:ext cx="703773" cy="566537"/>
+            <a:chOff x="1193558" y="4261389"/>
+            <a:chExt cx="703773" cy="566537"/>
+          </a:xfrm>
+        </p:grpSpPr>
+        <p:pic>
+          <p:nvPicPr>
+            <p:cNvPr id="29" name="Picture 2" descr="掲示板に貼られた紙のイラスト（メモ）">
+              <a:extLst>
+                <a:ext uri="{FF2B5EF4-FFF2-40B4-BE49-F238E27FC236}">
+                  <a16:creationId xmlns:a16="http://schemas.microsoft.com/office/drawing/2014/main" id="{E363C6F8-B95D-C0B2-AFAC-540D1C605E3E}"/>
+                </a:ext>
+              </a:extLst>
+            </p:cNvPr>
+            <p:cNvPicPr>
+              <a:picLocks noChangeAspect="1" noChangeArrowheads="1"/>
+            </p:cNvPicPr>
+            <p:nvPr/>
+          </p:nvPicPr>
+          <p:blipFill>
+            <a:blip r:embed="rId4">
+              <a:extLst>
+                <a:ext uri="{28A0092B-C50C-407E-A947-70E740481C1C}">
+                  <a14:useLocalDpi xmlns:a14="http://schemas.microsoft.com/office/drawing/2010/main" val="0"/>
+                </a:ext>
+              </a:extLst>
+            </a:blip>
+            <a:srcRect/>
+            <a:stretch>
+              <a:fillRect/>
+            </a:stretch>
+          </p:blipFill>
+          <p:spPr bwMode="auto">
+            <a:xfrm>
+              <a:off x="1193558" y="4261389"/>
+              <a:ext cx="703773" cy="566537"/>
+            </a:xfrm>
+            <a:prstGeom prst="rect">
+              <a:avLst/>
+            </a:prstGeom>
+            <a:noFill/>
+            <a:extLst>
+              <a:ext uri="{909E8E84-426E-40DD-AFC4-6F175D3DCCD1}">
+                <a14:hiddenFill xmlns:a14="http://schemas.microsoft.com/office/drawing/2010/main">
+                  <a:solidFill>
+                    <a:srgbClr val="FFFFFF"/>
+                  </a:solidFill>
+                </a14:hiddenFill>
+              </a:ext>
+            </a:extLst>
+          </p:spPr>
+        </p:pic>
+        <p:grpSp>
+          <p:nvGrpSpPr>
+            <p:cNvPr id="30" name="グループ化 29">
+              <a:extLst>
+                <a:ext uri="{FF2B5EF4-FFF2-40B4-BE49-F238E27FC236}">
+                  <a16:creationId xmlns:a16="http://schemas.microsoft.com/office/drawing/2014/main" id="{D7E7F6BB-5475-BC7F-9E67-CF59B7036C53}"/>
+                </a:ext>
+              </a:extLst>
+            </p:cNvPr>
+            <p:cNvGrpSpPr/>
+            <p:nvPr/>
+          </p:nvGrpSpPr>
+          <p:grpSpPr>
+            <a:xfrm>
+              <a:off x="1468290" y="4442527"/>
+              <a:ext cx="236787" cy="267673"/>
+              <a:chOff x="2339752" y="3645024"/>
+              <a:chExt cx="828092" cy="936104"/>
+            </a:xfrm>
+            <a:solidFill>
+              <a:srgbClr val="FF0000"/>
+            </a:solidFill>
+          </p:grpSpPr>
+          <p:sp>
+            <p:nvSpPr>
+              <p:cNvPr id="31" name="正方形/長方形 30">
+                <a:extLst>
+                  <a:ext uri="{FF2B5EF4-FFF2-40B4-BE49-F238E27FC236}">
+                    <a16:creationId xmlns:a16="http://schemas.microsoft.com/office/drawing/2014/main" id="{6B9B11FD-5088-8052-8CDA-A4DC30FD32DD}"/>
+                  </a:ext>
+                </a:extLst>
+              </p:cNvPr>
+              <p:cNvSpPr/>
+              <p:nvPr/>
+            </p:nvSpPr>
+            <p:spPr>
+              <a:xfrm>
+                <a:off x="2339752" y="3645024"/>
+                <a:ext cx="576064" cy="936104"/>
+              </a:xfrm>
+              <a:prstGeom prst="rect">
+                <a:avLst/>
+              </a:prstGeom>
+              <a:grpFill/>
+              <a:ln>
+                <a:noFill/>
+              </a:ln>
+            </p:spPr>
+            <p:style>
+              <a:lnRef idx="2">
+                <a:schemeClr val="accent1">
+                  <a:shade val="50000"/>
+                </a:schemeClr>
+              </a:lnRef>
+              <a:fillRef idx="1">
+                <a:schemeClr val="accent1"/>
+              </a:fillRef>
+              <a:effectRef idx="0">
+                <a:schemeClr val="accent1"/>
+              </a:effectRef>
+              <a:fontRef idx="minor">
+                <a:schemeClr val="lt1"/>
+              </a:fontRef>
+            </p:style>
+            <p:txBody>
+              <a:bodyPr rtlCol="0" anchor="ctr"/>
+              <a:lstStyle/>
+              <a:p>
+                <a:pPr algn="ctr"/>
+                <a:endParaRPr kumimoji="1" lang="ja-JP" altLang="en-US"/>
+              </a:p>
+            </p:txBody>
+          </p:sp>
+          <p:sp>
+            <p:nvSpPr>
+              <p:cNvPr id="32" name="三角形 31">
+                <a:extLst>
+                  <a:ext uri="{FF2B5EF4-FFF2-40B4-BE49-F238E27FC236}">
+                    <a16:creationId xmlns:a16="http://schemas.microsoft.com/office/drawing/2014/main" id="{6111DA25-A9D1-23BA-D296-A17587C88187}"/>
+                  </a:ext>
+                </a:extLst>
+              </p:cNvPr>
+              <p:cNvSpPr/>
+              <p:nvPr/>
+            </p:nvSpPr>
+            <p:spPr>
+              <a:xfrm rot="5400000">
+                <a:off x="2699792" y="3861048"/>
+                <a:ext cx="432048" cy="504056"/>
+              </a:xfrm>
+              <a:prstGeom prst="triangle">
+                <a:avLst/>
+              </a:prstGeom>
+              <a:grpFill/>
+              <a:ln>
+                <a:noFill/>
+              </a:ln>
+            </p:spPr>
+            <p:style>
+              <a:lnRef idx="2">
+                <a:schemeClr val="accent1">
+                  <a:shade val="50000"/>
+                </a:schemeClr>
+              </a:lnRef>
+              <a:fillRef idx="1">
+                <a:schemeClr val="accent1"/>
+              </a:fillRef>
+              <a:effectRef idx="0">
+                <a:schemeClr val="accent1"/>
+              </a:effectRef>
+              <a:fontRef idx="minor">
+                <a:schemeClr val="lt1"/>
+              </a:fontRef>
+            </p:style>
+            <p:txBody>
+              <a:bodyPr rtlCol="0" anchor="ctr"/>
+              <a:lstStyle/>
+              <a:p>
+                <a:pPr algn="ctr"/>
+                <a:endParaRPr kumimoji="1" lang="ja-JP" altLang="en-US"/>
+              </a:p>
+            </p:txBody>
+          </p:sp>
+        </p:grpSp>
+      </p:grpSp>
+      <p:cxnSp>
+        <p:nvCxnSpPr>
+          <p:cNvPr id="34" name="直線矢印コネクタ 33">
+            <a:extLst>
+              <a:ext uri="{FF2B5EF4-FFF2-40B4-BE49-F238E27FC236}">
+                <a16:creationId xmlns:a16="http://schemas.microsoft.com/office/drawing/2014/main" id="{6B4C8C42-E8C7-D45F-D6D4-93FEAC8F3DEE}"/>
+              </a:ext>
+            </a:extLst>
+          </p:cNvPr>
+          <p:cNvCxnSpPr/>
+          <p:nvPr/>
+        </p:nvCxnSpPr>
+        <p:spPr>
+          <a:xfrm>
+            <a:off x="1400475" y="2988049"/>
+            <a:ext cx="795261" cy="0"/>
+          </a:xfrm>
+          <a:prstGeom prst="straightConnector1">
+            <a:avLst/>
+          </a:prstGeom>
+          <a:ln>
+            <a:solidFill>
+              <a:schemeClr val="tx1"/>
+            </a:solidFill>
+            <a:headEnd type="none" w="med" len="med"/>
+            <a:tailEnd type="triangle"/>
+          </a:ln>
+        </p:spPr>
+        <p:style>
+          <a:lnRef idx="1">
+            <a:schemeClr val="accent1"/>
+          </a:lnRef>
+          <a:fillRef idx="0">
+            <a:schemeClr val="accent1"/>
+          </a:fillRef>
+          <a:effectRef idx="0">
+            <a:schemeClr val="accent1"/>
+          </a:effectRef>
+          <a:fontRef idx="minor">
+            <a:schemeClr val="tx1"/>
+          </a:fontRef>
+        </p:style>
+      </p:cxnSp>
+      <p:grpSp>
+        <p:nvGrpSpPr>
+          <p:cNvPr id="35" name="グループ化 34">
+            <a:extLst>
+              <a:ext uri="{FF2B5EF4-FFF2-40B4-BE49-F238E27FC236}">
+                <a16:creationId xmlns:a16="http://schemas.microsoft.com/office/drawing/2014/main" id="{EDE1F0C6-A5EE-7AE0-4711-211334C7999D}"/>
+              </a:ext>
+            </a:extLst>
+          </p:cNvPr>
+          <p:cNvGrpSpPr/>
+          <p:nvPr/>
+        </p:nvGrpSpPr>
+        <p:grpSpPr>
+          <a:xfrm>
+            <a:off x="3268247" y="2680410"/>
+            <a:ext cx="491092" cy="555148"/>
+            <a:chOff x="3980964" y="3583025"/>
+            <a:chExt cx="828092" cy="936104"/>
+          </a:xfrm>
+        </p:grpSpPr>
+        <p:sp>
+          <p:nvSpPr>
+            <p:cNvPr id="36" name="正方形/長方形 35">
+              <a:extLst>
+                <a:ext uri="{FF2B5EF4-FFF2-40B4-BE49-F238E27FC236}">
+                  <a16:creationId xmlns:a16="http://schemas.microsoft.com/office/drawing/2014/main" id="{595D92C7-23F2-4B59-462B-E5704A9CC7F0}"/>
+                </a:ext>
+              </a:extLst>
+            </p:cNvPr>
+            <p:cNvSpPr/>
+            <p:nvPr/>
+          </p:nvSpPr>
+          <p:spPr>
+            <a:xfrm>
+              <a:off x="4232992" y="3583025"/>
+              <a:ext cx="576064" cy="936104"/>
+            </a:xfrm>
+            <a:prstGeom prst="rect">
+              <a:avLst/>
+            </a:prstGeom>
+            <a:solidFill>
+              <a:srgbClr val="FFC000"/>
+            </a:solidFill>
+            <a:ln>
+              <a:noFill/>
+            </a:ln>
+          </p:spPr>
+          <p:style>
+            <a:lnRef idx="2">
+              <a:schemeClr val="accent1">
+                <a:shade val="50000"/>
+              </a:schemeClr>
+            </a:lnRef>
+            <a:fillRef idx="1">
+              <a:schemeClr val="accent1"/>
+            </a:fillRef>
+            <a:effectRef idx="0">
+              <a:schemeClr val="accent1"/>
+            </a:effectRef>
+            <a:fontRef idx="minor">
+              <a:schemeClr val="lt1"/>
+            </a:fontRef>
+          </p:style>
+          <p:txBody>
+            <a:bodyPr rtlCol="0" anchor="ctr"/>
+            <a:lstStyle/>
+            <a:p>
+              <a:pPr algn="ctr"/>
+              <a:endParaRPr kumimoji="1" lang="ja-JP" altLang="en-US"/>
+            </a:p>
+          </p:txBody>
+        </p:sp>
+        <p:sp>
+          <p:nvSpPr>
+            <p:cNvPr id="37" name="三角形 36">
+              <a:extLst>
+                <a:ext uri="{FF2B5EF4-FFF2-40B4-BE49-F238E27FC236}">
+                  <a16:creationId xmlns:a16="http://schemas.microsoft.com/office/drawing/2014/main" id="{D3975E65-47B0-5E8B-13A1-7EDC30EBC9D9}"/>
+                </a:ext>
+              </a:extLst>
+            </p:cNvPr>
+            <p:cNvSpPr/>
+            <p:nvPr/>
+          </p:nvSpPr>
+          <p:spPr>
+            <a:xfrm rot="5400000">
+              <a:off x="4016968" y="3799049"/>
+              <a:ext cx="432048" cy="504056"/>
+            </a:xfrm>
+            <a:prstGeom prst="triangle">
+              <a:avLst/>
+            </a:prstGeom>
+            <a:solidFill>
+              <a:schemeClr val="bg1">
+                <a:lumMod val="95000"/>
+              </a:schemeClr>
+            </a:solidFill>
+            <a:ln>
+              <a:noFill/>
+            </a:ln>
+          </p:spPr>
+          <p:style>
+            <a:lnRef idx="2">
+              <a:schemeClr val="accent1">
+                <a:shade val="50000"/>
+              </a:schemeClr>
+            </a:lnRef>
+            <a:fillRef idx="1">
+              <a:schemeClr val="accent1"/>
+            </a:fillRef>
+            <a:effectRef idx="0">
+              <a:schemeClr val="accent1"/>
+            </a:effectRef>
+            <a:fontRef idx="minor">
+              <a:schemeClr val="lt1"/>
+            </a:fontRef>
+          </p:style>
+          <p:txBody>
+            <a:bodyPr rtlCol="0" anchor="ctr"/>
+            <a:lstStyle/>
+            <a:p>
+              <a:pPr algn="ctr"/>
+              <a:endParaRPr kumimoji="1" lang="ja-JP" altLang="en-US"/>
+            </a:p>
+          </p:txBody>
+        </p:sp>
+      </p:grpSp>
+      <p:sp>
+        <p:nvSpPr>
+          <p:cNvPr id="38" name="テキスト ボックス 37">
+            <a:extLst>
+              <a:ext uri="{FF2B5EF4-FFF2-40B4-BE49-F238E27FC236}">
+                <a16:creationId xmlns:a16="http://schemas.microsoft.com/office/drawing/2014/main" id="{E66ACEB2-6820-A835-0B2D-BD5C1501108C}"/>
+              </a:ext>
+            </a:extLst>
+          </p:cNvPr>
+          <p:cNvSpPr txBox="1"/>
+          <p:nvPr/>
+        </p:nvSpPr>
+        <p:spPr>
+          <a:xfrm>
+            <a:off x="4283968" y="2664883"/>
+            <a:ext cx="4440683" cy="646331"/>
+          </a:xfrm>
+          <a:prstGeom prst="rect">
+            <a:avLst/>
+          </a:prstGeom>
+          <a:noFill/>
+        </p:spPr>
+        <p:txBody>
+          <a:bodyPr wrap="square" rtlCol="0">
+            <a:spAutoFit/>
+          </a:bodyPr>
+          <a:lstStyle/>
+          <a:p>
+            <a:r>
+              <a:rPr lang="ja-JP" altLang="en-US"/>
+              <a:t>ホストが秘密鍵で署名したメッセージをすでに所持している公開鍵で検証</a:t>
+            </a:r>
+            <a:endParaRPr kumimoji="1" lang="ja-JP" altLang="en-US"/>
+          </a:p>
+        </p:txBody>
+      </p:sp>
+      <p:pic>
+        <p:nvPicPr>
+          <p:cNvPr id="39" name="Picture 2" descr="悪人のイラスト「黒いシルエット」">
+            <a:extLst>
+              <a:ext uri="{FF2B5EF4-FFF2-40B4-BE49-F238E27FC236}">
+                <a16:creationId xmlns:a16="http://schemas.microsoft.com/office/drawing/2014/main" id="{21198BD6-33F3-9A14-4E86-589F3ED98E6D}"/>
+              </a:ext>
+            </a:extLst>
+          </p:cNvPr>
+          <p:cNvPicPr>
+            <a:picLocks noChangeAspect="1" noChangeArrowheads="1"/>
+          </p:cNvPicPr>
+          <p:nvPr/>
+        </p:nvPicPr>
+        <p:blipFill>
+          <a:blip r:embed="rId5">
+            <a:extLst>
+              <a:ext uri="{28A0092B-C50C-407E-A947-70E740481C1C}">
+                <a14:useLocalDpi xmlns:a14="http://schemas.microsoft.com/office/drawing/2010/main" val="0"/>
+              </a:ext>
+            </a:extLst>
+          </a:blip>
+          <a:srcRect/>
+          <a:stretch>
+            <a:fillRect/>
+          </a:stretch>
+        </p:blipFill>
+        <p:spPr bwMode="auto">
+          <a:xfrm flipH="1">
+            <a:off x="532144" y="4100872"/>
+            <a:ext cx="603987" cy="716898"/>
+          </a:xfrm>
+          <a:prstGeom prst="rect">
+            <a:avLst/>
+          </a:prstGeom>
+          <a:noFill/>
+          <a:extLst>
+            <a:ext uri="{909E8E84-426E-40DD-AFC4-6F175D3DCCD1}">
+              <a14:hiddenFill xmlns:a14="http://schemas.microsoft.com/office/drawing/2010/main">
+                <a:solidFill>
+                  <a:srgbClr val="FFFFFF"/>
+                </a:solidFill>
+              </a14:hiddenFill>
+            </a:ext>
+          </a:extLst>
+        </p:spPr>
+      </p:pic>
+      <p:grpSp>
+        <p:nvGrpSpPr>
+          <p:cNvPr id="47" name="グループ化 46">
+            <a:extLst>
+              <a:ext uri="{FF2B5EF4-FFF2-40B4-BE49-F238E27FC236}">
+                <a16:creationId xmlns:a16="http://schemas.microsoft.com/office/drawing/2014/main" id="{491D156C-4ABB-EF0D-0C5B-AA3734279603}"/>
+              </a:ext>
+            </a:extLst>
+          </p:cNvPr>
+          <p:cNvGrpSpPr/>
+          <p:nvPr/>
+        </p:nvGrpSpPr>
+        <p:grpSpPr>
+          <a:xfrm>
+            <a:off x="699512" y="4939102"/>
+            <a:ext cx="404426" cy="495270"/>
+            <a:chOff x="2043345" y="5485621"/>
+            <a:chExt cx="404426" cy="495270"/>
+          </a:xfrm>
+        </p:grpSpPr>
+        <p:sp>
+          <p:nvSpPr>
+            <p:cNvPr id="41" name="正方形/長方形 40">
+              <a:extLst>
+                <a:ext uri="{FF2B5EF4-FFF2-40B4-BE49-F238E27FC236}">
+                  <a16:creationId xmlns:a16="http://schemas.microsoft.com/office/drawing/2014/main" id="{38D6CE04-4E20-5CEC-8DD9-BE7C5F94AD19}"/>
+                </a:ext>
+              </a:extLst>
+            </p:cNvPr>
+            <p:cNvSpPr/>
+            <p:nvPr/>
+          </p:nvSpPr>
+          <p:spPr>
+            <a:xfrm>
+              <a:off x="2043345" y="5485621"/>
+              <a:ext cx="304781" cy="495270"/>
+            </a:xfrm>
+            <a:prstGeom prst="rect">
+              <a:avLst/>
+            </a:prstGeom>
+            <a:solidFill>
+              <a:srgbClr val="FFC000"/>
+            </a:solidFill>
+            <a:ln>
+              <a:noFill/>
+            </a:ln>
+          </p:spPr>
+          <p:style>
+            <a:lnRef idx="2">
+              <a:schemeClr val="accent1">
+                <a:shade val="50000"/>
+              </a:schemeClr>
+            </a:lnRef>
+            <a:fillRef idx="1">
+              <a:schemeClr val="accent1"/>
+            </a:fillRef>
+            <a:effectRef idx="0">
+              <a:schemeClr val="accent1"/>
+            </a:effectRef>
+            <a:fontRef idx="minor">
+              <a:schemeClr val="lt1"/>
+            </a:fontRef>
+          </p:style>
+          <p:txBody>
+            <a:bodyPr rtlCol="0" anchor="ctr"/>
+            <a:lstStyle/>
+            <a:p>
+              <a:pPr algn="ctr"/>
+              <a:endParaRPr kumimoji="1" lang="ja-JP" altLang="en-US"/>
+            </a:p>
+          </p:txBody>
+        </p:sp>
+        <p:sp>
+          <p:nvSpPr>
+            <p:cNvPr id="44" name="円/楕円 43">
+              <a:extLst>
+                <a:ext uri="{FF2B5EF4-FFF2-40B4-BE49-F238E27FC236}">
+                  <a16:creationId xmlns:a16="http://schemas.microsoft.com/office/drawing/2014/main" id="{8F4C28EF-629A-4E62-6D95-DB8D1E054289}"/>
+                </a:ext>
+              </a:extLst>
+            </p:cNvPr>
+            <p:cNvSpPr/>
+            <p:nvPr/>
+          </p:nvSpPr>
+          <p:spPr>
+            <a:xfrm>
+              <a:off x="2231747" y="5625244"/>
+              <a:ext cx="216024" cy="216024"/>
+            </a:xfrm>
+            <a:prstGeom prst="ellipse">
+              <a:avLst/>
+            </a:prstGeom>
+            <a:solidFill>
+              <a:srgbClr val="FFC000"/>
+            </a:solidFill>
+            <a:ln>
+              <a:noFill/>
+            </a:ln>
+          </p:spPr>
+          <p:style>
+            <a:lnRef idx="2">
+              <a:schemeClr val="accent1">
+                <a:shade val="50000"/>
+              </a:schemeClr>
+            </a:lnRef>
+            <a:fillRef idx="1">
+              <a:schemeClr val="accent1"/>
+            </a:fillRef>
+            <a:effectRef idx="0">
+              <a:schemeClr val="accent1"/>
+            </a:effectRef>
+            <a:fontRef idx="minor">
+              <a:schemeClr val="lt1"/>
+            </a:fontRef>
+          </p:style>
+          <p:txBody>
+            <a:bodyPr rtlCol="0" anchor="ctr"/>
+            <a:lstStyle/>
+            <a:p>
+              <a:pPr algn="ctr"/>
+              <a:endParaRPr kumimoji="1" lang="ja-JP" altLang="en-US"/>
+            </a:p>
+          </p:txBody>
+        </p:sp>
+      </p:grpSp>
+      <p:grpSp>
+        <p:nvGrpSpPr>
+          <p:cNvPr id="46" name="グループ化 45">
+            <a:extLst>
+              <a:ext uri="{FF2B5EF4-FFF2-40B4-BE49-F238E27FC236}">
+                <a16:creationId xmlns:a16="http://schemas.microsoft.com/office/drawing/2014/main" id="{D3A0F885-9B43-148B-1D7F-D078F705F374}"/>
+              </a:ext>
+            </a:extLst>
+          </p:cNvPr>
+          <p:cNvGrpSpPr/>
+          <p:nvPr/>
+        </p:nvGrpSpPr>
+        <p:grpSpPr>
+          <a:xfrm>
+            <a:off x="2541422" y="4897067"/>
+            <a:ext cx="414075" cy="495270"/>
+            <a:chOff x="2915816" y="5485621"/>
+            <a:chExt cx="414075" cy="495270"/>
+          </a:xfrm>
+        </p:grpSpPr>
+        <p:sp>
+          <p:nvSpPr>
+            <p:cNvPr id="43" name="正方形/長方形 42">
+              <a:extLst>
+                <a:ext uri="{FF2B5EF4-FFF2-40B4-BE49-F238E27FC236}">
+                  <a16:creationId xmlns:a16="http://schemas.microsoft.com/office/drawing/2014/main" id="{B918C5E4-86DE-C5EC-7BDD-8D9A2C280B61}"/>
+                </a:ext>
+              </a:extLst>
+            </p:cNvPr>
+            <p:cNvSpPr/>
+            <p:nvPr/>
+          </p:nvSpPr>
+          <p:spPr>
+            <a:xfrm>
+              <a:off x="3025110" y="5485621"/>
+              <a:ext cx="304781" cy="495270"/>
+            </a:xfrm>
+            <a:prstGeom prst="rect">
+              <a:avLst/>
+            </a:prstGeom>
+            <a:solidFill>
+              <a:srgbClr val="FFC000"/>
+            </a:solidFill>
+            <a:ln>
+              <a:noFill/>
+            </a:ln>
+          </p:spPr>
+          <p:style>
+            <a:lnRef idx="2">
+              <a:schemeClr val="accent1">
+                <a:shade val="50000"/>
+              </a:schemeClr>
+            </a:lnRef>
+            <a:fillRef idx="1">
+              <a:schemeClr val="accent1"/>
+            </a:fillRef>
+            <a:effectRef idx="0">
+              <a:schemeClr val="accent1"/>
+            </a:effectRef>
+            <a:fontRef idx="minor">
+              <a:schemeClr val="lt1"/>
+            </a:fontRef>
+          </p:style>
+          <p:txBody>
+            <a:bodyPr rtlCol="0" anchor="ctr"/>
+            <a:lstStyle/>
+            <a:p>
+              <a:pPr algn="ctr"/>
+              <a:endParaRPr kumimoji="1" lang="ja-JP" altLang="en-US"/>
+            </a:p>
+          </p:txBody>
+        </p:sp>
+        <p:sp>
+          <p:nvSpPr>
+            <p:cNvPr id="45" name="円/楕円 44">
+              <a:extLst>
+                <a:ext uri="{FF2B5EF4-FFF2-40B4-BE49-F238E27FC236}">
+                  <a16:creationId xmlns:a16="http://schemas.microsoft.com/office/drawing/2014/main" id="{AA768FD0-4EEA-FF92-71DE-EB082AC0B8D2}"/>
+                </a:ext>
+              </a:extLst>
+            </p:cNvPr>
+            <p:cNvSpPr/>
+            <p:nvPr/>
+          </p:nvSpPr>
+          <p:spPr>
+            <a:xfrm>
+              <a:off x="2915816" y="5625244"/>
+              <a:ext cx="216024" cy="216024"/>
+            </a:xfrm>
+            <a:prstGeom prst="ellipse">
+              <a:avLst/>
+            </a:prstGeom>
+            <a:solidFill>
+              <a:schemeClr val="bg1">
+                <a:lumMod val="95000"/>
+              </a:schemeClr>
+            </a:solidFill>
+            <a:ln>
+              <a:noFill/>
+            </a:ln>
+          </p:spPr>
+          <p:style>
+            <a:lnRef idx="2">
+              <a:schemeClr val="accent1">
+                <a:shade val="50000"/>
+              </a:schemeClr>
+            </a:lnRef>
+            <a:fillRef idx="1">
+              <a:schemeClr val="accent1"/>
+            </a:fillRef>
+            <a:effectRef idx="0">
+              <a:schemeClr val="accent1"/>
+            </a:effectRef>
+            <a:fontRef idx="minor">
+              <a:schemeClr val="lt1"/>
+            </a:fontRef>
+          </p:style>
+          <p:txBody>
+            <a:bodyPr rtlCol="0" anchor="ctr"/>
+            <a:lstStyle/>
+            <a:p>
+              <a:pPr algn="ctr"/>
+              <a:endParaRPr kumimoji="1" lang="ja-JP" altLang="en-US"/>
+            </a:p>
+          </p:txBody>
+        </p:sp>
+      </p:grpSp>
+      <p:grpSp>
+        <p:nvGrpSpPr>
+          <p:cNvPr id="48" name="グループ化 47">
+            <a:extLst>
+              <a:ext uri="{FF2B5EF4-FFF2-40B4-BE49-F238E27FC236}">
+                <a16:creationId xmlns:a16="http://schemas.microsoft.com/office/drawing/2014/main" id="{3F9AC79F-C63F-9B14-1E2D-EE24C10A5407}"/>
+              </a:ext>
+            </a:extLst>
+          </p:cNvPr>
+          <p:cNvGrpSpPr/>
+          <p:nvPr/>
+        </p:nvGrpSpPr>
+        <p:grpSpPr>
+          <a:xfrm>
+            <a:off x="3254481" y="4861701"/>
+            <a:ext cx="491092" cy="555148"/>
+            <a:chOff x="3980964" y="3583025"/>
+            <a:chExt cx="828092" cy="936104"/>
+          </a:xfrm>
+        </p:grpSpPr>
+        <p:sp>
+          <p:nvSpPr>
+            <p:cNvPr id="49" name="正方形/長方形 48">
+              <a:extLst>
+                <a:ext uri="{FF2B5EF4-FFF2-40B4-BE49-F238E27FC236}">
+                  <a16:creationId xmlns:a16="http://schemas.microsoft.com/office/drawing/2014/main" id="{32B2F2E0-57CD-ABB5-5115-EFF44FF3E45E}"/>
+                </a:ext>
+              </a:extLst>
+            </p:cNvPr>
+            <p:cNvSpPr/>
+            <p:nvPr/>
+          </p:nvSpPr>
+          <p:spPr>
+            <a:xfrm>
+              <a:off x="4232992" y="3583025"/>
+              <a:ext cx="576064" cy="936104"/>
+            </a:xfrm>
+            <a:prstGeom prst="rect">
+              <a:avLst/>
+            </a:prstGeom>
+            <a:solidFill>
+              <a:srgbClr val="FFC000"/>
+            </a:solidFill>
+            <a:ln>
+              <a:noFill/>
+            </a:ln>
+          </p:spPr>
+          <p:style>
+            <a:lnRef idx="2">
+              <a:schemeClr val="accent1">
+                <a:shade val="50000"/>
+              </a:schemeClr>
+            </a:lnRef>
+            <a:fillRef idx="1">
+              <a:schemeClr val="accent1"/>
+            </a:fillRef>
+            <a:effectRef idx="0">
+              <a:schemeClr val="accent1"/>
+            </a:effectRef>
+            <a:fontRef idx="minor">
+              <a:schemeClr val="lt1"/>
+            </a:fontRef>
+          </p:style>
+          <p:txBody>
+            <a:bodyPr rtlCol="0" anchor="ctr"/>
+            <a:lstStyle/>
+            <a:p>
+              <a:pPr algn="ctr"/>
+              <a:endParaRPr kumimoji="1" lang="ja-JP" altLang="en-US"/>
+            </a:p>
+          </p:txBody>
+        </p:sp>
+        <p:sp>
+          <p:nvSpPr>
+            <p:cNvPr id="50" name="三角形 49">
+              <a:extLst>
+                <a:ext uri="{FF2B5EF4-FFF2-40B4-BE49-F238E27FC236}">
+                  <a16:creationId xmlns:a16="http://schemas.microsoft.com/office/drawing/2014/main" id="{DC0576ED-0905-833F-AC03-459274FFFF42}"/>
+                </a:ext>
+              </a:extLst>
+            </p:cNvPr>
+            <p:cNvSpPr/>
+            <p:nvPr/>
+          </p:nvSpPr>
+          <p:spPr>
+            <a:xfrm rot="5400000">
+              <a:off x="4016968" y="3799049"/>
+              <a:ext cx="432048" cy="504056"/>
+            </a:xfrm>
+            <a:prstGeom prst="triangle">
+              <a:avLst/>
+            </a:prstGeom>
+            <a:solidFill>
+              <a:schemeClr val="bg1">
+                <a:lumMod val="95000"/>
+              </a:schemeClr>
+            </a:solidFill>
+            <a:ln>
+              <a:noFill/>
+            </a:ln>
+          </p:spPr>
+          <p:style>
+            <a:lnRef idx="2">
+              <a:schemeClr val="accent1">
+                <a:shade val="50000"/>
+              </a:schemeClr>
+            </a:lnRef>
+            <a:fillRef idx="1">
+              <a:schemeClr val="accent1"/>
+            </a:fillRef>
+            <a:effectRef idx="0">
+              <a:schemeClr val="accent1"/>
+            </a:effectRef>
+            <a:fontRef idx="minor">
+              <a:schemeClr val="lt1"/>
+            </a:fontRef>
+          </p:style>
+          <p:txBody>
+            <a:bodyPr rtlCol="0" anchor="ctr"/>
+            <a:lstStyle/>
+            <a:p>
+              <a:pPr algn="ctr"/>
+              <a:endParaRPr kumimoji="1" lang="ja-JP" altLang="en-US"/>
+            </a:p>
+          </p:txBody>
+        </p:sp>
+      </p:grpSp>
+      <p:pic>
+        <p:nvPicPr>
+          <p:cNvPr id="51" name="Picture 8" descr="会社で働く人のイラスト（男性）">
+            <a:extLst>
+              <a:ext uri="{FF2B5EF4-FFF2-40B4-BE49-F238E27FC236}">
+                <a16:creationId xmlns:a16="http://schemas.microsoft.com/office/drawing/2014/main" id="{217587CF-272B-B578-ECCF-0B8E2DE60D85}"/>
+              </a:ext>
+            </a:extLst>
+          </p:cNvPr>
+          <p:cNvPicPr>
+            <a:picLocks noChangeAspect="1" noChangeArrowheads="1"/>
+          </p:cNvPicPr>
+          <p:nvPr/>
+        </p:nvPicPr>
+        <p:blipFill>
+          <a:blip r:embed="rId2">
+            <a:extLst>
+              <a:ext uri="{28A0092B-C50C-407E-A947-70E740481C1C}">
+                <a14:useLocalDpi xmlns:a14="http://schemas.microsoft.com/office/drawing/2010/main" val="0"/>
+              </a:ext>
+            </a:extLst>
+          </a:blip>
+          <a:srcRect/>
+          <a:stretch>
+            <a:fillRect/>
+          </a:stretch>
+        </p:blipFill>
+        <p:spPr bwMode="auto">
+          <a:xfrm flipH="1">
+            <a:off x="2709455" y="3978053"/>
+            <a:ext cx="777586" cy="777586"/>
+          </a:xfrm>
+          <a:prstGeom prst="rect">
+            <a:avLst/>
+          </a:prstGeom>
+          <a:noFill/>
+          <a:extLst>
+            <a:ext uri="{909E8E84-426E-40DD-AFC4-6F175D3DCCD1}">
+              <a14:hiddenFill xmlns:a14="http://schemas.microsoft.com/office/drawing/2010/main">
+                <a:solidFill>
+                  <a:srgbClr val="FFFFFF"/>
+                </a:solidFill>
+              </a14:hiddenFill>
+            </a:ext>
+          </a:extLst>
+        </p:spPr>
+      </p:pic>
+      <p:sp>
+        <p:nvSpPr>
+          <p:cNvPr id="52" name="テキスト ボックス 51">
+            <a:extLst>
+              <a:ext uri="{FF2B5EF4-FFF2-40B4-BE49-F238E27FC236}">
+                <a16:creationId xmlns:a16="http://schemas.microsoft.com/office/drawing/2014/main" id="{CA986DFD-155F-959C-AFD2-BCC903654E36}"/>
+              </a:ext>
+            </a:extLst>
+          </p:cNvPr>
+          <p:cNvSpPr txBox="1"/>
+          <p:nvPr/>
+        </p:nvSpPr>
+        <p:spPr>
+          <a:xfrm>
+            <a:off x="3047332" y="4954609"/>
+            <a:ext cx="311304" cy="369332"/>
+          </a:xfrm>
+          <a:prstGeom prst="rect">
+            <a:avLst/>
+          </a:prstGeom>
+          <a:noFill/>
+        </p:spPr>
+        <p:txBody>
+          <a:bodyPr wrap="none" rtlCol="0">
+            <a:spAutoFit/>
+          </a:bodyPr>
+          <a:lstStyle/>
+          <a:p>
+            <a:r>
+              <a:rPr kumimoji="1" lang="en-US" altLang="ja-JP" dirty="0"/>
+              <a:t>≠</a:t>
+            </a:r>
+            <a:endParaRPr kumimoji="1" lang="ja-JP" altLang="en-US"/>
+          </a:p>
+        </p:txBody>
+      </p:sp>
+      <p:sp>
+        <p:nvSpPr>
+          <p:cNvPr id="53" name="テキスト ボックス 52">
+            <a:extLst>
+              <a:ext uri="{FF2B5EF4-FFF2-40B4-BE49-F238E27FC236}">
+                <a16:creationId xmlns:a16="http://schemas.microsoft.com/office/drawing/2014/main" id="{BC951E55-1DE7-F830-7F8B-6E7EFF8A4309}"/>
+              </a:ext>
+            </a:extLst>
+          </p:cNvPr>
+          <p:cNvSpPr txBox="1"/>
+          <p:nvPr/>
+        </p:nvSpPr>
+        <p:spPr>
+          <a:xfrm>
+            <a:off x="4229688" y="4708736"/>
+            <a:ext cx="4440683" cy="646331"/>
+          </a:xfrm>
+          <a:prstGeom prst="rect">
+            <a:avLst/>
+          </a:prstGeom>
+          <a:noFill/>
+        </p:spPr>
+        <p:txBody>
+          <a:bodyPr wrap="square" rtlCol="0">
+            <a:spAutoFit/>
+          </a:bodyPr>
+          <a:lstStyle/>
+          <a:p>
+            <a:r>
+              <a:rPr lang="ja-JP" altLang="en-US"/>
+              <a:t>ホストがなりすましである場合、異なる公開鍵を送ってくるのでわかる</a:t>
+            </a:r>
+            <a:endParaRPr kumimoji="1" lang="ja-JP" altLang="en-US"/>
+          </a:p>
+        </p:txBody>
+      </p:sp>
+      <p:cxnSp>
+        <p:nvCxnSpPr>
+          <p:cNvPr id="54" name="直線矢印コネクタ 53">
+            <a:extLst>
+              <a:ext uri="{FF2B5EF4-FFF2-40B4-BE49-F238E27FC236}">
+                <a16:creationId xmlns:a16="http://schemas.microsoft.com/office/drawing/2014/main" id="{42D8F9FE-4162-C5A5-918C-EB2DA10C4CE5}"/>
+              </a:ext>
+            </a:extLst>
+          </p:cNvPr>
+          <p:cNvCxnSpPr/>
+          <p:nvPr/>
+        </p:nvCxnSpPr>
+        <p:spPr>
+          <a:xfrm>
+            <a:off x="1400475" y="5139275"/>
+            <a:ext cx="795261" cy="0"/>
+          </a:xfrm>
+          <a:prstGeom prst="straightConnector1">
+            <a:avLst/>
+          </a:prstGeom>
+          <a:ln>
+            <a:solidFill>
+              <a:schemeClr val="tx1"/>
+            </a:solidFill>
+            <a:headEnd type="none" w="med" len="med"/>
+            <a:tailEnd type="triangle"/>
+          </a:ln>
+        </p:spPr>
+        <p:style>
+          <a:lnRef idx="1">
+            <a:schemeClr val="accent1"/>
+          </a:lnRef>
+          <a:fillRef idx="0">
+            <a:schemeClr val="accent1"/>
+          </a:fillRef>
+          <a:effectRef idx="0">
+            <a:schemeClr val="accent1"/>
+          </a:effectRef>
+          <a:fontRef idx="minor">
+            <a:schemeClr val="tx1"/>
+          </a:fontRef>
+        </p:style>
+      </p:cxnSp>
+      <p:sp>
+        <p:nvSpPr>
+          <p:cNvPr id="55" name="テキスト ボックス 54">
+            <a:extLst>
+              <a:ext uri="{FF2B5EF4-FFF2-40B4-BE49-F238E27FC236}">
+                <a16:creationId xmlns:a16="http://schemas.microsoft.com/office/drawing/2014/main" id="{3615EAE7-2F5C-DA50-7F10-FE9C695296AD}"/>
+              </a:ext>
+            </a:extLst>
+          </p:cNvPr>
+          <p:cNvSpPr txBox="1"/>
+          <p:nvPr/>
+        </p:nvSpPr>
+        <p:spPr>
+          <a:xfrm>
+            <a:off x="4254544" y="5877272"/>
+            <a:ext cx="4530419" cy="646331"/>
+          </a:xfrm>
+          <a:prstGeom prst="rect">
+            <a:avLst/>
+          </a:prstGeom>
+          <a:noFill/>
+        </p:spPr>
+        <p:txBody>
+          <a:bodyPr wrap="square" rtlCol="0">
+            <a:spAutoFit/>
+          </a:bodyPr>
+          <a:lstStyle/>
+          <a:p>
+            <a:r>
+              <a:rPr lang="ja-JP" altLang="en-US"/>
+              <a:t>公開鍵を偽装しても、秘密鍵を持っていないので公開鍵に対応した署名ができない</a:t>
+            </a:r>
+            <a:endParaRPr kumimoji="1" lang="ja-JP" altLang="en-US"/>
+          </a:p>
+        </p:txBody>
+      </p:sp>
+      <p:grpSp>
+        <p:nvGrpSpPr>
+          <p:cNvPr id="56" name="グループ化 55">
+            <a:extLst>
+              <a:ext uri="{FF2B5EF4-FFF2-40B4-BE49-F238E27FC236}">
+                <a16:creationId xmlns:a16="http://schemas.microsoft.com/office/drawing/2014/main" id="{B4CF50FB-A5DD-2C8D-6406-0447E8AD29C6}"/>
+              </a:ext>
+            </a:extLst>
+          </p:cNvPr>
+          <p:cNvGrpSpPr/>
+          <p:nvPr/>
+        </p:nvGrpSpPr>
+        <p:grpSpPr>
+          <a:xfrm>
+            <a:off x="699512" y="5893741"/>
+            <a:ext cx="404426" cy="495270"/>
+            <a:chOff x="2043345" y="5485621"/>
+            <a:chExt cx="404426" cy="495270"/>
+          </a:xfrm>
+        </p:grpSpPr>
+        <p:sp>
+          <p:nvSpPr>
+            <p:cNvPr id="57" name="正方形/長方形 56">
+              <a:extLst>
+                <a:ext uri="{FF2B5EF4-FFF2-40B4-BE49-F238E27FC236}">
+                  <a16:creationId xmlns:a16="http://schemas.microsoft.com/office/drawing/2014/main" id="{558A95C9-95F8-0D42-2CD5-EB2DC629630D}"/>
+                </a:ext>
+              </a:extLst>
+            </p:cNvPr>
+            <p:cNvSpPr/>
+            <p:nvPr/>
+          </p:nvSpPr>
+          <p:spPr>
+            <a:xfrm>
+              <a:off x="2043345" y="5485621"/>
+              <a:ext cx="304781" cy="495270"/>
+            </a:xfrm>
+            <a:prstGeom prst="rect">
+              <a:avLst/>
+            </a:prstGeom>
+            <a:solidFill>
+              <a:srgbClr val="FFC000"/>
+            </a:solidFill>
+            <a:ln>
+              <a:noFill/>
+            </a:ln>
+          </p:spPr>
+          <p:style>
+            <a:lnRef idx="2">
+              <a:schemeClr val="accent1">
+                <a:shade val="50000"/>
+              </a:schemeClr>
+            </a:lnRef>
+            <a:fillRef idx="1">
+              <a:schemeClr val="accent1"/>
+            </a:fillRef>
+            <a:effectRef idx="0">
+              <a:schemeClr val="accent1"/>
+            </a:effectRef>
+            <a:fontRef idx="minor">
+              <a:schemeClr val="lt1"/>
+            </a:fontRef>
+          </p:style>
+          <p:txBody>
+            <a:bodyPr rtlCol="0" anchor="ctr"/>
+            <a:lstStyle/>
+            <a:p>
+              <a:pPr algn="ctr"/>
+              <a:endParaRPr kumimoji="1" lang="ja-JP" altLang="en-US"/>
+            </a:p>
+          </p:txBody>
+        </p:sp>
+        <p:sp>
+          <p:nvSpPr>
+            <p:cNvPr id="58" name="円/楕円 57">
+              <a:extLst>
+                <a:ext uri="{FF2B5EF4-FFF2-40B4-BE49-F238E27FC236}">
+                  <a16:creationId xmlns:a16="http://schemas.microsoft.com/office/drawing/2014/main" id="{1906CB8D-AA67-7D4F-298E-B56B848AC413}"/>
+                </a:ext>
+              </a:extLst>
+            </p:cNvPr>
+            <p:cNvSpPr/>
+            <p:nvPr/>
+          </p:nvSpPr>
+          <p:spPr>
+            <a:xfrm>
+              <a:off x="2231747" y="5625244"/>
+              <a:ext cx="216024" cy="216024"/>
+            </a:xfrm>
+            <a:prstGeom prst="ellipse">
+              <a:avLst/>
+            </a:prstGeom>
+            <a:solidFill>
+              <a:srgbClr val="FFC000"/>
+            </a:solidFill>
+            <a:ln>
+              <a:noFill/>
+            </a:ln>
+          </p:spPr>
+          <p:style>
+            <a:lnRef idx="2">
+              <a:schemeClr val="accent1">
+                <a:shade val="50000"/>
+              </a:schemeClr>
+            </a:lnRef>
+            <a:fillRef idx="1">
+              <a:schemeClr val="accent1"/>
+            </a:fillRef>
+            <a:effectRef idx="0">
+              <a:schemeClr val="accent1"/>
+            </a:effectRef>
+            <a:fontRef idx="minor">
+              <a:schemeClr val="lt1"/>
+            </a:fontRef>
+          </p:style>
+          <p:txBody>
+            <a:bodyPr rtlCol="0" anchor="ctr"/>
+            <a:lstStyle/>
+            <a:p>
+              <a:pPr algn="ctr"/>
+              <a:endParaRPr kumimoji="1" lang="ja-JP" altLang="en-US"/>
+            </a:p>
+          </p:txBody>
+        </p:sp>
+      </p:grpSp>
+      <p:cxnSp>
+        <p:nvCxnSpPr>
+          <p:cNvPr id="59" name="直線矢印コネクタ 58">
+            <a:extLst>
+              <a:ext uri="{FF2B5EF4-FFF2-40B4-BE49-F238E27FC236}">
+                <a16:creationId xmlns:a16="http://schemas.microsoft.com/office/drawing/2014/main" id="{DCCFEDC2-8509-4194-AEEE-485A66DAA182}"/>
+              </a:ext>
+            </a:extLst>
+          </p:cNvPr>
+          <p:cNvCxnSpPr/>
+          <p:nvPr/>
+        </p:nvCxnSpPr>
+        <p:spPr>
+          <a:xfrm>
+            <a:off x="1400475" y="6141376"/>
+            <a:ext cx="795261" cy="0"/>
+          </a:xfrm>
+          <a:prstGeom prst="straightConnector1">
+            <a:avLst/>
+          </a:prstGeom>
+          <a:ln>
+            <a:solidFill>
+              <a:schemeClr val="tx1"/>
+            </a:solidFill>
+            <a:headEnd type="none" w="med" len="med"/>
+            <a:tailEnd type="triangle"/>
+          </a:ln>
+        </p:spPr>
+        <p:style>
+          <a:lnRef idx="1">
+            <a:schemeClr val="accent1"/>
+          </a:lnRef>
+          <a:fillRef idx="0">
+            <a:schemeClr val="accent1"/>
+          </a:fillRef>
+          <a:effectRef idx="0">
+            <a:schemeClr val="accent1"/>
+          </a:effectRef>
+          <a:fontRef idx="minor">
+            <a:schemeClr val="tx1"/>
+          </a:fontRef>
+        </p:style>
+      </p:cxnSp>
+      <p:grpSp>
+        <p:nvGrpSpPr>
+          <p:cNvPr id="68" name="グループ化 67">
+            <a:extLst>
+              <a:ext uri="{FF2B5EF4-FFF2-40B4-BE49-F238E27FC236}">
+                <a16:creationId xmlns:a16="http://schemas.microsoft.com/office/drawing/2014/main" id="{81A1F9B4-A837-4767-CE66-5FDC7DB7AA47}"/>
+              </a:ext>
+            </a:extLst>
+          </p:cNvPr>
+          <p:cNvGrpSpPr/>
+          <p:nvPr/>
+        </p:nvGrpSpPr>
+        <p:grpSpPr>
+          <a:xfrm>
+            <a:off x="2447771" y="5840830"/>
+            <a:ext cx="703773" cy="566537"/>
+            <a:chOff x="3284687" y="5877272"/>
+            <a:chExt cx="703773" cy="566537"/>
+          </a:xfrm>
+        </p:grpSpPr>
+        <p:pic>
+          <p:nvPicPr>
+            <p:cNvPr id="64" name="Picture 2" descr="掲示板に貼られた紙のイラスト（メモ）">
+              <a:extLst>
+                <a:ext uri="{FF2B5EF4-FFF2-40B4-BE49-F238E27FC236}">
+                  <a16:creationId xmlns:a16="http://schemas.microsoft.com/office/drawing/2014/main" id="{BC22D1C6-6F90-D206-9E3B-51EC9CD5C2C5}"/>
+                </a:ext>
+              </a:extLst>
+            </p:cNvPr>
+            <p:cNvPicPr>
+              <a:picLocks noChangeAspect="1" noChangeArrowheads="1"/>
+            </p:cNvPicPr>
+            <p:nvPr/>
+          </p:nvPicPr>
+          <p:blipFill>
+            <a:blip r:embed="rId4">
+              <a:extLst>
+                <a:ext uri="{28A0092B-C50C-407E-A947-70E740481C1C}">
+                  <a14:useLocalDpi xmlns:a14="http://schemas.microsoft.com/office/drawing/2010/main" val="0"/>
+                </a:ext>
+              </a:extLst>
+            </a:blip>
+            <a:srcRect/>
+            <a:stretch>
+              <a:fillRect/>
+            </a:stretch>
+          </p:blipFill>
+          <p:spPr bwMode="auto">
+            <a:xfrm>
+              <a:off x="3284687" y="5877272"/>
+              <a:ext cx="703773" cy="566537"/>
+            </a:xfrm>
+            <a:prstGeom prst="rect">
+              <a:avLst/>
+            </a:prstGeom>
+            <a:noFill/>
+            <a:extLst>
+              <a:ext uri="{909E8E84-426E-40DD-AFC4-6F175D3DCCD1}">
+                <a14:hiddenFill xmlns:a14="http://schemas.microsoft.com/office/drawing/2010/main">
+                  <a:solidFill>
+                    <a:srgbClr val="FFFFFF"/>
+                  </a:solidFill>
+                </a14:hiddenFill>
+              </a:ext>
+            </a:extLst>
+          </p:spPr>
+        </p:pic>
+        <p:grpSp>
+          <p:nvGrpSpPr>
+            <p:cNvPr id="60" name="グループ化 59">
+              <a:extLst>
+                <a:ext uri="{FF2B5EF4-FFF2-40B4-BE49-F238E27FC236}">
+                  <a16:creationId xmlns:a16="http://schemas.microsoft.com/office/drawing/2014/main" id="{C7F3DFD1-5B97-759D-4EB4-BBE6A51959F7}"/>
+                </a:ext>
+              </a:extLst>
+            </p:cNvPr>
+            <p:cNvGrpSpPr/>
+            <p:nvPr/>
+          </p:nvGrpSpPr>
+          <p:grpSpPr>
+            <a:xfrm>
+              <a:off x="3519970" y="6033364"/>
+              <a:ext cx="250304" cy="306529"/>
+              <a:chOff x="2043345" y="5485621"/>
+              <a:chExt cx="404426" cy="495270"/>
+            </a:xfrm>
+            <a:solidFill>
+              <a:srgbClr val="FF0000"/>
+            </a:solidFill>
+          </p:grpSpPr>
+          <p:sp>
+            <p:nvSpPr>
+              <p:cNvPr id="61" name="正方形/長方形 60">
+                <a:extLst>
+                  <a:ext uri="{FF2B5EF4-FFF2-40B4-BE49-F238E27FC236}">
+                    <a16:creationId xmlns:a16="http://schemas.microsoft.com/office/drawing/2014/main" id="{7DE788E0-CF84-19BB-72BC-C4EB1D5A08CA}"/>
+                  </a:ext>
+                </a:extLst>
+              </p:cNvPr>
+              <p:cNvSpPr/>
+              <p:nvPr/>
+            </p:nvSpPr>
+            <p:spPr>
+              <a:xfrm>
+                <a:off x="2043345" y="5485621"/>
+                <a:ext cx="304781" cy="495270"/>
+              </a:xfrm>
+              <a:prstGeom prst="rect">
+                <a:avLst/>
+              </a:prstGeom>
+              <a:grpFill/>
+              <a:ln>
+                <a:noFill/>
+              </a:ln>
+            </p:spPr>
+            <p:style>
+              <a:lnRef idx="2">
+                <a:schemeClr val="accent1">
+                  <a:shade val="50000"/>
+                </a:schemeClr>
+              </a:lnRef>
+              <a:fillRef idx="1">
+                <a:schemeClr val="accent1"/>
+              </a:fillRef>
+              <a:effectRef idx="0">
+                <a:schemeClr val="accent1"/>
+              </a:effectRef>
+              <a:fontRef idx="minor">
+                <a:schemeClr val="lt1"/>
+              </a:fontRef>
+            </p:style>
+            <p:txBody>
+              <a:bodyPr rtlCol="0" anchor="ctr"/>
+              <a:lstStyle/>
+              <a:p>
+                <a:pPr algn="ctr"/>
+                <a:endParaRPr kumimoji="1" lang="ja-JP" altLang="en-US"/>
+              </a:p>
+            </p:txBody>
+          </p:sp>
+          <p:sp>
+            <p:nvSpPr>
+              <p:cNvPr id="62" name="円/楕円 61">
+                <a:extLst>
+                  <a:ext uri="{FF2B5EF4-FFF2-40B4-BE49-F238E27FC236}">
+                    <a16:creationId xmlns:a16="http://schemas.microsoft.com/office/drawing/2014/main" id="{16876F60-B928-F132-3FA7-09C6D0896512}"/>
+                  </a:ext>
+                </a:extLst>
+              </p:cNvPr>
+              <p:cNvSpPr/>
+              <p:nvPr/>
+            </p:nvSpPr>
+            <p:spPr>
+              <a:xfrm>
+                <a:off x="2231747" y="5625244"/>
+                <a:ext cx="216024" cy="216024"/>
+              </a:xfrm>
+              <a:prstGeom prst="ellipse">
+                <a:avLst/>
+              </a:prstGeom>
+              <a:grpFill/>
+              <a:ln>
+                <a:noFill/>
+              </a:ln>
+            </p:spPr>
+            <p:style>
+              <a:lnRef idx="2">
+                <a:schemeClr val="accent1">
+                  <a:shade val="50000"/>
+                </a:schemeClr>
+              </a:lnRef>
+              <a:fillRef idx="1">
+                <a:schemeClr val="accent1"/>
+              </a:fillRef>
+              <a:effectRef idx="0">
+                <a:schemeClr val="accent1"/>
+              </a:effectRef>
+              <a:fontRef idx="minor">
+                <a:schemeClr val="lt1"/>
+              </a:fontRef>
+            </p:style>
+            <p:txBody>
+              <a:bodyPr rtlCol="0" anchor="ctr"/>
+              <a:lstStyle/>
+              <a:p>
+                <a:pPr algn="ctr"/>
+                <a:endParaRPr kumimoji="1" lang="ja-JP" altLang="en-US"/>
+              </a:p>
+            </p:txBody>
+          </p:sp>
+        </p:grpSp>
+      </p:grpSp>
+      <p:sp>
+        <p:nvSpPr>
+          <p:cNvPr id="69" name="テキスト ボックス 68">
+            <a:extLst>
+              <a:ext uri="{FF2B5EF4-FFF2-40B4-BE49-F238E27FC236}">
+                <a16:creationId xmlns:a16="http://schemas.microsoft.com/office/drawing/2014/main" id="{AB3BF710-270A-3505-FFDE-42A2A9668736}"/>
+              </a:ext>
+            </a:extLst>
+          </p:cNvPr>
+          <p:cNvSpPr txBox="1"/>
+          <p:nvPr/>
+        </p:nvSpPr>
+        <p:spPr>
+          <a:xfrm>
+            <a:off x="3047332" y="5975265"/>
+            <a:ext cx="311304" cy="369332"/>
+          </a:xfrm>
+          <a:prstGeom prst="rect">
+            <a:avLst/>
+          </a:prstGeom>
+          <a:noFill/>
+        </p:spPr>
+        <p:txBody>
+          <a:bodyPr wrap="none" rtlCol="0">
+            <a:spAutoFit/>
+          </a:bodyPr>
+          <a:lstStyle/>
+          <a:p>
+            <a:r>
+              <a:rPr kumimoji="1" lang="en-US" altLang="ja-JP" dirty="0"/>
+              <a:t>≠</a:t>
+            </a:r>
+            <a:endParaRPr kumimoji="1" lang="ja-JP" altLang="en-US"/>
+          </a:p>
+        </p:txBody>
+      </p:sp>
+      <p:grpSp>
+        <p:nvGrpSpPr>
+          <p:cNvPr id="70" name="グループ化 69">
+            <a:extLst>
+              <a:ext uri="{FF2B5EF4-FFF2-40B4-BE49-F238E27FC236}">
+                <a16:creationId xmlns:a16="http://schemas.microsoft.com/office/drawing/2014/main" id="{673CE9CF-9021-04C8-62C3-4DA19498F128}"/>
+              </a:ext>
+            </a:extLst>
+          </p:cNvPr>
+          <p:cNvGrpSpPr/>
+          <p:nvPr/>
+        </p:nvGrpSpPr>
+        <p:grpSpPr>
+          <a:xfrm>
+            <a:off x="3298736" y="5846524"/>
+            <a:ext cx="491092" cy="555148"/>
+            <a:chOff x="3980964" y="3583025"/>
+            <a:chExt cx="828092" cy="936104"/>
+          </a:xfrm>
+        </p:grpSpPr>
+        <p:sp>
+          <p:nvSpPr>
+            <p:cNvPr id="71" name="正方形/長方形 70">
+              <a:extLst>
+                <a:ext uri="{FF2B5EF4-FFF2-40B4-BE49-F238E27FC236}">
+                  <a16:creationId xmlns:a16="http://schemas.microsoft.com/office/drawing/2014/main" id="{0961A4F9-A234-EF0D-B8C5-FC5690C6E5B5}"/>
+                </a:ext>
+              </a:extLst>
+            </p:cNvPr>
+            <p:cNvSpPr/>
+            <p:nvPr/>
+          </p:nvSpPr>
+          <p:spPr>
+            <a:xfrm>
+              <a:off x="4232992" y="3583025"/>
+              <a:ext cx="576064" cy="936104"/>
+            </a:xfrm>
+            <a:prstGeom prst="rect">
+              <a:avLst/>
+            </a:prstGeom>
+            <a:solidFill>
+              <a:srgbClr val="FFC000"/>
+            </a:solidFill>
+            <a:ln>
+              <a:noFill/>
+            </a:ln>
+          </p:spPr>
+          <p:style>
+            <a:lnRef idx="2">
+              <a:schemeClr val="accent1">
+                <a:shade val="50000"/>
+              </a:schemeClr>
+            </a:lnRef>
+            <a:fillRef idx="1">
+              <a:schemeClr val="accent1"/>
+            </a:fillRef>
+            <a:effectRef idx="0">
+              <a:schemeClr val="accent1"/>
+            </a:effectRef>
+            <a:fontRef idx="minor">
+              <a:schemeClr val="lt1"/>
+            </a:fontRef>
+          </p:style>
+          <p:txBody>
+            <a:bodyPr rtlCol="0" anchor="ctr"/>
+            <a:lstStyle/>
+            <a:p>
+              <a:pPr algn="ctr"/>
+              <a:endParaRPr kumimoji="1" lang="ja-JP" altLang="en-US"/>
+            </a:p>
+          </p:txBody>
+        </p:sp>
+        <p:sp>
+          <p:nvSpPr>
+            <p:cNvPr id="72" name="三角形 71">
+              <a:extLst>
+                <a:ext uri="{FF2B5EF4-FFF2-40B4-BE49-F238E27FC236}">
+                  <a16:creationId xmlns:a16="http://schemas.microsoft.com/office/drawing/2014/main" id="{0552A2CD-57E1-0C6C-CB1B-0CD9F0A46FD2}"/>
+                </a:ext>
+              </a:extLst>
+            </p:cNvPr>
+            <p:cNvSpPr/>
+            <p:nvPr/>
+          </p:nvSpPr>
+          <p:spPr>
+            <a:xfrm rot="5400000">
+              <a:off x="4016968" y="3799049"/>
+              <a:ext cx="432048" cy="504056"/>
+            </a:xfrm>
+            <a:prstGeom prst="triangle">
+              <a:avLst/>
+            </a:prstGeom>
+            <a:solidFill>
+              <a:schemeClr val="bg1">
+                <a:lumMod val="95000"/>
+              </a:schemeClr>
+            </a:solidFill>
+            <a:ln>
+              <a:noFill/>
+            </a:ln>
+          </p:spPr>
+          <p:style>
+            <a:lnRef idx="2">
+              <a:schemeClr val="accent1">
+                <a:shade val="50000"/>
+              </a:schemeClr>
+            </a:lnRef>
+            <a:fillRef idx="1">
+              <a:schemeClr val="accent1"/>
+            </a:fillRef>
+            <a:effectRef idx="0">
+              <a:schemeClr val="accent1"/>
+            </a:effectRef>
+            <a:fontRef idx="minor">
+              <a:schemeClr val="lt1"/>
+            </a:fontRef>
+          </p:style>
+          <p:txBody>
+            <a:bodyPr rtlCol="0" anchor="ctr"/>
+            <a:lstStyle/>
+            <a:p>
+              <a:pPr algn="ctr"/>
+              <a:endParaRPr kumimoji="1" lang="ja-JP" altLang="en-US"/>
+            </a:p>
+          </p:txBody>
+        </p:sp>
+      </p:grpSp>
+    </p:spTree>
+    <p:extLst>
+      <p:ext uri="{BB962C8B-B14F-4D97-AF65-F5344CB8AC3E}">
+        <p14:creationId xmlns:p14="http://schemas.microsoft.com/office/powerpoint/2010/main" val="2967209804"/>
+      </p:ext>
+    </p:extLst>
+  </p:cSld>
+  <p:clrMapOvr>
+    <a:masterClrMapping/>
+  </p:clrMapOvr>
+</p:sld>
+</file>
+
+<file path=ppt/slides/slide14.xml><?xml version="1.0" encoding="utf-8"?>
+<p:sld xmlns:a="http://schemas.openxmlformats.org/drawingml/2006/main" xmlns:r="http://schemas.openxmlformats.org/officeDocument/2006/relationships" xmlns:p="http://schemas.openxmlformats.org/presentationml/2006/main">
+  <p:cSld>
+    <p:spTree>
+      <p:nvGrpSpPr>
+        <p:cNvPr id="1" name=""/>
+        <p:cNvGrpSpPr/>
+        <p:nvPr/>
+      </p:nvGrpSpPr>
+      <p:grpSpPr>
+        <a:xfrm>
+          <a:off x="0" y="0"/>
+          <a:ext cx="0" cy="0"/>
+          <a:chOff x="0" y="0"/>
+          <a:chExt cx="0" cy="0"/>
+        </a:xfrm>
+      </p:grpSpPr>
       <p:grpSp>
         <p:nvGrpSpPr>
           <p:cNvPr id="11" name="グループ化 10">
@@ -2159,7 +6524,7 @@
 </p:sld>
 </file>
 
-<file path=ppt/slides/slide11.xml><?xml version="1.0" encoding="utf-8"?>
+<file path=ppt/slides/slide15.xml><?xml version="1.0" encoding="utf-8"?>
 <p:sld xmlns:a="http://schemas.openxmlformats.org/drawingml/2006/main" xmlns:r="http://schemas.openxmlformats.org/officeDocument/2006/relationships" xmlns:p="http://schemas.openxmlformats.org/presentationml/2006/main">
   <p:cSld>
     <p:spTree>
@@ -3727,7 +8092,7 @@
 </p:sld>
 </file>
 
-<file path=ppt/slides/slide12.xml><?xml version="1.0" encoding="utf-8"?>
+<file path=ppt/slides/slide16.xml><?xml version="1.0" encoding="utf-8"?>
 <p:sld xmlns:a="http://schemas.openxmlformats.org/drawingml/2006/main" xmlns:r="http://schemas.openxmlformats.org/officeDocument/2006/relationships" xmlns:p="http://schemas.openxmlformats.org/presentationml/2006/main">
   <p:cSld>
     <p:spTree>
@@ -3749,7 +8114,7 @@
           <p:cNvPr id="2" name="テキスト プレースホルダー 1">
             <a:extLst>
               <a:ext uri="{FF2B5EF4-FFF2-40B4-BE49-F238E27FC236}">
-                <a16:creationId xmlns:a16="http://schemas.microsoft.com/office/drawing/2014/main" id="{37934764-EE7D-82EF-7324-AF8E50D8331E}"/>
+                <a16:creationId xmlns:a16="http://schemas.microsoft.com/office/drawing/2014/main" id="{F513A30D-837B-05C9-7C01-7760780EDEBE}"/>
               </a:ext>
             </a:extLst>
           </p:cNvPr>
@@ -3766,3524 +8131,6 @@
           <a:lstStyle/>
           <a:p>
             <a:r>
-              <a:rPr kumimoji="1" lang="ja-JP" altLang="en-US"/>
-              <a:t>ホスト認証</a:t>
-            </a:r>
-          </a:p>
-        </p:txBody>
-      </p:sp>
-      <p:pic>
-        <p:nvPicPr>
-          <p:cNvPr id="3" name="Picture 8" descr="会社で働く人のイラスト（男性）">
-            <a:extLst>
-              <a:ext uri="{FF2B5EF4-FFF2-40B4-BE49-F238E27FC236}">
-                <a16:creationId xmlns:a16="http://schemas.microsoft.com/office/drawing/2014/main" id="{D3DC81BA-3853-BB20-CAC1-694C77D26FE2}"/>
-              </a:ext>
-            </a:extLst>
-          </p:cNvPr>
-          <p:cNvPicPr>
-            <a:picLocks noChangeAspect="1" noChangeArrowheads="1"/>
-          </p:cNvPicPr>
-          <p:nvPr/>
-        </p:nvPicPr>
-        <p:blipFill>
-          <a:blip r:embed="rId2">
-            <a:extLst>
-              <a:ext uri="{28A0092B-C50C-407E-A947-70E740481C1C}">
-                <a14:useLocalDpi xmlns:a14="http://schemas.microsoft.com/office/drawing/2010/main" val="0"/>
-              </a:ext>
-            </a:extLst>
-          </a:blip>
-          <a:srcRect/>
-          <a:stretch>
-            <a:fillRect/>
-          </a:stretch>
-        </p:blipFill>
-        <p:spPr bwMode="auto">
-          <a:xfrm>
-            <a:off x="1259632" y="2564904"/>
-            <a:ext cx="1004629" cy="1004629"/>
-          </a:xfrm>
-          <a:prstGeom prst="rect">
-            <a:avLst/>
-          </a:prstGeom>
-          <a:noFill/>
-          <a:extLst>
-            <a:ext uri="{909E8E84-426E-40DD-AFC4-6F175D3DCCD1}">
-              <a14:hiddenFill xmlns:a14="http://schemas.microsoft.com/office/drawing/2010/main">
-                <a:solidFill>
-                  <a:srgbClr val="FFFFFF"/>
-                </a:solidFill>
-              </a14:hiddenFill>
-            </a:ext>
-          </a:extLst>
-        </p:spPr>
-      </p:pic>
-      <p:sp>
-        <p:nvSpPr>
-          <p:cNvPr id="4" name="テキスト ボックス 3">
-            <a:extLst>
-              <a:ext uri="{FF2B5EF4-FFF2-40B4-BE49-F238E27FC236}">
-                <a16:creationId xmlns:a16="http://schemas.microsoft.com/office/drawing/2014/main" id="{4CC6A931-9E96-8FBD-2BA9-A2EBB5080011}"/>
-              </a:ext>
-            </a:extLst>
-          </p:cNvPr>
-          <p:cNvSpPr txBox="1"/>
-          <p:nvPr/>
-        </p:nvSpPr>
-        <p:spPr>
-          <a:xfrm>
-            <a:off x="555516" y="944194"/>
-            <a:ext cx="7976924" cy="646331"/>
-          </a:xfrm>
-          <a:prstGeom prst="rect">
-            <a:avLst/>
-          </a:prstGeom>
-          <a:noFill/>
-        </p:spPr>
-        <p:txBody>
-          <a:bodyPr wrap="square" rtlCol="0">
-            <a:spAutoFit/>
-          </a:bodyPr>
-          <a:lstStyle/>
-          <a:p>
-            <a:r>
-              <a:rPr kumimoji="1" lang="ja-JP" altLang="en-US"/>
-              <a:t>インターネットは情報がリレーされるので、途中に悪意ある中継点があると通信路が書き換えられるおそれがある</a:t>
-            </a:r>
-          </a:p>
-        </p:txBody>
-      </p:sp>
-      <p:pic>
-        <p:nvPicPr>
-          <p:cNvPr id="5" name="Picture 2" descr="悪人のイラスト「黒いシルエット」">
-            <a:extLst>
-              <a:ext uri="{FF2B5EF4-FFF2-40B4-BE49-F238E27FC236}">
-                <a16:creationId xmlns:a16="http://schemas.microsoft.com/office/drawing/2014/main" id="{30DE6CC0-B0A5-D6A4-C862-A76A67D4E384}"/>
-              </a:ext>
-            </a:extLst>
-          </p:cNvPr>
-          <p:cNvPicPr>
-            <a:picLocks noChangeAspect="1" noChangeArrowheads="1"/>
-          </p:cNvPicPr>
-          <p:nvPr/>
-        </p:nvPicPr>
-        <p:blipFill>
-          <a:blip r:embed="rId3">
-            <a:extLst>
-              <a:ext uri="{28A0092B-C50C-407E-A947-70E740481C1C}">
-                <a14:useLocalDpi xmlns:a14="http://schemas.microsoft.com/office/drawing/2010/main" val="0"/>
-              </a:ext>
-            </a:extLst>
-          </a:blip>
-          <a:srcRect/>
-          <a:stretch>
-            <a:fillRect/>
-          </a:stretch>
-        </p:blipFill>
-        <p:spPr bwMode="auto">
-          <a:xfrm flipH="1">
-            <a:off x="3799918" y="4348076"/>
-            <a:ext cx="983096" cy="1166880"/>
-          </a:xfrm>
-          <a:prstGeom prst="rect">
-            <a:avLst/>
-          </a:prstGeom>
-          <a:noFill/>
-          <a:extLst>
-            <a:ext uri="{909E8E84-426E-40DD-AFC4-6F175D3DCCD1}">
-              <a14:hiddenFill xmlns:a14="http://schemas.microsoft.com/office/drawing/2010/main">
-                <a:solidFill>
-                  <a:srgbClr val="FFFFFF"/>
-                </a:solidFill>
-              </a14:hiddenFill>
-            </a:ext>
-          </a:extLst>
-        </p:spPr>
-      </p:pic>
-      <p:pic>
-        <p:nvPicPr>
-          <p:cNvPr id="6" name="図 5">
-            <a:extLst>
-              <a:ext uri="{FF2B5EF4-FFF2-40B4-BE49-F238E27FC236}">
-                <a16:creationId xmlns:a16="http://schemas.microsoft.com/office/drawing/2014/main" id="{D91EFC8F-7D34-C3DC-7369-D3B70182488E}"/>
-              </a:ext>
-            </a:extLst>
-          </p:cNvPr>
-          <p:cNvPicPr>
-            <a:picLocks noChangeAspect="1"/>
-          </p:cNvPicPr>
-          <p:nvPr/>
-        </p:nvPicPr>
-        <p:blipFill>
-          <a:blip r:embed="rId4"/>
-          <a:stretch>
-            <a:fillRect/>
-          </a:stretch>
-        </p:blipFill>
-        <p:spPr>
-          <a:xfrm>
-            <a:off x="6516216" y="2716377"/>
-            <a:ext cx="716898" cy="716898"/>
-          </a:xfrm>
-          <a:prstGeom prst="rect">
-            <a:avLst/>
-          </a:prstGeom>
-        </p:spPr>
-      </p:pic>
-      <p:pic>
-        <p:nvPicPr>
-          <p:cNvPr id="2050" name="Picture 2" descr="Wi-Fi無線ルーターのイラスト">
-            <a:extLst>
-              <a:ext uri="{FF2B5EF4-FFF2-40B4-BE49-F238E27FC236}">
-                <a16:creationId xmlns:a16="http://schemas.microsoft.com/office/drawing/2014/main" id="{478356E9-F61B-D165-718B-939BFBA87DA7}"/>
-              </a:ext>
-            </a:extLst>
-          </p:cNvPr>
-          <p:cNvPicPr>
-            <a:picLocks noChangeAspect="1" noChangeArrowheads="1"/>
-          </p:cNvPicPr>
-          <p:nvPr/>
-        </p:nvPicPr>
-        <p:blipFill>
-          <a:blip r:embed="rId5">
-            <a:extLst>
-              <a:ext uri="{28A0092B-C50C-407E-A947-70E740481C1C}">
-                <a14:useLocalDpi xmlns:a14="http://schemas.microsoft.com/office/drawing/2010/main" val="0"/>
-              </a:ext>
-            </a:extLst>
-          </a:blip>
-          <a:srcRect/>
-          <a:stretch>
-            <a:fillRect/>
-          </a:stretch>
-        </p:blipFill>
-        <p:spPr bwMode="auto">
-          <a:xfrm flipH="1">
-            <a:off x="3822174" y="2367574"/>
-            <a:ext cx="942256" cy="1166880"/>
-          </a:xfrm>
-          <a:prstGeom prst="rect">
-            <a:avLst/>
-          </a:prstGeom>
-          <a:noFill/>
-          <a:extLst>
-            <a:ext uri="{909E8E84-426E-40DD-AFC4-6F175D3DCCD1}">
-              <a14:hiddenFill xmlns:a14="http://schemas.microsoft.com/office/drawing/2010/main">
-                <a:solidFill>
-                  <a:srgbClr val="FFFFFF"/>
-                </a:solidFill>
-              </a14:hiddenFill>
-            </a:ext>
-          </a:extLst>
-        </p:spPr>
-      </p:pic>
-      <p:pic>
-        <p:nvPicPr>
-          <p:cNvPr id="2052" name="Picture 4" descr="骸骨・海賊のマークのイラスト">
-            <a:extLst>
-              <a:ext uri="{FF2B5EF4-FFF2-40B4-BE49-F238E27FC236}">
-                <a16:creationId xmlns:a16="http://schemas.microsoft.com/office/drawing/2014/main" id="{CECEFED9-0CE3-0609-9E15-416701ED2006}"/>
-              </a:ext>
-            </a:extLst>
-          </p:cNvPr>
-          <p:cNvPicPr>
-            <a:picLocks noChangeAspect="1" noChangeArrowheads="1"/>
-          </p:cNvPicPr>
-          <p:nvPr/>
-        </p:nvPicPr>
-        <p:blipFill>
-          <a:blip r:embed="rId6">
-            <a:extLst>
-              <a:ext uri="{28A0092B-C50C-407E-A947-70E740481C1C}">
-                <a14:useLocalDpi xmlns:a14="http://schemas.microsoft.com/office/drawing/2010/main" val="0"/>
-              </a:ext>
-            </a:extLst>
-          </a:blip>
-          <a:srcRect/>
-          <a:stretch>
-            <a:fillRect/>
-          </a:stretch>
-        </p:blipFill>
-        <p:spPr bwMode="auto">
-          <a:xfrm>
-            <a:off x="4088166" y="2982357"/>
-            <a:ext cx="555842" cy="472465"/>
-          </a:xfrm>
-          <a:prstGeom prst="rect">
-            <a:avLst/>
-          </a:prstGeom>
-          <a:noFill/>
-          <a:extLst>
-            <a:ext uri="{909E8E84-426E-40DD-AFC4-6F175D3DCCD1}">
-              <a14:hiddenFill xmlns:a14="http://schemas.microsoft.com/office/drawing/2010/main">
-                <a:solidFill>
-                  <a:srgbClr val="FFFFFF"/>
-                </a:solidFill>
-              </a14:hiddenFill>
-            </a:ext>
-          </a:extLst>
-        </p:spPr>
-      </p:pic>
-      <p:cxnSp>
-        <p:nvCxnSpPr>
-          <p:cNvPr id="8" name="直線コネクタ 7">
-            <a:extLst>
-              <a:ext uri="{FF2B5EF4-FFF2-40B4-BE49-F238E27FC236}">
-                <a16:creationId xmlns:a16="http://schemas.microsoft.com/office/drawing/2014/main" id="{7FC6CA5A-0CED-E19F-8386-6CFDA824D4FE}"/>
-              </a:ext>
-            </a:extLst>
-          </p:cNvPr>
-          <p:cNvCxnSpPr>
-            <a:stCxn id="3" idx="3"/>
-          </p:cNvCxnSpPr>
-          <p:nvPr/>
-        </p:nvCxnSpPr>
-        <p:spPr>
-          <a:xfrm>
-            <a:off x="2264261" y="3067219"/>
-            <a:ext cx="1557913" cy="1741"/>
-          </a:xfrm>
-          <a:prstGeom prst="line">
-            <a:avLst/>
-          </a:prstGeom>
-          <a:ln>
-            <a:solidFill>
-              <a:schemeClr val="tx1"/>
-            </a:solidFill>
-            <a:headEnd type="none" w="med" len="med"/>
-            <a:tailEnd type="triangle" w="med" len="med"/>
-          </a:ln>
-        </p:spPr>
-        <p:style>
-          <a:lnRef idx="1">
-            <a:schemeClr val="accent1"/>
-          </a:lnRef>
-          <a:fillRef idx="0">
-            <a:schemeClr val="accent1"/>
-          </a:fillRef>
-          <a:effectRef idx="0">
-            <a:schemeClr val="accent1"/>
-          </a:effectRef>
-          <a:fontRef idx="minor">
-            <a:schemeClr val="tx1"/>
-          </a:fontRef>
-        </p:style>
-      </p:cxnSp>
-      <p:cxnSp>
-        <p:nvCxnSpPr>
-          <p:cNvPr id="10" name="直線矢印コネクタ 9">
-            <a:extLst>
-              <a:ext uri="{FF2B5EF4-FFF2-40B4-BE49-F238E27FC236}">
-                <a16:creationId xmlns:a16="http://schemas.microsoft.com/office/drawing/2014/main" id="{1DFABB1E-D8E9-E42A-0357-0A1E06444860}"/>
-              </a:ext>
-            </a:extLst>
-          </p:cNvPr>
-          <p:cNvCxnSpPr>
-            <a:stCxn id="2050" idx="2"/>
-            <a:endCxn id="5" idx="0"/>
-          </p:cNvCxnSpPr>
-          <p:nvPr/>
-        </p:nvCxnSpPr>
-        <p:spPr>
-          <a:xfrm flipH="1">
-            <a:off x="4291466" y="3534454"/>
-            <a:ext cx="1836" cy="813622"/>
-          </a:xfrm>
-          <a:prstGeom prst="straightConnector1">
-            <a:avLst/>
-          </a:prstGeom>
-          <a:ln>
-            <a:solidFill>
-              <a:schemeClr val="tx1"/>
-            </a:solidFill>
-            <a:headEnd type="none" w="med" len="med"/>
-            <a:tailEnd type="triangle"/>
-          </a:ln>
-        </p:spPr>
-        <p:style>
-          <a:lnRef idx="1">
-            <a:schemeClr val="accent1"/>
-          </a:lnRef>
-          <a:fillRef idx="0">
-            <a:schemeClr val="accent1"/>
-          </a:fillRef>
-          <a:effectRef idx="0">
-            <a:schemeClr val="accent1"/>
-          </a:effectRef>
-          <a:fontRef idx="minor">
-            <a:schemeClr val="tx1"/>
-          </a:fontRef>
-        </p:style>
-      </p:cxnSp>
-      <p:sp>
-        <p:nvSpPr>
-          <p:cNvPr id="12" name="テキスト ボックス 11">
-            <a:extLst>
-              <a:ext uri="{FF2B5EF4-FFF2-40B4-BE49-F238E27FC236}">
-                <a16:creationId xmlns:a16="http://schemas.microsoft.com/office/drawing/2014/main" id="{6B1DD7F9-CC7D-4EB5-63C6-F264C4CDEB49}"/>
-              </a:ext>
-            </a:extLst>
-          </p:cNvPr>
-          <p:cNvSpPr txBox="1"/>
-          <p:nvPr/>
-        </p:nvSpPr>
-        <p:spPr>
-          <a:xfrm>
-            <a:off x="827584" y="5805264"/>
-            <a:ext cx="5955476" cy="646331"/>
-          </a:xfrm>
-          <a:prstGeom prst="rect">
-            <a:avLst/>
-          </a:prstGeom>
-          <a:noFill/>
-        </p:spPr>
-        <p:txBody>
-          <a:bodyPr wrap="none" rtlCol="0">
-            <a:spAutoFit/>
-          </a:bodyPr>
-          <a:lstStyle/>
-          <a:p>
-            <a:r>
-              <a:rPr kumimoji="1" lang="ja-JP" altLang="en-US"/>
-              <a:t>通信相手が正しいホストであると確認する→ホスト認証</a:t>
-            </a:r>
-            <a:endParaRPr kumimoji="1" lang="en-US" altLang="ja-JP" dirty="0"/>
-          </a:p>
-          <a:p>
-            <a:r>
-              <a:rPr lang="ja-JP" altLang="en-US">
-                <a:solidFill>
-                  <a:srgbClr val="FF0000"/>
-                </a:solidFill>
-              </a:rPr>
-              <a:t>ユーザ認証の前</a:t>
-            </a:r>
-            <a:r>
-              <a:rPr lang="ja-JP" altLang="en-US"/>
-              <a:t>に行われる</a:t>
-            </a:r>
-            <a:endParaRPr kumimoji="1" lang="ja-JP" altLang="en-US"/>
-          </a:p>
-        </p:txBody>
-      </p:sp>
-    </p:spTree>
-    <p:extLst>
-      <p:ext uri="{BB962C8B-B14F-4D97-AF65-F5344CB8AC3E}">
-        <p14:creationId xmlns:p14="http://schemas.microsoft.com/office/powerpoint/2010/main" val="2272234532"/>
-      </p:ext>
-    </p:extLst>
-  </p:cSld>
-  <p:clrMapOvr>
-    <a:masterClrMapping/>
-  </p:clrMapOvr>
-</p:sld>
-</file>
-
-<file path=ppt/slides/slide13.xml><?xml version="1.0" encoding="utf-8"?>
-<p:sld xmlns:a="http://schemas.openxmlformats.org/drawingml/2006/main" xmlns:r="http://schemas.openxmlformats.org/officeDocument/2006/relationships" xmlns:p="http://schemas.openxmlformats.org/presentationml/2006/main">
-  <p:cSld>
-    <p:spTree>
-      <p:nvGrpSpPr>
-        <p:cNvPr id="1" name=""/>
-        <p:cNvGrpSpPr/>
-        <p:nvPr/>
-      </p:nvGrpSpPr>
-      <p:grpSpPr>
-        <a:xfrm>
-          <a:off x="0" y="0"/>
-          <a:ext cx="0" cy="0"/>
-          <a:chOff x="0" y="0"/>
-          <a:chExt cx="0" cy="0"/>
-        </a:xfrm>
-      </p:grpSpPr>
-      <p:sp>
-        <p:nvSpPr>
-          <p:cNvPr id="2" name="テキスト プレースホルダー 1">
-            <a:extLst>
-              <a:ext uri="{FF2B5EF4-FFF2-40B4-BE49-F238E27FC236}">
-                <a16:creationId xmlns:a16="http://schemas.microsoft.com/office/drawing/2014/main" id="{2856B158-0DF0-BE58-5923-FC575624C2FA}"/>
-              </a:ext>
-            </a:extLst>
-          </p:cNvPr>
-          <p:cNvSpPr>
-            <a:spLocks noGrp="1"/>
-          </p:cNvSpPr>
-          <p:nvPr>
-            <p:ph type="body" sz="quarter" idx="10"/>
-          </p:nvPr>
-        </p:nvSpPr>
-        <p:spPr/>
-        <p:txBody>
-          <a:bodyPr/>
-          <a:lstStyle/>
-          <a:p>
-            <a:r>
-              <a:rPr kumimoji="1" lang="ja-JP" altLang="en-US"/>
-              <a:t>ホスト認証</a:t>
-            </a:r>
-            <a:r>
-              <a:rPr kumimoji="1" lang="en-US" altLang="ja-JP" dirty="0"/>
-              <a:t>(</a:t>
-            </a:r>
-            <a:r>
-              <a:rPr kumimoji="1" lang="ja-JP" altLang="en-US"/>
-              <a:t>初回</a:t>
-            </a:r>
-            <a:r>
-              <a:rPr kumimoji="1" lang="en-US" altLang="ja-JP" dirty="0"/>
-              <a:t>)</a:t>
-            </a:r>
-            <a:endParaRPr kumimoji="1" lang="ja-JP" altLang="en-US"/>
-          </a:p>
-        </p:txBody>
-      </p:sp>
-      <p:pic>
-        <p:nvPicPr>
-          <p:cNvPr id="4" name="Picture 8" descr="会社で働く人のイラスト（男性）">
-            <a:extLst>
-              <a:ext uri="{FF2B5EF4-FFF2-40B4-BE49-F238E27FC236}">
-                <a16:creationId xmlns:a16="http://schemas.microsoft.com/office/drawing/2014/main" id="{5865CAD8-412C-FB6E-9879-3A315EB39768}"/>
-              </a:ext>
-            </a:extLst>
-          </p:cNvPr>
-          <p:cNvPicPr>
-            <a:picLocks noChangeAspect="1" noChangeArrowheads="1"/>
-          </p:cNvPicPr>
-          <p:nvPr/>
-        </p:nvPicPr>
-        <p:blipFill>
-          <a:blip r:embed="rId2">
-            <a:extLst>
-              <a:ext uri="{28A0092B-C50C-407E-A947-70E740481C1C}">
-                <a14:useLocalDpi xmlns:a14="http://schemas.microsoft.com/office/drawing/2010/main" val="0"/>
-              </a:ext>
-            </a:extLst>
-          </a:blip>
-          <a:srcRect/>
-          <a:stretch>
-            <a:fillRect/>
-          </a:stretch>
-        </p:blipFill>
-        <p:spPr bwMode="auto">
-          <a:xfrm flipH="1">
-            <a:off x="2991773" y="1711827"/>
-            <a:ext cx="777586" cy="777586"/>
-          </a:xfrm>
-          <a:prstGeom prst="rect">
-            <a:avLst/>
-          </a:prstGeom>
-          <a:noFill/>
-          <a:extLst>
-            <a:ext uri="{909E8E84-426E-40DD-AFC4-6F175D3DCCD1}">
-              <a14:hiddenFill xmlns:a14="http://schemas.microsoft.com/office/drawing/2010/main">
-                <a:solidFill>
-                  <a:srgbClr val="FFFFFF"/>
-                </a:solidFill>
-              </a14:hiddenFill>
-            </a:ext>
-          </a:extLst>
-        </p:spPr>
-      </p:pic>
-      <p:sp>
-        <p:nvSpPr>
-          <p:cNvPr id="5" name="テキスト ボックス 4">
-            <a:extLst>
-              <a:ext uri="{FF2B5EF4-FFF2-40B4-BE49-F238E27FC236}">
-                <a16:creationId xmlns:a16="http://schemas.microsoft.com/office/drawing/2014/main" id="{F1018928-47C5-F477-F7AF-E2A6FFA78943}"/>
-              </a:ext>
-            </a:extLst>
-          </p:cNvPr>
-          <p:cNvSpPr txBox="1"/>
-          <p:nvPr/>
-        </p:nvSpPr>
-        <p:spPr>
-          <a:xfrm>
-            <a:off x="903937" y="1155573"/>
-            <a:ext cx="7340471" cy="369332"/>
-          </a:xfrm>
-          <a:prstGeom prst="rect">
-            <a:avLst/>
-          </a:prstGeom>
-          <a:noFill/>
-        </p:spPr>
-        <p:txBody>
-          <a:bodyPr wrap="none" rtlCol="0">
-            <a:spAutoFit/>
-          </a:bodyPr>
-          <a:lstStyle/>
-          <a:p>
-            <a:r>
-              <a:rPr kumimoji="1" lang="ja-JP" altLang="en-US"/>
-              <a:t>初めて接続するホストで、クライアントが公開鍵を持っていない場合</a:t>
-            </a:r>
-          </a:p>
-        </p:txBody>
-      </p:sp>
-      <p:pic>
-        <p:nvPicPr>
-          <p:cNvPr id="6" name="図 5">
-            <a:extLst>
-              <a:ext uri="{FF2B5EF4-FFF2-40B4-BE49-F238E27FC236}">
-                <a16:creationId xmlns:a16="http://schemas.microsoft.com/office/drawing/2014/main" id="{E9B42F60-4D44-414B-6C38-098BF38BFD85}"/>
-              </a:ext>
-            </a:extLst>
-          </p:cNvPr>
-          <p:cNvPicPr>
-            <a:picLocks noChangeAspect="1"/>
-          </p:cNvPicPr>
-          <p:nvPr/>
-        </p:nvPicPr>
-        <p:blipFill>
-          <a:blip r:embed="rId3"/>
-          <a:stretch>
-            <a:fillRect/>
-          </a:stretch>
-        </p:blipFill>
-        <p:spPr>
-          <a:xfrm>
-            <a:off x="671277" y="1836886"/>
-            <a:ext cx="716898" cy="716898"/>
-          </a:xfrm>
-          <a:prstGeom prst="rect">
-            <a:avLst/>
-          </a:prstGeom>
-        </p:spPr>
-      </p:pic>
-      <p:sp>
-        <p:nvSpPr>
-          <p:cNvPr id="13" name="テキスト ボックス 12">
-            <a:extLst>
-              <a:ext uri="{FF2B5EF4-FFF2-40B4-BE49-F238E27FC236}">
-                <a16:creationId xmlns:a16="http://schemas.microsoft.com/office/drawing/2014/main" id="{2DE1A010-C164-C9C7-DAAA-E16DC0190283}"/>
-              </a:ext>
-            </a:extLst>
-          </p:cNvPr>
-          <p:cNvSpPr txBox="1"/>
-          <p:nvPr/>
-        </p:nvSpPr>
-        <p:spPr>
-          <a:xfrm>
-            <a:off x="4269802" y="3389346"/>
-            <a:ext cx="3903633" cy="369332"/>
-          </a:xfrm>
-          <a:prstGeom prst="rect">
-            <a:avLst/>
-          </a:prstGeom>
-          <a:noFill/>
-        </p:spPr>
-        <p:txBody>
-          <a:bodyPr wrap="none" rtlCol="0">
-            <a:spAutoFit/>
-          </a:bodyPr>
-          <a:lstStyle/>
-          <a:p>
-            <a:r>
-              <a:rPr kumimoji="1" lang="en-US" altLang="ja-JP" dirty="0"/>
-              <a:t>1. </a:t>
-            </a:r>
-            <a:r>
-              <a:rPr kumimoji="1" lang="ja-JP" altLang="en-US"/>
-              <a:t>ホストから公開鍵が送られてくる</a:t>
-            </a:r>
-          </a:p>
-        </p:txBody>
-      </p:sp>
-      <p:cxnSp>
-        <p:nvCxnSpPr>
-          <p:cNvPr id="15" name="直線矢印コネクタ 14">
-            <a:extLst>
-              <a:ext uri="{FF2B5EF4-FFF2-40B4-BE49-F238E27FC236}">
-                <a16:creationId xmlns:a16="http://schemas.microsoft.com/office/drawing/2014/main" id="{A6B8733E-A84D-DE8C-04ED-DFD3444C73EC}"/>
-              </a:ext>
-            </a:extLst>
-          </p:cNvPr>
-          <p:cNvCxnSpPr>
-            <a:cxnSpLocks/>
-          </p:cNvCxnSpPr>
-          <p:nvPr/>
-        </p:nvCxnSpPr>
-        <p:spPr>
-          <a:xfrm>
-            <a:off x="1647118" y="3598743"/>
-            <a:ext cx="948618" cy="0"/>
-          </a:xfrm>
-          <a:prstGeom prst="straightConnector1">
-            <a:avLst/>
-          </a:prstGeom>
-          <a:ln>
-            <a:solidFill>
-              <a:schemeClr val="tx1"/>
-            </a:solidFill>
-            <a:headEnd type="none" w="med" len="med"/>
-            <a:tailEnd type="triangle"/>
-          </a:ln>
-        </p:spPr>
-        <p:style>
-          <a:lnRef idx="1">
-            <a:schemeClr val="accent1"/>
-          </a:lnRef>
-          <a:fillRef idx="0">
-            <a:schemeClr val="accent1"/>
-          </a:fillRef>
-          <a:effectRef idx="0">
-            <a:schemeClr val="accent1"/>
-          </a:effectRef>
-          <a:fontRef idx="minor">
-            <a:schemeClr val="tx1"/>
-          </a:fontRef>
-        </p:style>
-      </p:cxnSp>
-      <p:sp>
-        <p:nvSpPr>
-          <p:cNvPr id="20" name="テキスト ボックス 19">
-            <a:extLst>
-              <a:ext uri="{FF2B5EF4-FFF2-40B4-BE49-F238E27FC236}">
-                <a16:creationId xmlns:a16="http://schemas.microsoft.com/office/drawing/2014/main" id="{39095693-46F9-F492-703D-509C492B5E87}"/>
-              </a:ext>
-            </a:extLst>
-          </p:cNvPr>
-          <p:cNvSpPr txBox="1"/>
-          <p:nvPr/>
-        </p:nvSpPr>
-        <p:spPr>
-          <a:xfrm>
-            <a:off x="4269802" y="4305186"/>
-            <a:ext cx="3672800" cy="369332"/>
-          </a:xfrm>
-          <a:prstGeom prst="rect">
-            <a:avLst/>
-          </a:prstGeom>
-          <a:noFill/>
-        </p:spPr>
-        <p:txBody>
-          <a:bodyPr wrap="none" rtlCol="0">
-            <a:spAutoFit/>
-          </a:bodyPr>
-          <a:lstStyle/>
-          <a:p>
-            <a:r>
-              <a:rPr kumimoji="1" lang="en-US" altLang="ja-JP" dirty="0"/>
-              <a:t>2. </a:t>
-            </a:r>
-            <a:r>
-              <a:rPr kumimoji="1" lang="ja-JP" altLang="en-US"/>
-              <a:t>この公開鍵を信じるか確認する</a:t>
-            </a:r>
-          </a:p>
-        </p:txBody>
-      </p:sp>
-      <p:sp>
-        <p:nvSpPr>
-          <p:cNvPr id="24" name="テキスト ボックス 23">
-            <a:extLst>
-              <a:ext uri="{FF2B5EF4-FFF2-40B4-BE49-F238E27FC236}">
-                <a16:creationId xmlns:a16="http://schemas.microsoft.com/office/drawing/2014/main" id="{67286F1D-A85E-4902-6BA6-55DD34456301}"/>
-              </a:ext>
-            </a:extLst>
-          </p:cNvPr>
-          <p:cNvSpPr txBox="1"/>
-          <p:nvPr/>
-        </p:nvSpPr>
-        <p:spPr>
-          <a:xfrm>
-            <a:off x="4269802" y="5450128"/>
-            <a:ext cx="4349080" cy="646331"/>
-          </a:xfrm>
-          <a:prstGeom prst="rect">
-            <a:avLst/>
-          </a:prstGeom>
-          <a:noFill/>
-        </p:spPr>
-        <p:txBody>
-          <a:bodyPr wrap="square" rtlCol="0">
-            <a:spAutoFit/>
-          </a:bodyPr>
-          <a:lstStyle/>
-          <a:p>
-            <a:r>
-              <a:rPr kumimoji="1" lang="en-US" altLang="ja-JP" dirty="0"/>
-              <a:t>3. </a:t>
-            </a:r>
-            <a:r>
-              <a:rPr kumimoji="1" lang="ja-JP" altLang="en-US"/>
-              <a:t>鍵を信じる場合</a:t>
-            </a:r>
-            <a:r>
-              <a:rPr lang="en-US" altLang="ja-JP" dirty="0"/>
-              <a:t>(yes)</a:t>
-            </a:r>
-            <a:r>
-              <a:rPr kumimoji="1" lang="ja-JP" altLang="en-US"/>
-              <a:t>、この鍵を「知っているホスト」に登録する</a:t>
-            </a:r>
-          </a:p>
-        </p:txBody>
-      </p:sp>
-      <p:sp>
-        <p:nvSpPr>
-          <p:cNvPr id="25" name="テキスト ボックス 24">
-            <a:extLst>
-              <a:ext uri="{FF2B5EF4-FFF2-40B4-BE49-F238E27FC236}">
-                <a16:creationId xmlns:a16="http://schemas.microsoft.com/office/drawing/2014/main" id="{814DB56F-25A7-6EB6-2C90-2B2BA8D4473C}"/>
-              </a:ext>
-            </a:extLst>
-          </p:cNvPr>
-          <p:cNvSpPr txBox="1"/>
-          <p:nvPr/>
-        </p:nvSpPr>
-        <p:spPr>
-          <a:xfrm>
-            <a:off x="2595736" y="2606846"/>
-            <a:ext cx="1569660" cy="369332"/>
-          </a:xfrm>
-          <a:prstGeom prst="rect">
-            <a:avLst/>
-          </a:prstGeom>
-          <a:noFill/>
-        </p:spPr>
-        <p:txBody>
-          <a:bodyPr wrap="none" rtlCol="0">
-            <a:spAutoFit/>
-          </a:bodyPr>
-          <a:lstStyle/>
-          <a:p>
-            <a:r>
-              <a:rPr kumimoji="1" lang="ja-JP" altLang="en-US"/>
-              <a:t>クライアント</a:t>
-            </a:r>
-          </a:p>
-        </p:txBody>
-      </p:sp>
-      <p:sp>
-        <p:nvSpPr>
-          <p:cNvPr id="26" name="テキスト ボックス 25">
-            <a:extLst>
-              <a:ext uri="{FF2B5EF4-FFF2-40B4-BE49-F238E27FC236}">
-                <a16:creationId xmlns:a16="http://schemas.microsoft.com/office/drawing/2014/main" id="{9000EECF-6FEE-425F-16E9-01B8B2CAD45B}"/>
-              </a:ext>
-            </a:extLst>
-          </p:cNvPr>
-          <p:cNvSpPr txBox="1"/>
-          <p:nvPr/>
-        </p:nvSpPr>
-        <p:spPr>
-          <a:xfrm>
-            <a:off x="671277" y="2616431"/>
-            <a:ext cx="877163" cy="369332"/>
-          </a:xfrm>
-          <a:prstGeom prst="rect">
-            <a:avLst/>
-          </a:prstGeom>
-          <a:noFill/>
-        </p:spPr>
-        <p:txBody>
-          <a:bodyPr wrap="none" rtlCol="0">
-            <a:spAutoFit/>
-          </a:bodyPr>
-          <a:lstStyle/>
-          <a:p>
-            <a:r>
-              <a:rPr kumimoji="1" lang="ja-JP" altLang="en-US"/>
-              <a:t>ホスト</a:t>
-            </a:r>
-          </a:p>
-        </p:txBody>
-      </p:sp>
-      <p:pic>
-        <p:nvPicPr>
-          <p:cNvPr id="5122" name="Picture 2" descr="ロッカーのイラスト（閉）">
-            <a:extLst>
-              <a:ext uri="{FF2B5EF4-FFF2-40B4-BE49-F238E27FC236}">
-                <a16:creationId xmlns:a16="http://schemas.microsoft.com/office/drawing/2014/main" id="{FC563572-0F26-A989-51E9-9DA3E950DAE0}"/>
-              </a:ext>
-            </a:extLst>
-          </p:cNvPr>
-          <p:cNvPicPr>
-            <a:picLocks noChangeAspect="1" noChangeArrowheads="1"/>
-          </p:cNvPicPr>
-          <p:nvPr/>
-        </p:nvPicPr>
-        <p:blipFill>
-          <a:blip r:embed="rId4">
-            <a:extLst>
-              <a:ext uri="{28A0092B-C50C-407E-A947-70E740481C1C}">
-                <a14:useLocalDpi xmlns:a14="http://schemas.microsoft.com/office/drawing/2010/main" val="0"/>
-              </a:ext>
-            </a:extLst>
-          </a:blip>
-          <a:srcRect/>
-          <a:stretch>
-            <a:fillRect/>
-          </a:stretch>
-        </p:blipFill>
-        <p:spPr bwMode="auto">
-          <a:xfrm>
-            <a:off x="3414112" y="5263442"/>
-            <a:ext cx="591769" cy="1047378"/>
-          </a:xfrm>
-          <a:prstGeom prst="rect">
-            <a:avLst/>
-          </a:prstGeom>
-          <a:noFill/>
-          <a:extLst>
-            <a:ext uri="{909E8E84-426E-40DD-AFC4-6F175D3DCCD1}">
-              <a14:hiddenFill xmlns:a14="http://schemas.microsoft.com/office/drawing/2010/main">
-                <a:solidFill>
-                  <a:srgbClr val="FFFFFF"/>
-                </a:solidFill>
-              </a14:hiddenFill>
-            </a:ext>
-          </a:extLst>
-        </p:spPr>
-      </p:pic>
-      <p:grpSp>
-        <p:nvGrpSpPr>
-          <p:cNvPr id="31" name="グループ化 30">
-            <a:extLst>
-              <a:ext uri="{FF2B5EF4-FFF2-40B4-BE49-F238E27FC236}">
-                <a16:creationId xmlns:a16="http://schemas.microsoft.com/office/drawing/2014/main" id="{79A992EA-006C-C5C7-195D-8B7CD7B57E27}"/>
-              </a:ext>
-            </a:extLst>
-          </p:cNvPr>
-          <p:cNvGrpSpPr/>
-          <p:nvPr/>
-        </p:nvGrpSpPr>
-        <p:grpSpPr>
-          <a:xfrm>
-            <a:off x="2976074" y="3260043"/>
-            <a:ext cx="599238" cy="677400"/>
-            <a:chOff x="3980964" y="3583025"/>
-            <a:chExt cx="828092" cy="936104"/>
-          </a:xfrm>
-        </p:grpSpPr>
-        <p:sp>
-          <p:nvSpPr>
-            <p:cNvPr id="32" name="正方形/長方形 31">
-              <a:extLst>
-                <a:ext uri="{FF2B5EF4-FFF2-40B4-BE49-F238E27FC236}">
-                  <a16:creationId xmlns:a16="http://schemas.microsoft.com/office/drawing/2014/main" id="{468AA0BD-DF29-7FBB-6209-C7D02BEC4510}"/>
-                </a:ext>
-              </a:extLst>
-            </p:cNvPr>
-            <p:cNvSpPr/>
-            <p:nvPr/>
-          </p:nvSpPr>
-          <p:spPr>
-            <a:xfrm>
-              <a:off x="4232992" y="3583025"/>
-              <a:ext cx="576064" cy="936104"/>
-            </a:xfrm>
-            <a:prstGeom prst="rect">
-              <a:avLst/>
-            </a:prstGeom>
-            <a:solidFill>
-              <a:srgbClr val="FFC000"/>
-            </a:solidFill>
-            <a:ln>
-              <a:noFill/>
-            </a:ln>
-          </p:spPr>
-          <p:style>
-            <a:lnRef idx="2">
-              <a:schemeClr val="accent1">
-                <a:shade val="50000"/>
-              </a:schemeClr>
-            </a:lnRef>
-            <a:fillRef idx="1">
-              <a:schemeClr val="accent1"/>
-            </a:fillRef>
-            <a:effectRef idx="0">
-              <a:schemeClr val="accent1"/>
-            </a:effectRef>
-            <a:fontRef idx="minor">
-              <a:schemeClr val="lt1"/>
-            </a:fontRef>
-          </p:style>
-          <p:txBody>
-            <a:bodyPr rtlCol="0" anchor="ctr"/>
-            <a:lstStyle/>
-            <a:p>
-              <a:pPr algn="ctr"/>
-              <a:endParaRPr kumimoji="1" lang="ja-JP" altLang="en-US"/>
-            </a:p>
-          </p:txBody>
-        </p:sp>
-        <p:sp>
-          <p:nvSpPr>
-            <p:cNvPr id="33" name="三角形 32">
-              <a:extLst>
-                <a:ext uri="{FF2B5EF4-FFF2-40B4-BE49-F238E27FC236}">
-                  <a16:creationId xmlns:a16="http://schemas.microsoft.com/office/drawing/2014/main" id="{4EDA9DCB-B6D0-0A33-2D69-592604627CEA}"/>
-                </a:ext>
-              </a:extLst>
-            </p:cNvPr>
-            <p:cNvSpPr/>
-            <p:nvPr/>
-          </p:nvSpPr>
-          <p:spPr>
-            <a:xfrm rot="5400000">
-              <a:off x="4016968" y="3799049"/>
-              <a:ext cx="432048" cy="504056"/>
-            </a:xfrm>
-            <a:prstGeom prst="triangle">
-              <a:avLst/>
-            </a:prstGeom>
-            <a:solidFill>
-              <a:schemeClr val="bg1">
-                <a:lumMod val="95000"/>
-              </a:schemeClr>
-            </a:solidFill>
-            <a:ln>
-              <a:noFill/>
-            </a:ln>
-          </p:spPr>
-          <p:style>
-            <a:lnRef idx="2">
-              <a:schemeClr val="accent1">
-                <a:shade val="50000"/>
-              </a:schemeClr>
-            </a:lnRef>
-            <a:fillRef idx="1">
-              <a:schemeClr val="accent1"/>
-            </a:fillRef>
-            <a:effectRef idx="0">
-              <a:schemeClr val="accent1"/>
-            </a:effectRef>
-            <a:fontRef idx="minor">
-              <a:schemeClr val="lt1"/>
-            </a:fontRef>
-          </p:style>
-          <p:txBody>
-            <a:bodyPr rtlCol="0" anchor="ctr"/>
-            <a:lstStyle/>
-            <a:p>
-              <a:pPr algn="ctr"/>
-              <a:endParaRPr kumimoji="1" lang="ja-JP" altLang="en-US"/>
-            </a:p>
-          </p:txBody>
-        </p:sp>
-      </p:grpSp>
-      <p:grpSp>
-        <p:nvGrpSpPr>
-          <p:cNvPr id="34" name="グループ化 33">
-            <a:extLst>
-              <a:ext uri="{FF2B5EF4-FFF2-40B4-BE49-F238E27FC236}">
-                <a16:creationId xmlns:a16="http://schemas.microsoft.com/office/drawing/2014/main" id="{9B54F918-BE57-7772-B573-DAD005DB2BDB}"/>
-              </a:ext>
-            </a:extLst>
-          </p:cNvPr>
-          <p:cNvGrpSpPr/>
-          <p:nvPr/>
-        </p:nvGrpSpPr>
-        <p:grpSpPr>
-          <a:xfrm>
-            <a:off x="788937" y="3194838"/>
-            <a:ext cx="599238" cy="677400"/>
-            <a:chOff x="2339752" y="3645024"/>
-            <a:chExt cx="828092" cy="936104"/>
-          </a:xfrm>
-        </p:grpSpPr>
-        <p:sp>
-          <p:nvSpPr>
-            <p:cNvPr id="35" name="正方形/長方形 34">
-              <a:extLst>
-                <a:ext uri="{FF2B5EF4-FFF2-40B4-BE49-F238E27FC236}">
-                  <a16:creationId xmlns:a16="http://schemas.microsoft.com/office/drawing/2014/main" id="{72522722-D060-0480-FDFC-2520AB436111}"/>
-                </a:ext>
-              </a:extLst>
-            </p:cNvPr>
-            <p:cNvSpPr/>
-            <p:nvPr/>
-          </p:nvSpPr>
-          <p:spPr>
-            <a:xfrm>
-              <a:off x="2339752" y="3645024"/>
-              <a:ext cx="576064" cy="936104"/>
-            </a:xfrm>
-            <a:prstGeom prst="rect">
-              <a:avLst/>
-            </a:prstGeom>
-            <a:solidFill>
-              <a:srgbClr val="FFC000"/>
-            </a:solidFill>
-            <a:ln>
-              <a:noFill/>
-            </a:ln>
-          </p:spPr>
-          <p:style>
-            <a:lnRef idx="2">
-              <a:schemeClr val="accent1">
-                <a:shade val="50000"/>
-              </a:schemeClr>
-            </a:lnRef>
-            <a:fillRef idx="1">
-              <a:schemeClr val="accent1"/>
-            </a:fillRef>
-            <a:effectRef idx="0">
-              <a:schemeClr val="accent1"/>
-            </a:effectRef>
-            <a:fontRef idx="minor">
-              <a:schemeClr val="lt1"/>
-            </a:fontRef>
-          </p:style>
-          <p:txBody>
-            <a:bodyPr rtlCol="0" anchor="ctr"/>
-            <a:lstStyle/>
-            <a:p>
-              <a:pPr algn="ctr"/>
-              <a:endParaRPr kumimoji="1" lang="ja-JP" altLang="en-US"/>
-            </a:p>
-          </p:txBody>
-        </p:sp>
-        <p:sp>
-          <p:nvSpPr>
-            <p:cNvPr id="36" name="三角形 35">
-              <a:extLst>
-                <a:ext uri="{FF2B5EF4-FFF2-40B4-BE49-F238E27FC236}">
-                  <a16:creationId xmlns:a16="http://schemas.microsoft.com/office/drawing/2014/main" id="{8A1B9060-166B-DAA4-E63D-4CBECEE12693}"/>
-                </a:ext>
-              </a:extLst>
-            </p:cNvPr>
-            <p:cNvSpPr/>
-            <p:nvPr/>
-          </p:nvSpPr>
-          <p:spPr>
-            <a:xfrm rot="5400000">
-              <a:off x="2699792" y="3861048"/>
-              <a:ext cx="432048" cy="504056"/>
-            </a:xfrm>
-            <a:prstGeom prst="triangle">
-              <a:avLst/>
-            </a:prstGeom>
-            <a:solidFill>
-              <a:srgbClr val="FFC000"/>
-            </a:solidFill>
-            <a:ln>
-              <a:noFill/>
-            </a:ln>
-          </p:spPr>
-          <p:style>
-            <a:lnRef idx="2">
-              <a:schemeClr val="accent1">
-                <a:shade val="50000"/>
-              </a:schemeClr>
-            </a:lnRef>
-            <a:fillRef idx="1">
-              <a:schemeClr val="accent1"/>
-            </a:fillRef>
-            <a:effectRef idx="0">
-              <a:schemeClr val="accent1"/>
-            </a:effectRef>
-            <a:fontRef idx="minor">
-              <a:schemeClr val="lt1"/>
-            </a:fontRef>
-          </p:style>
-          <p:txBody>
-            <a:bodyPr rtlCol="0" anchor="ctr"/>
-            <a:lstStyle/>
-            <a:p>
-              <a:pPr algn="ctr"/>
-              <a:endParaRPr kumimoji="1" lang="ja-JP" altLang="en-US"/>
-            </a:p>
-          </p:txBody>
-        </p:sp>
-      </p:grpSp>
-      <p:grpSp>
-        <p:nvGrpSpPr>
-          <p:cNvPr id="37" name="グループ化 36">
-            <a:extLst>
-              <a:ext uri="{FF2B5EF4-FFF2-40B4-BE49-F238E27FC236}">
-                <a16:creationId xmlns:a16="http://schemas.microsoft.com/office/drawing/2014/main" id="{2DF0EC30-91AF-AAFA-ADA3-1B475B543872}"/>
-              </a:ext>
-            </a:extLst>
-          </p:cNvPr>
-          <p:cNvGrpSpPr/>
-          <p:nvPr/>
-        </p:nvGrpSpPr>
-        <p:grpSpPr>
-          <a:xfrm>
-            <a:off x="3216840" y="4403685"/>
-            <a:ext cx="599238" cy="677400"/>
-            <a:chOff x="3980964" y="3583025"/>
-            <a:chExt cx="828092" cy="936104"/>
-          </a:xfrm>
-        </p:grpSpPr>
-        <p:sp>
-          <p:nvSpPr>
-            <p:cNvPr id="38" name="正方形/長方形 37">
-              <a:extLst>
-                <a:ext uri="{FF2B5EF4-FFF2-40B4-BE49-F238E27FC236}">
-                  <a16:creationId xmlns:a16="http://schemas.microsoft.com/office/drawing/2014/main" id="{DD7A39C0-534D-FED7-C942-42102D0EE60B}"/>
-                </a:ext>
-              </a:extLst>
-            </p:cNvPr>
-            <p:cNvSpPr/>
-            <p:nvPr/>
-          </p:nvSpPr>
-          <p:spPr>
-            <a:xfrm>
-              <a:off x="4232992" y="3583025"/>
-              <a:ext cx="576064" cy="936104"/>
-            </a:xfrm>
-            <a:prstGeom prst="rect">
-              <a:avLst/>
-            </a:prstGeom>
-            <a:solidFill>
-              <a:srgbClr val="FFC000"/>
-            </a:solidFill>
-            <a:ln>
-              <a:noFill/>
-            </a:ln>
-          </p:spPr>
-          <p:style>
-            <a:lnRef idx="2">
-              <a:schemeClr val="accent1">
-                <a:shade val="50000"/>
-              </a:schemeClr>
-            </a:lnRef>
-            <a:fillRef idx="1">
-              <a:schemeClr val="accent1"/>
-            </a:fillRef>
-            <a:effectRef idx="0">
-              <a:schemeClr val="accent1"/>
-            </a:effectRef>
-            <a:fontRef idx="minor">
-              <a:schemeClr val="lt1"/>
-            </a:fontRef>
-          </p:style>
-          <p:txBody>
-            <a:bodyPr rtlCol="0" anchor="ctr"/>
-            <a:lstStyle/>
-            <a:p>
-              <a:pPr algn="ctr"/>
-              <a:endParaRPr kumimoji="1" lang="ja-JP" altLang="en-US"/>
-            </a:p>
-          </p:txBody>
-        </p:sp>
-        <p:sp>
-          <p:nvSpPr>
-            <p:cNvPr id="39" name="三角形 38">
-              <a:extLst>
-                <a:ext uri="{FF2B5EF4-FFF2-40B4-BE49-F238E27FC236}">
-                  <a16:creationId xmlns:a16="http://schemas.microsoft.com/office/drawing/2014/main" id="{23764456-21BE-AE12-031B-EC762275025C}"/>
-                </a:ext>
-              </a:extLst>
-            </p:cNvPr>
-            <p:cNvSpPr/>
-            <p:nvPr/>
-          </p:nvSpPr>
-          <p:spPr>
-            <a:xfrm rot="5400000">
-              <a:off x="4016968" y="3799049"/>
-              <a:ext cx="432048" cy="504056"/>
-            </a:xfrm>
-            <a:prstGeom prst="triangle">
-              <a:avLst/>
-            </a:prstGeom>
-            <a:solidFill>
-              <a:schemeClr val="bg1">
-                <a:lumMod val="95000"/>
-              </a:schemeClr>
-            </a:solidFill>
-            <a:ln>
-              <a:noFill/>
-            </a:ln>
-          </p:spPr>
-          <p:style>
-            <a:lnRef idx="2">
-              <a:schemeClr val="accent1">
-                <a:shade val="50000"/>
-              </a:schemeClr>
-            </a:lnRef>
-            <a:fillRef idx="1">
-              <a:schemeClr val="accent1"/>
-            </a:fillRef>
-            <a:effectRef idx="0">
-              <a:schemeClr val="accent1"/>
-            </a:effectRef>
-            <a:fontRef idx="minor">
-              <a:schemeClr val="lt1"/>
-            </a:fontRef>
-          </p:style>
-          <p:txBody>
-            <a:bodyPr rtlCol="0" anchor="ctr"/>
-            <a:lstStyle/>
-            <a:p>
-              <a:pPr algn="ctr"/>
-              <a:endParaRPr kumimoji="1" lang="ja-JP" altLang="en-US"/>
-            </a:p>
-          </p:txBody>
-        </p:sp>
-      </p:grpSp>
-      <p:pic>
-        <p:nvPicPr>
-          <p:cNvPr id="5124" name="Picture 4" descr="虫眼鏡を持った男性会社員のイラスト">
-            <a:extLst>
-              <a:ext uri="{FF2B5EF4-FFF2-40B4-BE49-F238E27FC236}">
-                <a16:creationId xmlns:a16="http://schemas.microsoft.com/office/drawing/2014/main" id="{419B33F9-C953-1CC3-D6C6-376EE1FB795E}"/>
-              </a:ext>
-            </a:extLst>
-          </p:cNvPr>
-          <p:cNvPicPr>
-            <a:picLocks noChangeAspect="1" noChangeArrowheads="1"/>
-          </p:cNvPicPr>
-          <p:nvPr/>
-        </p:nvPicPr>
-        <p:blipFill>
-          <a:blip r:embed="rId5">
-            <a:extLst>
-              <a:ext uri="{28A0092B-C50C-407E-A947-70E740481C1C}">
-                <a14:useLocalDpi xmlns:a14="http://schemas.microsoft.com/office/drawing/2010/main" val="0"/>
-              </a:ext>
-            </a:extLst>
-          </a:blip>
-          <a:srcRect/>
-          <a:stretch>
-            <a:fillRect/>
-          </a:stretch>
-        </p:blipFill>
-        <p:spPr bwMode="auto">
-          <a:xfrm>
-            <a:off x="2631551" y="4272351"/>
-            <a:ext cx="689045" cy="842869"/>
-          </a:xfrm>
-          <a:prstGeom prst="rect">
-            <a:avLst/>
-          </a:prstGeom>
-          <a:noFill/>
-          <a:extLst>
-            <a:ext uri="{909E8E84-426E-40DD-AFC4-6F175D3DCCD1}">
-              <a14:hiddenFill xmlns:a14="http://schemas.microsoft.com/office/drawing/2010/main">
-                <a:solidFill>
-                  <a:srgbClr val="FFFFFF"/>
-                </a:solidFill>
-              </a14:hiddenFill>
-            </a:ext>
-          </a:extLst>
-        </p:spPr>
-      </p:pic>
-      <p:grpSp>
-        <p:nvGrpSpPr>
-          <p:cNvPr id="40" name="グループ化 39">
-            <a:extLst>
-              <a:ext uri="{FF2B5EF4-FFF2-40B4-BE49-F238E27FC236}">
-                <a16:creationId xmlns:a16="http://schemas.microsoft.com/office/drawing/2014/main" id="{EF2C2EDD-3B50-BF35-6F4D-E22A802BA515}"/>
-              </a:ext>
-            </a:extLst>
-          </p:cNvPr>
-          <p:cNvGrpSpPr/>
-          <p:nvPr/>
-        </p:nvGrpSpPr>
-        <p:grpSpPr>
-          <a:xfrm>
-            <a:off x="2273532" y="5396420"/>
-            <a:ext cx="599238" cy="677400"/>
-            <a:chOff x="3980964" y="3583025"/>
-            <a:chExt cx="828092" cy="936104"/>
-          </a:xfrm>
-        </p:grpSpPr>
-        <p:sp>
-          <p:nvSpPr>
-            <p:cNvPr id="41" name="正方形/長方形 40">
-              <a:extLst>
-                <a:ext uri="{FF2B5EF4-FFF2-40B4-BE49-F238E27FC236}">
-                  <a16:creationId xmlns:a16="http://schemas.microsoft.com/office/drawing/2014/main" id="{8EC0F707-EA8B-6C70-BBEB-9800BDD1C2AD}"/>
-                </a:ext>
-              </a:extLst>
-            </p:cNvPr>
-            <p:cNvSpPr/>
-            <p:nvPr/>
-          </p:nvSpPr>
-          <p:spPr>
-            <a:xfrm>
-              <a:off x="4232992" y="3583025"/>
-              <a:ext cx="576064" cy="936104"/>
-            </a:xfrm>
-            <a:prstGeom prst="rect">
-              <a:avLst/>
-            </a:prstGeom>
-            <a:solidFill>
-              <a:srgbClr val="FFC000"/>
-            </a:solidFill>
-            <a:ln>
-              <a:noFill/>
-            </a:ln>
-          </p:spPr>
-          <p:style>
-            <a:lnRef idx="2">
-              <a:schemeClr val="accent1">
-                <a:shade val="50000"/>
-              </a:schemeClr>
-            </a:lnRef>
-            <a:fillRef idx="1">
-              <a:schemeClr val="accent1"/>
-            </a:fillRef>
-            <a:effectRef idx="0">
-              <a:schemeClr val="accent1"/>
-            </a:effectRef>
-            <a:fontRef idx="minor">
-              <a:schemeClr val="lt1"/>
-            </a:fontRef>
-          </p:style>
-          <p:txBody>
-            <a:bodyPr rtlCol="0" anchor="ctr"/>
-            <a:lstStyle/>
-            <a:p>
-              <a:pPr algn="ctr"/>
-              <a:endParaRPr kumimoji="1" lang="ja-JP" altLang="en-US"/>
-            </a:p>
-          </p:txBody>
-        </p:sp>
-        <p:sp>
-          <p:nvSpPr>
-            <p:cNvPr id="42" name="三角形 41">
-              <a:extLst>
-                <a:ext uri="{FF2B5EF4-FFF2-40B4-BE49-F238E27FC236}">
-                  <a16:creationId xmlns:a16="http://schemas.microsoft.com/office/drawing/2014/main" id="{7B26660F-7659-67FE-DEB5-38303905B526}"/>
-                </a:ext>
-              </a:extLst>
-            </p:cNvPr>
-            <p:cNvSpPr/>
-            <p:nvPr/>
-          </p:nvSpPr>
-          <p:spPr>
-            <a:xfrm rot="5400000">
-              <a:off x="4016968" y="3799049"/>
-              <a:ext cx="432048" cy="504056"/>
-            </a:xfrm>
-            <a:prstGeom prst="triangle">
-              <a:avLst/>
-            </a:prstGeom>
-            <a:solidFill>
-              <a:schemeClr val="bg1">
-                <a:lumMod val="95000"/>
-              </a:schemeClr>
-            </a:solidFill>
-            <a:ln>
-              <a:noFill/>
-            </a:ln>
-          </p:spPr>
-          <p:style>
-            <a:lnRef idx="2">
-              <a:schemeClr val="accent1">
-                <a:shade val="50000"/>
-              </a:schemeClr>
-            </a:lnRef>
-            <a:fillRef idx="1">
-              <a:schemeClr val="accent1"/>
-            </a:fillRef>
-            <a:effectRef idx="0">
-              <a:schemeClr val="accent1"/>
-            </a:effectRef>
-            <a:fontRef idx="minor">
-              <a:schemeClr val="lt1"/>
-            </a:fontRef>
-          </p:style>
-          <p:txBody>
-            <a:bodyPr rtlCol="0" anchor="ctr"/>
-            <a:lstStyle/>
-            <a:p>
-              <a:pPr algn="ctr"/>
-              <a:endParaRPr kumimoji="1" lang="ja-JP" altLang="en-US"/>
-            </a:p>
-          </p:txBody>
-        </p:sp>
-      </p:grpSp>
-      <p:sp>
-        <p:nvSpPr>
-          <p:cNvPr id="43" name="右矢印 42">
-            <a:extLst>
-              <a:ext uri="{FF2B5EF4-FFF2-40B4-BE49-F238E27FC236}">
-                <a16:creationId xmlns:a16="http://schemas.microsoft.com/office/drawing/2014/main" id="{2CA43408-AD91-6BD5-9008-4E3108819369}"/>
-              </a:ext>
-            </a:extLst>
-          </p:cNvPr>
-          <p:cNvSpPr/>
-          <p:nvPr/>
-        </p:nvSpPr>
-        <p:spPr>
-          <a:xfrm>
-            <a:off x="3023304" y="5578797"/>
-            <a:ext cx="344523" cy="312646"/>
-          </a:xfrm>
-          <a:prstGeom prst="rightArrow">
-            <a:avLst/>
-          </a:prstGeom>
-          <a:solidFill>
-            <a:srgbClr val="FF0000"/>
-          </a:solidFill>
-          <a:ln>
-            <a:solidFill>
-              <a:schemeClr val="tx1"/>
-            </a:solidFill>
-          </a:ln>
-        </p:spPr>
-        <p:style>
-          <a:lnRef idx="2">
-            <a:schemeClr val="accent1">
-              <a:shade val="50000"/>
-            </a:schemeClr>
-          </a:lnRef>
-          <a:fillRef idx="1">
-            <a:schemeClr val="accent1"/>
-          </a:fillRef>
-          <a:effectRef idx="0">
-            <a:schemeClr val="accent1"/>
-          </a:effectRef>
-          <a:fontRef idx="minor">
-            <a:schemeClr val="lt1"/>
-          </a:fontRef>
-        </p:style>
-        <p:txBody>
-          <a:bodyPr rtlCol="0" anchor="ctr"/>
-          <a:lstStyle/>
-          <a:p>
-            <a:pPr algn="ctr"/>
-            <a:endParaRPr kumimoji="1" lang="ja-JP" altLang="en-US"/>
-          </a:p>
-        </p:txBody>
-      </p:sp>
-      <p:sp>
-        <p:nvSpPr>
-          <p:cNvPr id="44" name="テキスト ボックス 43">
-            <a:extLst>
-              <a:ext uri="{FF2B5EF4-FFF2-40B4-BE49-F238E27FC236}">
-                <a16:creationId xmlns:a16="http://schemas.microsoft.com/office/drawing/2014/main" id="{478FDE66-0CE7-FFBD-1935-53CB6E5EB1F7}"/>
-              </a:ext>
-            </a:extLst>
-          </p:cNvPr>
-          <p:cNvSpPr txBox="1"/>
-          <p:nvPr/>
-        </p:nvSpPr>
-        <p:spPr>
-          <a:xfrm>
-            <a:off x="2779344" y="6355020"/>
-            <a:ext cx="1980029" cy="338554"/>
-          </a:xfrm>
-          <a:prstGeom prst="rect">
-            <a:avLst/>
-          </a:prstGeom>
-          <a:noFill/>
-        </p:spPr>
-        <p:txBody>
-          <a:bodyPr wrap="none" rtlCol="0">
-            <a:spAutoFit/>
-          </a:bodyPr>
-          <a:lstStyle/>
-          <a:p>
-            <a:r>
-              <a:rPr lang="en-US" altLang="ja-JP" sz="1600" dirty="0">
-                <a:latin typeface="Consolas" panose="020B0609020204030204" pitchFamily="49" charset="0"/>
-                <a:cs typeface="Consolas" panose="020B0609020204030204" pitchFamily="49" charset="0"/>
-              </a:rPr>
-              <a:t>.ssh/</a:t>
-            </a:r>
-            <a:r>
-              <a:rPr lang="en-US" altLang="ja-JP" sz="1600" dirty="0" err="1">
-                <a:latin typeface="Consolas" panose="020B0609020204030204" pitchFamily="49" charset="0"/>
-                <a:cs typeface="Consolas" panose="020B0609020204030204" pitchFamily="49" charset="0"/>
-              </a:rPr>
-              <a:t>known_hosts</a:t>
-            </a:r>
-            <a:endParaRPr kumimoji="1" lang="ja-JP" altLang="en-US" sz="1600">
-              <a:latin typeface="Consolas" panose="020B0609020204030204" pitchFamily="49" charset="0"/>
-              <a:cs typeface="Consolas" panose="020B0609020204030204" pitchFamily="49" charset="0"/>
-            </a:endParaRPr>
-          </a:p>
-        </p:txBody>
-      </p:sp>
-      <p:sp>
-        <p:nvSpPr>
-          <p:cNvPr id="7" name="テキスト ボックス 6">
-            <a:extLst>
-              <a:ext uri="{FF2B5EF4-FFF2-40B4-BE49-F238E27FC236}">
-                <a16:creationId xmlns:a16="http://schemas.microsoft.com/office/drawing/2014/main" id="{B2270556-3EE4-7A46-B714-DAAC3CA167B0}"/>
-              </a:ext>
-            </a:extLst>
-          </p:cNvPr>
-          <p:cNvSpPr txBox="1"/>
-          <p:nvPr/>
-        </p:nvSpPr>
-        <p:spPr>
-          <a:xfrm>
-            <a:off x="4269802" y="4705047"/>
-            <a:ext cx="4669389" cy="238184"/>
-          </a:xfrm>
-          <a:prstGeom prst="rect">
-            <a:avLst/>
-          </a:prstGeom>
-          <a:solidFill>
-            <a:schemeClr val="tx1"/>
-          </a:solidFill>
-        </p:spPr>
-        <p:txBody>
-          <a:bodyPr wrap="square">
-            <a:spAutoFit/>
-          </a:bodyPr>
-          <a:lstStyle/>
-          <a:p>
-            <a:r>
-              <a:rPr lang="en" altLang="ja-JP" sz="900" dirty="0">
-                <a:solidFill>
-                  <a:schemeClr val="bg1"/>
-                </a:solidFill>
-                <a:effectLst/>
-                <a:latin typeface="Consolas" panose="020B0609020204030204" pitchFamily="49" charset="0"/>
-                <a:cs typeface="Consolas" panose="020B0609020204030204" pitchFamily="49" charset="0"/>
-              </a:rPr>
-              <a:t>Are you sure you want to continue connecting (yes/no/[fingerprint])?</a:t>
-            </a:r>
-            <a:endParaRPr lang="ja-JP" altLang="en-US" sz="900">
-              <a:solidFill>
-                <a:schemeClr val="bg1"/>
-              </a:solidFill>
-              <a:latin typeface="Consolas" panose="020B0609020204030204" pitchFamily="49" charset="0"/>
-              <a:cs typeface="Consolas" panose="020B0609020204030204" pitchFamily="49" charset="0"/>
-            </a:endParaRPr>
-          </a:p>
-        </p:txBody>
-      </p:sp>
-    </p:spTree>
-    <p:extLst>
-      <p:ext uri="{BB962C8B-B14F-4D97-AF65-F5344CB8AC3E}">
-        <p14:creationId xmlns:p14="http://schemas.microsoft.com/office/powerpoint/2010/main" val="2699574296"/>
-      </p:ext>
-    </p:extLst>
-  </p:cSld>
-  <p:clrMapOvr>
-    <a:masterClrMapping/>
-  </p:clrMapOvr>
-</p:sld>
-</file>
-
-<file path=ppt/slides/slide14.xml><?xml version="1.0" encoding="utf-8"?>
-<p:sld xmlns:a="http://schemas.openxmlformats.org/drawingml/2006/main" xmlns:r="http://schemas.openxmlformats.org/officeDocument/2006/relationships" xmlns:p="http://schemas.openxmlformats.org/presentationml/2006/main">
-  <p:cSld>
-    <p:spTree>
-      <p:nvGrpSpPr>
-        <p:cNvPr id="1" name=""/>
-        <p:cNvGrpSpPr/>
-        <p:nvPr/>
-      </p:nvGrpSpPr>
-      <p:grpSpPr>
-        <a:xfrm>
-          <a:off x="0" y="0"/>
-          <a:ext cx="0" cy="0"/>
-          <a:chOff x="0" y="0"/>
-          <a:chExt cx="0" cy="0"/>
-        </a:xfrm>
-      </p:grpSpPr>
-      <p:sp>
-        <p:nvSpPr>
-          <p:cNvPr id="2" name="テキスト プレースホルダー 1">
-            <a:extLst>
-              <a:ext uri="{FF2B5EF4-FFF2-40B4-BE49-F238E27FC236}">
-                <a16:creationId xmlns:a16="http://schemas.microsoft.com/office/drawing/2014/main" id="{D2029CCD-7DA5-EF15-6879-EC1457B83FDA}"/>
-              </a:ext>
-            </a:extLst>
-          </p:cNvPr>
-          <p:cNvSpPr>
-            <a:spLocks noGrp="1"/>
-          </p:cNvSpPr>
-          <p:nvPr>
-            <p:ph type="body" sz="quarter" idx="10"/>
-          </p:nvPr>
-        </p:nvSpPr>
-        <p:spPr/>
-        <p:txBody>
-          <a:bodyPr/>
-          <a:lstStyle/>
-          <a:p>
-            <a:r>
-              <a:rPr kumimoji="1" lang="ja-JP" altLang="en-US"/>
-              <a:t>ホスト認証</a:t>
-            </a:r>
-            <a:r>
-              <a:rPr kumimoji="1" lang="en-US" altLang="ja-JP" dirty="0"/>
-              <a:t>(</a:t>
-            </a:r>
-            <a:r>
-              <a:rPr kumimoji="1" lang="ja-JP" altLang="en-US"/>
-              <a:t>二回目以降</a:t>
-            </a:r>
-            <a:r>
-              <a:rPr kumimoji="1" lang="en-US" altLang="ja-JP" dirty="0"/>
-              <a:t>)</a:t>
-            </a:r>
-            <a:endParaRPr kumimoji="1" lang="ja-JP" altLang="en-US"/>
-          </a:p>
-        </p:txBody>
-      </p:sp>
-      <p:pic>
-        <p:nvPicPr>
-          <p:cNvPr id="4" name="Picture 8" descr="会社で働く人のイラスト（男性）">
-            <a:extLst>
-              <a:ext uri="{FF2B5EF4-FFF2-40B4-BE49-F238E27FC236}">
-                <a16:creationId xmlns:a16="http://schemas.microsoft.com/office/drawing/2014/main" id="{05790EB3-B905-367D-DF19-1847FFDD031F}"/>
-              </a:ext>
-            </a:extLst>
-          </p:cNvPr>
-          <p:cNvPicPr>
-            <a:picLocks noChangeAspect="1" noChangeArrowheads="1"/>
-          </p:cNvPicPr>
-          <p:nvPr/>
-        </p:nvPicPr>
-        <p:blipFill>
-          <a:blip r:embed="rId2">
-            <a:extLst>
-              <a:ext uri="{28A0092B-C50C-407E-A947-70E740481C1C}">
-                <a14:useLocalDpi xmlns:a14="http://schemas.microsoft.com/office/drawing/2010/main" val="0"/>
-              </a:ext>
-            </a:extLst>
-          </a:blip>
-          <a:srcRect/>
-          <a:stretch>
-            <a:fillRect/>
-          </a:stretch>
-        </p:blipFill>
-        <p:spPr bwMode="auto">
-          <a:xfrm flipH="1">
-            <a:off x="2843808" y="1124744"/>
-            <a:ext cx="777586" cy="777586"/>
-          </a:xfrm>
-          <a:prstGeom prst="rect">
-            <a:avLst/>
-          </a:prstGeom>
-          <a:noFill/>
-          <a:extLst>
-            <a:ext uri="{909E8E84-426E-40DD-AFC4-6F175D3DCCD1}">
-              <a14:hiddenFill xmlns:a14="http://schemas.microsoft.com/office/drawing/2010/main">
-                <a:solidFill>
-                  <a:srgbClr val="FFFFFF"/>
-                </a:solidFill>
-              </a14:hiddenFill>
-            </a:ext>
-          </a:extLst>
-        </p:spPr>
-      </p:pic>
-      <p:pic>
-        <p:nvPicPr>
-          <p:cNvPr id="5" name="図 4">
-            <a:extLst>
-              <a:ext uri="{FF2B5EF4-FFF2-40B4-BE49-F238E27FC236}">
-                <a16:creationId xmlns:a16="http://schemas.microsoft.com/office/drawing/2014/main" id="{ABA577EE-1150-0ADB-B12F-061D004ADBE6}"/>
-              </a:ext>
-            </a:extLst>
-          </p:cNvPr>
-          <p:cNvPicPr>
-            <a:picLocks noChangeAspect="1"/>
-          </p:cNvPicPr>
-          <p:nvPr/>
-        </p:nvPicPr>
-        <p:blipFill>
-          <a:blip r:embed="rId3"/>
-          <a:stretch>
-            <a:fillRect/>
-          </a:stretch>
-        </p:blipFill>
-        <p:spPr>
-          <a:xfrm>
-            <a:off x="523312" y="1249803"/>
-            <a:ext cx="716898" cy="716898"/>
-          </a:xfrm>
-          <a:prstGeom prst="rect">
-            <a:avLst/>
-          </a:prstGeom>
-        </p:spPr>
-      </p:pic>
-      <p:sp>
-        <p:nvSpPr>
-          <p:cNvPr id="7" name="テキスト ボックス 6">
-            <a:extLst>
-              <a:ext uri="{FF2B5EF4-FFF2-40B4-BE49-F238E27FC236}">
-                <a16:creationId xmlns:a16="http://schemas.microsoft.com/office/drawing/2014/main" id="{CCD64365-DEA2-A469-B59B-7C8E5E34D679}"/>
-              </a:ext>
-            </a:extLst>
-          </p:cNvPr>
-          <p:cNvSpPr txBox="1"/>
-          <p:nvPr/>
-        </p:nvSpPr>
-        <p:spPr>
-          <a:xfrm>
-            <a:off x="2447771" y="2019763"/>
-            <a:ext cx="1569660" cy="369332"/>
-          </a:xfrm>
-          <a:prstGeom prst="rect">
-            <a:avLst/>
-          </a:prstGeom>
-          <a:noFill/>
-        </p:spPr>
-        <p:txBody>
-          <a:bodyPr wrap="none" rtlCol="0">
-            <a:spAutoFit/>
-          </a:bodyPr>
-          <a:lstStyle/>
-          <a:p>
-            <a:r>
-              <a:rPr kumimoji="1" lang="ja-JP" altLang="en-US"/>
-              <a:t>クライアント</a:t>
-            </a:r>
-          </a:p>
-        </p:txBody>
-      </p:sp>
-      <p:sp>
-        <p:nvSpPr>
-          <p:cNvPr id="8" name="テキスト ボックス 7">
-            <a:extLst>
-              <a:ext uri="{FF2B5EF4-FFF2-40B4-BE49-F238E27FC236}">
-                <a16:creationId xmlns:a16="http://schemas.microsoft.com/office/drawing/2014/main" id="{F8399EF8-8834-8AE3-F059-C287580ED403}"/>
-              </a:ext>
-            </a:extLst>
-          </p:cNvPr>
-          <p:cNvSpPr txBox="1"/>
-          <p:nvPr/>
-        </p:nvSpPr>
-        <p:spPr>
-          <a:xfrm>
-            <a:off x="523312" y="2029348"/>
-            <a:ext cx="877163" cy="369332"/>
-          </a:xfrm>
-          <a:prstGeom prst="rect">
-            <a:avLst/>
-          </a:prstGeom>
-          <a:noFill/>
-        </p:spPr>
-        <p:txBody>
-          <a:bodyPr wrap="none" rtlCol="0">
-            <a:spAutoFit/>
-          </a:bodyPr>
-          <a:lstStyle/>
-          <a:p>
-            <a:r>
-              <a:rPr kumimoji="1" lang="ja-JP" altLang="en-US"/>
-              <a:t>ホスト</a:t>
-            </a:r>
-          </a:p>
-        </p:txBody>
-      </p:sp>
-      <p:grpSp>
-        <p:nvGrpSpPr>
-          <p:cNvPr id="25" name="グループ化 24">
-            <a:extLst>
-              <a:ext uri="{FF2B5EF4-FFF2-40B4-BE49-F238E27FC236}">
-                <a16:creationId xmlns:a16="http://schemas.microsoft.com/office/drawing/2014/main" id="{1E4190AB-2E29-AD2F-A303-CAF56470D231}"/>
-              </a:ext>
-            </a:extLst>
-          </p:cNvPr>
-          <p:cNvGrpSpPr/>
-          <p:nvPr/>
-        </p:nvGrpSpPr>
-        <p:grpSpPr>
-          <a:xfrm>
-            <a:off x="662699" y="2740414"/>
-            <a:ext cx="438123" cy="495270"/>
-            <a:chOff x="2339752" y="3645024"/>
-            <a:chExt cx="828092" cy="936104"/>
-          </a:xfrm>
-        </p:grpSpPr>
-        <p:sp>
-          <p:nvSpPr>
-            <p:cNvPr id="26" name="正方形/長方形 25">
-              <a:extLst>
-                <a:ext uri="{FF2B5EF4-FFF2-40B4-BE49-F238E27FC236}">
-                  <a16:creationId xmlns:a16="http://schemas.microsoft.com/office/drawing/2014/main" id="{EDA11579-023A-3774-50F5-2D278360D4DA}"/>
-                </a:ext>
-              </a:extLst>
-            </p:cNvPr>
-            <p:cNvSpPr/>
-            <p:nvPr/>
-          </p:nvSpPr>
-          <p:spPr>
-            <a:xfrm>
-              <a:off x="2339752" y="3645024"/>
-              <a:ext cx="576064" cy="936104"/>
-            </a:xfrm>
-            <a:prstGeom prst="rect">
-              <a:avLst/>
-            </a:prstGeom>
-            <a:solidFill>
-              <a:srgbClr val="FFC000"/>
-            </a:solidFill>
-            <a:ln>
-              <a:noFill/>
-            </a:ln>
-          </p:spPr>
-          <p:style>
-            <a:lnRef idx="2">
-              <a:schemeClr val="accent1">
-                <a:shade val="50000"/>
-              </a:schemeClr>
-            </a:lnRef>
-            <a:fillRef idx="1">
-              <a:schemeClr val="accent1"/>
-            </a:fillRef>
-            <a:effectRef idx="0">
-              <a:schemeClr val="accent1"/>
-            </a:effectRef>
-            <a:fontRef idx="minor">
-              <a:schemeClr val="lt1"/>
-            </a:fontRef>
-          </p:style>
-          <p:txBody>
-            <a:bodyPr rtlCol="0" anchor="ctr"/>
-            <a:lstStyle/>
-            <a:p>
-              <a:pPr algn="ctr"/>
-              <a:endParaRPr kumimoji="1" lang="ja-JP" altLang="en-US"/>
-            </a:p>
-          </p:txBody>
-        </p:sp>
-        <p:sp>
-          <p:nvSpPr>
-            <p:cNvPr id="27" name="三角形 26">
-              <a:extLst>
-                <a:ext uri="{FF2B5EF4-FFF2-40B4-BE49-F238E27FC236}">
-                  <a16:creationId xmlns:a16="http://schemas.microsoft.com/office/drawing/2014/main" id="{57C7E320-8970-2E73-F536-DFF213BD0FA2}"/>
-                </a:ext>
-              </a:extLst>
-            </p:cNvPr>
-            <p:cNvSpPr/>
-            <p:nvPr/>
-          </p:nvSpPr>
-          <p:spPr>
-            <a:xfrm rot="5400000">
-              <a:off x="2699792" y="3861048"/>
-              <a:ext cx="432048" cy="504056"/>
-            </a:xfrm>
-            <a:prstGeom prst="triangle">
-              <a:avLst/>
-            </a:prstGeom>
-            <a:solidFill>
-              <a:srgbClr val="FFC000"/>
-            </a:solidFill>
-            <a:ln>
-              <a:noFill/>
-            </a:ln>
-          </p:spPr>
-          <p:style>
-            <a:lnRef idx="2">
-              <a:schemeClr val="accent1">
-                <a:shade val="50000"/>
-              </a:schemeClr>
-            </a:lnRef>
-            <a:fillRef idx="1">
-              <a:schemeClr val="accent1"/>
-            </a:fillRef>
-            <a:effectRef idx="0">
-              <a:schemeClr val="accent1"/>
-            </a:effectRef>
-            <a:fontRef idx="minor">
-              <a:schemeClr val="lt1"/>
-            </a:fontRef>
-          </p:style>
-          <p:txBody>
-            <a:bodyPr rtlCol="0" anchor="ctr"/>
-            <a:lstStyle/>
-            <a:p>
-              <a:pPr algn="ctr"/>
-              <a:endParaRPr kumimoji="1" lang="ja-JP" altLang="en-US"/>
-            </a:p>
-          </p:txBody>
-        </p:sp>
-      </p:grpSp>
-      <p:grpSp>
-        <p:nvGrpSpPr>
-          <p:cNvPr id="28" name="グループ化 27">
-            <a:extLst>
-              <a:ext uri="{FF2B5EF4-FFF2-40B4-BE49-F238E27FC236}">
-                <a16:creationId xmlns:a16="http://schemas.microsoft.com/office/drawing/2014/main" id="{48D9A151-D29E-1047-C533-E6274F54B53E}"/>
-              </a:ext>
-            </a:extLst>
-          </p:cNvPr>
-          <p:cNvGrpSpPr/>
-          <p:nvPr/>
-        </p:nvGrpSpPr>
-        <p:grpSpPr>
-          <a:xfrm>
-            <a:off x="2473728" y="2704780"/>
-            <a:ext cx="703773" cy="566537"/>
-            <a:chOff x="1193558" y="4261389"/>
-            <a:chExt cx="703773" cy="566537"/>
-          </a:xfrm>
-        </p:grpSpPr>
-        <p:pic>
-          <p:nvPicPr>
-            <p:cNvPr id="29" name="Picture 2" descr="掲示板に貼られた紙のイラスト（メモ）">
-              <a:extLst>
-                <a:ext uri="{FF2B5EF4-FFF2-40B4-BE49-F238E27FC236}">
-                  <a16:creationId xmlns:a16="http://schemas.microsoft.com/office/drawing/2014/main" id="{E363C6F8-B95D-C0B2-AFAC-540D1C605E3E}"/>
-                </a:ext>
-              </a:extLst>
-            </p:cNvPr>
-            <p:cNvPicPr>
-              <a:picLocks noChangeAspect="1" noChangeArrowheads="1"/>
-            </p:cNvPicPr>
-            <p:nvPr/>
-          </p:nvPicPr>
-          <p:blipFill>
-            <a:blip r:embed="rId4">
-              <a:extLst>
-                <a:ext uri="{28A0092B-C50C-407E-A947-70E740481C1C}">
-                  <a14:useLocalDpi xmlns:a14="http://schemas.microsoft.com/office/drawing/2010/main" val="0"/>
-                </a:ext>
-              </a:extLst>
-            </a:blip>
-            <a:srcRect/>
-            <a:stretch>
-              <a:fillRect/>
-            </a:stretch>
-          </p:blipFill>
-          <p:spPr bwMode="auto">
-            <a:xfrm>
-              <a:off x="1193558" y="4261389"/>
-              <a:ext cx="703773" cy="566537"/>
-            </a:xfrm>
-            <a:prstGeom prst="rect">
-              <a:avLst/>
-            </a:prstGeom>
-            <a:noFill/>
-            <a:extLst>
-              <a:ext uri="{909E8E84-426E-40DD-AFC4-6F175D3DCCD1}">
-                <a14:hiddenFill xmlns:a14="http://schemas.microsoft.com/office/drawing/2010/main">
-                  <a:solidFill>
-                    <a:srgbClr val="FFFFFF"/>
-                  </a:solidFill>
-                </a14:hiddenFill>
-              </a:ext>
-            </a:extLst>
-          </p:spPr>
-        </p:pic>
-        <p:grpSp>
-          <p:nvGrpSpPr>
-            <p:cNvPr id="30" name="グループ化 29">
-              <a:extLst>
-                <a:ext uri="{FF2B5EF4-FFF2-40B4-BE49-F238E27FC236}">
-                  <a16:creationId xmlns:a16="http://schemas.microsoft.com/office/drawing/2014/main" id="{D7E7F6BB-5475-BC7F-9E67-CF59B7036C53}"/>
-                </a:ext>
-              </a:extLst>
-            </p:cNvPr>
-            <p:cNvGrpSpPr/>
-            <p:nvPr/>
-          </p:nvGrpSpPr>
-          <p:grpSpPr>
-            <a:xfrm>
-              <a:off x="1468290" y="4442527"/>
-              <a:ext cx="236787" cy="267673"/>
-              <a:chOff x="2339752" y="3645024"/>
-              <a:chExt cx="828092" cy="936104"/>
-            </a:xfrm>
-            <a:solidFill>
-              <a:srgbClr val="FF0000"/>
-            </a:solidFill>
-          </p:grpSpPr>
-          <p:sp>
-            <p:nvSpPr>
-              <p:cNvPr id="31" name="正方形/長方形 30">
-                <a:extLst>
-                  <a:ext uri="{FF2B5EF4-FFF2-40B4-BE49-F238E27FC236}">
-                    <a16:creationId xmlns:a16="http://schemas.microsoft.com/office/drawing/2014/main" id="{6B9B11FD-5088-8052-8CDA-A4DC30FD32DD}"/>
-                  </a:ext>
-                </a:extLst>
-              </p:cNvPr>
-              <p:cNvSpPr/>
-              <p:nvPr/>
-            </p:nvSpPr>
-            <p:spPr>
-              <a:xfrm>
-                <a:off x="2339752" y="3645024"/>
-                <a:ext cx="576064" cy="936104"/>
-              </a:xfrm>
-              <a:prstGeom prst="rect">
-                <a:avLst/>
-              </a:prstGeom>
-              <a:grpFill/>
-              <a:ln>
-                <a:noFill/>
-              </a:ln>
-            </p:spPr>
-            <p:style>
-              <a:lnRef idx="2">
-                <a:schemeClr val="accent1">
-                  <a:shade val="50000"/>
-                </a:schemeClr>
-              </a:lnRef>
-              <a:fillRef idx="1">
-                <a:schemeClr val="accent1"/>
-              </a:fillRef>
-              <a:effectRef idx="0">
-                <a:schemeClr val="accent1"/>
-              </a:effectRef>
-              <a:fontRef idx="minor">
-                <a:schemeClr val="lt1"/>
-              </a:fontRef>
-            </p:style>
-            <p:txBody>
-              <a:bodyPr rtlCol="0" anchor="ctr"/>
-              <a:lstStyle/>
-              <a:p>
-                <a:pPr algn="ctr"/>
-                <a:endParaRPr kumimoji="1" lang="ja-JP" altLang="en-US"/>
-              </a:p>
-            </p:txBody>
-          </p:sp>
-          <p:sp>
-            <p:nvSpPr>
-              <p:cNvPr id="32" name="三角形 31">
-                <a:extLst>
-                  <a:ext uri="{FF2B5EF4-FFF2-40B4-BE49-F238E27FC236}">
-                    <a16:creationId xmlns:a16="http://schemas.microsoft.com/office/drawing/2014/main" id="{6111DA25-A9D1-23BA-D296-A17587C88187}"/>
-                  </a:ext>
-                </a:extLst>
-              </p:cNvPr>
-              <p:cNvSpPr/>
-              <p:nvPr/>
-            </p:nvSpPr>
-            <p:spPr>
-              <a:xfrm rot="5400000">
-                <a:off x="2699792" y="3861048"/>
-                <a:ext cx="432048" cy="504056"/>
-              </a:xfrm>
-              <a:prstGeom prst="triangle">
-                <a:avLst/>
-              </a:prstGeom>
-              <a:grpFill/>
-              <a:ln>
-                <a:noFill/>
-              </a:ln>
-            </p:spPr>
-            <p:style>
-              <a:lnRef idx="2">
-                <a:schemeClr val="accent1">
-                  <a:shade val="50000"/>
-                </a:schemeClr>
-              </a:lnRef>
-              <a:fillRef idx="1">
-                <a:schemeClr val="accent1"/>
-              </a:fillRef>
-              <a:effectRef idx="0">
-                <a:schemeClr val="accent1"/>
-              </a:effectRef>
-              <a:fontRef idx="minor">
-                <a:schemeClr val="lt1"/>
-              </a:fontRef>
-            </p:style>
-            <p:txBody>
-              <a:bodyPr rtlCol="0" anchor="ctr"/>
-              <a:lstStyle/>
-              <a:p>
-                <a:pPr algn="ctr"/>
-                <a:endParaRPr kumimoji="1" lang="ja-JP" altLang="en-US"/>
-              </a:p>
-            </p:txBody>
-          </p:sp>
-        </p:grpSp>
-      </p:grpSp>
-      <p:cxnSp>
-        <p:nvCxnSpPr>
-          <p:cNvPr id="34" name="直線矢印コネクタ 33">
-            <a:extLst>
-              <a:ext uri="{FF2B5EF4-FFF2-40B4-BE49-F238E27FC236}">
-                <a16:creationId xmlns:a16="http://schemas.microsoft.com/office/drawing/2014/main" id="{6B4C8C42-E8C7-D45F-D6D4-93FEAC8F3DEE}"/>
-              </a:ext>
-            </a:extLst>
-          </p:cNvPr>
-          <p:cNvCxnSpPr/>
-          <p:nvPr/>
-        </p:nvCxnSpPr>
-        <p:spPr>
-          <a:xfrm>
-            <a:off x="1400475" y="2988049"/>
-            <a:ext cx="795261" cy="0"/>
-          </a:xfrm>
-          <a:prstGeom prst="straightConnector1">
-            <a:avLst/>
-          </a:prstGeom>
-          <a:ln>
-            <a:solidFill>
-              <a:schemeClr val="tx1"/>
-            </a:solidFill>
-            <a:headEnd type="none" w="med" len="med"/>
-            <a:tailEnd type="triangle"/>
-          </a:ln>
-        </p:spPr>
-        <p:style>
-          <a:lnRef idx="1">
-            <a:schemeClr val="accent1"/>
-          </a:lnRef>
-          <a:fillRef idx="0">
-            <a:schemeClr val="accent1"/>
-          </a:fillRef>
-          <a:effectRef idx="0">
-            <a:schemeClr val="accent1"/>
-          </a:effectRef>
-          <a:fontRef idx="minor">
-            <a:schemeClr val="tx1"/>
-          </a:fontRef>
-        </p:style>
-      </p:cxnSp>
-      <p:grpSp>
-        <p:nvGrpSpPr>
-          <p:cNvPr id="35" name="グループ化 34">
-            <a:extLst>
-              <a:ext uri="{FF2B5EF4-FFF2-40B4-BE49-F238E27FC236}">
-                <a16:creationId xmlns:a16="http://schemas.microsoft.com/office/drawing/2014/main" id="{EDE1F0C6-A5EE-7AE0-4711-211334C7999D}"/>
-              </a:ext>
-            </a:extLst>
-          </p:cNvPr>
-          <p:cNvGrpSpPr/>
-          <p:nvPr/>
-        </p:nvGrpSpPr>
-        <p:grpSpPr>
-          <a:xfrm>
-            <a:off x="3268247" y="2680410"/>
-            <a:ext cx="491092" cy="555148"/>
-            <a:chOff x="3980964" y="3583025"/>
-            <a:chExt cx="828092" cy="936104"/>
-          </a:xfrm>
-        </p:grpSpPr>
-        <p:sp>
-          <p:nvSpPr>
-            <p:cNvPr id="36" name="正方形/長方形 35">
-              <a:extLst>
-                <a:ext uri="{FF2B5EF4-FFF2-40B4-BE49-F238E27FC236}">
-                  <a16:creationId xmlns:a16="http://schemas.microsoft.com/office/drawing/2014/main" id="{595D92C7-23F2-4B59-462B-E5704A9CC7F0}"/>
-                </a:ext>
-              </a:extLst>
-            </p:cNvPr>
-            <p:cNvSpPr/>
-            <p:nvPr/>
-          </p:nvSpPr>
-          <p:spPr>
-            <a:xfrm>
-              <a:off x="4232992" y="3583025"/>
-              <a:ext cx="576064" cy="936104"/>
-            </a:xfrm>
-            <a:prstGeom prst="rect">
-              <a:avLst/>
-            </a:prstGeom>
-            <a:solidFill>
-              <a:srgbClr val="FFC000"/>
-            </a:solidFill>
-            <a:ln>
-              <a:noFill/>
-            </a:ln>
-          </p:spPr>
-          <p:style>
-            <a:lnRef idx="2">
-              <a:schemeClr val="accent1">
-                <a:shade val="50000"/>
-              </a:schemeClr>
-            </a:lnRef>
-            <a:fillRef idx="1">
-              <a:schemeClr val="accent1"/>
-            </a:fillRef>
-            <a:effectRef idx="0">
-              <a:schemeClr val="accent1"/>
-            </a:effectRef>
-            <a:fontRef idx="minor">
-              <a:schemeClr val="lt1"/>
-            </a:fontRef>
-          </p:style>
-          <p:txBody>
-            <a:bodyPr rtlCol="0" anchor="ctr"/>
-            <a:lstStyle/>
-            <a:p>
-              <a:pPr algn="ctr"/>
-              <a:endParaRPr kumimoji="1" lang="ja-JP" altLang="en-US"/>
-            </a:p>
-          </p:txBody>
-        </p:sp>
-        <p:sp>
-          <p:nvSpPr>
-            <p:cNvPr id="37" name="三角形 36">
-              <a:extLst>
-                <a:ext uri="{FF2B5EF4-FFF2-40B4-BE49-F238E27FC236}">
-                  <a16:creationId xmlns:a16="http://schemas.microsoft.com/office/drawing/2014/main" id="{D3975E65-47B0-5E8B-13A1-7EDC30EBC9D9}"/>
-                </a:ext>
-              </a:extLst>
-            </p:cNvPr>
-            <p:cNvSpPr/>
-            <p:nvPr/>
-          </p:nvSpPr>
-          <p:spPr>
-            <a:xfrm rot="5400000">
-              <a:off x="4016968" y="3799049"/>
-              <a:ext cx="432048" cy="504056"/>
-            </a:xfrm>
-            <a:prstGeom prst="triangle">
-              <a:avLst/>
-            </a:prstGeom>
-            <a:solidFill>
-              <a:schemeClr val="bg1">
-                <a:lumMod val="95000"/>
-              </a:schemeClr>
-            </a:solidFill>
-            <a:ln>
-              <a:noFill/>
-            </a:ln>
-          </p:spPr>
-          <p:style>
-            <a:lnRef idx="2">
-              <a:schemeClr val="accent1">
-                <a:shade val="50000"/>
-              </a:schemeClr>
-            </a:lnRef>
-            <a:fillRef idx="1">
-              <a:schemeClr val="accent1"/>
-            </a:fillRef>
-            <a:effectRef idx="0">
-              <a:schemeClr val="accent1"/>
-            </a:effectRef>
-            <a:fontRef idx="minor">
-              <a:schemeClr val="lt1"/>
-            </a:fontRef>
-          </p:style>
-          <p:txBody>
-            <a:bodyPr rtlCol="0" anchor="ctr"/>
-            <a:lstStyle/>
-            <a:p>
-              <a:pPr algn="ctr"/>
-              <a:endParaRPr kumimoji="1" lang="ja-JP" altLang="en-US"/>
-            </a:p>
-          </p:txBody>
-        </p:sp>
-      </p:grpSp>
-      <p:sp>
-        <p:nvSpPr>
-          <p:cNvPr id="38" name="テキスト ボックス 37">
-            <a:extLst>
-              <a:ext uri="{FF2B5EF4-FFF2-40B4-BE49-F238E27FC236}">
-                <a16:creationId xmlns:a16="http://schemas.microsoft.com/office/drawing/2014/main" id="{E66ACEB2-6820-A835-0B2D-BD5C1501108C}"/>
-              </a:ext>
-            </a:extLst>
-          </p:cNvPr>
-          <p:cNvSpPr txBox="1"/>
-          <p:nvPr/>
-        </p:nvSpPr>
-        <p:spPr>
-          <a:xfrm>
-            <a:off x="4283968" y="2664883"/>
-            <a:ext cx="4440683" cy="646331"/>
-          </a:xfrm>
-          <a:prstGeom prst="rect">
-            <a:avLst/>
-          </a:prstGeom>
-          <a:noFill/>
-        </p:spPr>
-        <p:txBody>
-          <a:bodyPr wrap="square" rtlCol="0">
-            <a:spAutoFit/>
-          </a:bodyPr>
-          <a:lstStyle/>
-          <a:p>
-            <a:r>
-              <a:rPr lang="ja-JP" altLang="en-US"/>
-              <a:t>ホストが秘密鍵で署名したメッセージをすでに所持している公開鍵で検証</a:t>
-            </a:r>
-            <a:endParaRPr kumimoji="1" lang="ja-JP" altLang="en-US"/>
-          </a:p>
-        </p:txBody>
-      </p:sp>
-      <p:pic>
-        <p:nvPicPr>
-          <p:cNvPr id="39" name="Picture 2" descr="悪人のイラスト「黒いシルエット」">
-            <a:extLst>
-              <a:ext uri="{FF2B5EF4-FFF2-40B4-BE49-F238E27FC236}">
-                <a16:creationId xmlns:a16="http://schemas.microsoft.com/office/drawing/2014/main" id="{21198BD6-33F3-9A14-4E86-589F3ED98E6D}"/>
-              </a:ext>
-            </a:extLst>
-          </p:cNvPr>
-          <p:cNvPicPr>
-            <a:picLocks noChangeAspect="1" noChangeArrowheads="1"/>
-          </p:cNvPicPr>
-          <p:nvPr/>
-        </p:nvPicPr>
-        <p:blipFill>
-          <a:blip r:embed="rId5">
-            <a:extLst>
-              <a:ext uri="{28A0092B-C50C-407E-A947-70E740481C1C}">
-                <a14:useLocalDpi xmlns:a14="http://schemas.microsoft.com/office/drawing/2010/main" val="0"/>
-              </a:ext>
-            </a:extLst>
-          </a:blip>
-          <a:srcRect/>
-          <a:stretch>
-            <a:fillRect/>
-          </a:stretch>
-        </p:blipFill>
-        <p:spPr bwMode="auto">
-          <a:xfrm flipH="1">
-            <a:off x="532144" y="4100872"/>
-            <a:ext cx="603987" cy="716898"/>
-          </a:xfrm>
-          <a:prstGeom prst="rect">
-            <a:avLst/>
-          </a:prstGeom>
-          <a:noFill/>
-          <a:extLst>
-            <a:ext uri="{909E8E84-426E-40DD-AFC4-6F175D3DCCD1}">
-              <a14:hiddenFill xmlns:a14="http://schemas.microsoft.com/office/drawing/2010/main">
-                <a:solidFill>
-                  <a:srgbClr val="FFFFFF"/>
-                </a:solidFill>
-              </a14:hiddenFill>
-            </a:ext>
-          </a:extLst>
-        </p:spPr>
-      </p:pic>
-      <p:grpSp>
-        <p:nvGrpSpPr>
-          <p:cNvPr id="47" name="グループ化 46">
-            <a:extLst>
-              <a:ext uri="{FF2B5EF4-FFF2-40B4-BE49-F238E27FC236}">
-                <a16:creationId xmlns:a16="http://schemas.microsoft.com/office/drawing/2014/main" id="{491D156C-4ABB-EF0D-0C5B-AA3734279603}"/>
-              </a:ext>
-            </a:extLst>
-          </p:cNvPr>
-          <p:cNvGrpSpPr/>
-          <p:nvPr/>
-        </p:nvGrpSpPr>
-        <p:grpSpPr>
-          <a:xfrm>
-            <a:off x="699512" y="4939102"/>
-            <a:ext cx="404426" cy="495270"/>
-            <a:chOff x="2043345" y="5485621"/>
-            <a:chExt cx="404426" cy="495270"/>
-          </a:xfrm>
-        </p:grpSpPr>
-        <p:sp>
-          <p:nvSpPr>
-            <p:cNvPr id="41" name="正方形/長方形 40">
-              <a:extLst>
-                <a:ext uri="{FF2B5EF4-FFF2-40B4-BE49-F238E27FC236}">
-                  <a16:creationId xmlns:a16="http://schemas.microsoft.com/office/drawing/2014/main" id="{38D6CE04-4E20-5CEC-8DD9-BE7C5F94AD19}"/>
-                </a:ext>
-              </a:extLst>
-            </p:cNvPr>
-            <p:cNvSpPr/>
-            <p:nvPr/>
-          </p:nvSpPr>
-          <p:spPr>
-            <a:xfrm>
-              <a:off x="2043345" y="5485621"/>
-              <a:ext cx="304781" cy="495270"/>
-            </a:xfrm>
-            <a:prstGeom prst="rect">
-              <a:avLst/>
-            </a:prstGeom>
-            <a:solidFill>
-              <a:srgbClr val="FFC000"/>
-            </a:solidFill>
-            <a:ln>
-              <a:noFill/>
-            </a:ln>
-          </p:spPr>
-          <p:style>
-            <a:lnRef idx="2">
-              <a:schemeClr val="accent1">
-                <a:shade val="50000"/>
-              </a:schemeClr>
-            </a:lnRef>
-            <a:fillRef idx="1">
-              <a:schemeClr val="accent1"/>
-            </a:fillRef>
-            <a:effectRef idx="0">
-              <a:schemeClr val="accent1"/>
-            </a:effectRef>
-            <a:fontRef idx="minor">
-              <a:schemeClr val="lt1"/>
-            </a:fontRef>
-          </p:style>
-          <p:txBody>
-            <a:bodyPr rtlCol="0" anchor="ctr"/>
-            <a:lstStyle/>
-            <a:p>
-              <a:pPr algn="ctr"/>
-              <a:endParaRPr kumimoji="1" lang="ja-JP" altLang="en-US"/>
-            </a:p>
-          </p:txBody>
-        </p:sp>
-        <p:sp>
-          <p:nvSpPr>
-            <p:cNvPr id="44" name="円/楕円 43">
-              <a:extLst>
-                <a:ext uri="{FF2B5EF4-FFF2-40B4-BE49-F238E27FC236}">
-                  <a16:creationId xmlns:a16="http://schemas.microsoft.com/office/drawing/2014/main" id="{8F4C28EF-629A-4E62-6D95-DB8D1E054289}"/>
-                </a:ext>
-              </a:extLst>
-            </p:cNvPr>
-            <p:cNvSpPr/>
-            <p:nvPr/>
-          </p:nvSpPr>
-          <p:spPr>
-            <a:xfrm>
-              <a:off x="2231747" y="5625244"/>
-              <a:ext cx="216024" cy="216024"/>
-            </a:xfrm>
-            <a:prstGeom prst="ellipse">
-              <a:avLst/>
-            </a:prstGeom>
-            <a:solidFill>
-              <a:srgbClr val="FFC000"/>
-            </a:solidFill>
-            <a:ln>
-              <a:noFill/>
-            </a:ln>
-          </p:spPr>
-          <p:style>
-            <a:lnRef idx="2">
-              <a:schemeClr val="accent1">
-                <a:shade val="50000"/>
-              </a:schemeClr>
-            </a:lnRef>
-            <a:fillRef idx="1">
-              <a:schemeClr val="accent1"/>
-            </a:fillRef>
-            <a:effectRef idx="0">
-              <a:schemeClr val="accent1"/>
-            </a:effectRef>
-            <a:fontRef idx="minor">
-              <a:schemeClr val="lt1"/>
-            </a:fontRef>
-          </p:style>
-          <p:txBody>
-            <a:bodyPr rtlCol="0" anchor="ctr"/>
-            <a:lstStyle/>
-            <a:p>
-              <a:pPr algn="ctr"/>
-              <a:endParaRPr kumimoji="1" lang="ja-JP" altLang="en-US"/>
-            </a:p>
-          </p:txBody>
-        </p:sp>
-      </p:grpSp>
-      <p:grpSp>
-        <p:nvGrpSpPr>
-          <p:cNvPr id="46" name="グループ化 45">
-            <a:extLst>
-              <a:ext uri="{FF2B5EF4-FFF2-40B4-BE49-F238E27FC236}">
-                <a16:creationId xmlns:a16="http://schemas.microsoft.com/office/drawing/2014/main" id="{D3A0F885-9B43-148B-1D7F-D078F705F374}"/>
-              </a:ext>
-            </a:extLst>
-          </p:cNvPr>
-          <p:cNvGrpSpPr/>
-          <p:nvPr/>
-        </p:nvGrpSpPr>
-        <p:grpSpPr>
-          <a:xfrm>
-            <a:off x="2541422" y="4897067"/>
-            <a:ext cx="414075" cy="495270"/>
-            <a:chOff x="2915816" y="5485621"/>
-            <a:chExt cx="414075" cy="495270"/>
-          </a:xfrm>
-        </p:grpSpPr>
-        <p:sp>
-          <p:nvSpPr>
-            <p:cNvPr id="43" name="正方形/長方形 42">
-              <a:extLst>
-                <a:ext uri="{FF2B5EF4-FFF2-40B4-BE49-F238E27FC236}">
-                  <a16:creationId xmlns:a16="http://schemas.microsoft.com/office/drawing/2014/main" id="{B918C5E4-86DE-C5EC-7BDD-8D9A2C280B61}"/>
-                </a:ext>
-              </a:extLst>
-            </p:cNvPr>
-            <p:cNvSpPr/>
-            <p:nvPr/>
-          </p:nvSpPr>
-          <p:spPr>
-            <a:xfrm>
-              <a:off x="3025110" y="5485621"/>
-              <a:ext cx="304781" cy="495270"/>
-            </a:xfrm>
-            <a:prstGeom prst="rect">
-              <a:avLst/>
-            </a:prstGeom>
-            <a:solidFill>
-              <a:srgbClr val="FFC000"/>
-            </a:solidFill>
-            <a:ln>
-              <a:noFill/>
-            </a:ln>
-          </p:spPr>
-          <p:style>
-            <a:lnRef idx="2">
-              <a:schemeClr val="accent1">
-                <a:shade val="50000"/>
-              </a:schemeClr>
-            </a:lnRef>
-            <a:fillRef idx="1">
-              <a:schemeClr val="accent1"/>
-            </a:fillRef>
-            <a:effectRef idx="0">
-              <a:schemeClr val="accent1"/>
-            </a:effectRef>
-            <a:fontRef idx="minor">
-              <a:schemeClr val="lt1"/>
-            </a:fontRef>
-          </p:style>
-          <p:txBody>
-            <a:bodyPr rtlCol="0" anchor="ctr"/>
-            <a:lstStyle/>
-            <a:p>
-              <a:pPr algn="ctr"/>
-              <a:endParaRPr kumimoji="1" lang="ja-JP" altLang="en-US"/>
-            </a:p>
-          </p:txBody>
-        </p:sp>
-        <p:sp>
-          <p:nvSpPr>
-            <p:cNvPr id="45" name="円/楕円 44">
-              <a:extLst>
-                <a:ext uri="{FF2B5EF4-FFF2-40B4-BE49-F238E27FC236}">
-                  <a16:creationId xmlns:a16="http://schemas.microsoft.com/office/drawing/2014/main" id="{AA768FD0-4EEA-FF92-71DE-EB082AC0B8D2}"/>
-                </a:ext>
-              </a:extLst>
-            </p:cNvPr>
-            <p:cNvSpPr/>
-            <p:nvPr/>
-          </p:nvSpPr>
-          <p:spPr>
-            <a:xfrm>
-              <a:off x="2915816" y="5625244"/>
-              <a:ext cx="216024" cy="216024"/>
-            </a:xfrm>
-            <a:prstGeom prst="ellipse">
-              <a:avLst/>
-            </a:prstGeom>
-            <a:solidFill>
-              <a:schemeClr val="bg1">
-                <a:lumMod val="95000"/>
-              </a:schemeClr>
-            </a:solidFill>
-            <a:ln>
-              <a:noFill/>
-            </a:ln>
-          </p:spPr>
-          <p:style>
-            <a:lnRef idx="2">
-              <a:schemeClr val="accent1">
-                <a:shade val="50000"/>
-              </a:schemeClr>
-            </a:lnRef>
-            <a:fillRef idx="1">
-              <a:schemeClr val="accent1"/>
-            </a:fillRef>
-            <a:effectRef idx="0">
-              <a:schemeClr val="accent1"/>
-            </a:effectRef>
-            <a:fontRef idx="minor">
-              <a:schemeClr val="lt1"/>
-            </a:fontRef>
-          </p:style>
-          <p:txBody>
-            <a:bodyPr rtlCol="0" anchor="ctr"/>
-            <a:lstStyle/>
-            <a:p>
-              <a:pPr algn="ctr"/>
-              <a:endParaRPr kumimoji="1" lang="ja-JP" altLang="en-US"/>
-            </a:p>
-          </p:txBody>
-        </p:sp>
-      </p:grpSp>
-      <p:grpSp>
-        <p:nvGrpSpPr>
-          <p:cNvPr id="48" name="グループ化 47">
-            <a:extLst>
-              <a:ext uri="{FF2B5EF4-FFF2-40B4-BE49-F238E27FC236}">
-                <a16:creationId xmlns:a16="http://schemas.microsoft.com/office/drawing/2014/main" id="{3F9AC79F-C63F-9B14-1E2D-EE24C10A5407}"/>
-              </a:ext>
-            </a:extLst>
-          </p:cNvPr>
-          <p:cNvGrpSpPr/>
-          <p:nvPr/>
-        </p:nvGrpSpPr>
-        <p:grpSpPr>
-          <a:xfrm>
-            <a:off x="3254481" y="4861701"/>
-            <a:ext cx="491092" cy="555148"/>
-            <a:chOff x="3980964" y="3583025"/>
-            <a:chExt cx="828092" cy="936104"/>
-          </a:xfrm>
-        </p:grpSpPr>
-        <p:sp>
-          <p:nvSpPr>
-            <p:cNvPr id="49" name="正方形/長方形 48">
-              <a:extLst>
-                <a:ext uri="{FF2B5EF4-FFF2-40B4-BE49-F238E27FC236}">
-                  <a16:creationId xmlns:a16="http://schemas.microsoft.com/office/drawing/2014/main" id="{32B2F2E0-57CD-ABB5-5115-EFF44FF3E45E}"/>
-                </a:ext>
-              </a:extLst>
-            </p:cNvPr>
-            <p:cNvSpPr/>
-            <p:nvPr/>
-          </p:nvSpPr>
-          <p:spPr>
-            <a:xfrm>
-              <a:off x="4232992" y="3583025"/>
-              <a:ext cx="576064" cy="936104"/>
-            </a:xfrm>
-            <a:prstGeom prst="rect">
-              <a:avLst/>
-            </a:prstGeom>
-            <a:solidFill>
-              <a:srgbClr val="FFC000"/>
-            </a:solidFill>
-            <a:ln>
-              <a:noFill/>
-            </a:ln>
-          </p:spPr>
-          <p:style>
-            <a:lnRef idx="2">
-              <a:schemeClr val="accent1">
-                <a:shade val="50000"/>
-              </a:schemeClr>
-            </a:lnRef>
-            <a:fillRef idx="1">
-              <a:schemeClr val="accent1"/>
-            </a:fillRef>
-            <a:effectRef idx="0">
-              <a:schemeClr val="accent1"/>
-            </a:effectRef>
-            <a:fontRef idx="minor">
-              <a:schemeClr val="lt1"/>
-            </a:fontRef>
-          </p:style>
-          <p:txBody>
-            <a:bodyPr rtlCol="0" anchor="ctr"/>
-            <a:lstStyle/>
-            <a:p>
-              <a:pPr algn="ctr"/>
-              <a:endParaRPr kumimoji="1" lang="ja-JP" altLang="en-US"/>
-            </a:p>
-          </p:txBody>
-        </p:sp>
-        <p:sp>
-          <p:nvSpPr>
-            <p:cNvPr id="50" name="三角形 49">
-              <a:extLst>
-                <a:ext uri="{FF2B5EF4-FFF2-40B4-BE49-F238E27FC236}">
-                  <a16:creationId xmlns:a16="http://schemas.microsoft.com/office/drawing/2014/main" id="{DC0576ED-0905-833F-AC03-459274FFFF42}"/>
-                </a:ext>
-              </a:extLst>
-            </p:cNvPr>
-            <p:cNvSpPr/>
-            <p:nvPr/>
-          </p:nvSpPr>
-          <p:spPr>
-            <a:xfrm rot="5400000">
-              <a:off x="4016968" y="3799049"/>
-              <a:ext cx="432048" cy="504056"/>
-            </a:xfrm>
-            <a:prstGeom prst="triangle">
-              <a:avLst/>
-            </a:prstGeom>
-            <a:solidFill>
-              <a:schemeClr val="bg1">
-                <a:lumMod val="95000"/>
-              </a:schemeClr>
-            </a:solidFill>
-            <a:ln>
-              <a:noFill/>
-            </a:ln>
-          </p:spPr>
-          <p:style>
-            <a:lnRef idx="2">
-              <a:schemeClr val="accent1">
-                <a:shade val="50000"/>
-              </a:schemeClr>
-            </a:lnRef>
-            <a:fillRef idx="1">
-              <a:schemeClr val="accent1"/>
-            </a:fillRef>
-            <a:effectRef idx="0">
-              <a:schemeClr val="accent1"/>
-            </a:effectRef>
-            <a:fontRef idx="minor">
-              <a:schemeClr val="lt1"/>
-            </a:fontRef>
-          </p:style>
-          <p:txBody>
-            <a:bodyPr rtlCol="0" anchor="ctr"/>
-            <a:lstStyle/>
-            <a:p>
-              <a:pPr algn="ctr"/>
-              <a:endParaRPr kumimoji="1" lang="ja-JP" altLang="en-US"/>
-            </a:p>
-          </p:txBody>
-        </p:sp>
-      </p:grpSp>
-      <p:pic>
-        <p:nvPicPr>
-          <p:cNvPr id="51" name="Picture 8" descr="会社で働く人のイラスト（男性）">
-            <a:extLst>
-              <a:ext uri="{FF2B5EF4-FFF2-40B4-BE49-F238E27FC236}">
-                <a16:creationId xmlns:a16="http://schemas.microsoft.com/office/drawing/2014/main" id="{217587CF-272B-B578-ECCF-0B8E2DE60D85}"/>
-              </a:ext>
-            </a:extLst>
-          </p:cNvPr>
-          <p:cNvPicPr>
-            <a:picLocks noChangeAspect="1" noChangeArrowheads="1"/>
-          </p:cNvPicPr>
-          <p:nvPr/>
-        </p:nvPicPr>
-        <p:blipFill>
-          <a:blip r:embed="rId2">
-            <a:extLst>
-              <a:ext uri="{28A0092B-C50C-407E-A947-70E740481C1C}">
-                <a14:useLocalDpi xmlns:a14="http://schemas.microsoft.com/office/drawing/2010/main" val="0"/>
-              </a:ext>
-            </a:extLst>
-          </a:blip>
-          <a:srcRect/>
-          <a:stretch>
-            <a:fillRect/>
-          </a:stretch>
-        </p:blipFill>
-        <p:spPr bwMode="auto">
-          <a:xfrm flipH="1">
-            <a:off x="2709455" y="3978053"/>
-            <a:ext cx="777586" cy="777586"/>
-          </a:xfrm>
-          <a:prstGeom prst="rect">
-            <a:avLst/>
-          </a:prstGeom>
-          <a:noFill/>
-          <a:extLst>
-            <a:ext uri="{909E8E84-426E-40DD-AFC4-6F175D3DCCD1}">
-              <a14:hiddenFill xmlns:a14="http://schemas.microsoft.com/office/drawing/2010/main">
-                <a:solidFill>
-                  <a:srgbClr val="FFFFFF"/>
-                </a:solidFill>
-              </a14:hiddenFill>
-            </a:ext>
-          </a:extLst>
-        </p:spPr>
-      </p:pic>
-      <p:sp>
-        <p:nvSpPr>
-          <p:cNvPr id="52" name="テキスト ボックス 51">
-            <a:extLst>
-              <a:ext uri="{FF2B5EF4-FFF2-40B4-BE49-F238E27FC236}">
-                <a16:creationId xmlns:a16="http://schemas.microsoft.com/office/drawing/2014/main" id="{CA986DFD-155F-959C-AFD2-BCC903654E36}"/>
-              </a:ext>
-            </a:extLst>
-          </p:cNvPr>
-          <p:cNvSpPr txBox="1"/>
-          <p:nvPr/>
-        </p:nvSpPr>
-        <p:spPr>
-          <a:xfrm>
-            <a:off x="3047332" y="4954609"/>
-            <a:ext cx="311304" cy="369332"/>
-          </a:xfrm>
-          <a:prstGeom prst="rect">
-            <a:avLst/>
-          </a:prstGeom>
-          <a:noFill/>
-        </p:spPr>
-        <p:txBody>
-          <a:bodyPr wrap="none" rtlCol="0">
-            <a:spAutoFit/>
-          </a:bodyPr>
-          <a:lstStyle/>
-          <a:p>
-            <a:r>
-              <a:rPr kumimoji="1" lang="en-US" altLang="ja-JP" dirty="0"/>
-              <a:t>≠</a:t>
-            </a:r>
-            <a:endParaRPr kumimoji="1" lang="ja-JP" altLang="en-US"/>
-          </a:p>
-        </p:txBody>
-      </p:sp>
-      <p:sp>
-        <p:nvSpPr>
-          <p:cNvPr id="53" name="テキスト ボックス 52">
-            <a:extLst>
-              <a:ext uri="{FF2B5EF4-FFF2-40B4-BE49-F238E27FC236}">
-                <a16:creationId xmlns:a16="http://schemas.microsoft.com/office/drawing/2014/main" id="{BC951E55-1DE7-F830-7F8B-6E7EFF8A4309}"/>
-              </a:ext>
-            </a:extLst>
-          </p:cNvPr>
-          <p:cNvSpPr txBox="1"/>
-          <p:nvPr/>
-        </p:nvSpPr>
-        <p:spPr>
-          <a:xfrm>
-            <a:off x="4229688" y="4708736"/>
-            <a:ext cx="4440683" cy="646331"/>
-          </a:xfrm>
-          <a:prstGeom prst="rect">
-            <a:avLst/>
-          </a:prstGeom>
-          <a:noFill/>
-        </p:spPr>
-        <p:txBody>
-          <a:bodyPr wrap="square" rtlCol="0">
-            <a:spAutoFit/>
-          </a:bodyPr>
-          <a:lstStyle/>
-          <a:p>
-            <a:r>
-              <a:rPr lang="ja-JP" altLang="en-US"/>
-              <a:t>ホストがなりすましである場合、異なる公開鍵を送ってくるのでわかる</a:t>
-            </a:r>
-            <a:endParaRPr kumimoji="1" lang="ja-JP" altLang="en-US"/>
-          </a:p>
-        </p:txBody>
-      </p:sp>
-      <p:cxnSp>
-        <p:nvCxnSpPr>
-          <p:cNvPr id="54" name="直線矢印コネクタ 53">
-            <a:extLst>
-              <a:ext uri="{FF2B5EF4-FFF2-40B4-BE49-F238E27FC236}">
-                <a16:creationId xmlns:a16="http://schemas.microsoft.com/office/drawing/2014/main" id="{42D8F9FE-4162-C5A5-918C-EB2DA10C4CE5}"/>
-              </a:ext>
-            </a:extLst>
-          </p:cNvPr>
-          <p:cNvCxnSpPr/>
-          <p:nvPr/>
-        </p:nvCxnSpPr>
-        <p:spPr>
-          <a:xfrm>
-            <a:off x="1400475" y="5139275"/>
-            <a:ext cx="795261" cy="0"/>
-          </a:xfrm>
-          <a:prstGeom prst="straightConnector1">
-            <a:avLst/>
-          </a:prstGeom>
-          <a:ln>
-            <a:solidFill>
-              <a:schemeClr val="tx1"/>
-            </a:solidFill>
-            <a:headEnd type="none" w="med" len="med"/>
-            <a:tailEnd type="triangle"/>
-          </a:ln>
-        </p:spPr>
-        <p:style>
-          <a:lnRef idx="1">
-            <a:schemeClr val="accent1"/>
-          </a:lnRef>
-          <a:fillRef idx="0">
-            <a:schemeClr val="accent1"/>
-          </a:fillRef>
-          <a:effectRef idx="0">
-            <a:schemeClr val="accent1"/>
-          </a:effectRef>
-          <a:fontRef idx="minor">
-            <a:schemeClr val="tx1"/>
-          </a:fontRef>
-        </p:style>
-      </p:cxnSp>
-      <p:sp>
-        <p:nvSpPr>
-          <p:cNvPr id="55" name="テキスト ボックス 54">
-            <a:extLst>
-              <a:ext uri="{FF2B5EF4-FFF2-40B4-BE49-F238E27FC236}">
-                <a16:creationId xmlns:a16="http://schemas.microsoft.com/office/drawing/2014/main" id="{3615EAE7-2F5C-DA50-7F10-FE9C695296AD}"/>
-              </a:ext>
-            </a:extLst>
-          </p:cNvPr>
-          <p:cNvSpPr txBox="1"/>
-          <p:nvPr/>
-        </p:nvSpPr>
-        <p:spPr>
-          <a:xfrm>
-            <a:off x="4254544" y="5877272"/>
-            <a:ext cx="4530419" cy="646331"/>
-          </a:xfrm>
-          <a:prstGeom prst="rect">
-            <a:avLst/>
-          </a:prstGeom>
-          <a:noFill/>
-        </p:spPr>
-        <p:txBody>
-          <a:bodyPr wrap="square" rtlCol="0">
-            <a:spAutoFit/>
-          </a:bodyPr>
-          <a:lstStyle/>
-          <a:p>
-            <a:r>
-              <a:rPr lang="ja-JP" altLang="en-US"/>
-              <a:t>公開鍵を偽装しても、秘密鍵を持っていないので公開鍵に対応した署名ができない</a:t>
-            </a:r>
-            <a:endParaRPr kumimoji="1" lang="ja-JP" altLang="en-US"/>
-          </a:p>
-        </p:txBody>
-      </p:sp>
-      <p:grpSp>
-        <p:nvGrpSpPr>
-          <p:cNvPr id="56" name="グループ化 55">
-            <a:extLst>
-              <a:ext uri="{FF2B5EF4-FFF2-40B4-BE49-F238E27FC236}">
-                <a16:creationId xmlns:a16="http://schemas.microsoft.com/office/drawing/2014/main" id="{B4CF50FB-A5DD-2C8D-6406-0447E8AD29C6}"/>
-              </a:ext>
-            </a:extLst>
-          </p:cNvPr>
-          <p:cNvGrpSpPr/>
-          <p:nvPr/>
-        </p:nvGrpSpPr>
-        <p:grpSpPr>
-          <a:xfrm>
-            <a:off x="699512" y="5893741"/>
-            <a:ext cx="404426" cy="495270"/>
-            <a:chOff x="2043345" y="5485621"/>
-            <a:chExt cx="404426" cy="495270"/>
-          </a:xfrm>
-        </p:grpSpPr>
-        <p:sp>
-          <p:nvSpPr>
-            <p:cNvPr id="57" name="正方形/長方形 56">
-              <a:extLst>
-                <a:ext uri="{FF2B5EF4-FFF2-40B4-BE49-F238E27FC236}">
-                  <a16:creationId xmlns:a16="http://schemas.microsoft.com/office/drawing/2014/main" id="{558A95C9-95F8-0D42-2CD5-EB2DC629630D}"/>
-                </a:ext>
-              </a:extLst>
-            </p:cNvPr>
-            <p:cNvSpPr/>
-            <p:nvPr/>
-          </p:nvSpPr>
-          <p:spPr>
-            <a:xfrm>
-              <a:off x="2043345" y="5485621"/>
-              <a:ext cx="304781" cy="495270"/>
-            </a:xfrm>
-            <a:prstGeom prst="rect">
-              <a:avLst/>
-            </a:prstGeom>
-            <a:solidFill>
-              <a:srgbClr val="FFC000"/>
-            </a:solidFill>
-            <a:ln>
-              <a:noFill/>
-            </a:ln>
-          </p:spPr>
-          <p:style>
-            <a:lnRef idx="2">
-              <a:schemeClr val="accent1">
-                <a:shade val="50000"/>
-              </a:schemeClr>
-            </a:lnRef>
-            <a:fillRef idx="1">
-              <a:schemeClr val="accent1"/>
-            </a:fillRef>
-            <a:effectRef idx="0">
-              <a:schemeClr val="accent1"/>
-            </a:effectRef>
-            <a:fontRef idx="minor">
-              <a:schemeClr val="lt1"/>
-            </a:fontRef>
-          </p:style>
-          <p:txBody>
-            <a:bodyPr rtlCol="0" anchor="ctr"/>
-            <a:lstStyle/>
-            <a:p>
-              <a:pPr algn="ctr"/>
-              <a:endParaRPr kumimoji="1" lang="ja-JP" altLang="en-US"/>
-            </a:p>
-          </p:txBody>
-        </p:sp>
-        <p:sp>
-          <p:nvSpPr>
-            <p:cNvPr id="58" name="円/楕円 57">
-              <a:extLst>
-                <a:ext uri="{FF2B5EF4-FFF2-40B4-BE49-F238E27FC236}">
-                  <a16:creationId xmlns:a16="http://schemas.microsoft.com/office/drawing/2014/main" id="{1906CB8D-AA67-7D4F-298E-B56B848AC413}"/>
-                </a:ext>
-              </a:extLst>
-            </p:cNvPr>
-            <p:cNvSpPr/>
-            <p:nvPr/>
-          </p:nvSpPr>
-          <p:spPr>
-            <a:xfrm>
-              <a:off x="2231747" y="5625244"/>
-              <a:ext cx="216024" cy="216024"/>
-            </a:xfrm>
-            <a:prstGeom prst="ellipse">
-              <a:avLst/>
-            </a:prstGeom>
-            <a:solidFill>
-              <a:srgbClr val="FFC000"/>
-            </a:solidFill>
-            <a:ln>
-              <a:noFill/>
-            </a:ln>
-          </p:spPr>
-          <p:style>
-            <a:lnRef idx="2">
-              <a:schemeClr val="accent1">
-                <a:shade val="50000"/>
-              </a:schemeClr>
-            </a:lnRef>
-            <a:fillRef idx="1">
-              <a:schemeClr val="accent1"/>
-            </a:fillRef>
-            <a:effectRef idx="0">
-              <a:schemeClr val="accent1"/>
-            </a:effectRef>
-            <a:fontRef idx="minor">
-              <a:schemeClr val="lt1"/>
-            </a:fontRef>
-          </p:style>
-          <p:txBody>
-            <a:bodyPr rtlCol="0" anchor="ctr"/>
-            <a:lstStyle/>
-            <a:p>
-              <a:pPr algn="ctr"/>
-              <a:endParaRPr kumimoji="1" lang="ja-JP" altLang="en-US"/>
-            </a:p>
-          </p:txBody>
-        </p:sp>
-      </p:grpSp>
-      <p:cxnSp>
-        <p:nvCxnSpPr>
-          <p:cNvPr id="59" name="直線矢印コネクタ 58">
-            <a:extLst>
-              <a:ext uri="{FF2B5EF4-FFF2-40B4-BE49-F238E27FC236}">
-                <a16:creationId xmlns:a16="http://schemas.microsoft.com/office/drawing/2014/main" id="{DCCFEDC2-8509-4194-AEEE-485A66DAA182}"/>
-              </a:ext>
-            </a:extLst>
-          </p:cNvPr>
-          <p:cNvCxnSpPr/>
-          <p:nvPr/>
-        </p:nvCxnSpPr>
-        <p:spPr>
-          <a:xfrm>
-            <a:off x="1400475" y="6141376"/>
-            <a:ext cx="795261" cy="0"/>
-          </a:xfrm>
-          <a:prstGeom prst="straightConnector1">
-            <a:avLst/>
-          </a:prstGeom>
-          <a:ln>
-            <a:solidFill>
-              <a:schemeClr val="tx1"/>
-            </a:solidFill>
-            <a:headEnd type="none" w="med" len="med"/>
-            <a:tailEnd type="triangle"/>
-          </a:ln>
-        </p:spPr>
-        <p:style>
-          <a:lnRef idx="1">
-            <a:schemeClr val="accent1"/>
-          </a:lnRef>
-          <a:fillRef idx="0">
-            <a:schemeClr val="accent1"/>
-          </a:fillRef>
-          <a:effectRef idx="0">
-            <a:schemeClr val="accent1"/>
-          </a:effectRef>
-          <a:fontRef idx="minor">
-            <a:schemeClr val="tx1"/>
-          </a:fontRef>
-        </p:style>
-      </p:cxnSp>
-      <p:grpSp>
-        <p:nvGrpSpPr>
-          <p:cNvPr id="68" name="グループ化 67">
-            <a:extLst>
-              <a:ext uri="{FF2B5EF4-FFF2-40B4-BE49-F238E27FC236}">
-                <a16:creationId xmlns:a16="http://schemas.microsoft.com/office/drawing/2014/main" id="{81A1F9B4-A837-4767-CE66-5FDC7DB7AA47}"/>
-              </a:ext>
-            </a:extLst>
-          </p:cNvPr>
-          <p:cNvGrpSpPr/>
-          <p:nvPr/>
-        </p:nvGrpSpPr>
-        <p:grpSpPr>
-          <a:xfrm>
-            <a:off x="2447771" y="5840830"/>
-            <a:ext cx="703773" cy="566537"/>
-            <a:chOff x="3284687" y="5877272"/>
-            <a:chExt cx="703773" cy="566537"/>
-          </a:xfrm>
-        </p:grpSpPr>
-        <p:pic>
-          <p:nvPicPr>
-            <p:cNvPr id="64" name="Picture 2" descr="掲示板に貼られた紙のイラスト（メモ）">
-              <a:extLst>
-                <a:ext uri="{FF2B5EF4-FFF2-40B4-BE49-F238E27FC236}">
-                  <a16:creationId xmlns:a16="http://schemas.microsoft.com/office/drawing/2014/main" id="{BC22D1C6-6F90-D206-9E3B-51EC9CD5C2C5}"/>
-                </a:ext>
-              </a:extLst>
-            </p:cNvPr>
-            <p:cNvPicPr>
-              <a:picLocks noChangeAspect="1" noChangeArrowheads="1"/>
-            </p:cNvPicPr>
-            <p:nvPr/>
-          </p:nvPicPr>
-          <p:blipFill>
-            <a:blip r:embed="rId4">
-              <a:extLst>
-                <a:ext uri="{28A0092B-C50C-407E-A947-70E740481C1C}">
-                  <a14:useLocalDpi xmlns:a14="http://schemas.microsoft.com/office/drawing/2010/main" val="0"/>
-                </a:ext>
-              </a:extLst>
-            </a:blip>
-            <a:srcRect/>
-            <a:stretch>
-              <a:fillRect/>
-            </a:stretch>
-          </p:blipFill>
-          <p:spPr bwMode="auto">
-            <a:xfrm>
-              <a:off x="3284687" y="5877272"/>
-              <a:ext cx="703773" cy="566537"/>
-            </a:xfrm>
-            <a:prstGeom prst="rect">
-              <a:avLst/>
-            </a:prstGeom>
-            <a:noFill/>
-            <a:extLst>
-              <a:ext uri="{909E8E84-426E-40DD-AFC4-6F175D3DCCD1}">
-                <a14:hiddenFill xmlns:a14="http://schemas.microsoft.com/office/drawing/2010/main">
-                  <a:solidFill>
-                    <a:srgbClr val="FFFFFF"/>
-                  </a:solidFill>
-                </a14:hiddenFill>
-              </a:ext>
-            </a:extLst>
-          </p:spPr>
-        </p:pic>
-        <p:grpSp>
-          <p:nvGrpSpPr>
-            <p:cNvPr id="60" name="グループ化 59">
-              <a:extLst>
-                <a:ext uri="{FF2B5EF4-FFF2-40B4-BE49-F238E27FC236}">
-                  <a16:creationId xmlns:a16="http://schemas.microsoft.com/office/drawing/2014/main" id="{C7F3DFD1-5B97-759D-4EB4-BBE6A51959F7}"/>
-                </a:ext>
-              </a:extLst>
-            </p:cNvPr>
-            <p:cNvGrpSpPr/>
-            <p:nvPr/>
-          </p:nvGrpSpPr>
-          <p:grpSpPr>
-            <a:xfrm>
-              <a:off x="3519970" y="6033364"/>
-              <a:ext cx="250304" cy="306529"/>
-              <a:chOff x="2043345" y="5485621"/>
-              <a:chExt cx="404426" cy="495270"/>
-            </a:xfrm>
-            <a:solidFill>
-              <a:srgbClr val="FF0000"/>
-            </a:solidFill>
-          </p:grpSpPr>
-          <p:sp>
-            <p:nvSpPr>
-              <p:cNvPr id="61" name="正方形/長方形 60">
-                <a:extLst>
-                  <a:ext uri="{FF2B5EF4-FFF2-40B4-BE49-F238E27FC236}">
-                    <a16:creationId xmlns:a16="http://schemas.microsoft.com/office/drawing/2014/main" id="{7DE788E0-CF84-19BB-72BC-C4EB1D5A08CA}"/>
-                  </a:ext>
-                </a:extLst>
-              </p:cNvPr>
-              <p:cNvSpPr/>
-              <p:nvPr/>
-            </p:nvSpPr>
-            <p:spPr>
-              <a:xfrm>
-                <a:off x="2043345" y="5485621"/>
-                <a:ext cx="304781" cy="495270"/>
-              </a:xfrm>
-              <a:prstGeom prst="rect">
-                <a:avLst/>
-              </a:prstGeom>
-              <a:grpFill/>
-              <a:ln>
-                <a:noFill/>
-              </a:ln>
-            </p:spPr>
-            <p:style>
-              <a:lnRef idx="2">
-                <a:schemeClr val="accent1">
-                  <a:shade val="50000"/>
-                </a:schemeClr>
-              </a:lnRef>
-              <a:fillRef idx="1">
-                <a:schemeClr val="accent1"/>
-              </a:fillRef>
-              <a:effectRef idx="0">
-                <a:schemeClr val="accent1"/>
-              </a:effectRef>
-              <a:fontRef idx="minor">
-                <a:schemeClr val="lt1"/>
-              </a:fontRef>
-            </p:style>
-            <p:txBody>
-              <a:bodyPr rtlCol="0" anchor="ctr"/>
-              <a:lstStyle/>
-              <a:p>
-                <a:pPr algn="ctr"/>
-                <a:endParaRPr kumimoji="1" lang="ja-JP" altLang="en-US"/>
-              </a:p>
-            </p:txBody>
-          </p:sp>
-          <p:sp>
-            <p:nvSpPr>
-              <p:cNvPr id="62" name="円/楕円 61">
-                <a:extLst>
-                  <a:ext uri="{FF2B5EF4-FFF2-40B4-BE49-F238E27FC236}">
-                    <a16:creationId xmlns:a16="http://schemas.microsoft.com/office/drawing/2014/main" id="{16876F60-B928-F132-3FA7-09C6D0896512}"/>
-                  </a:ext>
-                </a:extLst>
-              </p:cNvPr>
-              <p:cNvSpPr/>
-              <p:nvPr/>
-            </p:nvSpPr>
-            <p:spPr>
-              <a:xfrm>
-                <a:off x="2231747" y="5625244"/>
-                <a:ext cx="216024" cy="216024"/>
-              </a:xfrm>
-              <a:prstGeom prst="ellipse">
-                <a:avLst/>
-              </a:prstGeom>
-              <a:grpFill/>
-              <a:ln>
-                <a:noFill/>
-              </a:ln>
-            </p:spPr>
-            <p:style>
-              <a:lnRef idx="2">
-                <a:schemeClr val="accent1">
-                  <a:shade val="50000"/>
-                </a:schemeClr>
-              </a:lnRef>
-              <a:fillRef idx="1">
-                <a:schemeClr val="accent1"/>
-              </a:fillRef>
-              <a:effectRef idx="0">
-                <a:schemeClr val="accent1"/>
-              </a:effectRef>
-              <a:fontRef idx="minor">
-                <a:schemeClr val="lt1"/>
-              </a:fontRef>
-            </p:style>
-            <p:txBody>
-              <a:bodyPr rtlCol="0" anchor="ctr"/>
-              <a:lstStyle/>
-              <a:p>
-                <a:pPr algn="ctr"/>
-                <a:endParaRPr kumimoji="1" lang="ja-JP" altLang="en-US"/>
-              </a:p>
-            </p:txBody>
-          </p:sp>
-        </p:grpSp>
-      </p:grpSp>
-      <p:sp>
-        <p:nvSpPr>
-          <p:cNvPr id="69" name="テキスト ボックス 68">
-            <a:extLst>
-              <a:ext uri="{FF2B5EF4-FFF2-40B4-BE49-F238E27FC236}">
-                <a16:creationId xmlns:a16="http://schemas.microsoft.com/office/drawing/2014/main" id="{AB3BF710-270A-3505-FFDE-42A2A9668736}"/>
-              </a:ext>
-            </a:extLst>
-          </p:cNvPr>
-          <p:cNvSpPr txBox="1"/>
-          <p:nvPr/>
-        </p:nvSpPr>
-        <p:spPr>
-          <a:xfrm>
-            <a:off x="3047332" y="5975265"/>
-            <a:ext cx="311304" cy="369332"/>
-          </a:xfrm>
-          <a:prstGeom prst="rect">
-            <a:avLst/>
-          </a:prstGeom>
-          <a:noFill/>
-        </p:spPr>
-        <p:txBody>
-          <a:bodyPr wrap="none" rtlCol="0">
-            <a:spAutoFit/>
-          </a:bodyPr>
-          <a:lstStyle/>
-          <a:p>
-            <a:r>
-              <a:rPr kumimoji="1" lang="en-US" altLang="ja-JP" dirty="0"/>
-              <a:t>≠</a:t>
-            </a:r>
-            <a:endParaRPr kumimoji="1" lang="ja-JP" altLang="en-US"/>
-          </a:p>
-        </p:txBody>
-      </p:sp>
-      <p:grpSp>
-        <p:nvGrpSpPr>
-          <p:cNvPr id="70" name="グループ化 69">
-            <a:extLst>
-              <a:ext uri="{FF2B5EF4-FFF2-40B4-BE49-F238E27FC236}">
-                <a16:creationId xmlns:a16="http://schemas.microsoft.com/office/drawing/2014/main" id="{673CE9CF-9021-04C8-62C3-4DA19498F128}"/>
-              </a:ext>
-            </a:extLst>
-          </p:cNvPr>
-          <p:cNvGrpSpPr/>
-          <p:nvPr/>
-        </p:nvGrpSpPr>
-        <p:grpSpPr>
-          <a:xfrm>
-            <a:off x="3298736" y="5846524"/>
-            <a:ext cx="491092" cy="555148"/>
-            <a:chOff x="3980964" y="3583025"/>
-            <a:chExt cx="828092" cy="936104"/>
-          </a:xfrm>
-        </p:grpSpPr>
-        <p:sp>
-          <p:nvSpPr>
-            <p:cNvPr id="71" name="正方形/長方形 70">
-              <a:extLst>
-                <a:ext uri="{FF2B5EF4-FFF2-40B4-BE49-F238E27FC236}">
-                  <a16:creationId xmlns:a16="http://schemas.microsoft.com/office/drawing/2014/main" id="{0961A4F9-A234-EF0D-B8C5-FC5690C6E5B5}"/>
-                </a:ext>
-              </a:extLst>
-            </p:cNvPr>
-            <p:cNvSpPr/>
-            <p:nvPr/>
-          </p:nvSpPr>
-          <p:spPr>
-            <a:xfrm>
-              <a:off x="4232992" y="3583025"/>
-              <a:ext cx="576064" cy="936104"/>
-            </a:xfrm>
-            <a:prstGeom prst="rect">
-              <a:avLst/>
-            </a:prstGeom>
-            <a:solidFill>
-              <a:srgbClr val="FFC000"/>
-            </a:solidFill>
-            <a:ln>
-              <a:noFill/>
-            </a:ln>
-          </p:spPr>
-          <p:style>
-            <a:lnRef idx="2">
-              <a:schemeClr val="accent1">
-                <a:shade val="50000"/>
-              </a:schemeClr>
-            </a:lnRef>
-            <a:fillRef idx="1">
-              <a:schemeClr val="accent1"/>
-            </a:fillRef>
-            <a:effectRef idx="0">
-              <a:schemeClr val="accent1"/>
-            </a:effectRef>
-            <a:fontRef idx="minor">
-              <a:schemeClr val="lt1"/>
-            </a:fontRef>
-          </p:style>
-          <p:txBody>
-            <a:bodyPr rtlCol="0" anchor="ctr"/>
-            <a:lstStyle/>
-            <a:p>
-              <a:pPr algn="ctr"/>
-              <a:endParaRPr kumimoji="1" lang="ja-JP" altLang="en-US"/>
-            </a:p>
-          </p:txBody>
-        </p:sp>
-        <p:sp>
-          <p:nvSpPr>
-            <p:cNvPr id="72" name="三角形 71">
-              <a:extLst>
-                <a:ext uri="{FF2B5EF4-FFF2-40B4-BE49-F238E27FC236}">
-                  <a16:creationId xmlns:a16="http://schemas.microsoft.com/office/drawing/2014/main" id="{0552A2CD-57E1-0C6C-CB1B-0CD9F0A46FD2}"/>
-                </a:ext>
-              </a:extLst>
-            </p:cNvPr>
-            <p:cNvSpPr/>
-            <p:nvPr/>
-          </p:nvSpPr>
-          <p:spPr>
-            <a:xfrm rot="5400000">
-              <a:off x="4016968" y="3799049"/>
-              <a:ext cx="432048" cy="504056"/>
-            </a:xfrm>
-            <a:prstGeom prst="triangle">
-              <a:avLst/>
-            </a:prstGeom>
-            <a:solidFill>
-              <a:schemeClr val="bg1">
-                <a:lumMod val="95000"/>
-              </a:schemeClr>
-            </a:solidFill>
-            <a:ln>
-              <a:noFill/>
-            </a:ln>
-          </p:spPr>
-          <p:style>
-            <a:lnRef idx="2">
-              <a:schemeClr val="accent1">
-                <a:shade val="50000"/>
-              </a:schemeClr>
-            </a:lnRef>
-            <a:fillRef idx="1">
-              <a:schemeClr val="accent1"/>
-            </a:fillRef>
-            <a:effectRef idx="0">
-              <a:schemeClr val="accent1"/>
-            </a:effectRef>
-            <a:fontRef idx="minor">
-              <a:schemeClr val="lt1"/>
-            </a:fontRef>
-          </p:style>
-          <p:txBody>
-            <a:bodyPr rtlCol="0" anchor="ctr"/>
-            <a:lstStyle/>
-            <a:p>
-              <a:pPr algn="ctr"/>
-              <a:endParaRPr kumimoji="1" lang="ja-JP" altLang="en-US"/>
-            </a:p>
-          </p:txBody>
-        </p:sp>
-      </p:grpSp>
-    </p:spTree>
-    <p:extLst>
-      <p:ext uri="{BB962C8B-B14F-4D97-AF65-F5344CB8AC3E}">
-        <p14:creationId xmlns:p14="http://schemas.microsoft.com/office/powerpoint/2010/main" val="2325660495"/>
-      </p:ext>
-    </p:extLst>
-  </p:cSld>
-  <p:clrMapOvr>
-    <a:masterClrMapping/>
-  </p:clrMapOvr>
-</p:sld>
-</file>
-
-<file path=ppt/slides/slide15.xml><?xml version="1.0" encoding="utf-8"?>
-<p:sld xmlns:a="http://schemas.openxmlformats.org/drawingml/2006/main" xmlns:r="http://schemas.openxmlformats.org/officeDocument/2006/relationships" xmlns:p="http://schemas.openxmlformats.org/presentationml/2006/main">
-  <p:cSld>
-    <p:spTree>
-      <p:nvGrpSpPr>
-        <p:cNvPr id="1" name=""/>
-        <p:cNvGrpSpPr/>
-        <p:nvPr/>
-      </p:nvGrpSpPr>
-      <p:grpSpPr>
-        <a:xfrm>
-          <a:off x="0" y="0"/>
-          <a:ext cx="0" cy="0"/>
-          <a:chOff x="0" y="0"/>
-          <a:chExt cx="0" cy="0"/>
-        </a:xfrm>
-      </p:grpSpPr>
-      <p:sp>
-        <p:nvSpPr>
-          <p:cNvPr id="2" name="テキスト プレースホルダー 1">
-            <a:extLst>
-              <a:ext uri="{FF2B5EF4-FFF2-40B4-BE49-F238E27FC236}">
-                <a16:creationId xmlns:a16="http://schemas.microsoft.com/office/drawing/2014/main" id="{F513A30D-837B-05C9-7C01-7760780EDEBE}"/>
-              </a:ext>
-            </a:extLst>
-          </p:cNvPr>
-          <p:cNvSpPr>
-            <a:spLocks noGrp="1"/>
-          </p:cNvSpPr>
-          <p:nvPr>
-            <p:ph type="body" sz="quarter" idx="10"/>
-          </p:nvPr>
-        </p:nvSpPr>
-        <p:spPr/>
-        <p:txBody>
-          <a:bodyPr/>
-          <a:lstStyle/>
-          <a:p>
-            <a:r>
               <a:rPr lang="ja-JP" altLang="en-US"/>
               <a:t>公開鍵認証のまとめ</a:t>
             </a:r>
@@ -7490,97 +8337,6 @@
               <a:t>しかし、初回接続時に公開鍵のフィンガープリントを確認し、問題なければ登録する、という運用が多い</a:t>
             </a:r>
             <a:endParaRPr kumimoji="1" lang="en-US" altLang="ja-JP" sz="2400" dirty="0"/>
-          </a:p>
-        </p:txBody>
-      </p:sp>
-      <p:sp>
-        <p:nvSpPr>
-          <p:cNvPr id="8" name="テキスト ボックス 7">
-            <a:hlinkClick r:id="rId2"/>
-            <a:extLst>
-              <a:ext uri="{FF2B5EF4-FFF2-40B4-BE49-F238E27FC236}">
-                <a16:creationId xmlns:a16="http://schemas.microsoft.com/office/drawing/2014/main" id="{B718233F-DF5B-4E48-3EC8-6D1ADE430D6C}"/>
-              </a:ext>
-            </a:extLst>
-          </p:cNvPr>
-          <p:cNvSpPr txBox="1"/>
-          <p:nvPr/>
-        </p:nvSpPr>
-        <p:spPr>
-          <a:xfrm>
-            <a:off x="3131840" y="6468913"/>
-            <a:ext cx="5184576" cy="215444"/>
-          </a:xfrm>
-          <a:prstGeom prst="rect">
-            <a:avLst/>
-          </a:prstGeom>
-          <a:noFill/>
-        </p:spPr>
-        <p:txBody>
-          <a:bodyPr wrap="square">
-            <a:spAutoFit/>
-          </a:bodyPr>
-          <a:lstStyle/>
-          <a:p>
-            <a:r>
-              <a:rPr lang="ja-JP" altLang="en-US" sz="800">
-                <a:hlinkClick r:id="rId2"/>
-              </a:rPr>
-              <a:t>https://docs.github.com/ja/authentication/keeping-your-account-and-data-secure/githubs-ssh-key-fingerprints</a:t>
-            </a:r>
-            <a:endParaRPr lang="ja-JP" altLang="en-US" sz="800"/>
-          </a:p>
-        </p:txBody>
-      </p:sp>
-      <p:sp>
-        <p:nvSpPr>
-          <p:cNvPr id="9" name="テキスト ボックス 8">
-            <a:extLst>
-              <a:ext uri="{FF2B5EF4-FFF2-40B4-BE49-F238E27FC236}">
-                <a16:creationId xmlns:a16="http://schemas.microsoft.com/office/drawing/2014/main" id="{8D25A923-F827-7A93-D706-3D08B8A07FAE}"/>
-              </a:ext>
-            </a:extLst>
-          </p:cNvPr>
-          <p:cNvSpPr txBox="1"/>
-          <p:nvPr/>
-        </p:nvSpPr>
-        <p:spPr>
-          <a:xfrm>
-            <a:off x="755576" y="6471116"/>
-            <a:ext cx="2383986" cy="246221"/>
-          </a:xfrm>
-          <a:prstGeom prst="rect">
-            <a:avLst/>
-          </a:prstGeom>
-          <a:noFill/>
-        </p:spPr>
-        <p:txBody>
-          <a:bodyPr wrap="none" rtlCol="0">
-            <a:spAutoFit/>
-          </a:bodyPr>
-          <a:lstStyle/>
-          <a:p>
-            <a:r>
-              <a:rPr kumimoji="1" lang="ja-JP" altLang="en-US" sz="1000"/>
-              <a:t>例：</a:t>
-            </a:r>
-            <a:r>
-              <a:rPr kumimoji="1" lang="en-US" altLang="ja-JP" sz="1000" dirty="0"/>
-              <a:t>GitHub</a:t>
-            </a:r>
-            <a:r>
-              <a:rPr kumimoji="1" lang="ja-JP" altLang="en-US" sz="1000"/>
-              <a:t>の</a:t>
-            </a:r>
-            <a:r>
-              <a:rPr lang="en-US" altLang="ja-JP" sz="1000" dirty="0"/>
-              <a:t>SSH</a:t>
-            </a:r>
-            <a:r>
-              <a:rPr lang="ja-JP" altLang="en-US" sz="1000"/>
-              <a:t>フィンガープリント</a:t>
-            </a:r>
-            <a:endParaRPr kumimoji="1" lang="ja-JP" altLang="en-US" sz="1000"/>
           </a:p>
         </p:txBody>
       </p:sp>
@@ -7597,7 +8353,7 @@
 </p:sld>
 </file>
 
-<file path=ppt/slides/slide16.xml><?xml version="1.0" encoding="utf-8"?>
+<file path=ppt/slides/slide17.xml><?xml version="1.0" encoding="utf-8"?>
 <p:sld xmlns:a="http://schemas.openxmlformats.org/drawingml/2006/main" xmlns:r="http://schemas.openxmlformats.org/officeDocument/2006/relationships" xmlns:p="http://schemas.openxmlformats.org/presentationml/2006/main">
   <p:cSld>
     <p:spTree>
@@ -8346,7 +9102,7 @@
 </p:sld>
 </file>
 
-<file path=ppt/slides/slide17.xml><?xml version="1.0" encoding="utf-8"?>
+<file path=ppt/slides/slide18.xml><?xml version="1.0" encoding="utf-8"?>
 <p:sld xmlns:a="http://schemas.openxmlformats.org/drawingml/2006/main" xmlns:r="http://schemas.openxmlformats.org/officeDocument/2006/relationships" xmlns:p="http://schemas.openxmlformats.org/presentationml/2006/main">
   <p:cSld>
     <p:spTree>
@@ -9850,7 +10606,7 @@
 </p:sld>
 </file>
 
-<file path=ppt/slides/slide18.xml><?xml version="1.0" encoding="utf-8"?>
+<file path=ppt/slides/slide19.xml><?xml version="1.0" encoding="utf-8"?>
 <p:sld xmlns:a="http://schemas.openxmlformats.org/drawingml/2006/main" xmlns:r="http://schemas.openxmlformats.org/officeDocument/2006/relationships" xmlns:p="http://schemas.openxmlformats.org/presentationml/2006/main">
   <p:cSld>
     <p:spTree>
@@ -11314,7 +12070,655 @@
 </p:sld>
 </file>
 
-<file path=ppt/slides/slide19.xml><?xml version="1.0" encoding="utf-8"?>
+<file path=ppt/slides/slide2.xml><?xml version="1.0" encoding="utf-8"?>
+<p:sld xmlns:a="http://schemas.openxmlformats.org/drawingml/2006/main" xmlns:r="http://schemas.openxmlformats.org/officeDocument/2006/relationships" xmlns:p="http://schemas.openxmlformats.org/presentationml/2006/main">
+  <p:cSld>
+    <p:spTree>
+      <p:nvGrpSpPr>
+        <p:cNvPr id="1" name=""/>
+        <p:cNvGrpSpPr/>
+        <p:nvPr/>
+      </p:nvGrpSpPr>
+      <p:grpSpPr>
+        <a:xfrm>
+          <a:off x="0" y="0"/>
+          <a:ext cx="0" cy="0"/>
+          <a:chOff x="0" y="0"/>
+          <a:chExt cx="0" cy="0"/>
+        </a:xfrm>
+      </p:grpSpPr>
+      <p:sp>
+        <p:nvSpPr>
+          <p:cNvPr id="2" name="テキスト プレースホルダー 1">
+            <a:extLst>
+              <a:ext uri="{FF2B5EF4-FFF2-40B4-BE49-F238E27FC236}">
+                <a16:creationId xmlns:a16="http://schemas.microsoft.com/office/drawing/2014/main" id="{431EB989-AE26-453E-1295-A5B195407E06}"/>
+              </a:ext>
+            </a:extLst>
+          </p:cNvPr>
+          <p:cNvSpPr>
+            <a:spLocks noGrp="1"/>
+          </p:cNvSpPr>
+          <p:nvPr>
+            <p:ph type="body" sz="quarter" idx="10"/>
+          </p:nvPr>
+        </p:nvSpPr>
+        <p:spPr/>
+        <p:txBody>
+          <a:bodyPr/>
+          <a:lstStyle/>
+          <a:p>
+            <a:r>
+              <a:rPr kumimoji="1" lang="ja-JP" altLang="en-US"/>
+              <a:t>端末とは</a:t>
+            </a:r>
+          </a:p>
+        </p:txBody>
+      </p:sp>
+      <p:sp>
+        <p:nvSpPr>
+          <p:cNvPr id="5" name="テキスト ボックス 4">
+            <a:extLst>
+              <a:ext uri="{FF2B5EF4-FFF2-40B4-BE49-F238E27FC236}">
+                <a16:creationId xmlns:a16="http://schemas.microsoft.com/office/drawing/2014/main" id="{B42D6352-F7F0-6DE5-DBB3-8D948F4413AF}"/>
+              </a:ext>
+            </a:extLst>
+          </p:cNvPr>
+          <p:cNvSpPr txBox="1"/>
+          <p:nvPr/>
+        </p:nvSpPr>
+        <p:spPr>
+          <a:xfrm>
+            <a:off x="251520" y="1052736"/>
+            <a:ext cx="8109592" cy="646331"/>
+          </a:xfrm>
+          <a:prstGeom prst="rect">
+            <a:avLst/>
+          </a:prstGeom>
+          <a:noFill/>
+        </p:spPr>
+        <p:txBody>
+          <a:bodyPr wrap="square" rtlCol="0">
+            <a:spAutoFit/>
+          </a:bodyPr>
+          <a:lstStyle/>
+          <a:p>
+            <a:r>
+              <a:rPr kumimoji="1" lang="ja-JP" altLang="en-US"/>
+              <a:t>もともとは大型コンピュータ</a:t>
+            </a:r>
+            <a:r>
+              <a:rPr kumimoji="1" lang="en-US" altLang="ja-JP" dirty="0"/>
+              <a:t>(</a:t>
+            </a:r>
+            <a:r>
+              <a:rPr kumimoji="1" lang="ja-JP" altLang="en-US"/>
+              <a:t>ホスト</a:t>
+            </a:r>
+            <a:r>
+              <a:rPr kumimoji="1" lang="en-US" altLang="ja-JP" dirty="0"/>
+              <a:t>)</a:t>
+            </a:r>
+            <a:r>
+              <a:rPr kumimoji="1" lang="ja-JP" altLang="en-US"/>
+              <a:t>に接続され、利用者が命令を送るためのインタフェースのこと</a:t>
+            </a:r>
+          </a:p>
+        </p:txBody>
+      </p:sp>
+      <p:pic>
+        <p:nvPicPr>
+          <p:cNvPr id="1030" name="Picture 6" descr="サーバーのイラスト">
+            <a:extLst>
+              <a:ext uri="{FF2B5EF4-FFF2-40B4-BE49-F238E27FC236}">
+                <a16:creationId xmlns:a16="http://schemas.microsoft.com/office/drawing/2014/main" id="{827C6DD9-1126-6881-99E3-D06BD3042B57}"/>
+              </a:ext>
+            </a:extLst>
+          </p:cNvPr>
+          <p:cNvPicPr>
+            <a:picLocks noChangeAspect="1" noChangeArrowheads="1"/>
+          </p:cNvPicPr>
+          <p:nvPr/>
+        </p:nvPicPr>
+        <p:blipFill>
+          <a:blip r:embed="rId2">
+            <a:extLst>
+              <a:ext uri="{28A0092B-C50C-407E-A947-70E740481C1C}">
+                <a14:useLocalDpi xmlns:a14="http://schemas.microsoft.com/office/drawing/2010/main" val="0"/>
+              </a:ext>
+            </a:extLst>
+          </a:blip>
+          <a:srcRect/>
+          <a:stretch>
+            <a:fillRect/>
+          </a:stretch>
+        </p:blipFill>
+        <p:spPr bwMode="auto">
+          <a:xfrm>
+            <a:off x="3353578" y="1674649"/>
+            <a:ext cx="2107952" cy="1965665"/>
+          </a:xfrm>
+          <a:prstGeom prst="rect">
+            <a:avLst/>
+          </a:prstGeom>
+          <a:noFill/>
+          <a:extLst>
+            <a:ext uri="{909E8E84-426E-40DD-AFC4-6F175D3DCCD1}">
+              <a14:hiddenFill xmlns:a14="http://schemas.microsoft.com/office/drawing/2010/main">
+                <a:solidFill>
+                  <a:srgbClr val="FFFFFF"/>
+                </a:solidFill>
+              </a14:hiddenFill>
+            </a:ext>
+          </a:extLst>
+        </p:spPr>
+      </p:pic>
+      <p:pic>
+        <p:nvPicPr>
+          <p:cNvPr id="1032" name="Picture 8" descr="会社で働く人のイラスト（男性）">
+            <a:extLst>
+              <a:ext uri="{FF2B5EF4-FFF2-40B4-BE49-F238E27FC236}">
+                <a16:creationId xmlns:a16="http://schemas.microsoft.com/office/drawing/2014/main" id="{1173BDFD-98C2-620C-CCBD-34641B2E47C5}"/>
+              </a:ext>
+            </a:extLst>
+          </p:cNvPr>
+          <p:cNvPicPr>
+            <a:picLocks noChangeAspect="1" noChangeArrowheads="1"/>
+          </p:cNvPicPr>
+          <p:nvPr/>
+        </p:nvPicPr>
+        <p:blipFill>
+          <a:blip r:embed="rId3">
+            <a:extLst>
+              <a:ext uri="{28A0092B-C50C-407E-A947-70E740481C1C}">
+                <a14:useLocalDpi xmlns:a14="http://schemas.microsoft.com/office/drawing/2010/main" val="0"/>
+              </a:ext>
+            </a:extLst>
+          </a:blip>
+          <a:srcRect/>
+          <a:stretch>
+            <a:fillRect/>
+          </a:stretch>
+        </p:blipFill>
+        <p:spPr bwMode="auto">
+          <a:xfrm>
+            <a:off x="961080" y="4256090"/>
+            <a:ext cx="1225588" cy="1225588"/>
+          </a:xfrm>
+          <a:prstGeom prst="rect">
+            <a:avLst/>
+          </a:prstGeom>
+          <a:noFill/>
+          <a:extLst>
+            <a:ext uri="{909E8E84-426E-40DD-AFC4-6F175D3DCCD1}">
+              <a14:hiddenFill xmlns:a14="http://schemas.microsoft.com/office/drawing/2010/main">
+                <a:solidFill>
+                  <a:srgbClr val="FFFFFF"/>
+                </a:solidFill>
+              </a14:hiddenFill>
+            </a:ext>
+          </a:extLst>
+        </p:spPr>
+      </p:pic>
+      <p:pic>
+        <p:nvPicPr>
+          <p:cNvPr id="1034" name="Picture 10" descr="会社で働く人のイラスト（女性）">
+            <a:extLst>
+              <a:ext uri="{FF2B5EF4-FFF2-40B4-BE49-F238E27FC236}">
+                <a16:creationId xmlns:a16="http://schemas.microsoft.com/office/drawing/2014/main" id="{3257EB04-F786-B4F3-B10E-1A4CB60DC9D1}"/>
+              </a:ext>
+            </a:extLst>
+          </p:cNvPr>
+          <p:cNvPicPr>
+            <a:picLocks noChangeAspect="1" noChangeArrowheads="1"/>
+          </p:cNvPicPr>
+          <p:nvPr/>
+        </p:nvPicPr>
+        <p:blipFill>
+          <a:blip r:embed="rId4">
+            <a:extLst>
+              <a:ext uri="{28A0092B-C50C-407E-A947-70E740481C1C}">
+                <a14:useLocalDpi xmlns:a14="http://schemas.microsoft.com/office/drawing/2010/main" val="0"/>
+              </a:ext>
+            </a:extLst>
+          </a:blip>
+          <a:srcRect/>
+          <a:stretch>
+            <a:fillRect/>
+          </a:stretch>
+        </p:blipFill>
+        <p:spPr bwMode="auto">
+          <a:xfrm>
+            <a:off x="4520488" y="4256090"/>
+            <a:ext cx="1225588" cy="1225588"/>
+          </a:xfrm>
+          <a:prstGeom prst="rect">
+            <a:avLst/>
+          </a:prstGeom>
+          <a:noFill/>
+          <a:extLst>
+            <a:ext uri="{909E8E84-426E-40DD-AFC4-6F175D3DCCD1}">
+              <a14:hiddenFill xmlns:a14="http://schemas.microsoft.com/office/drawing/2010/main">
+                <a:solidFill>
+                  <a:srgbClr val="FFFFFF"/>
+                </a:solidFill>
+              </a14:hiddenFill>
+            </a:ext>
+          </a:extLst>
+        </p:spPr>
+      </p:pic>
+      <p:pic>
+        <p:nvPicPr>
+          <p:cNvPr id="1036" name="Picture 12" descr="働く人のイラスト（白人男性）">
+            <a:extLst>
+              <a:ext uri="{FF2B5EF4-FFF2-40B4-BE49-F238E27FC236}">
+                <a16:creationId xmlns:a16="http://schemas.microsoft.com/office/drawing/2014/main" id="{7ED35470-A979-AD1A-1063-98802C858040}"/>
+              </a:ext>
+            </a:extLst>
+          </p:cNvPr>
+          <p:cNvPicPr>
+            <a:picLocks noChangeAspect="1" noChangeArrowheads="1"/>
+          </p:cNvPicPr>
+          <p:nvPr/>
+        </p:nvPicPr>
+        <p:blipFill>
+          <a:blip r:embed="rId5">
+            <a:extLst>
+              <a:ext uri="{28A0092B-C50C-407E-A947-70E740481C1C}">
+                <a14:useLocalDpi xmlns:a14="http://schemas.microsoft.com/office/drawing/2010/main" val="0"/>
+              </a:ext>
+            </a:extLst>
+          </a:blip>
+          <a:srcRect/>
+          <a:stretch>
+            <a:fillRect/>
+          </a:stretch>
+        </p:blipFill>
+        <p:spPr bwMode="auto">
+          <a:xfrm>
+            <a:off x="2740784" y="4256090"/>
+            <a:ext cx="1225588" cy="1225588"/>
+          </a:xfrm>
+          <a:prstGeom prst="rect">
+            <a:avLst/>
+          </a:prstGeom>
+          <a:noFill/>
+          <a:extLst>
+            <a:ext uri="{909E8E84-426E-40DD-AFC4-6F175D3DCCD1}">
+              <a14:hiddenFill xmlns:a14="http://schemas.microsoft.com/office/drawing/2010/main">
+                <a:solidFill>
+                  <a:srgbClr val="FFFFFF"/>
+                </a:solidFill>
+              </a14:hiddenFill>
+            </a:ext>
+          </a:extLst>
+        </p:spPr>
+      </p:pic>
+      <p:pic>
+        <p:nvPicPr>
+          <p:cNvPr id="1038" name="Picture 14" descr="働く人のイラスト（白人女性）">
+            <a:extLst>
+              <a:ext uri="{FF2B5EF4-FFF2-40B4-BE49-F238E27FC236}">
+                <a16:creationId xmlns:a16="http://schemas.microsoft.com/office/drawing/2014/main" id="{203068A8-17A8-E17F-3A92-E6DFC00BAB1C}"/>
+              </a:ext>
+            </a:extLst>
+          </p:cNvPr>
+          <p:cNvPicPr>
+            <a:picLocks noChangeAspect="1" noChangeArrowheads="1"/>
+          </p:cNvPicPr>
+          <p:nvPr/>
+        </p:nvPicPr>
+        <p:blipFill>
+          <a:blip r:embed="rId6">
+            <a:extLst>
+              <a:ext uri="{28A0092B-C50C-407E-A947-70E740481C1C}">
+                <a14:useLocalDpi xmlns:a14="http://schemas.microsoft.com/office/drawing/2010/main" val="0"/>
+              </a:ext>
+            </a:extLst>
+          </a:blip>
+          <a:srcRect/>
+          <a:stretch>
+            <a:fillRect/>
+          </a:stretch>
+        </p:blipFill>
+        <p:spPr bwMode="auto">
+          <a:xfrm>
+            <a:off x="6300192" y="4256090"/>
+            <a:ext cx="1225588" cy="1225588"/>
+          </a:xfrm>
+          <a:prstGeom prst="rect">
+            <a:avLst/>
+          </a:prstGeom>
+          <a:noFill/>
+          <a:extLst>
+            <a:ext uri="{909E8E84-426E-40DD-AFC4-6F175D3DCCD1}">
+              <a14:hiddenFill xmlns:a14="http://schemas.microsoft.com/office/drawing/2010/main">
+                <a:solidFill>
+                  <a:srgbClr val="FFFFFF"/>
+                </a:solidFill>
+              </a14:hiddenFill>
+            </a:ext>
+          </a:extLst>
+        </p:spPr>
+      </p:pic>
+      <p:sp>
+        <p:nvSpPr>
+          <p:cNvPr id="24" name="テキスト ボックス 23">
+            <a:extLst>
+              <a:ext uri="{FF2B5EF4-FFF2-40B4-BE49-F238E27FC236}">
+                <a16:creationId xmlns:a16="http://schemas.microsoft.com/office/drawing/2014/main" id="{71FCA230-ACE0-21DF-C076-60CEF4057ECF}"/>
+              </a:ext>
+            </a:extLst>
+          </p:cNvPr>
+          <p:cNvSpPr txBox="1"/>
+          <p:nvPr/>
+        </p:nvSpPr>
+        <p:spPr>
+          <a:xfrm>
+            <a:off x="5714012" y="1884321"/>
+            <a:ext cx="2262158" cy="369332"/>
+          </a:xfrm>
+          <a:prstGeom prst="rect">
+            <a:avLst/>
+          </a:prstGeom>
+          <a:noFill/>
+        </p:spPr>
+        <p:txBody>
+          <a:bodyPr wrap="none" rtlCol="0">
+            <a:spAutoFit/>
+          </a:bodyPr>
+          <a:lstStyle/>
+          <a:p>
+            <a:r>
+              <a:rPr kumimoji="1" lang="ja-JP" altLang="en-US"/>
+              <a:t>ホストコンピュータ</a:t>
+            </a:r>
+            <a:endParaRPr lang="en-US" altLang="ja-JP" dirty="0"/>
+          </a:p>
+        </p:txBody>
+      </p:sp>
+      <p:cxnSp>
+        <p:nvCxnSpPr>
+          <p:cNvPr id="26" name="カギ線コネクタ 25">
+            <a:extLst>
+              <a:ext uri="{FF2B5EF4-FFF2-40B4-BE49-F238E27FC236}">
+                <a16:creationId xmlns:a16="http://schemas.microsoft.com/office/drawing/2014/main" id="{C69FC7ED-8495-24FB-B911-180E3EC7DF5B}"/>
+              </a:ext>
+            </a:extLst>
+          </p:cNvPr>
+          <p:cNvCxnSpPr>
+            <a:stCxn id="1030" idx="2"/>
+            <a:endCxn id="1032" idx="0"/>
+          </p:cNvCxnSpPr>
+          <p:nvPr/>
+        </p:nvCxnSpPr>
+        <p:spPr>
+          <a:xfrm rot="5400000">
+            <a:off x="2682826" y="2531362"/>
+            <a:ext cx="615776" cy="2833680"/>
+          </a:xfrm>
+          <a:prstGeom prst="bentConnector3">
+            <a:avLst/>
+          </a:prstGeom>
+          <a:ln>
+            <a:solidFill>
+              <a:schemeClr val="tx1"/>
+            </a:solidFill>
+            <a:headEnd type="none" w="med" len="med"/>
+            <a:tailEnd type="none" w="med" len="med"/>
+          </a:ln>
+        </p:spPr>
+        <p:style>
+          <a:lnRef idx="1">
+            <a:schemeClr val="accent1"/>
+          </a:lnRef>
+          <a:fillRef idx="0">
+            <a:schemeClr val="accent1"/>
+          </a:fillRef>
+          <a:effectRef idx="0">
+            <a:schemeClr val="accent1"/>
+          </a:effectRef>
+          <a:fontRef idx="minor">
+            <a:schemeClr val="tx1"/>
+          </a:fontRef>
+        </p:style>
+      </p:cxnSp>
+      <p:cxnSp>
+        <p:nvCxnSpPr>
+          <p:cNvPr id="28" name="カギ線コネクタ 27">
+            <a:extLst>
+              <a:ext uri="{FF2B5EF4-FFF2-40B4-BE49-F238E27FC236}">
+                <a16:creationId xmlns:a16="http://schemas.microsoft.com/office/drawing/2014/main" id="{A402A9FB-5691-7338-21E3-3394A6D05EE0}"/>
+              </a:ext>
+            </a:extLst>
+          </p:cNvPr>
+          <p:cNvCxnSpPr>
+            <a:stCxn id="1030" idx="2"/>
+            <a:endCxn id="1036" idx="0"/>
+          </p:cNvCxnSpPr>
+          <p:nvPr/>
+        </p:nvCxnSpPr>
+        <p:spPr>
+          <a:xfrm rot="5400000">
+            <a:off x="3572678" y="3421214"/>
+            <a:ext cx="615776" cy="1053976"/>
+          </a:xfrm>
+          <a:prstGeom prst="bentConnector3">
+            <a:avLst/>
+          </a:prstGeom>
+          <a:ln>
+            <a:solidFill>
+              <a:schemeClr val="tx1"/>
+            </a:solidFill>
+            <a:headEnd type="none" w="med" len="med"/>
+            <a:tailEnd type="none" w="med" len="med"/>
+          </a:ln>
+        </p:spPr>
+        <p:style>
+          <a:lnRef idx="1">
+            <a:schemeClr val="accent1"/>
+          </a:lnRef>
+          <a:fillRef idx="0">
+            <a:schemeClr val="accent1"/>
+          </a:fillRef>
+          <a:effectRef idx="0">
+            <a:schemeClr val="accent1"/>
+          </a:effectRef>
+          <a:fontRef idx="minor">
+            <a:schemeClr val="tx1"/>
+          </a:fontRef>
+        </p:style>
+      </p:cxnSp>
+      <p:cxnSp>
+        <p:nvCxnSpPr>
+          <p:cNvPr id="30" name="カギ線コネクタ 29">
+            <a:extLst>
+              <a:ext uri="{FF2B5EF4-FFF2-40B4-BE49-F238E27FC236}">
+                <a16:creationId xmlns:a16="http://schemas.microsoft.com/office/drawing/2014/main" id="{4C309BBF-ED99-13FC-561A-DE6460AF417B}"/>
+              </a:ext>
+            </a:extLst>
+          </p:cNvPr>
+          <p:cNvCxnSpPr>
+            <a:stCxn id="1030" idx="2"/>
+            <a:endCxn id="1034" idx="0"/>
+          </p:cNvCxnSpPr>
+          <p:nvPr/>
+        </p:nvCxnSpPr>
+        <p:spPr>
+          <a:xfrm rot="16200000" flipH="1">
+            <a:off x="4462530" y="3585338"/>
+            <a:ext cx="615776" cy="725728"/>
+          </a:xfrm>
+          <a:prstGeom prst="bentConnector3">
+            <a:avLst/>
+          </a:prstGeom>
+          <a:ln>
+            <a:solidFill>
+              <a:schemeClr val="tx1"/>
+            </a:solidFill>
+            <a:headEnd type="none" w="med" len="med"/>
+            <a:tailEnd type="none" w="med" len="med"/>
+          </a:ln>
+        </p:spPr>
+        <p:style>
+          <a:lnRef idx="1">
+            <a:schemeClr val="accent1"/>
+          </a:lnRef>
+          <a:fillRef idx="0">
+            <a:schemeClr val="accent1"/>
+          </a:fillRef>
+          <a:effectRef idx="0">
+            <a:schemeClr val="accent1"/>
+          </a:effectRef>
+          <a:fontRef idx="minor">
+            <a:schemeClr val="tx1"/>
+          </a:fontRef>
+        </p:style>
+      </p:cxnSp>
+      <p:cxnSp>
+        <p:nvCxnSpPr>
+          <p:cNvPr id="32" name="カギ線コネクタ 31">
+            <a:extLst>
+              <a:ext uri="{FF2B5EF4-FFF2-40B4-BE49-F238E27FC236}">
+                <a16:creationId xmlns:a16="http://schemas.microsoft.com/office/drawing/2014/main" id="{7062E9CF-37F4-4005-3478-0E80DADDBDAB}"/>
+              </a:ext>
+            </a:extLst>
+          </p:cNvPr>
+          <p:cNvCxnSpPr>
+            <a:stCxn id="1030" idx="2"/>
+            <a:endCxn id="1038" idx="0"/>
+          </p:cNvCxnSpPr>
+          <p:nvPr/>
+        </p:nvCxnSpPr>
+        <p:spPr>
+          <a:xfrm rot="16200000" flipH="1">
+            <a:off x="5352382" y="2695486"/>
+            <a:ext cx="615776" cy="2505432"/>
+          </a:xfrm>
+          <a:prstGeom prst="bentConnector3">
+            <a:avLst/>
+          </a:prstGeom>
+          <a:ln>
+            <a:solidFill>
+              <a:schemeClr val="tx1"/>
+            </a:solidFill>
+            <a:headEnd type="none" w="med" len="med"/>
+            <a:tailEnd type="none" w="med" len="med"/>
+          </a:ln>
+        </p:spPr>
+        <p:style>
+          <a:lnRef idx="1">
+            <a:schemeClr val="accent1"/>
+          </a:lnRef>
+          <a:fillRef idx="0">
+            <a:schemeClr val="accent1"/>
+          </a:fillRef>
+          <a:effectRef idx="0">
+            <a:schemeClr val="accent1"/>
+          </a:effectRef>
+          <a:fontRef idx="minor">
+            <a:schemeClr val="tx1"/>
+          </a:fontRef>
+        </p:style>
+      </p:cxnSp>
+      <p:sp>
+        <p:nvSpPr>
+          <p:cNvPr id="33" name="テキスト ボックス 32">
+            <a:extLst>
+              <a:ext uri="{FF2B5EF4-FFF2-40B4-BE49-F238E27FC236}">
+                <a16:creationId xmlns:a16="http://schemas.microsoft.com/office/drawing/2014/main" id="{AE3369DA-E9E7-7DAD-D7C3-911E4456D862}"/>
+              </a:ext>
+            </a:extLst>
+          </p:cNvPr>
+          <p:cNvSpPr txBox="1"/>
+          <p:nvPr/>
+        </p:nvSpPr>
+        <p:spPr>
+          <a:xfrm>
+            <a:off x="2737866" y="5481678"/>
+            <a:ext cx="3339376" cy="369332"/>
+          </a:xfrm>
+          <a:prstGeom prst="rect">
+            <a:avLst/>
+          </a:prstGeom>
+          <a:noFill/>
+        </p:spPr>
+        <p:txBody>
+          <a:bodyPr wrap="none" rtlCol="0">
+            <a:spAutoFit/>
+          </a:bodyPr>
+          <a:lstStyle/>
+          <a:p>
+            <a:r>
+              <a:rPr kumimoji="1" lang="ja-JP" altLang="en-US"/>
+              <a:t>端末</a:t>
+            </a:r>
+            <a:r>
+              <a:rPr kumimoji="1" lang="en-US" altLang="ja-JP" dirty="0"/>
+              <a:t>(</a:t>
+            </a:r>
+            <a:r>
+              <a:rPr kumimoji="1" lang="ja-JP" altLang="en-US"/>
+              <a:t>ユーザーインタフェース</a:t>
+            </a:r>
+            <a:r>
+              <a:rPr kumimoji="1" lang="en-US" altLang="ja-JP" dirty="0"/>
+              <a:t>)</a:t>
+            </a:r>
+            <a:endParaRPr lang="en-US" altLang="ja-JP" dirty="0"/>
+          </a:p>
+        </p:txBody>
+      </p:sp>
+      <p:sp>
+        <p:nvSpPr>
+          <p:cNvPr id="34" name="テキスト ボックス 33">
+            <a:extLst>
+              <a:ext uri="{FF2B5EF4-FFF2-40B4-BE49-F238E27FC236}">
+                <a16:creationId xmlns:a16="http://schemas.microsoft.com/office/drawing/2014/main" id="{19672534-9DF9-429A-D2E8-87BEE2455347}"/>
+              </a:ext>
+            </a:extLst>
+          </p:cNvPr>
+          <p:cNvSpPr txBox="1"/>
+          <p:nvPr/>
+        </p:nvSpPr>
+        <p:spPr>
+          <a:xfrm>
+            <a:off x="467544" y="6060935"/>
+            <a:ext cx="7274260" cy="646331"/>
+          </a:xfrm>
+          <a:prstGeom prst="rect">
+            <a:avLst/>
+          </a:prstGeom>
+          <a:noFill/>
+        </p:spPr>
+        <p:txBody>
+          <a:bodyPr wrap="square" rtlCol="0">
+            <a:spAutoFit/>
+          </a:bodyPr>
+          <a:lstStyle/>
+          <a:p>
+            <a:r>
+              <a:rPr kumimoji="1" lang="ja-JP" altLang="en-US"/>
+              <a:t>ホストコンピュータは高価であり、複数人で共有して利用するために端末が必要だった</a:t>
+            </a:r>
+            <a:endParaRPr kumimoji="1" lang="en-US" altLang="ja-JP" dirty="0"/>
+          </a:p>
+        </p:txBody>
+      </p:sp>
+    </p:spTree>
+    <p:extLst>
+      <p:ext uri="{BB962C8B-B14F-4D97-AF65-F5344CB8AC3E}">
+        <p14:creationId xmlns:p14="http://schemas.microsoft.com/office/powerpoint/2010/main" val="270480210"/>
+      </p:ext>
+    </p:extLst>
+  </p:cSld>
+  <p:clrMapOvr>
+    <a:masterClrMapping/>
+  </p:clrMapOvr>
+</p:sld>
+</file>
+
+<file path=ppt/slides/slide20.xml><?xml version="1.0" encoding="utf-8"?>
 <p:sld xmlns:a="http://schemas.openxmlformats.org/drawingml/2006/main" xmlns:r="http://schemas.openxmlformats.org/officeDocument/2006/relationships" xmlns:p="http://schemas.openxmlformats.org/presentationml/2006/main">
   <p:cSld>
     <p:spTree>
@@ -11820,655 +13224,7 @@
 </p:sld>
 </file>
 
-<file path=ppt/slides/slide2.xml><?xml version="1.0" encoding="utf-8"?>
-<p:sld xmlns:a="http://schemas.openxmlformats.org/drawingml/2006/main" xmlns:r="http://schemas.openxmlformats.org/officeDocument/2006/relationships" xmlns:p="http://schemas.openxmlformats.org/presentationml/2006/main">
-  <p:cSld>
-    <p:spTree>
-      <p:nvGrpSpPr>
-        <p:cNvPr id="1" name=""/>
-        <p:cNvGrpSpPr/>
-        <p:nvPr/>
-      </p:nvGrpSpPr>
-      <p:grpSpPr>
-        <a:xfrm>
-          <a:off x="0" y="0"/>
-          <a:ext cx="0" cy="0"/>
-          <a:chOff x="0" y="0"/>
-          <a:chExt cx="0" cy="0"/>
-        </a:xfrm>
-      </p:grpSpPr>
-      <p:sp>
-        <p:nvSpPr>
-          <p:cNvPr id="2" name="テキスト プレースホルダー 1">
-            <a:extLst>
-              <a:ext uri="{FF2B5EF4-FFF2-40B4-BE49-F238E27FC236}">
-                <a16:creationId xmlns:a16="http://schemas.microsoft.com/office/drawing/2014/main" id="{431EB989-AE26-453E-1295-A5B195407E06}"/>
-              </a:ext>
-            </a:extLst>
-          </p:cNvPr>
-          <p:cNvSpPr>
-            <a:spLocks noGrp="1"/>
-          </p:cNvSpPr>
-          <p:nvPr>
-            <p:ph type="body" sz="quarter" idx="10"/>
-          </p:nvPr>
-        </p:nvSpPr>
-        <p:spPr/>
-        <p:txBody>
-          <a:bodyPr/>
-          <a:lstStyle/>
-          <a:p>
-            <a:r>
-              <a:rPr kumimoji="1" lang="ja-JP" altLang="en-US"/>
-              <a:t>端末とは</a:t>
-            </a:r>
-          </a:p>
-        </p:txBody>
-      </p:sp>
-      <p:sp>
-        <p:nvSpPr>
-          <p:cNvPr id="5" name="テキスト ボックス 4">
-            <a:extLst>
-              <a:ext uri="{FF2B5EF4-FFF2-40B4-BE49-F238E27FC236}">
-                <a16:creationId xmlns:a16="http://schemas.microsoft.com/office/drawing/2014/main" id="{B42D6352-F7F0-6DE5-DBB3-8D948F4413AF}"/>
-              </a:ext>
-            </a:extLst>
-          </p:cNvPr>
-          <p:cNvSpPr txBox="1"/>
-          <p:nvPr/>
-        </p:nvSpPr>
-        <p:spPr>
-          <a:xfrm>
-            <a:off x="251520" y="1052736"/>
-            <a:ext cx="8109592" cy="646331"/>
-          </a:xfrm>
-          <a:prstGeom prst="rect">
-            <a:avLst/>
-          </a:prstGeom>
-          <a:noFill/>
-        </p:spPr>
-        <p:txBody>
-          <a:bodyPr wrap="square" rtlCol="0">
-            <a:spAutoFit/>
-          </a:bodyPr>
-          <a:lstStyle/>
-          <a:p>
-            <a:r>
-              <a:rPr kumimoji="1" lang="ja-JP" altLang="en-US"/>
-              <a:t>もともとは大型コンピュータ</a:t>
-            </a:r>
-            <a:r>
-              <a:rPr kumimoji="1" lang="en-US" altLang="ja-JP" dirty="0"/>
-              <a:t>(</a:t>
-            </a:r>
-            <a:r>
-              <a:rPr kumimoji="1" lang="ja-JP" altLang="en-US"/>
-              <a:t>ホスト</a:t>
-            </a:r>
-            <a:r>
-              <a:rPr kumimoji="1" lang="en-US" altLang="ja-JP" dirty="0"/>
-              <a:t>)</a:t>
-            </a:r>
-            <a:r>
-              <a:rPr kumimoji="1" lang="ja-JP" altLang="en-US"/>
-              <a:t>に接続され、利用者が命令を送るためのインタフェースのこと</a:t>
-            </a:r>
-          </a:p>
-        </p:txBody>
-      </p:sp>
-      <p:pic>
-        <p:nvPicPr>
-          <p:cNvPr id="1030" name="Picture 6" descr="サーバーのイラスト">
-            <a:extLst>
-              <a:ext uri="{FF2B5EF4-FFF2-40B4-BE49-F238E27FC236}">
-                <a16:creationId xmlns:a16="http://schemas.microsoft.com/office/drawing/2014/main" id="{827C6DD9-1126-6881-99E3-D06BD3042B57}"/>
-              </a:ext>
-            </a:extLst>
-          </p:cNvPr>
-          <p:cNvPicPr>
-            <a:picLocks noChangeAspect="1" noChangeArrowheads="1"/>
-          </p:cNvPicPr>
-          <p:nvPr/>
-        </p:nvPicPr>
-        <p:blipFill>
-          <a:blip r:embed="rId2">
-            <a:extLst>
-              <a:ext uri="{28A0092B-C50C-407E-A947-70E740481C1C}">
-                <a14:useLocalDpi xmlns:a14="http://schemas.microsoft.com/office/drawing/2010/main" val="0"/>
-              </a:ext>
-            </a:extLst>
-          </a:blip>
-          <a:srcRect/>
-          <a:stretch>
-            <a:fillRect/>
-          </a:stretch>
-        </p:blipFill>
-        <p:spPr bwMode="auto">
-          <a:xfrm>
-            <a:off x="3353578" y="1674649"/>
-            <a:ext cx="2107952" cy="1965665"/>
-          </a:xfrm>
-          <a:prstGeom prst="rect">
-            <a:avLst/>
-          </a:prstGeom>
-          <a:noFill/>
-          <a:extLst>
-            <a:ext uri="{909E8E84-426E-40DD-AFC4-6F175D3DCCD1}">
-              <a14:hiddenFill xmlns:a14="http://schemas.microsoft.com/office/drawing/2010/main">
-                <a:solidFill>
-                  <a:srgbClr val="FFFFFF"/>
-                </a:solidFill>
-              </a14:hiddenFill>
-            </a:ext>
-          </a:extLst>
-        </p:spPr>
-      </p:pic>
-      <p:pic>
-        <p:nvPicPr>
-          <p:cNvPr id="1032" name="Picture 8" descr="会社で働く人のイラスト（男性）">
-            <a:extLst>
-              <a:ext uri="{FF2B5EF4-FFF2-40B4-BE49-F238E27FC236}">
-                <a16:creationId xmlns:a16="http://schemas.microsoft.com/office/drawing/2014/main" id="{1173BDFD-98C2-620C-CCBD-34641B2E47C5}"/>
-              </a:ext>
-            </a:extLst>
-          </p:cNvPr>
-          <p:cNvPicPr>
-            <a:picLocks noChangeAspect="1" noChangeArrowheads="1"/>
-          </p:cNvPicPr>
-          <p:nvPr/>
-        </p:nvPicPr>
-        <p:blipFill>
-          <a:blip r:embed="rId3">
-            <a:extLst>
-              <a:ext uri="{28A0092B-C50C-407E-A947-70E740481C1C}">
-                <a14:useLocalDpi xmlns:a14="http://schemas.microsoft.com/office/drawing/2010/main" val="0"/>
-              </a:ext>
-            </a:extLst>
-          </a:blip>
-          <a:srcRect/>
-          <a:stretch>
-            <a:fillRect/>
-          </a:stretch>
-        </p:blipFill>
-        <p:spPr bwMode="auto">
-          <a:xfrm>
-            <a:off x="961080" y="4256090"/>
-            <a:ext cx="1225588" cy="1225588"/>
-          </a:xfrm>
-          <a:prstGeom prst="rect">
-            <a:avLst/>
-          </a:prstGeom>
-          <a:noFill/>
-          <a:extLst>
-            <a:ext uri="{909E8E84-426E-40DD-AFC4-6F175D3DCCD1}">
-              <a14:hiddenFill xmlns:a14="http://schemas.microsoft.com/office/drawing/2010/main">
-                <a:solidFill>
-                  <a:srgbClr val="FFFFFF"/>
-                </a:solidFill>
-              </a14:hiddenFill>
-            </a:ext>
-          </a:extLst>
-        </p:spPr>
-      </p:pic>
-      <p:pic>
-        <p:nvPicPr>
-          <p:cNvPr id="1034" name="Picture 10" descr="会社で働く人のイラスト（女性）">
-            <a:extLst>
-              <a:ext uri="{FF2B5EF4-FFF2-40B4-BE49-F238E27FC236}">
-                <a16:creationId xmlns:a16="http://schemas.microsoft.com/office/drawing/2014/main" id="{3257EB04-F786-B4F3-B10E-1A4CB60DC9D1}"/>
-              </a:ext>
-            </a:extLst>
-          </p:cNvPr>
-          <p:cNvPicPr>
-            <a:picLocks noChangeAspect="1" noChangeArrowheads="1"/>
-          </p:cNvPicPr>
-          <p:nvPr/>
-        </p:nvPicPr>
-        <p:blipFill>
-          <a:blip r:embed="rId4">
-            <a:extLst>
-              <a:ext uri="{28A0092B-C50C-407E-A947-70E740481C1C}">
-                <a14:useLocalDpi xmlns:a14="http://schemas.microsoft.com/office/drawing/2010/main" val="0"/>
-              </a:ext>
-            </a:extLst>
-          </a:blip>
-          <a:srcRect/>
-          <a:stretch>
-            <a:fillRect/>
-          </a:stretch>
-        </p:blipFill>
-        <p:spPr bwMode="auto">
-          <a:xfrm>
-            <a:off x="4520488" y="4256090"/>
-            <a:ext cx="1225588" cy="1225588"/>
-          </a:xfrm>
-          <a:prstGeom prst="rect">
-            <a:avLst/>
-          </a:prstGeom>
-          <a:noFill/>
-          <a:extLst>
-            <a:ext uri="{909E8E84-426E-40DD-AFC4-6F175D3DCCD1}">
-              <a14:hiddenFill xmlns:a14="http://schemas.microsoft.com/office/drawing/2010/main">
-                <a:solidFill>
-                  <a:srgbClr val="FFFFFF"/>
-                </a:solidFill>
-              </a14:hiddenFill>
-            </a:ext>
-          </a:extLst>
-        </p:spPr>
-      </p:pic>
-      <p:pic>
-        <p:nvPicPr>
-          <p:cNvPr id="1036" name="Picture 12" descr="働く人のイラスト（白人男性）">
-            <a:extLst>
-              <a:ext uri="{FF2B5EF4-FFF2-40B4-BE49-F238E27FC236}">
-                <a16:creationId xmlns:a16="http://schemas.microsoft.com/office/drawing/2014/main" id="{7ED35470-A979-AD1A-1063-98802C858040}"/>
-              </a:ext>
-            </a:extLst>
-          </p:cNvPr>
-          <p:cNvPicPr>
-            <a:picLocks noChangeAspect="1" noChangeArrowheads="1"/>
-          </p:cNvPicPr>
-          <p:nvPr/>
-        </p:nvPicPr>
-        <p:blipFill>
-          <a:blip r:embed="rId5">
-            <a:extLst>
-              <a:ext uri="{28A0092B-C50C-407E-A947-70E740481C1C}">
-                <a14:useLocalDpi xmlns:a14="http://schemas.microsoft.com/office/drawing/2010/main" val="0"/>
-              </a:ext>
-            </a:extLst>
-          </a:blip>
-          <a:srcRect/>
-          <a:stretch>
-            <a:fillRect/>
-          </a:stretch>
-        </p:blipFill>
-        <p:spPr bwMode="auto">
-          <a:xfrm>
-            <a:off x="2740784" y="4256090"/>
-            <a:ext cx="1225588" cy="1225588"/>
-          </a:xfrm>
-          <a:prstGeom prst="rect">
-            <a:avLst/>
-          </a:prstGeom>
-          <a:noFill/>
-          <a:extLst>
-            <a:ext uri="{909E8E84-426E-40DD-AFC4-6F175D3DCCD1}">
-              <a14:hiddenFill xmlns:a14="http://schemas.microsoft.com/office/drawing/2010/main">
-                <a:solidFill>
-                  <a:srgbClr val="FFFFFF"/>
-                </a:solidFill>
-              </a14:hiddenFill>
-            </a:ext>
-          </a:extLst>
-        </p:spPr>
-      </p:pic>
-      <p:pic>
-        <p:nvPicPr>
-          <p:cNvPr id="1038" name="Picture 14" descr="働く人のイラスト（白人女性）">
-            <a:extLst>
-              <a:ext uri="{FF2B5EF4-FFF2-40B4-BE49-F238E27FC236}">
-                <a16:creationId xmlns:a16="http://schemas.microsoft.com/office/drawing/2014/main" id="{203068A8-17A8-E17F-3A92-E6DFC00BAB1C}"/>
-              </a:ext>
-            </a:extLst>
-          </p:cNvPr>
-          <p:cNvPicPr>
-            <a:picLocks noChangeAspect="1" noChangeArrowheads="1"/>
-          </p:cNvPicPr>
-          <p:nvPr/>
-        </p:nvPicPr>
-        <p:blipFill>
-          <a:blip r:embed="rId6">
-            <a:extLst>
-              <a:ext uri="{28A0092B-C50C-407E-A947-70E740481C1C}">
-                <a14:useLocalDpi xmlns:a14="http://schemas.microsoft.com/office/drawing/2010/main" val="0"/>
-              </a:ext>
-            </a:extLst>
-          </a:blip>
-          <a:srcRect/>
-          <a:stretch>
-            <a:fillRect/>
-          </a:stretch>
-        </p:blipFill>
-        <p:spPr bwMode="auto">
-          <a:xfrm>
-            <a:off x="6300192" y="4256090"/>
-            <a:ext cx="1225588" cy="1225588"/>
-          </a:xfrm>
-          <a:prstGeom prst="rect">
-            <a:avLst/>
-          </a:prstGeom>
-          <a:noFill/>
-          <a:extLst>
-            <a:ext uri="{909E8E84-426E-40DD-AFC4-6F175D3DCCD1}">
-              <a14:hiddenFill xmlns:a14="http://schemas.microsoft.com/office/drawing/2010/main">
-                <a:solidFill>
-                  <a:srgbClr val="FFFFFF"/>
-                </a:solidFill>
-              </a14:hiddenFill>
-            </a:ext>
-          </a:extLst>
-        </p:spPr>
-      </p:pic>
-      <p:sp>
-        <p:nvSpPr>
-          <p:cNvPr id="24" name="テキスト ボックス 23">
-            <a:extLst>
-              <a:ext uri="{FF2B5EF4-FFF2-40B4-BE49-F238E27FC236}">
-                <a16:creationId xmlns:a16="http://schemas.microsoft.com/office/drawing/2014/main" id="{71FCA230-ACE0-21DF-C076-60CEF4057ECF}"/>
-              </a:ext>
-            </a:extLst>
-          </p:cNvPr>
-          <p:cNvSpPr txBox="1"/>
-          <p:nvPr/>
-        </p:nvSpPr>
-        <p:spPr>
-          <a:xfrm>
-            <a:off x="5714012" y="1884321"/>
-            <a:ext cx="2262158" cy="369332"/>
-          </a:xfrm>
-          <a:prstGeom prst="rect">
-            <a:avLst/>
-          </a:prstGeom>
-          <a:noFill/>
-        </p:spPr>
-        <p:txBody>
-          <a:bodyPr wrap="none" rtlCol="0">
-            <a:spAutoFit/>
-          </a:bodyPr>
-          <a:lstStyle/>
-          <a:p>
-            <a:r>
-              <a:rPr kumimoji="1" lang="ja-JP" altLang="en-US"/>
-              <a:t>ホストコンピュータ</a:t>
-            </a:r>
-            <a:endParaRPr lang="en-US" altLang="ja-JP" dirty="0"/>
-          </a:p>
-        </p:txBody>
-      </p:sp>
-      <p:cxnSp>
-        <p:nvCxnSpPr>
-          <p:cNvPr id="26" name="カギ線コネクタ 25">
-            <a:extLst>
-              <a:ext uri="{FF2B5EF4-FFF2-40B4-BE49-F238E27FC236}">
-                <a16:creationId xmlns:a16="http://schemas.microsoft.com/office/drawing/2014/main" id="{C69FC7ED-8495-24FB-B911-180E3EC7DF5B}"/>
-              </a:ext>
-            </a:extLst>
-          </p:cNvPr>
-          <p:cNvCxnSpPr>
-            <a:stCxn id="1030" idx="2"/>
-            <a:endCxn id="1032" idx="0"/>
-          </p:cNvCxnSpPr>
-          <p:nvPr/>
-        </p:nvCxnSpPr>
-        <p:spPr>
-          <a:xfrm rot="5400000">
-            <a:off x="2682826" y="2531362"/>
-            <a:ext cx="615776" cy="2833680"/>
-          </a:xfrm>
-          <a:prstGeom prst="bentConnector3">
-            <a:avLst/>
-          </a:prstGeom>
-          <a:ln>
-            <a:solidFill>
-              <a:schemeClr val="tx1"/>
-            </a:solidFill>
-            <a:headEnd type="none" w="med" len="med"/>
-            <a:tailEnd type="none" w="med" len="med"/>
-          </a:ln>
-        </p:spPr>
-        <p:style>
-          <a:lnRef idx="1">
-            <a:schemeClr val="accent1"/>
-          </a:lnRef>
-          <a:fillRef idx="0">
-            <a:schemeClr val="accent1"/>
-          </a:fillRef>
-          <a:effectRef idx="0">
-            <a:schemeClr val="accent1"/>
-          </a:effectRef>
-          <a:fontRef idx="minor">
-            <a:schemeClr val="tx1"/>
-          </a:fontRef>
-        </p:style>
-      </p:cxnSp>
-      <p:cxnSp>
-        <p:nvCxnSpPr>
-          <p:cNvPr id="28" name="カギ線コネクタ 27">
-            <a:extLst>
-              <a:ext uri="{FF2B5EF4-FFF2-40B4-BE49-F238E27FC236}">
-                <a16:creationId xmlns:a16="http://schemas.microsoft.com/office/drawing/2014/main" id="{A402A9FB-5691-7338-21E3-3394A6D05EE0}"/>
-              </a:ext>
-            </a:extLst>
-          </p:cNvPr>
-          <p:cNvCxnSpPr>
-            <a:stCxn id="1030" idx="2"/>
-            <a:endCxn id="1036" idx="0"/>
-          </p:cNvCxnSpPr>
-          <p:nvPr/>
-        </p:nvCxnSpPr>
-        <p:spPr>
-          <a:xfrm rot="5400000">
-            <a:off x="3572678" y="3421214"/>
-            <a:ext cx="615776" cy="1053976"/>
-          </a:xfrm>
-          <a:prstGeom prst="bentConnector3">
-            <a:avLst/>
-          </a:prstGeom>
-          <a:ln>
-            <a:solidFill>
-              <a:schemeClr val="tx1"/>
-            </a:solidFill>
-            <a:headEnd type="none" w="med" len="med"/>
-            <a:tailEnd type="none" w="med" len="med"/>
-          </a:ln>
-        </p:spPr>
-        <p:style>
-          <a:lnRef idx="1">
-            <a:schemeClr val="accent1"/>
-          </a:lnRef>
-          <a:fillRef idx="0">
-            <a:schemeClr val="accent1"/>
-          </a:fillRef>
-          <a:effectRef idx="0">
-            <a:schemeClr val="accent1"/>
-          </a:effectRef>
-          <a:fontRef idx="minor">
-            <a:schemeClr val="tx1"/>
-          </a:fontRef>
-        </p:style>
-      </p:cxnSp>
-      <p:cxnSp>
-        <p:nvCxnSpPr>
-          <p:cNvPr id="30" name="カギ線コネクタ 29">
-            <a:extLst>
-              <a:ext uri="{FF2B5EF4-FFF2-40B4-BE49-F238E27FC236}">
-                <a16:creationId xmlns:a16="http://schemas.microsoft.com/office/drawing/2014/main" id="{4C309BBF-ED99-13FC-561A-DE6460AF417B}"/>
-              </a:ext>
-            </a:extLst>
-          </p:cNvPr>
-          <p:cNvCxnSpPr>
-            <a:stCxn id="1030" idx="2"/>
-            <a:endCxn id="1034" idx="0"/>
-          </p:cNvCxnSpPr>
-          <p:nvPr/>
-        </p:nvCxnSpPr>
-        <p:spPr>
-          <a:xfrm rot="16200000" flipH="1">
-            <a:off x="4462530" y="3585338"/>
-            <a:ext cx="615776" cy="725728"/>
-          </a:xfrm>
-          <a:prstGeom prst="bentConnector3">
-            <a:avLst/>
-          </a:prstGeom>
-          <a:ln>
-            <a:solidFill>
-              <a:schemeClr val="tx1"/>
-            </a:solidFill>
-            <a:headEnd type="none" w="med" len="med"/>
-            <a:tailEnd type="none" w="med" len="med"/>
-          </a:ln>
-        </p:spPr>
-        <p:style>
-          <a:lnRef idx="1">
-            <a:schemeClr val="accent1"/>
-          </a:lnRef>
-          <a:fillRef idx="0">
-            <a:schemeClr val="accent1"/>
-          </a:fillRef>
-          <a:effectRef idx="0">
-            <a:schemeClr val="accent1"/>
-          </a:effectRef>
-          <a:fontRef idx="minor">
-            <a:schemeClr val="tx1"/>
-          </a:fontRef>
-        </p:style>
-      </p:cxnSp>
-      <p:cxnSp>
-        <p:nvCxnSpPr>
-          <p:cNvPr id="32" name="カギ線コネクタ 31">
-            <a:extLst>
-              <a:ext uri="{FF2B5EF4-FFF2-40B4-BE49-F238E27FC236}">
-                <a16:creationId xmlns:a16="http://schemas.microsoft.com/office/drawing/2014/main" id="{7062E9CF-37F4-4005-3478-0E80DADDBDAB}"/>
-              </a:ext>
-            </a:extLst>
-          </p:cNvPr>
-          <p:cNvCxnSpPr>
-            <a:stCxn id="1030" idx="2"/>
-            <a:endCxn id="1038" idx="0"/>
-          </p:cNvCxnSpPr>
-          <p:nvPr/>
-        </p:nvCxnSpPr>
-        <p:spPr>
-          <a:xfrm rot="16200000" flipH="1">
-            <a:off x="5352382" y="2695486"/>
-            <a:ext cx="615776" cy="2505432"/>
-          </a:xfrm>
-          <a:prstGeom prst="bentConnector3">
-            <a:avLst/>
-          </a:prstGeom>
-          <a:ln>
-            <a:solidFill>
-              <a:schemeClr val="tx1"/>
-            </a:solidFill>
-            <a:headEnd type="none" w="med" len="med"/>
-            <a:tailEnd type="none" w="med" len="med"/>
-          </a:ln>
-        </p:spPr>
-        <p:style>
-          <a:lnRef idx="1">
-            <a:schemeClr val="accent1"/>
-          </a:lnRef>
-          <a:fillRef idx="0">
-            <a:schemeClr val="accent1"/>
-          </a:fillRef>
-          <a:effectRef idx="0">
-            <a:schemeClr val="accent1"/>
-          </a:effectRef>
-          <a:fontRef idx="minor">
-            <a:schemeClr val="tx1"/>
-          </a:fontRef>
-        </p:style>
-      </p:cxnSp>
-      <p:sp>
-        <p:nvSpPr>
-          <p:cNvPr id="33" name="テキスト ボックス 32">
-            <a:extLst>
-              <a:ext uri="{FF2B5EF4-FFF2-40B4-BE49-F238E27FC236}">
-                <a16:creationId xmlns:a16="http://schemas.microsoft.com/office/drawing/2014/main" id="{AE3369DA-E9E7-7DAD-D7C3-911E4456D862}"/>
-              </a:ext>
-            </a:extLst>
-          </p:cNvPr>
-          <p:cNvSpPr txBox="1"/>
-          <p:nvPr/>
-        </p:nvSpPr>
-        <p:spPr>
-          <a:xfrm>
-            <a:off x="2737866" y="5481678"/>
-            <a:ext cx="3339376" cy="369332"/>
-          </a:xfrm>
-          <a:prstGeom prst="rect">
-            <a:avLst/>
-          </a:prstGeom>
-          <a:noFill/>
-        </p:spPr>
-        <p:txBody>
-          <a:bodyPr wrap="none" rtlCol="0">
-            <a:spAutoFit/>
-          </a:bodyPr>
-          <a:lstStyle/>
-          <a:p>
-            <a:r>
-              <a:rPr kumimoji="1" lang="ja-JP" altLang="en-US"/>
-              <a:t>端末</a:t>
-            </a:r>
-            <a:r>
-              <a:rPr kumimoji="1" lang="en-US" altLang="ja-JP" dirty="0"/>
-              <a:t>(</a:t>
-            </a:r>
-            <a:r>
-              <a:rPr kumimoji="1" lang="ja-JP" altLang="en-US"/>
-              <a:t>ユーザーインタフェース</a:t>
-            </a:r>
-            <a:r>
-              <a:rPr kumimoji="1" lang="en-US" altLang="ja-JP" dirty="0"/>
-              <a:t>)</a:t>
-            </a:r>
-            <a:endParaRPr lang="en-US" altLang="ja-JP" dirty="0"/>
-          </a:p>
-        </p:txBody>
-      </p:sp>
-      <p:sp>
-        <p:nvSpPr>
-          <p:cNvPr id="34" name="テキスト ボックス 33">
-            <a:extLst>
-              <a:ext uri="{FF2B5EF4-FFF2-40B4-BE49-F238E27FC236}">
-                <a16:creationId xmlns:a16="http://schemas.microsoft.com/office/drawing/2014/main" id="{19672534-9DF9-429A-D2E8-87BEE2455347}"/>
-              </a:ext>
-            </a:extLst>
-          </p:cNvPr>
-          <p:cNvSpPr txBox="1"/>
-          <p:nvPr/>
-        </p:nvSpPr>
-        <p:spPr>
-          <a:xfrm>
-            <a:off x="467544" y="6060935"/>
-            <a:ext cx="7274260" cy="646331"/>
-          </a:xfrm>
-          <a:prstGeom prst="rect">
-            <a:avLst/>
-          </a:prstGeom>
-          <a:noFill/>
-        </p:spPr>
-        <p:txBody>
-          <a:bodyPr wrap="square" rtlCol="0">
-            <a:spAutoFit/>
-          </a:bodyPr>
-          <a:lstStyle/>
-          <a:p>
-            <a:r>
-              <a:rPr kumimoji="1" lang="ja-JP" altLang="en-US"/>
-              <a:t>ホストコンピュータは高価であり、複数人で共有して利用するために端末が必要だった</a:t>
-            </a:r>
-            <a:endParaRPr kumimoji="1" lang="en-US" altLang="ja-JP" dirty="0"/>
-          </a:p>
-        </p:txBody>
-      </p:sp>
-    </p:spTree>
-    <p:extLst>
-      <p:ext uri="{BB962C8B-B14F-4D97-AF65-F5344CB8AC3E}">
-        <p14:creationId xmlns:p14="http://schemas.microsoft.com/office/powerpoint/2010/main" val="270480210"/>
-      </p:ext>
-    </p:extLst>
-  </p:cSld>
-  <p:clrMapOvr>
-    <a:masterClrMapping/>
-  </p:clrMapOvr>
-</p:sld>
-</file>
-
-<file path=ppt/slides/slide20.xml><?xml version="1.0" encoding="utf-8"?>
+<file path=ppt/slides/slide21.xml><?xml version="1.0" encoding="utf-8"?>
 <p:sld xmlns:a="http://schemas.openxmlformats.org/drawingml/2006/main" xmlns:r="http://schemas.openxmlformats.org/officeDocument/2006/relationships" xmlns:p="http://schemas.openxmlformats.org/presentationml/2006/main">
   <p:cSld>
     <p:spTree>
@@ -14237,7 +14993,7 @@
 </p:sld>
 </file>
 
-<file path=ppt/slides/slide21.xml><?xml version="1.0" encoding="utf-8"?>
+<file path=ppt/slides/slide22.xml><?xml version="1.0" encoding="utf-8"?>
 <p:sld xmlns:a="http://schemas.openxmlformats.org/drawingml/2006/main" xmlns:r="http://schemas.openxmlformats.org/officeDocument/2006/relationships" xmlns:p="http://schemas.openxmlformats.org/presentationml/2006/main">
   <p:cSld>
     <p:spTree>
@@ -19207,7 +19963,7 @@
     </p:spTree>
     <p:extLst>
       <p:ext uri="{BB962C8B-B14F-4D97-AF65-F5344CB8AC3E}">
-        <p14:creationId xmlns:p14="http://schemas.microsoft.com/office/powerpoint/2010/main" val="972965107"/>
+        <p14:creationId xmlns:p14="http://schemas.microsoft.com/office/powerpoint/2010/main" val="3240033531"/>
       </p:ext>
     </p:extLst>
   </p:cSld>
@@ -19301,8 +20057,8 @@
           </a:p>
         </p:txBody>
       </p:sp>
-      <mc:AlternateContent xmlns:mc="http://schemas.openxmlformats.org/markup-compatibility/2006">
-        <mc:Choice xmlns:a14="http://schemas.microsoft.com/office/drawing/2010/main" Requires="a14">
+      <mc:AlternateContent xmlns:mc="http://schemas.openxmlformats.org/markup-compatibility/2006" xmlns:a14="http://schemas.microsoft.com/office/drawing/2010/main">
+        <mc:Choice Requires="a14">
           <p:sp>
             <p:nvSpPr>
               <p:cNvPr id="4" name="テキスト ボックス 3">
@@ -19429,7 +20185,7 @@
             </p:txBody>
           </p:sp>
         </mc:Choice>
-        <mc:Fallback>
+        <mc:Fallback xmlns="">
           <p:sp>
             <p:nvSpPr>
               <p:cNvPr id="4" name="テキスト ボックス 3">
@@ -19474,8 +20230,8 @@
           </p:sp>
         </mc:Fallback>
       </mc:AlternateContent>
-      <mc:AlternateContent xmlns:mc="http://schemas.openxmlformats.org/markup-compatibility/2006">
-        <mc:Choice xmlns:a14="http://schemas.microsoft.com/office/drawing/2010/main" Requires="a14">
+      <mc:AlternateContent xmlns:mc="http://schemas.openxmlformats.org/markup-compatibility/2006" xmlns:a14="http://schemas.microsoft.com/office/drawing/2010/main">
+        <mc:Choice Requires="a14">
           <p:sp>
             <p:nvSpPr>
               <p:cNvPr id="5" name="テキスト ボックス 4">
@@ -19602,7 +20358,7 @@
             </p:txBody>
           </p:sp>
         </mc:Choice>
-        <mc:Fallback>
+        <mc:Fallback xmlns="">
           <p:sp>
             <p:nvSpPr>
               <p:cNvPr id="5" name="テキスト ボックス 4">
@@ -20289,8 +21045,8 @@
           </p:sp>
         </mc:Fallback>
       </mc:AlternateContent>
-      <mc:AlternateContent xmlns:mc="http://schemas.openxmlformats.org/markup-compatibility/2006">
-        <mc:Choice xmlns:a14="http://schemas.microsoft.com/office/drawing/2010/main" Requires="a14">
+      <mc:AlternateContent xmlns:mc="http://schemas.openxmlformats.org/markup-compatibility/2006" xmlns:a14="http://schemas.microsoft.com/office/drawing/2010/main">
+        <mc:Choice Requires="a14">
           <p:sp>
             <p:nvSpPr>
               <p:cNvPr id="10" name="テキスト ボックス 9">
@@ -20417,7 +21173,7 @@
             </p:txBody>
           </p:sp>
         </mc:Choice>
-        <mc:Fallback>
+        <mc:Fallback xmlns="">
           <p:sp>
             <p:nvSpPr>
               <p:cNvPr id="10" name="テキスト ボックス 9">
@@ -20505,8 +21261,8 @@
           </a:p>
         </p:txBody>
       </p:sp>
-      <mc:AlternateContent xmlns:mc="http://schemas.openxmlformats.org/markup-compatibility/2006">
-        <mc:Choice xmlns:a14="http://schemas.microsoft.com/office/drawing/2010/main" Requires="a14">
+      <mc:AlternateContent xmlns:mc="http://schemas.openxmlformats.org/markup-compatibility/2006" xmlns:a14="http://schemas.microsoft.com/office/drawing/2010/main">
+        <mc:Choice Requires="a14">
           <p:sp>
             <p:nvSpPr>
               <p:cNvPr id="12" name="テキスト ボックス 11">
@@ -20567,7 +21323,7 @@
             </p:txBody>
           </p:sp>
         </mc:Choice>
-        <mc:Fallback>
+        <mc:Fallback xmlns="">
           <p:sp>
             <p:nvSpPr>
               <p:cNvPr id="12" name="テキスト ボックス 11">
@@ -20615,7 +21371,7 @@
     </p:spTree>
     <p:extLst>
       <p:ext uri="{BB962C8B-B14F-4D97-AF65-F5344CB8AC3E}">
-        <p14:creationId xmlns:p14="http://schemas.microsoft.com/office/powerpoint/2010/main" val="895779865"/>
+        <p14:creationId xmlns:p14="http://schemas.microsoft.com/office/powerpoint/2010/main" val="1466008536"/>
       </p:ext>
     </p:extLst>
   </p:cSld>
@@ -20719,7 +21475,7 @@
         </p:nvSpPr>
         <p:spPr>
           <a:xfrm>
-            <a:off x="4211960" y="5589240"/>
+            <a:off x="3679897" y="6021288"/>
             <a:ext cx="3312368" cy="523220"/>
           </a:xfrm>
           <a:prstGeom prst="rect">
@@ -20754,7 +21510,7 @@
         </p:nvSpPr>
         <p:spPr>
           <a:xfrm>
-            <a:off x="3275856" y="5642118"/>
+            <a:off x="2743793" y="6074166"/>
             <a:ext cx="720080" cy="472698"/>
           </a:xfrm>
           <a:prstGeom prst="rightArrow">
@@ -20823,8 +21579,8 @@
         </p:blipFill>
         <p:spPr bwMode="auto">
           <a:xfrm>
-            <a:off x="2757180" y="2060848"/>
-            <a:ext cx="3116066" cy="3116066"/>
+            <a:off x="2762220" y="1909193"/>
+            <a:ext cx="2810053" cy="2810053"/>
           </a:xfrm>
           <a:prstGeom prst="rect">
             <a:avLst/>
@@ -20841,10 +21597,85 @@
           </a:extLst>
         </p:spPr>
       </p:pic>
+      <p:sp>
+        <p:nvSpPr>
+          <p:cNvPr id="6" name="テキスト ボックス 5">
+            <a:extLst>
+              <a:ext uri="{FF2B5EF4-FFF2-40B4-BE49-F238E27FC236}">
+                <a16:creationId xmlns:a16="http://schemas.microsoft.com/office/drawing/2014/main" id="{492A05C6-30D9-A2F5-B3C0-478327894EA1}"/>
+              </a:ext>
+            </a:extLst>
+          </p:cNvPr>
+          <p:cNvSpPr txBox="1"/>
+          <p:nvPr/>
+        </p:nvSpPr>
+        <p:spPr>
+          <a:xfrm>
+            <a:off x="1115616" y="4915152"/>
+            <a:ext cx="6545382" cy="646331"/>
+          </a:xfrm>
+          <a:prstGeom prst="rect">
+            <a:avLst/>
+          </a:prstGeom>
+          <a:noFill/>
+        </p:spPr>
+        <p:txBody>
+          <a:bodyPr wrap="none" rtlCol="0">
+            <a:spAutoFit/>
+          </a:bodyPr>
+          <a:lstStyle/>
+          <a:p>
+            <a:r>
+              <a:rPr kumimoji="1" lang="ja-JP" altLang="en-US"/>
+              <a:t>クライアントから見てホストは正しい相手か？</a:t>
+            </a:r>
+            <a:r>
+              <a:rPr kumimoji="1" lang="en-US" altLang="ja-JP" dirty="0"/>
+              <a:t> </a:t>
+            </a:r>
+            <a:r>
+              <a:rPr kumimoji="1" lang="ja-JP" altLang="en-US"/>
+              <a:t>→</a:t>
+            </a:r>
+            <a:r>
+              <a:rPr kumimoji="1" lang="en-US" altLang="ja-JP" dirty="0"/>
+              <a:t> </a:t>
+            </a:r>
+            <a:r>
+              <a:rPr kumimoji="1" lang="ja-JP" altLang="en-US"/>
+              <a:t>ホスト認証</a:t>
+            </a:r>
+            <a:endParaRPr kumimoji="1" lang="en-US" altLang="ja-JP" dirty="0"/>
+          </a:p>
+          <a:p>
+            <a:r>
+              <a:rPr lang="ja-JP" altLang="en-US"/>
+              <a:t>ホストから見てクライアントは正しい相手か？</a:t>
+            </a:r>
+            <a:r>
+              <a:rPr lang="en-US" altLang="ja-JP" dirty="0"/>
+              <a:t> </a:t>
+            </a:r>
+            <a:r>
+              <a:rPr lang="ja-JP" altLang="en-US"/>
+              <a:t>→</a:t>
+            </a:r>
+            <a:r>
+              <a:rPr lang="en-US" altLang="ja-JP" dirty="0"/>
+              <a:t> </a:t>
+            </a:r>
+            <a:r>
+              <a:rPr lang="ja-JP" altLang="en-US"/>
+              <a:t>ユーザ認証</a:t>
+            </a:r>
+            <a:endParaRPr kumimoji="1" lang="ja-JP" altLang="en-US"/>
+          </a:p>
+        </p:txBody>
+      </p:sp>
     </p:spTree>
     <p:extLst>
       <p:ext uri="{BB962C8B-B14F-4D97-AF65-F5344CB8AC3E}">
-        <p14:creationId xmlns:p14="http://schemas.microsoft.com/office/powerpoint/2010/main" val="3065919427"/>
+        <p14:creationId xmlns:p14="http://schemas.microsoft.com/office/powerpoint/2010/main" val="2586229298"/>
       </p:ext>
     </p:extLst>
   </p:cSld>

--- a/ssh/ssh.pptx
+++ b/ssh/ssh.pptx
@@ -228,7 +228,7 @@
           </a:lstStyle>
           <a:p>
             <a:fld id="{6B8D1B20-A248-FB47-8240-73C0C5F47C9D}" type="datetimeFigureOut">
-              <a:t>2026/2/19</a:t>
+              <a:t>2026/2/26</a:t>
             </a:fld>
             <a:endParaRPr kumimoji="1" lang="ja-JP" altLang="en-US"/>
           </a:p>
@@ -1335,7 +1335,7 @@
           <p:nvPr/>
         </p:nvPicPr>
         <p:blipFill>
-          <a:blip r:embed="rId3">
+          <a:blip r:embed="rId3" cstate="print">
             <a:extLst>
               <a:ext uri="{28A0092B-C50C-407E-A947-70E740481C1C}">
                 <a14:useLocalDpi xmlns:a14="http://schemas.microsoft.com/office/drawing/2010/main" val="0"/>
@@ -1412,7 +1412,7 @@
           <p:nvPr/>
         </p:nvPicPr>
         <p:blipFill>
-          <a:blip r:embed="rId5">
+          <a:blip r:embed="rId5" cstate="print">
             <a:extLst>
               <a:ext uri="{28A0092B-C50C-407E-A947-70E740481C1C}">
                 <a14:useLocalDpi xmlns:a14="http://schemas.microsoft.com/office/drawing/2010/main" val="0"/>
@@ -1459,7 +1459,7 @@
           <p:nvPr/>
         </p:nvPicPr>
         <p:blipFill>
-          <a:blip r:embed="rId6">
+          <a:blip r:embed="rId6" cstate="print">
             <a:extLst>
               <a:ext uri="{28A0092B-C50C-407E-A947-70E740481C1C}">
                 <a14:useLocalDpi xmlns:a14="http://schemas.microsoft.com/office/drawing/2010/main" val="0"/>
@@ -2071,7 +2071,7 @@
           <p:nvPr/>
         </p:nvPicPr>
         <p:blipFill>
-          <a:blip r:embed="rId4">
+          <a:blip r:embed="rId4" cstate="print">
             <a:extLst>
               <a:ext uri="{28A0092B-C50C-407E-A947-70E740481C1C}">
                 <a14:useLocalDpi xmlns:a14="http://schemas.microsoft.com/office/drawing/2010/main" val="0"/>
@@ -2497,7 +2497,7 @@
           <p:nvPr/>
         </p:nvPicPr>
         <p:blipFill>
-          <a:blip r:embed="rId5">
+          <a:blip r:embed="rId5" cstate="print">
             <a:extLst>
               <a:ext uri="{28A0092B-C50C-407E-A947-70E740481C1C}">
                 <a14:useLocalDpi xmlns:a14="http://schemas.microsoft.com/office/drawing/2010/main" val="0"/>
@@ -4034,7 +4034,7 @@
             <p:nvPr/>
           </p:nvPicPr>
           <p:blipFill>
-            <a:blip r:embed="rId4">
+            <a:blip r:embed="rId4" cstate="print">
               <a:extLst>
                 <a:ext uri="{28A0092B-C50C-407E-A947-70E740481C1C}">
                   <a14:useLocalDpi xmlns:a14="http://schemas.microsoft.com/office/drawing/2010/main" val="0"/>
@@ -4412,7 +4412,7 @@
           <p:nvPr/>
         </p:nvPicPr>
         <p:blipFill>
-          <a:blip r:embed="rId5">
+          <a:blip r:embed="rId5" cstate="print">
             <a:extLst>
               <a:ext uri="{28A0092B-C50C-407E-A947-70E740481C1C}">
                 <a14:useLocalDpi xmlns:a14="http://schemas.microsoft.com/office/drawing/2010/main" val="0"/>
@@ -5224,7 +5224,7 @@
             <p:nvPr/>
           </p:nvPicPr>
           <p:blipFill>
-            <a:blip r:embed="rId4">
+            <a:blip r:embed="rId4" cstate="print">
               <a:extLst>
                 <a:ext uri="{28A0092B-C50C-407E-A947-70E740481C1C}">
                   <a14:useLocalDpi xmlns:a14="http://schemas.microsoft.com/office/drawing/2010/main" val="0"/>
@@ -5744,7 +5744,7 @@
           <p:nvPr/>
         </p:nvPicPr>
         <p:blipFill>
-          <a:blip r:embed="rId2">
+          <a:blip r:embed="rId2" cstate="print">
             <a:extLst>
               <a:ext uri="{28A0092B-C50C-407E-A947-70E740481C1C}">
                 <a14:useLocalDpi xmlns:a14="http://schemas.microsoft.com/office/drawing/2010/main" val="0"/>
@@ -6584,7 +6584,7 @@
           <p:nvPr/>
         </p:nvPicPr>
         <p:blipFill>
-          <a:blip r:embed="rId2">
+          <a:blip r:embed="rId2" cstate="print">
             <a:extLst>
               <a:ext uri="{28A0092B-C50C-407E-A947-70E740481C1C}">
                 <a14:useLocalDpi xmlns:a14="http://schemas.microsoft.com/office/drawing/2010/main" val="0"/>
@@ -6750,7 +6750,7 @@
           <p:nvPr/>
         </p:nvPicPr>
         <p:blipFill>
-          <a:blip r:embed="rId4">
+          <a:blip r:embed="rId4" cstate="print">
             <a:extLst>
               <a:ext uri="{28A0092B-C50C-407E-A947-70E740481C1C}">
                 <a14:useLocalDpi xmlns:a14="http://schemas.microsoft.com/office/drawing/2010/main" val="0"/>
@@ -6889,7 +6889,7 @@
           <p:nvPr/>
         </p:nvPicPr>
         <p:blipFill>
-          <a:blip r:embed="rId4">
+          <a:blip r:embed="rId4" cstate="print">
             <a:extLst>
               <a:ext uri="{28A0092B-C50C-407E-A947-70E740481C1C}">
                 <a14:useLocalDpi xmlns:a14="http://schemas.microsoft.com/office/drawing/2010/main" val="0"/>
@@ -7081,7 +7081,7 @@
             <p:nvPr/>
           </p:nvPicPr>
           <p:blipFill>
-            <a:blip r:embed="rId4">
+            <a:blip r:embed="rId4" cstate="print">
               <a:extLst>
                 <a:ext uri="{28A0092B-C50C-407E-A947-70E740481C1C}">
                   <a14:useLocalDpi xmlns:a14="http://schemas.microsoft.com/office/drawing/2010/main" val="0"/>
@@ -7546,7 +7546,7 @@
             <p:nvPr/>
           </p:nvPicPr>
           <p:blipFill>
-            <a:blip r:embed="rId4">
+            <a:blip r:embed="rId4" cstate="print">
               <a:extLst>
                 <a:ext uri="{28A0092B-C50C-407E-A947-70E740481C1C}">
                   <a14:useLocalDpi xmlns:a14="http://schemas.microsoft.com/office/drawing/2010/main" val="0"/>
@@ -7808,7 +7808,7 @@
           <p:nvPr/>
         </p:nvPicPr>
         <p:blipFill>
-          <a:blip r:embed="rId5">
+          <a:blip r:embed="rId5" cstate="print">
             <a:extLst>
               <a:ext uri="{28A0092B-C50C-407E-A947-70E740481C1C}">
                 <a14:useLocalDpi xmlns:a14="http://schemas.microsoft.com/office/drawing/2010/main" val="0"/>
@@ -7855,7 +7855,7 @@
           <p:nvPr/>
         </p:nvPicPr>
         <p:blipFill>
-          <a:blip r:embed="rId4">
+          <a:blip r:embed="rId4" cstate="print">
             <a:extLst>
               <a:ext uri="{28A0092B-C50C-407E-A947-70E740481C1C}">
                 <a14:useLocalDpi xmlns:a14="http://schemas.microsoft.com/office/drawing/2010/main" val="0"/>
@@ -7922,7 +7922,7 @@
             <p:nvPr/>
           </p:nvPicPr>
           <p:blipFill>
-            <a:blip r:embed="rId4">
+            <a:blip r:embed="rId4" cstate="print">
               <a:extLst>
                 <a:ext uri="{28A0092B-C50C-407E-A947-70E740481C1C}">
                   <a14:useLocalDpi xmlns:a14="http://schemas.microsoft.com/office/drawing/2010/main" val="0"/>
@@ -10775,7 +10775,7 @@
           <p:nvPr/>
         </p:nvPicPr>
         <p:blipFill>
-          <a:blip r:embed="rId2">
+          <a:blip r:embed="rId2" cstate="print">
             <a:extLst>
               <a:ext uri="{28A0092B-C50C-407E-A947-70E740481C1C}">
                 <a14:useLocalDpi xmlns:a14="http://schemas.microsoft.com/office/drawing/2010/main" val="0"/>
@@ -11491,7 +11491,7 @@
           <p:nvPr/>
         </p:nvPicPr>
         <p:blipFill>
-          <a:blip r:embed="rId2">
+          <a:blip r:embed="rId4" cstate="print">
             <a:extLst>
               <a:ext uri="{28A0092B-C50C-407E-A947-70E740481C1C}">
                 <a14:useLocalDpi xmlns:a14="http://schemas.microsoft.com/office/drawing/2010/main" val="0"/>
@@ -11705,7 +11705,7 @@
               <p:nvPr/>
             </p:nvPicPr>
             <p:blipFill>
-              <a:blip r:embed="rId4">
+              <a:blip r:embed="rId5" cstate="print">
                 <a:extLst>
                   <a:ext uri="{28A0092B-C50C-407E-A947-70E740481C1C}">
                     <a14:useLocalDpi xmlns:a14="http://schemas.microsoft.com/office/drawing/2010/main" val="0"/>
@@ -11741,7 +11741,7 @@
               <p:nvPr/>
             </p:nvPicPr>
             <p:blipFill>
-              <a:blip r:embed="rId5" cstate="print">
+              <a:blip r:embed="rId6" cstate="print">
                 <a:extLst>
                   <a:ext uri="{28A0092B-C50C-407E-A947-70E740481C1C}">
                     <a14:useLocalDpi xmlns:a14="http://schemas.microsoft.com/office/drawing/2010/main" val="0"/>
@@ -12782,7 +12782,7 @@
           <p:nvPr/>
         </p:nvPicPr>
         <p:blipFill>
-          <a:blip r:embed="rId2">
+          <a:blip r:embed="rId2" cstate="print">
             <a:extLst>
               <a:ext uri="{28A0092B-C50C-407E-A947-70E740481C1C}">
                 <a14:useLocalDpi xmlns:a14="http://schemas.microsoft.com/office/drawing/2010/main" val="0"/>
@@ -12865,7 +12865,7 @@
           <p:nvPr/>
         </p:nvPicPr>
         <p:blipFill>
-          <a:blip r:embed="rId3">
+          <a:blip r:embed="rId3" cstate="print">
             <a:extLst>
               <a:ext uri="{28A0092B-C50C-407E-A947-70E740481C1C}">
                 <a14:useLocalDpi xmlns:a14="http://schemas.microsoft.com/office/drawing/2010/main" val="0"/>
@@ -13288,7 +13288,7 @@
           <p:nvPr/>
         </p:nvPicPr>
         <p:blipFill>
-          <a:blip r:embed="rId2">
+          <a:blip r:embed="rId2" cstate="print">
             <a:extLst>
               <a:ext uri="{28A0092B-C50C-407E-A947-70E740481C1C}">
                 <a14:useLocalDpi xmlns:a14="http://schemas.microsoft.com/office/drawing/2010/main" val="0"/>
@@ -13496,7 +13496,7 @@
           <p:nvPr/>
         </p:nvPicPr>
         <p:blipFill>
-          <a:blip r:embed="rId3">
+          <a:blip r:embed="rId3" cstate="print">
             <a:extLst>
               <a:ext uri="{28A0092B-C50C-407E-A947-70E740481C1C}">
                 <a14:useLocalDpi xmlns:a14="http://schemas.microsoft.com/office/drawing/2010/main" val="0"/>
@@ -13543,7 +13543,7 @@
           <p:nvPr/>
         </p:nvPicPr>
         <p:blipFill>
-          <a:blip r:embed="rId4">
+          <a:blip r:embed="rId4" cstate="print">
             <a:extLst>
               <a:ext uri="{28A0092B-C50C-407E-A947-70E740481C1C}">
                 <a14:useLocalDpi xmlns:a14="http://schemas.microsoft.com/office/drawing/2010/main" val="0"/>
@@ -13590,7 +13590,7 @@
           <p:nvPr/>
         </p:nvPicPr>
         <p:blipFill>
-          <a:blip r:embed="rId5">
+          <a:blip r:embed="rId5" cstate="print">
             <a:extLst>
               <a:ext uri="{28A0092B-C50C-407E-A947-70E740481C1C}">
                 <a14:useLocalDpi xmlns:a14="http://schemas.microsoft.com/office/drawing/2010/main" val="0"/>
@@ -14231,7 +14231,7 @@
             <p:nvPr/>
           </p:nvPicPr>
           <p:blipFill>
-            <a:blip r:embed="rId8">
+            <a:blip r:embed="rId8" cstate="print">
               <a:extLst>
                 <a:ext uri="{28A0092B-C50C-407E-A947-70E740481C1C}">
                   <a14:useLocalDpi xmlns:a14="http://schemas.microsoft.com/office/drawing/2010/main" val="0"/>
@@ -14423,7 +14423,7 @@
             <p:nvPr/>
           </p:nvPicPr>
           <p:blipFill>
-            <a:blip r:embed="rId8">
+            <a:blip r:embed="rId8" cstate="print">
               <a:extLst>
                 <a:ext uri="{28A0092B-C50C-407E-A947-70E740481C1C}">
                   <a14:useLocalDpi xmlns:a14="http://schemas.microsoft.com/office/drawing/2010/main" val="0"/>
@@ -14595,7 +14595,7 @@
           <p:nvPr/>
         </p:nvPicPr>
         <p:blipFill>
-          <a:blip r:embed="rId8">
+          <a:blip r:embed="rId8" cstate="print">
             <a:extLst>
               <a:ext uri="{28A0092B-C50C-407E-A947-70E740481C1C}">
                 <a14:useLocalDpi xmlns:a14="http://schemas.microsoft.com/office/drawing/2010/main" val="0"/>
@@ -14732,7 +14732,7 @@
           <p:nvPr/>
         </p:nvPicPr>
         <p:blipFill>
-          <a:blip r:embed="rId8">
+          <a:blip r:embed="rId8" cstate="print">
             <a:extLst>
               <a:ext uri="{28A0092B-C50C-407E-A947-70E740481C1C}">
                 <a14:useLocalDpi xmlns:a14="http://schemas.microsoft.com/office/drawing/2010/main" val="0"/>
@@ -15899,7 +15899,7 @@
           <p:nvPr/>
         </p:nvPicPr>
         <p:blipFill>
-          <a:blip r:embed="rId3">
+          <a:blip r:embed="rId3" cstate="print">
             <a:extLst>
               <a:ext uri="{28A0092B-C50C-407E-A947-70E740481C1C}">
                 <a14:useLocalDpi xmlns:a14="http://schemas.microsoft.com/office/drawing/2010/main" val="0"/>
@@ -16295,7 +16295,7 @@
           <p:nvPr/>
         </p:nvPicPr>
         <p:blipFill>
-          <a:blip r:embed="rId3">
+          <a:blip r:embed="rId3" cstate="print">
             <a:extLst>
               <a:ext uri="{28A0092B-C50C-407E-A947-70E740481C1C}">
                 <a14:useLocalDpi xmlns:a14="http://schemas.microsoft.com/office/drawing/2010/main" val="0"/>
@@ -16663,7 +16663,7 @@
           <p:nvPr/>
         </p:nvPicPr>
         <p:blipFill>
-          <a:blip r:embed="rId3">
+          <a:blip r:embed="rId3" cstate="print">
             <a:extLst>
               <a:ext uri="{28A0092B-C50C-407E-A947-70E740481C1C}">
                 <a14:useLocalDpi xmlns:a14="http://schemas.microsoft.com/office/drawing/2010/main" val="0"/>
@@ -16817,7 +16817,7 @@
           <p:nvPr/>
         </p:nvPicPr>
         <p:blipFill>
-          <a:blip r:embed="rId4">
+          <a:blip r:embed="rId4" cstate="print">
             <a:extLst>
               <a:ext uri="{28A0092B-C50C-407E-A947-70E740481C1C}">
                 <a14:useLocalDpi xmlns:a14="http://schemas.microsoft.com/office/drawing/2010/main" val="0"/>
@@ -17958,7 +17958,7 @@
           <p:nvPr/>
         </p:nvPicPr>
         <p:blipFill>
-          <a:blip r:embed="rId2">
+          <a:blip r:embed="rId2" cstate="print">
             <a:extLst>
               <a:ext uri="{28A0092B-C50C-407E-A947-70E740481C1C}">
                 <a14:useLocalDpi xmlns:a14="http://schemas.microsoft.com/office/drawing/2010/main" val="0"/>
@@ -19442,7 +19442,7 @@
           <p:nvPr/>
         </p:nvPicPr>
         <p:blipFill>
-          <a:blip r:embed="rId15">
+          <a:blip r:embed="rId15" cstate="print">
             <a:extLst>
               <a:ext uri="{28A0092B-C50C-407E-A947-70E740481C1C}">
                 <a14:useLocalDpi xmlns:a14="http://schemas.microsoft.com/office/drawing/2010/main" val="0"/>

--- a/ssh/ssh.pptx
+++ b/ssh/ssh.pptx
@@ -17,12 +17,12 @@
     <p:sldId id="347" r:id="rId8"/>
     <p:sldId id="348" r:id="rId9"/>
     <p:sldId id="349" r:id="rId10"/>
-    <p:sldId id="350" r:id="rId11"/>
-    <p:sldId id="337" r:id="rId12"/>
-    <p:sldId id="351" r:id="rId13"/>
-    <p:sldId id="338" r:id="rId14"/>
-    <p:sldId id="335" r:id="rId15"/>
-    <p:sldId id="336" r:id="rId16"/>
+    <p:sldId id="335" r:id="rId11"/>
+    <p:sldId id="336" r:id="rId12"/>
+    <p:sldId id="350" r:id="rId13"/>
+    <p:sldId id="337" r:id="rId14"/>
+    <p:sldId id="351" r:id="rId15"/>
+    <p:sldId id="338" r:id="rId16"/>
     <p:sldId id="339" r:id="rId17"/>
     <p:sldId id="341" r:id="rId18"/>
     <p:sldId id="342" r:id="rId19"/>
@@ -1210,4370 +1210,6 @@
           <a:chExt cx="0" cy="0"/>
         </a:xfrm>
       </p:grpSpPr>
-      <p:sp>
-        <p:nvSpPr>
-          <p:cNvPr id="2" name="テキスト プレースホルダー 1">
-            <a:extLst>
-              <a:ext uri="{FF2B5EF4-FFF2-40B4-BE49-F238E27FC236}">
-                <a16:creationId xmlns:a16="http://schemas.microsoft.com/office/drawing/2014/main" id="{37934764-EE7D-82EF-7324-AF8E50D8331E}"/>
-              </a:ext>
-            </a:extLst>
-          </p:cNvPr>
-          <p:cNvSpPr>
-            <a:spLocks noGrp="1"/>
-          </p:cNvSpPr>
-          <p:nvPr>
-            <p:ph type="body" sz="quarter" idx="10"/>
-          </p:nvPr>
-        </p:nvSpPr>
-        <p:spPr/>
-        <p:txBody>
-          <a:bodyPr/>
-          <a:lstStyle/>
-          <a:p>
-            <a:r>
-              <a:rPr kumimoji="1" lang="ja-JP" altLang="en-US"/>
-              <a:t>ホスト認証</a:t>
-            </a:r>
-          </a:p>
-        </p:txBody>
-      </p:sp>
-      <p:pic>
-        <p:nvPicPr>
-          <p:cNvPr id="3" name="Picture 8" descr="会社で働く人のイラスト（男性）">
-            <a:extLst>
-              <a:ext uri="{FF2B5EF4-FFF2-40B4-BE49-F238E27FC236}">
-                <a16:creationId xmlns:a16="http://schemas.microsoft.com/office/drawing/2014/main" id="{D3DC81BA-3853-BB20-CAC1-694C77D26FE2}"/>
-              </a:ext>
-            </a:extLst>
-          </p:cNvPr>
-          <p:cNvPicPr>
-            <a:picLocks noChangeAspect="1" noChangeArrowheads="1"/>
-          </p:cNvPicPr>
-          <p:nvPr/>
-        </p:nvPicPr>
-        <p:blipFill>
-          <a:blip r:embed="rId2">
-            <a:extLst>
-              <a:ext uri="{28A0092B-C50C-407E-A947-70E740481C1C}">
-                <a14:useLocalDpi xmlns:a14="http://schemas.microsoft.com/office/drawing/2010/main" val="0"/>
-              </a:ext>
-            </a:extLst>
-          </a:blip>
-          <a:srcRect/>
-          <a:stretch>
-            <a:fillRect/>
-          </a:stretch>
-        </p:blipFill>
-        <p:spPr bwMode="auto">
-          <a:xfrm>
-            <a:off x="1259632" y="2564904"/>
-            <a:ext cx="1004629" cy="1004629"/>
-          </a:xfrm>
-          <a:prstGeom prst="rect">
-            <a:avLst/>
-          </a:prstGeom>
-          <a:noFill/>
-          <a:extLst>
-            <a:ext uri="{909E8E84-426E-40DD-AFC4-6F175D3DCCD1}">
-              <a14:hiddenFill xmlns:a14="http://schemas.microsoft.com/office/drawing/2010/main">
-                <a:solidFill>
-                  <a:srgbClr val="FFFFFF"/>
-                </a:solidFill>
-              </a14:hiddenFill>
-            </a:ext>
-          </a:extLst>
-        </p:spPr>
-      </p:pic>
-      <p:sp>
-        <p:nvSpPr>
-          <p:cNvPr id="4" name="テキスト ボックス 3">
-            <a:extLst>
-              <a:ext uri="{FF2B5EF4-FFF2-40B4-BE49-F238E27FC236}">
-                <a16:creationId xmlns:a16="http://schemas.microsoft.com/office/drawing/2014/main" id="{4CC6A931-9E96-8FBD-2BA9-A2EBB5080011}"/>
-              </a:ext>
-            </a:extLst>
-          </p:cNvPr>
-          <p:cNvSpPr txBox="1"/>
-          <p:nvPr/>
-        </p:nvSpPr>
-        <p:spPr>
-          <a:xfrm>
-            <a:off x="555516" y="944194"/>
-            <a:ext cx="7976924" cy="646331"/>
-          </a:xfrm>
-          <a:prstGeom prst="rect">
-            <a:avLst/>
-          </a:prstGeom>
-          <a:noFill/>
-        </p:spPr>
-        <p:txBody>
-          <a:bodyPr wrap="square" rtlCol="0">
-            <a:spAutoFit/>
-          </a:bodyPr>
-          <a:lstStyle/>
-          <a:p>
-            <a:r>
-              <a:rPr kumimoji="1" lang="ja-JP" altLang="en-US"/>
-              <a:t>インターネットは情報がリレーされるので、途中に悪意ある中継点があると通信路が書き換えられるおそれがある</a:t>
-            </a:r>
-          </a:p>
-        </p:txBody>
-      </p:sp>
-      <p:pic>
-        <p:nvPicPr>
-          <p:cNvPr id="5" name="Picture 2" descr="悪人のイラスト「黒いシルエット」">
-            <a:extLst>
-              <a:ext uri="{FF2B5EF4-FFF2-40B4-BE49-F238E27FC236}">
-                <a16:creationId xmlns:a16="http://schemas.microsoft.com/office/drawing/2014/main" id="{30DE6CC0-B0A5-D6A4-C862-A76A67D4E384}"/>
-              </a:ext>
-            </a:extLst>
-          </p:cNvPr>
-          <p:cNvPicPr>
-            <a:picLocks noChangeAspect="1" noChangeArrowheads="1"/>
-          </p:cNvPicPr>
-          <p:nvPr/>
-        </p:nvPicPr>
-        <p:blipFill>
-          <a:blip r:embed="rId3" cstate="print">
-            <a:extLst>
-              <a:ext uri="{28A0092B-C50C-407E-A947-70E740481C1C}">
-                <a14:useLocalDpi xmlns:a14="http://schemas.microsoft.com/office/drawing/2010/main" val="0"/>
-              </a:ext>
-            </a:extLst>
-          </a:blip>
-          <a:srcRect/>
-          <a:stretch>
-            <a:fillRect/>
-          </a:stretch>
-        </p:blipFill>
-        <p:spPr bwMode="auto">
-          <a:xfrm flipH="1">
-            <a:off x="3799918" y="4348076"/>
-            <a:ext cx="983096" cy="1166880"/>
-          </a:xfrm>
-          <a:prstGeom prst="rect">
-            <a:avLst/>
-          </a:prstGeom>
-          <a:noFill/>
-          <a:extLst>
-            <a:ext uri="{909E8E84-426E-40DD-AFC4-6F175D3DCCD1}">
-              <a14:hiddenFill xmlns:a14="http://schemas.microsoft.com/office/drawing/2010/main">
-                <a:solidFill>
-                  <a:srgbClr val="FFFFFF"/>
-                </a:solidFill>
-              </a14:hiddenFill>
-            </a:ext>
-          </a:extLst>
-        </p:spPr>
-      </p:pic>
-      <p:pic>
-        <p:nvPicPr>
-          <p:cNvPr id="6" name="図 5">
-            <a:extLst>
-              <a:ext uri="{FF2B5EF4-FFF2-40B4-BE49-F238E27FC236}">
-                <a16:creationId xmlns:a16="http://schemas.microsoft.com/office/drawing/2014/main" id="{D91EFC8F-7D34-C3DC-7369-D3B70182488E}"/>
-              </a:ext>
-            </a:extLst>
-          </p:cNvPr>
-          <p:cNvPicPr>
-            <a:picLocks noChangeAspect="1"/>
-          </p:cNvPicPr>
-          <p:nvPr/>
-        </p:nvPicPr>
-        <p:blipFill>
-          <a:blip r:embed="rId4"/>
-          <a:stretch>
-            <a:fillRect/>
-          </a:stretch>
-        </p:blipFill>
-        <p:spPr>
-          <a:xfrm>
-            <a:off x="6516216" y="2716377"/>
-            <a:ext cx="716898" cy="716898"/>
-          </a:xfrm>
-          <a:prstGeom prst="rect">
-            <a:avLst/>
-          </a:prstGeom>
-        </p:spPr>
-      </p:pic>
-      <p:pic>
-        <p:nvPicPr>
-          <p:cNvPr id="2050" name="Picture 2" descr="Wi-Fi無線ルーターのイラスト">
-            <a:extLst>
-              <a:ext uri="{FF2B5EF4-FFF2-40B4-BE49-F238E27FC236}">
-                <a16:creationId xmlns:a16="http://schemas.microsoft.com/office/drawing/2014/main" id="{478356E9-F61B-D165-718B-939BFBA87DA7}"/>
-              </a:ext>
-            </a:extLst>
-          </p:cNvPr>
-          <p:cNvPicPr>
-            <a:picLocks noChangeAspect="1" noChangeArrowheads="1"/>
-          </p:cNvPicPr>
-          <p:nvPr/>
-        </p:nvPicPr>
-        <p:blipFill>
-          <a:blip r:embed="rId5" cstate="print">
-            <a:extLst>
-              <a:ext uri="{28A0092B-C50C-407E-A947-70E740481C1C}">
-                <a14:useLocalDpi xmlns:a14="http://schemas.microsoft.com/office/drawing/2010/main" val="0"/>
-              </a:ext>
-            </a:extLst>
-          </a:blip>
-          <a:srcRect/>
-          <a:stretch>
-            <a:fillRect/>
-          </a:stretch>
-        </p:blipFill>
-        <p:spPr bwMode="auto">
-          <a:xfrm flipH="1">
-            <a:off x="3822174" y="2367574"/>
-            <a:ext cx="942256" cy="1166880"/>
-          </a:xfrm>
-          <a:prstGeom prst="rect">
-            <a:avLst/>
-          </a:prstGeom>
-          <a:noFill/>
-          <a:extLst>
-            <a:ext uri="{909E8E84-426E-40DD-AFC4-6F175D3DCCD1}">
-              <a14:hiddenFill xmlns:a14="http://schemas.microsoft.com/office/drawing/2010/main">
-                <a:solidFill>
-                  <a:srgbClr val="FFFFFF"/>
-                </a:solidFill>
-              </a14:hiddenFill>
-            </a:ext>
-          </a:extLst>
-        </p:spPr>
-      </p:pic>
-      <p:pic>
-        <p:nvPicPr>
-          <p:cNvPr id="2052" name="Picture 4" descr="骸骨・海賊のマークのイラスト">
-            <a:extLst>
-              <a:ext uri="{FF2B5EF4-FFF2-40B4-BE49-F238E27FC236}">
-                <a16:creationId xmlns:a16="http://schemas.microsoft.com/office/drawing/2014/main" id="{CECEFED9-0CE3-0609-9E15-416701ED2006}"/>
-              </a:ext>
-            </a:extLst>
-          </p:cNvPr>
-          <p:cNvPicPr>
-            <a:picLocks noChangeAspect="1" noChangeArrowheads="1"/>
-          </p:cNvPicPr>
-          <p:nvPr/>
-        </p:nvPicPr>
-        <p:blipFill>
-          <a:blip r:embed="rId6" cstate="print">
-            <a:extLst>
-              <a:ext uri="{28A0092B-C50C-407E-A947-70E740481C1C}">
-                <a14:useLocalDpi xmlns:a14="http://schemas.microsoft.com/office/drawing/2010/main" val="0"/>
-              </a:ext>
-            </a:extLst>
-          </a:blip>
-          <a:srcRect/>
-          <a:stretch>
-            <a:fillRect/>
-          </a:stretch>
-        </p:blipFill>
-        <p:spPr bwMode="auto">
-          <a:xfrm>
-            <a:off x="4088166" y="2982357"/>
-            <a:ext cx="555842" cy="472465"/>
-          </a:xfrm>
-          <a:prstGeom prst="rect">
-            <a:avLst/>
-          </a:prstGeom>
-          <a:noFill/>
-          <a:extLst>
-            <a:ext uri="{909E8E84-426E-40DD-AFC4-6F175D3DCCD1}">
-              <a14:hiddenFill xmlns:a14="http://schemas.microsoft.com/office/drawing/2010/main">
-                <a:solidFill>
-                  <a:srgbClr val="FFFFFF"/>
-                </a:solidFill>
-              </a14:hiddenFill>
-            </a:ext>
-          </a:extLst>
-        </p:spPr>
-      </p:pic>
-      <p:cxnSp>
-        <p:nvCxnSpPr>
-          <p:cNvPr id="8" name="直線コネクタ 7">
-            <a:extLst>
-              <a:ext uri="{FF2B5EF4-FFF2-40B4-BE49-F238E27FC236}">
-                <a16:creationId xmlns:a16="http://schemas.microsoft.com/office/drawing/2014/main" id="{7FC6CA5A-0CED-E19F-8386-6CFDA824D4FE}"/>
-              </a:ext>
-            </a:extLst>
-          </p:cNvPr>
-          <p:cNvCxnSpPr>
-            <a:stCxn id="3" idx="3"/>
-          </p:cNvCxnSpPr>
-          <p:nvPr/>
-        </p:nvCxnSpPr>
-        <p:spPr>
-          <a:xfrm>
-            <a:off x="2264261" y="3067219"/>
-            <a:ext cx="1557913" cy="1741"/>
-          </a:xfrm>
-          <a:prstGeom prst="line">
-            <a:avLst/>
-          </a:prstGeom>
-          <a:ln>
-            <a:solidFill>
-              <a:schemeClr val="tx1"/>
-            </a:solidFill>
-            <a:headEnd type="none" w="med" len="med"/>
-            <a:tailEnd type="triangle" w="med" len="med"/>
-          </a:ln>
-        </p:spPr>
-        <p:style>
-          <a:lnRef idx="1">
-            <a:schemeClr val="accent1"/>
-          </a:lnRef>
-          <a:fillRef idx="0">
-            <a:schemeClr val="accent1"/>
-          </a:fillRef>
-          <a:effectRef idx="0">
-            <a:schemeClr val="accent1"/>
-          </a:effectRef>
-          <a:fontRef idx="minor">
-            <a:schemeClr val="tx1"/>
-          </a:fontRef>
-        </p:style>
-      </p:cxnSp>
-      <p:cxnSp>
-        <p:nvCxnSpPr>
-          <p:cNvPr id="10" name="直線矢印コネクタ 9">
-            <a:extLst>
-              <a:ext uri="{FF2B5EF4-FFF2-40B4-BE49-F238E27FC236}">
-                <a16:creationId xmlns:a16="http://schemas.microsoft.com/office/drawing/2014/main" id="{1DFABB1E-D8E9-E42A-0357-0A1E06444860}"/>
-              </a:ext>
-            </a:extLst>
-          </p:cNvPr>
-          <p:cNvCxnSpPr>
-            <a:stCxn id="2050" idx="2"/>
-            <a:endCxn id="5" idx="0"/>
-          </p:cNvCxnSpPr>
-          <p:nvPr/>
-        </p:nvCxnSpPr>
-        <p:spPr>
-          <a:xfrm flipH="1">
-            <a:off x="4291466" y="3534454"/>
-            <a:ext cx="1836" cy="813622"/>
-          </a:xfrm>
-          <a:prstGeom prst="straightConnector1">
-            <a:avLst/>
-          </a:prstGeom>
-          <a:ln>
-            <a:solidFill>
-              <a:schemeClr val="tx1"/>
-            </a:solidFill>
-            <a:headEnd type="none" w="med" len="med"/>
-            <a:tailEnd type="triangle"/>
-          </a:ln>
-        </p:spPr>
-        <p:style>
-          <a:lnRef idx="1">
-            <a:schemeClr val="accent1"/>
-          </a:lnRef>
-          <a:fillRef idx="0">
-            <a:schemeClr val="accent1"/>
-          </a:fillRef>
-          <a:effectRef idx="0">
-            <a:schemeClr val="accent1"/>
-          </a:effectRef>
-          <a:fontRef idx="minor">
-            <a:schemeClr val="tx1"/>
-          </a:fontRef>
-        </p:style>
-      </p:cxnSp>
-      <p:sp>
-        <p:nvSpPr>
-          <p:cNvPr id="12" name="テキスト ボックス 11">
-            <a:extLst>
-              <a:ext uri="{FF2B5EF4-FFF2-40B4-BE49-F238E27FC236}">
-                <a16:creationId xmlns:a16="http://schemas.microsoft.com/office/drawing/2014/main" id="{6B1DD7F9-CC7D-4EB5-63C6-F264C4CDEB49}"/>
-              </a:ext>
-            </a:extLst>
-          </p:cNvPr>
-          <p:cNvSpPr txBox="1"/>
-          <p:nvPr/>
-        </p:nvSpPr>
-        <p:spPr>
-          <a:xfrm>
-            <a:off x="827584" y="5805264"/>
-            <a:ext cx="5955476" cy="646331"/>
-          </a:xfrm>
-          <a:prstGeom prst="rect">
-            <a:avLst/>
-          </a:prstGeom>
-          <a:noFill/>
-        </p:spPr>
-        <p:txBody>
-          <a:bodyPr wrap="none" rtlCol="0">
-            <a:spAutoFit/>
-          </a:bodyPr>
-          <a:lstStyle/>
-          <a:p>
-            <a:r>
-              <a:rPr kumimoji="1" lang="ja-JP" altLang="en-US"/>
-              <a:t>通信相手が正しいホストであると確認する→ホスト認証</a:t>
-            </a:r>
-            <a:endParaRPr kumimoji="1" lang="en-US" altLang="ja-JP" dirty="0"/>
-          </a:p>
-          <a:p>
-            <a:r>
-              <a:rPr lang="ja-JP" altLang="en-US">
-                <a:solidFill>
-                  <a:srgbClr val="FF0000"/>
-                </a:solidFill>
-              </a:rPr>
-              <a:t>ユーザ認証の前</a:t>
-            </a:r>
-            <a:r>
-              <a:rPr lang="ja-JP" altLang="en-US"/>
-              <a:t>に行われる</a:t>
-            </a:r>
-            <a:endParaRPr kumimoji="1" lang="ja-JP" altLang="en-US"/>
-          </a:p>
-        </p:txBody>
-      </p:sp>
-    </p:spTree>
-    <p:extLst>
-      <p:ext uri="{BB962C8B-B14F-4D97-AF65-F5344CB8AC3E}">
-        <p14:creationId xmlns:p14="http://schemas.microsoft.com/office/powerpoint/2010/main" val="2158059382"/>
-      </p:ext>
-    </p:extLst>
-  </p:cSld>
-  <p:clrMapOvr>
-    <a:masterClrMapping/>
-  </p:clrMapOvr>
-</p:sld>
-</file>
-
-<file path=ppt/slides/slide11.xml><?xml version="1.0" encoding="utf-8"?>
-<p:sld xmlns:a="http://schemas.openxmlformats.org/drawingml/2006/main" xmlns:r="http://schemas.openxmlformats.org/officeDocument/2006/relationships" xmlns:p="http://schemas.openxmlformats.org/presentationml/2006/main">
-  <p:cSld>
-    <p:spTree>
-      <p:nvGrpSpPr>
-        <p:cNvPr id="1" name=""/>
-        <p:cNvGrpSpPr/>
-        <p:nvPr/>
-      </p:nvGrpSpPr>
-      <p:grpSpPr>
-        <a:xfrm>
-          <a:off x="0" y="0"/>
-          <a:ext cx="0" cy="0"/>
-          <a:chOff x="0" y="0"/>
-          <a:chExt cx="0" cy="0"/>
-        </a:xfrm>
-      </p:grpSpPr>
-      <p:sp>
-        <p:nvSpPr>
-          <p:cNvPr id="2" name="テキスト プレースホルダー 1">
-            <a:extLst>
-              <a:ext uri="{FF2B5EF4-FFF2-40B4-BE49-F238E27FC236}">
-                <a16:creationId xmlns:a16="http://schemas.microsoft.com/office/drawing/2014/main" id="{2856B158-0DF0-BE58-5923-FC575624C2FA}"/>
-              </a:ext>
-            </a:extLst>
-          </p:cNvPr>
-          <p:cNvSpPr>
-            <a:spLocks noGrp="1"/>
-          </p:cNvSpPr>
-          <p:nvPr>
-            <p:ph type="body" sz="quarter" idx="10"/>
-          </p:nvPr>
-        </p:nvSpPr>
-        <p:spPr/>
-        <p:txBody>
-          <a:bodyPr/>
-          <a:lstStyle/>
-          <a:p>
-            <a:r>
-              <a:rPr kumimoji="1" lang="ja-JP" altLang="en-US"/>
-              <a:t>ホスト認証</a:t>
-            </a:r>
-            <a:r>
-              <a:rPr kumimoji="1" lang="en-US" altLang="ja-JP" dirty="0"/>
-              <a:t>(</a:t>
-            </a:r>
-            <a:r>
-              <a:rPr kumimoji="1" lang="ja-JP" altLang="en-US"/>
-              <a:t>初回</a:t>
-            </a:r>
-            <a:r>
-              <a:rPr kumimoji="1" lang="en-US" altLang="ja-JP" dirty="0"/>
-              <a:t>)</a:t>
-            </a:r>
-            <a:endParaRPr kumimoji="1" lang="ja-JP" altLang="en-US"/>
-          </a:p>
-        </p:txBody>
-      </p:sp>
-      <p:pic>
-        <p:nvPicPr>
-          <p:cNvPr id="4" name="Picture 8" descr="会社で働く人のイラスト（男性）">
-            <a:extLst>
-              <a:ext uri="{FF2B5EF4-FFF2-40B4-BE49-F238E27FC236}">
-                <a16:creationId xmlns:a16="http://schemas.microsoft.com/office/drawing/2014/main" id="{5865CAD8-412C-FB6E-9879-3A315EB39768}"/>
-              </a:ext>
-            </a:extLst>
-          </p:cNvPr>
-          <p:cNvPicPr>
-            <a:picLocks noChangeAspect="1" noChangeArrowheads="1"/>
-          </p:cNvPicPr>
-          <p:nvPr/>
-        </p:nvPicPr>
-        <p:blipFill>
-          <a:blip r:embed="rId2">
-            <a:extLst>
-              <a:ext uri="{28A0092B-C50C-407E-A947-70E740481C1C}">
-                <a14:useLocalDpi xmlns:a14="http://schemas.microsoft.com/office/drawing/2010/main" val="0"/>
-              </a:ext>
-            </a:extLst>
-          </a:blip>
-          <a:srcRect/>
-          <a:stretch>
-            <a:fillRect/>
-          </a:stretch>
-        </p:blipFill>
-        <p:spPr bwMode="auto">
-          <a:xfrm flipH="1">
-            <a:off x="2991773" y="1711827"/>
-            <a:ext cx="777586" cy="777586"/>
-          </a:xfrm>
-          <a:prstGeom prst="rect">
-            <a:avLst/>
-          </a:prstGeom>
-          <a:noFill/>
-          <a:extLst>
-            <a:ext uri="{909E8E84-426E-40DD-AFC4-6F175D3DCCD1}">
-              <a14:hiddenFill xmlns:a14="http://schemas.microsoft.com/office/drawing/2010/main">
-                <a:solidFill>
-                  <a:srgbClr val="FFFFFF"/>
-                </a:solidFill>
-              </a14:hiddenFill>
-            </a:ext>
-          </a:extLst>
-        </p:spPr>
-      </p:pic>
-      <p:sp>
-        <p:nvSpPr>
-          <p:cNvPr id="5" name="テキスト ボックス 4">
-            <a:extLst>
-              <a:ext uri="{FF2B5EF4-FFF2-40B4-BE49-F238E27FC236}">
-                <a16:creationId xmlns:a16="http://schemas.microsoft.com/office/drawing/2014/main" id="{F1018928-47C5-F477-F7AF-E2A6FFA78943}"/>
-              </a:ext>
-            </a:extLst>
-          </p:cNvPr>
-          <p:cNvSpPr txBox="1"/>
-          <p:nvPr/>
-        </p:nvSpPr>
-        <p:spPr>
-          <a:xfrm>
-            <a:off x="903937" y="1155573"/>
-            <a:ext cx="7340471" cy="369332"/>
-          </a:xfrm>
-          <a:prstGeom prst="rect">
-            <a:avLst/>
-          </a:prstGeom>
-          <a:noFill/>
-        </p:spPr>
-        <p:txBody>
-          <a:bodyPr wrap="none" rtlCol="0">
-            <a:spAutoFit/>
-          </a:bodyPr>
-          <a:lstStyle/>
-          <a:p>
-            <a:r>
-              <a:rPr kumimoji="1" lang="ja-JP" altLang="en-US"/>
-              <a:t>初めて接続するホストで、クライアントが公開鍵を持っていない場合</a:t>
-            </a:r>
-          </a:p>
-        </p:txBody>
-      </p:sp>
-      <p:pic>
-        <p:nvPicPr>
-          <p:cNvPr id="6" name="図 5">
-            <a:extLst>
-              <a:ext uri="{FF2B5EF4-FFF2-40B4-BE49-F238E27FC236}">
-                <a16:creationId xmlns:a16="http://schemas.microsoft.com/office/drawing/2014/main" id="{E9B42F60-4D44-414B-6C38-098BF38BFD85}"/>
-              </a:ext>
-            </a:extLst>
-          </p:cNvPr>
-          <p:cNvPicPr>
-            <a:picLocks noChangeAspect="1"/>
-          </p:cNvPicPr>
-          <p:nvPr/>
-        </p:nvPicPr>
-        <p:blipFill>
-          <a:blip r:embed="rId3"/>
-          <a:stretch>
-            <a:fillRect/>
-          </a:stretch>
-        </p:blipFill>
-        <p:spPr>
-          <a:xfrm>
-            <a:off x="671277" y="1836886"/>
-            <a:ext cx="716898" cy="716898"/>
-          </a:xfrm>
-          <a:prstGeom prst="rect">
-            <a:avLst/>
-          </a:prstGeom>
-        </p:spPr>
-      </p:pic>
-      <p:sp>
-        <p:nvSpPr>
-          <p:cNvPr id="13" name="テキスト ボックス 12">
-            <a:extLst>
-              <a:ext uri="{FF2B5EF4-FFF2-40B4-BE49-F238E27FC236}">
-                <a16:creationId xmlns:a16="http://schemas.microsoft.com/office/drawing/2014/main" id="{2DE1A010-C164-C9C7-DAAA-E16DC0190283}"/>
-              </a:ext>
-            </a:extLst>
-          </p:cNvPr>
-          <p:cNvSpPr txBox="1"/>
-          <p:nvPr/>
-        </p:nvSpPr>
-        <p:spPr>
-          <a:xfrm>
-            <a:off x="4269802" y="3389346"/>
-            <a:ext cx="3903633" cy="369332"/>
-          </a:xfrm>
-          <a:prstGeom prst="rect">
-            <a:avLst/>
-          </a:prstGeom>
-          <a:noFill/>
-        </p:spPr>
-        <p:txBody>
-          <a:bodyPr wrap="none" rtlCol="0">
-            <a:spAutoFit/>
-          </a:bodyPr>
-          <a:lstStyle/>
-          <a:p>
-            <a:r>
-              <a:rPr kumimoji="1" lang="en-US" altLang="ja-JP" dirty="0"/>
-              <a:t>1. </a:t>
-            </a:r>
-            <a:r>
-              <a:rPr kumimoji="1" lang="ja-JP" altLang="en-US"/>
-              <a:t>ホストから公開鍵が送られてくる</a:t>
-            </a:r>
-          </a:p>
-        </p:txBody>
-      </p:sp>
-      <p:cxnSp>
-        <p:nvCxnSpPr>
-          <p:cNvPr id="15" name="直線矢印コネクタ 14">
-            <a:extLst>
-              <a:ext uri="{FF2B5EF4-FFF2-40B4-BE49-F238E27FC236}">
-                <a16:creationId xmlns:a16="http://schemas.microsoft.com/office/drawing/2014/main" id="{A6B8733E-A84D-DE8C-04ED-DFD3444C73EC}"/>
-              </a:ext>
-            </a:extLst>
-          </p:cNvPr>
-          <p:cNvCxnSpPr>
-            <a:cxnSpLocks/>
-          </p:cNvCxnSpPr>
-          <p:nvPr/>
-        </p:nvCxnSpPr>
-        <p:spPr>
-          <a:xfrm>
-            <a:off x="1647118" y="3566140"/>
-            <a:ext cx="948618" cy="0"/>
-          </a:xfrm>
-          <a:prstGeom prst="straightConnector1">
-            <a:avLst/>
-          </a:prstGeom>
-          <a:ln>
-            <a:solidFill>
-              <a:schemeClr val="tx1"/>
-            </a:solidFill>
-            <a:headEnd type="none" w="med" len="med"/>
-            <a:tailEnd type="triangle"/>
-          </a:ln>
-        </p:spPr>
-        <p:style>
-          <a:lnRef idx="1">
-            <a:schemeClr val="accent1"/>
-          </a:lnRef>
-          <a:fillRef idx="0">
-            <a:schemeClr val="accent1"/>
-          </a:fillRef>
-          <a:effectRef idx="0">
-            <a:schemeClr val="accent1"/>
-          </a:effectRef>
-          <a:fontRef idx="minor">
-            <a:schemeClr val="tx1"/>
-          </a:fontRef>
-        </p:style>
-      </p:cxnSp>
-      <p:sp>
-        <p:nvSpPr>
-          <p:cNvPr id="20" name="テキスト ボックス 19">
-            <a:extLst>
-              <a:ext uri="{FF2B5EF4-FFF2-40B4-BE49-F238E27FC236}">
-                <a16:creationId xmlns:a16="http://schemas.microsoft.com/office/drawing/2014/main" id="{39095693-46F9-F492-703D-509C492B5E87}"/>
-              </a:ext>
-            </a:extLst>
-          </p:cNvPr>
-          <p:cNvSpPr txBox="1"/>
-          <p:nvPr/>
-        </p:nvSpPr>
-        <p:spPr>
-          <a:xfrm>
-            <a:off x="4269802" y="4305186"/>
-            <a:ext cx="3672800" cy="369332"/>
-          </a:xfrm>
-          <a:prstGeom prst="rect">
-            <a:avLst/>
-          </a:prstGeom>
-          <a:noFill/>
-        </p:spPr>
-        <p:txBody>
-          <a:bodyPr wrap="none" rtlCol="0">
-            <a:spAutoFit/>
-          </a:bodyPr>
-          <a:lstStyle/>
-          <a:p>
-            <a:r>
-              <a:rPr kumimoji="1" lang="en-US" altLang="ja-JP" dirty="0"/>
-              <a:t>2. </a:t>
-            </a:r>
-            <a:r>
-              <a:rPr kumimoji="1" lang="ja-JP" altLang="en-US"/>
-              <a:t>この公開鍵を信じるか確認する</a:t>
-            </a:r>
-          </a:p>
-        </p:txBody>
-      </p:sp>
-      <p:sp>
-        <p:nvSpPr>
-          <p:cNvPr id="24" name="テキスト ボックス 23">
-            <a:extLst>
-              <a:ext uri="{FF2B5EF4-FFF2-40B4-BE49-F238E27FC236}">
-                <a16:creationId xmlns:a16="http://schemas.microsoft.com/office/drawing/2014/main" id="{67286F1D-A85E-4902-6BA6-55DD34456301}"/>
-              </a:ext>
-            </a:extLst>
-          </p:cNvPr>
-          <p:cNvSpPr txBox="1"/>
-          <p:nvPr/>
-        </p:nvSpPr>
-        <p:spPr>
-          <a:xfrm>
-            <a:off x="4269802" y="5450128"/>
-            <a:ext cx="4349080" cy="646331"/>
-          </a:xfrm>
-          <a:prstGeom prst="rect">
-            <a:avLst/>
-          </a:prstGeom>
-          <a:noFill/>
-        </p:spPr>
-        <p:txBody>
-          <a:bodyPr wrap="square" rtlCol="0">
-            <a:spAutoFit/>
-          </a:bodyPr>
-          <a:lstStyle/>
-          <a:p>
-            <a:r>
-              <a:rPr kumimoji="1" lang="en-US" altLang="ja-JP" dirty="0"/>
-              <a:t>3. </a:t>
-            </a:r>
-            <a:r>
-              <a:rPr kumimoji="1" lang="ja-JP" altLang="en-US"/>
-              <a:t>鍵を信じる場合</a:t>
-            </a:r>
-            <a:r>
-              <a:rPr lang="en-US" altLang="ja-JP" dirty="0"/>
-              <a:t>(yes)</a:t>
-            </a:r>
-            <a:r>
-              <a:rPr kumimoji="1" lang="ja-JP" altLang="en-US"/>
-              <a:t>、この鍵を「知っているホスト」に登録する</a:t>
-            </a:r>
-          </a:p>
-        </p:txBody>
-      </p:sp>
-      <p:sp>
-        <p:nvSpPr>
-          <p:cNvPr id="25" name="テキスト ボックス 24">
-            <a:extLst>
-              <a:ext uri="{FF2B5EF4-FFF2-40B4-BE49-F238E27FC236}">
-                <a16:creationId xmlns:a16="http://schemas.microsoft.com/office/drawing/2014/main" id="{814DB56F-25A7-6EB6-2C90-2B2BA8D4473C}"/>
-              </a:ext>
-            </a:extLst>
-          </p:cNvPr>
-          <p:cNvSpPr txBox="1"/>
-          <p:nvPr/>
-        </p:nvSpPr>
-        <p:spPr>
-          <a:xfrm>
-            <a:off x="2595736" y="2606846"/>
-            <a:ext cx="1569660" cy="369332"/>
-          </a:xfrm>
-          <a:prstGeom prst="rect">
-            <a:avLst/>
-          </a:prstGeom>
-          <a:noFill/>
-        </p:spPr>
-        <p:txBody>
-          <a:bodyPr wrap="none" rtlCol="0">
-            <a:spAutoFit/>
-          </a:bodyPr>
-          <a:lstStyle/>
-          <a:p>
-            <a:r>
-              <a:rPr kumimoji="1" lang="ja-JP" altLang="en-US"/>
-              <a:t>クライアント</a:t>
-            </a:r>
-          </a:p>
-        </p:txBody>
-      </p:sp>
-      <p:sp>
-        <p:nvSpPr>
-          <p:cNvPr id="26" name="テキスト ボックス 25">
-            <a:extLst>
-              <a:ext uri="{FF2B5EF4-FFF2-40B4-BE49-F238E27FC236}">
-                <a16:creationId xmlns:a16="http://schemas.microsoft.com/office/drawing/2014/main" id="{9000EECF-6FEE-425F-16E9-01B8B2CAD45B}"/>
-              </a:ext>
-            </a:extLst>
-          </p:cNvPr>
-          <p:cNvSpPr txBox="1"/>
-          <p:nvPr/>
-        </p:nvSpPr>
-        <p:spPr>
-          <a:xfrm>
-            <a:off x="671277" y="2616431"/>
-            <a:ext cx="877163" cy="369332"/>
-          </a:xfrm>
-          <a:prstGeom prst="rect">
-            <a:avLst/>
-          </a:prstGeom>
-          <a:noFill/>
-        </p:spPr>
-        <p:txBody>
-          <a:bodyPr wrap="none" rtlCol="0">
-            <a:spAutoFit/>
-          </a:bodyPr>
-          <a:lstStyle/>
-          <a:p>
-            <a:r>
-              <a:rPr kumimoji="1" lang="ja-JP" altLang="en-US"/>
-              <a:t>ホスト</a:t>
-            </a:r>
-          </a:p>
-        </p:txBody>
-      </p:sp>
-      <p:pic>
-        <p:nvPicPr>
-          <p:cNvPr id="5122" name="Picture 2" descr="ロッカーのイラスト（閉）">
-            <a:extLst>
-              <a:ext uri="{FF2B5EF4-FFF2-40B4-BE49-F238E27FC236}">
-                <a16:creationId xmlns:a16="http://schemas.microsoft.com/office/drawing/2014/main" id="{FC563572-0F26-A989-51E9-9DA3E950DAE0}"/>
-              </a:ext>
-            </a:extLst>
-          </p:cNvPr>
-          <p:cNvPicPr>
-            <a:picLocks noChangeAspect="1" noChangeArrowheads="1"/>
-          </p:cNvPicPr>
-          <p:nvPr/>
-        </p:nvPicPr>
-        <p:blipFill>
-          <a:blip r:embed="rId4" cstate="print">
-            <a:extLst>
-              <a:ext uri="{28A0092B-C50C-407E-A947-70E740481C1C}">
-                <a14:useLocalDpi xmlns:a14="http://schemas.microsoft.com/office/drawing/2010/main" val="0"/>
-              </a:ext>
-            </a:extLst>
-          </a:blip>
-          <a:srcRect/>
-          <a:stretch>
-            <a:fillRect/>
-          </a:stretch>
-        </p:blipFill>
-        <p:spPr bwMode="auto">
-          <a:xfrm>
-            <a:off x="3414112" y="5263442"/>
-            <a:ext cx="591769" cy="1047378"/>
-          </a:xfrm>
-          <a:prstGeom prst="rect">
-            <a:avLst/>
-          </a:prstGeom>
-          <a:noFill/>
-          <a:extLst>
-            <a:ext uri="{909E8E84-426E-40DD-AFC4-6F175D3DCCD1}">
-              <a14:hiddenFill xmlns:a14="http://schemas.microsoft.com/office/drawing/2010/main">
-                <a:solidFill>
-                  <a:srgbClr val="FFFFFF"/>
-                </a:solidFill>
-              </a14:hiddenFill>
-            </a:ext>
-          </a:extLst>
-        </p:spPr>
-      </p:pic>
-      <p:grpSp>
-        <p:nvGrpSpPr>
-          <p:cNvPr id="31" name="グループ化 30">
-            <a:extLst>
-              <a:ext uri="{FF2B5EF4-FFF2-40B4-BE49-F238E27FC236}">
-                <a16:creationId xmlns:a16="http://schemas.microsoft.com/office/drawing/2014/main" id="{79A992EA-006C-C5C7-195D-8B7CD7B57E27}"/>
-              </a:ext>
-            </a:extLst>
-          </p:cNvPr>
-          <p:cNvGrpSpPr/>
-          <p:nvPr/>
-        </p:nvGrpSpPr>
-        <p:grpSpPr>
-          <a:xfrm>
-            <a:off x="2976074" y="3227440"/>
-            <a:ext cx="599238" cy="677400"/>
-            <a:chOff x="3980964" y="3583025"/>
-            <a:chExt cx="828092" cy="936104"/>
-          </a:xfrm>
-        </p:grpSpPr>
-        <p:sp>
-          <p:nvSpPr>
-            <p:cNvPr id="32" name="正方形/長方形 31">
-              <a:extLst>
-                <a:ext uri="{FF2B5EF4-FFF2-40B4-BE49-F238E27FC236}">
-                  <a16:creationId xmlns:a16="http://schemas.microsoft.com/office/drawing/2014/main" id="{468AA0BD-DF29-7FBB-6209-C7D02BEC4510}"/>
-                </a:ext>
-              </a:extLst>
-            </p:cNvPr>
-            <p:cNvSpPr/>
-            <p:nvPr/>
-          </p:nvSpPr>
-          <p:spPr>
-            <a:xfrm>
-              <a:off x="4232992" y="3583025"/>
-              <a:ext cx="576064" cy="936104"/>
-            </a:xfrm>
-            <a:prstGeom prst="rect">
-              <a:avLst/>
-            </a:prstGeom>
-            <a:solidFill>
-              <a:srgbClr val="FFC000"/>
-            </a:solidFill>
-            <a:ln>
-              <a:noFill/>
-            </a:ln>
-          </p:spPr>
-          <p:style>
-            <a:lnRef idx="2">
-              <a:schemeClr val="accent1">
-                <a:shade val="50000"/>
-              </a:schemeClr>
-            </a:lnRef>
-            <a:fillRef idx="1">
-              <a:schemeClr val="accent1"/>
-            </a:fillRef>
-            <a:effectRef idx="0">
-              <a:schemeClr val="accent1"/>
-            </a:effectRef>
-            <a:fontRef idx="minor">
-              <a:schemeClr val="lt1"/>
-            </a:fontRef>
-          </p:style>
-          <p:txBody>
-            <a:bodyPr rtlCol="0" anchor="ctr"/>
-            <a:lstStyle/>
-            <a:p>
-              <a:pPr algn="ctr"/>
-              <a:endParaRPr kumimoji="1" lang="ja-JP" altLang="en-US"/>
-            </a:p>
-          </p:txBody>
-        </p:sp>
-        <p:sp>
-          <p:nvSpPr>
-            <p:cNvPr id="33" name="三角形 32">
-              <a:extLst>
-                <a:ext uri="{FF2B5EF4-FFF2-40B4-BE49-F238E27FC236}">
-                  <a16:creationId xmlns:a16="http://schemas.microsoft.com/office/drawing/2014/main" id="{4EDA9DCB-B6D0-0A33-2D69-592604627CEA}"/>
-                </a:ext>
-              </a:extLst>
-            </p:cNvPr>
-            <p:cNvSpPr/>
-            <p:nvPr/>
-          </p:nvSpPr>
-          <p:spPr>
-            <a:xfrm rot="5400000">
-              <a:off x="4016968" y="3799049"/>
-              <a:ext cx="432048" cy="504056"/>
-            </a:xfrm>
-            <a:prstGeom prst="triangle">
-              <a:avLst/>
-            </a:prstGeom>
-            <a:solidFill>
-              <a:schemeClr val="bg1">
-                <a:lumMod val="95000"/>
-              </a:schemeClr>
-            </a:solidFill>
-            <a:ln>
-              <a:noFill/>
-            </a:ln>
-          </p:spPr>
-          <p:style>
-            <a:lnRef idx="2">
-              <a:schemeClr val="accent1">
-                <a:shade val="50000"/>
-              </a:schemeClr>
-            </a:lnRef>
-            <a:fillRef idx="1">
-              <a:schemeClr val="accent1"/>
-            </a:fillRef>
-            <a:effectRef idx="0">
-              <a:schemeClr val="accent1"/>
-            </a:effectRef>
-            <a:fontRef idx="minor">
-              <a:schemeClr val="lt1"/>
-            </a:fontRef>
-          </p:style>
-          <p:txBody>
-            <a:bodyPr rtlCol="0" anchor="ctr"/>
-            <a:lstStyle/>
-            <a:p>
-              <a:pPr algn="ctr"/>
-              <a:endParaRPr kumimoji="1" lang="ja-JP" altLang="en-US"/>
-            </a:p>
-          </p:txBody>
-        </p:sp>
-      </p:grpSp>
-      <p:grpSp>
-        <p:nvGrpSpPr>
-          <p:cNvPr id="34" name="グループ化 33">
-            <a:extLst>
-              <a:ext uri="{FF2B5EF4-FFF2-40B4-BE49-F238E27FC236}">
-                <a16:creationId xmlns:a16="http://schemas.microsoft.com/office/drawing/2014/main" id="{9B54F918-BE57-7772-B573-DAD005DB2BDB}"/>
-              </a:ext>
-            </a:extLst>
-          </p:cNvPr>
-          <p:cNvGrpSpPr/>
-          <p:nvPr/>
-        </p:nvGrpSpPr>
-        <p:grpSpPr>
-          <a:xfrm>
-            <a:off x="788937" y="3227440"/>
-            <a:ext cx="599238" cy="677400"/>
-            <a:chOff x="2339752" y="3645024"/>
-            <a:chExt cx="828092" cy="936104"/>
-          </a:xfrm>
-        </p:grpSpPr>
-        <p:sp>
-          <p:nvSpPr>
-            <p:cNvPr id="35" name="正方形/長方形 34">
-              <a:extLst>
-                <a:ext uri="{FF2B5EF4-FFF2-40B4-BE49-F238E27FC236}">
-                  <a16:creationId xmlns:a16="http://schemas.microsoft.com/office/drawing/2014/main" id="{72522722-D060-0480-FDFC-2520AB436111}"/>
-                </a:ext>
-              </a:extLst>
-            </p:cNvPr>
-            <p:cNvSpPr/>
-            <p:nvPr/>
-          </p:nvSpPr>
-          <p:spPr>
-            <a:xfrm>
-              <a:off x="2339752" y="3645024"/>
-              <a:ext cx="576064" cy="936104"/>
-            </a:xfrm>
-            <a:prstGeom prst="rect">
-              <a:avLst/>
-            </a:prstGeom>
-            <a:solidFill>
-              <a:srgbClr val="FFC000"/>
-            </a:solidFill>
-            <a:ln>
-              <a:noFill/>
-            </a:ln>
-          </p:spPr>
-          <p:style>
-            <a:lnRef idx="2">
-              <a:schemeClr val="accent1">
-                <a:shade val="50000"/>
-              </a:schemeClr>
-            </a:lnRef>
-            <a:fillRef idx="1">
-              <a:schemeClr val="accent1"/>
-            </a:fillRef>
-            <a:effectRef idx="0">
-              <a:schemeClr val="accent1"/>
-            </a:effectRef>
-            <a:fontRef idx="minor">
-              <a:schemeClr val="lt1"/>
-            </a:fontRef>
-          </p:style>
-          <p:txBody>
-            <a:bodyPr rtlCol="0" anchor="ctr"/>
-            <a:lstStyle/>
-            <a:p>
-              <a:pPr algn="ctr"/>
-              <a:endParaRPr kumimoji="1" lang="ja-JP" altLang="en-US"/>
-            </a:p>
-          </p:txBody>
-        </p:sp>
-        <p:sp>
-          <p:nvSpPr>
-            <p:cNvPr id="36" name="三角形 35">
-              <a:extLst>
-                <a:ext uri="{FF2B5EF4-FFF2-40B4-BE49-F238E27FC236}">
-                  <a16:creationId xmlns:a16="http://schemas.microsoft.com/office/drawing/2014/main" id="{8A1B9060-166B-DAA4-E63D-4CBECEE12693}"/>
-                </a:ext>
-              </a:extLst>
-            </p:cNvPr>
-            <p:cNvSpPr/>
-            <p:nvPr/>
-          </p:nvSpPr>
-          <p:spPr>
-            <a:xfrm rot="5400000">
-              <a:off x="2699792" y="3861048"/>
-              <a:ext cx="432048" cy="504056"/>
-            </a:xfrm>
-            <a:prstGeom prst="triangle">
-              <a:avLst/>
-            </a:prstGeom>
-            <a:solidFill>
-              <a:srgbClr val="FFC000"/>
-            </a:solidFill>
-            <a:ln>
-              <a:noFill/>
-            </a:ln>
-          </p:spPr>
-          <p:style>
-            <a:lnRef idx="2">
-              <a:schemeClr val="accent1">
-                <a:shade val="50000"/>
-              </a:schemeClr>
-            </a:lnRef>
-            <a:fillRef idx="1">
-              <a:schemeClr val="accent1"/>
-            </a:fillRef>
-            <a:effectRef idx="0">
-              <a:schemeClr val="accent1"/>
-            </a:effectRef>
-            <a:fontRef idx="minor">
-              <a:schemeClr val="lt1"/>
-            </a:fontRef>
-          </p:style>
-          <p:txBody>
-            <a:bodyPr rtlCol="0" anchor="ctr"/>
-            <a:lstStyle/>
-            <a:p>
-              <a:pPr algn="ctr"/>
-              <a:endParaRPr kumimoji="1" lang="ja-JP" altLang="en-US"/>
-            </a:p>
-          </p:txBody>
-        </p:sp>
-      </p:grpSp>
-      <p:grpSp>
-        <p:nvGrpSpPr>
-          <p:cNvPr id="37" name="グループ化 36">
-            <a:extLst>
-              <a:ext uri="{FF2B5EF4-FFF2-40B4-BE49-F238E27FC236}">
-                <a16:creationId xmlns:a16="http://schemas.microsoft.com/office/drawing/2014/main" id="{2DF0EC30-91AF-AAFA-ADA3-1B475B543872}"/>
-              </a:ext>
-            </a:extLst>
-          </p:cNvPr>
-          <p:cNvGrpSpPr/>
-          <p:nvPr/>
-        </p:nvGrpSpPr>
-        <p:grpSpPr>
-          <a:xfrm>
-            <a:off x="3216840" y="4403685"/>
-            <a:ext cx="599238" cy="677400"/>
-            <a:chOff x="3980964" y="3583025"/>
-            <a:chExt cx="828092" cy="936104"/>
-          </a:xfrm>
-        </p:grpSpPr>
-        <p:sp>
-          <p:nvSpPr>
-            <p:cNvPr id="38" name="正方形/長方形 37">
-              <a:extLst>
-                <a:ext uri="{FF2B5EF4-FFF2-40B4-BE49-F238E27FC236}">
-                  <a16:creationId xmlns:a16="http://schemas.microsoft.com/office/drawing/2014/main" id="{DD7A39C0-534D-FED7-C942-42102D0EE60B}"/>
-                </a:ext>
-              </a:extLst>
-            </p:cNvPr>
-            <p:cNvSpPr/>
-            <p:nvPr/>
-          </p:nvSpPr>
-          <p:spPr>
-            <a:xfrm>
-              <a:off x="4232992" y="3583025"/>
-              <a:ext cx="576064" cy="936104"/>
-            </a:xfrm>
-            <a:prstGeom prst="rect">
-              <a:avLst/>
-            </a:prstGeom>
-            <a:solidFill>
-              <a:srgbClr val="FFC000"/>
-            </a:solidFill>
-            <a:ln>
-              <a:noFill/>
-            </a:ln>
-          </p:spPr>
-          <p:style>
-            <a:lnRef idx="2">
-              <a:schemeClr val="accent1">
-                <a:shade val="50000"/>
-              </a:schemeClr>
-            </a:lnRef>
-            <a:fillRef idx="1">
-              <a:schemeClr val="accent1"/>
-            </a:fillRef>
-            <a:effectRef idx="0">
-              <a:schemeClr val="accent1"/>
-            </a:effectRef>
-            <a:fontRef idx="minor">
-              <a:schemeClr val="lt1"/>
-            </a:fontRef>
-          </p:style>
-          <p:txBody>
-            <a:bodyPr rtlCol="0" anchor="ctr"/>
-            <a:lstStyle/>
-            <a:p>
-              <a:pPr algn="ctr"/>
-              <a:endParaRPr kumimoji="1" lang="ja-JP" altLang="en-US"/>
-            </a:p>
-          </p:txBody>
-        </p:sp>
-        <p:sp>
-          <p:nvSpPr>
-            <p:cNvPr id="39" name="三角形 38">
-              <a:extLst>
-                <a:ext uri="{FF2B5EF4-FFF2-40B4-BE49-F238E27FC236}">
-                  <a16:creationId xmlns:a16="http://schemas.microsoft.com/office/drawing/2014/main" id="{23764456-21BE-AE12-031B-EC762275025C}"/>
-                </a:ext>
-              </a:extLst>
-            </p:cNvPr>
-            <p:cNvSpPr/>
-            <p:nvPr/>
-          </p:nvSpPr>
-          <p:spPr>
-            <a:xfrm rot="5400000">
-              <a:off x="4016968" y="3799049"/>
-              <a:ext cx="432048" cy="504056"/>
-            </a:xfrm>
-            <a:prstGeom prst="triangle">
-              <a:avLst/>
-            </a:prstGeom>
-            <a:solidFill>
-              <a:schemeClr val="bg1">
-                <a:lumMod val="95000"/>
-              </a:schemeClr>
-            </a:solidFill>
-            <a:ln>
-              <a:noFill/>
-            </a:ln>
-          </p:spPr>
-          <p:style>
-            <a:lnRef idx="2">
-              <a:schemeClr val="accent1">
-                <a:shade val="50000"/>
-              </a:schemeClr>
-            </a:lnRef>
-            <a:fillRef idx="1">
-              <a:schemeClr val="accent1"/>
-            </a:fillRef>
-            <a:effectRef idx="0">
-              <a:schemeClr val="accent1"/>
-            </a:effectRef>
-            <a:fontRef idx="minor">
-              <a:schemeClr val="lt1"/>
-            </a:fontRef>
-          </p:style>
-          <p:txBody>
-            <a:bodyPr rtlCol="0" anchor="ctr"/>
-            <a:lstStyle/>
-            <a:p>
-              <a:pPr algn="ctr"/>
-              <a:endParaRPr kumimoji="1" lang="ja-JP" altLang="en-US"/>
-            </a:p>
-          </p:txBody>
-        </p:sp>
-      </p:grpSp>
-      <p:pic>
-        <p:nvPicPr>
-          <p:cNvPr id="5124" name="Picture 4" descr="虫眼鏡を持った男性会社員のイラスト">
-            <a:extLst>
-              <a:ext uri="{FF2B5EF4-FFF2-40B4-BE49-F238E27FC236}">
-                <a16:creationId xmlns:a16="http://schemas.microsoft.com/office/drawing/2014/main" id="{419B33F9-C953-1CC3-D6C6-376EE1FB795E}"/>
-              </a:ext>
-            </a:extLst>
-          </p:cNvPr>
-          <p:cNvPicPr>
-            <a:picLocks noChangeAspect="1" noChangeArrowheads="1"/>
-          </p:cNvPicPr>
-          <p:nvPr/>
-        </p:nvPicPr>
-        <p:blipFill>
-          <a:blip r:embed="rId5" cstate="print">
-            <a:extLst>
-              <a:ext uri="{28A0092B-C50C-407E-A947-70E740481C1C}">
-                <a14:useLocalDpi xmlns:a14="http://schemas.microsoft.com/office/drawing/2010/main" val="0"/>
-              </a:ext>
-            </a:extLst>
-          </a:blip>
-          <a:srcRect/>
-          <a:stretch>
-            <a:fillRect/>
-          </a:stretch>
-        </p:blipFill>
-        <p:spPr bwMode="auto">
-          <a:xfrm>
-            <a:off x="2631551" y="4272351"/>
-            <a:ext cx="689045" cy="842869"/>
-          </a:xfrm>
-          <a:prstGeom prst="rect">
-            <a:avLst/>
-          </a:prstGeom>
-          <a:noFill/>
-          <a:extLst>
-            <a:ext uri="{909E8E84-426E-40DD-AFC4-6F175D3DCCD1}">
-              <a14:hiddenFill xmlns:a14="http://schemas.microsoft.com/office/drawing/2010/main">
-                <a:solidFill>
-                  <a:srgbClr val="FFFFFF"/>
-                </a:solidFill>
-              </a14:hiddenFill>
-            </a:ext>
-          </a:extLst>
-        </p:spPr>
-      </p:pic>
-      <p:grpSp>
-        <p:nvGrpSpPr>
-          <p:cNvPr id="40" name="グループ化 39">
-            <a:extLst>
-              <a:ext uri="{FF2B5EF4-FFF2-40B4-BE49-F238E27FC236}">
-                <a16:creationId xmlns:a16="http://schemas.microsoft.com/office/drawing/2014/main" id="{EF2C2EDD-3B50-BF35-6F4D-E22A802BA515}"/>
-              </a:ext>
-            </a:extLst>
-          </p:cNvPr>
-          <p:cNvGrpSpPr/>
-          <p:nvPr/>
-        </p:nvGrpSpPr>
-        <p:grpSpPr>
-          <a:xfrm>
-            <a:off x="2273532" y="5396420"/>
-            <a:ext cx="599238" cy="677400"/>
-            <a:chOff x="3980964" y="3583025"/>
-            <a:chExt cx="828092" cy="936104"/>
-          </a:xfrm>
-        </p:grpSpPr>
-        <p:sp>
-          <p:nvSpPr>
-            <p:cNvPr id="41" name="正方形/長方形 40">
-              <a:extLst>
-                <a:ext uri="{FF2B5EF4-FFF2-40B4-BE49-F238E27FC236}">
-                  <a16:creationId xmlns:a16="http://schemas.microsoft.com/office/drawing/2014/main" id="{8EC0F707-EA8B-6C70-BBEB-9800BDD1C2AD}"/>
-                </a:ext>
-              </a:extLst>
-            </p:cNvPr>
-            <p:cNvSpPr/>
-            <p:nvPr/>
-          </p:nvSpPr>
-          <p:spPr>
-            <a:xfrm>
-              <a:off x="4232992" y="3583025"/>
-              <a:ext cx="576064" cy="936104"/>
-            </a:xfrm>
-            <a:prstGeom prst="rect">
-              <a:avLst/>
-            </a:prstGeom>
-            <a:solidFill>
-              <a:srgbClr val="FFC000"/>
-            </a:solidFill>
-            <a:ln>
-              <a:noFill/>
-            </a:ln>
-          </p:spPr>
-          <p:style>
-            <a:lnRef idx="2">
-              <a:schemeClr val="accent1">
-                <a:shade val="50000"/>
-              </a:schemeClr>
-            </a:lnRef>
-            <a:fillRef idx="1">
-              <a:schemeClr val="accent1"/>
-            </a:fillRef>
-            <a:effectRef idx="0">
-              <a:schemeClr val="accent1"/>
-            </a:effectRef>
-            <a:fontRef idx="minor">
-              <a:schemeClr val="lt1"/>
-            </a:fontRef>
-          </p:style>
-          <p:txBody>
-            <a:bodyPr rtlCol="0" anchor="ctr"/>
-            <a:lstStyle/>
-            <a:p>
-              <a:pPr algn="ctr"/>
-              <a:endParaRPr kumimoji="1" lang="ja-JP" altLang="en-US"/>
-            </a:p>
-          </p:txBody>
-        </p:sp>
-        <p:sp>
-          <p:nvSpPr>
-            <p:cNvPr id="42" name="三角形 41">
-              <a:extLst>
-                <a:ext uri="{FF2B5EF4-FFF2-40B4-BE49-F238E27FC236}">
-                  <a16:creationId xmlns:a16="http://schemas.microsoft.com/office/drawing/2014/main" id="{7B26660F-7659-67FE-DEB5-38303905B526}"/>
-                </a:ext>
-              </a:extLst>
-            </p:cNvPr>
-            <p:cNvSpPr/>
-            <p:nvPr/>
-          </p:nvSpPr>
-          <p:spPr>
-            <a:xfrm rot="5400000">
-              <a:off x="4016968" y="3799049"/>
-              <a:ext cx="432048" cy="504056"/>
-            </a:xfrm>
-            <a:prstGeom prst="triangle">
-              <a:avLst/>
-            </a:prstGeom>
-            <a:solidFill>
-              <a:schemeClr val="bg1">
-                <a:lumMod val="95000"/>
-              </a:schemeClr>
-            </a:solidFill>
-            <a:ln>
-              <a:noFill/>
-            </a:ln>
-          </p:spPr>
-          <p:style>
-            <a:lnRef idx="2">
-              <a:schemeClr val="accent1">
-                <a:shade val="50000"/>
-              </a:schemeClr>
-            </a:lnRef>
-            <a:fillRef idx="1">
-              <a:schemeClr val="accent1"/>
-            </a:fillRef>
-            <a:effectRef idx="0">
-              <a:schemeClr val="accent1"/>
-            </a:effectRef>
-            <a:fontRef idx="minor">
-              <a:schemeClr val="lt1"/>
-            </a:fontRef>
-          </p:style>
-          <p:txBody>
-            <a:bodyPr rtlCol="0" anchor="ctr"/>
-            <a:lstStyle/>
-            <a:p>
-              <a:pPr algn="ctr"/>
-              <a:endParaRPr kumimoji="1" lang="ja-JP" altLang="en-US"/>
-            </a:p>
-          </p:txBody>
-        </p:sp>
-      </p:grpSp>
-      <p:sp>
-        <p:nvSpPr>
-          <p:cNvPr id="43" name="右矢印 42">
-            <a:extLst>
-              <a:ext uri="{FF2B5EF4-FFF2-40B4-BE49-F238E27FC236}">
-                <a16:creationId xmlns:a16="http://schemas.microsoft.com/office/drawing/2014/main" id="{2CA43408-AD91-6BD5-9008-4E3108819369}"/>
-              </a:ext>
-            </a:extLst>
-          </p:cNvPr>
-          <p:cNvSpPr/>
-          <p:nvPr/>
-        </p:nvSpPr>
-        <p:spPr>
-          <a:xfrm>
-            <a:off x="3023304" y="5578797"/>
-            <a:ext cx="344523" cy="312646"/>
-          </a:xfrm>
-          <a:prstGeom prst="rightArrow">
-            <a:avLst/>
-          </a:prstGeom>
-          <a:solidFill>
-            <a:srgbClr val="FF0000"/>
-          </a:solidFill>
-          <a:ln>
-            <a:solidFill>
-              <a:schemeClr val="tx1"/>
-            </a:solidFill>
-          </a:ln>
-        </p:spPr>
-        <p:style>
-          <a:lnRef idx="2">
-            <a:schemeClr val="accent1">
-              <a:shade val="50000"/>
-            </a:schemeClr>
-          </a:lnRef>
-          <a:fillRef idx="1">
-            <a:schemeClr val="accent1"/>
-          </a:fillRef>
-          <a:effectRef idx="0">
-            <a:schemeClr val="accent1"/>
-          </a:effectRef>
-          <a:fontRef idx="minor">
-            <a:schemeClr val="lt1"/>
-          </a:fontRef>
-        </p:style>
-        <p:txBody>
-          <a:bodyPr rtlCol="0" anchor="ctr"/>
-          <a:lstStyle/>
-          <a:p>
-            <a:pPr algn="ctr"/>
-            <a:endParaRPr kumimoji="1" lang="ja-JP" altLang="en-US"/>
-          </a:p>
-        </p:txBody>
-      </p:sp>
-      <p:sp>
-        <p:nvSpPr>
-          <p:cNvPr id="44" name="テキスト ボックス 43">
-            <a:extLst>
-              <a:ext uri="{FF2B5EF4-FFF2-40B4-BE49-F238E27FC236}">
-                <a16:creationId xmlns:a16="http://schemas.microsoft.com/office/drawing/2014/main" id="{478FDE66-0CE7-FFBD-1935-53CB6E5EB1F7}"/>
-              </a:ext>
-            </a:extLst>
-          </p:cNvPr>
-          <p:cNvSpPr txBox="1"/>
-          <p:nvPr/>
-        </p:nvSpPr>
-        <p:spPr>
-          <a:xfrm>
-            <a:off x="2779344" y="6355020"/>
-            <a:ext cx="1980029" cy="338554"/>
-          </a:xfrm>
-          <a:prstGeom prst="rect">
-            <a:avLst/>
-          </a:prstGeom>
-          <a:noFill/>
-        </p:spPr>
-        <p:txBody>
-          <a:bodyPr wrap="none" rtlCol="0">
-            <a:spAutoFit/>
-          </a:bodyPr>
-          <a:lstStyle/>
-          <a:p>
-            <a:r>
-              <a:rPr lang="en-US" altLang="ja-JP" sz="1600" dirty="0">
-                <a:latin typeface="Consolas" panose="020B0609020204030204" pitchFamily="49" charset="0"/>
-                <a:cs typeface="Consolas" panose="020B0609020204030204" pitchFamily="49" charset="0"/>
-              </a:rPr>
-              <a:t>.ssh/</a:t>
-            </a:r>
-            <a:r>
-              <a:rPr lang="en-US" altLang="ja-JP" sz="1600" dirty="0" err="1">
-                <a:latin typeface="Consolas" panose="020B0609020204030204" pitchFamily="49" charset="0"/>
-                <a:cs typeface="Consolas" panose="020B0609020204030204" pitchFamily="49" charset="0"/>
-              </a:rPr>
-              <a:t>known_hosts</a:t>
-            </a:r>
-            <a:endParaRPr kumimoji="1" lang="ja-JP" altLang="en-US" sz="1600">
-              <a:latin typeface="Consolas" panose="020B0609020204030204" pitchFamily="49" charset="0"/>
-              <a:cs typeface="Consolas" panose="020B0609020204030204" pitchFamily="49" charset="0"/>
-            </a:endParaRPr>
-          </a:p>
-        </p:txBody>
-      </p:sp>
-      <p:sp>
-        <p:nvSpPr>
-          <p:cNvPr id="7" name="テキスト ボックス 6">
-            <a:extLst>
-              <a:ext uri="{FF2B5EF4-FFF2-40B4-BE49-F238E27FC236}">
-                <a16:creationId xmlns:a16="http://schemas.microsoft.com/office/drawing/2014/main" id="{B2270556-3EE4-7A46-B714-DAAC3CA167B0}"/>
-              </a:ext>
-            </a:extLst>
-          </p:cNvPr>
-          <p:cNvSpPr txBox="1"/>
-          <p:nvPr/>
-        </p:nvSpPr>
-        <p:spPr>
-          <a:xfrm>
-            <a:off x="4269802" y="4705047"/>
-            <a:ext cx="4669389" cy="238184"/>
-          </a:xfrm>
-          <a:prstGeom prst="rect">
-            <a:avLst/>
-          </a:prstGeom>
-          <a:solidFill>
-            <a:schemeClr val="tx1"/>
-          </a:solidFill>
-        </p:spPr>
-        <p:txBody>
-          <a:bodyPr wrap="square">
-            <a:spAutoFit/>
-          </a:bodyPr>
-          <a:lstStyle/>
-          <a:p>
-            <a:r>
-              <a:rPr lang="en" altLang="ja-JP" sz="900" dirty="0">
-                <a:solidFill>
-                  <a:schemeClr val="bg1"/>
-                </a:solidFill>
-                <a:effectLst/>
-                <a:latin typeface="Consolas" panose="020B0609020204030204" pitchFamily="49" charset="0"/>
-                <a:cs typeface="Consolas" panose="020B0609020204030204" pitchFamily="49" charset="0"/>
-              </a:rPr>
-              <a:t>Are you sure you want to continue connecting (yes/no/[fingerprint])?</a:t>
-            </a:r>
-            <a:endParaRPr lang="ja-JP" altLang="en-US" sz="900">
-              <a:solidFill>
-                <a:schemeClr val="bg1"/>
-              </a:solidFill>
-              <a:latin typeface="Consolas" panose="020B0609020204030204" pitchFamily="49" charset="0"/>
-              <a:cs typeface="Consolas" panose="020B0609020204030204" pitchFamily="49" charset="0"/>
-            </a:endParaRPr>
-          </a:p>
-        </p:txBody>
-      </p:sp>
-    </p:spTree>
-    <p:extLst>
-      <p:ext uri="{BB962C8B-B14F-4D97-AF65-F5344CB8AC3E}">
-        <p14:creationId xmlns:p14="http://schemas.microsoft.com/office/powerpoint/2010/main" val="1841972449"/>
-      </p:ext>
-    </p:extLst>
-  </p:cSld>
-  <p:clrMapOvr>
-    <a:masterClrMapping/>
-  </p:clrMapOvr>
-</p:sld>
-</file>
-
-<file path=ppt/slides/slide12.xml><?xml version="1.0" encoding="utf-8"?>
-<p:sld xmlns:a="http://schemas.openxmlformats.org/drawingml/2006/main" xmlns:r="http://schemas.openxmlformats.org/officeDocument/2006/relationships" xmlns:p="http://schemas.openxmlformats.org/presentationml/2006/main">
-  <p:cSld>
-    <p:spTree>
-      <p:nvGrpSpPr>
-        <p:cNvPr id="1" name=""/>
-        <p:cNvGrpSpPr/>
-        <p:nvPr/>
-      </p:nvGrpSpPr>
-      <p:grpSpPr>
-        <a:xfrm>
-          <a:off x="0" y="0"/>
-          <a:ext cx="0" cy="0"/>
-          <a:chOff x="0" y="0"/>
-          <a:chExt cx="0" cy="0"/>
-        </a:xfrm>
-      </p:grpSpPr>
-      <p:sp>
-        <p:nvSpPr>
-          <p:cNvPr id="2" name="テキスト プレースホルダー 1">
-            <a:extLst>
-              <a:ext uri="{FF2B5EF4-FFF2-40B4-BE49-F238E27FC236}">
-                <a16:creationId xmlns:a16="http://schemas.microsoft.com/office/drawing/2014/main" id="{75DF943A-6E15-5633-CBBA-F02A4C1A7101}"/>
-              </a:ext>
-            </a:extLst>
-          </p:cNvPr>
-          <p:cNvSpPr>
-            <a:spLocks noGrp="1"/>
-          </p:cNvSpPr>
-          <p:nvPr>
-            <p:ph type="body" sz="quarter" idx="10"/>
-          </p:nvPr>
-        </p:nvSpPr>
-        <p:spPr/>
-        <p:txBody>
-          <a:bodyPr/>
-          <a:lstStyle/>
-          <a:p>
-            <a:r>
-              <a:rPr lang="ja-JP" altLang="en-US"/>
-              <a:t>ホスト認証</a:t>
-            </a:r>
-            <a:r>
-              <a:rPr lang="en-US" altLang="ja-JP" dirty="0"/>
-              <a:t>(</a:t>
-            </a:r>
-            <a:r>
-              <a:rPr lang="ja-JP" altLang="en-US"/>
-              <a:t>初回</a:t>
-            </a:r>
-            <a:r>
-              <a:rPr lang="en-US" altLang="ja-JP" dirty="0"/>
-              <a:t>)</a:t>
-            </a:r>
-            <a:endParaRPr lang="ja-JP" altLang="en-US"/>
-          </a:p>
-        </p:txBody>
-      </p:sp>
-      <p:pic>
-        <p:nvPicPr>
-          <p:cNvPr id="3" name="Picture 8" descr="会社で働く人のイラスト（男性）">
-            <a:extLst>
-              <a:ext uri="{FF2B5EF4-FFF2-40B4-BE49-F238E27FC236}">
-                <a16:creationId xmlns:a16="http://schemas.microsoft.com/office/drawing/2014/main" id="{8F655F72-D8E2-B5F5-16BE-D1E99F05A9C3}"/>
-              </a:ext>
-            </a:extLst>
-          </p:cNvPr>
-          <p:cNvPicPr>
-            <a:picLocks noChangeAspect="1" noChangeArrowheads="1"/>
-          </p:cNvPicPr>
-          <p:nvPr/>
-        </p:nvPicPr>
-        <p:blipFill>
-          <a:blip r:embed="rId2">
-            <a:extLst>
-              <a:ext uri="{28A0092B-C50C-407E-A947-70E740481C1C}">
-                <a14:useLocalDpi xmlns:a14="http://schemas.microsoft.com/office/drawing/2010/main" val="0"/>
-              </a:ext>
-            </a:extLst>
-          </a:blip>
-          <a:srcRect/>
-          <a:stretch>
-            <a:fillRect/>
-          </a:stretch>
-        </p:blipFill>
-        <p:spPr bwMode="auto">
-          <a:xfrm flipH="1">
-            <a:off x="2861923" y="955055"/>
-            <a:ext cx="777586" cy="777586"/>
-          </a:xfrm>
-          <a:prstGeom prst="rect">
-            <a:avLst/>
-          </a:prstGeom>
-          <a:noFill/>
-          <a:extLst>
-            <a:ext uri="{909E8E84-426E-40DD-AFC4-6F175D3DCCD1}">
-              <a14:hiddenFill xmlns:a14="http://schemas.microsoft.com/office/drawing/2010/main">
-                <a:solidFill>
-                  <a:srgbClr val="FFFFFF"/>
-                </a:solidFill>
-              </a14:hiddenFill>
-            </a:ext>
-          </a:extLst>
-        </p:spPr>
-      </p:pic>
-      <p:pic>
-        <p:nvPicPr>
-          <p:cNvPr id="4" name="図 3">
-            <a:extLst>
-              <a:ext uri="{FF2B5EF4-FFF2-40B4-BE49-F238E27FC236}">
-                <a16:creationId xmlns:a16="http://schemas.microsoft.com/office/drawing/2014/main" id="{F9A529AC-7299-D6F4-0F5A-9A4CBB25789A}"/>
-              </a:ext>
-            </a:extLst>
-          </p:cNvPr>
-          <p:cNvPicPr>
-            <a:picLocks noChangeAspect="1"/>
-          </p:cNvPicPr>
-          <p:nvPr/>
-        </p:nvPicPr>
-        <p:blipFill>
-          <a:blip r:embed="rId3"/>
-          <a:stretch>
-            <a:fillRect/>
-          </a:stretch>
-        </p:blipFill>
-        <p:spPr>
-          <a:xfrm>
-            <a:off x="541427" y="1080114"/>
-            <a:ext cx="716898" cy="716898"/>
-          </a:xfrm>
-          <a:prstGeom prst="rect">
-            <a:avLst/>
-          </a:prstGeom>
-        </p:spPr>
-      </p:pic>
-      <p:sp>
-        <p:nvSpPr>
-          <p:cNvPr id="5" name="テキスト ボックス 4">
-            <a:extLst>
-              <a:ext uri="{FF2B5EF4-FFF2-40B4-BE49-F238E27FC236}">
-                <a16:creationId xmlns:a16="http://schemas.microsoft.com/office/drawing/2014/main" id="{22ADA965-1B6B-56B1-9923-FD2908B1FCD9}"/>
-              </a:ext>
-            </a:extLst>
-          </p:cNvPr>
-          <p:cNvSpPr txBox="1"/>
-          <p:nvPr/>
-        </p:nvSpPr>
-        <p:spPr>
-          <a:xfrm>
-            <a:off x="4139952" y="2632574"/>
-            <a:ext cx="3903633" cy="369332"/>
-          </a:xfrm>
-          <a:prstGeom prst="rect">
-            <a:avLst/>
-          </a:prstGeom>
-          <a:noFill/>
-        </p:spPr>
-        <p:txBody>
-          <a:bodyPr wrap="none" rtlCol="0">
-            <a:spAutoFit/>
-          </a:bodyPr>
-          <a:lstStyle/>
-          <a:p>
-            <a:r>
-              <a:rPr kumimoji="1" lang="en-US" altLang="ja-JP" dirty="0"/>
-              <a:t>1. </a:t>
-            </a:r>
-            <a:r>
-              <a:rPr kumimoji="1" lang="ja-JP" altLang="en-US"/>
-              <a:t>ホストから公開鍵が送られてくる</a:t>
-            </a:r>
-          </a:p>
-        </p:txBody>
-      </p:sp>
-      <p:cxnSp>
-        <p:nvCxnSpPr>
-          <p:cNvPr id="6" name="直線矢印コネクタ 5">
-            <a:extLst>
-              <a:ext uri="{FF2B5EF4-FFF2-40B4-BE49-F238E27FC236}">
-                <a16:creationId xmlns:a16="http://schemas.microsoft.com/office/drawing/2014/main" id="{FA43FA61-7339-BA9E-D5D8-94C4C7F5EBDC}"/>
-              </a:ext>
-            </a:extLst>
-          </p:cNvPr>
-          <p:cNvCxnSpPr>
-            <a:cxnSpLocks/>
-          </p:cNvCxnSpPr>
-          <p:nvPr/>
-        </p:nvCxnSpPr>
-        <p:spPr>
-          <a:xfrm>
-            <a:off x="1517268" y="2816921"/>
-            <a:ext cx="948618" cy="0"/>
-          </a:xfrm>
-          <a:prstGeom prst="straightConnector1">
-            <a:avLst/>
-          </a:prstGeom>
-          <a:ln>
-            <a:solidFill>
-              <a:schemeClr val="tx1"/>
-            </a:solidFill>
-            <a:headEnd type="none" w="med" len="med"/>
-            <a:tailEnd type="triangle"/>
-          </a:ln>
-        </p:spPr>
-        <p:style>
-          <a:lnRef idx="1">
-            <a:schemeClr val="accent1"/>
-          </a:lnRef>
-          <a:fillRef idx="0">
-            <a:schemeClr val="accent1"/>
-          </a:fillRef>
-          <a:effectRef idx="0">
-            <a:schemeClr val="accent1"/>
-          </a:effectRef>
-          <a:fontRef idx="minor">
-            <a:schemeClr val="tx1"/>
-          </a:fontRef>
-        </p:style>
-      </p:cxnSp>
-      <p:sp>
-        <p:nvSpPr>
-          <p:cNvPr id="7" name="テキスト ボックス 6">
-            <a:extLst>
-              <a:ext uri="{FF2B5EF4-FFF2-40B4-BE49-F238E27FC236}">
-                <a16:creationId xmlns:a16="http://schemas.microsoft.com/office/drawing/2014/main" id="{51D90FC1-2A25-E8E1-1A9A-E7D827F57188}"/>
-              </a:ext>
-            </a:extLst>
-          </p:cNvPr>
-          <p:cNvSpPr txBox="1"/>
-          <p:nvPr/>
-        </p:nvSpPr>
-        <p:spPr>
-          <a:xfrm>
-            <a:off x="2465886" y="1850074"/>
-            <a:ext cx="1569660" cy="369332"/>
-          </a:xfrm>
-          <a:prstGeom prst="rect">
-            <a:avLst/>
-          </a:prstGeom>
-          <a:noFill/>
-        </p:spPr>
-        <p:txBody>
-          <a:bodyPr wrap="none" rtlCol="0">
-            <a:spAutoFit/>
-          </a:bodyPr>
-          <a:lstStyle/>
-          <a:p>
-            <a:r>
-              <a:rPr kumimoji="1" lang="ja-JP" altLang="en-US"/>
-              <a:t>クライアント</a:t>
-            </a:r>
-          </a:p>
-        </p:txBody>
-      </p:sp>
-      <p:sp>
-        <p:nvSpPr>
-          <p:cNvPr id="8" name="テキスト ボックス 7">
-            <a:extLst>
-              <a:ext uri="{FF2B5EF4-FFF2-40B4-BE49-F238E27FC236}">
-                <a16:creationId xmlns:a16="http://schemas.microsoft.com/office/drawing/2014/main" id="{85B75EDB-0195-313B-1614-1DF0F3A73B15}"/>
-              </a:ext>
-            </a:extLst>
-          </p:cNvPr>
-          <p:cNvSpPr txBox="1"/>
-          <p:nvPr/>
-        </p:nvSpPr>
-        <p:spPr>
-          <a:xfrm>
-            <a:off x="541427" y="1859659"/>
-            <a:ext cx="877163" cy="369332"/>
-          </a:xfrm>
-          <a:prstGeom prst="rect">
-            <a:avLst/>
-          </a:prstGeom>
-          <a:noFill/>
-        </p:spPr>
-        <p:txBody>
-          <a:bodyPr wrap="none" rtlCol="0">
-            <a:spAutoFit/>
-          </a:bodyPr>
-          <a:lstStyle/>
-          <a:p>
-            <a:r>
-              <a:rPr kumimoji="1" lang="ja-JP" altLang="en-US"/>
-              <a:t>ホスト</a:t>
-            </a:r>
-          </a:p>
-        </p:txBody>
-      </p:sp>
-      <p:grpSp>
-        <p:nvGrpSpPr>
-          <p:cNvPr id="9" name="グループ化 8">
-            <a:extLst>
-              <a:ext uri="{FF2B5EF4-FFF2-40B4-BE49-F238E27FC236}">
-                <a16:creationId xmlns:a16="http://schemas.microsoft.com/office/drawing/2014/main" id="{EF128C34-1094-8BF9-A043-0E2831E6797F}"/>
-              </a:ext>
-            </a:extLst>
-          </p:cNvPr>
-          <p:cNvGrpSpPr/>
-          <p:nvPr/>
-        </p:nvGrpSpPr>
-        <p:grpSpPr>
-          <a:xfrm>
-            <a:off x="2846224" y="2478221"/>
-            <a:ext cx="599238" cy="677400"/>
-            <a:chOff x="3980964" y="3583025"/>
-            <a:chExt cx="828092" cy="936104"/>
-          </a:xfrm>
-        </p:grpSpPr>
-        <p:sp>
-          <p:nvSpPr>
-            <p:cNvPr id="10" name="正方形/長方形 9">
-              <a:extLst>
-                <a:ext uri="{FF2B5EF4-FFF2-40B4-BE49-F238E27FC236}">
-                  <a16:creationId xmlns:a16="http://schemas.microsoft.com/office/drawing/2014/main" id="{4FD02385-34F9-9F3F-10E2-A1262EA51692}"/>
-                </a:ext>
-              </a:extLst>
-            </p:cNvPr>
-            <p:cNvSpPr/>
-            <p:nvPr/>
-          </p:nvSpPr>
-          <p:spPr>
-            <a:xfrm>
-              <a:off x="4232992" y="3583025"/>
-              <a:ext cx="576064" cy="936104"/>
-            </a:xfrm>
-            <a:prstGeom prst="rect">
-              <a:avLst/>
-            </a:prstGeom>
-            <a:solidFill>
-              <a:srgbClr val="FFC000"/>
-            </a:solidFill>
-            <a:ln>
-              <a:noFill/>
-            </a:ln>
-          </p:spPr>
-          <p:style>
-            <a:lnRef idx="2">
-              <a:schemeClr val="accent1">
-                <a:shade val="50000"/>
-              </a:schemeClr>
-            </a:lnRef>
-            <a:fillRef idx="1">
-              <a:schemeClr val="accent1"/>
-            </a:fillRef>
-            <a:effectRef idx="0">
-              <a:schemeClr val="accent1"/>
-            </a:effectRef>
-            <a:fontRef idx="minor">
-              <a:schemeClr val="lt1"/>
-            </a:fontRef>
-          </p:style>
-          <p:txBody>
-            <a:bodyPr rtlCol="0" anchor="ctr"/>
-            <a:lstStyle/>
-            <a:p>
-              <a:pPr algn="ctr"/>
-              <a:endParaRPr kumimoji="1" lang="ja-JP" altLang="en-US"/>
-            </a:p>
-          </p:txBody>
-        </p:sp>
-        <p:sp>
-          <p:nvSpPr>
-            <p:cNvPr id="11" name="三角形 10">
-              <a:extLst>
-                <a:ext uri="{FF2B5EF4-FFF2-40B4-BE49-F238E27FC236}">
-                  <a16:creationId xmlns:a16="http://schemas.microsoft.com/office/drawing/2014/main" id="{A88C1497-4A5C-6AED-7816-AFB4A7B2D44D}"/>
-                </a:ext>
-              </a:extLst>
-            </p:cNvPr>
-            <p:cNvSpPr/>
-            <p:nvPr/>
-          </p:nvSpPr>
-          <p:spPr>
-            <a:xfrm rot="5400000">
-              <a:off x="4016968" y="3799049"/>
-              <a:ext cx="432048" cy="504056"/>
-            </a:xfrm>
-            <a:prstGeom prst="triangle">
-              <a:avLst/>
-            </a:prstGeom>
-            <a:solidFill>
-              <a:schemeClr val="bg1">
-                <a:lumMod val="95000"/>
-              </a:schemeClr>
-            </a:solidFill>
-            <a:ln>
-              <a:noFill/>
-            </a:ln>
-          </p:spPr>
-          <p:style>
-            <a:lnRef idx="2">
-              <a:schemeClr val="accent1">
-                <a:shade val="50000"/>
-              </a:schemeClr>
-            </a:lnRef>
-            <a:fillRef idx="1">
-              <a:schemeClr val="accent1"/>
-            </a:fillRef>
-            <a:effectRef idx="0">
-              <a:schemeClr val="accent1"/>
-            </a:effectRef>
-            <a:fontRef idx="minor">
-              <a:schemeClr val="lt1"/>
-            </a:fontRef>
-          </p:style>
-          <p:txBody>
-            <a:bodyPr rtlCol="0" anchor="ctr"/>
-            <a:lstStyle/>
-            <a:p>
-              <a:pPr algn="ctr"/>
-              <a:endParaRPr kumimoji="1" lang="ja-JP" altLang="en-US"/>
-            </a:p>
-          </p:txBody>
-        </p:sp>
-      </p:grpSp>
-      <p:grpSp>
-        <p:nvGrpSpPr>
-          <p:cNvPr id="12" name="グループ化 11">
-            <a:extLst>
-              <a:ext uri="{FF2B5EF4-FFF2-40B4-BE49-F238E27FC236}">
-                <a16:creationId xmlns:a16="http://schemas.microsoft.com/office/drawing/2014/main" id="{9DA2CD57-955D-6DA2-455C-119E3B37AA65}"/>
-              </a:ext>
-            </a:extLst>
-          </p:cNvPr>
-          <p:cNvGrpSpPr/>
-          <p:nvPr/>
-        </p:nvGrpSpPr>
-        <p:grpSpPr>
-          <a:xfrm>
-            <a:off x="659087" y="2478221"/>
-            <a:ext cx="599238" cy="677400"/>
-            <a:chOff x="2339752" y="3645024"/>
-            <a:chExt cx="828092" cy="936104"/>
-          </a:xfrm>
-        </p:grpSpPr>
-        <p:sp>
-          <p:nvSpPr>
-            <p:cNvPr id="13" name="正方形/長方形 12">
-              <a:extLst>
-                <a:ext uri="{FF2B5EF4-FFF2-40B4-BE49-F238E27FC236}">
-                  <a16:creationId xmlns:a16="http://schemas.microsoft.com/office/drawing/2014/main" id="{BE1A394D-FA95-99FD-FB76-691788950221}"/>
-                </a:ext>
-              </a:extLst>
-            </p:cNvPr>
-            <p:cNvSpPr/>
-            <p:nvPr/>
-          </p:nvSpPr>
-          <p:spPr>
-            <a:xfrm>
-              <a:off x="2339752" y="3645024"/>
-              <a:ext cx="576064" cy="936104"/>
-            </a:xfrm>
-            <a:prstGeom prst="rect">
-              <a:avLst/>
-            </a:prstGeom>
-            <a:solidFill>
-              <a:srgbClr val="FFC000"/>
-            </a:solidFill>
-            <a:ln>
-              <a:noFill/>
-            </a:ln>
-          </p:spPr>
-          <p:style>
-            <a:lnRef idx="2">
-              <a:schemeClr val="accent1">
-                <a:shade val="50000"/>
-              </a:schemeClr>
-            </a:lnRef>
-            <a:fillRef idx="1">
-              <a:schemeClr val="accent1"/>
-            </a:fillRef>
-            <a:effectRef idx="0">
-              <a:schemeClr val="accent1"/>
-            </a:effectRef>
-            <a:fontRef idx="minor">
-              <a:schemeClr val="lt1"/>
-            </a:fontRef>
-          </p:style>
-          <p:txBody>
-            <a:bodyPr rtlCol="0" anchor="ctr"/>
-            <a:lstStyle/>
-            <a:p>
-              <a:pPr algn="ctr"/>
-              <a:endParaRPr kumimoji="1" lang="ja-JP" altLang="en-US"/>
-            </a:p>
-          </p:txBody>
-        </p:sp>
-        <p:sp>
-          <p:nvSpPr>
-            <p:cNvPr id="14" name="三角形 13">
-              <a:extLst>
-                <a:ext uri="{FF2B5EF4-FFF2-40B4-BE49-F238E27FC236}">
-                  <a16:creationId xmlns:a16="http://schemas.microsoft.com/office/drawing/2014/main" id="{96333C82-49E9-FE00-9DA2-4B993B5233A2}"/>
-                </a:ext>
-              </a:extLst>
-            </p:cNvPr>
-            <p:cNvSpPr/>
-            <p:nvPr/>
-          </p:nvSpPr>
-          <p:spPr>
-            <a:xfrm rot="5400000">
-              <a:off x="2699792" y="3861048"/>
-              <a:ext cx="432048" cy="504056"/>
-            </a:xfrm>
-            <a:prstGeom prst="triangle">
-              <a:avLst/>
-            </a:prstGeom>
-            <a:solidFill>
-              <a:srgbClr val="FFC000"/>
-            </a:solidFill>
-            <a:ln>
-              <a:noFill/>
-            </a:ln>
-          </p:spPr>
-          <p:style>
-            <a:lnRef idx="2">
-              <a:schemeClr val="accent1">
-                <a:shade val="50000"/>
-              </a:schemeClr>
-            </a:lnRef>
-            <a:fillRef idx="1">
-              <a:schemeClr val="accent1"/>
-            </a:fillRef>
-            <a:effectRef idx="0">
-              <a:schemeClr val="accent1"/>
-            </a:effectRef>
-            <a:fontRef idx="minor">
-              <a:schemeClr val="lt1"/>
-            </a:fontRef>
-          </p:style>
-          <p:txBody>
-            <a:bodyPr rtlCol="0" anchor="ctr"/>
-            <a:lstStyle/>
-            <a:p>
-              <a:pPr algn="ctr"/>
-              <a:endParaRPr kumimoji="1" lang="ja-JP" altLang="en-US"/>
-            </a:p>
-          </p:txBody>
-        </p:sp>
-      </p:grpSp>
-      <p:sp>
-        <p:nvSpPr>
-          <p:cNvPr id="15" name="テキスト ボックス 14">
-            <a:extLst>
-              <a:ext uri="{FF2B5EF4-FFF2-40B4-BE49-F238E27FC236}">
-                <a16:creationId xmlns:a16="http://schemas.microsoft.com/office/drawing/2014/main" id="{F08D0056-EC92-40BE-9776-627341183760}"/>
-              </a:ext>
-            </a:extLst>
-          </p:cNvPr>
-          <p:cNvSpPr txBox="1"/>
-          <p:nvPr/>
-        </p:nvSpPr>
-        <p:spPr>
-          <a:xfrm>
-            <a:off x="4581955" y="3749248"/>
-            <a:ext cx="3416320" cy="369332"/>
-          </a:xfrm>
-          <a:prstGeom prst="rect">
-            <a:avLst/>
-          </a:prstGeom>
-          <a:noFill/>
-        </p:spPr>
-        <p:txBody>
-          <a:bodyPr wrap="none" rtlCol="0">
-            <a:spAutoFit/>
-          </a:bodyPr>
-          <a:lstStyle/>
-          <a:p>
-            <a:r>
-              <a:rPr kumimoji="1" lang="ja-JP" altLang="en-US"/>
-              <a:t>この鍵をどうやって信じるか？</a:t>
-            </a:r>
-          </a:p>
-        </p:txBody>
-      </p:sp>
-      <p:sp>
-        <p:nvSpPr>
-          <p:cNvPr id="16" name="角丸四角形 15">
-            <a:extLst>
-              <a:ext uri="{FF2B5EF4-FFF2-40B4-BE49-F238E27FC236}">
-                <a16:creationId xmlns:a16="http://schemas.microsoft.com/office/drawing/2014/main" id="{021D006B-A8EC-EB7F-B3F0-AAD7214ACA14}"/>
-              </a:ext>
-            </a:extLst>
-          </p:cNvPr>
-          <p:cNvSpPr/>
-          <p:nvPr/>
-        </p:nvSpPr>
-        <p:spPr>
-          <a:xfrm>
-            <a:off x="2771800" y="2348880"/>
-            <a:ext cx="948618" cy="936082"/>
-          </a:xfrm>
-          <a:prstGeom prst="roundRect">
-            <a:avLst/>
-          </a:prstGeom>
-          <a:noFill/>
-          <a:ln w="28575">
-            <a:solidFill>
-              <a:srgbClr val="FF0000"/>
-            </a:solidFill>
-            <a:prstDash val="dash"/>
-          </a:ln>
-        </p:spPr>
-        <p:style>
-          <a:lnRef idx="2">
-            <a:schemeClr val="accent1">
-              <a:shade val="50000"/>
-            </a:schemeClr>
-          </a:lnRef>
-          <a:fillRef idx="1">
-            <a:schemeClr val="accent1"/>
-          </a:fillRef>
-          <a:effectRef idx="0">
-            <a:schemeClr val="accent1"/>
-          </a:effectRef>
-          <a:fontRef idx="minor">
-            <a:schemeClr val="lt1"/>
-          </a:fontRef>
-        </p:style>
-        <p:txBody>
-          <a:bodyPr rtlCol="0" anchor="ctr"/>
-          <a:lstStyle/>
-          <a:p>
-            <a:pPr algn="ctr"/>
-            <a:endParaRPr kumimoji="1" lang="ja-JP" altLang="en-US"/>
-          </a:p>
-        </p:txBody>
-      </p:sp>
-      <p:cxnSp>
-        <p:nvCxnSpPr>
-          <p:cNvPr id="21" name="カギ線コネクタ 20">
-            <a:extLst>
-              <a:ext uri="{FF2B5EF4-FFF2-40B4-BE49-F238E27FC236}">
-                <a16:creationId xmlns:a16="http://schemas.microsoft.com/office/drawing/2014/main" id="{3479BC3A-D5A4-0CC8-F8A6-7C96EDE285F8}"/>
-              </a:ext>
-            </a:extLst>
-          </p:cNvPr>
-          <p:cNvCxnSpPr>
-            <a:stCxn id="15" idx="1"/>
-            <a:endCxn id="16" idx="2"/>
-          </p:cNvCxnSpPr>
-          <p:nvPr/>
-        </p:nvCxnSpPr>
-        <p:spPr>
-          <a:xfrm rot="10800000">
-            <a:off x="3246109" y="3284962"/>
-            <a:ext cx="1335846" cy="648952"/>
-          </a:xfrm>
-          <a:prstGeom prst="bentConnector2">
-            <a:avLst/>
-          </a:prstGeom>
-          <a:ln>
-            <a:solidFill>
-              <a:schemeClr val="tx1"/>
-            </a:solidFill>
-            <a:headEnd type="none" w="med" len="med"/>
-            <a:tailEnd type="triangle"/>
-          </a:ln>
-        </p:spPr>
-        <p:style>
-          <a:lnRef idx="1">
-            <a:schemeClr val="accent1"/>
-          </a:lnRef>
-          <a:fillRef idx="0">
-            <a:schemeClr val="accent1"/>
-          </a:fillRef>
-          <a:effectRef idx="0">
-            <a:schemeClr val="accent1"/>
-          </a:effectRef>
-          <a:fontRef idx="minor">
-            <a:schemeClr val="tx1"/>
-          </a:fontRef>
-        </p:style>
-      </p:cxnSp>
-      <p:sp>
-        <p:nvSpPr>
-          <p:cNvPr id="22" name="テキスト ボックス 21">
-            <a:extLst>
-              <a:ext uri="{FF2B5EF4-FFF2-40B4-BE49-F238E27FC236}">
-                <a16:creationId xmlns:a16="http://schemas.microsoft.com/office/drawing/2014/main" id="{28CE6CAB-D04B-D050-55FD-3A2154E25049}"/>
-              </a:ext>
-            </a:extLst>
-          </p:cNvPr>
-          <p:cNvSpPr txBox="1"/>
-          <p:nvPr/>
-        </p:nvSpPr>
-        <p:spPr>
-          <a:xfrm>
-            <a:off x="182633" y="4865922"/>
-            <a:ext cx="7648248" cy="369332"/>
-          </a:xfrm>
-          <a:prstGeom prst="rect">
-            <a:avLst/>
-          </a:prstGeom>
-          <a:noFill/>
-        </p:spPr>
-        <p:txBody>
-          <a:bodyPr wrap="none" rtlCol="0">
-            <a:spAutoFit/>
-          </a:bodyPr>
-          <a:lstStyle/>
-          <a:p>
-            <a:r>
-              <a:rPr kumimoji="1" lang="en-US" altLang="ja-JP" dirty="0"/>
-              <a:t>GitHub</a:t>
-            </a:r>
-            <a:r>
-              <a:rPr kumimoji="1" lang="ja-JP" altLang="en-US"/>
-              <a:t>の場合は</a:t>
-            </a:r>
-            <a:r>
-              <a:rPr kumimoji="1" lang="en-US" altLang="ja-JP" dirty="0"/>
-              <a:t>SSH</a:t>
-            </a:r>
-            <a:r>
-              <a:rPr kumimoji="1" lang="ja-JP" altLang="en-US"/>
-              <a:t>公開鍵</a:t>
-            </a:r>
-            <a:r>
-              <a:rPr lang="ja-JP" altLang="en-US"/>
-              <a:t>と、その</a:t>
-            </a:r>
-            <a:r>
-              <a:rPr lang="en-US" altLang="ja-JP" dirty="0"/>
-              <a:t>fingerprint</a:t>
-            </a:r>
-            <a:r>
-              <a:rPr kumimoji="1" lang="ja-JP" altLang="en-US"/>
-              <a:t>がウェブで公開されている</a:t>
-            </a:r>
-          </a:p>
-        </p:txBody>
-      </p:sp>
-      <p:sp>
-        <p:nvSpPr>
-          <p:cNvPr id="24" name="テキスト ボックス 23">
-            <a:extLst>
-              <a:ext uri="{FF2B5EF4-FFF2-40B4-BE49-F238E27FC236}">
-                <a16:creationId xmlns:a16="http://schemas.microsoft.com/office/drawing/2014/main" id="{F2A325BB-8B96-A124-9DF9-56E9794A0809}"/>
-              </a:ext>
-            </a:extLst>
-          </p:cNvPr>
-          <p:cNvSpPr txBox="1"/>
-          <p:nvPr/>
-        </p:nvSpPr>
-        <p:spPr>
-          <a:xfrm>
-            <a:off x="472615" y="5235254"/>
-            <a:ext cx="7720057" cy="276999"/>
-          </a:xfrm>
-          <a:prstGeom prst="rect">
-            <a:avLst/>
-          </a:prstGeom>
-          <a:noFill/>
-        </p:spPr>
-        <p:txBody>
-          <a:bodyPr wrap="square">
-            <a:spAutoFit/>
-          </a:bodyPr>
-          <a:lstStyle/>
-          <a:p>
-            <a:r>
-              <a:rPr lang="ja-JP" altLang="en-US" sz="1200">
-                <a:hlinkClick r:id="rId4"/>
-              </a:rPr>
-              <a:t>https://docs.github.com/en/authentication/keeping-your-account-and-data-secure/githubs-ssh-key-fingerprints</a:t>
-            </a:r>
-            <a:endParaRPr lang="ja-JP" altLang="en-US" sz="1200"/>
-          </a:p>
-        </p:txBody>
-      </p:sp>
-      <p:sp>
-        <p:nvSpPr>
-          <p:cNvPr id="25" name="テキスト ボックス 24">
-            <a:extLst>
-              <a:ext uri="{FF2B5EF4-FFF2-40B4-BE49-F238E27FC236}">
-                <a16:creationId xmlns:a16="http://schemas.microsoft.com/office/drawing/2014/main" id="{9354A711-31E8-224B-D975-D18BC2450DEA}"/>
-              </a:ext>
-            </a:extLst>
-          </p:cNvPr>
-          <p:cNvSpPr txBox="1"/>
-          <p:nvPr/>
-        </p:nvSpPr>
-        <p:spPr>
-          <a:xfrm>
-            <a:off x="179512" y="5744537"/>
-            <a:ext cx="8289449" cy="923330"/>
-          </a:xfrm>
-          <a:prstGeom prst="rect">
-            <a:avLst/>
-          </a:prstGeom>
-          <a:noFill/>
-        </p:spPr>
-        <p:txBody>
-          <a:bodyPr wrap="none" rtlCol="0">
-            <a:spAutoFit/>
-          </a:bodyPr>
-          <a:lstStyle/>
-          <a:p>
-            <a:r>
-              <a:rPr kumimoji="1" lang="ja-JP" altLang="en-US"/>
-              <a:t>公開鍵がない状態での初回接続時に表示された</a:t>
-            </a:r>
-            <a:r>
-              <a:rPr kumimoji="1" lang="en-US" altLang="ja-JP" dirty="0"/>
-              <a:t>fingerprint</a:t>
-            </a:r>
-            <a:r>
-              <a:rPr kumimoji="1" lang="ja-JP" altLang="en-US"/>
-              <a:t>を確認する</a:t>
-            </a:r>
-            <a:endParaRPr kumimoji="1" lang="en-US" altLang="ja-JP" dirty="0"/>
-          </a:p>
-          <a:p>
-            <a:r>
-              <a:rPr lang="en-US" altLang="ja-JP" dirty="0"/>
-              <a:t>or</a:t>
-            </a:r>
-          </a:p>
-          <a:p>
-            <a:r>
-              <a:rPr lang="en-US" altLang="ja-JP" dirty="0"/>
-              <a:t>GitHub</a:t>
-            </a:r>
-            <a:r>
-              <a:rPr lang="ja-JP" altLang="en-US"/>
-              <a:t>が公開している公開鍵を「知ってるホストリスト」に登録してから接続</a:t>
-            </a:r>
-            <a:endParaRPr kumimoji="1" lang="ja-JP" altLang="en-US"/>
-          </a:p>
-        </p:txBody>
-      </p:sp>
-    </p:spTree>
-    <p:extLst>
-      <p:ext uri="{BB962C8B-B14F-4D97-AF65-F5344CB8AC3E}">
-        <p14:creationId xmlns:p14="http://schemas.microsoft.com/office/powerpoint/2010/main" val="3475337166"/>
-      </p:ext>
-    </p:extLst>
-  </p:cSld>
-  <p:clrMapOvr>
-    <a:masterClrMapping/>
-  </p:clrMapOvr>
-</p:sld>
-</file>
-
-<file path=ppt/slides/slide13.xml><?xml version="1.0" encoding="utf-8"?>
-<p:sld xmlns:a="http://schemas.openxmlformats.org/drawingml/2006/main" xmlns:r="http://schemas.openxmlformats.org/officeDocument/2006/relationships" xmlns:p="http://schemas.openxmlformats.org/presentationml/2006/main">
-  <p:cSld>
-    <p:spTree>
-      <p:nvGrpSpPr>
-        <p:cNvPr id="1" name=""/>
-        <p:cNvGrpSpPr/>
-        <p:nvPr/>
-      </p:nvGrpSpPr>
-      <p:grpSpPr>
-        <a:xfrm>
-          <a:off x="0" y="0"/>
-          <a:ext cx="0" cy="0"/>
-          <a:chOff x="0" y="0"/>
-          <a:chExt cx="0" cy="0"/>
-        </a:xfrm>
-      </p:grpSpPr>
-      <p:sp>
-        <p:nvSpPr>
-          <p:cNvPr id="2" name="テキスト プレースホルダー 1">
-            <a:extLst>
-              <a:ext uri="{FF2B5EF4-FFF2-40B4-BE49-F238E27FC236}">
-                <a16:creationId xmlns:a16="http://schemas.microsoft.com/office/drawing/2014/main" id="{D2029CCD-7DA5-EF15-6879-EC1457B83FDA}"/>
-              </a:ext>
-            </a:extLst>
-          </p:cNvPr>
-          <p:cNvSpPr>
-            <a:spLocks noGrp="1"/>
-          </p:cNvSpPr>
-          <p:nvPr>
-            <p:ph type="body" sz="quarter" idx="10"/>
-          </p:nvPr>
-        </p:nvSpPr>
-        <p:spPr/>
-        <p:txBody>
-          <a:bodyPr/>
-          <a:lstStyle/>
-          <a:p>
-            <a:r>
-              <a:rPr kumimoji="1" lang="ja-JP" altLang="en-US"/>
-              <a:t>ホスト認証</a:t>
-            </a:r>
-            <a:r>
-              <a:rPr kumimoji="1" lang="en-US" altLang="ja-JP" dirty="0"/>
-              <a:t>(</a:t>
-            </a:r>
-            <a:r>
-              <a:rPr kumimoji="1" lang="ja-JP" altLang="en-US"/>
-              <a:t>二回目以降</a:t>
-            </a:r>
-            <a:r>
-              <a:rPr kumimoji="1" lang="en-US" altLang="ja-JP" dirty="0"/>
-              <a:t>)</a:t>
-            </a:r>
-            <a:endParaRPr kumimoji="1" lang="ja-JP" altLang="en-US"/>
-          </a:p>
-        </p:txBody>
-      </p:sp>
-      <p:pic>
-        <p:nvPicPr>
-          <p:cNvPr id="4" name="Picture 8" descr="会社で働く人のイラスト（男性）">
-            <a:extLst>
-              <a:ext uri="{FF2B5EF4-FFF2-40B4-BE49-F238E27FC236}">
-                <a16:creationId xmlns:a16="http://schemas.microsoft.com/office/drawing/2014/main" id="{05790EB3-B905-367D-DF19-1847FFDD031F}"/>
-              </a:ext>
-            </a:extLst>
-          </p:cNvPr>
-          <p:cNvPicPr>
-            <a:picLocks noChangeAspect="1" noChangeArrowheads="1"/>
-          </p:cNvPicPr>
-          <p:nvPr/>
-        </p:nvPicPr>
-        <p:blipFill>
-          <a:blip r:embed="rId2">
-            <a:extLst>
-              <a:ext uri="{28A0092B-C50C-407E-A947-70E740481C1C}">
-                <a14:useLocalDpi xmlns:a14="http://schemas.microsoft.com/office/drawing/2010/main" val="0"/>
-              </a:ext>
-            </a:extLst>
-          </a:blip>
-          <a:srcRect/>
-          <a:stretch>
-            <a:fillRect/>
-          </a:stretch>
-        </p:blipFill>
-        <p:spPr bwMode="auto">
-          <a:xfrm flipH="1">
-            <a:off x="2843808" y="1124744"/>
-            <a:ext cx="777586" cy="777586"/>
-          </a:xfrm>
-          <a:prstGeom prst="rect">
-            <a:avLst/>
-          </a:prstGeom>
-          <a:noFill/>
-          <a:extLst>
-            <a:ext uri="{909E8E84-426E-40DD-AFC4-6F175D3DCCD1}">
-              <a14:hiddenFill xmlns:a14="http://schemas.microsoft.com/office/drawing/2010/main">
-                <a:solidFill>
-                  <a:srgbClr val="FFFFFF"/>
-                </a:solidFill>
-              </a14:hiddenFill>
-            </a:ext>
-          </a:extLst>
-        </p:spPr>
-      </p:pic>
-      <p:pic>
-        <p:nvPicPr>
-          <p:cNvPr id="5" name="図 4">
-            <a:extLst>
-              <a:ext uri="{FF2B5EF4-FFF2-40B4-BE49-F238E27FC236}">
-                <a16:creationId xmlns:a16="http://schemas.microsoft.com/office/drawing/2014/main" id="{ABA577EE-1150-0ADB-B12F-061D004ADBE6}"/>
-              </a:ext>
-            </a:extLst>
-          </p:cNvPr>
-          <p:cNvPicPr>
-            <a:picLocks noChangeAspect="1"/>
-          </p:cNvPicPr>
-          <p:nvPr/>
-        </p:nvPicPr>
-        <p:blipFill>
-          <a:blip r:embed="rId3"/>
-          <a:stretch>
-            <a:fillRect/>
-          </a:stretch>
-        </p:blipFill>
-        <p:spPr>
-          <a:xfrm>
-            <a:off x="523312" y="1249803"/>
-            <a:ext cx="716898" cy="716898"/>
-          </a:xfrm>
-          <a:prstGeom prst="rect">
-            <a:avLst/>
-          </a:prstGeom>
-        </p:spPr>
-      </p:pic>
-      <p:sp>
-        <p:nvSpPr>
-          <p:cNvPr id="7" name="テキスト ボックス 6">
-            <a:extLst>
-              <a:ext uri="{FF2B5EF4-FFF2-40B4-BE49-F238E27FC236}">
-                <a16:creationId xmlns:a16="http://schemas.microsoft.com/office/drawing/2014/main" id="{CCD64365-DEA2-A469-B59B-7C8E5E34D679}"/>
-              </a:ext>
-            </a:extLst>
-          </p:cNvPr>
-          <p:cNvSpPr txBox="1"/>
-          <p:nvPr/>
-        </p:nvSpPr>
-        <p:spPr>
-          <a:xfrm>
-            <a:off x="2447771" y="2019763"/>
-            <a:ext cx="1569660" cy="369332"/>
-          </a:xfrm>
-          <a:prstGeom prst="rect">
-            <a:avLst/>
-          </a:prstGeom>
-          <a:noFill/>
-        </p:spPr>
-        <p:txBody>
-          <a:bodyPr wrap="none" rtlCol="0">
-            <a:spAutoFit/>
-          </a:bodyPr>
-          <a:lstStyle/>
-          <a:p>
-            <a:r>
-              <a:rPr kumimoji="1" lang="ja-JP" altLang="en-US"/>
-              <a:t>クライアント</a:t>
-            </a:r>
-          </a:p>
-        </p:txBody>
-      </p:sp>
-      <p:sp>
-        <p:nvSpPr>
-          <p:cNvPr id="8" name="テキスト ボックス 7">
-            <a:extLst>
-              <a:ext uri="{FF2B5EF4-FFF2-40B4-BE49-F238E27FC236}">
-                <a16:creationId xmlns:a16="http://schemas.microsoft.com/office/drawing/2014/main" id="{F8399EF8-8834-8AE3-F059-C287580ED403}"/>
-              </a:ext>
-            </a:extLst>
-          </p:cNvPr>
-          <p:cNvSpPr txBox="1"/>
-          <p:nvPr/>
-        </p:nvSpPr>
-        <p:spPr>
-          <a:xfrm>
-            <a:off x="523312" y="2029348"/>
-            <a:ext cx="877163" cy="369332"/>
-          </a:xfrm>
-          <a:prstGeom prst="rect">
-            <a:avLst/>
-          </a:prstGeom>
-          <a:noFill/>
-        </p:spPr>
-        <p:txBody>
-          <a:bodyPr wrap="none" rtlCol="0">
-            <a:spAutoFit/>
-          </a:bodyPr>
-          <a:lstStyle/>
-          <a:p>
-            <a:r>
-              <a:rPr kumimoji="1" lang="ja-JP" altLang="en-US"/>
-              <a:t>ホスト</a:t>
-            </a:r>
-          </a:p>
-        </p:txBody>
-      </p:sp>
-      <p:grpSp>
-        <p:nvGrpSpPr>
-          <p:cNvPr id="25" name="グループ化 24">
-            <a:extLst>
-              <a:ext uri="{FF2B5EF4-FFF2-40B4-BE49-F238E27FC236}">
-                <a16:creationId xmlns:a16="http://schemas.microsoft.com/office/drawing/2014/main" id="{1E4190AB-2E29-AD2F-A303-CAF56470D231}"/>
-              </a:ext>
-            </a:extLst>
-          </p:cNvPr>
-          <p:cNvGrpSpPr/>
-          <p:nvPr/>
-        </p:nvGrpSpPr>
-        <p:grpSpPr>
-          <a:xfrm>
-            <a:off x="662699" y="2740414"/>
-            <a:ext cx="438123" cy="495270"/>
-            <a:chOff x="2339752" y="3645024"/>
-            <a:chExt cx="828092" cy="936104"/>
-          </a:xfrm>
-        </p:grpSpPr>
-        <p:sp>
-          <p:nvSpPr>
-            <p:cNvPr id="26" name="正方形/長方形 25">
-              <a:extLst>
-                <a:ext uri="{FF2B5EF4-FFF2-40B4-BE49-F238E27FC236}">
-                  <a16:creationId xmlns:a16="http://schemas.microsoft.com/office/drawing/2014/main" id="{EDA11579-023A-3774-50F5-2D278360D4DA}"/>
-                </a:ext>
-              </a:extLst>
-            </p:cNvPr>
-            <p:cNvSpPr/>
-            <p:nvPr/>
-          </p:nvSpPr>
-          <p:spPr>
-            <a:xfrm>
-              <a:off x="2339752" y="3645024"/>
-              <a:ext cx="576064" cy="936104"/>
-            </a:xfrm>
-            <a:prstGeom prst="rect">
-              <a:avLst/>
-            </a:prstGeom>
-            <a:solidFill>
-              <a:srgbClr val="FFC000"/>
-            </a:solidFill>
-            <a:ln>
-              <a:noFill/>
-            </a:ln>
-          </p:spPr>
-          <p:style>
-            <a:lnRef idx="2">
-              <a:schemeClr val="accent1">
-                <a:shade val="50000"/>
-              </a:schemeClr>
-            </a:lnRef>
-            <a:fillRef idx="1">
-              <a:schemeClr val="accent1"/>
-            </a:fillRef>
-            <a:effectRef idx="0">
-              <a:schemeClr val="accent1"/>
-            </a:effectRef>
-            <a:fontRef idx="minor">
-              <a:schemeClr val="lt1"/>
-            </a:fontRef>
-          </p:style>
-          <p:txBody>
-            <a:bodyPr rtlCol="0" anchor="ctr"/>
-            <a:lstStyle/>
-            <a:p>
-              <a:pPr algn="ctr"/>
-              <a:endParaRPr kumimoji="1" lang="ja-JP" altLang="en-US"/>
-            </a:p>
-          </p:txBody>
-        </p:sp>
-        <p:sp>
-          <p:nvSpPr>
-            <p:cNvPr id="27" name="三角形 26">
-              <a:extLst>
-                <a:ext uri="{FF2B5EF4-FFF2-40B4-BE49-F238E27FC236}">
-                  <a16:creationId xmlns:a16="http://schemas.microsoft.com/office/drawing/2014/main" id="{57C7E320-8970-2E73-F536-DFF213BD0FA2}"/>
-                </a:ext>
-              </a:extLst>
-            </p:cNvPr>
-            <p:cNvSpPr/>
-            <p:nvPr/>
-          </p:nvSpPr>
-          <p:spPr>
-            <a:xfrm rot="5400000">
-              <a:off x="2699792" y="3861048"/>
-              <a:ext cx="432048" cy="504056"/>
-            </a:xfrm>
-            <a:prstGeom prst="triangle">
-              <a:avLst/>
-            </a:prstGeom>
-            <a:solidFill>
-              <a:srgbClr val="FFC000"/>
-            </a:solidFill>
-            <a:ln>
-              <a:noFill/>
-            </a:ln>
-          </p:spPr>
-          <p:style>
-            <a:lnRef idx="2">
-              <a:schemeClr val="accent1">
-                <a:shade val="50000"/>
-              </a:schemeClr>
-            </a:lnRef>
-            <a:fillRef idx="1">
-              <a:schemeClr val="accent1"/>
-            </a:fillRef>
-            <a:effectRef idx="0">
-              <a:schemeClr val="accent1"/>
-            </a:effectRef>
-            <a:fontRef idx="minor">
-              <a:schemeClr val="lt1"/>
-            </a:fontRef>
-          </p:style>
-          <p:txBody>
-            <a:bodyPr rtlCol="0" anchor="ctr"/>
-            <a:lstStyle/>
-            <a:p>
-              <a:pPr algn="ctr"/>
-              <a:endParaRPr kumimoji="1" lang="ja-JP" altLang="en-US"/>
-            </a:p>
-          </p:txBody>
-        </p:sp>
-      </p:grpSp>
-      <p:grpSp>
-        <p:nvGrpSpPr>
-          <p:cNvPr id="28" name="グループ化 27">
-            <a:extLst>
-              <a:ext uri="{FF2B5EF4-FFF2-40B4-BE49-F238E27FC236}">
-                <a16:creationId xmlns:a16="http://schemas.microsoft.com/office/drawing/2014/main" id="{48D9A151-D29E-1047-C533-E6274F54B53E}"/>
-              </a:ext>
-            </a:extLst>
-          </p:cNvPr>
-          <p:cNvGrpSpPr/>
-          <p:nvPr/>
-        </p:nvGrpSpPr>
-        <p:grpSpPr>
-          <a:xfrm>
-            <a:off x="2473728" y="2704780"/>
-            <a:ext cx="703773" cy="566537"/>
-            <a:chOff x="1193558" y="4261389"/>
-            <a:chExt cx="703773" cy="566537"/>
-          </a:xfrm>
-        </p:grpSpPr>
-        <p:pic>
-          <p:nvPicPr>
-            <p:cNvPr id="29" name="Picture 2" descr="掲示板に貼られた紙のイラスト（メモ）">
-              <a:extLst>
-                <a:ext uri="{FF2B5EF4-FFF2-40B4-BE49-F238E27FC236}">
-                  <a16:creationId xmlns:a16="http://schemas.microsoft.com/office/drawing/2014/main" id="{E363C6F8-B95D-C0B2-AFAC-540D1C605E3E}"/>
-                </a:ext>
-              </a:extLst>
-            </p:cNvPr>
-            <p:cNvPicPr>
-              <a:picLocks noChangeAspect="1" noChangeArrowheads="1"/>
-            </p:cNvPicPr>
-            <p:nvPr/>
-          </p:nvPicPr>
-          <p:blipFill>
-            <a:blip r:embed="rId4" cstate="print">
-              <a:extLst>
-                <a:ext uri="{28A0092B-C50C-407E-A947-70E740481C1C}">
-                  <a14:useLocalDpi xmlns:a14="http://schemas.microsoft.com/office/drawing/2010/main" val="0"/>
-                </a:ext>
-              </a:extLst>
-            </a:blip>
-            <a:srcRect/>
-            <a:stretch>
-              <a:fillRect/>
-            </a:stretch>
-          </p:blipFill>
-          <p:spPr bwMode="auto">
-            <a:xfrm>
-              <a:off x="1193558" y="4261389"/>
-              <a:ext cx="703773" cy="566537"/>
-            </a:xfrm>
-            <a:prstGeom prst="rect">
-              <a:avLst/>
-            </a:prstGeom>
-            <a:noFill/>
-            <a:extLst>
-              <a:ext uri="{909E8E84-426E-40DD-AFC4-6F175D3DCCD1}">
-                <a14:hiddenFill xmlns:a14="http://schemas.microsoft.com/office/drawing/2010/main">
-                  <a:solidFill>
-                    <a:srgbClr val="FFFFFF"/>
-                  </a:solidFill>
-                </a14:hiddenFill>
-              </a:ext>
-            </a:extLst>
-          </p:spPr>
-        </p:pic>
-        <p:grpSp>
-          <p:nvGrpSpPr>
-            <p:cNvPr id="30" name="グループ化 29">
-              <a:extLst>
-                <a:ext uri="{FF2B5EF4-FFF2-40B4-BE49-F238E27FC236}">
-                  <a16:creationId xmlns:a16="http://schemas.microsoft.com/office/drawing/2014/main" id="{D7E7F6BB-5475-BC7F-9E67-CF59B7036C53}"/>
-                </a:ext>
-              </a:extLst>
-            </p:cNvPr>
-            <p:cNvGrpSpPr/>
-            <p:nvPr/>
-          </p:nvGrpSpPr>
-          <p:grpSpPr>
-            <a:xfrm>
-              <a:off x="1468290" y="4442527"/>
-              <a:ext cx="236787" cy="267673"/>
-              <a:chOff x="2339752" y="3645024"/>
-              <a:chExt cx="828092" cy="936104"/>
-            </a:xfrm>
-            <a:solidFill>
-              <a:srgbClr val="FF0000"/>
-            </a:solidFill>
-          </p:grpSpPr>
-          <p:sp>
-            <p:nvSpPr>
-              <p:cNvPr id="31" name="正方形/長方形 30">
-                <a:extLst>
-                  <a:ext uri="{FF2B5EF4-FFF2-40B4-BE49-F238E27FC236}">
-                    <a16:creationId xmlns:a16="http://schemas.microsoft.com/office/drawing/2014/main" id="{6B9B11FD-5088-8052-8CDA-A4DC30FD32DD}"/>
-                  </a:ext>
-                </a:extLst>
-              </p:cNvPr>
-              <p:cNvSpPr/>
-              <p:nvPr/>
-            </p:nvSpPr>
-            <p:spPr>
-              <a:xfrm>
-                <a:off x="2339752" y="3645024"/>
-                <a:ext cx="576064" cy="936104"/>
-              </a:xfrm>
-              <a:prstGeom prst="rect">
-                <a:avLst/>
-              </a:prstGeom>
-              <a:grpFill/>
-              <a:ln>
-                <a:noFill/>
-              </a:ln>
-            </p:spPr>
-            <p:style>
-              <a:lnRef idx="2">
-                <a:schemeClr val="accent1">
-                  <a:shade val="50000"/>
-                </a:schemeClr>
-              </a:lnRef>
-              <a:fillRef idx="1">
-                <a:schemeClr val="accent1"/>
-              </a:fillRef>
-              <a:effectRef idx="0">
-                <a:schemeClr val="accent1"/>
-              </a:effectRef>
-              <a:fontRef idx="minor">
-                <a:schemeClr val="lt1"/>
-              </a:fontRef>
-            </p:style>
-            <p:txBody>
-              <a:bodyPr rtlCol="0" anchor="ctr"/>
-              <a:lstStyle/>
-              <a:p>
-                <a:pPr algn="ctr"/>
-                <a:endParaRPr kumimoji="1" lang="ja-JP" altLang="en-US"/>
-              </a:p>
-            </p:txBody>
-          </p:sp>
-          <p:sp>
-            <p:nvSpPr>
-              <p:cNvPr id="32" name="三角形 31">
-                <a:extLst>
-                  <a:ext uri="{FF2B5EF4-FFF2-40B4-BE49-F238E27FC236}">
-                    <a16:creationId xmlns:a16="http://schemas.microsoft.com/office/drawing/2014/main" id="{6111DA25-A9D1-23BA-D296-A17587C88187}"/>
-                  </a:ext>
-                </a:extLst>
-              </p:cNvPr>
-              <p:cNvSpPr/>
-              <p:nvPr/>
-            </p:nvSpPr>
-            <p:spPr>
-              <a:xfrm rot="5400000">
-                <a:off x="2699792" y="3861048"/>
-                <a:ext cx="432048" cy="504056"/>
-              </a:xfrm>
-              <a:prstGeom prst="triangle">
-                <a:avLst/>
-              </a:prstGeom>
-              <a:grpFill/>
-              <a:ln>
-                <a:noFill/>
-              </a:ln>
-            </p:spPr>
-            <p:style>
-              <a:lnRef idx="2">
-                <a:schemeClr val="accent1">
-                  <a:shade val="50000"/>
-                </a:schemeClr>
-              </a:lnRef>
-              <a:fillRef idx="1">
-                <a:schemeClr val="accent1"/>
-              </a:fillRef>
-              <a:effectRef idx="0">
-                <a:schemeClr val="accent1"/>
-              </a:effectRef>
-              <a:fontRef idx="minor">
-                <a:schemeClr val="lt1"/>
-              </a:fontRef>
-            </p:style>
-            <p:txBody>
-              <a:bodyPr rtlCol="0" anchor="ctr"/>
-              <a:lstStyle/>
-              <a:p>
-                <a:pPr algn="ctr"/>
-                <a:endParaRPr kumimoji="1" lang="ja-JP" altLang="en-US"/>
-              </a:p>
-            </p:txBody>
-          </p:sp>
-        </p:grpSp>
-      </p:grpSp>
-      <p:cxnSp>
-        <p:nvCxnSpPr>
-          <p:cNvPr id="34" name="直線矢印コネクタ 33">
-            <a:extLst>
-              <a:ext uri="{FF2B5EF4-FFF2-40B4-BE49-F238E27FC236}">
-                <a16:creationId xmlns:a16="http://schemas.microsoft.com/office/drawing/2014/main" id="{6B4C8C42-E8C7-D45F-D6D4-93FEAC8F3DEE}"/>
-              </a:ext>
-            </a:extLst>
-          </p:cNvPr>
-          <p:cNvCxnSpPr/>
-          <p:nvPr/>
-        </p:nvCxnSpPr>
-        <p:spPr>
-          <a:xfrm>
-            <a:off x="1400475" y="2988049"/>
-            <a:ext cx="795261" cy="0"/>
-          </a:xfrm>
-          <a:prstGeom prst="straightConnector1">
-            <a:avLst/>
-          </a:prstGeom>
-          <a:ln>
-            <a:solidFill>
-              <a:schemeClr val="tx1"/>
-            </a:solidFill>
-            <a:headEnd type="none" w="med" len="med"/>
-            <a:tailEnd type="triangle"/>
-          </a:ln>
-        </p:spPr>
-        <p:style>
-          <a:lnRef idx="1">
-            <a:schemeClr val="accent1"/>
-          </a:lnRef>
-          <a:fillRef idx="0">
-            <a:schemeClr val="accent1"/>
-          </a:fillRef>
-          <a:effectRef idx="0">
-            <a:schemeClr val="accent1"/>
-          </a:effectRef>
-          <a:fontRef idx="minor">
-            <a:schemeClr val="tx1"/>
-          </a:fontRef>
-        </p:style>
-      </p:cxnSp>
-      <p:grpSp>
-        <p:nvGrpSpPr>
-          <p:cNvPr id="35" name="グループ化 34">
-            <a:extLst>
-              <a:ext uri="{FF2B5EF4-FFF2-40B4-BE49-F238E27FC236}">
-                <a16:creationId xmlns:a16="http://schemas.microsoft.com/office/drawing/2014/main" id="{EDE1F0C6-A5EE-7AE0-4711-211334C7999D}"/>
-              </a:ext>
-            </a:extLst>
-          </p:cNvPr>
-          <p:cNvGrpSpPr/>
-          <p:nvPr/>
-        </p:nvGrpSpPr>
-        <p:grpSpPr>
-          <a:xfrm>
-            <a:off x="3268247" y="2680410"/>
-            <a:ext cx="491092" cy="555148"/>
-            <a:chOff x="3980964" y="3583025"/>
-            <a:chExt cx="828092" cy="936104"/>
-          </a:xfrm>
-        </p:grpSpPr>
-        <p:sp>
-          <p:nvSpPr>
-            <p:cNvPr id="36" name="正方形/長方形 35">
-              <a:extLst>
-                <a:ext uri="{FF2B5EF4-FFF2-40B4-BE49-F238E27FC236}">
-                  <a16:creationId xmlns:a16="http://schemas.microsoft.com/office/drawing/2014/main" id="{595D92C7-23F2-4B59-462B-E5704A9CC7F0}"/>
-                </a:ext>
-              </a:extLst>
-            </p:cNvPr>
-            <p:cNvSpPr/>
-            <p:nvPr/>
-          </p:nvSpPr>
-          <p:spPr>
-            <a:xfrm>
-              <a:off x="4232992" y="3583025"/>
-              <a:ext cx="576064" cy="936104"/>
-            </a:xfrm>
-            <a:prstGeom prst="rect">
-              <a:avLst/>
-            </a:prstGeom>
-            <a:solidFill>
-              <a:srgbClr val="FFC000"/>
-            </a:solidFill>
-            <a:ln>
-              <a:noFill/>
-            </a:ln>
-          </p:spPr>
-          <p:style>
-            <a:lnRef idx="2">
-              <a:schemeClr val="accent1">
-                <a:shade val="50000"/>
-              </a:schemeClr>
-            </a:lnRef>
-            <a:fillRef idx="1">
-              <a:schemeClr val="accent1"/>
-            </a:fillRef>
-            <a:effectRef idx="0">
-              <a:schemeClr val="accent1"/>
-            </a:effectRef>
-            <a:fontRef idx="minor">
-              <a:schemeClr val="lt1"/>
-            </a:fontRef>
-          </p:style>
-          <p:txBody>
-            <a:bodyPr rtlCol="0" anchor="ctr"/>
-            <a:lstStyle/>
-            <a:p>
-              <a:pPr algn="ctr"/>
-              <a:endParaRPr kumimoji="1" lang="ja-JP" altLang="en-US"/>
-            </a:p>
-          </p:txBody>
-        </p:sp>
-        <p:sp>
-          <p:nvSpPr>
-            <p:cNvPr id="37" name="三角形 36">
-              <a:extLst>
-                <a:ext uri="{FF2B5EF4-FFF2-40B4-BE49-F238E27FC236}">
-                  <a16:creationId xmlns:a16="http://schemas.microsoft.com/office/drawing/2014/main" id="{D3975E65-47B0-5E8B-13A1-7EDC30EBC9D9}"/>
-                </a:ext>
-              </a:extLst>
-            </p:cNvPr>
-            <p:cNvSpPr/>
-            <p:nvPr/>
-          </p:nvSpPr>
-          <p:spPr>
-            <a:xfrm rot="5400000">
-              <a:off x="4016968" y="3799049"/>
-              <a:ext cx="432048" cy="504056"/>
-            </a:xfrm>
-            <a:prstGeom prst="triangle">
-              <a:avLst/>
-            </a:prstGeom>
-            <a:solidFill>
-              <a:schemeClr val="bg1">
-                <a:lumMod val="95000"/>
-              </a:schemeClr>
-            </a:solidFill>
-            <a:ln>
-              <a:noFill/>
-            </a:ln>
-          </p:spPr>
-          <p:style>
-            <a:lnRef idx="2">
-              <a:schemeClr val="accent1">
-                <a:shade val="50000"/>
-              </a:schemeClr>
-            </a:lnRef>
-            <a:fillRef idx="1">
-              <a:schemeClr val="accent1"/>
-            </a:fillRef>
-            <a:effectRef idx="0">
-              <a:schemeClr val="accent1"/>
-            </a:effectRef>
-            <a:fontRef idx="minor">
-              <a:schemeClr val="lt1"/>
-            </a:fontRef>
-          </p:style>
-          <p:txBody>
-            <a:bodyPr rtlCol="0" anchor="ctr"/>
-            <a:lstStyle/>
-            <a:p>
-              <a:pPr algn="ctr"/>
-              <a:endParaRPr kumimoji="1" lang="ja-JP" altLang="en-US"/>
-            </a:p>
-          </p:txBody>
-        </p:sp>
-      </p:grpSp>
-      <p:sp>
-        <p:nvSpPr>
-          <p:cNvPr id="38" name="テキスト ボックス 37">
-            <a:extLst>
-              <a:ext uri="{FF2B5EF4-FFF2-40B4-BE49-F238E27FC236}">
-                <a16:creationId xmlns:a16="http://schemas.microsoft.com/office/drawing/2014/main" id="{E66ACEB2-6820-A835-0B2D-BD5C1501108C}"/>
-              </a:ext>
-            </a:extLst>
-          </p:cNvPr>
-          <p:cNvSpPr txBox="1"/>
-          <p:nvPr/>
-        </p:nvSpPr>
-        <p:spPr>
-          <a:xfrm>
-            <a:off x="4283968" y="2664883"/>
-            <a:ext cx="4440683" cy="646331"/>
-          </a:xfrm>
-          <a:prstGeom prst="rect">
-            <a:avLst/>
-          </a:prstGeom>
-          <a:noFill/>
-        </p:spPr>
-        <p:txBody>
-          <a:bodyPr wrap="square" rtlCol="0">
-            <a:spAutoFit/>
-          </a:bodyPr>
-          <a:lstStyle/>
-          <a:p>
-            <a:r>
-              <a:rPr lang="ja-JP" altLang="en-US"/>
-              <a:t>ホストが秘密鍵で署名したメッセージをすでに所持している公開鍵で検証</a:t>
-            </a:r>
-            <a:endParaRPr kumimoji="1" lang="ja-JP" altLang="en-US"/>
-          </a:p>
-        </p:txBody>
-      </p:sp>
-      <p:pic>
-        <p:nvPicPr>
-          <p:cNvPr id="39" name="Picture 2" descr="悪人のイラスト「黒いシルエット」">
-            <a:extLst>
-              <a:ext uri="{FF2B5EF4-FFF2-40B4-BE49-F238E27FC236}">
-                <a16:creationId xmlns:a16="http://schemas.microsoft.com/office/drawing/2014/main" id="{21198BD6-33F3-9A14-4E86-589F3ED98E6D}"/>
-              </a:ext>
-            </a:extLst>
-          </p:cNvPr>
-          <p:cNvPicPr>
-            <a:picLocks noChangeAspect="1" noChangeArrowheads="1"/>
-          </p:cNvPicPr>
-          <p:nvPr/>
-        </p:nvPicPr>
-        <p:blipFill>
-          <a:blip r:embed="rId5" cstate="print">
-            <a:extLst>
-              <a:ext uri="{28A0092B-C50C-407E-A947-70E740481C1C}">
-                <a14:useLocalDpi xmlns:a14="http://schemas.microsoft.com/office/drawing/2010/main" val="0"/>
-              </a:ext>
-            </a:extLst>
-          </a:blip>
-          <a:srcRect/>
-          <a:stretch>
-            <a:fillRect/>
-          </a:stretch>
-        </p:blipFill>
-        <p:spPr bwMode="auto">
-          <a:xfrm flipH="1">
-            <a:off x="532144" y="4100872"/>
-            <a:ext cx="603987" cy="716898"/>
-          </a:xfrm>
-          <a:prstGeom prst="rect">
-            <a:avLst/>
-          </a:prstGeom>
-          <a:noFill/>
-          <a:extLst>
-            <a:ext uri="{909E8E84-426E-40DD-AFC4-6F175D3DCCD1}">
-              <a14:hiddenFill xmlns:a14="http://schemas.microsoft.com/office/drawing/2010/main">
-                <a:solidFill>
-                  <a:srgbClr val="FFFFFF"/>
-                </a:solidFill>
-              </a14:hiddenFill>
-            </a:ext>
-          </a:extLst>
-        </p:spPr>
-      </p:pic>
-      <p:grpSp>
-        <p:nvGrpSpPr>
-          <p:cNvPr id="47" name="グループ化 46">
-            <a:extLst>
-              <a:ext uri="{FF2B5EF4-FFF2-40B4-BE49-F238E27FC236}">
-                <a16:creationId xmlns:a16="http://schemas.microsoft.com/office/drawing/2014/main" id="{491D156C-4ABB-EF0D-0C5B-AA3734279603}"/>
-              </a:ext>
-            </a:extLst>
-          </p:cNvPr>
-          <p:cNvGrpSpPr/>
-          <p:nvPr/>
-        </p:nvGrpSpPr>
-        <p:grpSpPr>
-          <a:xfrm>
-            <a:off x="699512" y="4939102"/>
-            <a:ext cx="404426" cy="495270"/>
-            <a:chOff x="2043345" y="5485621"/>
-            <a:chExt cx="404426" cy="495270"/>
-          </a:xfrm>
-        </p:grpSpPr>
-        <p:sp>
-          <p:nvSpPr>
-            <p:cNvPr id="41" name="正方形/長方形 40">
-              <a:extLst>
-                <a:ext uri="{FF2B5EF4-FFF2-40B4-BE49-F238E27FC236}">
-                  <a16:creationId xmlns:a16="http://schemas.microsoft.com/office/drawing/2014/main" id="{38D6CE04-4E20-5CEC-8DD9-BE7C5F94AD19}"/>
-                </a:ext>
-              </a:extLst>
-            </p:cNvPr>
-            <p:cNvSpPr/>
-            <p:nvPr/>
-          </p:nvSpPr>
-          <p:spPr>
-            <a:xfrm>
-              <a:off x="2043345" y="5485621"/>
-              <a:ext cx="304781" cy="495270"/>
-            </a:xfrm>
-            <a:prstGeom prst="rect">
-              <a:avLst/>
-            </a:prstGeom>
-            <a:solidFill>
-              <a:srgbClr val="FFC000"/>
-            </a:solidFill>
-            <a:ln>
-              <a:noFill/>
-            </a:ln>
-          </p:spPr>
-          <p:style>
-            <a:lnRef idx="2">
-              <a:schemeClr val="accent1">
-                <a:shade val="50000"/>
-              </a:schemeClr>
-            </a:lnRef>
-            <a:fillRef idx="1">
-              <a:schemeClr val="accent1"/>
-            </a:fillRef>
-            <a:effectRef idx="0">
-              <a:schemeClr val="accent1"/>
-            </a:effectRef>
-            <a:fontRef idx="minor">
-              <a:schemeClr val="lt1"/>
-            </a:fontRef>
-          </p:style>
-          <p:txBody>
-            <a:bodyPr rtlCol="0" anchor="ctr"/>
-            <a:lstStyle/>
-            <a:p>
-              <a:pPr algn="ctr"/>
-              <a:endParaRPr kumimoji="1" lang="ja-JP" altLang="en-US"/>
-            </a:p>
-          </p:txBody>
-        </p:sp>
-        <p:sp>
-          <p:nvSpPr>
-            <p:cNvPr id="44" name="円/楕円 43">
-              <a:extLst>
-                <a:ext uri="{FF2B5EF4-FFF2-40B4-BE49-F238E27FC236}">
-                  <a16:creationId xmlns:a16="http://schemas.microsoft.com/office/drawing/2014/main" id="{8F4C28EF-629A-4E62-6D95-DB8D1E054289}"/>
-                </a:ext>
-              </a:extLst>
-            </p:cNvPr>
-            <p:cNvSpPr/>
-            <p:nvPr/>
-          </p:nvSpPr>
-          <p:spPr>
-            <a:xfrm>
-              <a:off x="2231747" y="5625244"/>
-              <a:ext cx="216024" cy="216024"/>
-            </a:xfrm>
-            <a:prstGeom prst="ellipse">
-              <a:avLst/>
-            </a:prstGeom>
-            <a:solidFill>
-              <a:srgbClr val="FFC000"/>
-            </a:solidFill>
-            <a:ln>
-              <a:noFill/>
-            </a:ln>
-          </p:spPr>
-          <p:style>
-            <a:lnRef idx="2">
-              <a:schemeClr val="accent1">
-                <a:shade val="50000"/>
-              </a:schemeClr>
-            </a:lnRef>
-            <a:fillRef idx="1">
-              <a:schemeClr val="accent1"/>
-            </a:fillRef>
-            <a:effectRef idx="0">
-              <a:schemeClr val="accent1"/>
-            </a:effectRef>
-            <a:fontRef idx="minor">
-              <a:schemeClr val="lt1"/>
-            </a:fontRef>
-          </p:style>
-          <p:txBody>
-            <a:bodyPr rtlCol="0" anchor="ctr"/>
-            <a:lstStyle/>
-            <a:p>
-              <a:pPr algn="ctr"/>
-              <a:endParaRPr kumimoji="1" lang="ja-JP" altLang="en-US"/>
-            </a:p>
-          </p:txBody>
-        </p:sp>
-      </p:grpSp>
-      <p:grpSp>
-        <p:nvGrpSpPr>
-          <p:cNvPr id="46" name="グループ化 45">
-            <a:extLst>
-              <a:ext uri="{FF2B5EF4-FFF2-40B4-BE49-F238E27FC236}">
-                <a16:creationId xmlns:a16="http://schemas.microsoft.com/office/drawing/2014/main" id="{D3A0F885-9B43-148B-1D7F-D078F705F374}"/>
-              </a:ext>
-            </a:extLst>
-          </p:cNvPr>
-          <p:cNvGrpSpPr/>
-          <p:nvPr/>
-        </p:nvGrpSpPr>
-        <p:grpSpPr>
-          <a:xfrm>
-            <a:off x="2541422" y="4897067"/>
-            <a:ext cx="414075" cy="495270"/>
-            <a:chOff x="2915816" y="5485621"/>
-            <a:chExt cx="414075" cy="495270"/>
-          </a:xfrm>
-        </p:grpSpPr>
-        <p:sp>
-          <p:nvSpPr>
-            <p:cNvPr id="43" name="正方形/長方形 42">
-              <a:extLst>
-                <a:ext uri="{FF2B5EF4-FFF2-40B4-BE49-F238E27FC236}">
-                  <a16:creationId xmlns:a16="http://schemas.microsoft.com/office/drawing/2014/main" id="{B918C5E4-86DE-C5EC-7BDD-8D9A2C280B61}"/>
-                </a:ext>
-              </a:extLst>
-            </p:cNvPr>
-            <p:cNvSpPr/>
-            <p:nvPr/>
-          </p:nvSpPr>
-          <p:spPr>
-            <a:xfrm>
-              <a:off x="3025110" y="5485621"/>
-              <a:ext cx="304781" cy="495270"/>
-            </a:xfrm>
-            <a:prstGeom prst="rect">
-              <a:avLst/>
-            </a:prstGeom>
-            <a:solidFill>
-              <a:srgbClr val="FFC000"/>
-            </a:solidFill>
-            <a:ln>
-              <a:noFill/>
-            </a:ln>
-          </p:spPr>
-          <p:style>
-            <a:lnRef idx="2">
-              <a:schemeClr val="accent1">
-                <a:shade val="50000"/>
-              </a:schemeClr>
-            </a:lnRef>
-            <a:fillRef idx="1">
-              <a:schemeClr val="accent1"/>
-            </a:fillRef>
-            <a:effectRef idx="0">
-              <a:schemeClr val="accent1"/>
-            </a:effectRef>
-            <a:fontRef idx="minor">
-              <a:schemeClr val="lt1"/>
-            </a:fontRef>
-          </p:style>
-          <p:txBody>
-            <a:bodyPr rtlCol="0" anchor="ctr"/>
-            <a:lstStyle/>
-            <a:p>
-              <a:pPr algn="ctr"/>
-              <a:endParaRPr kumimoji="1" lang="ja-JP" altLang="en-US"/>
-            </a:p>
-          </p:txBody>
-        </p:sp>
-        <p:sp>
-          <p:nvSpPr>
-            <p:cNvPr id="45" name="円/楕円 44">
-              <a:extLst>
-                <a:ext uri="{FF2B5EF4-FFF2-40B4-BE49-F238E27FC236}">
-                  <a16:creationId xmlns:a16="http://schemas.microsoft.com/office/drawing/2014/main" id="{AA768FD0-4EEA-FF92-71DE-EB082AC0B8D2}"/>
-                </a:ext>
-              </a:extLst>
-            </p:cNvPr>
-            <p:cNvSpPr/>
-            <p:nvPr/>
-          </p:nvSpPr>
-          <p:spPr>
-            <a:xfrm>
-              <a:off x="2915816" y="5625244"/>
-              <a:ext cx="216024" cy="216024"/>
-            </a:xfrm>
-            <a:prstGeom prst="ellipse">
-              <a:avLst/>
-            </a:prstGeom>
-            <a:solidFill>
-              <a:schemeClr val="bg1">
-                <a:lumMod val="95000"/>
-              </a:schemeClr>
-            </a:solidFill>
-            <a:ln>
-              <a:noFill/>
-            </a:ln>
-          </p:spPr>
-          <p:style>
-            <a:lnRef idx="2">
-              <a:schemeClr val="accent1">
-                <a:shade val="50000"/>
-              </a:schemeClr>
-            </a:lnRef>
-            <a:fillRef idx="1">
-              <a:schemeClr val="accent1"/>
-            </a:fillRef>
-            <a:effectRef idx="0">
-              <a:schemeClr val="accent1"/>
-            </a:effectRef>
-            <a:fontRef idx="minor">
-              <a:schemeClr val="lt1"/>
-            </a:fontRef>
-          </p:style>
-          <p:txBody>
-            <a:bodyPr rtlCol="0" anchor="ctr"/>
-            <a:lstStyle/>
-            <a:p>
-              <a:pPr algn="ctr"/>
-              <a:endParaRPr kumimoji="1" lang="ja-JP" altLang="en-US"/>
-            </a:p>
-          </p:txBody>
-        </p:sp>
-      </p:grpSp>
-      <p:grpSp>
-        <p:nvGrpSpPr>
-          <p:cNvPr id="48" name="グループ化 47">
-            <a:extLst>
-              <a:ext uri="{FF2B5EF4-FFF2-40B4-BE49-F238E27FC236}">
-                <a16:creationId xmlns:a16="http://schemas.microsoft.com/office/drawing/2014/main" id="{3F9AC79F-C63F-9B14-1E2D-EE24C10A5407}"/>
-              </a:ext>
-            </a:extLst>
-          </p:cNvPr>
-          <p:cNvGrpSpPr/>
-          <p:nvPr/>
-        </p:nvGrpSpPr>
-        <p:grpSpPr>
-          <a:xfrm>
-            <a:off x="3254481" y="4861701"/>
-            <a:ext cx="491092" cy="555148"/>
-            <a:chOff x="3980964" y="3583025"/>
-            <a:chExt cx="828092" cy="936104"/>
-          </a:xfrm>
-        </p:grpSpPr>
-        <p:sp>
-          <p:nvSpPr>
-            <p:cNvPr id="49" name="正方形/長方形 48">
-              <a:extLst>
-                <a:ext uri="{FF2B5EF4-FFF2-40B4-BE49-F238E27FC236}">
-                  <a16:creationId xmlns:a16="http://schemas.microsoft.com/office/drawing/2014/main" id="{32B2F2E0-57CD-ABB5-5115-EFF44FF3E45E}"/>
-                </a:ext>
-              </a:extLst>
-            </p:cNvPr>
-            <p:cNvSpPr/>
-            <p:nvPr/>
-          </p:nvSpPr>
-          <p:spPr>
-            <a:xfrm>
-              <a:off x="4232992" y="3583025"/>
-              <a:ext cx="576064" cy="936104"/>
-            </a:xfrm>
-            <a:prstGeom prst="rect">
-              <a:avLst/>
-            </a:prstGeom>
-            <a:solidFill>
-              <a:srgbClr val="FFC000"/>
-            </a:solidFill>
-            <a:ln>
-              <a:noFill/>
-            </a:ln>
-          </p:spPr>
-          <p:style>
-            <a:lnRef idx="2">
-              <a:schemeClr val="accent1">
-                <a:shade val="50000"/>
-              </a:schemeClr>
-            </a:lnRef>
-            <a:fillRef idx="1">
-              <a:schemeClr val="accent1"/>
-            </a:fillRef>
-            <a:effectRef idx="0">
-              <a:schemeClr val="accent1"/>
-            </a:effectRef>
-            <a:fontRef idx="minor">
-              <a:schemeClr val="lt1"/>
-            </a:fontRef>
-          </p:style>
-          <p:txBody>
-            <a:bodyPr rtlCol="0" anchor="ctr"/>
-            <a:lstStyle/>
-            <a:p>
-              <a:pPr algn="ctr"/>
-              <a:endParaRPr kumimoji="1" lang="ja-JP" altLang="en-US"/>
-            </a:p>
-          </p:txBody>
-        </p:sp>
-        <p:sp>
-          <p:nvSpPr>
-            <p:cNvPr id="50" name="三角形 49">
-              <a:extLst>
-                <a:ext uri="{FF2B5EF4-FFF2-40B4-BE49-F238E27FC236}">
-                  <a16:creationId xmlns:a16="http://schemas.microsoft.com/office/drawing/2014/main" id="{DC0576ED-0905-833F-AC03-459274FFFF42}"/>
-                </a:ext>
-              </a:extLst>
-            </p:cNvPr>
-            <p:cNvSpPr/>
-            <p:nvPr/>
-          </p:nvSpPr>
-          <p:spPr>
-            <a:xfrm rot="5400000">
-              <a:off x="4016968" y="3799049"/>
-              <a:ext cx="432048" cy="504056"/>
-            </a:xfrm>
-            <a:prstGeom prst="triangle">
-              <a:avLst/>
-            </a:prstGeom>
-            <a:solidFill>
-              <a:schemeClr val="bg1">
-                <a:lumMod val="95000"/>
-              </a:schemeClr>
-            </a:solidFill>
-            <a:ln>
-              <a:noFill/>
-            </a:ln>
-          </p:spPr>
-          <p:style>
-            <a:lnRef idx="2">
-              <a:schemeClr val="accent1">
-                <a:shade val="50000"/>
-              </a:schemeClr>
-            </a:lnRef>
-            <a:fillRef idx="1">
-              <a:schemeClr val="accent1"/>
-            </a:fillRef>
-            <a:effectRef idx="0">
-              <a:schemeClr val="accent1"/>
-            </a:effectRef>
-            <a:fontRef idx="minor">
-              <a:schemeClr val="lt1"/>
-            </a:fontRef>
-          </p:style>
-          <p:txBody>
-            <a:bodyPr rtlCol="0" anchor="ctr"/>
-            <a:lstStyle/>
-            <a:p>
-              <a:pPr algn="ctr"/>
-              <a:endParaRPr kumimoji="1" lang="ja-JP" altLang="en-US"/>
-            </a:p>
-          </p:txBody>
-        </p:sp>
-      </p:grpSp>
-      <p:pic>
-        <p:nvPicPr>
-          <p:cNvPr id="51" name="Picture 8" descr="会社で働く人のイラスト（男性）">
-            <a:extLst>
-              <a:ext uri="{FF2B5EF4-FFF2-40B4-BE49-F238E27FC236}">
-                <a16:creationId xmlns:a16="http://schemas.microsoft.com/office/drawing/2014/main" id="{217587CF-272B-B578-ECCF-0B8E2DE60D85}"/>
-              </a:ext>
-            </a:extLst>
-          </p:cNvPr>
-          <p:cNvPicPr>
-            <a:picLocks noChangeAspect="1" noChangeArrowheads="1"/>
-          </p:cNvPicPr>
-          <p:nvPr/>
-        </p:nvPicPr>
-        <p:blipFill>
-          <a:blip r:embed="rId2">
-            <a:extLst>
-              <a:ext uri="{28A0092B-C50C-407E-A947-70E740481C1C}">
-                <a14:useLocalDpi xmlns:a14="http://schemas.microsoft.com/office/drawing/2010/main" val="0"/>
-              </a:ext>
-            </a:extLst>
-          </a:blip>
-          <a:srcRect/>
-          <a:stretch>
-            <a:fillRect/>
-          </a:stretch>
-        </p:blipFill>
-        <p:spPr bwMode="auto">
-          <a:xfrm flipH="1">
-            <a:off x="2709455" y="3978053"/>
-            <a:ext cx="777586" cy="777586"/>
-          </a:xfrm>
-          <a:prstGeom prst="rect">
-            <a:avLst/>
-          </a:prstGeom>
-          <a:noFill/>
-          <a:extLst>
-            <a:ext uri="{909E8E84-426E-40DD-AFC4-6F175D3DCCD1}">
-              <a14:hiddenFill xmlns:a14="http://schemas.microsoft.com/office/drawing/2010/main">
-                <a:solidFill>
-                  <a:srgbClr val="FFFFFF"/>
-                </a:solidFill>
-              </a14:hiddenFill>
-            </a:ext>
-          </a:extLst>
-        </p:spPr>
-      </p:pic>
-      <p:sp>
-        <p:nvSpPr>
-          <p:cNvPr id="52" name="テキスト ボックス 51">
-            <a:extLst>
-              <a:ext uri="{FF2B5EF4-FFF2-40B4-BE49-F238E27FC236}">
-                <a16:creationId xmlns:a16="http://schemas.microsoft.com/office/drawing/2014/main" id="{CA986DFD-155F-959C-AFD2-BCC903654E36}"/>
-              </a:ext>
-            </a:extLst>
-          </p:cNvPr>
-          <p:cNvSpPr txBox="1"/>
-          <p:nvPr/>
-        </p:nvSpPr>
-        <p:spPr>
-          <a:xfrm>
-            <a:off x="3047332" y="4954609"/>
-            <a:ext cx="311304" cy="369332"/>
-          </a:xfrm>
-          <a:prstGeom prst="rect">
-            <a:avLst/>
-          </a:prstGeom>
-          <a:noFill/>
-        </p:spPr>
-        <p:txBody>
-          <a:bodyPr wrap="none" rtlCol="0">
-            <a:spAutoFit/>
-          </a:bodyPr>
-          <a:lstStyle/>
-          <a:p>
-            <a:r>
-              <a:rPr kumimoji="1" lang="en-US" altLang="ja-JP" dirty="0"/>
-              <a:t>≠</a:t>
-            </a:r>
-            <a:endParaRPr kumimoji="1" lang="ja-JP" altLang="en-US"/>
-          </a:p>
-        </p:txBody>
-      </p:sp>
-      <p:sp>
-        <p:nvSpPr>
-          <p:cNvPr id="53" name="テキスト ボックス 52">
-            <a:extLst>
-              <a:ext uri="{FF2B5EF4-FFF2-40B4-BE49-F238E27FC236}">
-                <a16:creationId xmlns:a16="http://schemas.microsoft.com/office/drawing/2014/main" id="{BC951E55-1DE7-F830-7F8B-6E7EFF8A4309}"/>
-              </a:ext>
-            </a:extLst>
-          </p:cNvPr>
-          <p:cNvSpPr txBox="1"/>
-          <p:nvPr/>
-        </p:nvSpPr>
-        <p:spPr>
-          <a:xfrm>
-            <a:off x="4229688" y="4708736"/>
-            <a:ext cx="4440683" cy="646331"/>
-          </a:xfrm>
-          <a:prstGeom prst="rect">
-            <a:avLst/>
-          </a:prstGeom>
-          <a:noFill/>
-        </p:spPr>
-        <p:txBody>
-          <a:bodyPr wrap="square" rtlCol="0">
-            <a:spAutoFit/>
-          </a:bodyPr>
-          <a:lstStyle/>
-          <a:p>
-            <a:r>
-              <a:rPr lang="ja-JP" altLang="en-US"/>
-              <a:t>ホストがなりすましである場合、異なる公開鍵を送ってくるのでわかる</a:t>
-            </a:r>
-            <a:endParaRPr kumimoji="1" lang="ja-JP" altLang="en-US"/>
-          </a:p>
-        </p:txBody>
-      </p:sp>
-      <p:cxnSp>
-        <p:nvCxnSpPr>
-          <p:cNvPr id="54" name="直線矢印コネクタ 53">
-            <a:extLst>
-              <a:ext uri="{FF2B5EF4-FFF2-40B4-BE49-F238E27FC236}">
-                <a16:creationId xmlns:a16="http://schemas.microsoft.com/office/drawing/2014/main" id="{42D8F9FE-4162-C5A5-918C-EB2DA10C4CE5}"/>
-              </a:ext>
-            </a:extLst>
-          </p:cNvPr>
-          <p:cNvCxnSpPr/>
-          <p:nvPr/>
-        </p:nvCxnSpPr>
-        <p:spPr>
-          <a:xfrm>
-            <a:off x="1400475" y="5139275"/>
-            <a:ext cx="795261" cy="0"/>
-          </a:xfrm>
-          <a:prstGeom prst="straightConnector1">
-            <a:avLst/>
-          </a:prstGeom>
-          <a:ln>
-            <a:solidFill>
-              <a:schemeClr val="tx1"/>
-            </a:solidFill>
-            <a:headEnd type="none" w="med" len="med"/>
-            <a:tailEnd type="triangle"/>
-          </a:ln>
-        </p:spPr>
-        <p:style>
-          <a:lnRef idx="1">
-            <a:schemeClr val="accent1"/>
-          </a:lnRef>
-          <a:fillRef idx="0">
-            <a:schemeClr val="accent1"/>
-          </a:fillRef>
-          <a:effectRef idx="0">
-            <a:schemeClr val="accent1"/>
-          </a:effectRef>
-          <a:fontRef idx="minor">
-            <a:schemeClr val="tx1"/>
-          </a:fontRef>
-        </p:style>
-      </p:cxnSp>
-      <p:sp>
-        <p:nvSpPr>
-          <p:cNvPr id="55" name="テキスト ボックス 54">
-            <a:extLst>
-              <a:ext uri="{FF2B5EF4-FFF2-40B4-BE49-F238E27FC236}">
-                <a16:creationId xmlns:a16="http://schemas.microsoft.com/office/drawing/2014/main" id="{3615EAE7-2F5C-DA50-7F10-FE9C695296AD}"/>
-              </a:ext>
-            </a:extLst>
-          </p:cNvPr>
-          <p:cNvSpPr txBox="1"/>
-          <p:nvPr/>
-        </p:nvSpPr>
-        <p:spPr>
-          <a:xfrm>
-            <a:off x="4254544" y="5877272"/>
-            <a:ext cx="4530419" cy="646331"/>
-          </a:xfrm>
-          <a:prstGeom prst="rect">
-            <a:avLst/>
-          </a:prstGeom>
-          <a:noFill/>
-        </p:spPr>
-        <p:txBody>
-          <a:bodyPr wrap="square" rtlCol="0">
-            <a:spAutoFit/>
-          </a:bodyPr>
-          <a:lstStyle/>
-          <a:p>
-            <a:r>
-              <a:rPr lang="ja-JP" altLang="en-US"/>
-              <a:t>公開鍵を偽装しても、秘密鍵を持っていないので公開鍵に対応した署名ができない</a:t>
-            </a:r>
-            <a:endParaRPr kumimoji="1" lang="ja-JP" altLang="en-US"/>
-          </a:p>
-        </p:txBody>
-      </p:sp>
-      <p:grpSp>
-        <p:nvGrpSpPr>
-          <p:cNvPr id="56" name="グループ化 55">
-            <a:extLst>
-              <a:ext uri="{FF2B5EF4-FFF2-40B4-BE49-F238E27FC236}">
-                <a16:creationId xmlns:a16="http://schemas.microsoft.com/office/drawing/2014/main" id="{B4CF50FB-A5DD-2C8D-6406-0447E8AD29C6}"/>
-              </a:ext>
-            </a:extLst>
-          </p:cNvPr>
-          <p:cNvGrpSpPr/>
-          <p:nvPr/>
-        </p:nvGrpSpPr>
-        <p:grpSpPr>
-          <a:xfrm>
-            <a:off x="699512" y="5893741"/>
-            <a:ext cx="404426" cy="495270"/>
-            <a:chOff x="2043345" y="5485621"/>
-            <a:chExt cx="404426" cy="495270"/>
-          </a:xfrm>
-        </p:grpSpPr>
-        <p:sp>
-          <p:nvSpPr>
-            <p:cNvPr id="57" name="正方形/長方形 56">
-              <a:extLst>
-                <a:ext uri="{FF2B5EF4-FFF2-40B4-BE49-F238E27FC236}">
-                  <a16:creationId xmlns:a16="http://schemas.microsoft.com/office/drawing/2014/main" id="{558A95C9-95F8-0D42-2CD5-EB2DC629630D}"/>
-                </a:ext>
-              </a:extLst>
-            </p:cNvPr>
-            <p:cNvSpPr/>
-            <p:nvPr/>
-          </p:nvSpPr>
-          <p:spPr>
-            <a:xfrm>
-              <a:off x="2043345" y="5485621"/>
-              <a:ext cx="304781" cy="495270"/>
-            </a:xfrm>
-            <a:prstGeom prst="rect">
-              <a:avLst/>
-            </a:prstGeom>
-            <a:solidFill>
-              <a:srgbClr val="FFC000"/>
-            </a:solidFill>
-            <a:ln>
-              <a:noFill/>
-            </a:ln>
-          </p:spPr>
-          <p:style>
-            <a:lnRef idx="2">
-              <a:schemeClr val="accent1">
-                <a:shade val="50000"/>
-              </a:schemeClr>
-            </a:lnRef>
-            <a:fillRef idx="1">
-              <a:schemeClr val="accent1"/>
-            </a:fillRef>
-            <a:effectRef idx="0">
-              <a:schemeClr val="accent1"/>
-            </a:effectRef>
-            <a:fontRef idx="minor">
-              <a:schemeClr val="lt1"/>
-            </a:fontRef>
-          </p:style>
-          <p:txBody>
-            <a:bodyPr rtlCol="0" anchor="ctr"/>
-            <a:lstStyle/>
-            <a:p>
-              <a:pPr algn="ctr"/>
-              <a:endParaRPr kumimoji="1" lang="ja-JP" altLang="en-US"/>
-            </a:p>
-          </p:txBody>
-        </p:sp>
-        <p:sp>
-          <p:nvSpPr>
-            <p:cNvPr id="58" name="円/楕円 57">
-              <a:extLst>
-                <a:ext uri="{FF2B5EF4-FFF2-40B4-BE49-F238E27FC236}">
-                  <a16:creationId xmlns:a16="http://schemas.microsoft.com/office/drawing/2014/main" id="{1906CB8D-AA67-7D4F-298E-B56B848AC413}"/>
-                </a:ext>
-              </a:extLst>
-            </p:cNvPr>
-            <p:cNvSpPr/>
-            <p:nvPr/>
-          </p:nvSpPr>
-          <p:spPr>
-            <a:xfrm>
-              <a:off x="2231747" y="5625244"/>
-              <a:ext cx="216024" cy="216024"/>
-            </a:xfrm>
-            <a:prstGeom prst="ellipse">
-              <a:avLst/>
-            </a:prstGeom>
-            <a:solidFill>
-              <a:srgbClr val="FFC000"/>
-            </a:solidFill>
-            <a:ln>
-              <a:noFill/>
-            </a:ln>
-          </p:spPr>
-          <p:style>
-            <a:lnRef idx="2">
-              <a:schemeClr val="accent1">
-                <a:shade val="50000"/>
-              </a:schemeClr>
-            </a:lnRef>
-            <a:fillRef idx="1">
-              <a:schemeClr val="accent1"/>
-            </a:fillRef>
-            <a:effectRef idx="0">
-              <a:schemeClr val="accent1"/>
-            </a:effectRef>
-            <a:fontRef idx="minor">
-              <a:schemeClr val="lt1"/>
-            </a:fontRef>
-          </p:style>
-          <p:txBody>
-            <a:bodyPr rtlCol="0" anchor="ctr"/>
-            <a:lstStyle/>
-            <a:p>
-              <a:pPr algn="ctr"/>
-              <a:endParaRPr kumimoji="1" lang="ja-JP" altLang="en-US"/>
-            </a:p>
-          </p:txBody>
-        </p:sp>
-      </p:grpSp>
-      <p:cxnSp>
-        <p:nvCxnSpPr>
-          <p:cNvPr id="59" name="直線矢印コネクタ 58">
-            <a:extLst>
-              <a:ext uri="{FF2B5EF4-FFF2-40B4-BE49-F238E27FC236}">
-                <a16:creationId xmlns:a16="http://schemas.microsoft.com/office/drawing/2014/main" id="{DCCFEDC2-8509-4194-AEEE-485A66DAA182}"/>
-              </a:ext>
-            </a:extLst>
-          </p:cNvPr>
-          <p:cNvCxnSpPr/>
-          <p:nvPr/>
-        </p:nvCxnSpPr>
-        <p:spPr>
-          <a:xfrm>
-            <a:off x="1400475" y="6141376"/>
-            <a:ext cx="795261" cy="0"/>
-          </a:xfrm>
-          <a:prstGeom prst="straightConnector1">
-            <a:avLst/>
-          </a:prstGeom>
-          <a:ln>
-            <a:solidFill>
-              <a:schemeClr val="tx1"/>
-            </a:solidFill>
-            <a:headEnd type="none" w="med" len="med"/>
-            <a:tailEnd type="triangle"/>
-          </a:ln>
-        </p:spPr>
-        <p:style>
-          <a:lnRef idx="1">
-            <a:schemeClr val="accent1"/>
-          </a:lnRef>
-          <a:fillRef idx="0">
-            <a:schemeClr val="accent1"/>
-          </a:fillRef>
-          <a:effectRef idx="0">
-            <a:schemeClr val="accent1"/>
-          </a:effectRef>
-          <a:fontRef idx="minor">
-            <a:schemeClr val="tx1"/>
-          </a:fontRef>
-        </p:style>
-      </p:cxnSp>
-      <p:grpSp>
-        <p:nvGrpSpPr>
-          <p:cNvPr id="68" name="グループ化 67">
-            <a:extLst>
-              <a:ext uri="{FF2B5EF4-FFF2-40B4-BE49-F238E27FC236}">
-                <a16:creationId xmlns:a16="http://schemas.microsoft.com/office/drawing/2014/main" id="{81A1F9B4-A837-4767-CE66-5FDC7DB7AA47}"/>
-              </a:ext>
-            </a:extLst>
-          </p:cNvPr>
-          <p:cNvGrpSpPr/>
-          <p:nvPr/>
-        </p:nvGrpSpPr>
-        <p:grpSpPr>
-          <a:xfrm>
-            <a:off x="2447771" y="5840830"/>
-            <a:ext cx="703773" cy="566537"/>
-            <a:chOff x="3284687" y="5877272"/>
-            <a:chExt cx="703773" cy="566537"/>
-          </a:xfrm>
-        </p:grpSpPr>
-        <p:pic>
-          <p:nvPicPr>
-            <p:cNvPr id="64" name="Picture 2" descr="掲示板に貼られた紙のイラスト（メモ）">
-              <a:extLst>
-                <a:ext uri="{FF2B5EF4-FFF2-40B4-BE49-F238E27FC236}">
-                  <a16:creationId xmlns:a16="http://schemas.microsoft.com/office/drawing/2014/main" id="{BC22D1C6-6F90-D206-9E3B-51EC9CD5C2C5}"/>
-                </a:ext>
-              </a:extLst>
-            </p:cNvPr>
-            <p:cNvPicPr>
-              <a:picLocks noChangeAspect="1" noChangeArrowheads="1"/>
-            </p:cNvPicPr>
-            <p:nvPr/>
-          </p:nvPicPr>
-          <p:blipFill>
-            <a:blip r:embed="rId4" cstate="print">
-              <a:extLst>
-                <a:ext uri="{28A0092B-C50C-407E-A947-70E740481C1C}">
-                  <a14:useLocalDpi xmlns:a14="http://schemas.microsoft.com/office/drawing/2010/main" val="0"/>
-                </a:ext>
-              </a:extLst>
-            </a:blip>
-            <a:srcRect/>
-            <a:stretch>
-              <a:fillRect/>
-            </a:stretch>
-          </p:blipFill>
-          <p:spPr bwMode="auto">
-            <a:xfrm>
-              <a:off x="3284687" y="5877272"/>
-              <a:ext cx="703773" cy="566537"/>
-            </a:xfrm>
-            <a:prstGeom prst="rect">
-              <a:avLst/>
-            </a:prstGeom>
-            <a:noFill/>
-            <a:extLst>
-              <a:ext uri="{909E8E84-426E-40DD-AFC4-6F175D3DCCD1}">
-                <a14:hiddenFill xmlns:a14="http://schemas.microsoft.com/office/drawing/2010/main">
-                  <a:solidFill>
-                    <a:srgbClr val="FFFFFF"/>
-                  </a:solidFill>
-                </a14:hiddenFill>
-              </a:ext>
-            </a:extLst>
-          </p:spPr>
-        </p:pic>
-        <p:grpSp>
-          <p:nvGrpSpPr>
-            <p:cNvPr id="60" name="グループ化 59">
-              <a:extLst>
-                <a:ext uri="{FF2B5EF4-FFF2-40B4-BE49-F238E27FC236}">
-                  <a16:creationId xmlns:a16="http://schemas.microsoft.com/office/drawing/2014/main" id="{C7F3DFD1-5B97-759D-4EB4-BBE6A51959F7}"/>
-                </a:ext>
-              </a:extLst>
-            </p:cNvPr>
-            <p:cNvGrpSpPr/>
-            <p:nvPr/>
-          </p:nvGrpSpPr>
-          <p:grpSpPr>
-            <a:xfrm>
-              <a:off x="3519970" y="6033364"/>
-              <a:ext cx="250304" cy="306529"/>
-              <a:chOff x="2043345" y="5485621"/>
-              <a:chExt cx="404426" cy="495270"/>
-            </a:xfrm>
-            <a:solidFill>
-              <a:srgbClr val="FF0000"/>
-            </a:solidFill>
-          </p:grpSpPr>
-          <p:sp>
-            <p:nvSpPr>
-              <p:cNvPr id="61" name="正方形/長方形 60">
-                <a:extLst>
-                  <a:ext uri="{FF2B5EF4-FFF2-40B4-BE49-F238E27FC236}">
-                    <a16:creationId xmlns:a16="http://schemas.microsoft.com/office/drawing/2014/main" id="{7DE788E0-CF84-19BB-72BC-C4EB1D5A08CA}"/>
-                  </a:ext>
-                </a:extLst>
-              </p:cNvPr>
-              <p:cNvSpPr/>
-              <p:nvPr/>
-            </p:nvSpPr>
-            <p:spPr>
-              <a:xfrm>
-                <a:off x="2043345" y="5485621"/>
-                <a:ext cx="304781" cy="495270"/>
-              </a:xfrm>
-              <a:prstGeom prst="rect">
-                <a:avLst/>
-              </a:prstGeom>
-              <a:grpFill/>
-              <a:ln>
-                <a:noFill/>
-              </a:ln>
-            </p:spPr>
-            <p:style>
-              <a:lnRef idx="2">
-                <a:schemeClr val="accent1">
-                  <a:shade val="50000"/>
-                </a:schemeClr>
-              </a:lnRef>
-              <a:fillRef idx="1">
-                <a:schemeClr val="accent1"/>
-              </a:fillRef>
-              <a:effectRef idx="0">
-                <a:schemeClr val="accent1"/>
-              </a:effectRef>
-              <a:fontRef idx="minor">
-                <a:schemeClr val="lt1"/>
-              </a:fontRef>
-            </p:style>
-            <p:txBody>
-              <a:bodyPr rtlCol="0" anchor="ctr"/>
-              <a:lstStyle/>
-              <a:p>
-                <a:pPr algn="ctr"/>
-                <a:endParaRPr kumimoji="1" lang="ja-JP" altLang="en-US"/>
-              </a:p>
-            </p:txBody>
-          </p:sp>
-          <p:sp>
-            <p:nvSpPr>
-              <p:cNvPr id="62" name="円/楕円 61">
-                <a:extLst>
-                  <a:ext uri="{FF2B5EF4-FFF2-40B4-BE49-F238E27FC236}">
-                    <a16:creationId xmlns:a16="http://schemas.microsoft.com/office/drawing/2014/main" id="{16876F60-B928-F132-3FA7-09C6D0896512}"/>
-                  </a:ext>
-                </a:extLst>
-              </p:cNvPr>
-              <p:cNvSpPr/>
-              <p:nvPr/>
-            </p:nvSpPr>
-            <p:spPr>
-              <a:xfrm>
-                <a:off x="2231747" y="5625244"/>
-                <a:ext cx="216024" cy="216024"/>
-              </a:xfrm>
-              <a:prstGeom prst="ellipse">
-                <a:avLst/>
-              </a:prstGeom>
-              <a:grpFill/>
-              <a:ln>
-                <a:noFill/>
-              </a:ln>
-            </p:spPr>
-            <p:style>
-              <a:lnRef idx="2">
-                <a:schemeClr val="accent1">
-                  <a:shade val="50000"/>
-                </a:schemeClr>
-              </a:lnRef>
-              <a:fillRef idx="1">
-                <a:schemeClr val="accent1"/>
-              </a:fillRef>
-              <a:effectRef idx="0">
-                <a:schemeClr val="accent1"/>
-              </a:effectRef>
-              <a:fontRef idx="minor">
-                <a:schemeClr val="lt1"/>
-              </a:fontRef>
-            </p:style>
-            <p:txBody>
-              <a:bodyPr rtlCol="0" anchor="ctr"/>
-              <a:lstStyle/>
-              <a:p>
-                <a:pPr algn="ctr"/>
-                <a:endParaRPr kumimoji="1" lang="ja-JP" altLang="en-US"/>
-              </a:p>
-            </p:txBody>
-          </p:sp>
-        </p:grpSp>
-      </p:grpSp>
-      <p:sp>
-        <p:nvSpPr>
-          <p:cNvPr id="69" name="テキスト ボックス 68">
-            <a:extLst>
-              <a:ext uri="{FF2B5EF4-FFF2-40B4-BE49-F238E27FC236}">
-                <a16:creationId xmlns:a16="http://schemas.microsoft.com/office/drawing/2014/main" id="{AB3BF710-270A-3505-FFDE-42A2A9668736}"/>
-              </a:ext>
-            </a:extLst>
-          </p:cNvPr>
-          <p:cNvSpPr txBox="1"/>
-          <p:nvPr/>
-        </p:nvSpPr>
-        <p:spPr>
-          <a:xfrm>
-            <a:off x="3047332" y="5975265"/>
-            <a:ext cx="311304" cy="369332"/>
-          </a:xfrm>
-          <a:prstGeom prst="rect">
-            <a:avLst/>
-          </a:prstGeom>
-          <a:noFill/>
-        </p:spPr>
-        <p:txBody>
-          <a:bodyPr wrap="none" rtlCol="0">
-            <a:spAutoFit/>
-          </a:bodyPr>
-          <a:lstStyle/>
-          <a:p>
-            <a:r>
-              <a:rPr kumimoji="1" lang="en-US" altLang="ja-JP" dirty="0"/>
-              <a:t>≠</a:t>
-            </a:r>
-            <a:endParaRPr kumimoji="1" lang="ja-JP" altLang="en-US"/>
-          </a:p>
-        </p:txBody>
-      </p:sp>
-      <p:grpSp>
-        <p:nvGrpSpPr>
-          <p:cNvPr id="70" name="グループ化 69">
-            <a:extLst>
-              <a:ext uri="{FF2B5EF4-FFF2-40B4-BE49-F238E27FC236}">
-                <a16:creationId xmlns:a16="http://schemas.microsoft.com/office/drawing/2014/main" id="{673CE9CF-9021-04C8-62C3-4DA19498F128}"/>
-              </a:ext>
-            </a:extLst>
-          </p:cNvPr>
-          <p:cNvGrpSpPr/>
-          <p:nvPr/>
-        </p:nvGrpSpPr>
-        <p:grpSpPr>
-          <a:xfrm>
-            <a:off x="3298736" y="5846524"/>
-            <a:ext cx="491092" cy="555148"/>
-            <a:chOff x="3980964" y="3583025"/>
-            <a:chExt cx="828092" cy="936104"/>
-          </a:xfrm>
-        </p:grpSpPr>
-        <p:sp>
-          <p:nvSpPr>
-            <p:cNvPr id="71" name="正方形/長方形 70">
-              <a:extLst>
-                <a:ext uri="{FF2B5EF4-FFF2-40B4-BE49-F238E27FC236}">
-                  <a16:creationId xmlns:a16="http://schemas.microsoft.com/office/drawing/2014/main" id="{0961A4F9-A234-EF0D-B8C5-FC5690C6E5B5}"/>
-                </a:ext>
-              </a:extLst>
-            </p:cNvPr>
-            <p:cNvSpPr/>
-            <p:nvPr/>
-          </p:nvSpPr>
-          <p:spPr>
-            <a:xfrm>
-              <a:off x="4232992" y="3583025"/>
-              <a:ext cx="576064" cy="936104"/>
-            </a:xfrm>
-            <a:prstGeom prst="rect">
-              <a:avLst/>
-            </a:prstGeom>
-            <a:solidFill>
-              <a:srgbClr val="FFC000"/>
-            </a:solidFill>
-            <a:ln>
-              <a:noFill/>
-            </a:ln>
-          </p:spPr>
-          <p:style>
-            <a:lnRef idx="2">
-              <a:schemeClr val="accent1">
-                <a:shade val="50000"/>
-              </a:schemeClr>
-            </a:lnRef>
-            <a:fillRef idx="1">
-              <a:schemeClr val="accent1"/>
-            </a:fillRef>
-            <a:effectRef idx="0">
-              <a:schemeClr val="accent1"/>
-            </a:effectRef>
-            <a:fontRef idx="minor">
-              <a:schemeClr val="lt1"/>
-            </a:fontRef>
-          </p:style>
-          <p:txBody>
-            <a:bodyPr rtlCol="0" anchor="ctr"/>
-            <a:lstStyle/>
-            <a:p>
-              <a:pPr algn="ctr"/>
-              <a:endParaRPr kumimoji="1" lang="ja-JP" altLang="en-US"/>
-            </a:p>
-          </p:txBody>
-        </p:sp>
-        <p:sp>
-          <p:nvSpPr>
-            <p:cNvPr id="72" name="三角形 71">
-              <a:extLst>
-                <a:ext uri="{FF2B5EF4-FFF2-40B4-BE49-F238E27FC236}">
-                  <a16:creationId xmlns:a16="http://schemas.microsoft.com/office/drawing/2014/main" id="{0552A2CD-57E1-0C6C-CB1B-0CD9F0A46FD2}"/>
-                </a:ext>
-              </a:extLst>
-            </p:cNvPr>
-            <p:cNvSpPr/>
-            <p:nvPr/>
-          </p:nvSpPr>
-          <p:spPr>
-            <a:xfrm rot="5400000">
-              <a:off x="4016968" y="3799049"/>
-              <a:ext cx="432048" cy="504056"/>
-            </a:xfrm>
-            <a:prstGeom prst="triangle">
-              <a:avLst/>
-            </a:prstGeom>
-            <a:solidFill>
-              <a:schemeClr val="bg1">
-                <a:lumMod val="95000"/>
-              </a:schemeClr>
-            </a:solidFill>
-            <a:ln>
-              <a:noFill/>
-            </a:ln>
-          </p:spPr>
-          <p:style>
-            <a:lnRef idx="2">
-              <a:schemeClr val="accent1">
-                <a:shade val="50000"/>
-              </a:schemeClr>
-            </a:lnRef>
-            <a:fillRef idx="1">
-              <a:schemeClr val="accent1"/>
-            </a:fillRef>
-            <a:effectRef idx="0">
-              <a:schemeClr val="accent1"/>
-            </a:effectRef>
-            <a:fontRef idx="minor">
-              <a:schemeClr val="lt1"/>
-            </a:fontRef>
-          </p:style>
-          <p:txBody>
-            <a:bodyPr rtlCol="0" anchor="ctr"/>
-            <a:lstStyle/>
-            <a:p>
-              <a:pPr algn="ctr"/>
-              <a:endParaRPr kumimoji="1" lang="ja-JP" altLang="en-US"/>
-            </a:p>
-          </p:txBody>
-        </p:sp>
-      </p:grpSp>
-    </p:spTree>
-    <p:extLst>
-      <p:ext uri="{BB962C8B-B14F-4D97-AF65-F5344CB8AC3E}">
-        <p14:creationId xmlns:p14="http://schemas.microsoft.com/office/powerpoint/2010/main" val="2967209804"/>
-      </p:ext>
-    </p:extLst>
-  </p:cSld>
-  <p:clrMapOvr>
-    <a:masterClrMapping/>
-  </p:clrMapOvr>
-</p:sld>
-</file>
-
-<file path=ppt/slides/slide14.xml><?xml version="1.0" encoding="utf-8"?>
-<p:sld xmlns:a="http://schemas.openxmlformats.org/drawingml/2006/main" xmlns:r="http://schemas.openxmlformats.org/officeDocument/2006/relationships" xmlns:p="http://schemas.openxmlformats.org/presentationml/2006/main">
-  <p:cSld>
-    <p:spTree>
-      <p:nvGrpSpPr>
-        <p:cNvPr id="1" name=""/>
-        <p:cNvGrpSpPr/>
-        <p:nvPr/>
-      </p:nvGrpSpPr>
-      <p:grpSpPr>
-        <a:xfrm>
-          <a:off x="0" y="0"/>
-          <a:ext cx="0" cy="0"/>
-          <a:chOff x="0" y="0"/>
-          <a:chExt cx="0" cy="0"/>
-        </a:xfrm>
-      </p:grpSpPr>
       <p:grpSp>
         <p:nvGrpSpPr>
           <p:cNvPr id="11" name="グループ化 10">
@@ -6524,7 +2160,7 @@
 </p:sld>
 </file>
 
-<file path=ppt/slides/slide15.xml><?xml version="1.0" encoding="utf-8"?>
+<file path=ppt/slides/slide11.xml><?xml version="1.0" encoding="utf-8"?>
 <p:sld xmlns:a="http://schemas.openxmlformats.org/drawingml/2006/main" xmlns:r="http://schemas.openxmlformats.org/officeDocument/2006/relationships" xmlns:p="http://schemas.openxmlformats.org/presentationml/2006/main">
   <p:cSld>
     <p:spTree>
@@ -8083,6 +3719,4370 @@
     <p:extLst>
       <p:ext uri="{BB962C8B-B14F-4D97-AF65-F5344CB8AC3E}">
         <p14:creationId xmlns:p14="http://schemas.microsoft.com/office/powerpoint/2010/main" val="3947807512"/>
+      </p:ext>
+    </p:extLst>
+  </p:cSld>
+  <p:clrMapOvr>
+    <a:masterClrMapping/>
+  </p:clrMapOvr>
+</p:sld>
+</file>
+
+<file path=ppt/slides/slide12.xml><?xml version="1.0" encoding="utf-8"?>
+<p:sld xmlns:a="http://schemas.openxmlformats.org/drawingml/2006/main" xmlns:r="http://schemas.openxmlformats.org/officeDocument/2006/relationships" xmlns:p="http://schemas.openxmlformats.org/presentationml/2006/main">
+  <p:cSld>
+    <p:spTree>
+      <p:nvGrpSpPr>
+        <p:cNvPr id="1" name=""/>
+        <p:cNvGrpSpPr/>
+        <p:nvPr/>
+      </p:nvGrpSpPr>
+      <p:grpSpPr>
+        <a:xfrm>
+          <a:off x="0" y="0"/>
+          <a:ext cx="0" cy="0"/>
+          <a:chOff x="0" y="0"/>
+          <a:chExt cx="0" cy="0"/>
+        </a:xfrm>
+      </p:grpSpPr>
+      <p:sp>
+        <p:nvSpPr>
+          <p:cNvPr id="2" name="テキスト プレースホルダー 1">
+            <a:extLst>
+              <a:ext uri="{FF2B5EF4-FFF2-40B4-BE49-F238E27FC236}">
+                <a16:creationId xmlns:a16="http://schemas.microsoft.com/office/drawing/2014/main" id="{37934764-EE7D-82EF-7324-AF8E50D8331E}"/>
+              </a:ext>
+            </a:extLst>
+          </p:cNvPr>
+          <p:cNvSpPr>
+            <a:spLocks noGrp="1"/>
+          </p:cNvSpPr>
+          <p:nvPr>
+            <p:ph type="body" sz="quarter" idx="10"/>
+          </p:nvPr>
+        </p:nvSpPr>
+        <p:spPr/>
+        <p:txBody>
+          <a:bodyPr/>
+          <a:lstStyle/>
+          <a:p>
+            <a:r>
+              <a:rPr kumimoji="1" lang="ja-JP" altLang="en-US"/>
+              <a:t>ホスト認証</a:t>
+            </a:r>
+          </a:p>
+        </p:txBody>
+      </p:sp>
+      <p:pic>
+        <p:nvPicPr>
+          <p:cNvPr id="3" name="Picture 8" descr="会社で働く人のイラスト（男性）">
+            <a:extLst>
+              <a:ext uri="{FF2B5EF4-FFF2-40B4-BE49-F238E27FC236}">
+                <a16:creationId xmlns:a16="http://schemas.microsoft.com/office/drawing/2014/main" id="{D3DC81BA-3853-BB20-CAC1-694C77D26FE2}"/>
+              </a:ext>
+            </a:extLst>
+          </p:cNvPr>
+          <p:cNvPicPr>
+            <a:picLocks noChangeAspect="1" noChangeArrowheads="1"/>
+          </p:cNvPicPr>
+          <p:nvPr/>
+        </p:nvPicPr>
+        <p:blipFill>
+          <a:blip r:embed="rId2">
+            <a:extLst>
+              <a:ext uri="{28A0092B-C50C-407E-A947-70E740481C1C}">
+                <a14:useLocalDpi xmlns:a14="http://schemas.microsoft.com/office/drawing/2010/main" val="0"/>
+              </a:ext>
+            </a:extLst>
+          </a:blip>
+          <a:srcRect/>
+          <a:stretch>
+            <a:fillRect/>
+          </a:stretch>
+        </p:blipFill>
+        <p:spPr bwMode="auto">
+          <a:xfrm>
+            <a:off x="1259632" y="2564904"/>
+            <a:ext cx="1004629" cy="1004629"/>
+          </a:xfrm>
+          <a:prstGeom prst="rect">
+            <a:avLst/>
+          </a:prstGeom>
+          <a:noFill/>
+          <a:extLst>
+            <a:ext uri="{909E8E84-426E-40DD-AFC4-6F175D3DCCD1}">
+              <a14:hiddenFill xmlns:a14="http://schemas.microsoft.com/office/drawing/2010/main">
+                <a:solidFill>
+                  <a:srgbClr val="FFFFFF"/>
+                </a:solidFill>
+              </a14:hiddenFill>
+            </a:ext>
+          </a:extLst>
+        </p:spPr>
+      </p:pic>
+      <p:sp>
+        <p:nvSpPr>
+          <p:cNvPr id="4" name="テキスト ボックス 3">
+            <a:extLst>
+              <a:ext uri="{FF2B5EF4-FFF2-40B4-BE49-F238E27FC236}">
+                <a16:creationId xmlns:a16="http://schemas.microsoft.com/office/drawing/2014/main" id="{4CC6A931-9E96-8FBD-2BA9-A2EBB5080011}"/>
+              </a:ext>
+            </a:extLst>
+          </p:cNvPr>
+          <p:cNvSpPr txBox="1"/>
+          <p:nvPr/>
+        </p:nvSpPr>
+        <p:spPr>
+          <a:xfrm>
+            <a:off x="555516" y="944194"/>
+            <a:ext cx="7976924" cy="646331"/>
+          </a:xfrm>
+          <a:prstGeom prst="rect">
+            <a:avLst/>
+          </a:prstGeom>
+          <a:noFill/>
+        </p:spPr>
+        <p:txBody>
+          <a:bodyPr wrap="square" rtlCol="0">
+            <a:spAutoFit/>
+          </a:bodyPr>
+          <a:lstStyle/>
+          <a:p>
+            <a:r>
+              <a:rPr kumimoji="1" lang="ja-JP" altLang="en-US"/>
+              <a:t>インターネットは情報がリレーされるので、途中に悪意ある中継点があると通信路が書き換えられるおそれがある</a:t>
+            </a:r>
+          </a:p>
+        </p:txBody>
+      </p:sp>
+      <p:pic>
+        <p:nvPicPr>
+          <p:cNvPr id="5" name="Picture 2" descr="悪人のイラスト「黒いシルエット」">
+            <a:extLst>
+              <a:ext uri="{FF2B5EF4-FFF2-40B4-BE49-F238E27FC236}">
+                <a16:creationId xmlns:a16="http://schemas.microsoft.com/office/drawing/2014/main" id="{30DE6CC0-B0A5-D6A4-C862-A76A67D4E384}"/>
+              </a:ext>
+            </a:extLst>
+          </p:cNvPr>
+          <p:cNvPicPr>
+            <a:picLocks noChangeAspect="1" noChangeArrowheads="1"/>
+          </p:cNvPicPr>
+          <p:nvPr/>
+        </p:nvPicPr>
+        <p:blipFill>
+          <a:blip r:embed="rId3" cstate="print">
+            <a:extLst>
+              <a:ext uri="{28A0092B-C50C-407E-A947-70E740481C1C}">
+                <a14:useLocalDpi xmlns:a14="http://schemas.microsoft.com/office/drawing/2010/main" val="0"/>
+              </a:ext>
+            </a:extLst>
+          </a:blip>
+          <a:srcRect/>
+          <a:stretch>
+            <a:fillRect/>
+          </a:stretch>
+        </p:blipFill>
+        <p:spPr bwMode="auto">
+          <a:xfrm flipH="1">
+            <a:off x="3799918" y="4348076"/>
+            <a:ext cx="983096" cy="1166880"/>
+          </a:xfrm>
+          <a:prstGeom prst="rect">
+            <a:avLst/>
+          </a:prstGeom>
+          <a:noFill/>
+          <a:extLst>
+            <a:ext uri="{909E8E84-426E-40DD-AFC4-6F175D3DCCD1}">
+              <a14:hiddenFill xmlns:a14="http://schemas.microsoft.com/office/drawing/2010/main">
+                <a:solidFill>
+                  <a:srgbClr val="FFFFFF"/>
+                </a:solidFill>
+              </a14:hiddenFill>
+            </a:ext>
+          </a:extLst>
+        </p:spPr>
+      </p:pic>
+      <p:pic>
+        <p:nvPicPr>
+          <p:cNvPr id="6" name="図 5">
+            <a:extLst>
+              <a:ext uri="{FF2B5EF4-FFF2-40B4-BE49-F238E27FC236}">
+                <a16:creationId xmlns:a16="http://schemas.microsoft.com/office/drawing/2014/main" id="{D91EFC8F-7D34-C3DC-7369-D3B70182488E}"/>
+              </a:ext>
+            </a:extLst>
+          </p:cNvPr>
+          <p:cNvPicPr>
+            <a:picLocks noChangeAspect="1"/>
+          </p:cNvPicPr>
+          <p:nvPr/>
+        </p:nvPicPr>
+        <p:blipFill>
+          <a:blip r:embed="rId4"/>
+          <a:stretch>
+            <a:fillRect/>
+          </a:stretch>
+        </p:blipFill>
+        <p:spPr>
+          <a:xfrm>
+            <a:off x="6516216" y="2716377"/>
+            <a:ext cx="716898" cy="716898"/>
+          </a:xfrm>
+          <a:prstGeom prst="rect">
+            <a:avLst/>
+          </a:prstGeom>
+        </p:spPr>
+      </p:pic>
+      <p:pic>
+        <p:nvPicPr>
+          <p:cNvPr id="2050" name="Picture 2" descr="Wi-Fi無線ルーターのイラスト">
+            <a:extLst>
+              <a:ext uri="{FF2B5EF4-FFF2-40B4-BE49-F238E27FC236}">
+                <a16:creationId xmlns:a16="http://schemas.microsoft.com/office/drawing/2014/main" id="{478356E9-F61B-D165-718B-939BFBA87DA7}"/>
+              </a:ext>
+            </a:extLst>
+          </p:cNvPr>
+          <p:cNvPicPr>
+            <a:picLocks noChangeAspect="1" noChangeArrowheads="1"/>
+          </p:cNvPicPr>
+          <p:nvPr/>
+        </p:nvPicPr>
+        <p:blipFill>
+          <a:blip r:embed="rId5" cstate="print">
+            <a:extLst>
+              <a:ext uri="{28A0092B-C50C-407E-A947-70E740481C1C}">
+                <a14:useLocalDpi xmlns:a14="http://schemas.microsoft.com/office/drawing/2010/main" val="0"/>
+              </a:ext>
+            </a:extLst>
+          </a:blip>
+          <a:srcRect/>
+          <a:stretch>
+            <a:fillRect/>
+          </a:stretch>
+        </p:blipFill>
+        <p:spPr bwMode="auto">
+          <a:xfrm flipH="1">
+            <a:off x="3822174" y="2367574"/>
+            <a:ext cx="942256" cy="1166880"/>
+          </a:xfrm>
+          <a:prstGeom prst="rect">
+            <a:avLst/>
+          </a:prstGeom>
+          <a:noFill/>
+          <a:extLst>
+            <a:ext uri="{909E8E84-426E-40DD-AFC4-6F175D3DCCD1}">
+              <a14:hiddenFill xmlns:a14="http://schemas.microsoft.com/office/drawing/2010/main">
+                <a:solidFill>
+                  <a:srgbClr val="FFFFFF"/>
+                </a:solidFill>
+              </a14:hiddenFill>
+            </a:ext>
+          </a:extLst>
+        </p:spPr>
+      </p:pic>
+      <p:pic>
+        <p:nvPicPr>
+          <p:cNvPr id="2052" name="Picture 4" descr="骸骨・海賊のマークのイラスト">
+            <a:extLst>
+              <a:ext uri="{FF2B5EF4-FFF2-40B4-BE49-F238E27FC236}">
+                <a16:creationId xmlns:a16="http://schemas.microsoft.com/office/drawing/2014/main" id="{CECEFED9-0CE3-0609-9E15-416701ED2006}"/>
+              </a:ext>
+            </a:extLst>
+          </p:cNvPr>
+          <p:cNvPicPr>
+            <a:picLocks noChangeAspect="1" noChangeArrowheads="1"/>
+          </p:cNvPicPr>
+          <p:nvPr/>
+        </p:nvPicPr>
+        <p:blipFill>
+          <a:blip r:embed="rId6" cstate="print">
+            <a:extLst>
+              <a:ext uri="{28A0092B-C50C-407E-A947-70E740481C1C}">
+                <a14:useLocalDpi xmlns:a14="http://schemas.microsoft.com/office/drawing/2010/main" val="0"/>
+              </a:ext>
+            </a:extLst>
+          </a:blip>
+          <a:srcRect/>
+          <a:stretch>
+            <a:fillRect/>
+          </a:stretch>
+        </p:blipFill>
+        <p:spPr bwMode="auto">
+          <a:xfrm>
+            <a:off x="4088166" y="2982357"/>
+            <a:ext cx="555842" cy="472465"/>
+          </a:xfrm>
+          <a:prstGeom prst="rect">
+            <a:avLst/>
+          </a:prstGeom>
+          <a:noFill/>
+          <a:extLst>
+            <a:ext uri="{909E8E84-426E-40DD-AFC4-6F175D3DCCD1}">
+              <a14:hiddenFill xmlns:a14="http://schemas.microsoft.com/office/drawing/2010/main">
+                <a:solidFill>
+                  <a:srgbClr val="FFFFFF"/>
+                </a:solidFill>
+              </a14:hiddenFill>
+            </a:ext>
+          </a:extLst>
+        </p:spPr>
+      </p:pic>
+      <p:cxnSp>
+        <p:nvCxnSpPr>
+          <p:cNvPr id="8" name="直線コネクタ 7">
+            <a:extLst>
+              <a:ext uri="{FF2B5EF4-FFF2-40B4-BE49-F238E27FC236}">
+                <a16:creationId xmlns:a16="http://schemas.microsoft.com/office/drawing/2014/main" id="{7FC6CA5A-0CED-E19F-8386-6CFDA824D4FE}"/>
+              </a:ext>
+            </a:extLst>
+          </p:cNvPr>
+          <p:cNvCxnSpPr>
+            <a:stCxn id="3" idx="3"/>
+          </p:cNvCxnSpPr>
+          <p:nvPr/>
+        </p:nvCxnSpPr>
+        <p:spPr>
+          <a:xfrm>
+            <a:off x="2264261" y="3067219"/>
+            <a:ext cx="1557913" cy="1741"/>
+          </a:xfrm>
+          <a:prstGeom prst="line">
+            <a:avLst/>
+          </a:prstGeom>
+          <a:ln>
+            <a:solidFill>
+              <a:schemeClr val="tx1"/>
+            </a:solidFill>
+            <a:headEnd type="none" w="med" len="med"/>
+            <a:tailEnd type="triangle" w="med" len="med"/>
+          </a:ln>
+        </p:spPr>
+        <p:style>
+          <a:lnRef idx="1">
+            <a:schemeClr val="accent1"/>
+          </a:lnRef>
+          <a:fillRef idx="0">
+            <a:schemeClr val="accent1"/>
+          </a:fillRef>
+          <a:effectRef idx="0">
+            <a:schemeClr val="accent1"/>
+          </a:effectRef>
+          <a:fontRef idx="minor">
+            <a:schemeClr val="tx1"/>
+          </a:fontRef>
+        </p:style>
+      </p:cxnSp>
+      <p:cxnSp>
+        <p:nvCxnSpPr>
+          <p:cNvPr id="10" name="直線矢印コネクタ 9">
+            <a:extLst>
+              <a:ext uri="{FF2B5EF4-FFF2-40B4-BE49-F238E27FC236}">
+                <a16:creationId xmlns:a16="http://schemas.microsoft.com/office/drawing/2014/main" id="{1DFABB1E-D8E9-E42A-0357-0A1E06444860}"/>
+              </a:ext>
+            </a:extLst>
+          </p:cNvPr>
+          <p:cNvCxnSpPr>
+            <a:stCxn id="2050" idx="2"/>
+            <a:endCxn id="5" idx="0"/>
+          </p:cNvCxnSpPr>
+          <p:nvPr/>
+        </p:nvCxnSpPr>
+        <p:spPr>
+          <a:xfrm flipH="1">
+            <a:off x="4291466" y="3534454"/>
+            <a:ext cx="1836" cy="813622"/>
+          </a:xfrm>
+          <a:prstGeom prst="straightConnector1">
+            <a:avLst/>
+          </a:prstGeom>
+          <a:ln>
+            <a:solidFill>
+              <a:schemeClr val="tx1"/>
+            </a:solidFill>
+            <a:headEnd type="none" w="med" len="med"/>
+            <a:tailEnd type="triangle"/>
+          </a:ln>
+        </p:spPr>
+        <p:style>
+          <a:lnRef idx="1">
+            <a:schemeClr val="accent1"/>
+          </a:lnRef>
+          <a:fillRef idx="0">
+            <a:schemeClr val="accent1"/>
+          </a:fillRef>
+          <a:effectRef idx="0">
+            <a:schemeClr val="accent1"/>
+          </a:effectRef>
+          <a:fontRef idx="minor">
+            <a:schemeClr val="tx1"/>
+          </a:fontRef>
+        </p:style>
+      </p:cxnSp>
+      <p:sp>
+        <p:nvSpPr>
+          <p:cNvPr id="12" name="テキスト ボックス 11">
+            <a:extLst>
+              <a:ext uri="{FF2B5EF4-FFF2-40B4-BE49-F238E27FC236}">
+                <a16:creationId xmlns:a16="http://schemas.microsoft.com/office/drawing/2014/main" id="{6B1DD7F9-CC7D-4EB5-63C6-F264C4CDEB49}"/>
+              </a:ext>
+            </a:extLst>
+          </p:cNvPr>
+          <p:cNvSpPr txBox="1"/>
+          <p:nvPr/>
+        </p:nvSpPr>
+        <p:spPr>
+          <a:xfrm>
+            <a:off x="827584" y="5805264"/>
+            <a:ext cx="5955476" cy="646331"/>
+          </a:xfrm>
+          <a:prstGeom prst="rect">
+            <a:avLst/>
+          </a:prstGeom>
+          <a:noFill/>
+        </p:spPr>
+        <p:txBody>
+          <a:bodyPr wrap="none" rtlCol="0">
+            <a:spAutoFit/>
+          </a:bodyPr>
+          <a:lstStyle/>
+          <a:p>
+            <a:r>
+              <a:rPr kumimoji="1" lang="ja-JP" altLang="en-US"/>
+              <a:t>通信相手が正しいホストであると確認する→ホスト認証</a:t>
+            </a:r>
+            <a:endParaRPr kumimoji="1" lang="en-US" altLang="ja-JP" dirty="0"/>
+          </a:p>
+          <a:p>
+            <a:r>
+              <a:rPr lang="ja-JP" altLang="en-US">
+                <a:solidFill>
+                  <a:srgbClr val="FF0000"/>
+                </a:solidFill>
+              </a:rPr>
+              <a:t>ユーザ認証の前</a:t>
+            </a:r>
+            <a:r>
+              <a:rPr lang="ja-JP" altLang="en-US"/>
+              <a:t>に行われる</a:t>
+            </a:r>
+            <a:endParaRPr kumimoji="1" lang="ja-JP" altLang="en-US"/>
+          </a:p>
+        </p:txBody>
+      </p:sp>
+    </p:spTree>
+    <p:extLst>
+      <p:ext uri="{BB962C8B-B14F-4D97-AF65-F5344CB8AC3E}">
+        <p14:creationId xmlns:p14="http://schemas.microsoft.com/office/powerpoint/2010/main" val="3765241661"/>
+      </p:ext>
+    </p:extLst>
+  </p:cSld>
+  <p:clrMapOvr>
+    <a:masterClrMapping/>
+  </p:clrMapOvr>
+</p:sld>
+</file>
+
+<file path=ppt/slides/slide13.xml><?xml version="1.0" encoding="utf-8"?>
+<p:sld xmlns:a="http://schemas.openxmlformats.org/drawingml/2006/main" xmlns:r="http://schemas.openxmlformats.org/officeDocument/2006/relationships" xmlns:p="http://schemas.openxmlformats.org/presentationml/2006/main">
+  <p:cSld>
+    <p:spTree>
+      <p:nvGrpSpPr>
+        <p:cNvPr id="1" name=""/>
+        <p:cNvGrpSpPr/>
+        <p:nvPr/>
+      </p:nvGrpSpPr>
+      <p:grpSpPr>
+        <a:xfrm>
+          <a:off x="0" y="0"/>
+          <a:ext cx="0" cy="0"/>
+          <a:chOff x="0" y="0"/>
+          <a:chExt cx="0" cy="0"/>
+        </a:xfrm>
+      </p:grpSpPr>
+      <p:sp>
+        <p:nvSpPr>
+          <p:cNvPr id="2" name="テキスト プレースホルダー 1">
+            <a:extLst>
+              <a:ext uri="{FF2B5EF4-FFF2-40B4-BE49-F238E27FC236}">
+                <a16:creationId xmlns:a16="http://schemas.microsoft.com/office/drawing/2014/main" id="{2856B158-0DF0-BE58-5923-FC575624C2FA}"/>
+              </a:ext>
+            </a:extLst>
+          </p:cNvPr>
+          <p:cNvSpPr>
+            <a:spLocks noGrp="1"/>
+          </p:cNvSpPr>
+          <p:nvPr>
+            <p:ph type="body" sz="quarter" idx="10"/>
+          </p:nvPr>
+        </p:nvSpPr>
+        <p:spPr/>
+        <p:txBody>
+          <a:bodyPr/>
+          <a:lstStyle/>
+          <a:p>
+            <a:r>
+              <a:rPr kumimoji="1" lang="ja-JP" altLang="en-US"/>
+              <a:t>ホスト認証</a:t>
+            </a:r>
+            <a:r>
+              <a:rPr kumimoji="1" lang="en-US" altLang="ja-JP" dirty="0"/>
+              <a:t>(</a:t>
+            </a:r>
+            <a:r>
+              <a:rPr kumimoji="1" lang="ja-JP" altLang="en-US"/>
+              <a:t>初回</a:t>
+            </a:r>
+            <a:r>
+              <a:rPr kumimoji="1" lang="en-US" altLang="ja-JP" dirty="0"/>
+              <a:t>)</a:t>
+            </a:r>
+            <a:endParaRPr kumimoji="1" lang="ja-JP" altLang="en-US"/>
+          </a:p>
+        </p:txBody>
+      </p:sp>
+      <p:pic>
+        <p:nvPicPr>
+          <p:cNvPr id="4" name="Picture 8" descr="会社で働く人のイラスト（男性）">
+            <a:extLst>
+              <a:ext uri="{FF2B5EF4-FFF2-40B4-BE49-F238E27FC236}">
+                <a16:creationId xmlns:a16="http://schemas.microsoft.com/office/drawing/2014/main" id="{5865CAD8-412C-FB6E-9879-3A315EB39768}"/>
+              </a:ext>
+            </a:extLst>
+          </p:cNvPr>
+          <p:cNvPicPr>
+            <a:picLocks noChangeAspect="1" noChangeArrowheads="1"/>
+          </p:cNvPicPr>
+          <p:nvPr/>
+        </p:nvPicPr>
+        <p:blipFill>
+          <a:blip r:embed="rId2">
+            <a:extLst>
+              <a:ext uri="{28A0092B-C50C-407E-A947-70E740481C1C}">
+                <a14:useLocalDpi xmlns:a14="http://schemas.microsoft.com/office/drawing/2010/main" val="0"/>
+              </a:ext>
+            </a:extLst>
+          </a:blip>
+          <a:srcRect/>
+          <a:stretch>
+            <a:fillRect/>
+          </a:stretch>
+        </p:blipFill>
+        <p:spPr bwMode="auto">
+          <a:xfrm flipH="1">
+            <a:off x="2991773" y="1711827"/>
+            <a:ext cx="777586" cy="777586"/>
+          </a:xfrm>
+          <a:prstGeom prst="rect">
+            <a:avLst/>
+          </a:prstGeom>
+          <a:noFill/>
+          <a:extLst>
+            <a:ext uri="{909E8E84-426E-40DD-AFC4-6F175D3DCCD1}">
+              <a14:hiddenFill xmlns:a14="http://schemas.microsoft.com/office/drawing/2010/main">
+                <a:solidFill>
+                  <a:srgbClr val="FFFFFF"/>
+                </a:solidFill>
+              </a14:hiddenFill>
+            </a:ext>
+          </a:extLst>
+        </p:spPr>
+      </p:pic>
+      <p:sp>
+        <p:nvSpPr>
+          <p:cNvPr id="5" name="テキスト ボックス 4">
+            <a:extLst>
+              <a:ext uri="{FF2B5EF4-FFF2-40B4-BE49-F238E27FC236}">
+                <a16:creationId xmlns:a16="http://schemas.microsoft.com/office/drawing/2014/main" id="{F1018928-47C5-F477-F7AF-E2A6FFA78943}"/>
+              </a:ext>
+            </a:extLst>
+          </p:cNvPr>
+          <p:cNvSpPr txBox="1"/>
+          <p:nvPr/>
+        </p:nvSpPr>
+        <p:spPr>
+          <a:xfrm>
+            <a:off x="903937" y="1155573"/>
+            <a:ext cx="7340471" cy="369332"/>
+          </a:xfrm>
+          <a:prstGeom prst="rect">
+            <a:avLst/>
+          </a:prstGeom>
+          <a:noFill/>
+        </p:spPr>
+        <p:txBody>
+          <a:bodyPr wrap="none" rtlCol="0">
+            <a:spAutoFit/>
+          </a:bodyPr>
+          <a:lstStyle/>
+          <a:p>
+            <a:r>
+              <a:rPr kumimoji="1" lang="ja-JP" altLang="en-US"/>
+              <a:t>初めて接続するホストで、クライアントが公開鍵を持っていない場合</a:t>
+            </a:r>
+          </a:p>
+        </p:txBody>
+      </p:sp>
+      <p:pic>
+        <p:nvPicPr>
+          <p:cNvPr id="6" name="図 5">
+            <a:extLst>
+              <a:ext uri="{FF2B5EF4-FFF2-40B4-BE49-F238E27FC236}">
+                <a16:creationId xmlns:a16="http://schemas.microsoft.com/office/drawing/2014/main" id="{E9B42F60-4D44-414B-6C38-098BF38BFD85}"/>
+              </a:ext>
+            </a:extLst>
+          </p:cNvPr>
+          <p:cNvPicPr>
+            <a:picLocks noChangeAspect="1"/>
+          </p:cNvPicPr>
+          <p:nvPr/>
+        </p:nvPicPr>
+        <p:blipFill>
+          <a:blip r:embed="rId3"/>
+          <a:stretch>
+            <a:fillRect/>
+          </a:stretch>
+        </p:blipFill>
+        <p:spPr>
+          <a:xfrm>
+            <a:off x="671277" y="1836886"/>
+            <a:ext cx="716898" cy="716898"/>
+          </a:xfrm>
+          <a:prstGeom prst="rect">
+            <a:avLst/>
+          </a:prstGeom>
+        </p:spPr>
+      </p:pic>
+      <p:sp>
+        <p:nvSpPr>
+          <p:cNvPr id="13" name="テキスト ボックス 12">
+            <a:extLst>
+              <a:ext uri="{FF2B5EF4-FFF2-40B4-BE49-F238E27FC236}">
+                <a16:creationId xmlns:a16="http://schemas.microsoft.com/office/drawing/2014/main" id="{2DE1A010-C164-C9C7-DAAA-E16DC0190283}"/>
+              </a:ext>
+            </a:extLst>
+          </p:cNvPr>
+          <p:cNvSpPr txBox="1"/>
+          <p:nvPr/>
+        </p:nvSpPr>
+        <p:spPr>
+          <a:xfrm>
+            <a:off x="4269802" y="3389346"/>
+            <a:ext cx="3903633" cy="369332"/>
+          </a:xfrm>
+          <a:prstGeom prst="rect">
+            <a:avLst/>
+          </a:prstGeom>
+          <a:noFill/>
+        </p:spPr>
+        <p:txBody>
+          <a:bodyPr wrap="none" rtlCol="0">
+            <a:spAutoFit/>
+          </a:bodyPr>
+          <a:lstStyle/>
+          <a:p>
+            <a:r>
+              <a:rPr kumimoji="1" lang="en-US" altLang="ja-JP" dirty="0"/>
+              <a:t>1. </a:t>
+            </a:r>
+            <a:r>
+              <a:rPr kumimoji="1" lang="ja-JP" altLang="en-US"/>
+              <a:t>ホストから公開鍵が送られてくる</a:t>
+            </a:r>
+          </a:p>
+        </p:txBody>
+      </p:sp>
+      <p:cxnSp>
+        <p:nvCxnSpPr>
+          <p:cNvPr id="15" name="直線矢印コネクタ 14">
+            <a:extLst>
+              <a:ext uri="{FF2B5EF4-FFF2-40B4-BE49-F238E27FC236}">
+                <a16:creationId xmlns:a16="http://schemas.microsoft.com/office/drawing/2014/main" id="{A6B8733E-A84D-DE8C-04ED-DFD3444C73EC}"/>
+              </a:ext>
+            </a:extLst>
+          </p:cNvPr>
+          <p:cNvCxnSpPr>
+            <a:cxnSpLocks/>
+          </p:cNvCxnSpPr>
+          <p:nvPr/>
+        </p:nvCxnSpPr>
+        <p:spPr>
+          <a:xfrm>
+            <a:off x="1647118" y="3566140"/>
+            <a:ext cx="948618" cy="0"/>
+          </a:xfrm>
+          <a:prstGeom prst="straightConnector1">
+            <a:avLst/>
+          </a:prstGeom>
+          <a:ln>
+            <a:solidFill>
+              <a:schemeClr val="tx1"/>
+            </a:solidFill>
+            <a:headEnd type="none" w="med" len="med"/>
+            <a:tailEnd type="triangle"/>
+          </a:ln>
+        </p:spPr>
+        <p:style>
+          <a:lnRef idx="1">
+            <a:schemeClr val="accent1"/>
+          </a:lnRef>
+          <a:fillRef idx="0">
+            <a:schemeClr val="accent1"/>
+          </a:fillRef>
+          <a:effectRef idx="0">
+            <a:schemeClr val="accent1"/>
+          </a:effectRef>
+          <a:fontRef idx="minor">
+            <a:schemeClr val="tx1"/>
+          </a:fontRef>
+        </p:style>
+      </p:cxnSp>
+      <p:sp>
+        <p:nvSpPr>
+          <p:cNvPr id="20" name="テキスト ボックス 19">
+            <a:extLst>
+              <a:ext uri="{FF2B5EF4-FFF2-40B4-BE49-F238E27FC236}">
+                <a16:creationId xmlns:a16="http://schemas.microsoft.com/office/drawing/2014/main" id="{39095693-46F9-F492-703D-509C492B5E87}"/>
+              </a:ext>
+            </a:extLst>
+          </p:cNvPr>
+          <p:cNvSpPr txBox="1"/>
+          <p:nvPr/>
+        </p:nvSpPr>
+        <p:spPr>
+          <a:xfrm>
+            <a:off x="4269802" y="4305186"/>
+            <a:ext cx="3672800" cy="369332"/>
+          </a:xfrm>
+          <a:prstGeom prst="rect">
+            <a:avLst/>
+          </a:prstGeom>
+          <a:noFill/>
+        </p:spPr>
+        <p:txBody>
+          <a:bodyPr wrap="none" rtlCol="0">
+            <a:spAutoFit/>
+          </a:bodyPr>
+          <a:lstStyle/>
+          <a:p>
+            <a:r>
+              <a:rPr kumimoji="1" lang="en-US" altLang="ja-JP" dirty="0"/>
+              <a:t>2. </a:t>
+            </a:r>
+            <a:r>
+              <a:rPr kumimoji="1" lang="ja-JP" altLang="en-US"/>
+              <a:t>この公開鍵を信じるか確認する</a:t>
+            </a:r>
+          </a:p>
+        </p:txBody>
+      </p:sp>
+      <p:sp>
+        <p:nvSpPr>
+          <p:cNvPr id="24" name="テキスト ボックス 23">
+            <a:extLst>
+              <a:ext uri="{FF2B5EF4-FFF2-40B4-BE49-F238E27FC236}">
+                <a16:creationId xmlns:a16="http://schemas.microsoft.com/office/drawing/2014/main" id="{67286F1D-A85E-4902-6BA6-55DD34456301}"/>
+              </a:ext>
+            </a:extLst>
+          </p:cNvPr>
+          <p:cNvSpPr txBox="1"/>
+          <p:nvPr/>
+        </p:nvSpPr>
+        <p:spPr>
+          <a:xfrm>
+            <a:off x="4269802" y="5450128"/>
+            <a:ext cx="4349080" cy="646331"/>
+          </a:xfrm>
+          <a:prstGeom prst="rect">
+            <a:avLst/>
+          </a:prstGeom>
+          <a:noFill/>
+        </p:spPr>
+        <p:txBody>
+          <a:bodyPr wrap="square" rtlCol="0">
+            <a:spAutoFit/>
+          </a:bodyPr>
+          <a:lstStyle/>
+          <a:p>
+            <a:r>
+              <a:rPr kumimoji="1" lang="en-US" altLang="ja-JP" dirty="0"/>
+              <a:t>3. </a:t>
+            </a:r>
+            <a:r>
+              <a:rPr kumimoji="1" lang="ja-JP" altLang="en-US"/>
+              <a:t>鍵を信じる場合</a:t>
+            </a:r>
+            <a:r>
+              <a:rPr lang="en-US" altLang="ja-JP" dirty="0"/>
+              <a:t>(yes)</a:t>
+            </a:r>
+            <a:r>
+              <a:rPr kumimoji="1" lang="ja-JP" altLang="en-US"/>
+              <a:t>、この鍵を「知っているホスト」に登録する</a:t>
+            </a:r>
+          </a:p>
+        </p:txBody>
+      </p:sp>
+      <p:sp>
+        <p:nvSpPr>
+          <p:cNvPr id="25" name="テキスト ボックス 24">
+            <a:extLst>
+              <a:ext uri="{FF2B5EF4-FFF2-40B4-BE49-F238E27FC236}">
+                <a16:creationId xmlns:a16="http://schemas.microsoft.com/office/drawing/2014/main" id="{814DB56F-25A7-6EB6-2C90-2B2BA8D4473C}"/>
+              </a:ext>
+            </a:extLst>
+          </p:cNvPr>
+          <p:cNvSpPr txBox="1"/>
+          <p:nvPr/>
+        </p:nvSpPr>
+        <p:spPr>
+          <a:xfrm>
+            <a:off x="2595736" y="2606846"/>
+            <a:ext cx="1569660" cy="369332"/>
+          </a:xfrm>
+          <a:prstGeom prst="rect">
+            <a:avLst/>
+          </a:prstGeom>
+          <a:noFill/>
+        </p:spPr>
+        <p:txBody>
+          <a:bodyPr wrap="none" rtlCol="0">
+            <a:spAutoFit/>
+          </a:bodyPr>
+          <a:lstStyle/>
+          <a:p>
+            <a:r>
+              <a:rPr kumimoji="1" lang="ja-JP" altLang="en-US"/>
+              <a:t>クライアント</a:t>
+            </a:r>
+          </a:p>
+        </p:txBody>
+      </p:sp>
+      <p:sp>
+        <p:nvSpPr>
+          <p:cNvPr id="26" name="テキスト ボックス 25">
+            <a:extLst>
+              <a:ext uri="{FF2B5EF4-FFF2-40B4-BE49-F238E27FC236}">
+                <a16:creationId xmlns:a16="http://schemas.microsoft.com/office/drawing/2014/main" id="{9000EECF-6FEE-425F-16E9-01B8B2CAD45B}"/>
+              </a:ext>
+            </a:extLst>
+          </p:cNvPr>
+          <p:cNvSpPr txBox="1"/>
+          <p:nvPr/>
+        </p:nvSpPr>
+        <p:spPr>
+          <a:xfrm>
+            <a:off x="671277" y="2616431"/>
+            <a:ext cx="877163" cy="369332"/>
+          </a:xfrm>
+          <a:prstGeom prst="rect">
+            <a:avLst/>
+          </a:prstGeom>
+          <a:noFill/>
+        </p:spPr>
+        <p:txBody>
+          <a:bodyPr wrap="none" rtlCol="0">
+            <a:spAutoFit/>
+          </a:bodyPr>
+          <a:lstStyle/>
+          <a:p>
+            <a:r>
+              <a:rPr kumimoji="1" lang="ja-JP" altLang="en-US"/>
+              <a:t>ホスト</a:t>
+            </a:r>
+          </a:p>
+        </p:txBody>
+      </p:sp>
+      <p:pic>
+        <p:nvPicPr>
+          <p:cNvPr id="5122" name="Picture 2" descr="ロッカーのイラスト（閉）">
+            <a:extLst>
+              <a:ext uri="{FF2B5EF4-FFF2-40B4-BE49-F238E27FC236}">
+                <a16:creationId xmlns:a16="http://schemas.microsoft.com/office/drawing/2014/main" id="{FC563572-0F26-A989-51E9-9DA3E950DAE0}"/>
+              </a:ext>
+            </a:extLst>
+          </p:cNvPr>
+          <p:cNvPicPr>
+            <a:picLocks noChangeAspect="1" noChangeArrowheads="1"/>
+          </p:cNvPicPr>
+          <p:nvPr/>
+        </p:nvPicPr>
+        <p:blipFill>
+          <a:blip r:embed="rId4" cstate="print">
+            <a:extLst>
+              <a:ext uri="{28A0092B-C50C-407E-A947-70E740481C1C}">
+                <a14:useLocalDpi xmlns:a14="http://schemas.microsoft.com/office/drawing/2010/main" val="0"/>
+              </a:ext>
+            </a:extLst>
+          </a:blip>
+          <a:srcRect/>
+          <a:stretch>
+            <a:fillRect/>
+          </a:stretch>
+        </p:blipFill>
+        <p:spPr bwMode="auto">
+          <a:xfrm>
+            <a:off x="3414112" y="5263442"/>
+            <a:ext cx="591769" cy="1047378"/>
+          </a:xfrm>
+          <a:prstGeom prst="rect">
+            <a:avLst/>
+          </a:prstGeom>
+          <a:noFill/>
+          <a:extLst>
+            <a:ext uri="{909E8E84-426E-40DD-AFC4-6F175D3DCCD1}">
+              <a14:hiddenFill xmlns:a14="http://schemas.microsoft.com/office/drawing/2010/main">
+                <a:solidFill>
+                  <a:srgbClr val="FFFFFF"/>
+                </a:solidFill>
+              </a14:hiddenFill>
+            </a:ext>
+          </a:extLst>
+        </p:spPr>
+      </p:pic>
+      <p:grpSp>
+        <p:nvGrpSpPr>
+          <p:cNvPr id="31" name="グループ化 30">
+            <a:extLst>
+              <a:ext uri="{FF2B5EF4-FFF2-40B4-BE49-F238E27FC236}">
+                <a16:creationId xmlns:a16="http://schemas.microsoft.com/office/drawing/2014/main" id="{79A992EA-006C-C5C7-195D-8B7CD7B57E27}"/>
+              </a:ext>
+            </a:extLst>
+          </p:cNvPr>
+          <p:cNvGrpSpPr/>
+          <p:nvPr/>
+        </p:nvGrpSpPr>
+        <p:grpSpPr>
+          <a:xfrm>
+            <a:off x="2976074" y="3227440"/>
+            <a:ext cx="599238" cy="677400"/>
+            <a:chOff x="3980964" y="3583025"/>
+            <a:chExt cx="828092" cy="936104"/>
+          </a:xfrm>
+        </p:grpSpPr>
+        <p:sp>
+          <p:nvSpPr>
+            <p:cNvPr id="32" name="正方形/長方形 31">
+              <a:extLst>
+                <a:ext uri="{FF2B5EF4-FFF2-40B4-BE49-F238E27FC236}">
+                  <a16:creationId xmlns:a16="http://schemas.microsoft.com/office/drawing/2014/main" id="{468AA0BD-DF29-7FBB-6209-C7D02BEC4510}"/>
+                </a:ext>
+              </a:extLst>
+            </p:cNvPr>
+            <p:cNvSpPr/>
+            <p:nvPr/>
+          </p:nvSpPr>
+          <p:spPr>
+            <a:xfrm>
+              <a:off x="4232992" y="3583025"/>
+              <a:ext cx="576064" cy="936104"/>
+            </a:xfrm>
+            <a:prstGeom prst="rect">
+              <a:avLst/>
+            </a:prstGeom>
+            <a:solidFill>
+              <a:srgbClr val="FFC000"/>
+            </a:solidFill>
+            <a:ln>
+              <a:noFill/>
+            </a:ln>
+          </p:spPr>
+          <p:style>
+            <a:lnRef idx="2">
+              <a:schemeClr val="accent1">
+                <a:shade val="50000"/>
+              </a:schemeClr>
+            </a:lnRef>
+            <a:fillRef idx="1">
+              <a:schemeClr val="accent1"/>
+            </a:fillRef>
+            <a:effectRef idx="0">
+              <a:schemeClr val="accent1"/>
+            </a:effectRef>
+            <a:fontRef idx="minor">
+              <a:schemeClr val="lt1"/>
+            </a:fontRef>
+          </p:style>
+          <p:txBody>
+            <a:bodyPr rtlCol="0" anchor="ctr"/>
+            <a:lstStyle/>
+            <a:p>
+              <a:pPr algn="ctr"/>
+              <a:endParaRPr kumimoji="1" lang="ja-JP" altLang="en-US"/>
+            </a:p>
+          </p:txBody>
+        </p:sp>
+        <p:sp>
+          <p:nvSpPr>
+            <p:cNvPr id="33" name="三角形 32">
+              <a:extLst>
+                <a:ext uri="{FF2B5EF4-FFF2-40B4-BE49-F238E27FC236}">
+                  <a16:creationId xmlns:a16="http://schemas.microsoft.com/office/drawing/2014/main" id="{4EDA9DCB-B6D0-0A33-2D69-592604627CEA}"/>
+                </a:ext>
+              </a:extLst>
+            </p:cNvPr>
+            <p:cNvSpPr/>
+            <p:nvPr/>
+          </p:nvSpPr>
+          <p:spPr>
+            <a:xfrm rot="5400000">
+              <a:off x="4016968" y="3799049"/>
+              <a:ext cx="432048" cy="504056"/>
+            </a:xfrm>
+            <a:prstGeom prst="triangle">
+              <a:avLst/>
+            </a:prstGeom>
+            <a:solidFill>
+              <a:schemeClr val="bg1">
+                <a:lumMod val="95000"/>
+              </a:schemeClr>
+            </a:solidFill>
+            <a:ln>
+              <a:noFill/>
+            </a:ln>
+          </p:spPr>
+          <p:style>
+            <a:lnRef idx="2">
+              <a:schemeClr val="accent1">
+                <a:shade val="50000"/>
+              </a:schemeClr>
+            </a:lnRef>
+            <a:fillRef idx="1">
+              <a:schemeClr val="accent1"/>
+            </a:fillRef>
+            <a:effectRef idx="0">
+              <a:schemeClr val="accent1"/>
+            </a:effectRef>
+            <a:fontRef idx="minor">
+              <a:schemeClr val="lt1"/>
+            </a:fontRef>
+          </p:style>
+          <p:txBody>
+            <a:bodyPr rtlCol="0" anchor="ctr"/>
+            <a:lstStyle/>
+            <a:p>
+              <a:pPr algn="ctr"/>
+              <a:endParaRPr kumimoji="1" lang="ja-JP" altLang="en-US"/>
+            </a:p>
+          </p:txBody>
+        </p:sp>
+      </p:grpSp>
+      <p:grpSp>
+        <p:nvGrpSpPr>
+          <p:cNvPr id="34" name="グループ化 33">
+            <a:extLst>
+              <a:ext uri="{FF2B5EF4-FFF2-40B4-BE49-F238E27FC236}">
+                <a16:creationId xmlns:a16="http://schemas.microsoft.com/office/drawing/2014/main" id="{9B54F918-BE57-7772-B573-DAD005DB2BDB}"/>
+              </a:ext>
+            </a:extLst>
+          </p:cNvPr>
+          <p:cNvGrpSpPr/>
+          <p:nvPr/>
+        </p:nvGrpSpPr>
+        <p:grpSpPr>
+          <a:xfrm>
+            <a:off x="788937" y="3227440"/>
+            <a:ext cx="599238" cy="677400"/>
+            <a:chOff x="2339752" y="3645024"/>
+            <a:chExt cx="828092" cy="936104"/>
+          </a:xfrm>
+        </p:grpSpPr>
+        <p:sp>
+          <p:nvSpPr>
+            <p:cNvPr id="35" name="正方形/長方形 34">
+              <a:extLst>
+                <a:ext uri="{FF2B5EF4-FFF2-40B4-BE49-F238E27FC236}">
+                  <a16:creationId xmlns:a16="http://schemas.microsoft.com/office/drawing/2014/main" id="{72522722-D060-0480-FDFC-2520AB436111}"/>
+                </a:ext>
+              </a:extLst>
+            </p:cNvPr>
+            <p:cNvSpPr/>
+            <p:nvPr/>
+          </p:nvSpPr>
+          <p:spPr>
+            <a:xfrm>
+              <a:off x="2339752" y="3645024"/>
+              <a:ext cx="576064" cy="936104"/>
+            </a:xfrm>
+            <a:prstGeom prst="rect">
+              <a:avLst/>
+            </a:prstGeom>
+            <a:solidFill>
+              <a:srgbClr val="FFC000"/>
+            </a:solidFill>
+            <a:ln>
+              <a:noFill/>
+            </a:ln>
+          </p:spPr>
+          <p:style>
+            <a:lnRef idx="2">
+              <a:schemeClr val="accent1">
+                <a:shade val="50000"/>
+              </a:schemeClr>
+            </a:lnRef>
+            <a:fillRef idx="1">
+              <a:schemeClr val="accent1"/>
+            </a:fillRef>
+            <a:effectRef idx="0">
+              <a:schemeClr val="accent1"/>
+            </a:effectRef>
+            <a:fontRef idx="minor">
+              <a:schemeClr val="lt1"/>
+            </a:fontRef>
+          </p:style>
+          <p:txBody>
+            <a:bodyPr rtlCol="0" anchor="ctr"/>
+            <a:lstStyle/>
+            <a:p>
+              <a:pPr algn="ctr"/>
+              <a:endParaRPr kumimoji="1" lang="ja-JP" altLang="en-US"/>
+            </a:p>
+          </p:txBody>
+        </p:sp>
+        <p:sp>
+          <p:nvSpPr>
+            <p:cNvPr id="36" name="三角形 35">
+              <a:extLst>
+                <a:ext uri="{FF2B5EF4-FFF2-40B4-BE49-F238E27FC236}">
+                  <a16:creationId xmlns:a16="http://schemas.microsoft.com/office/drawing/2014/main" id="{8A1B9060-166B-DAA4-E63D-4CBECEE12693}"/>
+                </a:ext>
+              </a:extLst>
+            </p:cNvPr>
+            <p:cNvSpPr/>
+            <p:nvPr/>
+          </p:nvSpPr>
+          <p:spPr>
+            <a:xfrm rot="5400000">
+              <a:off x="2699792" y="3861048"/>
+              <a:ext cx="432048" cy="504056"/>
+            </a:xfrm>
+            <a:prstGeom prst="triangle">
+              <a:avLst/>
+            </a:prstGeom>
+            <a:solidFill>
+              <a:srgbClr val="FFC000"/>
+            </a:solidFill>
+            <a:ln>
+              <a:noFill/>
+            </a:ln>
+          </p:spPr>
+          <p:style>
+            <a:lnRef idx="2">
+              <a:schemeClr val="accent1">
+                <a:shade val="50000"/>
+              </a:schemeClr>
+            </a:lnRef>
+            <a:fillRef idx="1">
+              <a:schemeClr val="accent1"/>
+            </a:fillRef>
+            <a:effectRef idx="0">
+              <a:schemeClr val="accent1"/>
+            </a:effectRef>
+            <a:fontRef idx="minor">
+              <a:schemeClr val="lt1"/>
+            </a:fontRef>
+          </p:style>
+          <p:txBody>
+            <a:bodyPr rtlCol="0" anchor="ctr"/>
+            <a:lstStyle/>
+            <a:p>
+              <a:pPr algn="ctr"/>
+              <a:endParaRPr kumimoji="1" lang="ja-JP" altLang="en-US"/>
+            </a:p>
+          </p:txBody>
+        </p:sp>
+      </p:grpSp>
+      <p:grpSp>
+        <p:nvGrpSpPr>
+          <p:cNvPr id="37" name="グループ化 36">
+            <a:extLst>
+              <a:ext uri="{FF2B5EF4-FFF2-40B4-BE49-F238E27FC236}">
+                <a16:creationId xmlns:a16="http://schemas.microsoft.com/office/drawing/2014/main" id="{2DF0EC30-91AF-AAFA-ADA3-1B475B543872}"/>
+              </a:ext>
+            </a:extLst>
+          </p:cNvPr>
+          <p:cNvGrpSpPr/>
+          <p:nvPr/>
+        </p:nvGrpSpPr>
+        <p:grpSpPr>
+          <a:xfrm>
+            <a:off x="3216840" y="4403685"/>
+            <a:ext cx="599238" cy="677400"/>
+            <a:chOff x="3980964" y="3583025"/>
+            <a:chExt cx="828092" cy="936104"/>
+          </a:xfrm>
+        </p:grpSpPr>
+        <p:sp>
+          <p:nvSpPr>
+            <p:cNvPr id="38" name="正方形/長方形 37">
+              <a:extLst>
+                <a:ext uri="{FF2B5EF4-FFF2-40B4-BE49-F238E27FC236}">
+                  <a16:creationId xmlns:a16="http://schemas.microsoft.com/office/drawing/2014/main" id="{DD7A39C0-534D-FED7-C942-42102D0EE60B}"/>
+                </a:ext>
+              </a:extLst>
+            </p:cNvPr>
+            <p:cNvSpPr/>
+            <p:nvPr/>
+          </p:nvSpPr>
+          <p:spPr>
+            <a:xfrm>
+              <a:off x="4232992" y="3583025"/>
+              <a:ext cx="576064" cy="936104"/>
+            </a:xfrm>
+            <a:prstGeom prst="rect">
+              <a:avLst/>
+            </a:prstGeom>
+            <a:solidFill>
+              <a:srgbClr val="FFC000"/>
+            </a:solidFill>
+            <a:ln>
+              <a:noFill/>
+            </a:ln>
+          </p:spPr>
+          <p:style>
+            <a:lnRef idx="2">
+              <a:schemeClr val="accent1">
+                <a:shade val="50000"/>
+              </a:schemeClr>
+            </a:lnRef>
+            <a:fillRef idx="1">
+              <a:schemeClr val="accent1"/>
+            </a:fillRef>
+            <a:effectRef idx="0">
+              <a:schemeClr val="accent1"/>
+            </a:effectRef>
+            <a:fontRef idx="minor">
+              <a:schemeClr val="lt1"/>
+            </a:fontRef>
+          </p:style>
+          <p:txBody>
+            <a:bodyPr rtlCol="0" anchor="ctr"/>
+            <a:lstStyle/>
+            <a:p>
+              <a:pPr algn="ctr"/>
+              <a:endParaRPr kumimoji="1" lang="ja-JP" altLang="en-US"/>
+            </a:p>
+          </p:txBody>
+        </p:sp>
+        <p:sp>
+          <p:nvSpPr>
+            <p:cNvPr id="39" name="三角形 38">
+              <a:extLst>
+                <a:ext uri="{FF2B5EF4-FFF2-40B4-BE49-F238E27FC236}">
+                  <a16:creationId xmlns:a16="http://schemas.microsoft.com/office/drawing/2014/main" id="{23764456-21BE-AE12-031B-EC762275025C}"/>
+                </a:ext>
+              </a:extLst>
+            </p:cNvPr>
+            <p:cNvSpPr/>
+            <p:nvPr/>
+          </p:nvSpPr>
+          <p:spPr>
+            <a:xfrm rot="5400000">
+              <a:off x="4016968" y="3799049"/>
+              <a:ext cx="432048" cy="504056"/>
+            </a:xfrm>
+            <a:prstGeom prst="triangle">
+              <a:avLst/>
+            </a:prstGeom>
+            <a:solidFill>
+              <a:schemeClr val="bg1">
+                <a:lumMod val="95000"/>
+              </a:schemeClr>
+            </a:solidFill>
+            <a:ln>
+              <a:noFill/>
+            </a:ln>
+          </p:spPr>
+          <p:style>
+            <a:lnRef idx="2">
+              <a:schemeClr val="accent1">
+                <a:shade val="50000"/>
+              </a:schemeClr>
+            </a:lnRef>
+            <a:fillRef idx="1">
+              <a:schemeClr val="accent1"/>
+            </a:fillRef>
+            <a:effectRef idx="0">
+              <a:schemeClr val="accent1"/>
+            </a:effectRef>
+            <a:fontRef idx="minor">
+              <a:schemeClr val="lt1"/>
+            </a:fontRef>
+          </p:style>
+          <p:txBody>
+            <a:bodyPr rtlCol="0" anchor="ctr"/>
+            <a:lstStyle/>
+            <a:p>
+              <a:pPr algn="ctr"/>
+              <a:endParaRPr kumimoji="1" lang="ja-JP" altLang="en-US"/>
+            </a:p>
+          </p:txBody>
+        </p:sp>
+      </p:grpSp>
+      <p:pic>
+        <p:nvPicPr>
+          <p:cNvPr id="5124" name="Picture 4" descr="虫眼鏡を持った男性会社員のイラスト">
+            <a:extLst>
+              <a:ext uri="{FF2B5EF4-FFF2-40B4-BE49-F238E27FC236}">
+                <a16:creationId xmlns:a16="http://schemas.microsoft.com/office/drawing/2014/main" id="{419B33F9-C953-1CC3-D6C6-376EE1FB795E}"/>
+              </a:ext>
+            </a:extLst>
+          </p:cNvPr>
+          <p:cNvPicPr>
+            <a:picLocks noChangeAspect="1" noChangeArrowheads="1"/>
+          </p:cNvPicPr>
+          <p:nvPr/>
+        </p:nvPicPr>
+        <p:blipFill>
+          <a:blip r:embed="rId5" cstate="print">
+            <a:extLst>
+              <a:ext uri="{28A0092B-C50C-407E-A947-70E740481C1C}">
+                <a14:useLocalDpi xmlns:a14="http://schemas.microsoft.com/office/drawing/2010/main" val="0"/>
+              </a:ext>
+            </a:extLst>
+          </a:blip>
+          <a:srcRect/>
+          <a:stretch>
+            <a:fillRect/>
+          </a:stretch>
+        </p:blipFill>
+        <p:spPr bwMode="auto">
+          <a:xfrm>
+            <a:off x="2631551" y="4272351"/>
+            <a:ext cx="689045" cy="842869"/>
+          </a:xfrm>
+          <a:prstGeom prst="rect">
+            <a:avLst/>
+          </a:prstGeom>
+          <a:noFill/>
+          <a:extLst>
+            <a:ext uri="{909E8E84-426E-40DD-AFC4-6F175D3DCCD1}">
+              <a14:hiddenFill xmlns:a14="http://schemas.microsoft.com/office/drawing/2010/main">
+                <a:solidFill>
+                  <a:srgbClr val="FFFFFF"/>
+                </a:solidFill>
+              </a14:hiddenFill>
+            </a:ext>
+          </a:extLst>
+        </p:spPr>
+      </p:pic>
+      <p:grpSp>
+        <p:nvGrpSpPr>
+          <p:cNvPr id="40" name="グループ化 39">
+            <a:extLst>
+              <a:ext uri="{FF2B5EF4-FFF2-40B4-BE49-F238E27FC236}">
+                <a16:creationId xmlns:a16="http://schemas.microsoft.com/office/drawing/2014/main" id="{EF2C2EDD-3B50-BF35-6F4D-E22A802BA515}"/>
+              </a:ext>
+            </a:extLst>
+          </p:cNvPr>
+          <p:cNvGrpSpPr/>
+          <p:nvPr/>
+        </p:nvGrpSpPr>
+        <p:grpSpPr>
+          <a:xfrm>
+            <a:off x="2273532" y="5396420"/>
+            <a:ext cx="599238" cy="677400"/>
+            <a:chOff x="3980964" y="3583025"/>
+            <a:chExt cx="828092" cy="936104"/>
+          </a:xfrm>
+        </p:grpSpPr>
+        <p:sp>
+          <p:nvSpPr>
+            <p:cNvPr id="41" name="正方形/長方形 40">
+              <a:extLst>
+                <a:ext uri="{FF2B5EF4-FFF2-40B4-BE49-F238E27FC236}">
+                  <a16:creationId xmlns:a16="http://schemas.microsoft.com/office/drawing/2014/main" id="{8EC0F707-EA8B-6C70-BBEB-9800BDD1C2AD}"/>
+                </a:ext>
+              </a:extLst>
+            </p:cNvPr>
+            <p:cNvSpPr/>
+            <p:nvPr/>
+          </p:nvSpPr>
+          <p:spPr>
+            <a:xfrm>
+              <a:off x="4232992" y="3583025"/>
+              <a:ext cx="576064" cy="936104"/>
+            </a:xfrm>
+            <a:prstGeom prst="rect">
+              <a:avLst/>
+            </a:prstGeom>
+            <a:solidFill>
+              <a:srgbClr val="FFC000"/>
+            </a:solidFill>
+            <a:ln>
+              <a:noFill/>
+            </a:ln>
+          </p:spPr>
+          <p:style>
+            <a:lnRef idx="2">
+              <a:schemeClr val="accent1">
+                <a:shade val="50000"/>
+              </a:schemeClr>
+            </a:lnRef>
+            <a:fillRef idx="1">
+              <a:schemeClr val="accent1"/>
+            </a:fillRef>
+            <a:effectRef idx="0">
+              <a:schemeClr val="accent1"/>
+            </a:effectRef>
+            <a:fontRef idx="minor">
+              <a:schemeClr val="lt1"/>
+            </a:fontRef>
+          </p:style>
+          <p:txBody>
+            <a:bodyPr rtlCol="0" anchor="ctr"/>
+            <a:lstStyle/>
+            <a:p>
+              <a:pPr algn="ctr"/>
+              <a:endParaRPr kumimoji="1" lang="ja-JP" altLang="en-US"/>
+            </a:p>
+          </p:txBody>
+        </p:sp>
+        <p:sp>
+          <p:nvSpPr>
+            <p:cNvPr id="42" name="三角形 41">
+              <a:extLst>
+                <a:ext uri="{FF2B5EF4-FFF2-40B4-BE49-F238E27FC236}">
+                  <a16:creationId xmlns:a16="http://schemas.microsoft.com/office/drawing/2014/main" id="{7B26660F-7659-67FE-DEB5-38303905B526}"/>
+                </a:ext>
+              </a:extLst>
+            </p:cNvPr>
+            <p:cNvSpPr/>
+            <p:nvPr/>
+          </p:nvSpPr>
+          <p:spPr>
+            <a:xfrm rot="5400000">
+              <a:off x="4016968" y="3799049"/>
+              <a:ext cx="432048" cy="504056"/>
+            </a:xfrm>
+            <a:prstGeom prst="triangle">
+              <a:avLst/>
+            </a:prstGeom>
+            <a:solidFill>
+              <a:schemeClr val="bg1">
+                <a:lumMod val="95000"/>
+              </a:schemeClr>
+            </a:solidFill>
+            <a:ln>
+              <a:noFill/>
+            </a:ln>
+          </p:spPr>
+          <p:style>
+            <a:lnRef idx="2">
+              <a:schemeClr val="accent1">
+                <a:shade val="50000"/>
+              </a:schemeClr>
+            </a:lnRef>
+            <a:fillRef idx="1">
+              <a:schemeClr val="accent1"/>
+            </a:fillRef>
+            <a:effectRef idx="0">
+              <a:schemeClr val="accent1"/>
+            </a:effectRef>
+            <a:fontRef idx="minor">
+              <a:schemeClr val="lt1"/>
+            </a:fontRef>
+          </p:style>
+          <p:txBody>
+            <a:bodyPr rtlCol="0" anchor="ctr"/>
+            <a:lstStyle/>
+            <a:p>
+              <a:pPr algn="ctr"/>
+              <a:endParaRPr kumimoji="1" lang="ja-JP" altLang="en-US"/>
+            </a:p>
+          </p:txBody>
+        </p:sp>
+      </p:grpSp>
+      <p:sp>
+        <p:nvSpPr>
+          <p:cNvPr id="43" name="右矢印 42">
+            <a:extLst>
+              <a:ext uri="{FF2B5EF4-FFF2-40B4-BE49-F238E27FC236}">
+                <a16:creationId xmlns:a16="http://schemas.microsoft.com/office/drawing/2014/main" id="{2CA43408-AD91-6BD5-9008-4E3108819369}"/>
+              </a:ext>
+            </a:extLst>
+          </p:cNvPr>
+          <p:cNvSpPr/>
+          <p:nvPr/>
+        </p:nvSpPr>
+        <p:spPr>
+          <a:xfrm>
+            <a:off x="3023304" y="5578797"/>
+            <a:ext cx="344523" cy="312646"/>
+          </a:xfrm>
+          <a:prstGeom prst="rightArrow">
+            <a:avLst/>
+          </a:prstGeom>
+          <a:solidFill>
+            <a:srgbClr val="FF0000"/>
+          </a:solidFill>
+          <a:ln>
+            <a:solidFill>
+              <a:schemeClr val="tx1"/>
+            </a:solidFill>
+          </a:ln>
+        </p:spPr>
+        <p:style>
+          <a:lnRef idx="2">
+            <a:schemeClr val="accent1">
+              <a:shade val="50000"/>
+            </a:schemeClr>
+          </a:lnRef>
+          <a:fillRef idx="1">
+            <a:schemeClr val="accent1"/>
+          </a:fillRef>
+          <a:effectRef idx="0">
+            <a:schemeClr val="accent1"/>
+          </a:effectRef>
+          <a:fontRef idx="minor">
+            <a:schemeClr val="lt1"/>
+          </a:fontRef>
+        </p:style>
+        <p:txBody>
+          <a:bodyPr rtlCol="0" anchor="ctr"/>
+          <a:lstStyle/>
+          <a:p>
+            <a:pPr algn="ctr"/>
+            <a:endParaRPr kumimoji="1" lang="ja-JP" altLang="en-US"/>
+          </a:p>
+        </p:txBody>
+      </p:sp>
+      <p:sp>
+        <p:nvSpPr>
+          <p:cNvPr id="44" name="テキスト ボックス 43">
+            <a:extLst>
+              <a:ext uri="{FF2B5EF4-FFF2-40B4-BE49-F238E27FC236}">
+                <a16:creationId xmlns:a16="http://schemas.microsoft.com/office/drawing/2014/main" id="{478FDE66-0CE7-FFBD-1935-53CB6E5EB1F7}"/>
+              </a:ext>
+            </a:extLst>
+          </p:cNvPr>
+          <p:cNvSpPr txBox="1"/>
+          <p:nvPr/>
+        </p:nvSpPr>
+        <p:spPr>
+          <a:xfrm>
+            <a:off x="2779344" y="6355020"/>
+            <a:ext cx="1980029" cy="338554"/>
+          </a:xfrm>
+          <a:prstGeom prst="rect">
+            <a:avLst/>
+          </a:prstGeom>
+          <a:noFill/>
+        </p:spPr>
+        <p:txBody>
+          <a:bodyPr wrap="none" rtlCol="0">
+            <a:spAutoFit/>
+          </a:bodyPr>
+          <a:lstStyle/>
+          <a:p>
+            <a:r>
+              <a:rPr lang="en-US" altLang="ja-JP" sz="1600" dirty="0">
+                <a:latin typeface="Consolas" panose="020B0609020204030204" pitchFamily="49" charset="0"/>
+                <a:cs typeface="Consolas" panose="020B0609020204030204" pitchFamily="49" charset="0"/>
+              </a:rPr>
+              <a:t>.ssh/</a:t>
+            </a:r>
+            <a:r>
+              <a:rPr lang="en-US" altLang="ja-JP" sz="1600" dirty="0" err="1">
+                <a:latin typeface="Consolas" panose="020B0609020204030204" pitchFamily="49" charset="0"/>
+                <a:cs typeface="Consolas" panose="020B0609020204030204" pitchFamily="49" charset="0"/>
+              </a:rPr>
+              <a:t>known_hosts</a:t>
+            </a:r>
+            <a:endParaRPr kumimoji="1" lang="ja-JP" altLang="en-US" sz="1600">
+              <a:latin typeface="Consolas" panose="020B0609020204030204" pitchFamily="49" charset="0"/>
+              <a:cs typeface="Consolas" panose="020B0609020204030204" pitchFamily="49" charset="0"/>
+            </a:endParaRPr>
+          </a:p>
+        </p:txBody>
+      </p:sp>
+      <p:sp>
+        <p:nvSpPr>
+          <p:cNvPr id="7" name="テキスト ボックス 6">
+            <a:extLst>
+              <a:ext uri="{FF2B5EF4-FFF2-40B4-BE49-F238E27FC236}">
+                <a16:creationId xmlns:a16="http://schemas.microsoft.com/office/drawing/2014/main" id="{B2270556-3EE4-7A46-B714-DAAC3CA167B0}"/>
+              </a:ext>
+            </a:extLst>
+          </p:cNvPr>
+          <p:cNvSpPr txBox="1"/>
+          <p:nvPr/>
+        </p:nvSpPr>
+        <p:spPr>
+          <a:xfrm>
+            <a:off x="4269802" y="4705047"/>
+            <a:ext cx="4669389" cy="238184"/>
+          </a:xfrm>
+          <a:prstGeom prst="rect">
+            <a:avLst/>
+          </a:prstGeom>
+          <a:solidFill>
+            <a:schemeClr val="tx1"/>
+          </a:solidFill>
+        </p:spPr>
+        <p:txBody>
+          <a:bodyPr wrap="square">
+            <a:spAutoFit/>
+          </a:bodyPr>
+          <a:lstStyle/>
+          <a:p>
+            <a:r>
+              <a:rPr lang="en" altLang="ja-JP" sz="900" dirty="0">
+                <a:solidFill>
+                  <a:schemeClr val="bg1"/>
+                </a:solidFill>
+                <a:effectLst/>
+                <a:latin typeface="Consolas" panose="020B0609020204030204" pitchFamily="49" charset="0"/>
+                <a:cs typeface="Consolas" panose="020B0609020204030204" pitchFamily="49" charset="0"/>
+              </a:rPr>
+              <a:t>Are you sure you want to continue connecting (yes/no/[fingerprint])?</a:t>
+            </a:r>
+            <a:endParaRPr lang="ja-JP" altLang="en-US" sz="900">
+              <a:solidFill>
+                <a:schemeClr val="bg1"/>
+              </a:solidFill>
+              <a:latin typeface="Consolas" panose="020B0609020204030204" pitchFamily="49" charset="0"/>
+              <a:cs typeface="Consolas" panose="020B0609020204030204" pitchFamily="49" charset="0"/>
+            </a:endParaRPr>
+          </a:p>
+        </p:txBody>
+      </p:sp>
+    </p:spTree>
+    <p:extLst>
+      <p:ext uri="{BB962C8B-B14F-4D97-AF65-F5344CB8AC3E}">
+        <p14:creationId xmlns:p14="http://schemas.microsoft.com/office/powerpoint/2010/main" val="3135366115"/>
+      </p:ext>
+    </p:extLst>
+  </p:cSld>
+  <p:clrMapOvr>
+    <a:masterClrMapping/>
+  </p:clrMapOvr>
+</p:sld>
+</file>
+
+<file path=ppt/slides/slide14.xml><?xml version="1.0" encoding="utf-8"?>
+<p:sld xmlns:a="http://schemas.openxmlformats.org/drawingml/2006/main" xmlns:r="http://schemas.openxmlformats.org/officeDocument/2006/relationships" xmlns:p="http://schemas.openxmlformats.org/presentationml/2006/main">
+  <p:cSld>
+    <p:spTree>
+      <p:nvGrpSpPr>
+        <p:cNvPr id="1" name=""/>
+        <p:cNvGrpSpPr/>
+        <p:nvPr/>
+      </p:nvGrpSpPr>
+      <p:grpSpPr>
+        <a:xfrm>
+          <a:off x="0" y="0"/>
+          <a:ext cx="0" cy="0"/>
+          <a:chOff x="0" y="0"/>
+          <a:chExt cx="0" cy="0"/>
+        </a:xfrm>
+      </p:grpSpPr>
+      <p:sp>
+        <p:nvSpPr>
+          <p:cNvPr id="2" name="テキスト プレースホルダー 1">
+            <a:extLst>
+              <a:ext uri="{FF2B5EF4-FFF2-40B4-BE49-F238E27FC236}">
+                <a16:creationId xmlns:a16="http://schemas.microsoft.com/office/drawing/2014/main" id="{75DF943A-6E15-5633-CBBA-F02A4C1A7101}"/>
+              </a:ext>
+            </a:extLst>
+          </p:cNvPr>
+          <p:cNvSpPr>
+            <a:spLocks noGrp="1"/>
+          </p:cNvSpPr>
+          <p:nvPr>
+            <p:ph type="body" sz="quarter" idx="10"/>
+          </p:nvPr>
+        </p:nvSpPr>
+        <p:spPr/>
+        <p:txBody>
+          <a:bodyPr/>
+          <a:lstStyle/>
+          <a:p>
+            <a:r>
+              <a:rPr lang="ja-JP" altLang="en-US"/>
+              <a:t>ホスト認証</a:t>
+            </a:r>
+            <a:r>
+              <a:rPr lang="en-US" altLang="ja-JP" dirty="0"/>
+              <a:t>(</a:t>
+            </a:r>
+            <a:r>
+              <a:rPr lang="ja-JP" altLang="en-US"/>
+              <a:t>初回</a:t>
+            </a:r>
+            <a:r>
+              <a:rPr lang="en-US" altLang="ja-JP" dirty="0"/>
+              <a:t>)</a:t>
+            </a:r>
+            <a:endParaRPr lang="ja-JP" altLang="en-US"/>
+          </a:p>
+        </p:txBody>
+      </p:sp>
+      <p:pic>
+        <p:nvPicPr>
+          <p:cNvPr id="3" name="Picture 8" descr="会社で働く人のイラスト（男性）">
+            <a:extLst>
+              <a:ext uri="{FF2B5EF4-FFF2-40B4-BE49-F238E27FC236}">
+                <a16:creationId xmlns:a16="http://schemas.microsoft.com/office/drawing/2014/main" id="{8F655F72-D8E2-B5F5-16BE-D1E99F05A9C3}"/>
+              </a:ext>
+            </a:extLst>
+          </p:cNvPr>
+          <p:cNvPicPr>
+            <a:picLocks noChangeAspect="1" noChangeArrowheads="1"/>
+          </p:cNvPicPr>
+          <p:nvPr/>
+        </p:nvPicPr>
+        <p:blipFill>
+          <a:blip r:embed="rId2">
+            <a:extLst>
+              <a:ext uri="{28A0092B-C50C-407E-A947-70E740481C1C}">
+                <a14:useLocalDpi xmlns:a14="http://schemas.microsoft.com/office/drawing/2010/main" val="0"/>
+              </a:ext>
+            </a:extLst>
+          </a:blip>
+          <a:srcRect/>
+          <a:stretch>
+            <a:fillRect/>
+          </a:stretch>
+        </p:blipFill>
+        <p:spPr bwMode="auto">
+          <a:xfrm flipH="1">
+            <a:off x="2861923" y="955055"/>
+            <a:ext cx="777586" cy="777586"/>
+          </a:xfrm>
+          <a:prstGeom prst="rect">
+            <a:avLst/>
+          </a:prstGeom>
+          <a:noFill/>
+          <a:extLst>
+            <a:ext uri="{909E8E84-426E-40DD-AFC4-6F175D3DCCD1}">
+              <a14:hiddenFill xmlns:a14="http://schemas.microsoft.com/office/drawing/2010/main">
+                <a:solidFill>
+                  <a:srgbClr val="FFFFFF"/>
+                </a:solidFill>
+              </a14:hiddenFill>
+            </a:ext>
+          </a:extLst>
+        </p:spPr>
+      </p:pic>
+      <p:pic>
+        <p:nvPicPr>
+          <p:cNvPr id="4" name="図 3">
+            <a:extLst>
+              <a:ext uri="{FF2B5EF4-FFF2-40B4-BE49-F238E27FC236}">
+                <a16:creationId xmlns:a16="http://schemas.microsoft.com/office/drawing/2014/main" id="{F9A529AC-7299-D6F4-0F5A-9A4CBB25789A}"/>
+              </a:ext>
+            </a:extLst>
+          </p:cNvPr>
+          <p:cNvPicPr>
+            <a:picLocks noChangeAspect="1"/>
+          </p:cNvPicPr>
+          <p:nvPr/>
+        </p:nvPicPr>
+        <p:blipFill>
+          <a:blip r:embed="rId3"/>
+          <a:stretch>
+            <a:fillRect/>
+          </a:stretch>
+        </p:blipFill>
+        <p:spPr>
+          <a:xfrm>
+            <a:off x="541427" y="1080114"/>
+            <a:ext cx="716898" cy="716898"/>
+          </a:xfrm>
+          <a:prstGeom prst="rect">
+            <a:avLst/>
+          </a:prstGeom>
+        </p:spPr>
+      </p:pic>
+      <p:sp>
+        <p:nvSpPr>
+          <p:cNvPr id="5" name="テキスト ボックス 4">
+            <a:extLst>
+              <a:ext uri="{FF2B5EF4-FFF2-40B4-BE49-F238E27FC236}">
+                <a16:creationId xmlns:a16="http://schemas.microsoft.com/office/drawing/2014/main" id="{22ADA965-1B6B-56B1-9923-FD2908B1FCD9}"/>
+              </a:ext>
+            </a:extLst>
+          </p:cNvPr>
+          <p:cNvSpPr txBox="1"/>
+          <p:nvPr/>
+        </p:nvSpPr>
+        <p:spPr>
+          <a:xfrm>
+            <a:off x="4139952" y="2632574"/>
+            <a:ext cx="3903633" cy="369332"/>
+          </a:xfrm>
+          <a:prstGeom prst="rect">
+            <a:avLst/>
+          </a:prstGeom>
+          <a:noFill/>
+        </p:spPr>
+        <p:txBody>
+          <a:bodyPr wrap="none" rtlCol="0">
+            <a:spAutoFit/>
+          </a:bodyPr>
+          <a:lstStyle/>
+          <a:p>
+            <a:r>
+              <a:rPr kumimoji="1" lang="en-US" altLang="ja-JP" dirty="0"/>
+              <a:t>1. </a:t>
+            </a:r>
+            <a:r>
+              <a:rPr kumimoji="1" lang="ja-JP" altLang="en-US"/>
+              <a:t>ホストから公開鍵が送られてくる</a:t>
+            </a:r>
+          </a:p>
+        </p:txBody>
+      </p:sp>
+      <p:cxnSp>
+        <p:nvCxnSpPr>
+          <p:cNvPr id="6" name="直線矢印コネクタ 5">
+            <a:extLst>
+              <a:ext uri="{FF2B5EF4-FFF2-40B4-BE49-F238E27FC236}">
+                <a16:creationId xmlns:a16="http://schemas.microsoft.com/office/drawing/2014/main" id="{FA43FA61-7339-BA9E-D5D8-94C4C7F5EBDC}"/>
+              </a:ext>
+            </a:extLst>
+          </p:cNvPr>
+          <p:cNvCxnSpPr>
+            <a:cxnSpLocks/>
+          </p:cNvCxnSpPr>
+          <p:nvPr/>
+        </p:nvCxnSpPr>
+        <p:spPr>
+          <a:xfrm>
+            <a:off x="1517268" y="2816921"/>
+            <a:ext cx="948618" cy="0"/>
+          </a:xfrm>
+          <a:prstGeom prst="straightConnector1">
+            <a:avLst/>
+          </a:prstGeom>
+          <a:ln>
+            <a:solidFill>
+              <a:schemeClr val="tx1"/>
+            </a:solidFill>
+            <a:headEnd type="none" w="med" len="med"/>
+            <a:tailEnd type="triangle"/>
+          </a:ln>
+        </p:spPr>
+        <p:style>
+          <a:lnRef idx="1">
+            <a:schemeClr val="accent1"/>
+          </a:lnRef>
+          <a:fillRef idx="0">
+            <a:schemeClr val="accent1"/>
+          </a:fillRef>
+          <a:effectRef idx="0">
+            <a:schemeClr val="accent1"/>
+          </a:effectRef>
+          <a:fontRef idx="minor">
+            <a:schemeClr val="tx1"/>
+          </a:fontRef>
+        </p:style>
+      </p:cxnSp>
+      <p:sp>
+        <p:nvSpPr>
+          <p:cNvPr id="7" name="テキスト ボックス 6">
+            <a:extLst>
+              <a:ext uri="{FF2B5EF4-FFF2-40B4-BE49-F238E27FC236}">
+                <a16:creationId xmlns:a16="http://schemas.microsoft.com/office/drawing/2014/main" id="{51D90FC1-2A25-E8E1-1A9A-E7D827F57188}"/>
+              </a:ext>
+            </a:extLst>
+          </p:cNvPr>
+          <p:cNvSpPr txBox="1"/>
+          <p:nvPr/>
+        </p:nvSpPr>
+        <p:spPr>
+          <a:xfrm>
+            <a:off x="2465886" y="1850074"/>
+            <a:ext cx="1569660" cy="369332"/>
+          </a:xfrm>
+          <a:prstGeom prst="rect">
+            <a:avLst/>
+          </a:prstGeom>
+          <a:noFill/>
+        </p:spPr>
+        <p:txBody>
+          <a:bodyPr wrap="none" rtlCol="0">
+            <a:spAutoFit/>
+          </a:bodyPr>
+          <a:lstStyle/>
+          <a:p>
+            <a:r>
+              <a:rPr kumimoji="1" lang="ja-JP" altLang="en-US"/>
+              <a:t>クライアント</a:t>
+            </a:r>
+          </a:p>
+        </p:txBody>
+      </p:sp>
+      <p:sp>
+        <p:nvSpPr>
+          <p:cNvPr id="8" name="テキスト ボックス 7">
+            <a:extLst>
+              <a:ext uri="{FF2B5EF4-FFF2-40B4-BE49-F238E27FC236}">
+                <a16:creationId xmlns:a16="http://schemas.microsoft.com/office/drawing/2014/main" id="{85B75EDB-0195-313B-1614-1DF0F3A73B15}"/>
+              </a:ext>
+            </a:extLst>
+          </p:cNvPr>
+          <p:cNvSpPr txBox="1"/>
+          <p:nvPr/>
+        </p:nvSpPr>
+        <p:spPr>
+          <a:xfrm>
+            <a:off x="541427" y="1859659"/>
+            <a:ext cx="877163" cy="369332"/>
+          </a:xfrm>
+          <a:prstGeom prst="rect">
+            <a:avLst/>
+          </a:prstGeom>
+          <a:noFill/>
+        </p:spPr>
+        <p:txBody>
+          <a:bodyPr wrap="none" rtlCol="0">
+            <a:spAutoFit/>
+          </a:bodyPr>
+          <a:lstStyle/>
+          <a:p>
+            <a:r>
+              <a:rPr kumimoji="1" lang="ja-JP" altLang="en-US"/>
+              <a:t>ホスト</a:t>
+            </a:r>
+          </a:p>
+        </p:txBody>
+      </p:sp>
+      <p:grpSp>
+        <p:nvGrpSpPr>
+          <p:cNvPr id="9" name="グループ化 8">
+            <a:extLst>
+              <a:ext uri="{FF2B5EF4-FFF2-40B4-BE49-F238E27FC236}">
+                <a16:creationId xmlns:a16="http://schemas.microsoft.com/office/drawing/2014/main" id="{EF128C34-1094-8BF9-A043-0E2831E6797F}"/>
+              </a:ext>
+            </a:extLst>
+          </p:cNvPr>
+          <p:cNvGrpSpPr/>
+          <p:nvPr/>
+        </p:nvGrpSpPr>
+        <p:grpSpPr>
+          <a:xfrm>
+            <a:off x="2846224" y="2478221"/>
+            <a:ext cx="599238" cy="677400"/>
+            <a:chOff x="3980964" y="3583025"/>
+            <a:chExt cx="828092" cy="936104"/>
+          </a:xfrm>
+        </p:grpSpPr>
+        <p:sp>
+          <p:nvSpPr>
+            <p:cNvPr id="10" name="正方形/長方形 9">
+              <a:extLst>
+                <a:ext uri="{FF2B5EF4-FFF2-40B4-BE49-F238E27FC236}">
+                  <a16:creationId xmlns:a16="http://schemas.microsoft.com/office/drawing/2014/main" id="{4FD02385-34F9-9F3F-10E2-A1262EA51692}"/>
+                </a:ext>
+              </a:extLst>
+            </p:cNvPr>
+            <p:cNvSpPr/>
+            <p:nvPr/>
+          </p:nvSpPr>
+          <p:spPr>
+            <a:xfrm>
+              <a:off x="4232992" y="3583025"/>
+              <a:ext cx="576064" cy="936104"/>
+            </a:xfrm>
+            <a:prstGeom prst="rect">
+              <a:avLst/>
+            </a:prstGeom>
+            <a:solidFill>
+              <a:srgbClr val="FFC000"/>
+            </a:solidFill>
+            <a:ln>
+              <a:noFill/>
+            </a:ln>
+          </p:spPr>
+          <p:style>
+            <a:lnRef idx="2">
+              <a:schemeClr val="accent1">
+                <a:shade val="50000"/>
+              </a:schemeClr>
+            </a:lnRef>
+            <a:fillRef idx="1">
+              <a:schemeClr val="accent1"/>
+            </a:fillRef>
+            <a:effectRef idx="0">
+              <a:schemeClr val="accent1"/>
+            </a:effectRef>
+            <a:fontRef idx="minor">
+              <a:schemeClr val="lt1"/>
+            </a:fontRef>
+          </p:style>
+          <p:txBody>
+            <a:bodyPr rtlCol="0" anchor="ctr"/>
+            <a:lstStyle/>
+            <a:p>
+              <a:pPr algn="ctr"/>
+              <a:endParaRPr kumimoji="1" lang="ja-JP" altLang="en-US"/>
+            </a:p>
+          </p:txBody>
+        </p:sp>
+        <p:sp>
+          <p:nvSpPr>
+            <p:cNvPr id="11" name="三角形 10">
+              <a:extLst>
+                <a:ext uri="{FF2B5EF4-FFF2-40B4-BE49-F238E27FC236}">
+                  <a16:creationId xmlns:a16="http://schemas.microsoft.com/office/drawing/2014/main" id="{A88C1497-4A5C-6AED-7816-AFB4A7B2D44D}"/>
+                </a:ext>
+              </a:extLst>
+            </p:cNvPr>
+            <p:cNvSpPr/>
+            <p:nvPr/>
+          </p:nvSpPr>
+          <p:spPr>
+            <a:xfrm rot="5400000">
+              <a:off x="4016968" y="3799049"/>
+              <a:ext cx="432048" cy="504056"/>
+            </a:xfrm>
+            <a:prstGeom prst="triangle">
+              <a:avLst/>
+            </a:prstGeom>
+            <a:solidFill>
+              <a:schemeClr val="bg1">
+                <a:lumMod val="95000"/>
+              </a:schemeClr>
+            </a:solidFill>
+            <a:ln>
+              <a:noFill/>
+            </a:ln>
+          </p:spPr>
+          <p:style>
+            <a:lnRef idx="2">
+              <a:schemeClr val="accent1">
+                <a:shade val="50000"/>
+              </a:schemeClr>
+            </a:lnRef>
+            <a:fillRef idx="1">
+              <a:schemeClr val="accent1"/>
+            </a:fillRef>
+            <a:effectRef idx="0">
+              <a:schemeClr val="accent1"/>
+            </a:effectRef>
+            <a:fontRef idx="minor">
+              <a:schemeClr val="lt1"/>
+            </a:fontRef>
+          </p:style>
+          <p:txBody>
+            <a:bodyPr rtlCol="0" anchor="ctr"/>
+            <a:lstStyle/>
+            <a:p>
+              <a:pPr algn="ctr"/>
+              <a:endParaRPr kumimoji="1" lang="ja-JP" altLang="en-US"/>
+            </a:p>
+          </p:txBody>
+        </p:sp>
+      </p:grpSp>
+      <p:grpSp>
+        <p:nvGrpSpPr>
+          <p:cNvPr id="12" name="グループ化 11">
+            <a:extLst>
+              <a:ext uri="{FF2B5EF4-FFF2-40B4-BE49-F238E27FC236}">
+                <a16:creationId xmlns:a16="http://schemas.microsoft.com/office/drawing/2014/main" id="{9DA2CD57-955D-6DA2-455C-119E3B37AA65}"/>
+              </a:ext>
+            </a:extLst>
+          </p:cNvPr>
+          <p:cNvGrpSpPr/>
+          <p:nvPr/>
+        </p:nvGrpSpPr>
+        <p:grpSpPr>
+          <a:xfrm>
+            <a:off x="659087" y="2478221"/>
+            <a:ext cx="599238" cy="677400"/>
+            <a:chOff x="2339752" y="3645024"/>
+            <a:chExt cx="828092" cy="936104"/>
+          </a:xfrm>
+        </p:grpSpPr>
+        <p:sp>
+          <p:nvSpPr>
+            <p:cNvPr id="13" name="正方形/長方形 12">
+              <a:extLst>
+                <a:ext uri="{FF2B5EF4-FFF2-40B4-BE49-F238E27FC236}">
+                  <a16:creationId xmlns:a16="http://schemas.microsoft.com/office/drawing/2014/main" id="{BE1A394D-FA95-99FD-FB76-691788950221}"/>
+                </a:ext>
+              </a:extLst>
+            </p:cNvPr>
+            <p:cNvSpPr/>
+            <p:nvPr/>
+          </p:nvSpPr>
+          <p:spPr>
+            <a:xfrm>
+              <a:off x="2339752" y="3645024"/>
+              <a:ext cx="576064" cy="936104"/>
+            </a:xfrm>
+            <a:prstGeom prst="rect">
+              <a:avLst/>
+            </a:prstGeom>
+            <a:solidFill>
+              <a:srgbClr val="FFC000"/>
+            </a:solidFill>
+            <a:ln>
+              <a:noFill/>
+            </a:ln>
+          </p:spPr>
+          <p:style>
+            <a:lnRef idx="2">
+              <a:schemeClr val="accent1">
+                <a:shade val="50000"/>
+              </a:schemeClr>
+            </a:lnRef>
+            <a:fillRef idx="1">
+              <a:schemeClr val="accent1"/>
+            </a:fillRef>
+            <a:effectRef idx="0">
+              <a:schemeClr val="accent1"/>
+            </a:effectRef>
+            <a:fontRef idx="minor">
+              <a:schemeClr val="lt1"/>
+            </a:fontRef>
+          </p:style>
+          <p:txBody>
+            <a:bodyPr rtlCol="0" anchor="ctr"/>
+            <a:lstStyle/>
+            <a:p>
+              <a:pPr algn="ctr"/>
+              <a:endParaRPr kumimoji="1" lang="ja-JP" altLang="en-US"/>
+            </a:p>
+          </p:txBody>
+        </p:sp>
+        <p:sp>
+          <p:nvSpPr>
+            <p:cNvPr id="14" name="三角形 13">
+              <a:extLst>
+                <a:ext uri="{FF2B5EF4-FFF2-40B4-BE49-F238E27FC236}">
+                  <a16:creationId xmlns:a16="http://schemas.microsoft.com/office/drawing/2014/main" id="{96333C82-49E9-FE00-9DA2-4B993B5233A2}"/>
+                </a:ext>
+              </a:extLst>
+            </p:cNvPr>
+            <p:cNvSpPr/>
+            <p:nvPr/>
+          </p:nvSpPr>
+          <p:spPr>
+            <a:xfrm rot="5400000">
+              <a:off x="2699792" y="3861048"/>
+              <a:ext cx="432048" cy="504056"/>
+            </a:xfrm>
+            <a:prstGeom prst="triangle">
+              <a:avLst/>
+            </a:prstGeom>
+            <a:solidFill>
+              <a:srgbClr val="FFC000"/>
+            </a:solidFill>
+            <a:ln>
+              <a:noFill/>
+            </a:ln>
+          </p:spPr>
+          <p:style>
+            <a:lnRef idx="2">
+              <a:schemeClr val="accent1">
+                <a:shade val="50000"/>
+              </a:schemeClr>
+            </a:lnRef>
+            <a:fillRef idx="1">
+              <a:schemeClr val="accent1"/>
+            </a:fillRef>
+            <a:effectRef idx="0">
+              <a:schemeClr val="accent1"/>
+            </a:effectRef>
+            <a:fontRef idx="minor">
+              <a:schemeClr val="lt1"/>
+            </a:fontRef>
+          </p:style>
+          <p:txBody>
+            <a:bodyPr rtlCol="0" anchor="ctr"/>
+            <a:lstStyle/>
+            <a:p>
+              <a:pPr algn="ctr"/>
+              <a:endParaRPr kumimoji="1" lang="ja-JP" altLang="en-US"/>
+            </a:p>
+          </p:txBody>
+        </p:sp>
+      </p:grpSp>
+      <p:sp>
+        <p:nvSpPr>
+          <p:cNvPr id="15" name="テキスト ボックス 14">
+            <a:extLst>
+              <a:ext uri="{FF2B5EF4-FFF2-40B4-BE49-F238E27FC236}">
+                <a16:creationId xmlns:a16="http://schemas.microsoft.com/office/drawing/2014/main" id="{F08D0056-EC92-40BE-9776-627341183760}"/>
+              </a:ext>
+            </a:extLst>
+          </p:cNvPr>
+          <p:cNvSpPr txBox="1"/>
+          <p:nvPr/>
+        </p:nvSpPr>
+        <p:spPr>
+          <a:xfrm>
+            <a:off x="4581955" y="3749248"/>
+            <a:ext cx="3416320" cy="369332"/>
+          </a:xfrm>
+          <a:prstGeom prst="rect">
+            <a:avLst/>
+          </a:prstGeom>
+          <a:noFill/>
+        </p:spPr>
+        <p:txBody>
+          <a:bodyPr wrap="none" rtlCol="0">
+            <a:spAutoFit/>
+          </a:bodyPr>
+          <a:lstStyle/>
+          <a:p>
+            <a:r>
+              <a:rPr kumimoji="1" lang="ja-JP" altLang="en-US"/>
+              <a:t>この鍵をどうやって信じるか？</a:t>
+            </a:r>
+          </a:p>
+        </p:txBody>
+      </p:sp>
+      <p:sp>
+        <p:nvSpPr>
+          <p:cNvPr id="16" name="角丸四角形 15">
+            <a:extLst>
+              <a:ext uri="{FF2B5EF4-FFF2-40B4-BE49-F238E27FC236}">
+                <a16:creationId xmlns:a16="http://schemas.microsoft.com/office/drawing/2014/main" id="{021D006B-A8EC-EB7F-B3F0-AAD7214ACA14}"/>
+              </a:ext>
+            </a:extLst>
+          </p:cNvPr>
+          <p:cNvSpPr/>
+          <p:nvPr/>
+        </p:nvSpPr>
+        <p:spPr>
+          <a:xfrm>
+            <a:off x="2771800" y="2348880"/>
+            <a:ext cx="948618" cy="936082"/>
+          </a:xfrm>
+          <a:prstGeom prst="roundRect">
+            <a:avLst/>
+          </a:prstGeom>
+          <a:noFill/>
+          <a:ln w="28575">
+            <a:solidFill>
+              <a:srgbClr val="FF0000"/>
+            </a:solidFill>
+            <a:prstDash val="dash"/>
+          </a:ln>
+        </p:spPr>
+        <p:style>
+          <a:lnRef idx="2">
+            <a:schemeClr val="accent1">
+              <a:shade val="50000"/>
+            </a:schemeClr>
+          </a:lnRef>
+          <a:fillRef idx="1">
+            <a:schemeClr val="accent1"/>
+          </a:fillRef>
+          <a:effectRef idx="0">
+            <a:schemeClr val="accent1"/>
+          </a:effectRef>
+          <a:fontRef idx="minor">
+            <a:schemeClr val="lt1"/>
+          </a:fontRef>
+        </p:style>
+        <p:txBody>
+          <a:bodyPr rtlCol="0" anchor="ctr"/>
+          <a:lstStyle/>
+          <a:p>
+            <a:pPr algn="ctr"/>
+            <a:endParaRPr kumimoji="1" lang="ja-JP" altLang="en-US"/>
+          </a:p>
+        </p:txBody>
+      </p:sp>
+      <p:cxnSp>
+        <p:nvCxnSpPr>
+          <p:cNvPr id="21" name="カギ線コネクタ 20">
+            <a:extLst>
+              <a:ext uri="{FF2B5EF4-FFF2-40B4-BE49-F238E27FC236}">
+                <a16:creationId xmlns:a16="http://schemas.microsoft.com/office/drawing/2014/main" id="{3479BC3A-D5A4-0CC8-F8A6-7C96EDE285F8}"/>
+              </a:ext>
+            </a:extLst>
+          </p:cNvPr>
+          <p:cNvCxnSpPr>
+            <a:stCxn id="15" idx="1"/>
+            <a:endCxn id="16" idx="2"/>
+          </p:cNvCxnSpPr>
+          <p:nvPr/>
+        </p:nvCxnSpPr>
+        <p:spPr>
+          <a:xfrm rot="10800000">
+            <a:off x="3246109" y="3284962"/>
+            <a:ext cx="1335846" cy="648952"/>
+          </a:xfrm>
+          <a:prstGeom prst="bentConnector2">
+            <a:avLst/>
+          </a:prstGeom>
+          <a:ln>
+            <a:solidFill>
+              <a:schemeClr val="tx1"/>
+            </a:solidFill>
+            <a:headEnd type="none" w="med" len="med"/>
+            <a:tailEnd type="triangle"/>
+          </a:ln>
+        </p:spPr>
+        <p:style>
+          <a:lnRef idx="1">
+            <a:schemeClr val="accent1"/>
+          </a:lnRef>
+          <a:fillRef idx="0">
+            <a:schemeClr val="accent1"/>
+          </a:fillRef>
+          <a:effectRef idx="0">
+            <a:schemeClr val="accent1"/>
+          </a:effectRef>
+          <a:fontRef idx="minor">
+            <a:schemeClr val="tx1"/>
+          </a:fontRef>
+        </p:style>
+      </p:cxnSp>
+      <p:sp>
+        <p:nvSpPr>
+          <p:cNvPr id="22" name="テキスト ボックス 21">
+            <a:extLst>
+              <a:ext uri="{FF2B5EF4-FFF2-40B4-BE49-F238E27FC236}">
+                <a16:creationId xmlns:a16="http://schemas.microsoft.com/office/drawing/2014/main" id="{28CE6CAB-D04B-D050-55FD-3A2154E25049}"/>
+              </a:ext>
+            </a:extLst>
+          </p:cNvPr>
+          <p:cNvSpPr txBox="1"/>
+          <p:nvPr/>
+        </p:nvSpPr>
+        <p:spPr>
+          <a:xfrm>
+            <a:off x="182633" y="4865922"/>
+            <a:ext cx="7648248" cy="369332"/>
+          </a:xfrm>
+          <a:prstGeom prst="rect">
+            <a:avLst/>
+          </a:prstGeom>
+          <a:noFill/>
+        </p:spPr>
+        <p:txBody>
+          <a:bodyPr wrap="none" rtlCol="0">
+            <a:spAutoFit/>
+          </a:bodyPr>
+          <a:lstStyle/>
+          <a:p>
+            <a:r>
+              <a:rPr kumimoji="1" lang="en-US" altLang="ja-JP" dirty="0"/>
+              <a:t>GitHub</a:t>
+            </a:r>
+            <a:r>
+              <a:rPr kumimoji="1" lang="ja-JP" altLang="en-US"/>
+              <a:t>の場合は</a:t>
+            </a:r>
+            <a:r>
+              <a:rPr kumimoji="1" lang="en-US" altLang="ja-JP" dirty="0"/>
+              <a:t>SSH</a:t>
+            </a:r>
+            <a:r>
+              <a:rPr kumimoji="1" lang="ja-JP" altLang="en-US"/>
+              <a:t>公開鍵</a:t>
+            </a:r>
+            <a:r>
+              <a:rPr lang="ja-JP" altLang="en-US"/>
+              <a:t>と、その</a:t>
+            </a:r>
+            <a:r>
+              <a:rPr lang="en-US" altLang="ja-JP" dirty="0"/>
+              <a:t>fingerprint</a:t>
+            </a:r>
+            <a:r>
+              <a:rPr kumimoji="1" lang="ja-JP" altLang="en-US"/>
+              <a:t>がウェブで公開されている</a:t>
+            </a:r>
+          </a:p>
+        </p:txBody>
+      </p:sp>
+      <p:sp>
+        <p:nvSpPr>
+          <p:cNvPr id="24" name="テキスト ボックス 23">
+            <a:extLst>
+              <a:ext uri="{FF2B5EF4-FFF2-40B4-BE49-F238E27FC236}">
+                <a16:creationId xmlns:a16="http://schemas.microsoft.com/office/drawing/2014/main" id="{F2A325BB-8B96-A124-9DF9-56E9794A0809}"/>
+              </a:ext>
+            </a:extLst>
+          </p:cNvPr>
+          <p:cNvSpPr txBox="1"/>
+          <p:nvPr/>
+        </p:nvSpPr>
+        <p:spPr>
+          <a:xfrm>
+            <a:off x="472615" y="5235254"/>
+            <a:ext cx="7720057" cy="276999"/>
+          </a:xfrm>
+          <a:prstGeom prst="rect">
+            <a:avLst/>
+          </a:prstGeom>
+          <a:noFill/>
+        </p:spPr>
+        <p:txBody>
+          <a:bodyPr wrap="square">
+            <a:spAutoFit/>
+          </a:bodyPr>
+          <a:lstStyle/>
+          <a:p>
+            <a:r>
+              <a:rPr lang="ja-JP" altLang="en-US" sz="1200">
+                <a:hlinkClick r:id="rId4"/>
+              </a:rPr>
+              <a:t>https://docs.github.com/en/authentication/keeping-your-account-and-data-secure/githubs-ssh-key-fingerprints</a:t>
+            </a:r>
+            <a:endParaRPr lang="ja-JP" altLang="en-US" sz="1200"/>
+          </a:p>
+        </p:txBody>
+      </p:sp>
+      <p:sp>
+        <p:nvSpPr>
+          <p:cNvPr id="25" name="テキスト ボックス 24">
+            <a:extLst>
+              <a:ext uri="{FF2B5EF4-FFF2-40B4-BE49-F238E27FC236}">
+                <a16:creationId xmlns:a16="http://schemas.microsoft.com/office/drawing/2014/main" id="{9354A711-31E8-224B-D975-D18BC2450DEA}"/>
+              </a:ext>
+            </a:extLst>
+          </p:cNvPr>
+          <p:cNvSpPr txBox="1"/>
+          <p:nvPr/>
+        </p:nvSpPr>
+        <p:spPr>
+          <a:xfrm>
+            <a:off x="179512" y="5744537"/>
+            <a:ext cx="8289449" cy="923330"/>
+          </a:xfrm>
+          <a:prstGeom prst="rect">
+            <a:avLst/>
+          </a:prstGeom>
+          <a:noFill/>
+        </p:spPr>
+        <p:txBody>
+          <a:bodyPr wrap="none" rtlCol="0">
+            <a:spAutoFit/>
+          </a:bodyPr>
+          <a:lstStyle/>
+          <a:p>
+            <a:r>
+              <a:rPr kumimoji="1" lang="ja-JP" altLang="en-US"/>
+              <a:t>公開鍵がない状態での初回接続時に表示された</a:t>
+            </a:r>
+            <a:r>
+              <a:rPr kumimoji="1" lang="en-US" altLang="ja-JP" dirty="0"/>
+              <a:t>fingerprint</a:t>
+            </a:r>
+            <a:r>
+              <a:rPr kumimoji="1" lang="ja-JP" altLang="en-US"/>
+              <a:t>を確認する</a:t>
+            </a:r>
+            <a:endParaRPr kumimoji="1" lang="en-US" altLang="ja-JP" dirty="0"/>
+          </a:p>
+          <a:p>
+            <a:r>
+              <a:rPr lang="en-US" altLang="ja-JP" dirty="0"/>
+              <a:t>or</a:t>
+            </a:r>
+          </a:p>
+          <a:p>
+            <a:r>
+              <a:rPr lang="en-US" altLang="ja-JP" dirty="0"/>
+              <a:t>GitHub</a:t>
+            </a:r>
+            <a:r>
+              <a:rPr lang="ja-JP" altLang="en-US"/>
+              <a:t>が公開している公開鍵を「知ってるホストリスト」に登録してから接続</a:t>
+            </a:r>
+            <a:endParaRPr kumimoji="1" lang="ja-JP" altLang="en-US"/>
+          </a:p>
+        </p:txBody>
+      </p:sp>
+    </p:spTree>
+    <p:extLst>
+      <p:ext uri="{BB962C8B-B14F-4D97-AF65-F5344CB8AC3E}">
+        <p14:creationId xmlns:p14="http://schemas.microsoft.com/office/powerpoint/2010/main" val="3246648519"/>
+      </p:ext>
+    </p:extLst>
+  </p:cSld>
+  <p:clrMapOvr>
+    <a:masterClrMapping/>
+  </p:clrMapOvr>
+</p:sld>
+</file>
+
+<file path=ppt/slides/slide15.xml><?xml version="1.0" encoding="utf-8"?>
+<p:sld xmlns:a="http://schemas.openxmlformats.org/drawingml/2006/main" xmlns:r="http://schemas.openxmlformats.org/officeDocument/2006/relationships" xmlns:p="http://schemas.openxmlformats.org/presentationml/2006/main">
+  <p:cSld>
+    <p:spTree>
+      <p:nvGrpSpPr>
+        <p:cNvPr id="1" name=""/>
+        <p:cNvGrpSpPr/>
+        <p:nvPr/>
+      </p:nvGrpSpPr>
+      <p:grpSpPr>
+        <a:xfrm>
+          <a:off x="0" y="0"/>
+          <a:ext cx="0" cy="0"/>
+          <a:chOff x="0" y="0"/>
+          <a:chExt cx="0" cy="0"/>
+        </a:xfrm>
+      </p:grpSpPr>
+      <p:sp>
+        <p:nvSpPr>
+          <p:cNvPr id="2" name="テキスト プレースホルダー 1">
+            <a:extLst>
+              <a:ext uri="{FF2B5EF4-FFF2-40B4-BE49-F238E27FC236}">
+                <a16:creationId xmlns:a16="http://schemas.microsoft.com/office/drawing/2014/main" id="{D2029CCD-7DA5-EF15-6879-EC1457B83FDA}"/>
+              </a:ext>
+            </a:extLst>
+          </p:cNvPr>
+          <p:cNvSpPr>
+            <a:spLocks noGrp="1"/>
+          </p:cNvSpPr>
+          <p:nvPr>
+            <p:ph type="body" sz="quarter" idx="10"/>
+          </p:nvPr>
+        </p:nvSpPr>
+        <p:spPr/>
+        <p:txBody>
+          <a:bodyPr/>
+          <a:lstStyle/>
+          <a:p>
+            <a:r>
+              <a:rPr kumimoji="1" lang="ja-JP" altLang="en-US"/>
+              <a:t>ホスト認証</a:t>
+            </a:r>
+            <a:r>
+              <a:rPr kumimoji="1" lang="en-US" altLang="ja-JP" dirty="0"/>
+              <a:t>(</a:t>
+            </a:r>
+            <a:r>
+              <a:rPr kumimoji="1" lang="ja-JP" altLang="en-US"/>
+              <a:t>二回目以降</a:t>
+            </a:r>
+            <a:r>
+              <a:rPr kumimoji="1" lang="en-US" altLang="ja-JP" dirty="0"/>
+              <a:t>)</a:t>
+            </a:r>
+            <a:endParaRPr kumimoji="1" lang="ja-JP" altLang="en-US"/>
+          </a:p>
+        </p:txBody>
+      </p:sp>
+      <p:pic>
+        <p:nvPicPr>
+          <p:cNvPr id="4" name="Picture 8" descr="会社で働く人のイラスト（男性）">
+            <a:extLst>
+              <a:ext uri="{FF2B5EF4-FFF2-40B4-BE49-F238E27FC236}">
+                <a16:creationId xmlns:a16="http://schemas.microsoft.com/office/drawing/2014/main" id="{05790EB3-B905-367D-DF19-1847FFDD031F}"/>
+              </a:ext>
+            </a:extLst>
+          </p:cNvPr>
+          <p:cNvPicPr>
+            <a:picLocks noChangeAspect="1" noChangeArrowheads="1"/>
+          </p:cNvPicPr>
+          <p:nvPr/>
+        </p:nvPicPr>
+        <p:blipFill>
+          <a:blip r:embed="rId2">
+            <a:extLst>
+              <a:ext uri="{28A0092B-C50C-407E-A947-70E740481C1C}">
+                <a14:useLocalDpi xmlns:a14="http://schemas.microsoft.com/office/drawing/2010/main" val="0"/>
+              </a:ext>
+            </a:extLst>
+          </a:blip>
+          <a:srcRect/>
+          <a:stretch>
+            <a:fillRect/>
+          </a:stretch>
+        </p:blipFill>
+        <p:spPr bwMode="auto">
+          <a:xfrm flipH="1">
+            <a:off x="2843808" y="1124744"/>
+            <a:ext cx="777586" cy="777586"/>
+          </a:xfrm>
+          <a:prstGeom prst="rect">
+            <a:avLst/>
+          </a:prstGeom>
+          <a:noFill/>
+          <a:extLst>
+            <a:ext uri="{909E8E84-426E-40DD-AFC4-6F175D3DCCD1}">
+              <a14:hiddenFill xmlns:a14="http://schemas.microsoft.com/office/drawing/2010/main">
+                <a:solidFill>
+                  <a:srgbClr val="FFFFFF"/>
+                </a:solidFill>
+              </a14:hiddenFill>
+            </a:ext>
+          </a:extLst>
+        </p:spPr>
+      </p:pic>
+      <p:pic>
+        <p:nvPicPr>
+          <p:cNvPr id="5" name="図 4">
+            <a:extLst>
+              <a:ext uri="{FF2B5EF4-FFF2-40B4-BE49-F238E27FC236}">
+                <a16:creationId xmlns:a16="http://schemas.microsoft.com/office/drawing/2014/main" id="{ABA577EE-1150-0ADB-B12F-061D004ADBE6}"/>
+              </a:ext>
+            </a:extLst>
+          </p:cNvPr>
+          <p:cNvPicPr>
+            <a:picLocks noChangeAspect="1"/>
+          </p:cNvPicPr>
+          <p:nvPr/>
+        </p:nvPicPr>
+        <p:blipFill>
+          <a:blip r:embed="rId3"/>
+          <a:stretch>
+            <a:fillRect/>
+          </a:stretch>
+        </p:blipFill>
+        <p:spPr>
+          <a:xfrm>
+            <a:off x="523312" y="1249803"/>
+            <a:ext cx="716898" cy="716898"/>
+          </a:xfrm>
+          <a:prstGeom prst="rect">
+            <a:avLst/>
+          </a:prstGeom>
+        </p:spPr>
+      </p:pic>
+      <p:sp>
+        <p:nvSpPr>
+          <p:cNvPr id="7" name="テキスト ボックス 6">
+            <a:extLst>
+              <a:ext uri="{FF2B5EF4-FFF2-40B4-BE49-F238E27FC236}">
+                <a16:creationId xmlns:a16="http://schemas.microsoft.com/office/drawing/2014/main" id="{CCD64365-DEA2-A469-B59B-7C8E5E34D679}"/>
+              </a:ext>
+            </a:extLst>
+          </p:cNvPr>
+          <p:cNvSpPr txBox="1"/>
+          <p:nvPr/>
+        </p:nvSpPr>
+        <p:spPr>
+          <a:xfrm>
+            <a:off x="2447771" y="2019763"/>
+            <a:ext cx="1569660" cy="369332"/>
+          </a:xfrm>
+          <a:prstGeom prst="rect">
+            <a:avLst/>
+          </a:prstGeom>
+          <a:noFill/>
+        </p:spPr>
+        <p:txBody>
+          <a:bodyPr wrap="none" rtlCol="0">
+            <a:spAutoFit/>
+          </a:bodyPr>
+          <a:lstStyle/>
+          <a:p>
+            <a:r>
+              <a:rPr kumimoji="1" lang="ja-JP" altLang="en-US"/>
+              <a:t>クライアント</a:t>
+            </a:r>
+          </a:p>
+        </p:txBody>
+      </p:sp>
+      <p:sp>
+        <p:nvSpPr>
+          <p:cNvPr id="8" name="テキスト ボックス 7">
+            <a:extLst>
+              <a:ext uri="{FF2B5EF4-FFF2-40B4-BE49-F238E27FC236}">
+                <a16:creationId xmlns:a16="http://schemas.microsoft.com/office/drawing/2014/main" id="{F8399EF8-8834-8AE3-F059-C287580ED403}"/>
+              </a:ext>
+            </a:extLst>
+          </p:cNvPr>
+          <p:cNvSpPr txBox="1"/>
+          <p:nvPr/>
+        </p:nvSpPr>
+        <p:spPr>
+          <a:xfrm>
+            <a:off x="523312" y="2029348"/>
+            <a:ext cx="877163" cy="369332"/>
+          </a:xfrm>
+          <a:prstGeom prst="rect">
+            <a:avLst/>
+          </a:prstGeom>
+          <a:noFill/>
+        </p:spPr>
+        <p:txBody>
+          <a:bodyPr wrap="none" rtlCol="0">
+            <a:spAutoFit/>
+          </a:bodyPr>
+          <a:lstStyle/>
+          <a:p>
+            <a:r>
+              <a:rPr kumimoji="1" lang="ja-JP" altLang="en-US"/>
+              <a:t>ホスト</a:t>
+            </a:r>
+          </a:p>
+        </p:txBody>
+      </p:sp>
+      <p:grpSp>
+        <p:nvGrpSpPr>
+          <p:cNvPr id="25" name="グループ化 24">
+            <a:extLst>
+              <a:ext uri="{FF2B5EF4-FFF2-40B4-BE49-F238E27FC236}">
+                <a16:creationId xmlns:a16="http://schemas.microsoft.com/office/drawing/2014/main" id="{1E4190AB-2E29-AD2F-A303-CAF56470D231}"/>
+              </a:ext>
+            </a:extLst>
+          </p:cNvPr>
+          <p:cNvGrpSpPr/>
+          <p:nvPr/>
+        </p:nvGrpSpPr>
+        <p:grpSpPr>
+          <a:xfrm>
+            <a:off x="662699" y="2740414"/>
+            <a:ext cx="438123" cy="495270"/>
+            <a:chOff x="2339752" y="3645024"/>
+            <a:chExt cx="828092" cy="936104"/>
+          </a:xfrm>
+        </p:grpSpPr>
+        <p:sp>
+          <p:nvSpPr>
+            <p:cNvPr id="26" name="正方形/長方形 25">
+              <a:extLst>
+                <a:ext uri="{FF2B5EF4-FFF2-40B4-BE49-F238E27FC236}">
+                  <a16:creationId xmlns:a16="http://schemas.microsoft.com/office/drawing/2014/main" id="{EDA11579-023A-3774-50F5-2D278360D4DA}"/>
+                </a:ext>
+              </a:extLst>
+            </p:cNvPr>
+            <p:cNvSpPr/>
+            <p:nvPr/>
+          </p:nvSpPr>
+          <p:spPr>
+            <a:xfrm>
+              <a:off x="2339752" y="3645024"/>
+              <a:ext cx="576064" cy="936104"/>
+            </a:xfrm>
+            <a:prstGeom prst="rect">
+              <a:avLst/>
+            </a:prstGeom>
+            <a:solidFill>
+              <a:srgbClr val="FFC000"/>
+            </a:solidFill>
+            <a:ln>
+              <a:noFill/>
+            </a:ln>
+          </p:spPr>
+          <p:style>
+            <a:lnRef idx="2">
+              <a:schemeClr val="accent1">
+                <a:shade val="50000"/>
+              </a:schemeClr>
+            </a:lnRef>
+            <a:fillRef idx="1">
+              <a:schemeClr val="accent1"/>
+            </a:fillRef>
+            <a:effectRef idx="0">
+              <a:schemeClr val="accent1"/>
+            </a:effectRef>
+            <a:fontRef idx="minor">
+              <a:schemeClr val="lt1"/>
+            </a:fontRef>
+          </p:style>
+          <p:txBody>
+            <a:bodyPr rtlCol="0" anchor="ctr"/>
+            <a:lstStyle/>
+            <a:p>
+              <a:pPr algn="ctr"/>
+              <a:endParaRPr kumimoji="1" lang="ja-JP" altLang="en-US"/>
+            </a:p>
+          </p:txBody>
+        </p:sp>
+        <p:sp>
+          <p:nvSpPr>
+            <p:cNvPr id="27" name="三角形 26">
+              <a:extLst>
+                <a:ext uri="{FF2B5EF4-FFF2-40B4-BE49-F238E27FC236}">
+                  <a16:creationId xmlns:a16="http://schemas.microsoft.com/office/drawing/2014/main" id="{57C7E320-8970-2E73-F536-DFF213BD0FA2}"/>
+                </a:ext>
+              </a:extLst>
+            </p:cNvPr>
+            <p:cNvSpPr/>
+            <p:nvPr/>
+          </p:nvSpPr>
+          <p:spPr>
+            <a:xfrm rot="5400000">
+              <a:off x="2699792" y="3861048"/>
+              <a:ext cx="432048" cy="504056"/>
+            </a:xfrm>
+            <a:prstGeom prst="triangle">
+              <a:avLst/>
+            </a:prstGeom>
+            <a:solidFill>
+              <a:srgbClr val="FFC000"/>
+            </a:solidFill>
+            <a:ln>
+              <a:noFill/>
+            </a:ln>
+          </p:spPr>
+          <p:style>
+            <a:lnRef idx="2">
+              <a:schemeClr val="accent1">
+                <a:shade val="50000"/>
+              </a:schemeClr>
+            </a:lnRef>
+            <a:fillRef idx="1">
+              <a:schemeClr val="accent1"/>
+            </a:fillRef>
+            <a:effectRef idx="0">
+              <a:schemeClr val="accent1"/>
+            </a:effectRef>
+            <a:fontRef idx="minor">
+              <a:schemeClr val="lt1"/>
+            </a:fontRef>
+          </p:style>
+          <p:txBody>
+            <a:bodyPr rtlCol="0" anchor="ctr"/>
+            <a:lstStyle/>
+            <a:p>
+              <a:pPr algn="ctr"/>
+              <a:endParaRPr kumimoji="1" lang="ja-JP" altLang="en-US"/>
+            </a:p>
+          </p:txBody>
+        </p:sp>
+      </p:grpSp>
+      <p:grpSp>
+        <p:nvGrpSpPr>
+          <p:cNvPr id="28" name="グループ化 27">
+            <a:extLst>
+              <a:ext uri="{FF2B5EF4-FFF2-40B4-BE49-F238E27FC236}">
+                <a16:creationId xmlns:a16="http://schemas.microsoft.com/office/drawing/2014/main" id="{48D9A151-D29E-1047-C533-E6274F54B53E}"/>
+              </a:ext>
+            </a:extLst>
+          </p:cNvPr>
+          <p:cNvGrpSpPr/>
+          <p:nvPr/>
+        </p:nvGrpSpPr>
+        <p:grpSpPr>
+          <a:xfrm>
+            <a:off x="2473728" y="2704780"/>
+            <a:ext cx="703773" cy="566537"/>
+            <a:chOff x="1193558" y="4261389"/>
+            <a:chExt cx="703773" cy="566537"/>
+          </a:xfrm>
+        </p:grpSpPr>
+        <p:pic>
+          <p:nvPicPr>
+            <p:cNvPr id="29" name="Picture 2" descr="掲示板に貼られた紙のイラスト（メモ）">
+              <a:extLst>
+                <a:ext uri="{FF2B5EF4-FFF2-40B4-BE49-F238E27FC236}">
+                  <a16:creationId xmlns:a16="http://schemas.microsoft.com/office/drawing/2014/main" id="{E363C6F8-B95D-C0B2-AFAC-540D1C605E3E}"/>
+                </a:ext>
+              </a:extLst>
+            </p:cNvPr>
+            <p:cNvPicPr>
+              <a:picLocks noChangeAspect="1" noChangeArrowheads="1"/>
+            </p:cNvPicPr>
+            <p:nvPr/>
+          </p:nvPicPr>
+          <p:blipFill>
+            <a:blip r:embed="rId4" cstate="print">
+              <a:extLst>
+                <a:ext uri="{28A0092B-C50C-407E-A947-70E740481C1C}">
+                  <a14:useLocalDpi xmlns:a14="http://schemas.microsoft.com/office/drawing/2010/main" val="0"/>
+                </a:ext>
+              </a:extLst>
+            </a:blip>
+            <a:srcRect/>
+            <a:stretch>
+              <a:fillRect/>
+            </a:stretch>
+          </p:blipFill>
+          <p:spPr bwMode="auto">
+            <a:xfrm>
+              <a:off x="1193558" y="4261389"/>
+              <a:ext cx="703773" cy="566537"/>
+            </a:xfrm>
+            <a:prstGeom prst="rect">
+              <a:avLst/>
+            </a:prstGeom>
+            <a:noFill/>
+            <a:extLst>
+              <a:ext uri="{909E8E84-426E-40DD-AFC4-6F175D3DCCD1}">
+                <a14:hiddenFill xmlns:a14="http://schemas.microsoft.com/office/drawing/2010/main">
+                  <a:solidFill>
+                    <a:srgbClr val="FFFFFF"/>
+                  </a:solidFill>
+                </a14:hiddenFill>
+              </a:ext>
+            </a:extLst>
+          </p:spPr>
+        </p:pic>
+        <p:grpSp>
+          <p:nvGrpSpPr>
+            <p:cNvPr id="30" name="グループ化 29">
+              <a:extLst>
+                <a:ext uri="{FF2B5EF4-FFF2-40B4-BE49-F238E27FC236}">
+                  <a16:creationId xmlns:a16="http://schemas.microsoft.com/office/drawing/2014/main" id="{D7E7F6BB-5475-BC7F-9E67-CF59B7036C53}"/>
+                </a:ext>
+              </a:extLst>
+            </p:cNvPr>
+            <p:cNvGrpSpPr/>
+            <p:nvPr/>
+          </p:nvGrpSpPr>
+          <p:grpSpPr>
+            <a:xfrm>
+              <a:off x="1468290" y="4442527"/>
+              <a:ext cx="236787" cy="267673"/>
+              <a:chOff x="2339752" y="3645024"/>
+              <a:chExt cx="828092" cy="936104"/>
+            </a:xfrm>
+            <a:solidFill>
+              <a:srgbClr val="FF0000"/>
+            </a:solidFill>
+          </p:grpSpPr>
+          <p:sp>
+            <p:nvSpPr>
+              <p:cNvPr id="31" name="正方形/長方形 30">
+                <a:extLst>
+                  <a:ext uri="{FF2B5EF4-FFF2-40B4-BE49-F238E27FC236}">
+                    <a16:creationId xmlns:a16="http://schemas.microsoft.com/office/drawing/2014/main" id="{6B9B11FD-5088-8052-8CDA-A4DC30FD32DD}"/>
+                  </a:ext>
+                </a:extLst>
+              </p:cNvPr>
+              <p:cNvSpPr/>
+              <p:nvPr/>
+            </p:nvSpPr>
+            <p:spPr>
+              <a:xfrm>
+                <a:off x="2339752" y="3645024"/>
+                <a:ext cx="576064" cy="936104"/>
+              </a:xfrm>
+              <a:prstGeom prst="rect">
+                <a:avLst/>
+              </a:prstGeom>
+              <a:grpFill/>
+              <a:ln>
+                <a:noFill/>
+              </a:ln>
+            </p:spPr>
+            <p:style>
+              <a:lnRef idx="2">
+                <a:schemeClr val="accent1">
+                  <a:shade val="50000"/>
+                </a:schemeClr>
+              </a:lnRef>
+              <a:fillRef idx="1">
+                <a:schemeClr val="accent1"/>
+              </a:fillRef>
+              <a:effectRef idx="0">
+                <a:schemeClr val="accent1"/>
+              </a:effectRef>
+              <a:fontRef idx="minor">
+                <a:schemeClr val="lt1"/>
+              </a:fontRef>
+            </p:style>
+            <p:txBody>
+              <a:bodyPr rtlCol="0" anchor="ctr"/>
+              <a:lstStyle/>
+              <a:p>
+                <a:pPr algn="ctr"/>
+                <a:endParaRPr kumimoji="1" lang="ja-JP" altLang="en-US"/>
+              </a:p>
+            </p:txBody>
+          </p:sp>
+          <p:sp>
+            <p:nvSpPr>
+              <p:cNvPr id="32" name="三角形 31">
+                <a:extLst>
+                  <a:ext uri="{FF2B5EF4-FFF2-40B4-BE49-F238E27FC236}">
+                    <a16:creationId xmlns:a16="http://schemas.microsoft.com/office/drawing/2014/main" id="{6111DA25-A9D1-23BA-D296-A17587C88187}"/>
+                  </a:ext>
+                </a:extLst>
+              </p:cNvPr>
+              <p:cNvSpPr/>
+              <p:nvPr/>
+            </p:nvSpPr>
+            <p:spPr>
+              <a:xfrm rot="5400000">
+                <a:off x="2699792" y="3861048"/>
+                <a:ext cx="432048" cy="504056"/>
+              </a:xfrm>
+              <a:prstGeom prst="triangle">
+                <a:avLst/>
+              </a:prstGeom>
+              <a:grpFill/>
+              <a:ln>
+                <a:noFill/>
+              </a:ln>
+            </p:spPr>
+            <p:style>
+              <a:lnRef idx="2">
+                <a:schemeClr val="accent1">
+                  <a:shade val="50000"/>
+                </a:schemeClr>
+              </a:lnRef>
+              <a:fillRef idx="1">
+                <a:schemeClr val="accent1"/>
+              </a:fillRef>
+              <a:effectRef idx="0">
+                <a:schemeClr val="accent1"/>
+              </a:effectRef>
+              <a:fontRef idx="minor">
+                <a:schemeClr val="lt1"/>
+              </a:fontRef>
+            </p:style>
+            <p:txBody>
+              <a:bodyPr rtlCol="0" anchor="ctr"/>
+              <a:lstStyle/>
+              <a:p>
+                <a:pPr algn="ctr"/>
+                <a:endParaRPr kumimoji="1" lang="ja-JP" altLang="en-US"/>
+              </a:p>
+            </p:txBody>
+          </p:sp>
+        </p:grpSp>
+      </p:grpSp>
+      <p:cxnSp>
+        <p:nvCxnSpPr>
+          <p:cNvPr id="34" name="直線矢印コネクタ 33">
+            <a:extLst>
+              <a:ext uri="{FF2B5EF4-FFF2-40B4-BE49-F238E27FC236}">
+                <a16:creationId xmlns:a16="http://schemas.microsoft.com/office/drawing/2014/main" id="{6B4C8C42-E8C7-D45F-D6D4-93FEAC8F3DEE}"/>
+              </a:ext>
+            </a:extLst>
+          </p:cNvPr>
+          <p:cNvCxnSpPr/>
+          <p:nvPr/>
+        </p:nvCxnSpPr>
+        <p:spPr>
+          <a:xfrm>
+            <a:off x="1400475" y="2988049"/>
+            <a:ext cx="795261" cy="0"/>
+          </a:xfrm>
+          <a:prstGeom prst="straightConnector1">
+            <a:avLst/>
+          </a:prstGeom>
+          <a:ln>
+            <a:solidFill>
+              <a:schemeClr val="tx1"/>
+            </a:solidFill>
+            <a:headEnd type="none" w="med" len="med"/>
+            <a:tailEnd type="triangle"/>
+          </a:ln>
+        </p:spPr>
+        <p:style>
+          <a:lnRef idx="1">
+            <a:schemeClr val="accent1"/>
+          </a:lnRef>
+          <a:fillRef idx="0">
+            <a:schemeClr val="accent1"/>
+          </a:fillRef>
+          <a:effectRef idx="0">
+            <a:schemeClr val="accent1"/>
+          </a:effectRef>
+          <a:fontRef idx="minor">
+            <a:schemeClr val="tx1"/>
+          </a:fontRef>
+        </p:style>
+      </p:cxnSp>
+      <p:grpSp>
+        <p:nvGrpSpPr>
+          <p:cNvPr id="35" name="グループ化 34">
+            <a:extLst>
+              <a:ext uri="{FF2B5EF4-FFF2-40B4-BE49-F238E27FC236}">
+                <a16:creationId xmlns:a16="http://schemas.microsoft.com/office/drawing/2014/main" id="{EDE1F0C6-A5EE-7AE0-4711-211334C7999D}"/>
+              </a:ext>
+            </a:extLst>
+          </p:cNvPr>
+          <p:cNvGrpSpPr/>
+          <p:nvPr/>
+        </p:nvGrpSpPr>
+        <p:grpSpPr>
+          <a:xfrm>
+            <a:off x="3268247" y="2680410"/>
+            <a:ext cx="491092" cy="555148"/>
+            <a:chOff x="3980964" y="3583025"/>
+            <a:chExt cx="828092" cy="936104"/>
+          </a:xfrm>
+        </p:grpSpPr>
+        <p:sp>
+          <p:nvSpPr>
+            <p:cNvPr id="36" name="正方形/長方形 35">
+              <a:extLst>
+                <a:ext uri="{FF2B5EF4-FFF2-40B4-BE49-F238E27FC236}">
+                  <a16:creationId xmlns:a16="http://schemas.microsoft.com/office/drawing/2014/main" id="{595D92C7-23F2-4B59-462B-E5704A9CC7F0}"/>
+                </a:ext>
+              </a:extLst>
+            </p:cNvPr>
+            <p:cNvSpPr/>
+            <p:nvPr/>
+          </p:nvSpPr>
+          <p:spPr>
+            <a:xfrm>
+              <a:off x="4232992" y="3583025"/>
+              <a:ext cx="576064" cy="936104"/>
+            </a:xfrm>
+            <a:prstGeom prst="rect">
+              <a:avLst/>
+            </a:prstGeom>
+            <a:solidFill>
+              <a:srgbClr val="FFC000"/>
+            </a:solidFill>
+            <a:ln>
+              <a:noFill/>
+            </a:ln>
+          </p:spPr>
+          <p:style>
+            <a:lnRef idx="2">
+              <a:schemeClr val="accent1">
+                <a:shade val="50000"/>
+              </a:schemeClr>
+            </a:lnRef>
+            <a:fillRef idx="1">
+              <a:schemeClr val="accent1"/>
+            </a:fillRef>
+            <a:effectRef idx="0">
+              <a:schemeClr val="accent1"/>
+            </a:effectRef>
+            <a:fontRef idx="minor">
+              <a:schemeClr val="lt1"/>
+            </a:fontRef>
+          </p:style>
+          <p:txBody>
+            <a:bodyPr rtlCol="0" anchor="ctr"/>
+            <a:lstStyle/>
+            <a:p>
+              <a:pPr algn="ctr"/>
+              <a:endParaRPr kumimoji="1" lang="ja-JP" altLang="en-US"/>
+            </a:p>
+          </p:txBody>
+        </p:sp>
+        <p:sp>
+          <p:nvSpPr>
+            <p:cNvPr id="37" name="三角形 36">
+              <a:extLst>
+                <a:ext uri="{FF2B5EF4-FFF2-40B4-BE49-F238E27FC236}">
+                  <a16:creationId xmlns:a16="http://schemas.microsoft.com/office/drawing/2014/main" id="{D3975E65-47B0-5E8B-13A1-7EDC30EBC9D9}"/>
+                </a:ext>
+              </a:extLst>
+            </p:cNvPr>
+            <p:cNvSpPr/>
+            <p:nvPr/>
+          </p:nvSpPr>
+          <p:spPr>
+            <a:xfrm rot="5400000">
+              <a:off x="4016968" y="3799049"/>
+              <a:ext cx="432048" cy="504056"/>
+            </a:xfrm>
+            <a:prstGeom prst="triangle">
+              <a:avLst/>
+            </a:prstGeom>
+            <a:solidFill>
+              <a:schemeClr val="bg1">
+                <a:lumMod val="95000"/>
+              </a:schemeClr>
+            </a:solidFill>
+            <a:ln>
+              <a:noFill/>
+            </a:ln>
+          </p:spPr>
+          <p:style>
+            <a:lnRef idx="2">
+              <a:schemeClr val="accent1">
+                <a:shade val="50000"/>
+              </a:schemeClr>
+            </a:lnRef>
+            <a:fillRef idx="1">
+              <a:schemeClr val="accent1"/>
+            </a:fillRef>
+            <a:effectRef idx="0">
+              <a:schemeClr val="accent1"/>
+            </a:effectRef>
+            <a:fontRef idx="minor">
+              <a:schemeClr val="lt1"/>
+            </a:fontRef>
+          </p:style>
+          <p:txBody>
+            <a:bodyPr rtlCol="0" anchor="ctr"/>
+            <a:lstStyle/>
+            <a:p>
+              <a:pPr algn="ctr"/>
+              <a:endParaRPr kumimoji="1" lang="ja-JP" altLang="en-US"/>
+            </a:p>
+          </p:txBody>
+        </p:sp>
+      </p:grpSp>
+      <p:sp>
+        <p:nvSpPr>
+          <p:cNvPr id="38" name="テキスト ボックス 37">
+            <a:extLst>
+              <a:ext uri="{FF2B5EF4-FFF2-40B4-BE49-F238E27FC236}">
+                <a16:creationId xmlns:a16="http://schemas.microsoft.com/office/drawing/2014/main" id="{E66ACEB2-6820-A835-0B2D-BD5C1501108C}"/>
+              </a:ext>
+            </a:extLst>
+          </p:cNvPr>
+          <p:cNvSpPr txBox="1"/>
+          <p:nvPr/>
+        </p:nvSpPr>
+        <p:spPr>
+          <a:xfrm>
+            <a:off x="4283968" y="2664883"/>
+            <a:ext cx="4440683" cy="646331"/>
+          </a:xfrm>
+          <a:prstGeom prst="rect">
+            <a:avLst/>
+          </a:prstGeom>
+          <a:noFill/>
+        </p:spPr>
+        <p:txBody>
+          <a:bodyPr wrap="square" rtlCol="0">
+            <a:spAutoFit/>
+          </a:bodyPr>
+          <a:lstStyle/>
+          <a:p>
+            <a:r>
+              <a:rPr lang="ja-JP" altLang="en-US"/>
+              <a:t>ホストが秘密鍵で署名したメッセージをすでに所持している公開鍵で検証</a:t>
+            </a:r>
+            <a:endParaRPr kumimoji="1" lang="ja-JP" altLang="en-US"/>
+          </a:p>
+        </p:txBody>
+      </p:sp>
+      <p:pic>
+        <p:nvPicPr>
+          <p:cNvPr id="39" name="Picture 2" descr="悪人のイラスト「黒いシルエット」">
+            <a:extLst>
+              <a:ext uri="{FF2B5EF4-FFF2-40B4-BE49-F238E27FC236}">
+                <a16:creationId xmlns:a16="http://schemas.microsoft.com/office/drawing/2014/main" id="{21198BD6-33F3-9A14-4E86-589F3ED98E6D}"/>
+              </a:ext>
+            </a:extLst>
+          </p:cNvPr>
+          <p:cNvPicPr>
+            <a:picLocks noChangeAspect="1" noChangeArrowheads="1"/>
+          </p:cNvPicPr>
+          <p:nvPr/>
+        </p:nvPicPr>
+        <p:blipFill>
+          <a:blip r:embed="rId5" cstate="print">
+            <a:extLst>
+              <a:ext uri="{28A0092B-C50C-407E-A947-70E740481C1C}">
+                <a14:useLocalDpi xmlns:a14="http://schemas.microsoft.com/office/drawing/2010/main" val="0"/>
+              </a:ext>
+            </a:extLst>
+          </a:blip>
+          <a:srcRect/>
+          <a:stretch>
+            <a:fillRect/>
+          </a:stretch>
+        </p:blipFill>
+        <p:spPr bwMode="auto">
+          <a:xfrm flipH="1">
+            <a:off x="532144" y="4100872"/>
+            <a:ext cx="603987" cy="716898"/>
+          </a:xfrm>
+          <a:prstGeom prst="rect">
+            <a:avLst/>
+          </a:prstGeom>
+          <a:noFill/>
+          <a:extLst>
+            <a:ext uri="{909E8E84-426E-40DD-AFC4-6F175D3DCCD1}">
+              <a14:hiddenFill xmlns:a14="http://schemas.microsoft.com/office/drawing/2010/main">
+                <a:solidFill>
+                  <a:srgbClr val="FFFFFF"/>
+                </a:solidFill>
+              </a14:hiddenFill>
+            </a:ext>
+          </a:extLst>
+        </p:spPr>
+      </p:pic>
+      <p:grpSp>
+        <p:nvGrpSpPr>
+          <p:cNvPr id="47" name="グループ化 46">
+            <a:extLst>
+              <a:ext uri="{FF2B5EF4-FFF2-40B4-BE49-F238E27FC236}">
+                <a16:creationId xmlns:a16="http://schemas.microsoft.com/office/drawing/2014/main" id="{491D156C-4ABB-EF0D-0C5B-AA3734279603}"/>
+              </a:ext>
+            </a:extLst>
+          </p:cNvPr>
+          <p:cNvGrpSpPr/>
+          <p:nvPr/>
+        </p:nvGrpSpPr>
+        <p:grpSpPr>
+          <a:xfrm>
+            <a:off x="699512" y="4939102"/>
+            <a:ext cx="404426" cy="495270"/>
+            <a:chOff x="2043345" y="5485621"/>
+            <a:chExt cx="404426" cy="495270"/>
+          </a:xfrm>
+        </p:grpSpPr>
+        <p:sp>
+          <p:nvSpPr>
+            <p:cNvPr id="41" name="正方形/長方形 40">
+              <a:extLst>
+                <a:ext uri="{FF2B5EF4-FFF2-40B4-BE49-F238E27FC236}">
+                  <a16:creationId xmlns:a16="http://schemas.microsoft.com/office/drawing/2014/main" id="{38D6CE04-4E20-5CEC-8DD9-BE7C5F94AD19}"/>
+                </a:ext>
+              </a:extLst>
+            </p:cNvPr>
+            <p:cNvSpPr/>
+            <p:nvPr/>
+          </p:nvSpPr>
+          <p:spPr>
+            <a:xfrm>
+              <a:off x="2043345" y="5485621"/>
+              <a:ext cx="304781" cy="495270"/>
+            </a:xfrm>
+            <a:prstGeom prst="rect">
+              <a:avLst/>
+            </a:prstGeom>
+            <a:solidFill>
+              <a:srgbClr val="FFC000"/>
+            </a:solidFill>
+            <a:ln>
+              <a:noFill/>
+            </a:ln>
+          </p:spPr>
+          <p:style>
+            <a:lnRef idx="2">
+              <a:schemeClr val="accent1">
+                <a:shade val="50000"/>
+              </a:schemeClr>
+            </a:lnRef>
+            <a:fillRef idx="1">
+              <a:schemeClr val="accent1"/>
+            </a:fillRef>
+            <a:effectRef idx="0">
+              <a:schemeClr val="accent1"/>
+            </a:effectRef>
+            <a:fontRef idx="minor">
+              <a:schemeClr val="lt1"/>
+            </a:fontRef>
+          </p:style>
+          <p:txBody>
+            <a:bodyPr rtlCol="0" anchor="ctr"/>
+            <a:lstStyle/>
+            <a:p>
+              <a:pPr algn="ctr"/>
+              <a:endParaRPr kumimoji="1" lang="ja-JP" altLang="en-US"/>
+            </a:p>
+          </p:txBody>
+        </p:sp>
+        <p:sp>
+          <p:nvSpPr>
+            <p:cNvPr id="44" name="円/楕円 43">
+              <a:extLst>
+                <a:ext uri="{FF2B5EF4-FFF2-40B4-BE49-F238E27FC236}">
+                  <a16:creationId xmlns:a16="http://schemas.microsoft.com/office/drawing/2014/main" id="{8F4C28EF-629A-4E62-6D95-DB8D1E054289}"/>
+                </a:ext>
+              </a:extLst>
+            </p:cNvPr>
+            <p:cNvSpPr/>
+            <p:nvPr/>
+          </p:nvSpPr>
+          <p:spPr>
+            <a:xfrm>
+              <a:off x="2231747" y="5625244"/>
+              <a:ext cx="216024" cy="216024"/>
+            </a:xfrm>
+            <a:prstGeom prst="ellipse">
+              <a:avLst/>
+            </a:prstGeom>
+            <a:solidFill>
+              <a:srgbClr val="FFC000"/>
+            </a:solidFill>
+            <a:ln>
+              <a:noFill/>
+            </a:ln>
+          </p:spPr>
+          <p:style>
+            <a:lnRef idx="2">
+              <a:schemeClr val="accent1">
+                <a:shade val="50000"/>
+              </a:schemeClr>
+            </a:lnRef>
+            <a:fillRef idx="1">
+              <a:schemeClr val="accent1"/>
+            </a:fillRef>
+            <a:effectRef idx="0">
+              <a:schemeClr val="accent1"/>
+            </a:effectRef>
+            <a:fontRef idx="minor">
+              <a:schemeClr val="lt1"/>
+            </a:fontRef>
+          </p:style>
+          <p:txBody>
+            <a:bodyPr rtlCol="0" anchor="ctr"/>
+            <a:lstStyle/>
+            <a:p>
+              <a:pPr algn="ctr"/>
+              <a:endParaRPr kumimoji="1" lang="ja-JP" altLang="en-US"/>
+            </a:p>
+          </p:txBody>
+        </p:sp>
+      </p:grpSp>
+      <p:grpSp>
+        <p:nvGrpSpPr>
+          <p:cNvPr id="46" name="グループ化 45">
+            <a:extLst>
+              <a:ext uri="{FF2B5EF4-FFF2-40B4-BE49-F238E27FC236}">
+                <a16:creationId xmlns:a16="http://schemas.microsoft.com/office/drawing/2014/main" id="{D3A0F885-9B43-148B-1D7F-D078F705F374}"/>
+              </a:ext>
+            </a:extLst>
+          </p:cNvPr>
+          <p:cNvGrpSpPr/>
+          <p:nvPr/>
+        </p:nvGrpSpPr>
+        <p:grpSpPr>
+          <a:xfrm>
+            <a:off x="2541422" y="4897067"/>
+            <a:ext cx="414075" cy="495270"/>
+            <a:chOff x="2915816" y="5485621"/>
+            <a:chExt cx="414075" cy="495270"/>
+          </a:xfrm>
+        </p:grpSpPr>
+        <p:sp>
+          <p:nvSpPr>
+            <p:cNvPr id="43" name="正方形/長方形 42">
+              <a:extLst>
+                <a:ext uri="{FF2B5EF4-FFF2-40B4-BE49-F238E27FC236}">
+                  <a16:creationId xmlns:a16="http://schemas.microsoft.com/office/drawing/2014/main" id="{B918C5E4-86DE-C5EC-7BDD-8D9A2C280B61}"/>
+                </a:ext>
+              </a:extLst>
+            </p:cNvPr>
+            <p:cNvSpPr/>
+            <p:nvPr/>
+          </p:nvSpPr>
+          <p:spPr>
+            <a:xfrm>
+              <a:off x="3025110" y="5485621"/>
+              <a:ext cx="304781" cy="495270"/>
+            </a:xfrm>
+            <a:prstGeom prst="rect">
+              <a:avLst/>
+            </a:prstGeom>
+            <a:solidFill>
+              <a:srgbClr val="FFC000"/>
+            </a:solidFill>
+            <a:ln>
+              <a:noFill/>
+            </a:ln>
+          </p:spPr>
+          <p:style>
+            <a:lnRef idx="2">
+              <a:schemeClr val="accent1">
+                <a:shade val="50000"/>
+              </a:schemeClr>
+            </a:lnRef>
+            <a:fillRef idx="1">
+              <a:schemeClr val="accent1"/>
+            </a:fillRef>
+            <a:effectRef idx="0">
+              <a:schemeClr val="accent1"/>
+            </a:effectRef>
+            <a:fontRef idx="minor">
+              <a:schemeClr val="lt1"/>
+            </a:fontRef>
+          </p:style>
+          <p:txBody>
+            <a:bodyPr rtlCol="0" anchor="ctr"/>
+            <a:lstStyle/>
+            <a:p>
+              <a:pPr algn="ctr"/>
+              <a:endParaRPr kumimoji="1" lang="ja-JP" altLang="en-US"/>
+            </a:p>
+          </p:txBody>
+        </p:sp>
+        <p:sp>
+          <p:nvSpPr>
+            <p:cNvPr id="45" name="円/楕円 44">
+              <a:extLst>
+                <a:ext uri="{FF2B5EF4-FFF2-40B4-BE49-F238E27FC236}">
+                  <a16:creationId xmlns:a16="http://schemas.microsoft.com/office/drawing/2014/main" id="{AA768FD0-4EEA-FF92-71DE-EB082AC0B8D2}"/>
+                </a:ext>
+              </a:extLst>
+            </p:cNvPr>
+            <p:cNvSpPr/>
+            <p:nvPr/>
+          </p:nvSpPr>
+          <p:spPr>
+            <a:xfrm>
+              <a:off x="2915816" y="5625244"/>
+              <a:ext cx="216024" cy="216024"/>
+            </a:xfrm>
+            <a:prstGeom prst="ellipse">
+              <a:avLst/>
+            </a:prstGeom>
+            <a:solidFill>
+              <a:schemeClr val="bg1">
+                <a:lumMod val="95000"/>
+              </a:schemeClr>
+            </a:solidFill>
+            <a:ln>
+              <a:noFill/>
+            </a:ln>
+          </p:spPr>
+          <p:style>
+            <a:lnRef idx="2">
+              <a:schemeClr val="accent1">
+                <a:shade val="50000"/>
+              </a:schemeClr>
+            </a:lnRef>
+            <a:fillRef idx="1">
+              <a:schemeClr val="accent1"/>
+            </a:fillRef>
+            <a:effectRef idx="0">
+              <a:schemeClr val="accent1"/>
+            </a:effectRef>
+            <a:fontRef idx="minor">
+              <a:schemeClr val="lt1"/>
+            </a:fontRef>
+          </p:style>
+          <p:txBody>
+            <a:bodyPr rtlCol="0" anchor="ctr"/>
+            <a:lstStyle/>
+            <a:p>
+              <a:pPr algn="ctr"/>
+              <a:endParaRPr kumimoji="1" lang="ja-JP" altLang="en-US"/>
+            </a:p>
+          </p:txBody>
+        </p:sp>
+      </p:grpSp>
+      <p:grpSp>
+        <p:nvGrpSpPr>
+          <p:cNvPr id="48" name="グループ化 47">
+            <a:extLst>
+              <a:ext uri="{FF2B5EF4-FFF2-40B4-BE49-F238E27FC236}">
+                <a16:creationId xmlns:a16="http://schemas.microsoft.com/office/drawing/2014/main" id="{3F9AC79F-C63F-9B14-1E2D-EE24C10A5407}"/>
+              </a:ext>
+            </a:extLst>
+          </p:cNvPr>
+          <p:cNvGrpSpPr/>
+          <p:nvPr/>
+        </p:nvGrpSpPr>
+        <p:grpSpPr>
+          <a:xfrm>
+            <a:off x="3254481" y="4861701"/>
+            <a:ext cx="491092" cy="555148"/>
+            <a:chOff x="3980964" y="3583025"/>
+            <a:chExt cx="828092" cy="936104"/>
+          </a:xfrm>
+        </p:grpSpPr>
+        <p:sp>
+          <p:nvSpPr>
+            <p:cNvPr id="49" name="正方形/長方形 48">
+              <a:extLst>
+                <a:ext uri="{FF2B5EF4-FFF2-40B4-BE49-F238E27FC236}">
+                  <a16:creationId xmlns:a16="http://schemas.microsoft.com/office/drawing/2014/main" id="{32B2F2E0-57CD-ABB5-5115-EFF44FF3E45E}"/>
+                </a:ext>
+              </a:extLst>
+            </p:cNvPr>
+            <p:cNvSpPr/>
+            <p:nvPr/>
+          </p:nvSpPr>
+          <p:spPr>
+            <a:xfrm>
+              <a:off x="4232992" y="3583025"/>
+              <a:ext cx="576064" cy="936104"/>
+            </a:xfrm>
+            <a:prstGeom prst="rect">
+              <a:avLst/>
+            </a:prstGeom>
+            <a:solidFill>
+              <a:srgbClr val="FFC000"/>
+            </a:solidFill>
+            <a:ln>
+              <a:noFill/>
+            </a:ln>
+          </p:spPr>
+          <p:style>
+            <a:lnRef idx="2">
+              <a:schemeClr val="accent1">
+                <a:shade val="50000"/>
+              </a:schemeClr>
+            </a:lnRef>
+            <a:fillRef idx="1">
+              <a:schemeClr val="accent1"/>
+            </a:fillRef>
+            <a:effectRef idx="0">
+              <a:schemeClr val="accent1"/>
+            </a:effectRef>
+            <a:fontRef idx="minor">
+              <a:schemeClr val="lt1"/>
+            </a:fontRef>
+          </p:style>
+          <p:txBody>
+            <a:bodyPr rtlCol="0" anchor="ctr"/>
+            <a:lstStyle/>
+            <a:p>
+              <a:pPr algn="ctr"/>
+              <a:endParaRPr kumimoji="1" lang="ja-JP" altLang="en-US"/>
+            </a:p>
+          </p:txBody>
+        </p:sp>
+        <p:sp>
+          <p:nvSpPr>
+            <p:cNvPr id="50" name="三角形 49">
+              <a:extLst>
+                <a:ext uri="{FF2B5EF4-FFF2-40B4-BE49-F238E27FC236}">
+                  <a16:creationId xmlns:a16="http://schemas.microsoft.com/office/drawing/2014/main" id="{DC0576ED-0905-833F-AC03-459274FFFF42}"/>
+                </a:ext>
+              </a:extLst>
+            </p:cNvPr>
+            <p:cNvSpPr/>
+            <p:nvPr/>
+          </p:nvSpPr>
+          <p:spPr>
+            <a:xfrm rot="5400000">
+              <a:off x="4016968" y="3799049"/>
+              <a:ext cx="432048" cy="504056"/>
+            </a:xfrm>
+            <a:prstGeom prst="triangle">
+              <a:avLst/>
+            </a:prstGeom>
+            <a:solidFill>
+              <a:schemeClr val="bg1">
+                <a:lumMod val="95000"/>
+              </a:schemeClr>
+            </a:solidFill>
+            <a:ln>
+              <a:noFill/>
+            </a:ln>
+          </p:spPr>
+          <p:style>
+            <a:lnRef idx="2">
+              <a:schemeClr val="accent1">
+                <a:shade val="50000"/>
+              </a:schemeClr>
+            </a:lnRef>
+            <a:fillRef idx="1">
+              <a:schemeClr val="accent1"/>
+            </a:fillRef>
+            <a:effectRef idx="0">
+              <a:schemeClr val="accent1"/>
+            </a:effectRef>
+            <a:fontRef idx="minor">
+              <a:schemeClr val="lt1"/>
+            </a:fontRef>
+          </p:style>
+          <p:txBody>
+            <a:bodyPr rtlCol="0" anchor="ctr"/>
+            <a:lstStyle/>
+            <a:p>
+              <a:pPr algn="ctr"/>
+              <a:endParaRPr kumimoji="1" lang="ja-JP" altLang="en-US"/>
+            </a:p>
+          </p:txBody>
+        </p:sp>
+      </p:grpSp>
+      <p:pic>
+        <p:nvPicPr>
+          <p:cNvPr id="51" name="Picture 8" descr="会社で働く人のイラスト（男性）">
+            <a:extLst>
+              <a:ext uri="{FF2B5EF4-FFF2-40B4-BE49-F238E27FC236}">
+                <a16:creationId xmlns:a16="http://schemas.microsoft.com/office/drawing/2014/main" id="{217587CF-272B-B578-ECCF-0B8E2DE60D85}"/>
+              </a:ext>
+            </a:extLst>
+          </p:cNvPr>
+          <p:cNvPicPr>
+            <a:picLocks noChangeAspect="1" noChangeArrowheads="1"/>
+          </p:cNvPicPr>
+          <p:nvPr/>
+        </p:nvPicPr>
+        <p:blipFill>
+          <a:blip r:embed="rId2">
+            <a:extLst>
+              <a:ext uri="{28A0092B-C50C-407E-A947-70E740481C1C}">
+                <a14:useLocalDpi xmlns:a14="http://schemas.microsoft.com/office/drawing/2010/main" val="0"/>
+              </a:ext>
+            </a:extLst>
+          </a:blip>
+          <a:srcRect/>
+          <a:stretch>
+            <a:fillRect/>
+          </a:stretch>
+        </p:blipFill>
+        <p:spPr bwMode="auto">
+          <a:xfrm flipH="1">
+            <a:off x="2709455" y="3978053"/>
+            <a:ext cx="777586" cy="777586"/>
+          </a:xfrm>
+          <a:prstGeom prst="rect">
+            <a:avLst/>
+          </a:prstGeom>
+          <a:noFill/>
+          <a:extLst>
+            <a:ext uri="{909E8E84-426E-40DD-AFC4-6F175D3DCCD1}">
+              <a14:hiddenFill xmlns:a14="http://schemas.microsoft.com/office/drawing/2010/main">
+                <a:solidFill>
+                  <a:srgbClr val="FFFFFF"/>
+                </a:solidFill>
+              </a14:hiddenFill>
+            </a:ext>
+          </a:extLst>
+        </p:spPr>
+      </p:pic>
+      <p:sp>
+        <p:nvSpPr>
+          <p:cNvPr id="52" name="テキスト ボックス 51">
+            <a:extLst>
+              <a:ext uri="{FF2B5EF4-FFF2-40B4-BE49-F238E27FC236}">
+                <a16:creationId xmlns:a16="http://schemas.microsoft.com/office/drawing/2014/main" id="{CA986DFD-155F-959C-AFD2-BCC903654E36}"/>
+              </a:ext>
+            </a:extLst>
+          </p:cNvPr>
+          <p:cNvSpPr txBox="1"/>
+          <p:nvPr/>
+        </p:nvSpPr>
+        <p:spPr>
+          <a:xfrm>
+            <a:off x="3047332" y="4954609"/>
+            <a:ext cx="311304" cy="369332"/>
+          </a:xfrm>
+          <a:prstGeom prst="rect">
+            <a:avLst/>
+          </a:prstGeom>
+          <a:noFill/>
+        </p:spPr>
+        <p:txBody>
+          <a:bodyPr wrap="none" rtlCol="0">
+            <a:spAutoFit/>
+          </a:bodyPr>
+          <a:lstStyle/>
+          <a:p>
+            <a:r>
+              <a:rPr kumimoji="1" lang="en-US" altLang="ja-JP" dirty="0"/>
+              <a:t>≠</a:t>
+            </a:r>
+            <a:endParaRPr kumimoji="1" lang="ja-JP" altLang="en-US"/>
+          </a:p>
+        </p:txBody>
+      </p:sp>
+      <p:sp>
+        <p:nvSpPr>
+          <p:cNvPr id="53" name="テキスト ボックス 52">
+            <a:extLst>
+              <a:ext uri="{FF2B5EF4-FFF2-40B4-BE49-F238E27FC236}">
+                <a16:creationId xmlns:a16="http://schemas.microsoft.com/office/drawing/2014/main" id="{BC951E55-1DE7-F830-7F8B-6E7EFF8A4309}"/>
+              </a:ext>
+            </a:extLst>
+          </p:cNvPr>
+          <p:cNvSpPr txBox="1"/>
+          <p:nvPr/>
+        </p:nvSpPr>
+        <p:spPr>
+          <a:xfrm>
+            <a:off x="4229688" y="4708736"/>
+            <a:ext cx="4440683" cy="646331"/>
+          </a:xfrm>
+          <a:prstGeom prst="rect">
+            <a:avLst/>
+          </a:prstGeom>
+          <a:noFill/>
+        </p:spPr>
+        <p:txBody>
+          <a:bodyPr wrap="square" rtlCol="0">
+            <a:spAutoFit/>
+          </a:bodyPr>
+          <a:lstStyle/>
+          <a:p>
+            <a:r>
+              <a:rPr lang="ja-JP" altLang="en-US"/>
+              <a:t>ホストがなりすましである場合、異なる公開鍵を送ってくるのでわかる</a:t>
+            </a:r>
+            <a:endParaRPr kumimoji="1" lang="ja-JP" altLang="en-US"/>
+          </a:p>
+        </p:txBody>
+      </p:sp>
+      <p:cxnSp>
+        <p:nvCxnSpPr>
+          <p:cNvPr id="54" name="直線矢印コネクタ 53">
+            <a:extLst>
+              <a:ext uri="{FF2B5EF4-FFF2-40B4-BE49-F238E27FC236}">
+                <a16:creationId xmlns:a16="http://schemas.microsoft.com/office/drawing/2014/main" id="{42D8F9FE-4162-C5A5-918C-EB2DA10C4CE5}"/>
+              </a:ext>
+            </a:extLst>
+          </p:cNvPr>
+          <p:cNvCxnSpPr/>
+          <p:nvPr/>
+        </p:nvCxnSpPr>
+        <p:spPr>
+          <a:xfrm>
+            <a:off x="1400475" y="5139275"/>
+            <a:ext cx="795261" cy="0"/>
+          </a:xfrm>
+          <a:prstGeom prst="straightConnector1">
+            <a:avLst/>
+          </a:prstGeom>
+          <a:ln>
+            <a:solidFill>
+              <a:schemeClr val="tx1"/>
+            </a:solidFill>
+            <a:headEnd type="none" w="med" len="med"/>
+            <a:tailEnd type="triangle"/>
+          </a:ln>
+        </p:spPr>
+        <p:style>
+          <a:lnRef idx="1">
+            <a:schemeClr val="accent1"/>
+          </a:lnRef>
+          <a:fillRef idx="0">
+            <a:schemeClr val="accent1"/>
+          </a:fillRef>
+          <a:effectRef idx="0">
+            <a:schemeClr val="accent1"/>
+          </a:effectRef>
+          <a:fontRef idx="minor">
+            <a:schemeClr val="tx1"/>
+          </a:fontRef>
+        </p:style>
+      </p:cxnSp>
+      <p:sp>
+        <p:nvSpPr>
+          <p:cNvPr id="55" name="テキスト ボックス 54">
+            <a:extLst>
+              <a:ext uri="{FF2B5EF4-FFF2-40B4-BE49-F238E27FC236}">
+                <a16:creationId xmlns:a16="http://schemas.microsoft.com/office/drawing/2014/main" id="{3615EAE7-2F5C-DA50-7F10-FE9C695296AD}"/>
+              </a:ext>
+            </a:extLst>
+          </p:cNvPr>
+          <p:cNvSpPr txBox="1"/>
+          <p:nvPr/>
+        </p:nvSpPr>
+        <p:spPr>
+          <a:xfrm>
+            <a:off x="4254544" y="5877272"/>
+            <a:ext cx="4530419" cy="646331"/>
+          </a:xfrm>
+          <a:prstGeom prst="rect">
+            <a:avLst/>
+          </a:prstGeom>
+          <a:noFill/>
+        </p:spPr>
+        <p:txBody>
+          <a:bodyPr wrap="square" rtlCol="0">
+            <a:spAutoFit/>
+          </a:bodyPr>
+          <a:lstStyle/>
+          <a:p>
+            <a:r>
+              <a:rPr lang="ja-JP" altLang="en-US"/>
+              <a:t>公開鍵を偽装しても、秘密鍵を持っていないので公開鍵に対応した署名ができない</a:t>
+            </a:r>
+            <a:endParaRPr kumimoji="1" lang="ja-JP" altLang="en-US"/>
+          </a:p>
+        </p:txBody>
+      </p:sp>
+      <p:grpSp>
+        <p:nvGrpSpPr>
+          <p:cNvPr id="56" name="グループ化 55">
+            <a:extLst>
+              <a:ext uri="{FF2B5EF4-FFF2-40B4-BE49-F238E27FC236}">
+                <a16:creationId xmlns:a16="http://schemas.microsoft.com/office/drawing/2014/main" id="{B4CF50FB-A5DD-2C8D-6406-0447E8AD29C6}"/>
+              </a:ext>
+            </a:extLst>
+          </p:cNvPr>
+          <p:cNvGrpSpPr/>
+          <p:nvPr/>
+        </p:nvGrpSpPr>
+        <p:grpSpPr>
+          <a:xfrm>
+            <a:off x="699512" y="5893741"/>
+            <a:ext cx="404426" cy="495270"/>
+            <a:chOff x="2043345" y="5485621"/>
+            <a:chExt cx="404426" cy="495270"/>
+          </a:xfrm>
+        </p:grpSpPr>
+        <p:sp>
+          <p:nvSpPr>
+            <p:cNvPr id="57" name="正方形/長方形 56">
+              <a:extLst>
+                <a:ext uri="{FF2B5EF4-FFF2-40B4-BE49-F238E27FC236}">
+                  <a16:creationId xmlns:a16="http://schemas.microsoft.com/office/drawing/2014/main" id="{558A95C9-95F8-0D42-2CD5-EB2DC629630D}"/>
+                </a:ext>
+              </a:extLst>
+            </p:cNvPr>
+            <p:cNvSpPr/>
+            <p:nvPr/>
+          </p:nvSpPr>
+          <p:spPr>
+            <a:xfrm>
+              <a:off x="2043345" y="5485621"/>
+              <a:ext cx="304781" cy="495270"/>
+            </a:xfrm>
+            <a:prstGeom prst="rect">
+              <a:avLst/>
+            </a:prstGeom>
+            <a:solidFill>
+              <a:srgbClr val="FFC000"/>
+            </a:solidFill>
+            <a:ln>
+              <a:noFill/>
+            </a:ln>
+          </p:spPr>
+          <p:style>
+            <a:lnRef idx="2">
+              <a:schemeClr val="accent1">
+                <a:shade val="50000"/>
+              </a:schemeClr>
+            </a:lnRef>
+            <a:fillRef idx="1">
+              <a:schemeClr val="accent1"/>
+            </a:fillRef>
+            <a:effectRef idx="0">
+              <a:schemeClr val="accent1"/>
+            </a:effectRef>
+            <a:fontRef idx="minor">
+              <a:schemeClr val="lt1"/>
+            </a:fontRef>
+          </p:style>
+          <p:txBody>
+            <a:bodyPr rtlCol="0" anchor="ctr"/>
+            <a:lstStyle/>
+            <a:p>
+              <a:pPr algn="ctr"/>
+              <a:endParaRPr kumimoji="1" lang="ja-JP" altLang="en-US"/>
+            </a:p>
+          </p:txBody>
+        </p:sp>
+        <p:sp>
+          <p:nvSpPr>
+            <p:cNvPr id="58" name="円/楕円 57">
+              <a:extLst>
+                <a:ext uri="{FF2B5EF4-FFF2-40B4-BE49-F238E27FC236}">
+                  <a16:creationId xmlns:a16="http://schemas.microsoft.com/office/drawing/2014/main" id="{1906CB8D-AA67-7D4F-298E-B56B848AC413}"/>
+                </a:ext>
+              </a:extLst>
+            </p:cNvPr>
+            <p:cNvSpPr/>
+            <p:nvPr/>
+          </p:nvSpPr>
+          <p:spPr>
+            <a:xfrm>
+              <a:off x="2231747" y="5625244"/>
+              <a:ext cx="216024" cy="216024"/>
+            </a:xfrm>
+            <a:prstGeom prst="ellipse">
+              <a:avLst/>
+            </a:prstGeom>
+            <a:solidFill>
+              <a:srgbClr val="FFC000"/>
+            </a:solidFill>
+            <a:ln>
+              <a:noFill/>
+            </a:ln>
+          </p:spPr>
+          <p:style>
+            <a:lnRef idx="2">
+              <a:schemeClr val="accent1">
+                <a:shade val="50000"/>
+              </a:schemeClr>
+            </a:lnRef>
+            <a:fillRef idx="1">
+              <a:schemeClr val="accent1"/>
+            </a:fillRef>
+            <a:effectRef idx="0">
+              <a:schemeClr val="accent1"/>
+            </a:effectRef>
+            <a:fontRef idx="minor">
+              <a:schemeClr val="lt1"/>
+            </a:fontRef>
+          </p:style>
+          <p:txBody>
+            <a:bodyPr rtlCol="0" anchor="ctr"/>
+            <a:lstStyle/>
+            <a:p>
+              <a:pPr algn="ctr"/>
+              <a:endParaRPr kumimoji="1" lang="ja-JP" altLang="en-US"/>
+            </a:p>
+          </p:txBody>
+        </p:sp>
+      </p:grpSp>
+      <p:cxnSp>
+        <p:nvCxnSpPr>
+          <p:cNvPr id="59" name="直線矢印コネクタ 58">
+            <a:extLst>
+              <a:ext uri="{FF2B5EF4-FFF2-40B4-BE49-F238E27FC236}">
+                <a16:creationId xmlns:a16="http://schemas.microsoft.com/office/drawing/2014/main" id="{DCCFEDC2-8509-4194-AEEE-485A66DAA182}"/>
+              </a:ext>
+            </a:extLst>
+          </p:cNvPr>
+          <p:cNvCxnSpPr/>
+          <p:nvPr/>
+        </p:nvCxnSpPr>
+        <p:spPr>
+          <a:xfrm>
+            <a:off x="1400475" y="6141376"/>
+            <a:ext cx="795261" cy="0"/>
+          </a:xfrm>
+          <a:prstGeom prst="straightConnector1">
+            <a:avLst/>
+          </a:prstGeom>
+          <a:ln>
+            <a:solidFill>
+              <a:schemeClr val="tx1"/>
+            </a:solidFill>
+            <a:headEnd type="none" w="med" len="med"/>
+            <a:tailEnd type="triangle"/>
+          </a:ln>
+        </p:spPr>
+        <p:style>
+          <a:lnRef idx="1">
+            <a:schemeClr val="accent1"/>
+          </a:lnRef>
+          <a:fillRef idx="0">
+            <a:schemeClr val="accent1"/>
+          </a:fillRef>
+          <a:effectRef idx="0">
+            <a:schemeClr val="accent1"/>
+          </a:effectRef>
+          <a:fontRef idx="minor">
+            <a:schemeClr val="tx1"/>
+          </a:fontRef>
+        </p:style>
+      </p:cxnSp>
+      <p:grpSp>
+        <p:nvGrpSpPr>
+          <p:cNvPr id="68" name="グループ化 67">
+            <a:extLst>
+              <a:ext uri="{FF2B5EF4-FFF2-40B4-BE49-F238E27FC236}">
+                <a16:creationId xmlns:a16="http://schemas.microsoft.com/office/drawing/2014/main" id="{81A1F9B4-A837-4767-CE66-5FDC7DB7AA47}"/>
+              </a:ext>
+            </a:extLst>
+          </p:cNvPr>
+          <p:cNvGrpSpPr/>
+          <p:nvPr/>
+        </p:nvGrpSpPr>
+        <p:grpSpPr>
+          <a:xfrm>
+            <a:off x="2447771" y="5840830"/>
+            <a:ext cx="703773" cy="566537"/>
+            <a:chOff x="3284687" y="5877272"/>
+            <a:chExt cx="703773" cy="566537"/>
+          </a:xfrm>
+        </p:grpSpPr>
+        <p:pic>
+          <p:nvPicPr>
+            <p:cNvPr id="64" name="Picture 2" descr="掲示板に貼られた紙のイラスト（メモ）">
+              <a:extLst>
+                <a:ext uri="{FF2B5EF4-FFF2-40B4-BE49-F238E27FC236}">
+                  <a16:creationId xmlns:a16="http://schemas.microsoft.com/office/drawing/2014/main" id="{BC22D1C6-6F90-D206-9E3B-51EC9CD5C2C5}"/>
+                </a:ext>
+              </a:extLst>
+            </p:cNvPr>
+            <p:cNvPicPr>
+              <a:picLocks noChangeAspect="1" noChangeArrowheads="1"/>
+            </p:cNvPicPr>
+            <p:nvPr/>
+          </p:nvPicPr>
+          <p:blipFill>
+            <a:blip r:embed="rId4" cstate="print">
+              <a:extLst>
+                <a:ext uri="{28A0092B-C50C-407E-A947-70E740481C1C}">
+                  <a14:useLocalDpi xmlns:a14="http://schemas.microsoft.com/office/drawing/2010/main" val="0"/>
+                </a:ext>
+              </a:extLst>
+            </a:blip>
+            <a:srcRect/>
+            <a:stretch>
+              <a:fillRect/>
+            </a:stretch>
+          </p:blipFill>
+          <p:spPr bwMode="auto">
+            <a:xfrm>
+              <a:off x="3284687" y="5877272"/>
+              <a:ext cx="703773" cy="566537"/>
+            </a:xfrm>
+            <a:prstGeom prst="rect">
+              <a:avLst/>
+            </a:prstGeom>
+            <a:noFill/>
+            <a:extLst>
+              <a:ext uri="{909E8E84-426E-40DD-AFC4-6F175D3DCCD1}">
+                <a14:hiddenFill xmlns:a14="http://schemas.microsoft.com/office/drawing/2010/main">
+                  <a:solidFill>
+                    <a:srgbClr val="FFFFFF"/>
+                  </a:solidFill>
+                </a14:hiddenFill>
+              </a:ext>
+            </a:extLst>
+          </p:spPr>
+        </p:pic>
+        <p:grpSp>
+          <p:nvGrpSpPr>
+            <p:cNvPr id="60" name="グループ化 59">
+              <a:extLst>
+                <a:ext uri="{FF2B5EF4-FFF2-40B4-BE49-F238E27FC236}">
+                  <a16:creationId xmlns:a16="http://schemas.microsoft.com/office/drawing/2014/main" id="{C7F3DFD1-5B97-759D-4EB4-BBE6A51959F7}"/>
+                </a:ext>
+              </a:extLst>
+            </p:cNvPr>
+            <p:cNvGrpSpPr/>
+            <p:nvPr/>
+          </p:nvGrpSpPr>
+          <p:grpSpPr>
+            <a:xfrm>
+              <a:off x="3519970" y="6033364"/>
+              <a:ext cx="250304" cy="306529"/>
+              <a:chOff x="2043345" y="5485621"/>
+              <a:chExt cx="404426" cy="495270"/>
+            </a:xfrm>
+            <a:solidFill>
+              <a:srgbClr val="FF0000"/>
+            </a:solidFill>
+          </p:grpSpPr>
+          <p:sp>
+            <p:nvSpPr>
+              <p:cNvPr id="61" name="正方形/長方形 60">
+                <a:extLst>
+                  <a:ext uri="{FF2B5EF4-FFF2-40B4-BE49-F238E27FC236}">
+                    <a16:creationId xmlns:a16="http://schemas.microsoft.com/office/drawing/2014/main" id="{7DE788E0-CF84-19BB-72BC-C4EB1D5A08CA}"/>
+                  </a:ext>
+                </a:extLst>
+              </p:cNvPr>
+              <p:cNvSpPr/>
+              <p:nvPr/>
+            </p:nvSpPr>
+            <p:spPr>
+              <a:xfrm>
+                <a:off x="2043345" y="5485621"/>
+                <a:ext cx="304781" cy="495270"/>
+              </a:xfrm>
+              <a:prstGeom prst="rect">
+                <a:avLst/>
+              </a:prstGeom>
+              <a:grpFill/>
+              <a:ln>
+                <a:noFill/>
+              </a:ln>
+            </p:spPr>
+            <p:style>
+              <a:lnRef idx="2">
+                <a:schemeClr val="accent1">
+                  <a:shade val="50000"/>
+                </a:schemeClr>
+              </a:lnRef>
+              <a:fillRef idx="1">
+                <a:schemeClr val="accent1"/>
+              </a:fillRef>
+              <a:effectRef idx="0">
+                <a:schemeClr val="accent1"/>
+              </a:effectRef>
+              <a:fontRef idx="minor">
+                <a:schemeClr val="lt1"/>
+              </a:fontRef>
+            </p:style>
+            <p:txBody>
+              <a:bodyPr rtlCol="0" anchor="ctr"/>
+              <a:lstStyle/>
+              <a:p>
+                <a:pPr algn="ctr"/>
+                <a:endParaRPr kumimoji="1" lang="ja-JP" altLang="en-US"/>
+              </a:p>
+            </p:txBody>
+          </p:sp>
+          <p:sp>
+            <p:nvSpPr>
+              <p:cNvPr id="62" name="円/楕円 61">
+                <a:extLst>
+                  <a:ext uri="{FF2B5EF4-FFF2-40B4-BE49-F238E27FC236}">
+                    <a16:creationId xmlns:a16="http://schemas.microsoft.com/office/drawing/2014/main" id="{16876F60-B928-F132-3FA7-09C6D0896512}"/>
+                  </a:ext>
+                </a:extLst>
+              </p:cNvPr>
+              <p:cNvSpPr/>
+              <p:nvPr/>
+            </p:nvSpPr>
+            <p:spPr>
+              <a:xfrm>
+                <a:off x="2231747" y="5625244"/>
+                <a:ext cx="216024" cy="216024"/>
+              </a:xfrm>
+              <a:prstGeom prst="ellipse">
+                <a:avLst/>
+              </a:prstGeom>
+              <a:grpFill/>
+              <a:ln>
+                <a:noFill/>
+              </a:ln>
+            </p:spPr>
+            <p:style>
+              <a:lnRef idx="2">
+                <a:schemeClr val="accent1">
+                  <a:shade val="50000"/>
+                </a:schemeClr>
+              </a:lnRef>
+              <a:fillRef idx="1">
+                <a:schemeClr val="accent1"/>
+              </a:fillRef>
+              <a:effectRef idx="0">
+                <a:schemeClr val="accent1"/>
+              </a:effectRef>
+              <a:fontRef idx="minor">
+                <a:schemeClr val="lt1"/>
+              </a:fontRef>
+            </p:style>
+            <p:txBody>
+              <a:bodyPr rtlCol="0" anchor="ctr"/>
+              <a:lstStyle/>
+              <a:p>
+                <a:pPr algn="ctr"/>
+                <a:endParaRPr kumimoji="1" lang="ja-JP" altLang="en-US"/>
+              </a:p>
+            </p:txBody>
+          </p:sp>
+        </p:grpSp>
+      </p:grpSp>
+      <p:sp>
+        <p:nvSpPr>
+          <p:cNvPr id="69" name="テキスト ボックス 68">
+            <a:extLst>
+              <a:ext uri="{FF2B5EF4-FFF2-40B4-BE49-F238E27FC236}">
+                <a16:creationId xmlns:a16="http://schemas.microsoft.com/office/drawing/2014/main" id="{AB3BF710-270A-3505-FFDE-42A2A9668736}"/>
+              </a:ext>
+            </a:extLst>
+          </p:cNvPr>
+          <p:cNvSpPr txBox="1"/>
+          <p:nvPr/>
+        </p:nvSpPr>
+        <p:spPr>
+          <a:xfrm>
+            <a:off x="3047332" y="5975265"/>
+            <a:ext cx="311304" cy="369332"/>
+          </a:xfrm>
+          <a:prstGeom prst="rect">
+            <a:avLst/>
+          </a:prstGeom>
+          <a:noFill/>
+        </p:spPr>
+        <p:txBody>
+          <a:bodyPr wrap="none" rtlCol="0">
+            <a:spAutoFit/>
+          </a:bodyPr>
+          <a:lstStyle/>
+          <a:p>
+            <a:r>
+              <a:rPr kumimoji="1" lang="en-US" altLang="ja-JP" dirty="0"/>
+              <a:t>≠</a:t>
+            </a:r>
+            <a:endParaRPr kumimoji="1" lang="ja-JP" altLang="en-US"/>
+          </a:p>
+        </p:txBody>
+      </p:sp>
+      <p:grpSp>
+        <p:nvGrpSpPr>
+          <p:cNvPr id="70" name="グループ化 69">
+            <a:extLst>
+              <a:ext uri="{FF2B5EF4-FFF2-40B4-BE49-F238E27FC236}">
+                <a16:creationId xmlns:a16="http://schemas.microsoft.com/office/drawing/2014/main" id="{673CE9CF-9021-04C8-62C3-4DA19498F128}"/>
+              </a:ext>
+            </a:extLst>
+          </p:cNvPr>
+          <p:cNvGrpSpPr/>
+          <p:nvPr/>
+        </p:nvGrpSpPr>
+        <p:grpSpPr>
+          <a:xfrm>
+            <a:off x="3298736" y="5846524"/>
+            <a:ext cx="491092" cy="555148"/>
+            <a:chOff x="3980964" y="3583025"/>
+            <a:chExt cx="828092" cy="936104"/>
+          </a:xfrm>
+        </p:grpSpPr>
+        <p:sp>
+          <p:nvSpPr>
+            <p:cNvPr id="71" name="正方形/長方形 70">
+              <a:extLst>
+                <a:ext uri="{FF2B5EF4-FFF2-40B4-BE49-F238E27FC236}">
+                  <a16:creationId xmlns:a16="http://schemas.microsoft.com/office/drawing/2014/main" id="{0961A4F9-A234-EF0D-B8C5-FC5690C6E5B5}"/>
+                </a:ext>
+              </a:extLst>
+            </p:cNvPr>
+            <p:cNvSpPr/>
+            <p:nvPr/>
+          </p:nvSpPr>
+          <p:spPr>
+            <a:xfrm>
+              <a:off x="4232992" y="3583025"/>
+              <a:ext cx="576064" cy="936104"/>
+            </a:xfrm>
+            <a:prstGeom prst="rect">
+              <a:avLst/>
+            </a:prstGeom>
+            <a:solidFill>
+              <a:srgbClr val="FFC000"/>
+            </a:solidFill>
+            <a:ln>
+              <a:noFill/>
+            </a:ln>
+          </p:spPr>
+          <p:style>
+            <a:lnRef idx="2">
+              <a:schemeClr val="accent1">
+                <a:shade val="50000"/>
+              </a:schemeClr>
+            </a:lnRef>
+            <a:fillRef idx="1">
+              <a:schemeClr val="accent1"/>
+            </a:fillRef>
+            <a:effectRef idx="0">
+              <a:schemeClr val="accent1"/>
+            </a:effectRef>
+            <a:fontRef idx="minor">
+              <a:schemeClr val="lt1"/>
+            </a:fontRef>
+          </p:style>
+          <p:txBody>
+            <a:bodyPr rtlCol="0" anchor="ctr"/>
+            <a:lstStyle/>
+            <a:p>
+              <a:pPr algn="ctr"/>
+              <a:endParaRPr kumimoji="1" lang="ja-JP" altLang="en-US"/>
+            </a:p>
+          </p:txBody>
+        </p:sp>
+        <p:sp>
+          <p:nvSpPr>
+            <p:cNvPr id="72" name="三角形 71">
+              <a:extLst>
+                <a:ext uri="{FF2B5EF4-FFF2-40B4-BE49-F238E27FC236}">
+                  <a16:creationId xmlns:a16="http://schemas.microsoft.com/office/drawing/2014/main" id="{0552A2CD-57E1-0C6C-CB1B-0CD9F0A46FD2}"/>
+                </a:ext>
+              </a:extLst>
+            </p:cNvPr>
+            <p:cNvSpPr/>
+            <p:nvPr/>
+          </p:nvSpPr>
+          <p:spPr>
+            <a:xfrm rot="5400000">
+              <a:off x="4016968" y="3799049"/>
+              <a:ext cx="432048" cy="504056"/>
+            </a:xfrm>
+            <a:prstGeom prst="triangle">
+              <a:avLst/>
+            </a:prstGeom>
+            <a:solidFill>
+              <a:schemeClr val="bg1">
+                <a:lumMod val="95000"/>
+              </a:schemeClr>
+            </a:solidFill>
+            <a:ln>
+              <a:noFill/>
+            </a:ln>
+          </p:spPr>
+          <p:style>
+            <a:lnRef idx="2">
+              <a:schemeClr val="accent1">
+                <a:shade val="50000"/>
+              </a:schemeClr>
+            </a:lnRef>
+            <a:fillRef idx="1">
+              <a:schemeClr val="accent1"/>
+            </a:fillRef>
+            <a:effectRef idx="0">
+              <a:schemeClr val="accent1"/>
+            </a:effectRef>
+            <a:fontRef idx="minor">
+              <a:schemeClr val="lt1"/>
+            </a:fontRef>
+          </p:style>
+          <p:txBody>
+            <a:bodyPr rtlCol="0" anchor="ctr"/>
+            <a:lstStyle/>
+            <a:p>
+              <a:pPr algn="ctr"/>
+              <a:endParaRPr kumimoji="1" lang="ja-JP" altLang="en-US"/>
+            </a:p>
+          </p:txBody>
+        </p:sp>
+      </p:grpSp>
+    </p:spTree>
+    <p:extLst>
+      <p:ext uri="{BB962C8B-B14F-4D97-AF65-F5344CB8AC3E}">
+        <p14:creationId xmlns:p14="http://schemas.microsoft.com/office/powerpoint/2010/main" val="1278365213"/>
       </p:ext>
     </p:extLst>
   </p:cSld>
@@ -15221,7 +15221,7 @@
               <a:t>は</a:t>
             </a:r>
             <a:r>
-              <a:rPr kumimoji="1" lang="en-US" altLang="ja-JP" dirty="0" err="1"/>
+              <a:rPr kumimoji="1" lang="en-US" altLang="ja-JP" dirty="0"/>
               <a:t>KeyChain</a:t>
             </a:r>
             <a:r>
